--- a/docs/8_Final Presentation Panel.pptx
+++ b/docs/8_Final Presentation Panel.pptx
@@ -8029,7 +8029,7 @@
         </p:blipFill>
         <p:spPr>
           <a:xfrm>
-            <a:off x="1704027" y="3530095"/>
+            <a:off x="1380027" y="3531437"/>
             <a:ext cx="698587" cy="698587"/>
           </a:xfrm>
           <a:prstGeom prst="rect">
@@ -8045,8 +8045,8 @@
         </p:nvSpPr>
         <p:spPr>
           <a:xfrm>
-            <a:off x="2228648" y="2897937"/>
-            <a:ext cx="2935133" cy="502573"/>
+            <a:off x="1972078" y="2942304"/>
+            <a:ext cx="3095945" cy="502573"/>
           </a:xfrm>
           <a:prstGeom prst="rect">
             <a:avLst/>
@@ -8092,7 +8092,7 @@
         </p:nvSpPr>
         <p:spPr>
           <a:xfrm>
-            <a:off x="2566552" y="3696358"/>
+            <a:off x="2410074" y="3734010"/>
             <a:ext cx="2627243" cy="297454"/>
           </a:xfrm>
           <a:prstGeom prst="rect">
@@ -8124,7 +8124,7 @@
         </p:nvSpPr>
         <p:spPr>
           <a:xfrm>
-            <a:off x="2158430" y="4394764"/>
+            <a:off x="2001952" y="4432416"/>
             <a:ext cx="2894727" cy="502573"/>
           </a:xfrm>
           <a:prstGeom prst="rect">
@@ -8175,7 +8175,7 @@
         </p:nvSpPr>
         <p:spPr>
           <a:xfrm>
-            <a:off x="2420535" y="5239560"/>
+            <a:off x="2264057" y="5277212"/>
             <a:ext cx="2551360" cy="502573"/>
           </a:xfrm>
           <a:prstGeom prst="rect">
@@ -8195,7 +8195,21 @@
                 <a:latin typeface="a옛날목욕탕L" panose="02020600000000000000" pitchFamily="18" charset="-127"/>
                 <a:ea typeface="a옛날목욕탕L" panose="02020600000000000000" pitchFamily="18" charset="-127"/>
               </a:rPr>
-              <a:t>스마트 디바이스 및 프로그램과 연결을 통한 기능적 확장 요구</a:t>
+              <a:t>스마트 디바이스 및 프로그램과 </a:t>
+            </a:r>
+            <a:endParaRPr lang="en-US" altLang="ko-KR" sz="1333" dirty="0">
+              <a:latin typeface="a옛날목욕탕L" panose="02020600000000000000" pitchFamily="18" charset="-127"/>
+              <a:ea typeface="a옛날목욕탕L" panose="02020600000000000000" pitchFamily="18" charset="-127"/>
+            </a:endParaRPr>
+          </a:p>
+          <a:p>
+            <a:pPr algn="ctr"/>
+            <a:r>
+              <a:rPr lang="ko-KR" altLang="en-US" sz="1333" dirty="0">
+                <a:latin typeface="a옛날목욕탕L" panose="02020600000000000000" pitchFamily="18" charset="-127"/>
+                <a:ea typeface="a옛날목욕탕L" panose="02020600000000000000" pitchFamily="18" charset="-127"/>
+              </a:rPr>
+              <a:t>연결을 통한 기능적 확장 요구</a:t>
             </a:r>
           </a:p>
         </p:txBody>
@@ -8444,7 +8458,7 @@
         </p:blipFill>
         <p:spPr>
           <a:xfrm>
-            <a:off x="1766561" y="5242114"/>
+            <a:off x="1442561" y="5243456"/>
             <a:ext cx="528375" cy="528375"/>
           </a:xfrm>
           <a:prstGeom prst="rect">
@@ -8474,7 +8488,7 @@
         </p:blipFill>
         <p:spPr>
           <a:xfrm>
-            <a:off x="1751599" y="4369205"/>
+            <a:off x="1427599" y="4370547"/>
             <a:ext cx="621541" cy="595911"/>
           </a:xfrm>
           <a:prstGeom prst="rect">
@@ -8510,7 +8524,7 @@
         </p:blipFill>
         <p:spPr>
           <a:xfrm>
-            <a:off x="1729196" y="2854388"/>
+            <a:off x="1405196" y="2855730"/>
             <a:ext cx="603103" cy="603103"/>
           </a:xfrm>
           <a:prstGeom prst="rect">

--- a/docs/8_Final Presentation Panel.pptx
+++ b/docs/8_Final Presentation Panel.pptx
@@ -5,7 +5,7 @@
     <p:sldMasterId id="2147483648" r:id="rId1"/>
   </p:sldMasterIdLst>
   <p:notesMasterIdLst>
-    <p:notesMasterId r:id="rId12"/>
+    <p:notesMasterId r:id="rId10"/>
   </p:notesMasterIdLst>
   <p:sldIdLst>
     <p:sldId id="414" r:id="rId2"/>
@@ -15,9 +15,7 @@
     <p:sldId id="411" r:id="rId6"/>
     <p:sldId id="421" r:id="rId7"/>
     <p:sldId id="424" r:id="rId8"/>
-    <p:sldId id="422" r:id="rId9"/>
-    <p:sldId id="423" r:id="rId10"/>
-    <p:sldId id="326" r:id="rId11"/>
+    <p:sldId id="326" r:id="rId9"/>
   </p:sldIdLst>
   <p:sldSz cx="12192000" cy="6858000"/>
   <p:notesSz cx="6858000" cy="9144000"/>
@@ -577,115 +575,6 @@
 </p:notes>
 </file>
 
-<file path=ppt/notesSlides/notesSlide10.xml><?xml version="1.0" encoding="utf-8"?>
-<p:notes xmlns:a="http://schemas.openxmlformats.org/drawingml/2006/main" xmlns:r="http://schemas.openxmlformats.org/officeDocument/2006/relationships" xmlns:p="http://schemas.openxmlformats.org/presentationml/2006/main" showMasterSp="0" showMasterPhAnim="0">
-  <p:cSld>
-    <p:spTree>
-      <p:nvGrpSpPr>
-        <p:cNvPr id="1" name="Shape 106"/>
-        <p:cNvGrpSpPr/>
-        <p:nvPr/>
-      </p:nvGrpSpPr>
-      <p:grpSpPr>
-        <a:xfrm>
-          <a:off x="0" y="0"/>
-          <a:ext cx="0" cy="0"/>
-          <a:chOff x="0" y="0"/>
-          <a:chExt cx="0" cy="0"/>
-        </a:xfrm>
-      </p:grpSpPr>
-      <p:sp>
-        <p:nvSpPr>
-          <p:cNvPr id="107" name="Google Shape;107;g3606f1c2d_30:notes"/>
-          <p:cNvSpPr>
-            <a:spLocks noGrp="1" noRot="1" noChangeAspect="1"/>
-          </p:cNvSpPr>
-          <p:nvPr>
-            <p:ph type="sldImg" idx="2"/>
-          </p:nvPr>
-        </p:nvSpPr>
-        <p:spPr>
-          <a:xfrm>
-            <a:off x="381000" y="685800"/>
-            <a:ext cx="6096000" cy="3429000"/>
-          </a:xfrm>
-          <a:custGeom>
-            <a:avLst/>
-            <a:gdLst/>
-            <a:ahLst/>
-            <a:cxnLst/>
-            <a:rect l="l" t="t" r="r" b="b"/>
-            <a:pathLst>
-              <a:path w="120000" h="120000" extrusionOk="0">
-                <a:moveTo>
-                  <a:pt x="0" y="0"/>
-                </a:moveTo>
-                <a:lnTo>
-                  <a:pt x="120000" y="0"/>
-                </a:lnTo>
-                <a:lnTo>
-                  <a:pt x="120000" y="120000"/>
-                </a:lnTo>
-                <a:lnTo>
-                  <a:pt x="0" y="120000"/>
-                </a:lnTo>
-                <a:close/>
-              </a:path>
-            </a:pathLst>
-          </a:custGeom>
-        </p:spPr>
-      </p:sp>
-      <p:sp>
-        <p:nvSpPr>
-          <p:cNvPr id="108" name="Google Shape;108;g3606f1c2d_30:notes"/>
-          <p:cNvSpPr txBox="1">
-            <a:spLocks noGrp="1"/>
-          </p:cNvSpPr>
-          <p:nvPr>
-            <p:ph type="body" idx="1"/>
-          </p:nvPr>
-        </p:nvSpPr>
-        <p:spPr>
-          <a:xfrm>
-            <a:off x="685800" y="4343400"/>
-            <a:ext cx="5486400" cy="4114800"/>
-          </a:xfrm>
-          <a:prstGeom prst="rect">
-            <a:avLst/>
-          </a:prstGeom>
-        </p:spPr>
-        <p:txBody>
-          <a:bodyPr spcFirstLastPara="1" wrap="square" lIns="91425" tIns="91425" rIns="91425" bIns="91425" anchor="t" anchorCtr="0">
-            <a:noAutofit/>
-          </a:bodyPr>
-          <a:lstStyle/>
-          <a:p>
-            <a:pPr marL="0" lvl="0" indent="0" algn="l" rtl="0">
-              <a:spcBef>
-                <a:spcPts val="0"/>
-              </a:spcBef>
-              <a:spcAft>
-                <a:spcPts val="0"/>
-              </a:spcAft>
-              <a:buNone/>
-            </a:pPr>
-            <a:endParaRPr dirty="0"/>
-          </a:p>
-        </p:txBody>
-      </p:sp>
-    </p:spTree>
-    <p:extLst>
-      <p:ext uri="{BB962C8B-B14F-4D97-AF65-F5344CB8AC3E}">
-        <p14:creationId xmlns:p14="http://schemas.microsoft.com/office/powerpoint/2010/main" val="2004418826"/>
-      </p:ext>
-    </p:extLst>
-  </p:cSld>
-  <p:clrMapOvr>
-    <a:masterClrMapping/>
-  </p:clrMapOvr>
-</p:notes>
-</file>
-
 <file path=ppt/notesSlides/notesSlide2.xml><?xml version="1.0" encoding="utf-8"?>
 <p:notes xmlns:a="http://schemas.openxmlformats.org/drawingml/2006/main" xmlns:r="http://schemas.openxmlformats.org/officeDocument/2006/relationships" xmlns:p="http://schemas.openxmlformats.org/presentationml/2006/main" showMasterSp="0" showMasterPhAnim="0">
   <p:cSld>
@@ -1432,123 +1321,14 @@
               </a:spcAft>
               <a:buNone/>
             </a:pPr>
-            <a:endParaRPr/>
+            <a:endParaRPr dirty="0"/>
           </a:p>
         </p:txBody>
       </p:sp>
     </p:spTree>
     <p:extLst>
       <p:ext uri="{BB962C8B-B14F-4D97-AF65-F5344CB8AC3E}">
-        <p14:creationId xmlns:p14="http://schemas.microsoft.com/office/powerpoint/2010/main" val="1817865062"/>
-      </p:ext>
-    </p:extLst>
-  </p:cSld>
-  <p:clrMapOvr>
-    <a:masterClrMapping/>
-  </p:clrMapOvr>
-</p:notes>
-</file>
-
-<file path=ppt/notesSlides/notesSlide9.xml><?xml version="1.0" encoding="utf-8"?>
-<p:notes xmlns:a="http://schemas.openxmlformats.org/drawingml/2006/main" xmlns:r="http://schemas.openxmlformats.org/officeDocument/2006/relationships" xmlns:p="http://schemas.openxmlformats.org/presentationml/2006/main" showMasterSp="0" showMasterPhAnim="0">
-  <p:cSld>
-    <p:spTree>
-      <p:nvGrpSpPr>
-        <p:cNvPr id="1" name="Shape 106"/>
-        <p:cNvGrpSpPr/>
-        <p:nvPr/>
-      </p:nvGrpSpPr>
-      <p:grpSpPr>
-        <a:xfrm>
-          <a:off x="0" y="0"/>
-          <a:ext cx="0" cy="0"/>
-          <a:chOff x="0" y="0"/>
-          <a:chExt cx="0" cy="0"/>
-        </a:xfrm>
-      </p:grpSpPr>
-      <p:sp>
-        <p:nvSpPr>
-          <p:cNvPr id="107" name="Google Shape;107;g3606f1c2d_30:notes"/>
-          <p:cNvSpPr>
-            <a:spLocks noGrp="1" noRot="1" noChangeAspect="1"/>
-          </p:cNvSpPr>
-          <p:nvPr>
-            <p:ph type="sldImg" idx="2"/>
-          </p:nvPr>
-        </p:nvSpPr>
-        <p:spPr>
-          <a:xfrm>
-            <a:off x="381000" y="685800"/>
-            <a:ext cx="6096000" cy="3429000"/>
-          </a:xfrm>
-          <a:custGeom>
-            <a:avLst/>
-            <a:gdLst/>
-            <a:ahLst/>
-            <a:cxnLst/>
-            <a:rect l="l" t="t" r="r" b="b"/>
-            <a:pathLst>
-              <a:path w="120000" h="120000" extrusionOk="0">
-                <a:moveTo>
-                  <a:pt x="0" y="0"/>
-                </a:moveTo>
-                <a:lnTo>
-                  <a:pt x="120000" y="0"/>
-                </a:lnTo>
-                <a:lnTo>
-                  <a:pt x="120000" y="120000"/>
-                </a:lnTo>
-                <a:lnTo>
-                  <a:pt x="0" y="120000"/>
-                </a:lnTo>
-                <a:close/>
-              </a:path>
-            </a:pathLst>
-          </a:custGeom>
-        </p:spPr>
-      </p:sp>
-      <p:sp>
-        <p:nvSpPr>
-          <p:cNvPr id="108" name="Google Shape;108;g3606f1c2d_30:notes"/>
-          <p:cNvSpPr txBox="1">
-            <a:spLocks noGrp="1"/>
-          </p:cNvSpPr>
-          <p:nvPr>
-            <p:ph type="body" idx="1"/>
-          </p:nvPr>
-        </p:nvSpPr>
-        <p:spPr>
-          <a:xfrm>
-            <a:off x="685800" y="4343400"/>
-            <a:ext cx="5486400" cy="4114800"/>
-          </a:xfrm>
-          <a:prstGeom prst="rect">
-            <a:avLst/>
-          </a:prstGeom>
-        </p:spPr>
-        <p:txBody>
-          <a:bodyPr spcFirstLastPara="1" wrap="square" lIns="91425" tIns="91425" rIns="91425" bIns="91425" anchor="t" anchorCtr="0">
-            <a:noAutofit/>
-          </a:bodyPr>
-          <a:lstStyle/>
-          <a:p>
-            <a:pPr marL="0" lvl="0" indent="0" algn="l" rtl="0">
-              <a:spcBef>
-                <a:spcPts val="0"/>
-              </a:spcBef>
-              <a:spcAft>
-                <a:spcPts val="0"/>
-              </a:spcAft>
-              <a:buNone/>
-            </a:pPr>
-            <a:endParaRPr/>
-          </a:p>
-        </p:txBody>
-      </p:sp>
-    </p:spTree>
-    <p:extLst>
-      <p:ext uri="{BB962C8B-B14F-4D97-AF65-F5344CB8AC3E}">
-        <p14:creationId xmlns:p14="http://schemas.microsoft.com/office/powerpoint/2010/main" val="3466044797"/>
+        <p14:creationId xmlns:p14="http://schemas.microsoft.com/office/powerpoint/2010/main" val="2004418826"/>
       </p:ext>
     </p:extLst>
   </p:cSld>
@@ -6873,788 +6653,6 @@
 </p:sld>
 </file>
 
-<file path=ppt/slides/slide10.xml><?xml version="1.0" encoding="utf-8"?>
-<p:sld xmlns:a="http://schemas.openxmlformats.org/drawingml/2006/main" xmlns:r="http://schemas.openxmlformats.org/officeDocument/2006/relationships" xmlns:p="http://schemas.openxmlformats.org/presentationml/2006/main">
-  <p:cSld>
-    <p:spTree>
-      <p:nvGrpSpPr>
-        <p:cNvPr id="1" name="Shape 109"/>
-        <p:cNvGrpSpPr/>
-        <p:nvPr/>
-      </p:nvGrpSpPr>
-      <p:grpSpPr>
-        <a:xfrm>
-          <a:off x="0" y="0"/>
-          <a:ext cx="0" cy="0"/>
-          <a:chOff x="0" y="0"/>
-          <a:chExt cx="0" cy="0"/>
-        </a:xfrm>
-      </p:grpSpPr>
-      <p:sp>
-        <p:nvSpPr>
-          <p:cNvPr id="110" name="Google Shape;110;p14"/>
-          <p:cNvSpPr txBox="1">
-            <a:spLocks noGrp="1"/>
-          </p:cNvSpPr>
-          <p:nvPr>
-            <p:ph type="title"/>
-          </p:nvPr>
-        </p:nvSpPr>
-        <p:spPr>
-          <a:xfrm>
-            <a:off x="1468515" y="363800"/>
-            <a:ext cx="10099200" cy="998800"/>
-          </a:xfrm>
-          <a:prstGeom prst="rect">
-            <a:avLst/>
-          </a:prstGeom>
-        </p:spPr>
-        <p:txBody>
-          <a:bodyPr spcFirstLastPara="1" vert="horz" wrap="square" lIns="121900" tIns="121900" rIns="121900" bIns="121900" rtlCol="0" anchor="ctr" anchorCtr="0">
-            <a:noAutofit/>
-          </a:bodyPr>
-          <a:lstStyle/>
-          <a:p>
-            <a:r>
-              <a:rPr lang="ko-KR" altLang="en-US" dirty="0">
-                <a:solidFill>
-                  <a:schemeClr val="bg1"/>
-                </a:solidFill>
-                <a:latin typeface="a옛날목욕탕L" panose="02020600000000000000" pitchFamily="18" charset="-127"/>
-                <a:ea typeface="a옛날목욕탕L" panose="02020600000000000000" pitchFamily="18" charset="-127"/>
-              </a:rPr>
-              <a:t>기대 효과</a:t>
-            </a:r>
-            <a:endParaRPr dirty="0">
-              <a:solidFill>
-                <a:schemeClr val="bg1"/>
-              </a:solidFill>
-              <a:latin typeface="a옛날목욕탕L" panose="02020600000000000000" pitchFamily="18" charset="-127"/>
-              <a:ea typeface="a옛날목욕탕L" panose="02020600000000000000" pitchFamily="18" charset="-127"/>
-            </a:endParaRPr>
-          </a:p>
-        </p:txBody>
-      </p:sp>
-      <p:sp>
-        <p:nvSpPr>
-          <p:cNvPr id="114" name="Google Shape;114;p14"/>
-          <p:cNvSpPr txBox="1">
-            <a:spLocks noGrp="1"/>
-          </p:cNvSpPr>
-          <p:nvPr>
-            <p:ph type="sldNum" idx="12"/>
-          </p:nvPr>
-        </p:nvSpPr>
-        <p:spPr>
-          <a:xfrm>
-            <a:off x="0" y="0"/>
-            <a:ext cx="793200" cy="975600"/>
-          </a:xfrm>
-          <a:prstGeom prst="rect">
-            <a:avLst/>
-          </a:prstGeom>
-        </p:spPr>
-        <p:txBody>
-          <a:bodyPr spcFirstLastPara="1" vert="horz" wrap="square" lIns="121900" tIns="121900" rIns="121900" bIns="121900" rtlCol="0" anchor="ctr" anchorCtr="0">
-            <a:noAutofit/>
-          </a:bodyPr>
-          <a:lstStyle/>
-          <a:p>
-            <a:pPr algn="ctr"/>
-            <a:r>
-              <a:rPr lang="en-US" altLang="ko-KR" sz="2800" dirty="0">
-                <a:solidFill>
-                  <a:schemeClr val="bg1"/>
-                </a:solidFill>
-                <a:latin typeface="a옛날목욕탕L" panose="02020600000000000000" pitchFamily="18" charset="-127"/>
-                <a:ea typeface="a옛날목욕탕L" panose="02020600000000000000" pitchFamily="18" charset="-127"/>
-              </a:rPr>
-              <a:t>8</a:t>
-            </a:r>
-            <a:endParaRPr sz="2800" b="0" dirty="0">
-              <a:solidFill>
-                <a:schemeClr val="bg1"/>
-              </a:solidFill>
-              <a:latin typeface="a옛날목욕탕L" panose="02020600000000000000" pitchFamily="18" charset="-127"/>
-              <a:ea typeface="a옛날목욕탕L" panose="02020600000000000000" pitchFamily="18" charset="-127"/>
-            </a:endParaRPr>
-          </a:p>
-        </p:txBody>
-      </p:sp>
-      <p:sp>
-        <p:nvSpPr>
-          <p:cNvPr id="5" name="TextBox 4">
-            <a:extLst>
-              <a:ext uri="{FF2B5EF4-FFF2-40B4-BE49-F238E27FC236}">
-                <a16:creationId xmlns:a16="http://schemas.microsoft.com/office/drawing/2014/main" id="{86D656CE-4688-4C16-BF86-9224A70DB8C7}"/>
-              </a:ext>
-            </a:extLst>
-          </p:cNvPr>
-          <p:cNvSpPr txBox="1"/>
-          <p:nvPr/>
-        </p:nvSpPr>
-        <p:spPr>
-          <a:xfrm>
-            <a:off x="770191" y="2946889"/>
-            <a:ext cx="1375698" cy="461665"/>
-          </a:xfrm>
-          <a:prstGeom prst="rect">
-            <a:avLst/>
-          </a:prstGeom>
-          <a:noFill/>
-        </p:spPr>
-        <p:txBody>
-          <a:bodyPr wrap="none" rtlCol="0">
-            <a:spAutoFit/>
-          </a:bodyPr>
-          <a:lstStyle/>
-          <a:p>
-            <a:r>
-              <a:rPr lang="ko-KR" altLang="en-US" sz="2400" dirty="0">
-                <a:solidFill>
-                  <a:srgbClr val="FF8700"/>
-                </a:solidFill>
-                <a:effectLst>
-                  <a:outerShdw blurRad="38100" dist="38100" dir="2700000" algn="tl">
-                    <a:srgbClr val="000000">
-                      <a:alpha val="43137"/>
-                    </a:srgbClr>
-                  </a:outerShdw>
-                </a:effectLst>
-                <a:latin typeface="a옛날목욕탕L" panose="02020600000000000000" pitchFamily="18" charset="-127"/>
-                <a:ea typeface="a옛날목욕탕L" panose="02020600000000000000" pitchFamily="18" charset="-127"/>
-              </a:rPr>
-              <a:t>기존 현황</a:t>
-            </a:r>
-          </a:p>
-        </p:txBody>
-      </p:sp>
-      <p:sp>
-        <p:nvSpPr>
-          <p:cNvPr id="6" name="Chevron 11">
-            <a:extLst>
-              <a:ext uri="{FF2B5EF4-FFF2-40B4-BE49-F238E27FC236}">
-                <a16:creationId xmlns:a16="http://schemas.microsoft.com/office/drawing/2014/main" id="{2186FD7B-A3E7-49AD-8DEA-3BE0B38A287F}"/>
-              </a:ext>
-            </a:extLst>
-          </p:cNvPr>
-          <p:cNvSpPr/>
-          <p:nvPr/>
-        </p:nvSpPr>
-        <p:spPr>
-          <a:xfrm>
-            <a:off x="4189215" y="2640173"/>
-            <a:ext cx="1194727" cy="2592983"/>
-          </a:xfrm>
-          <a:prstGeom prst="chevron">
-            <a:avLst/>
-          </a:prstGeom>
-          <a:gradFill flip="none" rotWithShape="1">
-            <a:gsLst>
-              <a:gs pos="100000">
-                <a:srgbClr val="FF8700"/>
-              </a:gs>
-              <a:gs pos="0">
-                <a:srgbClr val="FF8700">
-                  <a:alpha val="9000"/>
-                </a:srgbClr>
-              </a:gs>
-            </a:gsLst>
-            <a:lin ang="0" scaled="1"/>
-            <a:tileRect/>
-          </a:gradFill>
-          <a:ln>
-            <a:noFill/>
-          </a:ln>
-        </p:spPr>
-        <p:style>
-          <a:lnRef idx="2">
-            <a:schemeClr val="accent1">
-              <a:shade val="50000"/>
-            </a:schemeClr>
-          </a:lnRef>
-          <a:fillRef idx="1">
-            <a:schemeClr val="accent1"/>
-          </a:fillRef>
-          <a:effectRef idx="0">
-            <a:schemeClr val="accent1"/>
-          </a:effectRef>
-          <a:fontRef idx="minor">
-            <a:schemeClr val="lt1"/>
-          </a:fontRef>
-        </p:style>
-        <p:txBody>
-          <a:bodyPr rtlCol="0" anchor="ctr"/>
-          <a:lstStyle/>
-          <a:p>
-            <a:pPr algn="ctr"/>
-            <a:endParaRPr lang="ko-KR" altLang="en-US" sz="2400">
-              <a:solidFill>
-                <a:schemeClr val="tx1"/>
-              </a:solidFill>
-              <a:latin typeface="a옛날목욕탕L" panose="02020600000000000000" pitchFamily="18" charset="-127"/>
-              <a:ea typeface="a옛날목욕탕L" panose="02020600000000000000" pitchFamily="18" charset="-127"/>
-            </a:endParaRPr>
-          </a:p>
-        </p:txBody>
-      </p:sp>
-      <p:sp>
-        <p:nvSpPr>
-          <p:cNvPr id="7" name="TextBox 6">
-            <a:extLst>
-              <a:ext uri="{FF2B5EF4-FFF2-40B4-BE49-F238E27FC236}">
-                <a16:creationId xmlns:a16="http://schemas.microsoft.com/office/drawing/2014/main" id="{12CCCD19-D073-4D02-BDF7-16B6BE984F4B}"/>
-              </a:ext>
-            </a:extLst>
-          </p:cNvPr>
-          <p:cNvSpPr txBox="1"/>
-          <p:nvPr/>
-        </p:nvSpPr>
-        <p:spPr>
-          <a:xfrm>
-            <a:off x="442959" y="3429000"/>
-            <a:ext cx="3783408" cy="787908"/>
-          </a:xfrm>
-          <a:prstGeom prst="rect">
-            <a:avLst/>
-          </a:prstGeom>
-          <a:noFill/>
-        </p:spPr>
-        <p:txBody>
-          <a:bodyPr wrap="none" rtlCol="0">
-            <a:spAutoFit/>
-          </a:bodyPr>
-          <a:lstStyle/>
-          <a:p>
-            <a:pPr>
-              <a:lnSpc>
-                <a:spcPct val="150000"/>
-              </a:lnSpc>
-              <a:buClr>
-                <a:schemeClr val="bg1"/>
-              </a:buClr>
-            </a:pPr>
-            <a:r>
-              <a:rPr lang="en-US" altLang="ko-KR" sz="1600" dirty="0">
-                <a:latin typeface="a옛날목욕탕L" panose="02020600000000000000" pitchFamily="18" charset="-127"/>
-                <a:ea typeface="a옛날목욕탕L" panose="02020600000000000000" pitchFamily="18" charset="-127"/>
-              </a:rPr>
-              <a:t>· </a:t>
-            </a:r>
-            <a:r>
-              <a:rPr lang="ko-KR" altLang="en-US" sz="1600" dirty="0">
-                <a:latin typeface="a옛날목욕탕L" panose="02020600000000000000" pitchFamily="18" charset="-127"/>
-                <a:ea typeface="a옛날목욕탕L" panose="02020600000000000000" pitchFamily="18" charset="-127"/>
-              </a:rPr>
-              <a:t>의사소통 보조 기기 및 서비스의 부족으로 </a:t>
-            </a:r>
-            <a:endParaRPr lang="en-US" altLang="ko-KR" sz="1600" dirty="0">
-              <a:latin typeface="a옛날목욕탕L" panose="02020600000000000000" pitchFamily="18" charset="-127"/>
-              <a:ea typeface="a옛날목욕탕L" panose="02020600000000000000" pitchFamily="18" charset="-127"/>
-            </a:endParaRPr>
-          </a:p>
-          <a:p>
-            <a:pPr>
-              <a:lnSpc>
-                <a:spcPct val="150000"/>
-              </a:lnSpc>
-              <a:buClr>
-                <a:schemeClr val="bg1"/>
-              </a:buClr>
-            </a:pPr>
-            <a:r>
-              <a:rPr lang="ko-KR" altLang="en-US" sz="1600" dirty="0">
-                <a:latin typeface="a옛날목욕탕L" panose="02020600000000000000" pitchFamily="18" charset="-127"/>
-                <a:ea typeface="a옛날목욕탕L" panose="02020600000000000000" pitchFamily="18" charset="-127"/>
-              </a:rPr>
-              <a:t>   인한</a:t>
-            </a:r>
-            <a:r>
-              <a:rPr lang="en-US" altLang="ko-KR" sz="1600" dirty="0">
-                <a:latin typeface="a옛날목욕탕L" panose="02020600000000000000" pitchFamily="18" charset="-127"/>
-                <a:ea typeface="a옛날목욕탕L" panose="02020600000000000000" pitchFamily="18" charset="-127"/>
-              </a:rPr>
-              <a:t> </a:t>
-            </a:r>
-            <a:r>
-              <a:rPr lang="ko-KR" altLang="en-US" sz="1600" dirty="0">
-                <a:latin typeface="a옛날목욕탕L" panose="02020600000000000000" pitchFamily="18" charset="-127"/>
-                <a:ea typeface="a옛날목욕탕L" panose="02020600000000000000" pitchFamily="18" charset="-127"/>
-              </a:rPr>
-              <a:t>시청각장애인의 제한적 의사소통</a:t>
-            </a:r>
-            <a:endParaRPr lang="en-US" altLang="ko-KR" sz="1600" dirty="0">
-              <a:latin typeface="a옛날목욕탕L" panose="02020600000000000000" pitchFamily="18" charset="-127"/>
-              <a:ea typeface="a옛날목욕탕L" panose="02020600000000000000" pitchFamily="18" charset="-127"/>
-            </a:endParaRPr>
-          </a:p>
-        </p:txBody>
-      </p:sp>
-      <p:sp>
-        <p:nvSpPr>
-          <p:cNvPr id="8" name="TextBox 7">
-            <a:extLst>
-              <a:ext uri="{FF2B5EF4-FFF2-40B4-BE49-F238E27FC236}">
-                <a16:creationId xmlns:a16="http://schemas.microsoft.com/office/drawing/2014/main" id="{89A9B572-3851-46F4-8E0C-ECDDD6333201}"/>
-              </a:ext>
-            </a:extLst>
-          </p:cNvPr>
-          <p:cNvSpPr txBox="1"/>
-          <p:nvPr/>
-        </p:nvSpPr>
-        <p:spPr>
-          <a:xfrm>
-            <a:off x="5608033" y="1985760"/>
-            <a:ext cx="6480740" cy="2383922"/>
-          </a:xfrm>
-          <a:prstGeom prst="rect">
-            <a:avLst/>
-          </a:prstGeom>
-          <a:noFill/>
-        </p:spPr>
-        <p:txBody>
-          <a:bodyPr wrap="square" rtlCol="0">
-            <a:spAutoFit/>
-          </a:bodyPr>
-          <a:lstStyle/>
-          <a:p>
-            <a:pPr marL="0" lvl="7">
-              <a:lnSpc>
-                <a:spcPct val="150000"/>
-              </a:lnSpc>
-              <a:buClr>
-                <a:schemeClr val="bg1"/>
-              </a:buClr>
-            </a:pPr>
-            <a:r>
-              <a:rPr lang="en-US" altLang="ko-KR" dirty="0">
-                <a:latin typeface="a옛날목욕탕L" panose="02020600000000000000" pitchFamily="18" charset="-127"/>
-                <a:ea typeface="a옛날목욕탕L" panose="02020600000000000000" pitchFamily="18" charset="-127"/>
-              </a:rPr>
-              <a:t> 1) </a:t>
-            </a:r>
-            <a:r>
-              <a:rPr lang="ko-KR" altLang="en-US" dirty="0">
-                <a:latin typeface="a옛날목욕탕L" panose="02020600000000000000" pitchFamily="18" charset="-127"/>
-                <a:ea typeface="a옛날목욕탕L" panose="02020600000000000000" pitchFamily="18" charset="-127"/>
-              </a:rPr>
-              <a:t>실시간 소통이 가능한 저가형 양방향 의사소통</a:t>
-            </a:r>
-            <a:r>
-              <a:rPr lang="en-US" altLang="ko-KR" dirty="0">
-                <a:latin typeface="a옛날목욕탕L" panose="02020600000000000000" pitchFamily="18" charset="-127"/>
-                <a:ea typeface="a옛날목욕탕L" panose="02020600000000000000" pitchFamily="18" charset="-127"/>
-              </a:rPr>
-              <a:t> </a:t>
-            </a:r>
-            <a:r>
-              <a:rPr lang="ko-KR" altLang="en-US" dirty="0">
-                <a:latin typeface="a옛날목욕탕L" panose="02020600000000000000" pitchFamily="18" charset="-127"/>
-                <a:ea typeface="a옛날목욕탕L" panose="02020600000000000000" pitchFamily="18" charset="-127"/>
-              </a:rPr>
-              <a:t>보조 시스템</a:t>
-            </a:r>
-            <a:endParaRPr lang="en-US" altLang="ko-KR" dirty="0">
-              <a:latin typeface="a옛날목욕탕L" panose="02020600000000000000" pitchFamily="18" charset="-127"/>
-              <a:ea typeface="a옛날목욕탕L" panose="02020600000000000000" pitchFamily="18" charset="-127"/>
-            </a:endParaRPr>
-          </a:p>
-          <a:p>
-            <a:pPr marL="228594" lvl="7" indent="-228594">
-              <a:lnSpc>
-                <a:spcPct val="150000"/>
-              </a:lnSpc>
-              <a:buClr>
-                <a:schemeClr val="bg1"/>
-              </a:buClr>
-              <a:buFont typeface="Wingdings" panose="05000000000000000000" pitchFamily="2" charset="2"/>
-              <a:buChar char="§"/>
-            </a:pPr>
-            <a:endParaRPr lang="en-US" altLang="ko-KR" dirty="0">
-              <a:latin typeface="a옛날목욕탕L" panose="02020600000000000000" pitchFamily="18" charset="-127"/>
-              <a:ea typeface="a옛날목욕탕L" panose="02020600000000000000" pitchFamily="18" charset="-127"/>
-            </a:endParaRPr>
-          </a:p>
-          <a:p>
-            <a:pPr marL="0" lvl="7">
-              <a:lnSpc>
-                <a:spcPct val="150000"/>
-              </a:lnSpc>
-              <a:buClr>
-                <a:schemeClr val="bg1"/>
-              </a:buClr>
-            </a:pPr>
-            <a:r>
-              <a:rPr lang="en-US" altLang="ko-KR" dirty="0">
-                <a:latin typeface="a옛날목욕탕L" panose="02020600000000000000" pitchFamily="18" charset="-127"/>
-                <a:ea typeface="a옛날목욕탕L" panose="02020600000000000000" pitchFamily="18" charset="-127"/>
-              </a:rPr>
-              <a:t> 2) </a:t>
-            </a:r>
-            <a:r>
-              <a:rPr lang="ko-KR" altLang="en-US" dirty="0">
-                <a:latin typeface="a옛날목욕탕L" panose="02020600000000000000" pitchFamily="18" charset="-127"/>
-                <a:ea typeface="a옛날목욕탕L" panose="02020600000000000000" pitchFamily="18" charset="-127"/>
-              </a:rPr>
-              <a:t>시청각장애인의 근본적인 불편 해소와 원활한 의사소통 실현</a:t>
-            </a:r>
-            <a:endParaRPr lang="en-US" altLang="ko-KR" dirty="0">
-              <a:latin typeface="a옛날목욕탕L" panose="02020600000000000000" pitchFamily="18" charset="-127"/>
-              <a:ea typeface="a옛날목욕탕L" panose="02020600000000000000" pitchFamily="18" charset="-127"/>
-            </a:endParaRPr>
-          </a:p>
-          <a:p>
-            <a:pPr marL="0" lvl="7">
-              <a:lnSpc>
-                <a:spcPct val="150000"/>
-              </a:lnSpc>
-              <a:buClr>
-                <a:schemeClr val="bg1"/>
-              </a:buClr>
-            </a:pPr>
-            <a:endParaRPr lang="en-US" altLang="ko-KR" dirty="0">
-              <a:latin typeface="a옛날목욕탕L" panose="02020600000000000000" pitchFamily="18" charset="-127"/>
-              <a:ea typeface="a옛날목욕탕L" panose="02020600000000000000" pitchFamily="18" charset="-127"/>
-            </a:endParaRPr>
-          </a:p>
-          <a:p>
-            <a:pPr marL="0" lvl="7">
-              <a:lnSpc>
-                <a:spcPct val="150000"/>
-              </a:lnSpc>
-              <a:buClr>
-                <a:schemeClr val="bg1"/>
-              </a:buClr>
-            </a:pPr>
-            <a:r>
-              <a:rPr lang="en-US" altLang="ko-KR" dirty="0">
-                <a:latin typeface="a옛날목욕탕L" panose="02020600000000000000" pitchFamily="18" charset="-127"/>
-                <a:ea typeface="a옛날목욕탕L" panose="02020600000000000000" pitchFamily="18" charset="-127"/>
-              </a:rPr>
-              <a:t> 3) </a:t>
-            </a:r>
-            <a:r>
-              <a:rPr lang="ko-KR" altLang="en-US" dirty="0">
-                <a:latin typeface="a옛날목욕탕L" panose="02020600000000000000" pitchFamily="18" charset="-127"/>
-                <a:ea typeface="a옛날목욕탕L" panose="02020600000000000000" pitchFamily="18" charset="-127"/>
-              </a:rPr>
-              <a:t>구매력이 낮은 시청각장애인의 생활 편의 향상</a:t>
-            </a:r>
-            <a:endParaRPr lang="en-US" altLang="ko-KR" dirty="0">
-              <a:latin typeface="a옛날목욕탕L" panose="02020600000000000000" pitchFamily="18" charset="-127"/>
-              <a:ea typeface="a옛날목욕탕L" panose="02020600000000000000" pitchFamily="18" charset="-127"/>
-            </a:endParaRPr>
-          </a:p>
-          <a:p>
-            <a:pPr marL="228594" lvl="7" indent="-228594" algn="ctr">
-              <a:lnSpc>
-                <a:spcPct val="150000"/>
-              </a:lnSpc>
-              <a:buClr>
-                <a:schemeClr val="bg1"/>
-              </a:buClr>
-              <a:buFont typeface="Wingdings" panose="05000000000000000000" pitchFamily="2" charset="2"/>
-              <a:buChar char="§"/>
-            </a:pPr>
-            <a:endParaRPr lang="ko-KR" altLang="en-US" sz="1050" dirty="0">
-              <a:latin typeface="a옛날목욕탕L" panose="02020600000000000000" pitchFamily="18" charset="-127"/>
-              <a:ea typeface="a옛날목욕탕L" panose="02020600000000000000" pitchFamily="18" charset="-127"/>
-            </a:endParaRPr>
-          </a:p>
-        </p:txBody>
-      </p:sp>
-      <p:sp>
-        <p:nvSpPr>
-          <p:cNvPr id="10" name="TextBox 9">
-            <a:extLst>
-              <a:ext uri="{FF2B5EF4-FFF2-40B4-BE49-F238E27FC236}">
-                <a16:creationId xmlns:a16="http://schemas.microsoft.com/office/drawing/2014/main" id="{75F16ED2-09ED-48F3-B94F-27435B2F76A5}"/>
-              </a:ext>
-            </a:extLst>
-          </p:cNvPr>
-          <p:cNvSpPr txBox="1"/>
-          <p:nvPr/>
-        </p:nvSpPr>
-        <p:spPr>
-          <a:xfrm>
-            <a:off x="5608033" y="4369682"/>
-            <a:ext cx="6480740" cy="1922257"/>
-          </a:xfrm>
-          <a:prstGeom prst="rect">
-            <a:avLst/>
-          </a:prstGeom>
-          <a:noFill/>
-        </p:spPr>
-        <p:txBody>
-          <a:bodyPr wrap="square" rtlCol="0">
-            <a:spAutoFit/>
-          </a:bodyPr>
-          <a:lstStyle/>
-          <a:p>
-            <a:pPr marL="0" lvl="7">
-              <a:lnSpc>
-                <a:spcPct val="150000"/>
-              </a:lnSpc>
-              <a:buClr>
-                <a:schemeClr val="bg1"/>
-              </a:buClr>
-            </a:pPr>
-            <a:r>
-              <a:rPr lang="en-US" altLang="ko-KR" sz="1400" dirty="0">
-                <a:latin typeface="a옛날목욕탕L" panose="02020600000000000000" pitchFamily="18" charset="-127"/>
-                <a:ea typeface="a옛날목욕탕L" panose="02020600000000000000" pitchFamily="18" charset="-127"/>
-              </a:rPr>
-              <a:t>+ </a:t>
-            </a:r>
-            <a:r>
-              <a:rPr lang="ko-KR" altLang="en-US" sz="1400" dirty="0">
-                <a:latin typeface="a옛날목욕탕L" panose="02020600000000000000" pitchFamily="18" charset="-127"/>
-                <a:ea typeface="a옛날목욕탕L" panose="02020600000000000000" pitchFamily="18" charset="-127"/>
-              </a:rPr>
-              <a:t>기존에 시청각장애인이 사용하기 어려웠던 </a:t>
-            </a:r>
-            <a:r>
-              <a:rPr lang="ko-KR" altLang="en-US" sz="1400" dirty="0">
-                <a:solidFill>
-                  <a:srgbClr val="FF8700"/>
-                </a:solidFill>
-                <a:latin typeface="a옛날목욕탕L" panose="02020600000000000000" pitchFamily="18" charset="-127"/>
-                <a:ea typeface="a옛날목욕탕L" panose="02020600000000000000" pitchFamily="18" charset="-127"/>
-              </a:rPr>
-              <a:t>스마트 디바이스</a:t>
-            </a:r>
-            <a:r>
-              <a:rPr lang="en-US" altLang="ko-KR" sz="1400" dirty="0">
-                <a:solidFill>
-                  <a:srgbClr val="FF8700"/>
-                </a:solidFill>
-                <a:latin typeface="a옛날목욕탕L" panose="02020600000000000000" pitchFamily="18" charset="-127"/>
-                <a:ea typeface="a옛날목욕탕L" panose="02020600000000000000" pitchFamily="18" charset="-127"/>
-              </a:rPr>
-              <a:t>(</a:t>
-            </a:r>
-            <a:r>
-              <a:rPr lang="ko-KR" altLang="en-US" sz="1400" dirty="0">
-                <a:solidFill>
-                  <a:srgbClr val="FF8700"/>
-                </a:solidFill>
-                <a:latin typeface="a옛날목욕탕L" panose="02020600000000000000" pitchFamily="18" charset="-127"/>
-                <a:ea typeface="a옛날목욕탕L" panose="02020600000000000000" pitchFamily="18" charset="-127"/>
-              </a:rPr>
-              <a:t>노트북</a:t>
-            </a:r>
-            <a:r>
-              <a:rPr lang="en-US" altLang="ko-KR" sz="1400" dirty="0">
-                <a:solidFill>
-                  <a:srgbClr val="FF8700"/>
-                </a:solidFill>
-                <a:latin typeface="a옛날목욕탕L" panose="02020600000000000000" pitchFamily="18" charset="-127"/>
-                <a:ea typeface="a옛날목욕탕L" panose="02020600000000000000" pitchFamily="18" charset="-127"/>
-              </a:rPr>
-              <a:t>, </a:t>
-            </a:r>
-            <a:r>
-              <a:rPr lang="ko-KR" altLang="en-US" sz="1400" dirty="0">
-                <a:solidFill>
-                  <a:srgbClr val="FF8700"/>
-                </a:solidFill>
-                <a:latin typeface="a옛날목욕탕L" panose="02020600000000000000" pitchFamily="18" charset="-127"/>
-                <a:ea typeface="a옛날목욕탕L" panose="02020600000000000000" pitchFamily="18" charset="-127"/>
-              </a:rPr>
-              <a:t>스마트폰 등</a:t>
-            </a:r>
-            <a:r>
-              <a:rPr lang="en-US" altLang="ko-KR" sz="1400" dirty="0">
-                <a:solidFill>
-                  <a:srgbClr val="FF8700"/>
-                </a:solidFill>
-                <a:latin typeface="a옛날목욕탕L" panose="02020600000000000000" pitchFamily="18" charset="-127"/>
-                <a:ea typeface="a옛날목욕탕L" panose="02020600000000000000" pitchFamily="18" charset="-127"/>
-              </a:rPr>
-              <a:t>)</a:t>
-            </a:r>
-            <a:r>
-              <a:rPr lang="ko-KR" altLang="en-US" sz="1400" dirty="0">
-                <a:solidFill>
-                  <a:srgbClr val="FF8700"/>
-                </a:solidFill>
-                <a:latin typeface="a옛날목욕탕L" panose="02020600000000000000" pitchFamily="18" charset="-127"/>
-                <a:ea typeface="a옛날목욕탕L" panose="02020600000000000000" pitchFamily="18" charset="-127"/>
-              </a:rPr>
-              <a:t>에 </a:t>
-            </a:r>
-            <a:r>
-              <a:rPr lang="en-US" altLang="ko-KR" sz="1400" dirty="0">
-                <a:solidFill>
-                  <a:srgbClr val="FF8700"/>
-                </a:solidFill>
-                <a:latin typeface="a옛날목욕탕L" panose="02020600000000000000" pitchFamily="18" charset="-127"/>
-                <a:ea typeface="a옛날목욕탕L" panose="02020600000000000000" pitchFamily="18" charset="-127"/>
-              </a:rPr>
-              <a:t>BEE </a:t>
-            </a:r>
-            <a:r>
-              <a:rPr lang="ko-KR" altLang="en-US" sz="1400" dirty="0">
-                <a:solidFill>
-                  <a:srgbClr val="FF8700"/>
-                </a:solidFill>
-                <a:latin typeface="a옛날목욕탕L" panose="02020600000000000000" pitchFamily="18" charset="-127"/>
-                <a:ea typeface="a옛날목욕탕L" panose="02020600000000000000" pitchFamily="18" charset="-127"/>
-              </a:rPr>
-              <a:t>기술을 추가적으로 탑재</a:t>
-            </a:r>
-            <a:r>
-              <a:rPr lang="ko-KR" altLang="en-US" sz="1400" dirty="0">
-                <a:latin typeface="a옛날목욕탕L" panose="02020600000000000000" pitchFamily="18" charset="-127"/>
-                <a:ea typeface="a옛날목욕탕L" panose="02020600000000000000" pitchFamily="18" charset="-127"/>
-              </a:rPr>
-              <a:t>하여 접근성 향상</a:t>
-            </a:r>
-            <a:endParaRPr lang="en-US" altLang="ko-KR" sz="1400" dirty="0">
-              <a:latin typeface="a옛날목욕탕L" panose="02020600000000000000" pitchFamily="18" charset="-127"/>
-              <a:ea typeface="a옛날목욕탕L" panose="02020600000000000000" pitchFamily="18" charset="-127"/>
-            </a:endParaRPr>
-          </a:p>
-          <a:p>
-            <a:pPr marL="0" lvl="7">
-              <a:lnSpc>
-                <a:spcPct val="150000"/>
-              </a:lnSpc>
-              <a:buClr>
-                <a:schemeClr val="bg1"/>
-              </a:buClr>
-            </a:pPr>
-            <a:endParaRPr lang="en-US" altLang="ko-KR" sz="1400" dirty="0">
-              <a:latin typeface="a옛날목욕탕L" panose="02020600000000000000" pitchFamily="18" charset="-127"/>
-              <a:ea typeface="a옛날목욕탕L" panose="02020600000000000000" pitchFamily="18" charset="-127"/>
-            </a:endParaRPr>
-          </a:p>
-          <a:p>
-            <a:pPr marL="0" lvl="7">
-              <a:lnSpc>
-                <a:spcPct val="150000"/>
-              </a:lnSpc>
-              <a:buClr>
-                <a:schemeClr val="bg1"/>
-              </a:buClr>
-            </a:pPr>
-            <a:r>
-              <a:rPr lang="en-US" altLang="ko-KR" sz="1400" dirty="0">
-                <a:latin typeface="a옛날목욕탕L" panose="02020600000000000000" pitchFamily="18" charset="-127"/>
-                <a:ea typeface="a옛날목욕탕L" panose="02020600000000000000" pitchFamily="18" charset="-127"/>
-              </a:rPr>
-              <a:t>+ </a:t>
-            </a:r>
-            <a:r>
-              <a:rPr lang="ko-KR" altLang="en-US" sz="1400" dirty="0">
-                <a:latin typeface="a옛날목욕탕L" panose="02020600000000000000" pitchFamily="18" charset="-127"/>
-                <a:ea typeface="a옛날목욕탕L" panose="02020600000000000000" pitchFamily="18" charset="-127"/>
-              </a:rPr>
-              <a:t>어플리케이션에 인터넷을 이용할 수 있는 기능 추가</a:t>
-            </a:r>
-            <a:endParaRPr lang="en-US" altLang="ko-KR" sz="1400" dirty="0">
-              <a:latin typeface="a옛날목욕탕L" panose="02020600000000000000" pitchFamily="18" charset="-127"/>
-              <a:ea typeface="a옛날목욕탕L" panose="02020600000000000000" pitchFamily="18" charset="-127"/>
-            </a:endParaRPr>
-          </a:p>
-          <a:p>
-            <a:pPr marL="0" lvl="7">
-              <a:lnSpc>
-                <a:spcPct val="150000"/>
-              </a:lnSpc>
-              <a:buClr>
-                <a:schemeClr val="bg1"/>
-              </a:buClr>
-            </a:pPr>
-            <a:r>
-              <a:rPr lang="en-US" altLang="ko-KR" sz="1400" dirty="0" err="1">
-                <a:solidFill>
-                  <a:srgbClr val="FF8700"/>
-                </a:solidFill>
-                <a:latin typeface="a옛날목욕탕L" panose="02020600000000000000" pitchFamily="18" charset="-127"/>
-                <a:ea typeface="a옛날목욕탕L" panose="02020600000000000000" pitchFamily="18" charset="-127"/>
-              </a:rPr>
-              <a:t>e.g</a:t>
-            </a:r>
-            <a:r>
-              <a:rPr lang="en-US" altLang="ko-KR" sz="1400" dirty="0">
-                <a:solidFill>
-                  <a:srgbClr val="FF8700"/>
-                </a:solidFill>
-                <a:latin typeface="a옛날목욕탕L" panose="02020600000000000000" pitchFamily="18" charset="-127"/>
-                <a:ea typeface="a옛날목욕탕L" panose="02020600000000000000" pitchFamily="18" charset="-127"/>
-              </a:rPr>
-              <a:t> ) </a:t>
-            </a:r>
-            <a:r>
-              <a:rPr lang="ko-KR" altLang="en-US" sz="1400" dirty="0">
-                <a:solidFill>
-                  <a:srgbClr val="FF8700"/>
-                </a:solidFill>
-                <a:latin typeface="a옛날목욕탕L" panose="02020600000000000000" pitchFamily="18" charset="-127"/>
-                <a:ea typeface="a옛날목욕탕L" panose="02020600000000000000" pitchFamily="18" charset="-127"/>
-              </a:rPr>
-              <a:t>날씨 알림</a:t>
-            </a:r>
-            <a:r>
-              <a:rPr lang="en-US" altLang="ko-KR" sz="1400" dirty="0">
-                <a:solidFill>
-                  <a:srgbClr val="FF8700"/>
-                </a:solidFill>
-                <a:latin typeface="a옛날목욕탕L" panose="02020600000000000000" pitchFamily="18" charset="-127"/>
-                <a:ea typeface="a옛날목욕탕L" panose="02020600000000000000" pitchFamily="18" charset="-127"/>
-              </a:rPr>
-              <a:t>, </a:t>
-            </a:r>
-            <a:r>
-              <a:rPr lang="ko-KR" altLang="en-US" sz="1400" dirty="0">
-                <a:solidFill>
-                  <a:srgbClr val="FF8700"/>
-                </a:solidFill>
-                <a:latin typeface="a옛날목욕탕L" panose="02020600000000000000" pitchFamily="18" charset="-127"/>
-                <a:ea typeface="a옛날목욕탕L" panose="02020600000000000000" pitchFamily="18" charset="-127"/>
-              </a:rPr>
-              <a:t>뉴스 검색</a:t>
-            </a:r>
-            <a:endParaRPr lang="en-US" altLang="ko-KR" sz="1400" dirty="0">
-              <a:solidFill>
-                <a:srgbClr val="FF8700"/>
-              </a:solidFill>
-              <a:latin typeface="a옛날목욕탕L" panose="02020600000000000000" pitchFamily="18" charset="-127"/>
-              <a:ea typeface="a옛날목욕탕L" panose="02020600000000000000" pitchFamily="18" charset="-127"/>
-            </a:endParaRPr>
-          </a:p>
-          <a:p>
-            <a:pPr marL="228594" lvl="7" indent="-228594" algn="ctr">
-              <a:lnSpc>
-                <a:spcPct val="150000"/>
-              </a:lnSpc>
-              <a:buClr>
-                <a:schemeClr val="bg1"/>
-              </a:buClr>
-              <a:buFont typeface="Wingdings" panose="05000000000000000000" pitchFamily="2" charset="2"/>
-              <a:buChar char="§"/>
-            </a:pPr>
-            <a:endParaRPr lang="ko-KR" altLang="en-US" sz="1050" dirty="0">
-              <a:latin typeface="a옛날목욕탕L" panose="02020600000000000000" pitchFamily="18" charset="-127"/>
-              <a:ea typeface="a옛날목욕탕L" panose="02020600000000000000" pitchFamily="18" charset="-127"/>
-            </a:endParaRPr>
-          </a:p>
-        </p:txBody>
-      </p:sp>
-    </p:spTree>
-    <p:extLst>
-      <p:ext uri="{BB962C8B-B14F-4D97-AF65-F5344CB8AC3E}">
-        <p14:creationId xmlns:p14="http://schemas.microsoft.com/office/powerpoint/2010/main" val="1018758761"/>
-      </p:ext>
-    </p:extLst>
-  </p:cSld>
-  <p:clrMapOvr>
-    <a:masterClrMapping/>
-  </p:clrMapOvr>
-</p:sld>
-</file>
-
 <file path=ppt/slides/slide2.xml><?xml version="1.0" encoding="utf-8"?>
 <p:sld xmlns:a="http://schemas.openxmlformats.org/drawingml/2006/main" xmlns:r="http://schemas.openxmlformats.org/officeDocument/2006/relationships" xmlns:p="http://schemas.openxmlformats.org/presentationml/2006/main">
   <p:cSld>
@@ -16682,20 +15680,8 @@
                 </a:solidFill>
                 <a:latin typeface="a옛날목욕탕L" panose="02020600000000000000" pitchFamily="18" charset="-127"/>
                 <a:ea typeface="a옛날목욕탕L" panose="02020600000000000000" pitchFamily="18" charset="-127"/>
-                <a:cs typeface="Arial" panose="020B0604020202020204" pitchFamily="34" charset="0"/>
-              </a:rPr>
-              <a:t>제품 기능</a:t>
-            </a:r>
-            <a:r>
-              <a:rPr lang="en-US" altLang="ko-KR" dirty="0">
-                <a:solidFill>
-                  <a:schemeClr val="bg1"/>
-                </a:solidFill>
-                <a:latin typeface="a옛날목욕탕L" panose="02020600000000000000" pitchFamily="18" charset="-127"/>
-                <a:ea typeface="a옛날목욕탕L" panose="02020600000000000000" pitchFamily="18" charset="-127"/>
-                <a:cs typeface="Arial" panose="020B0604020202020204" pitchFamily="34" charset="0"/>
-              </a:rPr>
-              <a:t>: BARRER-FREE MODE</a:t>
+              </a:rPr>
+              <a:t>기대 효과</a:t>
             </a:r>
             <a:endParaRPr dirty="0">
               <a:solidFill>
@@ -16703,7 +15689,6 @@
               </a:solidFill>
               <a:latin typeface="a옛날목욕탕L" panose="02020600000000000000" pitchFamily="18" charset="-127"/>
               <a:ea typeface="a옛날목욕탕L" panose="02020600000000000000" pitchFamily="18" charset="-127"/>
-              <a:cs typeface="Arial" panose="020B0604020202020204" pitchFamily="34" charset="0"/>
             </a:endParaRPr>
           </a:p>
         </p:txBody>
@@ -16742,7 +15727,7 @@
                 <a:latin typeface="a옛날목욕탕L" panose="02020600000000000000" pitchFamily="18" charset="-127"/>
                 <a:ea typeface="a옛날목욕탕L" panose="02020600000000000000" pitchFamily="18" charset="-127"/>
               </a:rPr>
-              <a:t>6</a:t>
+              <a:t>8</a:t>
             </a:r>
             <a:endParaRPr sz="2800" b="0" dirty="0">
               <a:solidFill>
@@ -16754,1524 +15739,60 @@
           </a:p>
         </p:txBody>
       </p:sp>
-      <p:grpSp>
-        <p:nvGrpSpPr>
-          <p:cNvPr id="10" name="그룹 9">
+      <p:sp>
+        <p:nvSpPr>
+          <p:cNvPr id="5" name="TextBox 4">
             <a:extLst>
               <a:ext uri="{FF2B5EF4-FFF2-40B4-BE49-F238E27FC236}">
-                <a16:creationId xmlns:a16="http://schemas.microsoft.com/office/drawing/2014/main" id="{FC4DB743-101E-4196-951D-88CE707384EB}"/>
+                <a16:creationId xmlns:a16="http://schemas.microsoft.com/office/drawing/2014/main" id="{86D656CE-4688-4C16-BF86-9224A70DB8C7}"/>
               </a:ext>
             </a:extLst>
           </p:cNvPr>
-          <p:cNvGrpSpPr/>
+          <p:cNvSpPr txBox="1"/>
           <p:nvPr/>
-        </p:nvGrpSpPr>
-        <p:grpSpPr>
+        </p:nvSpPr>
+        <p:spPr>
           <a:xfrm>
-            <a:off x="377142" y="2410964"/>
-            <a:ext cx="6140973" cy="3293209"/>
-            <a:chOff x="5915288" y="2092840"/>
-            <a:chExt cx="6140973" cy="3293209"/>
+            <a:off x="442959" y="2946888"/>
+            <a:ext cx="1375698" cy="461665"/>
           </a:xfrm>
-        </p:grpSpPr>
-        <p:grpSp>
-          <p:nvGrpSpPr>
-            <p:cNvPr id="83" name="그룹 82">
-              <a:extLst>
-                <a:ext uri="{FF2B5EF4-FFF2-40B4-BE49-F238E27FC236}">
-                  <a16:creationId xmlns:a16="http://schemas.microsoft.com/office/drawing/2014/main" id="{51D0A62F-DDDA-47BD-8A6E-ACD71F4E37C2}"/>
-                </a:ext>
-              </a:extLst>
-            </p:cNvPr>
-            <p:cNvGrpSpPr/>
-            <p:nvPr/>
-          </p:nvGrpSpPr>
-          <p:grpSpPr>
-            <a:xfrm>
-              <a:off x="5915288" y="2092840"/>
-              <a:ext cx="2154936" cy="1814325"/>
-              <a:chOff x="6924290" y="2262172"/>
-              <a:chExt cx="2154936" cy="2309092"/>
-            </a:xfrm>
-          </p:grpSpPr>
-          <p:grpSp>
-            <p:nvGrpSpPr>
-              <p:cNvPr id="81" name="그룹 80">
-                <a:extLst>
-                  <a:ext uri="{FF2B5EF4-FFF2-40B4-BE49-F238E27FC236}">
-                    <a16:creationId xmlns:a16="http://schemas.microsoft.com/office/drawing/2014/main" id="{427F3377-E3B1-40B5-BA46-9B10C8EB578D}"/>
-                  </a:ext>
-                </a:extLst>
-              </p:cNvPr>
-              <p:cNvGrpSpPr/>
-              <p:nvPr/>
-            </p:nvGrpSpPr>
-            <p:grpSpPr>
-              <a:xfrm>
-                <a:off x="6924290" y="2262172"/>
-                <a:ext cx="1787909" cy="2309092"/>
-                <a:chOff x="6619490" y="2863272"/>
-                <a:chExt cx="2121028" cy="2739317"/>
-              </a:xfrm>
-            </p:grpSpPr>
-            <p:sp>
-              <p:nvSpPr>
-                <p:cNvPr id="16" name="사각형: 둥근 모서리 15">
-                  <a:extLst>
-                    <a:ext uri="{FF2B5EF4-FFF2-40B4-BE49-F238E27FC236}">
-                      <a16:creationId xmlns:a16="http://schemas.microsoft.com/office/drawing/2014/main" id="{554089BF-45CF-4363-AB67-D2708D81858E}"/>
-                    </a:ext>
-                  </a:extLst>
-                </p:cNvPr>
-                <p:cNvSpPr/>
-                <p:nvPr/>
-              </p:nvSpPr>
-              <p:spPr>
-                <a:xfrm>
-                  <a:off x="6619490" y="2863272"/>
-                  <a:ext cx="2121028" cy="2739317"/>
-                </a:xfrm>
-                <a:prstGeom prst="roundRect">
-                  <a:avLst/>
-                </a:prstGeom>
-                <a:noFill/>
-                <a:ln w="38100" cap="flat" cmpd="sng" algn="ctr">
-                  <a:solidFill>
-                    <a:schemeClr val="dk1"/>
-                  </a:solidFill>
-                  <a:prstDash val="solid"/>
-                  <a:round/>
-                  <a:headEnd type="none" w="med" len="med"/>
-                  <a:tailEnd type="none" w="med" len="med"/>
-                </a:ln>
-              </p:spPr>
-              <p:style>
-                <a:lnRef idx="0">
-                  <a:scrgbClr r="0" g="0" b="0"/>
-                </a:lnRef>
-                <a:fillRef idx="0">
-                  <a:scrgbClr r="0" g="0" b="0"/>
-                </a:fillRef>
-                <a:effectRef idx="0">
-                  <a:scrgbClr r="0" g="0" b="0"/>
-                </a:effectRef>
-                <a:fontRef idx="minor">
-                  <a:schemeClr val="dk1"/>
-                </a:fontRef>
-              </p:style>
-              <p:txBody>
-                <a:bodyPr rtlCol="0" anchor="ctr"/>
-                <a:lstStyle/>
-                <a:p>
-                  <a:pPr algn="ctr"/>
-                  <a:endParaRPr lang="ko-KR" altLang="en-US"/>
-                </a:p>
-              </p:txBody>
-            </p:sp>
-            <p:grpSp>
-              <p:nvGrpSpPr>
-                <p:cNvPr id="30" name="그룹 29">
-                  <a:extLst>
-                    <a:ext uri="{FF2B5EF4-FFF2-40B4-BE49-F238E27FC236}">
-                      <a16:creationId xmlns:a16="http://schemas.microsoft.com/office/drawing/2014/main" id="{010D1DB6-779F-4E57-9405-FD54B7D49C03}"/>
-                    </a:ext>
-                  </a:extLst>
-                </p:cNvPr>
-                <p:cNvGrpSpPr/>
-                <p:nvPr/>
-              </p:nvGrpSpPr>
-              <p:grpSpPr>
-                <a:xfrm>
-                  <a:off x="6823581" y="4762851"/>
-                  <a:ext cx="618361" cy="618361"/>
-                  <a:chOff x="4128687" y="3644668"/>
-                  <a:chExt cx="403630" cy="403630"/>
-                </a:xfrm>
-              </p:grpSpPr>
-              <p:sp>
-                <p:nvSpPr>
-                  <p:cNvPr id="67" name="직사각형 66">
-                    <a:extLst>
-                      <a:ext uri="{FF2B5EF4-FFF2-40B4-BE49-F238E27FC236}">
-                        <a16:creationId xmlns:a16="http://schemas.microsoft.com/office/drawing/2014/main" id="{494F66C7-8190-479F-96E6-DB1D7C7F7C58}"/>
-                      </a:ext>
-                    </a:extLst>
-                  </p:cNvPr>
-                  <p:cNvSpPr/>
-                  <p:nvPr/>
-                </p:nvSpPr>
-                <p:spPr>
-                  <a:xfrm>
-                    <a:off x="4128687" y="3644668"/>
-                    <a:ext cx="403630" cy="403630"/>
-                  </a:xfrm>
-                  <a:prstGeom prst="rect">
-                    <a:avLst/>
-                  </a:prstGeom>
-                </p:spPr>
-                <p:style>
-                  <a:lnRef idx="2">
-                    <a:schemeClr val="dk1"/>
-                  </a:lnRef>
-                  <a:fillRef idx="1">
-                    <a:schemeClr val="lt1"/>
-                  </a:fillRef>
-                  <a:effectRef idx="0">
-                    <a:schemeClr val="dk1"/>
-                  </a:effectRef>
-                  <a:fontRef idx="minor">
-                    <a:schemeClr val="dk1"/>
-                  </a:fontRef>
-                </p:style>
-                <p:txBody>
-                  <a:bodyPr rtlCol="0" anchor="ctr"/>
-                  <a:lstStyle/>
-                  <a:p>
-                    <a:pPr algn="ctr"/>
-                    <a:endParaRPr lang="ko-KR" altLang="en-US" dirty="0"/>
-                  </a:p>
-                </p:txBody>
-              </p:sp>
-              <p:grpSp>
-                <p:nvGrpSpPr>
-                  <p:cNvPr id="68" name="그룹 67">
-                    <a:extLst>
-                      <a:ext uri="{FF2B5EF4-FFF2-40B4-BE49-F238E27FC236}">
-                        <a16:creationId xmlns:a16="http://schemas.microsoft.com/office/drawing/2014/main" id="{578DE9D0-61AB-4C34-9B76-BACC274F88CF}"/>
-                      </a:ext>
-                    </a:extLst>
-                  </p:cNvPr>
-                  <p:cNvGrpSpPr/>
-                  <p:nvPr/>
-                </p:nvGrpSpPr>
-                <p:grpSpPr>
-                  <a:xfrm>
-                    <a:off x="4230583" y="3749407"/>
-                    <a:ext cx="199838" cy="227488"/>
-                    <a:chOff x="3420330" y="3419472"/>
-                    <a:chExt cx="456368" cy="519515"/>
-                  </a:xfrm>
-                </p:grpSpPr>
-                <p:grpSp>
-                  <p:nvGrpSpPr>
-                    <p:cNvPr id="69" name="그룹 68">
-                      <a:extLst>
-                        <a:ext uri="{FF2B5EF4-FFF2-40B4-BE49-F238E27FC236}">
-                          <a16:creationId xmlns:a16="http://schemas.microsoft.com/office/drawing/2014/main" id="{4B6FCF7A-971B-4F90-A526-8B835B96C41E}"/>
-                        </a:ext>
-                      </a:extLst>
-                    </p:cNvPr>
-                    <p:cNvGrpSpPr/>
-                    <p:nvPr/>
-                  </p:nvGrpSpPr>
-                  <p:grpSpPr>
-                    <a:xfrm>
-                      <a:off x="3424844" y="3419472"/>
-                      <a:ext cx="450549" cy="113438"/>
-                      <a:chOff x="3424844" y="3419472"/>
-                      <a:chExt cx="450549" cy="113438"/>
-                    </a:xfrm>
-                  </p:grpSpPr>
-                  <p:sp>
-                    <p:nvSpPr>
-                      <p:cNvPr id="76" name="타원 75">
-                        <a:extLst>
-                          <a:ext uri="{FF2B5EF4-FFF2-40B4-BE49-F238E27FC236}">
-                            <a16:creationId xmlns:a16="http://schemas.microsoft.com/office/drawing/2014/main" id="{E320ADE2-688B-49E9-A719-89A903B75E98}"/>
-                          </a:ext>
-                        </a:extLst>
-                      </p:cNvPr>
-                      <p:cNvSpPr/>
-                      <p:nvPr/>
-                    </p:nvSpPr>
-                    <p:spPr>
-                      <a:xfrm>
-                        <a:off x="3424844" y="3419472"/>
-                        <a:ext cx="109728" cy="113438"/>
-                      </a:xfrm>
-                      <a:prstGeom prst="ellipse">
-                        <a:avLst/>
-                      </a:prstGeom>
-                      <a:solidFill>
-                        <a:srgbClr val="FF0000"/>
-                      </a:solidFill>
-                      <a:ln>
-                        <a:solidFill>
-                          <a:srgbClr val="FF0000"/>
-                        </a:solidFill>
-                      </a:ln>
-                    </p:spPr>
-                    <p:style>
-                      <a:lnRef idx="0">
-                        <a:scrgbClr r="0" g="0" b="0"/>
-                      </a:lnRef>
-                      <a:fillRef idx="0">
-                        <a:scrgbClr r="0" g="0" b="0"/>
-                      </a:fillRef>
-                      <a:effectRef idx="0">
-                        <a:scrgbClr r="0" g="0" b="0"/>
-                      </a:effectRef>
-                      <a:fontRef idx="minor">
-                        <a:schemeClr val="lt1"/>
-                      </a:fontRef>
-                    </p:style>
-                    <p:txBody>
-                      <a:bodyPr rtlCol="0" anchor="ctr"/>
-                      <a:lstStyle/>
-                      <a:p>
-                        <a:pPr algn="ctr"/>
-                        <a:endParaRPr lang="ko-KR" altLang="en-US"/>
-                      </a:p>
-                    </p:txBody>
-                  </p:sp>
-                  <p:sp>
-                    <p:nvSpPr>
-                      <p:cNvPr id="77" name="타원 76">
-                        <a:extLst>
-                          <a:ext uri="{FF2B5EF4-FFF2-40B4-BE49-F238E27FC236}">
-                            <a16:creationId xmlns:a16="http://schemas.microsoft.com/office/drawing/2014/main" id="{DA42AA67-3A33-43EB-B905-3769D5031577}"/>
-                          </a:ext>
-                        </a:extLst>
-                      </p:cNvPr>
-                      <p:cNvSpPr/>
-                      <p:nvPr/>
-                    </p:nvSpPr>
-                    <p:spPr>
-                      <a:xfrm>
-                        <a:off x="3765665" y="3419472"/>
-                        <a:ext cx="109728" cy="113438"/>
-                      </a:xfrm>
-                      <a:prstGeom prst="ellipse">
-                        <a:avLst/>
-                      </a:prstGeom>
-                      <a:solidFill>
-                        <a:srgbClr val="FF0000"/>
-                      </a:solidFill>
-                      <a:ln>
-                        <a:solidFill>
-                          <a:srgbClr val="FF0000"/>
-                        </a:solidFill>
-                      </a:ln>
-                    </p:spPr>
-                    <p:style>
-                      <a:lnRef idx="0">
-                        <a:scrgbClr r="0" g="0" b="0"/>
-                      </a:lnRef>
-                      <a:fillRef idx="0">
-                        <a:scrgbClr r="0" g="0" b="0"/>
-                      </a:fillRef>
-                      <a:effectRef idx="0">
-                        <a:scrgbClr r="0" g="0" b="0"/>
-                      </a:effectRef>
-                      <a:fontRef idx="minor">
-                        <a:schemeClr val="lt1"/>
-                      </a:fontRef>
-                    </p:style>
-                    <p:txBody>
-                      <a:bodyPr rtlCol="0" anchor="ctr"/>
-                      <a:lstStyle/>
-                      <a:p>
-                        <a:pPr algn="ctr"/>
-                        <a:endParaRPr lang="ko-KR" altLang="en-US"/>
-                      </a:p>
-                    </p:txBody>
-                  </p:sp>
-                </p:grpSp>
-                <p:grpSp>
-                  <p:nvGrpSpPr>
-                    <p:cNvPr id="70" name="그룹 69">
-                      <a:extLst>
-                        <a:ext uri="{FF2B5EF4-FFF2-40B4-BE49-F238E27FC236}">
-                          <a16:creationId xmlns:a16="http://schemas.microsoft.com/office/drawing/2014/main" id="{BD6E9397-EFC8-44FA-BA12-DBB83257F989}"/>
-                        </a:ext>
-                      </a:extLst>
-                    </p:cNvPr>
-                    <p:cNvGrpSpPr/>
-                    <p:nvPr/>
-                  </p:nvGrpSpPr>
-                  <p:grpSpPr>
-                    <a:xfrm>
-                      <a:off x="3426149" y="3616513"/>
-                      <a:ext cx="450549" cy="113438"/>
-                      <a:chOff x="3424844" y="3419472"/>
-                      <a:chExt cx="450549" cy="113438"/>
-                    </a:xfrm>
-                  </p:grpSpPr>
-                  <p:sp>
-                    <p:nvSpPr>
-                      <p:cNvPr id="74" name="타원 73">
-                        <a:extLst>
-                          <a:ext uri="{FF2B5EF4-FFF2-40B4-BE49-F238E27FC236}">
-                            <a16:creationId xmlns:a16="http://schemas.microsoft.com/office/drawing/2014/main" id="{EF93DDA8-5BBE-4E3F-A0FE-C33358AC5AA4}"/>
-                          </a:ext>
-                        </a:extLst>
-                      </p:cNvPr>
-                      <p:cNvSpPr/>
-                      <p:nvPr/>
-                    </p:nvSpPr>
-                    <p:spPr>
-                      <a:xfrm>
-                        <a:off x="3424844" y="3419472"/>
-                        <a:ext cx="109728" cy="113438"/>
-                      </a:xfrm>
-                      <a:prstGeom prst="ellipse">
-                        <a:avLst/>
-                      </a:prstGeom>
-                      <a:solidFill>
-                        <a:srgbClr val="FF0000"/>
-                      </a:solidFill>
-                      <a:ln>
-                        <a:solidFill>
-                          <a:srgbClr val="FF0000"/>
-                        </a:solidFill>
-                      </a:ln>
-                    </p:spPr>
-                    <p:style>
-                      <a:lnRef idx="0">
-                        <a:scrgbClr r="0" g="0" b="0"/>
-                      </a:lnRef>
-                      <a:fillRef idx="0">
-                        <a:scrgbClr r="0" g="0" b="0"/>
-                      </a:fillRef>
-                      <a:effectRef idx="0">
-                        <a:scrgbClr r="0" g="0" b="0"/>
-                      </a:effectRef>
-                      <a:fontRef idx="minor">
-                        <a:schemeClr val="lt1"/>
-                      </a:fontRef>
-                    </p:style>
-                    <p:txBody>
-                      <a:bodyPr rtlCol="0" anchor="ctr"/>
-                      <a:lstStyle/>
-                      <a:p>
-                        <a:pPr algn="ctr"/>
-                        <a:endParaRPr lang="ko-KR" altLang="en-US"/>
-                      </a:p>
-                    </p:txBody>
-                  </p:sp>
-                  <p:sp>
-                    <p:nvSpPr>
-                      <p:cNvPr id="75" name="타원 74">
-                        <a:extLst>
-                          <a:ext uri="{FF2B5EF4-FFF2-40B4-BE49-F238E27FC236}">
-                            <a16:creationId xmlns:a16="http://schemas.microsoft.com/office/drawing/2014/main" id="{32CC79FF-C3C0-49C6-AD03-D8C1EE93E684}"/>
-                          </a:ext>
-                        </a:extLst>
-                      </p:cNvPr>
-                      <p:cNvSpPr/>
-                      <p:nvPr/>
-                    </p:nvSpPr>
-                    <p:spPr>
-                      <a:xfrm>
-                        <a:off x="3765665" y="3419472"/>
-                        <a:ext cx="109728" cy="113438"/>
-                      </a:xfrm>
-                      <a:prstGeom prst="ellipse">
-                        <a:avLst/>
-                      </a:prstGeom>
-                      <a:solidFill>
-                        <a:srgbClr val="FF0000"/>
-                      </a:solidFill>
-                      <a:ln>
-                        <a:solidFill>
-                          <a:srgbClr val="FF0000"/>
-                        </a:solidFill>
-                      </a:ln>
-                    </p:spPr>
-                    <p:style>
-                      <a:lnRef idx="0">
-                        <a:scrgbClr r="0" g="0" b="0"/>
-                      </a:lnRef>
-                      <a:fillRef idx="0">
-                        <a:scrgbClr r="0" g="0" b="0"/>
-                      </a:fillRef>
-                      <a:effectRef idx="0">
-                        <a:scrgbClr r="0" g="0" b="0"/>
-                      </a:effectRef>
-                      <a:fontRef idx="minor">
-                        <a:schemeClr val="lt1"/>
-                      </a:fontRef>
-                    </p:style>
-                    <p:txBody>
-                      <a:bodyPr rtlCol="0" anchor="ctr"/>
-                      <a:lstStyle/>
-                      <a:p>
-                        <a:pPr algn="ctr"/>
-                        <a:endParaRPr lang="ko-KR" altLang="en-US"/>
-                      </a:p>
-                    </p:txBody>
-                  </p:sp>
-                </p:grpSp>
-                <p:grpSp>
-                  <p:nvGrpSpPr>
-                    <p:cNvPr id="71" name="그룹 70">
-                      <a:extLst>
-                        <a:ext uri="{FF2B5EF4-FFF2-40B4-BE49-F238E27FC236}">
-                          <a16:creationId xmlns:a16="http://schemas.microsoft.com/office/drawing/2014/main" id="{82349242-3687-4605-AEB0-F64FA12BD5B4}"/>
-                        </a:ext>
-                      </a:extLst>
-                    </p:cNvPr>
-                    <p:cNvGrpSpPr/>
-                    <p:nvPr/>
-                  </p:nvGrpSpPr>
-                  <p:grpSpPr>
-                    <a:xfrm>
-                      <a:off x="3420330" y="3825549"/>
-                      <a:ext cx="450549" cy="113438"/>
-                      <a:chOff x="3424844" y="3419472"/>
-                      <a:chExt cx="450549" cy="113438"/>
-                    </a:xfrm>
-                  </p:grpSpPr>
-                  <p:sp>
-                    <p:nvSpPr>
-                      <p:cNvPr id="72" name="타원 71">
-                        <a:extLst>
-                          <a:ext uri="{FF2B5EF4-FFF2-40B4-BE49-F238E27FC236}">
-                            <a16:creationId xmlns:a16="http://schemas.microsoft.com/office/drawing/2014/main" id="{0076907C-85D9-4BCF-BD2A-19ED11DBE60E}"/>
-                          </a:ext>
-                        </a:extLst>
-                      </p:cNvPr>
-                      <p:cNvSpPr/>
-                      <p:nvPr/>
-                    </p:nvSpPr>
-                    <p:spPr>
-                      <a:xfrm>
-                        <a:off x="3424844" y="3419472"/>
-                        <a:ext cx="109728" cy="113438"/>
-                      </a:xfrm>
-                      <a:prstGeom prst="ellipse">
-                        <a:avLst/>
-                      </a:prstGeom>
-                      <a:solidFill>
-                        <a:srgbClr val="FF0000"/>
-                      </a:solidFill>
-                      <a:ln>
-                        <a:solidFill>
-                          <a:srgbClr val="FF0000"/>
-                        </a:solidFill>
-                      </a:ln>
-                    </p:spPr>
-                    <p:style>
-                      <a:lnRef idx="0">
-                        <a:scrgbClr r="0" g="0" b="0"/>
-                      </a:lnRef>
-                      <a:fillRef idx="0">
-                        <a:scrgbClr r="0" g="0" b="0"/>
-                      </a:fillRef>
-                      <a:effectRef idx="0">
-                        <a:scrgbClr r="0" g="0" b="0"/>
-                      </a:effectRef>
-                      <a:fontRef idx="minor">
-                        <a:schemeClr val="lt1"/>
-                      </a:fontRef>
-                    </p:style>
-                    <p:txBody>
-                      <a:bodyPr rtlCol="0" anchor="ctr"/>
-                      <a:lstStyle/>
-                      <a:p>
-                        <a:pPr algn="ctr"/>
-                        <a:endParaRPr lang="ko-KR" altLang="en-US"/>
-                      </a:p>
-                    </p:txBody>
-                  </p:sp>
-                  <p:sp>
-                    <p:nvSpPr>
-                      <p:cNvPr id="73" name="타원 72">
-                        <a:extLst>
-                          <a:ext uri="{FF2B5EF4-FFF2-40B4-BE49-F238E27FC236}">
-                            <a16:creationId xmlns:a16="http://schemas.microsoft.com/office/drawing/2014/main" id="{B6E1C5C3-75ED-4CF2-91E3-8B115A92AAB9}"/>
-                          </a:ext>
-                        </a:extLst>
-                      </p:cNvPr>
-                      <p:cNvSpPr/>
-                      <p:nvPr/>
-                    </p:nvSpPr>
-                    <p:spPr>
-                      <a:xfrm>
-                        <a:off x="3765665" y="3419472"/>
-                        <a:ext cx="109728" cy="113438"/>
-                      </a:xfrm>
-                      <a:prstGeom prst="ellipse">
-                        <a:avLst/>
-                      </a:prstGeom>
-                      <a:solidFill>
-                        <a:srgbClr val="FF0000"/>
-                      </a:solidFill>
-                      <a:ln>
-                        <a:solidFill>
-                          <a:srgbClr val="FF0000"/>
-                        </a:solidFill>
-                      </a:ln>
-                    </p:spPr>
-                    <p:style>
-                      <a:lnRef idx="0">
-                        <a:scrgbClr r="0" g="0" b="0"/>
-                      </a:lnRef>
-                      <a:fillRef idx="0">
-                        <a:scrgbClr r="0" g="0" b="0"/>
-                      </a:fillRef>
-                      <a:effectRef idx="0">
-                        <a:scrgbClr r="0" g="0" b="0"/>
-                      </a:effectRef>
-                      <a:fontRef idx="minor">
-                        <a:schemeClr val="lt1"/>
-                      </a:fontRef>
-                    </p:style>
-                    <p:txBody>
-                      <a:bodyPr rtlCol="0" anchor="ctr"/>
-                      <a:lstStyle/>
-                      <a:p>
-                        <a:pPr algn="ctr"/>
-                        <a:endParaRPr lang="ko-KR" altLang="en-US"/>
-                      </a:p>
-                    </p:txBody>
-                  </p:sp>
-                </p:grpSp>
-              </p:grpSp>
-            </p:grpSp>
-            <p:grpSp>
-              <p:nvGrpSpPr>
-                <p:cNvPr id="78" name="그룹 77">
-                  <a:extLst>
-                    <a:ext uri="{FF2B5EF4-FFF2-40B4-BE49-F238E27FC236}">
-                      <a16:creationId xmlns:a16="http://schemas.microsoft.com/office/drawing/2014/main" id="{5DF80A48-EF5B-436B-886A-E6C278D2C3E7}"/>
-                    </a:ext>
-                  </a:extLst>
-                </p:cNvPr>
-                <p:cNvGrpSpPr/>
-                <p:nvPr/>
-              </p:nvGrpSpPr>
-              <p:grpSpPr>
-                <a:xfrm>
-                  <a:off x="7251331" y="3118691"/>
-                  <a:ext cx="1230851" cy="620618"/>
-                  <a:chOff x="6792383" y="2795940"/>
-                  <a:chExt cx="2092592" cy="1055123"/>
-                </a:xfrm>
-              </p:grpSpPr>
-              <p:sp>
-                <p:nvSpPr>
-                  <p:cNvPr id="19" name="타원 18">
-                    <a:extLst>
-                      <a:ext uri="{FF2B5EF4-FFF2-40B4-BE49-F238E27FC236}">
-                        <a16:creationId xmlns:a16="http://schemas.microsoft.com/office/drawing/2014/main" id="{70CDC7E8-0803-4BFC-A43E-5D7E5325BDE2}"/>
-                      </a:ext>
-                    </a:extLst>
-                  </p:cNvPr>
-                  <p:cNvSpPr/>
-                  <p:nvPr/>
-                </p:nvSpPr>
-                <p:spPr>
-                  <a:xfrm>
-                    <a:off x="8196958" y="3243954"/>
-                    <a:ext cx="173189" cy="173189"/>
-                  </a:xfrm>
-                  <a:prstGeom prst="ellipse">
-                    <a:avLst/>
-                  </a:prstGeom>
-                  <a:solidFill>
-                    <a:srgbClr val="00B050"/>
-                  </a:solidFill>
-                  <a:ln>
-                    <a:noFill/>
-                  </a:ln>
-                </p:spPr>
-                <p:style>
-                  <a:lnRef idx="2">
-                    <a:schemeClr val="accent1">
-                      <a:shade val="50000"/>
-                    </a:schemeClr>
-                  </a:lnRef>
-                  <a:fillRef idx="1">
-                    <a:schemeClr val="accent1"/>
-                  </a:fillRef>
-                  <a:effectRef idx="0">
-                    <a:schemeClr val="accent1"/>
-                  </a:effectRef>
-                  <a:fontRef idx="minor">
-                    <a:schemeClr val="lt1"/>
-                  </a:fontRef>
-                </p:style>
-                <p:txBody>
-                  <a:bodyPr rtlCol="0" anchor="ctr"/>
-                  <a:lstStyle/>
-                  <a:p>
-                    <a:pPr algn="ctr"/>
-                    <a:endParaRPr lang="ko-KR" altLang="en-US" dirty="0"/>
-                  </a:p>
-                </p:txBody>
-              </p:sp>
-              <p:grpSp>
-                <p:nvGrpSpPr>
-                  <p:cNvPr id="9" name="그룹 8">
-                    <a:extLst>
-                      <a:ext uri="{FF2B5EF4-FFF2-40B4-BE49-F238E27FC236}">
-                        <a16:creationId xmlns:a16="http://schemas.microsoft.com/office/drawing/2014/main" id="{C4F5B9C0-32D5-4320-A49A-B0D614ABC719}"/>
-                      </a:ext>
-                    </a:extLst>
-                  </p:cNvPr>
-                  <p:cNvGrpSpPr/>
-                  <p:nvPr/>
-                </p:nvGrpSpPr>
-                <p:grpSpPr>
-                  <a:xfrm>
-                    <a:off x="6792383" y="2795940"/>
-                    <a:ext cx="1051286" cy="1055123"/>
-                    <a:chOff x="7118924" y="1989694"/>
-                    <a:chExt cx="1797967" cy="1804529"/>
-                  </a:xfrm>
-                </p:grpSpPr>
-                <p:sp>
-                  <p:nvSpPr>
-                    <p:cNvPr id="17" name="직사각형 16">
-                      <a:extLst>
-                        <a:ext uri="{FF2B5EF4-FFF2-40B4-BE49-F238E27FC236}">
-                          <a16:creationId xmlns:a16="http://schemas.microsoft.com/office/drawing/2014/main" id="{6549F4FD-F262-4334-AD81-1C4F4A0CF026}"/>
-                        </a:ext>
-                      </a:extLst>
-                    </p:cNvPr>
-                    <p:cNvSpPr/>
-                    <p:nvPr/>
-                  </p:nvSpPr>
-                  <p:spPr>
-                    <a:xfrm>
-                      <a:off x="7118924" y="1989694"/>
-                      <a:ext cx="1797967" cy="1804529"/>
-                    </a:xfrm>
-                    <a:prstGeom prst="rect">
-                      <a:avLst/>
-                    </a:prstGeom>
-                    <a:noFill/>
-                    <a:ln w="28575" cap="flat" cmpd="sng" algn="ctr">
-                      <a:solidFill>
-                        <a:srgbClr val="FF0000"/>
-                      </a:solidFill>
-                      <a:prstDash val="sysDot"/>
-                      <a:round/>
-                      <a:headEnd type="none" w="med" len="med"/>
-                      <a:tailEnd type="none" w="med" len="med"/>
-                    </a:ln>
-                  </p:spPr>
-                  <p:style>
-                    <a:lnRef idx="0">
-                      <a:scrgbClr r="0" g="0" b="0"/>
-                    </a:lnRef>
-                    <a:fillRef idx="0">
-                      <a:scrgbClr r="0" g="0" b="0"/>
-                    </a:fillRef>
-                    <a:effectRef idx="0">
-                      <a:scrgbClr r="0" g="0" b="0"/>
-                    </a:effectRef>
-                    <a:fontRef idx="minor">
-                      <a:schemeClr val="accent6"/>
-                    </a:fontRef>
-                  </p:style>
-                  <p:txBody>
-                    <a:bodyPr rtlCol="0" anchor="ctr"/>
-                    <a:lstStyle/>
-                    <a:p>
-                      <a:pPr algn="ctr"/>
-                      <a:endParaRPr lang="ko-KR" altLang="en-US"/>
-                    </a:p>
-                  </p:txBody>
-                </p:sp>
-                <p:grpSp>
-                  <p:nvGrpSpPr>
-                    <p:cNvPr id="21" name="그룹 20">
-                      <a:extLst>
-                        <a:ext uri="{FF2B5EF4-FFF2-40B4-BE49-F238E27FC236}">
-                          <a16:creationId xmlns:a16="http://schemas.microsoft.com/office/drawing/2014/main" id="{AE8ADE2C-83B6-4199-A636-61D3657E8EF4}"/>
-                        </a:ext>
-                      </a:extLst>
-                    </p:cNvPr>
-                    <p:cNvGrpSpPr/>
-                    <p:nvPr/>
-                  </p:nvGrpSpPr>
-                  <p:grpSpPr>
-                    <a:xfrm>
-                      <a:off x="7326231" y="2150005"/>
-                      <a:ext cx="1377740" cy="1427351"/>
-                      <a:chOff x="4205323" y="1579582"/>
-                      <a:chExt cx="1069085" cy="1107584"/>
-                    </a:xfrm>
-                  </p:grpSpPr>
-                  <p:sp>
-                    <p:nvSpPr>
-                      <p:cNvPr id="24" name="타원 23">
-                        <a:extLst>
-                          <a:ext uri="{FF2B5EF4-FFF2-40B4-BE49-F238E27FC236}">
-                            <a16:creationId xmlns:a16="http://schemas.microsoft.com/office/drawing/2014/main" id="{9B02B749-64FE-4B61-A0C9-5551DCA8B694}"/>
-                          </a:ext>
-                        </a:extLst>
-                      </p:cNvPr>
-                      <p:cNvSpPr/>
-                      <p:nvPr/>
-                    </p:nvSpPr>
-                    <p:spPr>
-                      <a:xfrm>
-                        <a:off x="4210936" y="1579582"/>
-                        <a:ext cx="256214" cy="256214"/>
-                      </a:xfrm>
-                      <a:prstGeom prst="ellipse">
-                        <a:avLst/>
-                      </a:prstGeom>
-                    </p:spPr>
-                    <p:style>
-                      <a:lnRef idx="2">
-                        <a:schemeClr val="dk1">
-                          <a:shade val="50000"/>
-                        </a:schemeClr>
-                      </a:lnRef>
-                      <a:fillRef idx="1">
-                        <a:schemeClr val="dk1"/>
-                      </a:fillRef>
-                      <a:effectRef idx="0">
-                        <a:schemeClr val="dk1"/>
-                      </a:effectRef>
-                      <a:fontRef idx="minor">
-                        <a:schemeClr val="lt1"/>
-                      </a:fontRef>
-                    </p:style>
-                    <p:txBody>
-                      <a:bodyPr rtlCol="0" anchor="ctr"/>
-                      <a:lstStyle/>
-                      <a:p>
-                        <a:pPr algn="ctr"/>
-                        <a:endParaRPr lang="ko-KR" altLang="en-US"/>
-                      </a:p>
-                    </p:txBody>
-                  </p:sp>
-                  <p:sp>
-                    <p:nvSpPr>
-                      <p:cNvPr id="25" name="타원 24">
-                        <a:extLst>
-                          <a:ext uri="{FF2B5EF4-FFF2-40B4-BE49-F238E27FC236}">
-                            <a16:creationId xmlns:a16="http://schemas.microsoft.com/office/drawing/2014/main" id="{678D4C3A-EB11-42FA-A421-795BB67DC56B}"/>
-                          </a:ext>
-                        </a:extLst>
-                      </p:cNvPr>
-                      <p:cNvSpPr/>
-                      <p:nvPr/>
-                    </p:nvSpPr>
-                    <p:spPr>
-                      <a:xfrm>
-                        <a:off x="5018194" y="1579582"/>
-                        <a:ext cx="256214" cy="256214"/>
-                      </a:xfrm>
-                      <a:prstGeom prst="ellipse">
-                        <a:avLst/>
-                      </a:prstGeom>
-                    </p:spPr>
-                    <p:style>
-                      <a:lnRef idx="2">
-                        <a:schemeClr val="dk1">
-                          <a:shade val="50000"/>
-                        </a:schemeClr>
-                      </a:lnRef>
-                      <a:fillRef idx="1">
-                        <a:schemeClr val="dk1"/>
-                      </a:fillRef>
-                      <a:effectRef idx="0">
-                        <a:schemeClr val="dk1"/>
-                      </a:effectRef>
-                      <a:fontRef idx="minor">
-                        <a:schemeClr val="lt1"/>
-                      </a:fontRef>
-                    </p:style>
-                    <p:txBody>
-                      <a:bodyPr rtlCol="0" anchor="ctr"/>
-                      <a:lstStyle/>
-                      <a:p>
-                        <a:pPr algn="ctr"/>
-                        <a:endParaRPr lang="ko-KR" altLang="en-US"/>
-                      </a:p>
-                    </p:txBody>
-                  </p:sp>
-                  <p:sp>
-                    <p:nvSpPr>
-                      <p:cNvPr id="26" name="타원 25">
-                        <a:extLst>
-                          <a:ext uri="{FF2B5EF4-FFF2-40B4-BE49-F238E27FC236}">
-                            <a16:creationId xmlns:a16="http://schemas.microsoft.com/office/drawing/2014/main" id="{379B00D0-4D78-4F7E-A6BD-DA83AAE90F49}"/>
-                          </a:ext>
-                        </a:extLst>
-                      </p:cNvPr>
-                      <p:cNvSpPr/>
-                      <p:nvPr/>
-                    </p:nvSpPr>
-                    <p:spPr>
-                      <a:xfrm>
-                        <a:off x="4205323" y="2012489"/>
-                        <a:ext cx="256214" cy="256214"/>
-                      </a:xfrm>
-                      <a:prstGeom prst="ellipse">
-                        <a:avLst/>
-                      </a:prstGeom>
-                    </p:spPr>
-                    <p:style>
-                      <a:lnRef idx="2">
-                        <a:schemeClr val="dk1">
-                          <a:shade val="50000"/>
-                        </a:schemeClr>
-                      </a:lnRef>
-                      <a:fillRef idx="1">
-                        <a:schemeClr val="dk1"/>
-                      </a:fillRef>
-                      <a:effectRef idx="0">
-                        <a:schemeClr val="dk1"/>
-                      </a:effectRef>
-                      <a:fontRef idx="minor">
-                        <a:schemeClr val="lt1"/>
-                      </a:fontRef>
-                    </p:style>
-                    <p:txBody>
-                      <a:bodyPr rtlCol="0" anchor="ctr"/>
-                      <a:lstStyle/>
-                      <a:p>
-                        <a:pPr algn="ctr"/>
-                        <a:endParaRPr lang="ko-KR" altLang="en-US"/>
-                      </a:p>
-                    </p:txBody>
-                  </p:sp>
-                  <p:sp>
-                    <p:nvSpPr>
-                      <p:cNvPr id="27" name="타원 26">
-                        <a:extLst>
-                          <a:ext uri="{FF2B5EF4-FFF2-40B4-BE49-F238E27FC236}">
-                            <a16:creationId xmlns:a16="http://schemas.microsoft.com/office/drawing/2014/main" id="{7A172D55-4E3D-4DBA-96C5-F310A77A8DF5}"/>
-                          </a:ext>
-                        </a:extLst>
-                      </p:cNvPr>
-                      <p:cNvSpPr/>
-                      <p:nvPr/>
-                    </p:nvSpPr>
-                    <p:spPr>
-                      <a:xfrm>
-                        <a:off x="5012581" y="2012489"/>
-                        <a:ext cx="256214" cy="256214"/>
-                      </a:xfrm>
-                      <a:prstGeom prst="ellipse">
-                        <a:avLst/>
-                      </a:prstGeom>
-                    </p:spPr>
-                    <p:style>
-                      <a:lnRef idx="2">
-                        <a:schemeClr val="dk1">
-                          <a:shade val="50000"/>
-                        </a:schemeClr>
-                      </a:lnRef>
-                      <a:fillRef idx="1">
-                        <a:schemeClr val="dk1"/>
-                      </a:fillRef>
-                      <a:effectRef idx="0">
-                        <a:schemeClr val="dk1"/>
-                      </a:effectRef>
-                      <a:fontRef idx="minor">
-                        <a:schemeClr val="lt1"/>
-                      </a:fontRef>
-                    </p:style>
-                    <p:txBody>
-                      <a:bodyPr rtlCol="0" anchor="ctr"/>
-                      <a:lstStyle/>
-                      <a:p>
-                        <a:pPr algn="ctr"/>
-                        <a:endParaRPr lang="ko-KR" altLang="en-US"/>
-                      </a:p>
-                    </p:txBody>
-                  </p:sp>
-                  <p:sp>
-                    <p:nvSpPr>
-                      <p:cNvPr id="28" name="타원 27">
-                        <a:extLst>
-                          <a:ext uri="{FF2B5EF4-FFF2-40B4-BE49-F238E27FC236}">
-                            <a16:creationId xmlns:a16="http://schemas.microsoft.com/office/drawing/2014/main" id="{D449F342-46E2-4D37-A3C3-F63D65E3357B}"/>
-                          </a:ext>
-                        </a:extLst>
-                      </p:cNvPr>
-                      <p:cNvSpPr/>
-                      <p:nvPr/>
-                    </p:nvSpPr>
-                    <p:spPr>
-                      <a:xfrm>
-                        <a:off x="4205323" y="2430952"/>
-                        <a:ext cx="256214" cy="256214"/>
-                      </a:xfrm>
-                      <a:prstGeom prst="ellipse">
-                        <a:avLst/>
-                      </a:prstGeom>
-                    </p:spPr>
-                    <p:style>
-                      <a:lnRef idx="2">
-                        <a:schemeClr val="dk1">
-                          <a:shade val="50000"/>
-                        </a:schemeClr>
-                      </a:lnRef>
-                      <a:fillRef idx="1">
-                        <a:schemeClr val="dk1"/>
-                      </a:fillRef>
-                      <a:effectRef idx="0">
-                        <a:schemeClr val="dk1"/>
-                      </a:effectRef>
-                      <a:fontRef idx="minor">
-                        <a:schemeClr val="lt1"/>
-                      </a:fontRef>
-                    </p:style>
-                    <p:txBody>
-                      <a:bodyPr rtlCol="0" anchor="ctr"/>
-                      <a:lstStyle/>
-                      <a:p>
-                        <a:pPr algn="ctr"/>
-                        <a:endParaRPr lang="ko-KR" altLang="en-US"/>
-                      </a:p>
-                    </p:txBody>
-                  </p:sp>
-                  <p:sp>
-                    <p:nvSpPr>
-                      <p:cNvPr id="29" name="타원 28">
-                        <a:extLst>
-                          <a:ext uri="{FF2B5EF4-FFF2-40B4-BE49-F238E27FC236}">
-                            <a16:creationId xmlns:a16="http://schemas.microsoft.com/office/drawing/2014/main" id="{7CD33E63-856D-49FD-A0D4-C7A0BDFA68A8}"/>
-                          </a:ext>
-                        </a:extLst>
-                      </p:cNvPr>
-                      <p:cNvSpPr/>
-                      <p:nvPr/>
-                    </p:nvSpPr>
-                    <p:spPr>
-                      <a:xfrm>
-                        <a:off x="5012581" y="2430952"/>
-                        <a:ext cx="256214" cy="256214"/>
-                      </a:xfrm>
-                      <a:prstGeom prst="ellipse">
-                        <a:avLst/>
-                      </a:prstGeom>
-                    </p:spPr>
-                    <p:style>
-                      <a:lnRef idx="2">
-                        <a:schemeClr val="dk1">
-                          <a:shade val="50000"/>
-                        </a:schemeClr>
-                      </a:lnRef>
-                      <a:fillRef idx="1">
-                        <a:schemeClr val="dk1"/>
-                      </a:fillRef>
-                      <a:effectRef idx="0">
-                        <a:schemeClr val="dk1"/>
-                      </a:effectRef>
-                      <a:fontRef idx="minor">
-                        <a:schemeClr val="lt1"/>
-                      </a:fontRef>
-                    </p:style>
-                    <p:txBody>
-                      <a:bodyPr rtlCol="0" anchor="ctr"/>
-                      <a:lstStyle/>
-                      <a:p>
-                        <a:pPr algn="ctr"/>
-                        <a:endParaRPr lang="ko-KR" altLang="en-US"/>
-                      </a:p>
-                    </p:txBody>
-                  </p:sp>
-                </p:grpSp>
-              </p:grpSp>
-              <p:sp>
-                <p:nvSpPr>
-                  <p:cNvPr id="79" name="타원 78">
-                    <a:extLst>
-                      <a:ext uri="{FF2B5EF4-FFF2-40B4-BE49-F238E27FC236}">
-                        <a16:creationId xmlns:a16="http://schemas.microsoft.com/office/drawing/2014/main" id="{0168CDF5-2209-45D0-A161-D0D7A53C2A6D}"/>
-                      </a:ext>
-                    </a:extLst>
-                  </p:cNvPr>
-                  <p:cNvSpPr/>
-                  <p:nvPr/>
-                </p:nvSpPr>
-                <p:spPr>
-                  <a:xfrm>
-                    <a:off x="8461852" y="3243953"/>
-                    <a:ext cx="173189" cy="173189"/>
-                  </a:xfrm>
-                  <a:prstGeom prst="ellipse">
-                    <a:avLst/>
-                  </a:prstGeom>
-                  <a:solidFill>
-                    <a:srgbClr val="0070C0"/>
-                  </a:solidFill>
-                  <a:ln>
-                    <a:noFill/>
-                  </a:ln>
-                </p:spPr>
-                <p:style>
-                  <a:lnRef idx="2">
-                    <a:schemeClr val="accent1">
-                      <a:shade val="50000"/>
-                    </a:schemeClr>
-                  </a:lnRef>
-                  <a:fillRef idx="1">
-                    <a:schemeClr val="accent1"/>
-                  </a:fillRef>
-                  <a:effectRef idx="0">
-                    <a:schemeClr val="accent1"/>
-                  </a:effectRef>
-                  <a:fontRef idx="minor">
-                    <a:schemeClr val="lt1"/>
-                  </a:fontRef>
-                </p:style>
-                <p:txBody>
-                  <a:bodyPr rtlCol="0" anchor="ctr"/>
-                  <a:lstStyle/>
-                  <a:p>
-                    <a:pPr algn="ctr"/>
-                    <a:endParaRPr lang="ko-KR" altLang="en-US"/>
-                  </a:p>
-                </p:txBody>
-              </p:sp>
-              <p:sp>
-                <p:nvSpPr>
-                  <p:cNvPr id="80" name="타원 79">
-                    <a:extLst>
-                      <a:ext uri="{FF2B5EF4-FFF2-40B4-BE49-F238E27FC236}">
-                        <a16:creationId xmlns:a16="http://schemas.microsoft.com/office/drawing/2014/main" id="{B9455D9F-A958-44F4-B967-0261C02422D4}"/>
-                      </a:ext>
-                    </a:extLst>
-                  </p:cNvPr>
-                  <p:cNvSpPr/>
-                  <p:nvPr/>
-                </p:nvSpPr>
-                <p:spPr>
-                  <a:xfrm>
-                    <a:off x="8711786" y="3236906"/>
-                    <a:ext cx="173189" cy="173189"/>
-                  </a:xfrm>
-                  <a:prstGeom prst="ellipse">
-                    <a:avLst/>
-                  </a:prstGeom>
-                  <a:solidFill>
-                    <a:srgbClr val="FF0000"/>
-                  </a:solidFill>
-                  <a:ln>
-                    <a:noFill/>
-                  </a:ln>
-                </p:spPr>
-                <p:style>
-                  <a:lnRef idx="2">
-                    <a:schemeClr val="accent1">
-                      <a:shade val="50000"/>
-                    </a:schemeClr>
-                  </a:lnRef>
-                  <a:fillRef idx="1">
-                    <a:schemeClr val="accent1"/>
-                  </a:fillRef>
-                  <a:effectRef idx="0">
-                    <a:schemeClr val="accent1"/>
-                  </a:effectRef>
-                  <a:fontRef idx="minor">
-                    <a:schemeClr val="lt1"/>
-                  </a:fontRef>
-                </p:style>
-                <p:txBody>
-                  <a:bodyPr rtlCol="0" anchor="ctr"/>
-                  <a:lstStyle/>
-                  <a:p>
-                    <a:pPr algn="ctr"/>
-                    <a:endParaRPr lang="ko-KR" altLang="en-US"/>
-                  </a:p>
-                </p:txBody>
-              </p:sp>
-            </p:grpSp>
-            <p:sp>
-              <p:nvSpPr>
-                <p:cNvPr id="82" name="타원 81">
-                  <a:extLst>
-                    <a:ext uri="{FF2B5EF4-FFF2-40B4-BE49-F238E27FC236}">
-                      <a16:creationId xmlns:a16="http://schemas.microsoft.com/office/drawing/2014/main" id="{B1F67BEB-5AD2-451A-916D-E913646F6E0C}"/>
-                    </a:ext>
-                  </a:extLst>
-                </p:cNvPr>
-                <p:cNvSpPr/>
-                <p:nvPr/>
-              </p:nvSpPr>
-              <p:spPr>
-                <a:xfrm>
-                  <a:off x="7599573" y="5109129"/>
-                  <a:ext cx="173189" cy="173189"/>
-                </a:xfrm>
-                <a:prstGeom prst="ellipse">
-                  <a:avLst/>
-                </a:prstGeom>
+          <a:prstGeom prst="rect">
+            <a:avLst/>
+          </a:prstGeom>
+          <a:noFill/>
+        </p:spPr>
+        <p:txBody>
+          <a:bodyPr wrap="none" rtlCol="0">
+            <a:spAutoFit/>
+          </a:bodyPr>
+          <a:lstStyle/>
+          <a:p>
+            <a:r>
+              <a:rPr lang="ko-KR" altLang="en-US" sz="2400" dirty="0">
                 <a:solidFill>
-                  <a:schemeClr val="bg1">
-                    <a:lumMod val="50000"/>
-                  </a:schemeClr>
+                  <a:srgbClr val="FF8700"/>
                 </a:solidFill>
-                <a:ln>
-                  <a:noFill/>
-                </a:ln>
-              </p:spPr>
-              <p:style>
-                <a:lnRef idx="2">
-                  <a:schemeClr val="accent1">
-                    <a:shade val="50000"/>
-                  </a:schemeClr>
-                </a:lnRef>
-                <a:fillRef idx="1">
-                  <a:schemeClr val="accent1"/>
-                </a:fillRef>
-                <a:effectRef idx="0">
-                  <a:schemeClr val="accent1"/>
-                </a:effectRef>
-                <a:fontRef idx="minor">
-                  <a:schemeClr val="lt1"/>
-                </a:fontRef>
-              </p:style>
-              <p:txBody>
-                <a:bodyPr rtlCol="0" anchor="ctr"/>
-                <a:lstStyle/>
-                <a:p>
-                  <a:pPr algn="ctr"/>
-                  <a:endParaRPr lang="ko-KR" altLang="en-US" dirty="0"/>
-                </a:p>
-              </p:txBody>
-            </p:sp>
-          </p:grpSp>
-          <p:sp>
-            <p:nvSpPr>
-              <p:cNvPr id="85" name="TextBox 84">
-                <a:extLst>
-                  <a:ext uri="{FF2B5EF4-FFF2-40B4-BE49-F238E27FC236}">
-                    <a16:creationId xmlns:a16="http://schemas.microsoft.com/office/drawing/2014/main" id="{1878133F-EF44-4643-8307-DE2446607911}"/>
-                  </a:ext>
-                </a:extLst>
-              </p:cNvPr>
-              <p:cNvSpPr txBox="1"/>
-              <p:nvPr/>
-            </p:nvSpPr>
-            <p:spPr>
-              <a:xfrm>
-                <a:off x="7096327" y="3528674"/>
-                <a:ext cx="858561" cy="261610"/>
-              </a:xfrm>
-              <a:prstGeom prst="rect">
-                <a:avLst/>
-              </a:prstGeom>
-              <a:noFill/>
-            </p:spPr>
-            <p:txBody>
-              <a:bodyPr wrap="square" rtlCol="0">
-                <a:spAutoFit/>
-              </a:bodyPr>
-              <a:lstStyle/>
-              <a:p>
-                <a:r>
-                  <a:rPr lang="ko-KR" altLang="en-US" sz="1100" dirty="0" err="1">
-                    <a:latin typeface="a옛날목욕탕L" panose="02020600000000000000" pitchFamily="18" charset="-127"/>
-                    <a:ea typeface="a옛날목욕탕L" panose="02020600000000000000" pitchFamily="18" charset="-127"/>
-                  </a:rPr>
-                  <a:t>출력부</a:t>
-                </a:r>
-                <a:endParaRPr lang="ko-KR" altLang="en-US" sz="1100" dirty="0">
-                  <a:latin typeface="a옛날목욕탕L" panose="02020600000000000000" pitchFamily="18" charset="-127"/>
-                  <a:ea typeface="a옛날목욕탕L" panose="02020600000000000000" pitchFamily="18" charset="-127"/>
-                </a:endParaRPr>
-              </a:p>
-            </p:txBody>
-          </p:sp>
-          <p:sp>
-            <p:nvSpPr>
-              <p:cNvPr id="86" name="TextBox 85">
-                <a:extLst>
-                  <a:ext uri="{FF2B5EF4-FFF2-40B4-BE49-F238E27FC236}">
-                    <a16:creationId xmlns:a16="http://schemas.microsoft.com/office/drawing/2014/main" id="{29EADB15-671A-42C3-B917-768E11B4C581}"/>
-                  </a:ext>
-                </a:extLst>
-              </p:cNvPr>
-              <p:cNvSpPr txBox="1"/>
-              <p:nvPr/>
-            </p:nvSpPr>
-            <p:spPr>
-              <a:xfrm>
-                <a:off x="8068265" y="2346591"/>
-                <a:ext cx="1010961" cy="261610"/>
-              </a:xfrm>
-              <a:prstGeom prst="rect">
-                <a:avLst/>
-              </a:prstGeom>
-              <a:noFill/>
-            </p:spPr>
-            <p:txBody>
-              <a:bodyPr wrap="square" rtlCol="0">
-                <a:spAutoFit/>
-              </a:bodyPr>
-              <a:lstStyle/>
-              <a:p>
-                <a:r>
-                  <a:rPr lang="ko-KR" altLang="en-US" sz="1100" dirty="0" err="1">
-                    <a:latin typeface="a옛날목욕탕L" panose="02020600000000000000" pitchFamily="18" charset="-127"/>
-                    <a:ea typeface="a옛날목욕탕L" panose="02020600000000000000" pitchFamily="18" charset="-127"/>
-                  </a:rPr>
-                  <a:t>입력부</a:t>
-                </a:r>
-                <a:endParaRPr lang="ko-KR" altLang="en-US" sz="1100" dirty="0">
-                  <a:latin typeface="a옛날목욕탕L" panose="02020600000000000000" pitchFamily="18" charset="-127"/>
-                  <a:ea typeface="a옛날목욕탕L" panose="02020600000000000000" pitchFamily="18" charset="-127"/>
-                </a:endParaRPr>
-              </a:p>
-            </p:txBody>
-          </p:sp>
-        </p:grpSp>
-        <p:sp>
-          <p:nvSpPr>
-            <p:cNvPr id="43" name="직사각형 42">
-              <a:extLst>
-                <a:ext uri="{FF2B5EF4-FFF2-40B4-BE49-F238E27FC236}">
-                  <a16:creationId xmlns:a16="http://schemas.microsoft.com/office/drawing/2014/main" id="{036F8F6B-F640-4674-B9BF-E646C890730C}"/>
-                </a:ext>
-              </a:extLst>
-            </p:cNvPr>
-            <p:cNvSpPr/>
-            <p:nvPr/>
-          </p:nvSpPr>
-          <p:spPr>
-            <a:xfrm>
-              <a:off x="7872586" y="2092840"/>
-              <a:ext cx="4183675" cy="3293209"/>
-            </a:xfrm>
-            <a:prstGeom prst="rect">
-              <a:avLst/>
-            </a:prstGeom>
-          </p:spPr>
-          <p:txBody>
-            <a:bodyPr wrap="square">
-              <a:spAutoFit/>
-            </a:bodyPr>
-            <a:lstStyle/>
-            <a:p>
-              <a:pPr marL="342900" indent="-342900">
-                <a:buAutoNum type="arabicPeriod"/>
-              </a:pPr>
-              <a:r>
-                <a:rPr lang="ko-KR" altLang="en-US" sz="1600" dirty="0">
-                  <a:latin typeface="a옛날목욕탕L" panose="02020600000000000000" pitchFamily="18" charset="-127"/>
-                  <a:ea typeface="a옛날목욕탕L" panose="02020600000000000000" pitchFamily="18" charset="-127"/>
-                </a:rPr>
-                <a:t>점자 셀에 맞게 점자 버튼을 입력한 후 </a:t>
-              </a:r>
-              <a:endParaRPr lang="en-US" altLang="ko-KR" sz="1600" dirty="0">
-                <a:latin typeface="a옛날목욕탕L" panose="02020600000000000000" pitchFamily="18" charset="-127"/>
-                <a:ea typeface="a옛날목욕탕L" panose="02020600000000000000" pitchFamily="18" charset="-127"/>
-              </a:endParaRPr>
-            </a:p>
-            <a:p>
-              <a:r>
-                <a:rPr lang="en-US" altLang="ko-KR" sz="1600" dirty="0">
-                  <a:latin typeface="a옛날목욕탕L" panose="02020600000000000000" pitchFamily="18" charset="-127"/>
-                  <a:ea typeface="a옛날목욕탕L" panose="02020600000000000000" pitchFamily="18" charset="-127"/>
-                </a:rPr>
-                <a:t>     </a:t>
-              </a:r>
-              <a:r>
-                <a:rPr lang="ko-KR" altLang="en-US" sz="1600" dirty="0">
-                  <a:latin typeface="a옛날목욕탕L" panose="02020600000000000000" pitchFamily="18" charset="-127"/>
-                  <a:ea typeface="a옛날목욕탕L" panose="02020600000000000000" pitchFamily="18" charset="-127"/>
-                </a:rPr>
-                <a:t>하나의 셀을 완성하면 </a:t>
-              </a:r>
-              <a:r>
-                <a:rPr lang="en-US" altLang="ko-KR" sz="1600" dirty="0">
-                  <a:latin typeface="a옛날목욕탕L" panose="02020600000000000000" pitchFamily="18" charset="-127"/>
-                  <a:ea typeface="a옛날목욕탕L" panose="02020600000000000000" pitchFamily="18" charset="-127"/>
-                </a:rPr>
-                <a:t>enter </a:t>
-              </a:r>
-              <a:r>
-                <a:rPr lang="ko-KR" altLang="en-US" sz="1600" dirty="0">
-                  <a:latin typeface="a옛날목욕탕L" panose="02020600000000000000" pitchFamily="18" charset="-127"/>
-                  <a:ea typeface="a옛날목욕탕L" panose="02020600000000000000" pitchFamily="18" charset="-127"/>
-                </a:rPr>
-                <a:t>버튼을 누른다</a:t>
-              </a:r>
-              <a:r>
-                <a:rPr lang="en-US" altLang="ko-KR" sz="1600" dirty="0">
-                  <a:latin typeface="a옛날목욕탕L" panose="02020600000000000000" pitchFamily="18" charset="-127"/>
-                  <a:ea typeface="a옛날목욕탕L" panose="02020600000000000000" pitchFamily="18" charset="-127"/>
-                </a:rPr>
-                <a:t>.</a:t>
-              </a:r>
-            </a:p>
-            <a:p>
-              <a:pPr marL="342900" indent="-342900">
-                <a:buAutoNum type="arabicPeriod"/>
-              </a:pPr>
-              <a:endParaRPr lang="en-US" altLang="ko-KR" sz="1600" dirty="0">
-                <a:latin typeface="a옛날목욕탕L" panose="02020600000000000000" pitchFamily="18" charset="-127"/>
-                <a:ea typeface="a옛날목욕탕L" panose="02020600000000000000" pitchFamily="18" charset="-127"/>
-              </a:endParaRPr>
-            </a:p>
-            <a:p>
-              <a:pPr marL="342900" indent="-342900">
-                <a:buFont typeface="+mj-lt"/>
-                <a:buAutoNum type="arabicPeriod" startAt="2"/>
-              </a:pPr>
-              <a:r>
-                <a:rPr lang="ko-KR" altLang="en-US" sz="1600" dirty="0">
-                  <a:latin typeface="a옛날목욕탕L" panose="02020600000000000000" pitchFamily="18" charset="-127"/>
-                  <a:ea typeface="a옛날목욕탕L" panose="02020600000000000000" pitchFamily="18" charset="-127"/>
-                </a:rPr>
-                <a:t>하나의 점자 정보 입력이 완료되면</a:t>
-              </a:r>
-              <a:endParaRPr lang="en-US" altLang="ko-KR" sz="1600" dirty="0">
-                <a:latin typeface="a옛날목욕탕L" panose="02020600000000000000" pitchFamily="18" charset="-127"/>
-                <a:ea typeface="a옛날목욕탕L" panose="02020600000000000000" pitchFamily="18" charset="-127"/>
-              </a:endParaRPr>
-            </a:p>
-            <a:p>
-              <a:r>
-                <a:rPr lang="en-US" altLang="ko-KR" sz="1600" dirty="0">
-                  <a:latin typeface="a옛날목욕탕L" panose="02020600000000000000" pitchFamily="18" charset="-127"/>
-                  <a:ea typeface="a옛날목욕탕L" panose="02020600000000000000" pitchFamily="18" charset="-127"/>
-                </a:rPr>
-                <a:t>     send </a:t>
-              </a:r>
-              <a:r>
-                <a:rPr lang="ko-KR" altLang="en-US" sz="1600" dirty="0">
-                  <a:latin typeface="a옛날목욕탕L" panose="02020600000000000000" pitchFamily="18" charset="-127"/>
-                  <a:ea typeface="a옛날목욕탕L" panose="02020600000000000000" pitchFamily="18" charset="-127"/>
-                </a:rPr>
-                <a:t>버튼을 눌러 점자정보를 완성한다</a:t>
-              </a:r>
-              <a:r>
-                <a:rPr lang="en-US" altLang="ko-KR" sz="1600" dirty="0">
-                  <a:latin typeface="a옛날목욕탕L" panose="02020600000000000000" pitchFamily="18" charset="-127"/>
-                  <a:ea typeface="a옛날목욕탕L" panose="02020600000000000000" pitchFamily="18" charset="-127"/>
-                </a:rPr>
-                <a:t>.</a:t>
-              </a:r>
-            </a:p>
-            <a:p>
-              <a:endParaRPr lang="en-US" altLang="ko-KR" sz="1600" dirty="0">
-                <a:latin typeface="a옛날목욕탕L" panose="02020600000000000000" pitchFamily="18" charset="-127"/>
-                <a:ea typeface="a옛날목욕탕L" panose="02020600000000000000" pitchFamily="18" charset="-127"/>
-              </a:endParaRPr>
-            </a:p>
-            <a:p>
-              <a:pPr marL="342900" indent="-342900">
-                <a:buFont typeface="+mj-lt"/>
-                <a:buAutoNum type="arabicPeriod" startAt="3"/>
-              </a:pPr>
-              <a:r>
-                <a:rPr lang="ko-KR" altLang="en-US" sz="1600" dirty="0">
-                  <a:latin typeface="a옛날목욕탕L" panose="02020600000000000000" pitchFamily="18" charset="-127"/>
-                  <a:ea typeface="a옛날목욕탕L" panose="02020600000000000000" pitchFamily="18" charset="-127"/>
-                </a:rPr>
-                <a:t>모든 점자 정보의 입력이 완료되면 다시 </a:t>
-              </a:r>
-              <a:r>
-                <a:rPr lang="en-US" altLang="ko-KR" sz="1600" dirty="0">
-                  <a:latin typeface="a옛날목욕탕L" panose="02020600000000000000" pitchFamily="18" charset="-127"/>
-                  <a:ea typeface="a옛날목욕탕L" panose="02020600000000000000" pitchFamily="18" charset="-127"/>
-                </a:rPr>
-                <a:t>send </a:t>
-              </a:r>
-              <a:r>
-                <a:rPr lang="ko-KR" altLang="en-US" sz="1600" dirty="0">
-                  <a:latin typeface="a옛날목욕탕L" panose="02020600000000000000" pitchFamily="18" charset="-127"/>
-                  <a:ea typeface="a옛날목욕탕L" panose="02020600000000000000" pitchFamily="18" charset="-127"/>
-                </a:rPr>
-                <a:t>버튼을 눌러 전송한다</a:t>
-              </a:r>
-              <a:r>
-                <a:rPr lang="en-US" altLang="ko-KR" sz="1600" dirty="0">
-                  <a:latin typeface="a옛날목욕탕L" panose="02020600000000000000" pitchFamily="18" charset="-127"/>
-                  <a:ea typeface="a옛날목욕탕L" panose="02020600000000000000" pitchFamily="18" charset="-127"/>
-                </a:rPr>
-                <a:t>.</a:t>
-              </a:r>
-            </a:p>
-            <a:p>
-              <a:endParaRPr lang="en-US" altLang="ko-KR" sz="1600" dirty="0">
-                <a:latin typeface="a옛날목욕탕L" panose="02020600000000000000" pitchFamily="18" charset="-127"/>
-                <a:ea typeface="a옛날목욕탕L" panose="02020600000000000000" pitchFamily="18" charset="-127"/>
-              </a:endParaRPr>
-            </a:p>
-            <a:p>
-              <a:endParaRPr lang="en-US" altLang="ko-KR" sz="1600" dirty="0">
-                <a:latin typeface="a옛날목욕탕L" panose="02020600000000000000" pitchFamily="18" charset="-127"/>
-                <a:ea typeface="a옛날목욕탕L" panose="02020600000000000000" pitchFamily="18" charset="-127"/>
-              </a:endParaRPr>
-            </a:p>
-            <a:p>
-              <a:pPr marL="285750" indent="-285750">
-                <a:buFont typeface="Arial" panose="020B0604020202020204" pitchFamily="34" charset="0"/>
-                <a:buChar char="•"/>
-              </a:pPr>
-              <a:r>
-                <a:rPr lang="ko-KR" altLang="en-US" sz="1600" dirty="0">
-                  <a:latin typeface="a옛날목욕탕L" panose="02020600000000000000" pitchFamily="18" charset="-127"/>
-                  <a:ea typeface="a옛날목욕탕L" panose="02020600000000000000" pitchFamily="18" charset="-127"/>
-                </a:rPr>
-                <a:t>점자 버튼을 잘못 누른 경우 </a:t>
-              </a:r>
-              <a:endParaRPr lang="en-US" altLang="ko-KR" sz="1600" dirty="0">
-                <a:latin typeface="a옛날목욕탕L" panose="02020600000000000000" pitchFamily="18" charset="-127"/>
-                <a:ea typeface="a옛날목욕탕L" panose="02020600000000000000" pitchFamily="18" charset="-127"/>
-              </a:endParaRPr>
-            </a:p>
-            <a:p>
-              <a:r>
-                <a:rPr lang="en-US" altLang="ko-KR" sz="1600" dirty="0">
-                  <a:latin typeface="a옛날목욕탕L" panose="02020600000000000000" pitchFamily="18" charset="-127"/>
-                  <a:ea typeface="a옛날목욕탕L" panose="02020600000000000000" pitchFamily="18" charset="-127"/>
-                </a:rPr>
-                <a:t>    backspace </a:t>
-              </a:r>
-              <a:r>
-                <a:rPr lang="ko-KR" altLang="en-US" sz="1600" dirty="0">
-                  <a:latin typeface="a옛날목욕탕L" panose="02020600000000000000" pitchFamily="18" charset="-127"/>
-                  <a:ea typeface="a옛날목욕탕L" panose="02020600000000000000" pitchFamily="18" charset="-127"/>
-                </a:rPr>
-                <a:t>버튼으로 현재 입력중인 </a:t>
-              </a:r>
-              <a:endParaRPr lang="en-US" altLang="ko-KR" sz="1600" dirty="0">
-                <a:latin typeface="a옛날목욕탕L" panose="02020600000000000000" pitchFamily="18" charset="-127"/>
-                <a:ea typeface="a옛날목욕탕L" panose="02020600000000000000" pitchFamily="18" charset="-127"/>
-              </a:endParaRPr>
-            </a:p>
-            <a:p>
-              <a:r>
-                <a:rPr lang="en-US" altLang="ko-KR" sz="1600" dirty="0">
-                  <a:latin typeface="a옛날목욕탕L" panose="02020600000000000000" pitchFamily="18" charset="-127"/>
-                  <a:ea typeface="a옛날목욕탕L" panose="02020600000000000000" pitchFamily="18" charset="-127"/>
-                </a:rPr>
-                <a:t>    </a:t>
-              </a:r>
-              <a:r>
-                <a:rPr lang="ko-KR" altLang="en-US" sz="1600" dirty="0">
-                  <a:latin typeface="a옛날목욕탕L" panose="02020600000000000000" pitchFamily="18" charset="-127"/>
-                  <a:ea typeface="a옛날목욕탕L" panose="02020600000000000000" pitchFamily="18" charset="-127"/>
-                </a:rPr>
-                <a:t>점자 셀을 초기화한다</a:t>
-              </a:r>
-              <a:r>
-                <a:rPr lang="en-US" altLang="ko-KR" sz="1600" dirty="0">
-                  <a:latin typeface="a옛날목욕탕L" panose="02020600000000000000" pitchFamily="18" charset="-127"/>
-                  <a:ea typeface="a옛날목욕탕L" panose="02020600000000000000" pitchFamily="18" charset="-127"/>
-                </a:rPr>
-                <a:t>.</a:t>
-              </a:r>
-              <a:endParaRPr lang="ko-KR" altLang="ko-KR" sz="1400" dirty="0">
-                <a:latin typeface="a옛날목욕탕L" panose="02020600000000000000" pitchFamily="18" charset="-127"/>
-                <a:ea typeface="a옛날목욕탕L" panose="02020600000000000000" pitchFamily="18" charset="-127"/>
-                <a:cs typeface="Arial" panose="020B0604020202020204" pitchFamily="34" charset="0"/>
-              </a:endParaRPr>
-            </a:p>
-          </p:txBody>
-        </p:sp>
-      </p:grpSp>
+                <a:effectLst>
+                  <a:outerShdw blurRad="38100" dist="38100" dir="2700000" algn="tl">
+                    <a:srgbClr val="000000">
+                      <a:alpha val="43137"/>
+                    </a:srgbClr>
+                  </a:outerShdw>
+                </a:effectLst>
+                <a:latin typeface="a옛날목욕탕L" panose="02020600000000000000" pitchFamily="18" charset="-127"/>
+                <a:ea typeface="a옛날목욕탕L" panose="02020600000000000000" pitchFamily="18" charset="-127"/>
+              </a:rPr>
+              <a:t>기존 현황</a:t>
+            </a:r>
+          </a:p>
+        </p:txBody>
+      </p:sp>
       <p:sp>
         <p:nvSpPr>
-          <p:cNvPr id="44" name="직사각형 43">
+          <p:cNvPr id="6" name="Chevron 11">
             <a:extLst>
               <a:ext uri="{FF2B5EF4-FFF2-40B4-BE49-F238E27FC236}">
-                <a16:creationId xmlns:a16="http://schemas.microsoft.com/office/drawing/2014/main" id="{09DD76BD-F26B-4E69-BFB5-ABE9E55983D7}"/>
+                <a16:creationId xmlns:a16="http://schemas.microsoft.com/office/drawing/2014/main" id="{2186FD7B-A3E7-49AD-8DEA-3BE0B38A287F}"/>
               </a:ext>
             </a:extLst>
           </p:cNvPr>
@@ -18280,848 +15801,28 @@
         </p:nvSpPr>
         <p:spPr>
           <a:xfrm>
-            <a:off x="447249" y="1581935"/>
-            <a:ext cx="2059217" cy="369332"/>
+            <a:off x="4189215" y="2640173"/>
+            <a:ext cx="1194727" cy="2592983"/>
           </a:xfrm>
-          <a:prstGeom prst="rect">
+          <a:prstGeom prst="chevron">
             <a:avLst/>
           </a:prstGeom>
-        </p:spPr>
-        <p:txBody>
-          <a:bodyPr wrap="square">
-            <a:spAutoFit/>
-          </a:bodyPr>
-          <a:lstStyle/>
-          <a:p>
-            <a:pPr marL="342900" indent="-342900">
-              <a:buFont typeface="+mj-ea"/>
-              <a:buAutoNum type="circleNumDbPlain" startAt="2"/>
-            </a:pPr>
-            <a:r>
-              <a:rPr lang="ko-KR" altLang="en-US" dirty="0">
-                <a:latin typeface="a옛날목욕탕L" panose="02020600000000000000" pitchFamily="18" charset="-127"/>
-                <a:ea typeface="a옛날목욕탕L" panose="02020600000000000000" pitchFamily="18" charset="-127"/>
-              </a:rPr>
-              <a:t>사전기능</a:t>
-            </a:r>
-            <a:endParaRPr lang="ko-KR" altLang="ko-KR" sz="1600" dirty="0">
-              <a:latin typeface="a옛날목욕탕L" panose="02020600000000000000" pitchFamily="18" charset="-127"/>
-              <a:ea typeface="a옛날목욕탕L" panose="02020600000000000000" pitchFamily="18" charset="-127"/>
-              <a:cs typeface="Arial" panose="020B0604020202020204" pitchFamily="34" charset="0"/>
-            </a:endParaRPr>
-          </a:p>
-        </p:txBody>
-      </p:sp>
-      <p:cxnSp>
-        <p:nvCxnSpPr>
-          <p:cNvPr id="8" name="직선 연결선 7">
-            <a:extLst>
-              <a:ext uri="{FF2B5EF4-FFF2-40B4-BE49-F238E27FC236}">
-                <a16:creationId xmlns:a16="http://schemas.microsoft.com/office/drawing/2014/main" id="{FCFC77D9-08A7-44D2-9AB4-9B152EC5B6CE}"/>
-              </a:ext>
-            </a:extLst>
-          </p:cNvPr>
-          <p:cNvCxnSpPr/>
-          <p:nvPr/>
-        </p:nvCxnSpPr>
-        <p:spPr>
-          <a:xfrm>
-            <a:off x="6718202" y="1904649"/>
-            <a:ext cx="0" cy="4203125"/>
-          </a:xfrm>
-          <a:prstGeom prst="line">
-            <a:avLst/>
-          </a:prstGeom>
-          <a:ln w="38100">
-            <a:solidFill>
-              <a:schemeClr val="tx1"/>
-            </a:solidFill>
-            <a:prstDash val="dash"/>
-          </a:ln>
-        </p:spPr>
-        <p:style>
-          <a:lnRef idx="1">
-            <a:schemeClr val="accent1"/>
-          </a:lnRef>
-          <a:fillRef idx="0">
-            <a:schemeClr val="accent1"/>
-          </a:fillRef>
-          <a:effectRef idx="0">
-            <a:schemeClr val="accent1"/>
-          </a:effectRef>
-          <a:fontRef idx="minor">
-            <a:schemeClr val="tx1"/>
-          </a:fontRef>
-        </p:style>
-      </p:cxnSp>
-      <p:grpSp>
-        <p:nvGrpSpPr>
-          <p:cNvPr id="48" name="그룹 47">
-            <a:extLst>
-              <a:ext uri="{FF2B5EF4-FFF2-40B4-BE49-F238E27FC236}">
-                <a16:creationId xmlns:a16="http://schemas.microsoft.com/office/drawing/2014/main" id="{4D4CDCC8-E6E3-4B0E-AA2F-3FE30697B9C8}"/>
-              </a:ext>
-            </a:extLst>
-          </p:cNvPr>
-          <p:cNvGrpSpPr/>
-          <p:nvPr/>
-        </p:nvGrpSpPr>
-        <p:grpSpPr>
-          <a:xfrm>
-            <a:off x="7390087" y="2384892"/>
-            <a:ext cx="1717371" cy="3272271"/>
-            <a:chOff x="4988024" y="1736328"/>
-            <a:chExt cx="2382975" cy="4540512"/>
-          </a:xfrm>
-        </p:grpSpPr>
-        <p:pic>
-          <p:nvPicPr>
-            <p:cNvPr id="49" name="그림 48">
-              <a:extLst>
-                <a:ext uri="{FF2B5EF4-FFF2-40B4-BE49-F238E27FC236}">
-                  <a16:creationId xmlns:a16="http://schemas.microsoft.com/office/drawing/2014/main" id="{A25812F5-D38B-4B8F-B6D4-F14E2A5E2013}"/>
-                </a:ext>
-              </a:extLst>
-            </p:cNvPr>
-            <p:cNvPicPr>
-              <a:picLocks noChangeAspect="1"/>
-            </p:cNvPicPr>
-            <p:nvPr/>
-          </p:nvPicPr>
-          <p:blipFill>
-            <a:blip r:embed="rId3"/>
-            <a:stretch>
-              <a:fillRect/>
-            </a:stretch>
-          </p:blipFill>
-          <p:spPr>
-            <a:xfrm>
-              <a:off x="5058081" y="2125848"/>
-              <a:ext cx="2242859" cy="3987304"/>
-            </a:xfrm>
-            <a:prstGeom prst="rect">
-              <a:avLst/>
-            </a:prstGeom>
-          </p:spPr>
-        </p:pic>
-        <p:sp>
-          <p:nvSpPr>
-            <p:cNvPr id="50" name="Google Shape;272;p32">
-              <a:extLst>
-                <a:ext uri="{FF2B5EF4-FFF2-40B4-BE49-F238E27FC236}">
-                  <a16:creationId xmlns:a16="http://schemas.microsoft.com/office/drawing/2014/main" id="{292416C9-3D43-4C44-8DCF-73634AFE7437}"/>
-                </a:ext>
-              </a:extLst>
-            </p:cNvPr>
-            <p:cNvSpPr/>
-            <p:nvPr/>
-          </p:nvSpPr>
-          <p:spPr>
-            <a:xfrm>
-              <a:off x="4988024" y="1736328"/>
-              <a:ext cx="2382975" cy="4540512"/>
-            </a:xfrm>
-            <a:custGeom>
-              <a:avLst/>
-              <a:gdLst/>
-              <a:ahLst/>
-              <a:cxnLst/>
-              <a:rect l="l" t="t" r="r" b="b"/>
-              <a:pathLst>
-                <a:path w="30819" h="61841" extrusionOk="0">
-                  <a:moveTo>
-                    <a:pt x="5160" y="2580"/>
-                  </a:moveTo>
-                  <a:lnTo>
-                    <a:pt x="5295" y="2648"/>
-                  </a:lnTo>
-                  <a:lnTo>
-                    <a:pt x="5363" y="2784"/>
-                  </a:lnTo>
-                  <a:lnTo>
-                    <a:pt x="5363" y="2920"/>
-                  </a:lnTo>
-                  <a:lnTo>
-                    <a:pt x="5363" y="3055"/>
-                  </a:lnTo>
-                  <a:lnTo>
-                    <a:pt x="5295" y="3191"/>
-                  </a:lnTo>
-                  <a:lnTo>
-                    <a:pt x="5160" y="3259"/>
-                  </a:lnTo>
-                  <a:lnTo>
-                    <a:pt x="4888" y="3259"/>
-                  </a:lnTo>
-                  <a:lnTo>
-                    <a:pt x="4752" y="3191"/>
-                  </a:lnTo>
-                  <a:lnTo>
-                    <a:pt x="4684" y="3055"/>
-                  </a:lnTo>
-                  <a:lnTo>
-                    <a:pt x="4684" y="2920"/>
-                  </a:lnTo>
-                  <a:lnTo>
-                    <a:pt x="4684" y="2784"/>
-                  </a:lnTo>
-                  <a:lnTo>
-                    <a:pt x="4752" y="2648"/>
-                  </a:lnTo>
-                  <a:lnTo>
-                    <a:pt x="4888" y="2580"/>
-                  </a:lnTo>
-                  <a:close/>
-                  <a:moveTo>
-                    <a:pt x="15410" y="2241"/>
-                  </a:moveTo>
-                  <a:lnTo>
-                    <a:pt x="15681" y="2309"/>
-                  </a:lnTo>
-                  <a:lnTo>
-                    <a:pt x="15885" y="2444"/>
-                  </a:lnTo>
-                  <a:lnTo>
-                    <a:pt x="16021" y="2648"/>
-                  </a:lnTo>
-                  <a:lnTo>
-                    <a:pt x="16088" y="2920"/>
-                  </a:lnTo>
-                  <a:lnTo>
-                    <a:pt x="16021" y="3191"/>
-                  </a:lnTo>
-                  <a:lnTo>
-                    <a:pt x="15885" y="3395"/>
-                  </a:lnTo>
-                  <a:lnTo>
-                    <a:pt x="15681" y="3531"/>
-                  </a:lnTo>
-                  <a:lnTo>
-                    <a:pt x="15410" y="3598"/>
-                  </a:lnTo>
-                  <a:lnTo>
-                    <a:pt x="15138" y="3531"/>
-                  </a:lnTo>
-                  <a:lnTo>
-                    <a:pt x="14934" y="3395"/>
-                  </a:lnTo>
-                  <a:lnTo>
-                    <a:pt x="14799" y="3191"/>
-                  </a:lnTo>
-                  <a:lnTo>
-                    <a:pt x="14731" y="2920"/>
-                  </a:lnTo>
-                  <a:lnTo>
-                    <a:pt x="14799" y="2648"/>
-                  </a:lnTo>
-                  <a:lnTo>
-                    <a:pt x="14934" y="2444"/>
-                  </a:lnTo>
-                  <a:lnTo>
-                    <a:pt x="15138" y="2309"/>
-                  </a:lnTo>
-                  <a:lnTo>
-                    <a:pt x="15410" y="2241"/>
-                  </a:lnTo>
-                  <a:close/>
-                  <a:moveTo>
-                    <a:pt x="29393" y="5228"/>
-                  </a:moveTo>
-                  <a:lnTo>
-                    <a:pt x="29461" y="5296"/>
-                  </a:lnTo>
-                  <a:lnTo>
-                    <a:pt x="29461" y="54849"/>
-                  </a:lnTo>
-                  <a:lnTo>
-                    <a:pt x="1426" y="54849"/>
-                  </a:lnTo>
-                  <a:lnTo>
-                    <a:pt x="1426" y="5296"/>
-                  </a:lnTo>
-                  <a:lnTo>
-                    <a:pt x="1494" y="5228"/>
-                  </a:lnTo>
-                  <a:close/>
-                  <a:moveTo>
-                    <a:pt x="15410" y="544"/>
-                  </a:moveTo>
-                  <a:lnTo>
-                    <a:pt x="19143" y="612"/>
-                  </a:lnTo>
-                  <a:lnTo>
-                    <a:pt x="23012" y="747"/>
-                  </a:lnTo>
-                  <a:lnTo>
-                    <a:pt x="26339" y="951"/>
-                  </a:lnTo>
-                  <a:lnTo>
-                    <a:pt x="27560" y="1087"/>
-                  </a:lnTo>
-                  <a:lnTo>
-                    <a:pt x="27560" y="1087"/>
-                  </a:lnTo>
-                  <a:lnTo>
-                    <a:pt x="26339" y="1019"/>
-                  </a:lnTo>
-                  <a:lnTo>
-                    <a:pt x="23012" y="815"/>
-                  </a:lnTo>
-                  <a:lnTo>
-                    <a:pt x="19143" y="680"/>
-                  </a:lnTo>
-                  <a:lnTo>
-                    <a:pt x="15410" y="612"/>
-                  </a:lnTo>
-                  <a:lnTo>
-                    <a:pt x="11676" y="680"/>
-                  </a:lnTo>
-                  <a:lnTo>
-                    <a:pt x="7807" y="815"/>
-                  </a:lnTo>
-                  <a:lnTo>
-                    <a:pt x="4481" y="1019"/>
-                  </a:lnTo>
-                  <a:lnTo>
-                    <a:pt x="3259" y="1087"/>
-                  </a:lnTo>
-                  <a:lnTo>
-                    <a:pt x="2444" y="1223"/>
-                  </a:lnTo>
-                  <a:lnTo>
-                    <a:pt x="1969" y="1358"/>
-                  </a:lnTo>
-                  <a:lnTo>
-                    <a:pt x="1630" y="1494"/>
-                  </a:lnTo>
-                  <a:lnTo>
-                    <a:pt x="1290" y="1698"/>
-                  </a:lnTo>
-                  <a:lnTo>
-                    <a:pt x="1019" y="1901"/>
-                  </a:lnTo>
-                  <a:lnTo>
-                    <a:pt x="815" y="2173"/>
-                  </a:lnTo>
-                  <a:lnTo>
-                    <a:pt x="679" y="2444"/>
-                  </a:lnTo>
-                  <a:lnTo>
-                    <a:pt x="544" y="2852"/>
-                  </a:lnTo>
-                  <a:lnTo>
-                    <a:pt x="544" y="3259"/>
-                  </a:lnTo>
-                  <a:lnTo>
-                    <a:pt x="544" y="58311"/>
-                  </a:lnTo>
-                  <a:lnTo>
-                    <a:pt x="544" y="58718"/>
-                  </a:lnTo>
-                  <a:lnTo>
-                    <a:pt x="476" y="58311"/>
-                  </a:lnTo>
-                  <a:lnTo>
-                    <a:pt x="476" y="3259"/>
-                  </a:lnTo>
-                  <a:lnTo>
-                    <a:pt x="544" y="2784"/>
-                  </a:lnTo>
-                  <a:lnTo>
-                    <a:pt x="612" y="2444"/>
-                  </a:lnTo>
-                  <a:lnTo>
-                    <a:pt x="747" y="2105"/>
-                  </a:lnTo>
-                  <a:lnTo>
-                    <a:pt x="951" y="1834"/>
-                  </a:lnTo>
-                  <a:lnTo>
-                    <a:pt x="1222" y="1630"/>
-                  </a:lnTo>
-                  <a:lnTo>
-                    <a:pt x="1562" y="1426"/>
-                  </a:lnTo>
-                  <a:lnTo>
-                    <a:pt x="1969" y="1290"/>
-                  </a:lnTo>
-                  <a:lnTo>
-                    <a:pt x="2444" y="1155"/>
-                  </a:lnTo>
-                  <a:lnTo>
-                    <a:pt x="3259" y="1087"/>
-                  </a:lnTo>
-                  <a:lnTo>
-                    <a:pt x="4481" y="951"/>
-                  </a:lnTo>
-                  <a:lnTo>
-                    <a:pt x="7807" y="747"/>
-                  </a:lnTo>
-                  <a:lnTo>
-                    <a:pt x="11676" y="612"/>
-                  </a:lnTo>
-                  <a:lnTo>
-                    <a:pt x="15410" y="544"/>
-                  </a:lnTo>
-                  <a:close/>
-                  <a:moveTo>
-                    <a:pt x="27560" y="1087"/>
-                  </a:moveTo>
-                  <a:lnTo>
-                    <a:pt x="28375" y="1155"/>
-                  </a:lnTo>
-                  <a:lnTo>
-                    <a:pt x="28850" y="1290"/>
-                  </a:lnTo>
-                  <a:lnTo>
-                    <a:pt x="29257" y="1426"/>
-                  </a:lnTo>
-                  <a:lnTo>
-                    <a:pt x="29597" y="1630"/>
-                  </a:lnTo>
-                  <a:lnTo>
-                    <a:pt x="29868" y="1834"/>
-                  </a:lnTo>
-                  <a:lnTo>
-                    <a:pt x="30072" y="2105"/>
-                  </a:lnTo>
-                  <a:lnTo>
-                    <a:pt x="30208" y="2444"/>
-                  </a:lnTo>
-                  <a:lnTo>
-                    <a:pt x="30276" y="2784"/>
-                  </a:lnTo>
-                  <a:lnTo>
-                    <a:pt x="30344" y="3259"/>
-                  </a:lnTo>
-                  <a:lnTo>
-                    <a:pt x="30344" y="58311"/>
-                  </a:lnTo>
-                  <a:lnTo>
-                    <a:pt x="30276" y="58718"/>
-                  </a:lnTo>
-                  <a:lnTo>
-                    <a:pt x="30208" y="59125"/>
-                  </a:lnTo>
-                  <a:lnTo>
-                    <a:pt x="30072" y="59465"/>
-                  </a:lnTo>
-                  <a:lnTo>
-                    <a:pt x="29868" y="59736"/>
-                  </a:lnTo>
-                  <a:lnTo>
-                    <a:pt x="29597" y="60008"/>
-                  </a:lnTo>
-                  <a:lnTo>
-                    <a:pt x="29257" y="60144"/>
-                  </a:lnTo>
-                  <a:lnTo>
-                    <a:pt x="28850" y="60347"/>
-                  </a:lnTo>
-                  <a:lnTo>
-                    <a:pt x="28375" y="60415"/>
-                  </a:lnTo>
-                  <a:lnTo>
-                    <a:pt x="26746" y="60687"/>
-                  </a:lnTo>
-                  <a:lnTo>
-                    <a:pt x="23895" y="60958"/>
-                  </a:lnTo>
-                  <a:lnTo>
-                    <a:pt x="22130" y="61094"/>
-                  </a:lnTo>
-                  <a:lnTo>
-                    <a:pt x="20093" y="61230"/>
-                  </a:lnTo>
-                  <a:lnTo>
-                    <a:pt x="17853" y="61298"/>
-                  </a:lnTo>
-                  <a:lnTo>
-                    <a:pt x="12966" y="61298"/>
-                  </a:lnTo>
-                  <a:lnTo>
-                    <a:pt x="10726" y="61230"/>
-                  </a:lnTo>
-                  <a:lnTo>
-                    <a:pt x="8689" y="61094"/>
-                  </a:lnTo>
-                  <a:lnTo>
-                    <a:pt x="6924" y="60958"/>
-                  </a:lnTo>
-                  <a:lnTo>
-                    <a:pt x="4073" y="60687"/>
-                  </a:lnTo>
-                  <a:lnTo>
-                    <a:pt x="2444" y="60415"/>
-                  </a:lnTo>
-                  <a:lnTo>
-                    <a:pt x="1969" y="60347"/>
-                  </a:lnTo>
-                  <a:lnTo>
-                    <a:pt x="1562" y="60144"/>
-                  </a:lnTo>
-                  <a:lnTo>
-                    <a:pt x="1290" y="60008"/>
-                  </a:lnTo>
-                  <a:lnTo>
-                    <a:pt x="951" y="59736"/>
-                  </a:lnTo>
-                  <a:lnTo>
-                    <a:pt x="747" y="59465"/>
-                  </a:lnTo>
-                  <a:lnTo>
-                    <a:pt x="612" y="59125"/>
-                  </a:lnTo>
-                  <a:lnTo>
-                    <a:pt x="544" y="58718"/>
-                  </a:lnTo>
-                  <a:lnTo>
-                    <a:pt x="544" y="58718"/>
-                  </a:lnTo>
-                  <a:lnTo>
-                    <a:pt x="679" y="59125"/>
-                  </a:lnTo>
-                  <a:lnTo>
-                    <a:pt x="815" y="59397"/>
-                  </a:lnTo>
-                  <a:lnTo>
-                    <a:pt x="1019" y="59669"/>
-                  </a:lnTo>
-                  <a:lnTo>
-                    <a:pt x="1290" y="59940"/>
-                  </a:lnTo>
-                  <a:lnTo>
-                    <a:pt x="1630" y="60144"/>
-                  </a:lnTo>
-                  <a:lnTo>
-                    <a:pt x="2037" y="60279"/>
-                  </a:lnTo>
-                  <a:lnTo>
-                    <a:pt x="2444" y="60415"/>
-                  </a:lnTo>
-                  <a:lnTo>
-                    <a:pt x="4073" y="60619"/>
-                  </a:lnTo>
-                  <a:lnTo>
-                    <a:pt x="6924" y="60890"/>
-                  </a:lnTo>
-                  <a:lnTo>
-                    <a:pt x="8689" y="61026"/>
-                  </a:lnTo>
-                  <a:lnTo>
-                    <a:pt x="10726" y="61162"/>
-                  </a:lnTo>
-                  <a:lnTo>
-                    <a:pt x="12966" y="61230"/>
-                  </a:lnTo>
-                  <a:lnTo>
-                    <a:pt x="17853" y="61230"/>
-                  </a:lnTo>
-                  <a:lnTo>
-                    <a:pt x="20093" y="61162"/>
-                  </a:lnTo>
-                  <a:lnTo>
-                    <a:pt x="22130" y="61026"/>
-                  </a:lnTo>
-                  <a:lnTo>
-                    <a:pt x="23895" y="60890"/>
-                  </a:lnTo>
-                  <a:lnTo>
-                    <a:pt x="26746" y="60619"/>
-                  </a:lnTo>
-                  <a:lnTo>
-                    <a:pt x="28375" y="60415"/>
-                  </a:lnTo>
-                  <a:lnTo>
-                    <a:pt x="28850" y="60279"/>
-                  </a:lnTo>
-                  <a:lnTo>
-                    <a:pt x="29190" y="60144"/>
-                  </a:lnTo>
-                  <a:lnTo>
-                    <a:pt x="29529" y="59940"/>
-                  </a:lnTo>
-                  <a:lnTo>
-                    <a:pt x="29800" y="59669"/>
-                  </a:lnTo>
-                  <a:lnTo>
-                    <a:pt x="30004" y="59397"/>
-                  </a:lnTo>
-                  <a:lnTo>
-                    <a:pt x="30140" y="59125"/>
-                  </a:lnTo>
-                  <a:lnTo>
-                    <a:pt x="30276" y="58718"/>
-                  </a:lnTo>
-                  <a:lnTo>
-                    <a:pt x="30276" y="58311"/>
-                  </a:lnTo>
-                  <a:lnTo>
-                    <a:pt x="30276" y="3259"/>
-                  </a:lnTo>
-                  <a:lnTo>
-                    <a:pt x="30276" y="2852"/>
-                  </a:lnTo>
-                  <a:lnTo>
-                    <a:pt x="30140" y="2444"/>
-                  </a:lnTo>
-                  <a:lnTo>
-                    <a:pt x="30004" y="2173"/>
-                  </a:lnTo>
-                  <a:lnTo>
-                    <a:pt x="29800" y="1901"/>
-                  </a:lnTo>
-                  <a:lnTo>
-                    <a:pt x="29529" y="1698"/>
-                  </a:lnTo>
-                  <a:lnTo>
-                    <a:pt x="29190" y="1494"/>
-                  </a:lnTo>
-                  <a:lnTo>
-                    <a:pt x="28850" y="1358"/>
-                  </a:lnTo>
-                  <a:lnTo>
-                    <a:pt x="28375" y="1223"/>
-                  </a:lnTo>
-                  <a:lnTo>
-                    <a:pt x="27560" y="1087"/>
-                  </a:lnTo>
-                  <a:close/>
-                  <a:moveTo>
-                    <a:pt x="15410" y="1"/>
-                  </a:moveTo>
-                  <a:lnTo>
-                    <a:pt x="11608" y="69"/>
-                  </a:lnTo>
-                  <a:lnTo>
-                    <a:pt x="7739" y="204"/>
-                  </a:lnTo>
-                  <a:lnTo>
-                    <a:pt x="4413" y="408"/>
-                  </a:lnTo>
-                  <a:lnTo>
-                    <a:pt x="3191" y="544"/>
-                  </a:lnTo>
-                  <a:lnTo>
-                    <a:pt x="2309" y="680"/>
-                  </a:lnTo>
-                  <a:lnTo>
-                    <a:pt x="1765" y="815"/>
-                  </a:lnTo>
-                  <a:lnTo>
-                    <a:pt x="1290" y="1019"/>
-                  </a:lnTo>
-                  <a:lnTo>
-                    <a:pt x="883" y="1223"/>
-                  </a:lnTo>
-                  <a:lnTo>
-                    <a:pt x="544" y="1494"/>
-                  </a:lnTo>
-                  <a:lnTo>
-                    <a:pt x="340" y="1901"/>
-                  </a:lnTo>
-                  <a:lnTo>
-                    <a:pt x="136" y="2241"/>
-                  </a:lnTo>
-                  <a:lnTo>
-                    <a:pt x="1" y="2716"/>
-                  </a:lnTo>
-                  <a:lnTo>
-                    <a:pt x="1" y="3259"/>
-                  </a:lnTo>
-                  <a:lnTo>
-                    <a:pt x="1" y="58311"/>
-                  </a:lnTo>
-                  <a:lnTo>
-                    <a:pt x="1" y="58854"/>
-                  </a:lnTo>
-                  <a:lnTo>
-                    <a:pt x="136" y="59261"/>
-                  </a:lnTo>
-                  <a:lnTo>
-                    <a:pt x="340" y="59736"/>
-                  </a:lnTo>
-                  <a:lnTo>
-                    <a:pt x="612" y="60076"/>
-                  </a:lnTo>
-                  <a:lnTo>
-                    <a:pt x="951" y="60347"/>
-                  </a:lnTo>
-                  <a:lnTo>
-                    <a:pt x="1358" y="60619"/>
-                  </a:lnTo>
-                  <a:lnTo>
-                    <a:pt x="1833" y="60823"/>
-                  </a:lnTo>
-                  <a:lnTo>
-                    <a:pt x="2309" y="60958"/>
-                  </a:lnTo>
-                  <a:lnTo>
-                    <a:pt x="4006" y="61162"/>
-                  </a:lnTo>
-                  <a:lnTo>
-                    <a:pt x="6857" y="61501"/>
-                  </a:lnTo>
-                  <a:lnTo>
-                    <a:pt x="8689" y="61637"/>
-                  </a:lnTo>
-                  <a:lnTo>
-                    <a:pt x="10726" y="61705"/>
-                  </a:lnTo>
-                  <a:lnTo>
-                    <a:pt x="12966" y="61773"/>
-                  </a:lnTo>
-                  <a:lnTo>
-                    <a:pt x="15410" y="61841"/>
-                  </a:lnTo>
-                  <a:lnTo>
-                    <a:pt x="17853" y="61773"/>
-                  </a:lnTo>
-                  <a:lnTo>
-                    <a:pt x="20093" y="61705"/>
-                  </a:lnTo>
-                  <a:lnTo>
-                    <a:pt x="22130" y="61637"/>
-                  </a:lnTo>
-                  <a:lnTo>
-                    <a:pt x="23963" y="61501"/>
-                  </a:lnTo>
-                  <a:lnTo>
-                    <a:pt x="26814" y="61162"/>
-                  </a:lnTo>
-                  <a:lnTo>
-                    <a:pt x="28511" y="60958"/>
-                  </a:lnTo>
-                  <a:lnTo>
-                    <a:pt x="28986" y="60823"/>
-                  </a:lnTo>
-                  <a:lnTo>
-                    <a:pt x="29461" y="60619"/>
-                  </a:lnTo>
-                  <a:lnTo>
-                    <a:pt x="29868" y="60347"/>
-                  </a:lnTo>
-                  <a:lnTo>
-                    <a:pt x="30208" y="60076"/>
-                  </a:lnTo>
-                  <a:lnTo>
-                    <a:pt x="30479" y="59736"/>
-                  </a:lnTo>
-                  <a:lnTo>
-                    <a:pt x="30683" y="59261"/>
-                  </a:lnTo>
-                  <a:lnTo>
-                    <a:pt x="30819" y="58854"/>
-                  </a:lnTo>
-                  <a:lnTo>
-                    <a:pt x="30819" y="58311"/>
-                  </a:lnTo>
-                  <a:lnTo>
-                    <a:pt x="30819" y="3259"/>
-                  </a:lnTo>
-                  <a:lnTo>
-                    <a:pt x="30819" y="2716"/>
-                  </a:lnTo>
-                  <a:lnTo>
-                    <a:pt x="30683" y="2241"/>
-                  </a:lnTo>
-                  <a:lnTo>
-                    <a:pt x="30547" y="1901"/>
-                  </a:lnTo>
-                  <a:lnTo>
-                    <a:pt x="30276" y="1494"/>
-                  </a:lnTo>
-                  <a:lnTo>
-                    <a:pt x="29936" y="1223"/>
-                  </a:lnTo>
-                  <a:lnTo>
-                    <a:pt x="29529" y="1019"/>
-                  </a:lnTo>
-                  <a:lnTo>
-                    <a:pt x="29054" y="815"/>
-                  </a:lnTo>
-                  <a:lnTo>
-                    <a:pt x="28511" y="680"/>
-                  </a:lnTo>
-                  <a:lnTo>
-                    <a:pt x="27628" y="544"/>
-                  </a:lnTo>
-                  <a:lnTo>
-                    <a:pt x="26406" y="408"/>
-                  </a:lnTo>
-                  <a:lnTo>
-                    <a:pt x="23080" y="204"/>
-                  </a:lnTo>
-                  <a:lnTo>
-                    <a:pt x="19211" y="69"/>
-                  </a:lnTo>
-                  <a:lnTo>
-                    <a:pt x="15410" y="1"/>
-                  </a:lnTo>
-                  <a:close/>
-                </a:path>
-              </a:pathLst>
-            </a:custGeom>
-            <a:solidFill>
-              <a:srgbClr val="222222"/>
-            </a:solidFill>
-            <a:ln w="9525" cap="flat" cmpd="sng">
-              <a:solidFill>
-                <a:srgbClr val="FFFFFF"/>
-              </a:solidFill>
-              <a:prstDash val="solid"/>
-              <a:round/>
-              <a:headEnd type="none" w="sm" len="sm"/>
-              <a:tailEnd type="none" w="sm" len="sm"/>
-            </a:ln>
-          </p:spPr>
-          <p:txBody>
-            <a:bodyPr spcFirstLastPara="1" wrap="square" lIns="91425" tIns="91425" rIns="91425" bIns="91425" anchor="ctr" anchorCtr="0">
-              <a:noAutofit/>
-            </a:bodyPr>
-            <a:lstStyle/>
-            <a:p>
-              <a:pPr marL="0" lvl="0" indent="0" algn="l" rtl="0">
-                <a:spcBef>
-                  <a:spcPts val="0"/>
-                </a:spcBef>
-                <a:spcAft>
-                  <a:spcPts val="0"/>
-                </a:spcAft>
-                <a:buNone/>
-              </a:pPr>
-              <a:endParaRPr/>
-            </a:p>
-          </p:txBody>
-        </p:sp>
-      </p:grpSp>
-      <p:sp>
-        <p:nvSpPr>
-          <p:cNvPr id="51" name="화살표: 오른쪽 50">
-            <a:extLst>
-              <a:ext uri="{FF2B5EF4-FFF2-40B4-BE49-F238E27FC236}">
-                <a16:creationId xmlns:a16="http://schemas.microsoft.com/office/drawing/2014/main" id="{B489C4C9-2704-4FCC-9E96-C2F8C1AD4CD9}"/>
-              </a:ext>
-            </a:extLst>
-          </p:cNvPr>
-          <p:cNvSpPr/>
-          <p:nvPr/>
-        </p:nvSpPr>
-        <p:spPr>
-          <a:xfrm>
-            <a:off x="9290335" y="3801668"/>
-            <a:ext cx="452239" cy="345346"/>
-          </a:xfrm>
-          <a:prstGeom prst="rightArrow">
-            <a:avLst/>
-          </a:prstGeom>
-          <a:solidFill>
-            <a:srgbClr val="FF8700"/>
-          </a:solidFill>
+          <a:gradFill flip="none" rotWithShape="1">
+            <a:gsLst>
+              <a:gs pos="100000">
+                <a:srgbClr val="FF8700"/>
+              </a:gs>
+              <a:gs pos="0">
+                <a:srgbClr val="FF8700">
+                  <a:alpha val="9000"/>
+                </a:srgbClr>
+              </a:gs>
+            </a:gsLst>
+            <a:lin ang="0" scaled="1"/>
+            <a:tileRect/>
+          </a:gradFill>
           <a:ln>
-            <a:solidFill>
-              <a:srgbClr val="FF8700"/>
-            </a:solidFill>
+            <a:noFill/>
           </a:ln>
         </p:spPr>
         <p:style>
@@ -19145,4067 +15846,591 @@
           <a:lstStyle/>
           <a:p>
             <a:pPr algn="ctr"/>
-            <a:endParaRPr lang="ko-KR" altLang="en-US" dirty="0"/>
+            <a:endParaRPr lang="ko-KR" altLang="en-US" sz="2400">
+              <a:solidFill>
+                <a:schemeClr val="tx1"/>
+              </a:solidFill>
+              <a:latin typeface="a옛날목욕탕L" panose="02020600000000000000" pitchFamily="18" charset="-127"/>
+              <a:ea typeface="a옛날목욕탕L" panose="02020600000000000000" pitchFamily="18" charset="-127"/>
+            </a:endParaRPr>
           </a:p>
         </p:txBody>
       </p:sp>
       <p:sp>
         <p:nvSpPr>
-          <p:cNvPr id="52" name="Google Shape;272;p32">
+          <p:cNvPr id="7" name="TextBox 6">
             <a:extLst>
               <a:ext uri="{FF2B5EF4-FFF2-40B4-BE49-F238E27FC236}">
-                <a16:creationId xmlns:a16="http://schemas.microsoft.com/office/drawing/2014/main" id="{256B46B1-E36E-436E-868C-B0B7DB996705}"/>
+                <a16:creationId xmlns:a16="http://schemas.microsoft.com/office/drawing/2014/main" id="{12CCCD19-D073-4D02-BDF7-16B6BE984F4B}"/>
               </a:ext>
             </a:extLst>
           </p:cNvPr>
-          <p:cNvSpPr/>
+          <p:cNvSpPr txBox="1"/>
           <p:nvPr/>
         </p:nvSpPr>
         <p:spPr>
           <a:xfrm>
-            <a:off x="9925451" y="2431902"/>
-            <a:ext cx="1717370" cy="3272271"/>
-          </a:xfrm>
-          <a:custGeom>
-            <a:avLst/>
-            <a:gdLst/>
-            <a:ahLst/>
-            <a:cxnLst/>
-            <a:rect l="l" t="t" r="r" b="b"/>
-            <a:pathLst>
-              <a:path w="30819" h="61841" extrusionOk="0">
-                <a:moveTo>
-                  <a:pt x="5160" y="2580"/>
-                </a:moveTo>
-                <a:lnTo>
-                  <a:pt x="5295" y="2648"/>
-                </a:lnTo>
-                <a:lnTo>
-                  <a:pt x="5363" y="2784"/>
-                </a:lnTo>
-                <a:lnTo>
-                  <a:pt x="5363" y="2920"/>
-                </a:lnTo>
-                <a:lnTo>
-                  <a:pt x="5363" y="3055"/>
-                </a:lnTo>
-                <a:lnTo>
-                  <a:pt x="5295" y="3191"/>
-                </a:lnTo>
-                <a:lnTo>
-                  <a:pt x="5160" y="3259"/>
-                </a:lnTo>
-                <a:lnTo>
-                  <a:pt x="4888" y="3259"/>
-                </a:lnTo>
-                <a:lnTo>
-                  <a:pt x="4752" y="3191"/>
-                </a:lnTo>
-                <a:lnTo>
-                  <a:pt x="4684" y="3055"/>
-                </a:lnTo>
-                <a:lnTo>
-                  <a:pt x="4684" y="2920"/>
-                </a:lnTo>
-                <a:lnTo>
-                  <a:pt x="4684" y="2784"/>
-                </a:lnTo>
-                <a:lnTo>
-                  <a:pt x="4752" y="2648"/>
-                </a:lnTo>
-                <a:lnTo>
-                  <a:pt x="4888" y="2580"/>
-                </a:lnTo>
-                <a:close/>
-                <a:moveTo>
-                  <a:pt x="15410" y="2241"/>
-                </a:moveTo>
-                <a:lnTo>
-                  <a:pt x="15681" y="2309"/>
-                </a:lnTo>
-                <a:lnTo>
-                  <a:pt x="15885" y="2444"/>
-                </a:lnTo>
-                <a:lnTo>
-                  <a:pt x="16021" y="2648"/>
-                </a:lnTo>
-                <a:lnTo>
-                  <a:pt x="16088" y="2920"/>
-                </a:lnTo>
-                <a:lnTo>
-                  <a:pt x="16021" y="3191"/>
-                </a:lnTo>
-                <a:lnTo>
-                  <a:pt x="15885" y="3395"/>
-                </a:lnTo>
-                <a:lnTo>
-                  <a:pt x="15681" y="3531"/>
-                </a:lnTo>
-                <a:lnTo>
-                  <a:pt x="15410" y="3598"/>
-                </a:lnTo>
-                <a:lnTo>
-                  <a:pt x="15138" y="3531"/>
-                </a:lnTo>
-                <a:lnTo>
-                  <a:pt x="14934" y="3395"/>
-                </a:lnTo>
-                <a:lnTo>
-                  <a:pt x="14799" y="3191"/>
-                </a:lnTo>
-                <a:lnTo>
-                  <a:pt x="14731" y="2920"/>
-                </a:lnTo>
-                <a:lnTo>
-                  <a:pt x="14799" y="2648"/>
-                </a:lnTo>
-                <a:lnTo>
-                  <a:pt x="14934" y="2444"/>
-                </a:lnTo>
-                <a:lnTo>
-                  <a:pt x="15138" y="2309"/>
-                </a:lnTo>
-                <a:lnTo>
-                  <a:pt x="15410" y="2241"/>
-                </a:lnTo>
-                <a:close/>
-                <a:moveTo>
-                  <a:pt x="29393" y="5228"/>
-                </a:moveTo>
-                <a:lnTo>
-                  <a:pt x="29461" y="5296"/>
-                </a:lnTo>
-                <a:lnTo>
-                  <a:pt x="29461" y="54849"/>
-                </a:lnTo>
-                <a:lnTo>
-                  <a:pt x="1426" y="54849"/>
-                </a:lnTo>
-                <a:lnTo>
-                  <a:pt x="1426" y="5296"/>
-                </a:lnTo>
-                <a:lnTo>
-                  <a:pt x="1494" y="5228"/>
-                </a:lnTo>
-                <a:close/>
-                <a:moveTo>
-                  <a:pt x="15410" y="544"/>
-                </a:moveTo>
-                <a:lnTo>
-                  <a:pt x="19143" y="612"/>
-                </a:lnTo>
-                <a:lnTo>
-                  <a:pt x="23012" y="747"/>
-                </a:lnTo>
-                <a:lnTo>
-                  <a:pt x="26339" y="951"/>
-                </a:lnTo>
-                <a:lnTo>
-                  <a:pt x="27560" y="1087"/>
-                </a:lnTo>
-                <a:lnTo>
-                  <a:pt x="27560" y="1087"/>
-                </a:lnTo>
-                <a:lnTo>
-                  <a:pt x="26339" y="1019"/>
-                </a:lnTo>
-                <a:lnTo>
-                  <a:pt x="23012" y="815"/>
-                </a:lnTo>
-                <a:lnTo>
-                  <a:pt x="19143" y="680"/>
-                </a:lnTo>
-                <a:lnTo>
-                  <a:pt x="15410" y="612"/>
-                </a:lnTo>
-                <a:lnTo>
-                  <a:pt x="11676" y="680"/>
-                </a:lnTo>
-                <a:lnTo>
-                  <a:pt x="7807" y="815"/>
-                </a:lnTo>
-                <a:lnTo>
-                  <a:pt x="4481" y="1019"/>
-                </a:lnTo>
-                <a:lnTo>
-                  <a:pt x="3259" y="1087"/>
-                </a:lnTo>
-                <a:lnTo>
-                  <a:pt x="2444" y="1223"/>
-                </a:lnTo>
-                <a:lnTo>
-                  <a:pt x="1969" y="1358"/>
-                </a:lnTo>
-                <a:lnTo>
-                  <a:pt x="1630" y="1494"/>
-                </a:lnTo>
-                <a:lnTo>
-                  <a:pt x="1290" y="1698"/>
-                </a:lnTo>
-                <a:lnTo>
-                  <a:pt x="1019" y="1901"/>
-                </a:lnTo>
-                <a:lnTo>
-                  <a:pt x="815" y="2173"/>
-                </a:lnTo>
-                <a:lnTo>
-                  <a:pt x="679" y="2444"/>
-                </a:lnTo>
-                <a:lnTo>
-                  <a:pt x="544" y="2852"/>
-                </a:lnTo>
-                <a:lnTo>
-                  <a:pt x="544" y="3259"/>
-                </a:lnTo>
-                <a:lnTo>
-                  <a:pt x="544" y="58311"/>
-                </a:lnTo>
-                <a:lnTo>
-                  <a:pt x="544" y="58718"/>
-                </a:lnTo>
-                <a:lnTo>
-                  <a:pt x="476" y="58311"/>
-                </a:lnTo>
-                <a:lnTo>
-                  <a:pt x="476" y="3259"/>
-                </a:lnTo>
-                <a:lnTo>
-                  <a:pt x="544" y="2784"/>
-                </a:lnTo>
-                <a:lnTo>
-                  <a:pt x="612" y="2444"/>
-                </a:lnTo>
-                <a:lnTo>
-                  <a:pt x="747" y="2105"/>
-                </a:lnTo>
-                <a:lnTo>
-                  <a:pt x="951" y="1834"/>
-                </a:lnTo>
-                <a:lnTo>
-                  <a:pt x="1222" y="1630"/>
-                </a:lnTo>
-                <a:lnTo>
-                  <a:pt x="1562" y="1426"/>
-                </a:lnTo>
-                <a:lnTo>
-                  <a:pt x="1969" y="1290"/>
-                </a:lnTo>
-                <a:lnTo>
-                  <a:pt x="2444" y="1155"/>
-                </a:lnTo>
-                <a:lnTo>
-                  <a:pt x="3259" y="1087"/>
-                </a:lnTo>
-                <a:lnTo>
-                  <a:pt x="4481" y="951"/>
-                </a:lnTo>
-                <a:lnTo>
-                  <a:pt x="7807" y="747"/>
-                </a:lnTo>
-                <a:lnTo>
-                  <a:pt x="11676" y="612"/>
-                </a:lnTo>
-                <a:lnTo>
-                  <a:pt x="15410" y="544"/>
-                </a:lnTo>
-                <a:close/>
-                <a:moveTo>
-                  <a:pt x="27560" y="1087"/>
-                </a:moveTo>
-                <a:lnTo>
-                  <a:pt x="28375" y="1155"/>
-                </a:lnTo>
-                <a:lnTo>
-                  <a:pt x="28850" y="1290"/>
-                </a:lnTo>
-                <a:lnTo>
-                  <a:pt x="29257" y="1426"/>
-                </a:lnTo>
-                <a:lnTo>
-                  <a:pt x="29597" y="1630"/>
-                </a:lnTo>
-                <a:lnTo>
-                  <a:pt x="29868" y="1834"/>
-                </a:lnTo>
-                <a:lnTo>
-                  <a:pt x="30072" y="2105"/>
-                </a:lnTo>
-                <a:lnTo>
-                  <a:pt x="30208" y="2444"/>
-                </a:lnTo>
-                <a:lnTo>
-                  <a:pt x="30276" y="2784"/>
-                </a:lnTo>
-                <a:lnTo>
-                  <a:pt x="30344" y="3259"/>
-                </a:lnTo>
-                <a:lnTo>
-                  <a:pt x="30344" y="58311"/>
-                </a:lnTo>
-                <a:lnTo>
-                  <a:pt x="30276" y="58718"/>
-                </a:lnTo>
-                <a:lnTo>
-                  <a:pt x="30208" y="59125"/>
-                </a:lnTo>
-                <a:lnTo>
-                  <a:pt x="30072" y="59465"/>
-                </a:lnTo>
-                <a:lnTo>
-                  <a:pt x="29868" y="59736"/>
-                </a:lnTo>
-                <a:lnTo>
-                  <a:pt x="29597" y="60008"/>
-                </a:lnTo>
-                <a:lnTo>
-                  <a:pt x="29257" y="60144"/>
-                </a:lnTo>
-                <a:lnTo>
-                  <a:pt x="28850" y="60347"/>
-                </a:lnTo>
-                <a:lnTo>
-                  <a:pt x="28375" y="60415"/>
-                </a:lnTo>
-                <a:lnTo>
-                  <a:pt x="26746" y="60687"/>
-                </a:lnTo>
-                <a:lnTo>
-                  <a:pt x="23895" y="60958"/>
-                </a:lnTo>
-                <a:lnTo>
-                  <a:pt x="22130" y="61094"/>
-                </a:lnTo>
-                <a:lnTo>
-                  <a:pt x="20093" y="61230"/>
-                </a:lnTo>
-                <a:lnTo>
-                  <a:pt x="17853" y="61298"/>
-                </a:lnTo>
-                <a:lnTo>
-                  <a:pt x="12966" y="61298"/>
-                </a:lnTo>
-                <a:lnTo>
-                  <a:pt x="10726" y="61230"/>
-                </a:lnTo>
-                <a:lnTo>
-                  <a:pt x="8689" y="61094"/>
-                </a:lnTo>
-                <a:lnTo>
-                  <a:pt x="6924" y="60958"/>
-                </a:lnTo>
-                <a:lnTo>
-                  <a:pt x="4073" y="60687"/>
-                </a:lnTo>
-                <a:lnTo>
-                  <a:pt x="2444" y="60415"/>
-                </a:lnTo>
-                <a:lnTo>
-                  <a:pt x="1969" y="60347"/>
-                </a:lnTo>
-                <a:lnTo>
-                  <a:pt x="1562" y="60144"/>
-                </a:lnTo>
-                <a:lnTo>
-                  <a:pt x="1290" y="60008"/>
-                </a:lnTo>
-                <a:lnTo>
-                  <a:pt x="951" y="59736"/>
-                </a:lnTo>
-                <a:lnTo>
-                  <a:pt x="747" y="59465"/>
-                </a:lnTo>
-                <a:lnTo>
-                  <a:pt x="612" y="59125"/>
-                </a:lnTo>
-                <a:lnTo>
-                  <a:pt x="544" y="58718"/>
-                </a:lnTo>
-                <a:lnTo>
-                  <a:pt x="544" y="58718"/>
-                </a:lnTo>
-                <a:lnTo>
-                  <a:pt x="679" y="59125"/>
-                </a:lnTo>
-                <a:lnTo>
-                  <a:pt x="815" y="59397"/>
-                </a:lnTo>
-                <a:lnTo>
-                  <a:pt x="1019" y="59669"/>
-                </a:lnTo>
-                <a:lnTo>
-                  <a:pt x="1290" y="59940"/>
-                </a:lnTo>
-                <a:lnTo>
-                  <a:pt x="1630" y="60144"/>
-                </a:lnTo>
-                <a:lnTo>
-                  <a:pt x="2037" y="60279"/>
-                </a:lnTo>
-                <a:lnTo>
-                  <a:pt x="2444" y="60415"/>
-                </a:lnTo>
-                <a:lnTo>
-                  <a:pt x="4073" y="60619"/>
-                </a:lnTo>
-                <a:lnTo>
-                  <a:pt x="6924" y="60890"/>
-                </a:lnTo>
-                <a:lnTo>
-                  <a:pt x="8689" y="61026"/>
-                </a:lnTo>
-                <a:lnTo>
-                  <a:pt x="10726" y="61162"/>
-                </a:lnTo>
-                <a:lnTo>
-                  <a:pt x="12966" y="61230"/>
-                </a:lnTo>
-                <a:lnTo>
-                  <a:pt x="17853" y="61230"/>
-                </a:lnTo>
-                <a:lnTo>
-                  <a:pt x="20093" y="61162"/>
-                </a:lnTo>
-                <a:lnTo>
-                  <a:pt x="22130" y="61026"/>
-                </a:lnTo>
-                <a:lnTo>
-                  <a:pt x="23895" y="60890"/>
-                </a:lnTo>
-                <a:lnTo>
-                  <a:pt x="26746" y="60619"/>
-                </a:lnTo>
-                <a:lnTo>
-                  <a:pt x="28375" y="60415"/>
-                </a:lnTo>
-                <a:lnTo>
-                  <a:pt x="28850" y="60279"/>
-                </a:lnTo>
-                <a:lnTo>
-                  <a:pt x="29190" y="60144"/>
-                </a:lnTo>
-                <a:lnTo>
-                  <a:pt x="29529" y="59940"/>
-                </a:lnTo>
-                <a:lnTo>
-                  <a:pt x="29800" y="59669"/>
-                </a:lnTo>
-                <a:lnTo>
-                  <a:pt x="30004" y="59397"/>
-                </a:lnTo>
-                <a:lnTo>
-                  <a:pt x="30140" y="59125"/>
-                </a:lnTo>
-                <a:lnTo>
-                  <a:pt x="30276" y="58718"/>
-                </a:lnTo>
-                <a:lnTo>
-                  <a:pt x="30276" y="58311"/>
-                </a:lnTo>
-                <a:lnTo>
-                  <a:pt x="30276" y="3259"/>
-                </a:lnTo>
-                <a:lnTo>
-                  <a:pt x="30276" y="2852"/>
-                </a:lnTo>
-                <a:lnTo>
-                  <a:pt x="30140" y="2444"/>
-                </a:lnTo>
-                <a:lnTo>
-                  <a:pt x="30004" y="2173"/>
-                </a:lnTo>
-                <a:lnTo>
-                  <a:pt x="29800" y="1901"/>
-                </a:lnTo>
-                <a:lnTo>
-                  <a:pt x="29529" y="1698"/>
-                </a:lnTo>
-                <a:lnTo>
-                  <a:pt x="29190" y="1494"/>
-                </a:lnTo>
-                <a:lnTo>
-                  <a:pt x="28850" y="1358"/>
-                </a:lnTo>
-                <a:lnTo>
-                  <a:pt x="28375" y="1223"/>
-                </a:lnTo>
-                <a:lnTo>
-                  <a:pt x="27560" y="1087"/>
-                </a:lnTo>
-                <a:close/>
-                <a:moveTo>
-                  <a:pt x="15410" y="1"/>
-                </a:moveTo>
-                <a:lnTo>
-                  <a:pt x="11608" y="69"/>
-                </a:lnTo>
-                <a:lnTo>
-                  <a:pt x="7739" y="204"/>
-                </a:lnTo>
-                <a:lnTo>
-                  <a:pt x="4413" y="408"/>
-                </a:lnTo>
-                <a:lnTo>
-                  <a:pt x="3191" y="544"/>
-                </a:lnTo>
-                <a:lnTo>
-                  <a:pt x="2309" y="680"/>
-                </a:lnTo>
-                <a:lnTo>
-                  <a:pt x="1765" y="815"/>
-                </a:lnTo>
-                <a:lnTo>
-                  <a:pt x="1290" y="1019"/>
-                </a:lnTo>
-                <a:lnTo>
-                  <a:pt x="883" y="1223"/>
-                </a:lnTo>
-                <a:lnTo>
-                  <a:pt x="544" y="1494"/>
-                </a:lnTo>
-                <a:lnTo>
-                  <a:pt x="340" y="1901"/>
-                </a:lnTo>
-                <a:lnTo>
-                  <a:pt x="136" y="2241"/>
-                </a:lnTo>
-                <a:lnTo>
-                  <a:pt x="1" y="2716"/>
-                </a:lnTo>
-                <a:lnTo>
-                  <a:pt x="1" y="3259"/>
-                </a:lnTo>
-                <a:lnTo>
-                  <a:pt x="1" y="58311"/>
-                </a:lnTo>
-                <a:lnTo>
-                  <a:pt x="1" y="58854"/>
-                </a:lnTo>
-                <a:lnTo>
-                  <a:pt x="136" y="59261"/>
-                </a:lnTo>
-                <a:lnTo>
-                  <a:pt x="340" y="59736"/>
-                </a:lnTo>
-                <a:lnTo>
-                  <a:pt x="612" y="60076"/>
-                </a:lnTo>
-                <a:lnTo>
-                  <a:pt x="951" y="60347"/>
-                </a:lnTo>
-                <a:lnTo>
-                  <a:pt x="1358" y="60619"/>
-                </a:lnTo>
-                <a:lnTo>
-                  <a:pt x="1833" y="60823"/>
-                </a:lnTo>
-                <a:lnTo>
-                  <a:pt x="2309" y="60958"/>
-                </a:lnTo>
-                <a:lnTo>
-                  <a:pt x="4006" y="61162"/>
-                </a:lnTo>
-                <a:lnTo>
-                  <a:pt x="6857" y="61501"/>
-                </a:lnTo>
-                <a:lnTo>
-                  <a:pt x="8689" y="61637"/>
-                </a:lnTo>
-                <a:lnTo>
-                  <a:pt x="10726" y="61705"/>
-                </a:lnTo>
-                <a:lnTo>
-                  <a:pt x="12966" y="61773"/>
-                </a:lnTo>
-                <a:lnTo>
-                  <a:pt x="15410" y="61841"/>
-                </a:lnTo>
-                <a:lnTo>
-                  <a:pt x="17853" y="61773"/>
-                </a:lnTo>
-                <a:lnTo>
-                  <a:pt x="20093" y="61705"/>
-                </a:lnTo>
-                <a:lnTo>
-                  <a:pt x="22130" y="61637"/>
-                </a:lnTo>
-                <a:lnTo>
-                  <a:pt x="23963" y="61501"/>
-                </a:lnTo>
-                <a:lnTo>
-                  <a:pt x="26814" y="61162"/>
-                </a:lnTo>
-                <a:lnTo>
-                  <a:pt x="28511" y="60958"/>
-                </a:lnTo>
-                <a:lnTo>
-                  <a:pt x="28986" y="60823"/>
-                </a:lnTo>
-                <a:lnTo>
-                  <a:pt x="29461" y="60619"/>
-                </a:lnTo>
-                <a:lnTo>
-                  <a:pt x="29868" y="60347"/>
-                </a:lnTo>
-                <a:lnTo>
-                  <a:pt x="30208" y="60076"/>
-                </a:lnTo>
-                <a:lnTo>
-                  <a:pt x="30479" y="59736"/>
-                </a:lnTo>
-                <a:lnTo>
-                  <a:pt x="30683" y="59261"/>
-                </a:lnTo>
-                <a:lnTo>
-                  <a:pt x="30819" y="58854"/>
-                </a:lnTo>
-                <a:lnTo>
-                  <a:pt x="30819" y="58311"/>
-                </a:lnTo>
-                <a:lnTo>
-                  <a:pt x="30819" y="3259"/>
-                </a:lnTo>
-                <a:lnTo>
-                  <a:pt x="30819" y="2716"/>
-                </a:lnTo>
-                <a:lnTo>
-                  <a:pt x="30683" y="2241"/>
-                </a:lnTo>
-                <a:lnTo>
-                  <a:pt x="30547" y="1901"/>
-                </a:lnTo>
-                <a:lnTo>
-                  <a:pt x="30276" y="1494"/>
-                </a:lnTo>
-                <a:lnTo>
-                  <a:pt x="29936" y="1223"/>
-                </a:lnTo>
-                <a:lnTo>
-                  <a:pt x="29529" y="1019"/>
-                </a:lnTo>
-                <a:lnTo>
-                  <a:pt x="29054" y="815"/>
-                </a:lnTo>
-                <a:lnTo>
-                  <a:pt x="28511" y="680"/>
-                </a:lnTo>
-                <a:lnTo>
-                  <a:pt x="27628" y="544"/>
-                </a:lnTo>
-                <a:lnTo>
-                  <a:pt x="26406" y="408"/>
-                </a:lnTo>
-                <a:lnTo>
-                  <a:pt x="23080" y="204"/>
-                </a:lnTo>
-                <a:lnTo>
-                  <a:pt x="19211" y="69"/>
-                </a:lnTo>
-                <a:lnTo>
-                  <a:pt x="15410" y="1"/>
-                </a:lnTo>
-                <a:close/>
-              </a:path>
-            </a:pathLst>
-          </a:custGeom>
-          <a:solidFill>
-            <a:srgbClr val="222222"/>
-          </a:solidFill>
-          <a:ln w="9525" cap="flat" cmpd="sng">
-            <a:solidFill>
-              <a:srgbClr val="FFFFFF"/>
-            </a:solidFill>
-            <a:prstDash val="solid"/>
-            <a:round/>
-            <a:headEnd type="none" w="sm" len="sm"/>
-            <a:tailEnd type="none" w="sm" len="sm"/>
-          </a:ln>
-        </p:spPr>
-        <p:txBody>
-          <a:bodyPr spcFirstLastPara="1" wrap="square" lIns="91425" tIns="91425" rIns="91425" bIns="91425" anchor="ctr" anchorCtr="0">
-            <a:noAutofit/>
-          </a:bodyPr>
-          <a:lstStyle/>
-          <a:p>
-            <a:pPr marL="0" lvl="0" indent="0" algn="l" rtl="0">
-              <a:spcBef>
-                <a:spcPts val="0"/>
-              </a:spcBef>
-              <a:spcAft>
-                <a:spcPts val="0"/>
-              </a:spcAft>
-              <a:buNone/>
-            </a:pPr>
-            <a:endParaRPr/>
-          </a:p>
-        </p:txBody>
-      </p:sp>
-      <p:pic>
-        <p:nvPicPr>
-          <p:cNvPr id="53" name="그림 52">
-            <a:extLst>
-              <a:ext uri="{FF2B5EF4-FFF2-40B4-BE49-F238E27FC236}">
-                <a16:creationId xmlns:a16="http://schemas.microsoft.com/office/drawing/2014/main" id="{423CFF94-AE43-4594-9C8A-DB5A769F0DE4}"/>
-              </a:ext>
-            </a:extLst>
-          </p:cNvPr>
-          <p:cNvPicPr>
-            <a:picLocks noChangeAspect="1"/>
-          </p:cNvPicPr>
-          <p:nvPr/>
-        </p:nvPicPr>
-        <p:blipFill>
-          <a:blip r:embed="rId4">
-            <a:extLst>
-              <a:ext uri="{28A0092B-C50C-407E-A947-70E740481C1C}">
-                <a14:useLocalDpi xmlns:a14="http://schemas.microsoft.com/office/drawing/2010/main" val="0"/>
-              </a:ext>
-            </a:extLst>
-          </a:blip>
-          <a:stretch>
-            <a:fillRect/>
-          </a:stretch>
-        </p:blipFill>
-        <p:spPr>
-          <a:xfrm>
-            <a:off x="8011752" y="4713286"/>
-            <a:ext cx="589929" cy="589929"/>
+            <a:off x="442959" y="3429000"/>
+            <a:ext cx="3783408" cy="787908"/>
           </a:xfrm>
           <a:prstGeom prst="rect">
             <a:avLst/>
           </a:prstGeom>
+          <a:noFill/>
         </p:spPr>
-      </p:pic>
-      <p:pic>
-        <p:nvPicPr>
-          <p:cNvPr id="3" name="그림 2" descr="스크린샷이(가) 표시된 사진&#10;&#10;자동 생성된 설명">
+        <p:txBody>
+          <a:bodyPr wrap="none" rtlCol="0">
+            <a:spAutoFit/>
+          </a:bodyPr>
+          <a:lstStyle/>
+          <a:p>
+            <a:pPr>
+              <a:lnSpc>
+                <a:spcPct val="150000"/>
+              </a:lnSpc>
+              <a:buClr>
+                <a:schemeClr val="bg1"/>
+              </a:buClr>
+            </a:pPr>
+            <a:r>
+              <a:rPr lang="en-US" altLang="ko-KR" sz="1600" dirty="0">
+                <a:latin typeface="a옛날목욕탕L" panose="02020600000000000000" pitchFamily="18" charset="-127"/>
+                <a:ea typeface="a옛날목욕탕L" panose="02020600000000000000" pitchFamily="18" charset="-127"/>
+              </a:rPr>
+              <a:t>· </a:t>
+            </a:r>
+            <a:r>
+              <a:rPr lang="ko-KR" altLang="en-US" sz="1600" dirty="0">
+                <a:latin typeface="a옛날목욕탕L" panose="02020600000000000000" pitchFamily="18" charset="-127"/>
+                <a:ea typeface="a옛날목욕탕L" panose="02020600000000000000" pitchFamily="18" charset="-127"/>
+              </a:rPr>
+              <a:t>의사소통 보조 기기 및 서비스의 부족으로 </a:t>
+            </a:r>
+            <a:endParaRPr lang="en-US" altLang="ko-KR" sz="1600" dirty="0">
+              <a:latin typeface="a옛날목욕탕L" panose="02020600000000000000" pitchFamily="18" charset="-127"/>
+              <a:ea typeface="a옛날목욕탕L" panose="02020600000000000000" pitchFamily="18" charset="-127"/>
+            </a:endParaRPr>
+          </a:p>
+          <a:p>
+            <a:pPr>
+              <a:lnSpc>
+                <a:spcPct val="150000"/>
+              </a:lnSpc>
+              <a:buClr>
+                <a:schemeClr val="bg1"/>
+              </a:buClr>
+            </a:pPr>
+            <a:r>
+              <a:rPr lang="ko-KR" altLang="en-US" sz="1600" dirty="0">
+                <a:latin typeface="a옛날목욕탕L" panose="02020600000000000000" pitchFamily="18" charset="-127"/>
+                <a:ea typeface="a옛날목욕탕L" panose="02020600000000000000" pitchFamily="18" charset="-127"/>
+              </a:rPr>
+              <a:t>    인한</a:t>
+            </a:r>
+            <a:r>
+              <a:rPr lang="en-US" altLang="ko-KR" sz="1600" dirty="0">
+                <a:latin typeface="a옛날목욕탕L" panose="02020600000000000000" pitchFamily="18" charset="-127"/>
+                <a:ea typeface="a옛날목욕탕L" panose="02020600000000000000" pitchFamily="18" charset="-127"/>
+              </a:rPr>
+              <a:t> </a:t>
+            </a:r>
+            <a:r>
+              <a:rPr lang="ko-KR" altLang="en-US" sz="1600" dirty="0">
+                <a:latin typeface="a옛날목욕탕L" panose="02020600000000000000" pitchFamily="18" charset="-127"/>
+                <a:ea typeface="a옛날목욕탕L" panose="02020600000000000000" pitchFamily="18" charset="-127"/>
+              </a:rPr>
+              <a:t>시청각장애인의 제한적 의사소통</a:t>
+            </a:r>
+            <a:endParaRPr lang="en-US" altLang="ko-KR" sz="1600" dirty="0">
+              <a:latin typeface="a옛날목욕탕L" panose="02020600000000000000" pitchFamily="18" charset="-127"/>
+              <a:ea typeface="a옛날목욕탕L" panose="02020600000000000000" pitchFamily="18" charset="-127"/>
+            </a:endParaRPr>
+          </a:p>
+        </p:txBody>
+      </p:sp>
+      <p:sp>
+        <p:nvSpPr>
+          <p:cNvPr id="8" name="TextBox 7">
             <a:extLst>
               <a:ext uri="{FF2B5EF4-FFF2-40B4-BE49-F238E27FC236}">
-                <a16:creationId xmlns:a16="http://schemas.microsoft.com/office/drawing/2014/main" id="{8BF85EC6-A529-4531-9BC8-0646D0554BA5}"/>
+                <a16:creationId xmlns:a16="http://schemas.microsoft.com/office/drawing/2014/main" id="{89A9B572-3851-46F4-8E0C-ECDDD6333201}"/>
               </a:ext>
             </a:extLst>
           </p:cNvPr>
-          <p:cNvPicPr>
-            <a:picLocks noChangeAspect="1"/>
-          </p:cNvPicPr>
+          <p:cNvSpPr txBox="1"/>
           <p:nvPr/>
-        </p:nvPicPr>
-        <p:blipFill>
-          <a:blip r:embed="rId5">
-            <a:extLst>
-              <a:ext uri="{28A0092B-C50C-407E-A947-70E740481C1C}">
-                <a14:useLocalDpi xmlns:a14="http://schemas.microsoft.com/office/drawing/2010/main" val="0"/>
-              </a:ext>
-            </a:extLst>
-          </a:blip>
-          <a:stretch>
-            <a:fillRect/>
-          </a:stretch>
-        </p:blipFill>
+        </p:nvSpPr>
         <p:spPr>
           <a:xfrm>
-            <a:off x="10008704" y="2682850"/>
-            <a:ext cx="1559011" cy="2620365"/>
+            <a:off x="5608033" y="1985760"/>
+            <a:ext cx="6480740" cy="2383922"/>
           </a:xfrm>
           <a:prstGeom prst="rect">
             <a:avLst/>
           </a:prstGeom>
+          <a:noFill/>
         </p:spPr>
-      </p:pic>
-    </p:spTree>
-    <p:extLst>
-      <p:ext uri="{BB962C8B-B14F-4D97-AF65-F5344CB8AC3E}">
-        <p14:creationId xmlns:p14="http://schemas.microsoft.com/office/powerpoint/2010/main" val="728299073"/>
-      </p:ext>
-    </p:extLst>
-  </p:cSld>
-  <p:clrMapOvr>
-    <a:masterClrMapping/>
-  </p:clrMapOvr>
-</p:sld>
-</file>
-
-<file path=ppt/slides/slide9.xml><?xml version="1.0" encoding="utf-8"?>
-<p:sld xmlns:a="http://schemas.openxmlformats.org/drawingml/2006/main" xmlns:r="http://schemas.openxmlformats.org/officeDocument/2006/relationships" xmlns:p="http://schemas.openxmlformats.org/presentationml/2006/main">
-  <p:cSld>
-    <p:spTree>
-      <p:nvGrpSpPr>
-        <p:cNvPr id="1" name="Shape 109"/>
-        <p:cNvGrpSpPr/>
-        <p:nvPr/>
-      </p:nvGrpSpPr>
-      <p:grpSpPr>
-        <a:xfrm>
-          <a:off x="0" y="0"/>
-          <a:ext cx="0" cy="0"/>
-          <a:chOff x="0" y="0"/>
-          <a:chExt cx="0" cy="0"/>
-        </a:xfrm>
-      </p:grpSpPr>
+        <p:txBody>
+          <a:bodyPr wrap="square" rtlCol="0">
+            <a:spAutoFit/>
+          </a:bodyPr>
+          <a:lstStyle/>
+          <a:p>
+            <a:pPr marL="0" lvl="7">
+              <a:lnSpc>
+                <a:spcPct val="150000"/>
+              </a:lnSpc>
+              <a:buClr>
+                <a:schemeClr val="bg1"/>
+              </a:buClr>
+            </a:pPr>
+            <a:r>
+              <a:rPr lang="en-US" altLang="ko-KR" dirty="0">
+                <a:latin typeface="a옛날목욕탕L" panose="02020600000000000000" pitchFamily="18" charset="-127"/>
+                <a:ea typeface="a옛날목욕탕L" panose="02020600000000000000" pitchFamily="18" charset="-127"/>
+              </a:rPr>
+              <a:t> 1) </a:t>
+            </a:r>
+            <a:r>
+              <a:rPr lang="ko-KR" altLang="en-US" dirty="0">
+                <a:latin typeface="a옛날목욕탕L" panose="02020600000000000000" pitchFamily="18" charset="-127"/>
+                <a:ea typeface="a옛날목욕탕L" panose="02020600000000000000" pitchFamily="18" charset="-127"/>
+              </a:rPr>
+              <a:t>실시간 소통이 가능한 저가형 양방향 의사소통</a:t>
+            </a:r>
+            <a:r>
+              <a:rPr lang="en-US" altLang="ko-KR" dirty="0">
+                <a:latin typeface="a옛날목욕탕L" panose="02020600000000000000" pitchFamily="18" charset="-127"/>
+                <a:ea typeface="a옛날목욕탕L" panose="02020600000000000000" pitchFamily="18" charset="-127"/>
+              </a:rPr>
+              <a:t> </a:t>
+            </a:r>
+            <a:r>
+              <a:rPr lang="ko-KR" altLang="en-US" dirty="0">
+                <a:latin typeface="a옛날목욕탕L" panose="02020600000000000000" pitchFamily="18" charset="-127"/>
+                <a:ea typeface="a옛날목욕탕L" panose="02020600000000000000" pitchFamily="18" charset="-127"/>
+              </a:rPr>
+              <a:t>보조 시스템</a:t>
+            </a:r>
+            <a:endParaRPr lang="en-US" altLang="ko-KR" dirty="0">
+              <a:latin typeface="a옛날목욕탕L" panose="02020600000000000000" pitchFamily="18" charset="-127"/>
+              <a:ea typeface="a옛날목욕탕L" panose="02020600000000000000" pitchFamily="18" charset="-127"/>
+            </a:endParaRPr>
+          </a:p>
+          <a:p>
+            <a:pPr marL="228594" lvl="7" indent="-228594">
+              <a:lnSpc>
+                <a:spcPct val="150000"/>
+              </a:lnSpc>
+              <a:buClr>
+                <a:schemeClr val="bg1"/>
+              </a:buClr>
+              <a:buFont typeface="Wingdings" panose="05000000000000000000" pitchFamily="2" charset="2"/>
+              <a:buChar char="§"/>
+            </a:pPr>
+            <a:endParaRPr lang="en-US" altLang="ko-KR" dirty="0">
+              <a:latin typeface="a옛날목욕탕L" panose="02020600000000000000" pitchFamily="18" charset="-127"/>
+              <a:ea typeface="a옛날목욕탕L" panose="02020600000000000000" pitchFamily="18" charset="-127"/>
+            </a:endParaRPr>
+          </a:p>
+          <a:p>
+            <a:pPr marL="0" lvl="7">
+              <a:lnSpc>
+                <a:spcPct val="150000"/>
+              </a:lnSpc>
+              <a:buClr>
+                <a:schemeClr val="bg1"/>
+              </a:buClr>
+            </a:pPr>
+            <a:r>
+              <a:rPr lang="en-US" altLang="ko-KR" dirty="0">
+                <a:latin typeface="a옛날목욕탕L" panose="02020600000000000000" pitchFamily="18" charset="-127"/>
+                <a:ea typeface="a옛날목욕탕L" panose="02020600000000000000" pitchFamily="18" charset="-127"/>
+              </a:rPr>
+              <a:t> 2) </a:t>
+            </a:r>
+            <a:r>
+              <a:rPr lang="ko-KR" altLang="en-US" dirty="0">
+                <a:latin typeface="a옛날목욕탕L" panose="02020600000000000000" pitchFamily="18" charset="-127"/>
+                <a:ea typeface="a옛날목욕탕L" panose="02020600000000000000" pitchFamily="18" charset="-127"/>
+              </a:rPr>
+              <a:t>시청각장애인의 근본적인 불편 해소와 원활한 의사소통 실현</a:t>
+            </a:r>
+            <a:endParaRPr lang="en-US" altLang="ko-KR" dirty="0">
+              <a:latin typeface="a옛날목욕탕L" panose="02020600000000000000" pitchFamily="18" charset="-127"/>
+              <a:ea typeface="a옛날목욕탕L" panose="02020600000000000000" pitchFamily="18" charset="-127"/>
+            </a:endParaRPr>
+          </a:p>
+          <a:p>
+            <a:pPr marL="0" lvl="7">
+              <a:lnSpc>
+                <a:spcPct val="150000"/>
+              </a:lnSpc>
+              <a:buClr>
+                <a:schemeClr val="bg1"/>
+              </a:buClr>
+            </a:pPr>
+            <a:endParaRPr lang="en-US" altLang="ko-KR" dirty="0">
+              <a:latin typeface="a옛날목욕탕L" panose="02020600000000000000" pitchFamily="18" charset="-127"/>
+              <a:ea typeface="a옛날목욕탕L" panose="02020600000000000000" pitchFamily="18" charset="-127"/>
+            </a:endParaRPr>
+          </a:p>
+          <a:p>
+            <a:pPr marL="0" lvl="7">
+              <a:lnSpc>
+                <a:spcPct val="150000"/>
+              </a:lnSpc>
+              <a:buClr>
+                <a:schemeClr val="bg1"/>
+              </a:buClr>
+            </a:pPr>
+            <a:r>
+              <a:rPr lang="en-US" altLang="ko-KR" dirty="0">
+                <a:latin typeface="a옛날목욕탕L" panose="02020600000000000000" pitchFamily="18" charset="-127"/>
+                <a:ea typeface="a옛날목욕탕L" panose="02020600000000000000" pitchFamily="18" charset="-127"/>
+              </a:rPr>
+              <a:t> 3) </a:t>
+            </a:r>
+            <a:r>
+              <a:rPr lang="ko-KR" altLang="en-US" dirty="0">
+                <a:latin typeface="a옛날목욕탕L" panose="02020600000000000000" pitchFamily="18" charset="-127"/>
+                <a:ea typeface="a옛날목욕탕L" panose="02020600000000000000" pitchFamily="18" charset="-127"/>
+              </a:rPr>
+              <a:t>구매력이 낮은 시청각장애인의 생활 편의 향상</a:t>
+            </a:r>
+            <a:endParaRPr lang="en-US" altLang="ko-KR" dirty="0">
+              <a:latin typeface="a옛날목욕탕L" panose="02020600000000000000" pitchFamily="18" charset="-127"/>
+              <a:ea typeface="a옛날목욕탕L" panose="02020600000000000000" pitchFamily="18" charset="-127"/>
+            </a:endParaRPr>
+          </a:p>
+          <a:p>
+            <a:pPr marL="228594" lvl="7" indent="-228594" algn="ctr">
+              <a:lnSpc>
+                <a:spcPct val="150000"/>
+              </a:lnSpc>
+              <a:buClr>
+                <a:schemeClr val="bg1"/>
+              </a:buClr>
+              <a:buFont typeface="Wingdings" panose="05000000000000000000" pitchFamily="2" charset="2"/>
+              <a:buChar char="§"/>
+            </a:pPr>
+            <a:endParaRPr lang="ko-KR" altLang="en-US" sz="1050" dirty="0">
+              <a:latin typeface="a옛날목욕탕L" panose="02020600000000000000" pitchFamily="18" charset="-127"/>
+              <a:ea typeface="a옛날목욕탕L" panose="02020600000000000000" pitchFamily="18" charset="-127"/>
+            </a:endParaRPr>
+          </a:p>
+        </p:txBody>
+      </p:sp>
       <p:sp>
         <p:nvSpPr>
-          <p:cNvPr id="110" name="Google Shape;110;p14"/>
-          <p:cNvSpPr txBox="1">
-            <a:spLocks noGrp="1"/>
-          </p:cNvSpPr>
-          <p:nvPr>
-            <p:ph type="title"/>
-          </p:nvPr>
+          <p:cNvPr id="10" name="TextBox 9">
+            <a:extLst>
+              <a:ext uri="{FF2B5EF4-FFF2-40B4-BE49-F238E27FC236}">
+                <a16:creationId xmlns:a16="http://schemas.microsoft.com/office/drawing/2014/main" id="{75F16ED2-09ED-48F3-B94F-27435B2F76A5}"/>
+              </a:ext>
+            </a:extLst>
+          </p:cNvPr>
+          <p:cNvSpPr txBox="1"/>
+          <p:nvPr/>
         </p:nvSpPr>
         <p:spPr>
           <a:xfrm>
-            <a:off x="1468515" y="363800"/>
-            <a:ext cx="10099200" cy="998800"/>
+            <a:off x="5608033" y="4369682"/>
+            <a:ext cx="6480740" cy="1922257"/>
           </a:xfrm>
           <a:prstGeom prst="rect">
             <a:avLst/>
           </a:prstGeom>
+          <a:noFill/>
         </p:spPr>
         <p:txBody>
-          <a:bodyPr spcFirstLastPara="1" vert="horz" wrap="square" lIns="121900" tIns="121900" rIns="121900" bIns="121900" rtlCol="0" anchor="ctr" anchorCtr="0">
-            <a:noAutofit/>
+          <a:bodyPr wrap="square" rtlCol="0">
+            <a:spAutoFit/>
           </a:bodyPr>
           <a:lstStyle/>
           <a:p>
-            <a:r>
-              <a:rPr lang="ko-KR" altLang="en-US" dirty="0">
+            <a:pPr marL="0" lvl="7">
+              <a:lnSpc>
+                <a:spcPct val="150000"/>
+              </a:lnSpc>
+              <a:buClr>
+                <a:schemeClr val="bg1"/>
+              </a:buClr>
+            </a:pPr>
+            <a:r>
+              <a:rPr lang="en-US" altLang="ko-KR" sz="1400" dirty="0">
+                <a:latin typeface="a옛날목욕탕L" panose="02020600000000000000" pitchFamily="18" charset="-127"/>
+                <a:ea typeface="a옛날목욕탕L" panose="02020600000000000000" pitchFamily="18" charset="-127"/>
+              </a:rPr>
+              <a:t>+ </a:t>
+            </a:r>
+            <a:r>
+              <a:rPr lang="ko-KR" altLang="en-US" sz="1400" dirty="0">
+                <a:latin typeface="a옛날목욕탕L" panose="02020600000000000000" pitchFamily="18" charset="-127"/>
+                <a:ea typeface="a옛날목욕탕L" panose="02020600000000000000" pitchFamily="18" charset="-127"/>
+              </a:rPr>
+              <a:t>기존에 시청각장애인이 사용하기 어려웠던 </a:t>
+            </a:r>
+            <a:r>
+              <a:rPr lang="ko-KR" altLang="en-US" sz="1400" dirty="0">
                 <a:solidFill>
-                  <a:schemeClr val="bg1"/>
+                  <a:srgbClr val="FF8700"/>
                 </a:solidFill>
                 <a:latin typeface="a옛날목욕탕L" panose="02020600000000000000" pitchFamily="18" charset="-127"/>
                 <a:ea typeface="a옛날목욕탕L" panose="02020600000000000000" pitchFamily="18" charset="-127"/>
-                <a:cs typeface="Arial" panose="020B0604020202020204" pitchFamily="34" charset="0"/>
-              </a:rPr>
-              <a:t>제품 기능</a:t>
-            </a:r>
-            <a:r>
-              <a:rPr lang="en-US" altLang="ko-KR" dirty="0">
+              </a:rPr>
+              <a:t>스마트 디바이스</a:t>
+            </a:r>
+            <a:r>
+              <a:rPr lang="en-US" altLang="ko-KR" sz="1400" dirty="0">
                 <a:solidFill>
-                  <a:schemeClr val="bg1"/>
+                  <a:srgbClr val="FF8700"/>
                 </a:solidFill>
                 <a:latin typeface="a옛날목욕탕L" panose="02020600000000000000" pitchFamily="18" charset="-127"/>
                 <a:ea typeface="a옛날목욕탕L" panose="02020600000000000000" pitchFamily="18" charset="-127"/>
-                <a:cs typeface="Arial" panose="020B0604020202020204" pitchFamily="34" charset="0"/>
-              </a:rPr>
-              <a:t>: BARRER-FREE MODE</a:t>
-            </a:r>
-            <a:endParaRPr dirty="0">
+              </a:rPr>
+              <a:t>(</a:t>
+            </a:r>
+            <a:r>
+              <a:rPr lang="ko-KR" altLang="en-US" sz="1400" dirty="0">
+                <a:solidFill>
+                  <a:srgbClr val="FF8700"/>
+                </a:solidFill>
+                <a:latin typeface="a옛날목욕탕L" panose="02020600000000000000" pitchFamily="18" charset="-127"/>
+                <a:ea typeface="a옛날목욕탕L" panose="02020600000000000000" pitchFamily="18" charset="-127"/>
+              </a:rPr>
+              <a:t>노트북</a:t>
+            </a:r>
+            <a:r>
+              <a:rPr lang="en-US" altLang="ko-KR" sz="1400" dirty="0">
+                <a:solidFill>
+                  <a:srgbClr val="FF8700"/>
+                </a:solidFill>
+                <a:latin typeface="a옛날목욕탕L" panose="02020600000000000000" pitchFamily="18" charset="-127"/>
+                <a:ea typeface="a옛날목욕탕L" panose="02020600000000000000" pitchFamily="18" charset="-127"/>
+              </a:rPr>
+              <a:t>, </a:t>
+            </a:r>
+            <a:r>
+              <a:rPr lang="ko-KR" altLang="en-US" sz="1400" dirty="0">
+                <a:solidFill>
+                  <a:srgbClr val="FF8700"/>
+                </a:solidFill>
+                <a:latin typeface="a옛날목욕탕L" panose="02020600000000000000" pitchFamily="18" charset="-127"/>
+                <a:ea typeface="a옛날목욕탕L" panose="02020600000000000000" pitchFamily="18" charset="-127"/>
+              </a:rPr>
+              <a:t>스마트폰 등</a:t>
+            </a:r>
+            <a:r>
+              <a:rPr lang="en-US" altLang="ko-KR" sz="1400" dirty="0">
+                <a:solidFill>
+                  <a:srgbClr val="FF8700"/>
+                </a:solidFill>
+                <a:latin typeface="a옛날목욕탕L" panose="02020600000000000000" pitchFamily="18" charset="-127"/>
+                <a:ea typeface="a옛날목욕탕L" panose="02020600000000000000" pitchFamily="18" charset="-127"/>
+              </a:rPr>
+              <a:t>)</a:t>
+            </a:r>
+            <a:r>
+              <a:rPr lang="ko-KR" altLang="en-US" sz="1400" dirty="0">
+                <a:solidFill>
+                  <a:srgbClr val="FF8700"/>
+                </a:solidFill>
+                <a:latin typeface="a옛날목욕탕L" panose="02020600000000000000" pitchFamily="18" charset="-127"/>
+                <a:ea typeface="a옛날목욕탕L" panose="02020600000000000000" pitchFamily="18" charset="-127"/>
+              </a:rPr>
+              <a:t>에    </a:t>
+            </a:r>
+            <a:endParaRPr lang="en-US" altLang="ko-KR" sz="1400" dirty="0">
               <a:solidFill>
-                <a:schemeClr val="bg1"/>
-              </a:solidFill>
-              <a:latin typeface="a옛날목욕탕L" panose="02020600000000000000" pitchFamily="18" charset="-127"/>
-              <a:ea typeface="a옛날목욕탕L" panose="02020600000000000000" pitchFamily="18" charset="-127"/>
-              <a:cs typeface="Arial" panose="020B0604020202020204" pitchFamily="34" charset="0"/>
-            </a:endParaRPr>
-          </a:p>
-        </p:txBody>
-      </p:sp>
-      <p:sp>
-        <p:nvSpPr>
-          <p:cNvPr id="114" name="Google Shape;114;p14"/>
-          <p:cNvSpPr txBox="1">
-            <a:spLocks noGrp="1"/>
-          </p:cNvSpPr>
-          <p:nvPr>
-            <p:ph type="sldNum" idx="12"/>
-          </p:nvPr>
-        </p:nvSpPr>
-        <p:spPr>
-          <a:xfrm>
-            <a:off x="0" y="0"/>
-            <a:ext cx="793200" cy="975600"/>
-          </a:xfrm>
-          <a:prstGeom prst="rect">
-            <a:avLst/>
-          </a:prstGeom>
-        </p:spPr>
-        <p:txBody>
-          <a:bodyPr spcFirstLastPara="1" vert="horz" wrap="square" lIns="121900" tIns="121900" rIns="121900" bIns="121900" rtlCol="0" anchor="ctr" anchorCtr="0">
-            <a:noAutofit/>
-          </a:bodyPr>
-          <a:lstStyle/>
-          <a:p>
-            <a:pPr algn="ctr"/>
-            <a:r>
-              <a:rPr lang="en-US" altLang="ko-KR" sz="2800" dirty="0">
-                <a:solidFill>
-                  <a:schemeClr val="bg1"/>
-                </a:solidFill>
-                <a:latin typeface="a옛날목욕탕L" panose="02020600000000000000" pitchFamily="18" charset="-127"/>
-                <a:ea typeface="a옛날목욕탕L" panose="02020600000000000000" pitchFamily="18" charset="-127"/>
-              </a:rPr>
-              <a:t>6</a:t>
-            </a:r>
-            <a:endParaRPr sz="2800" b="0" dirty="0">
-              <a:solidFill>
-                <a:schemeClr val="bg1"/>
+                <a:srgbClr val="FF8700"/>
               </a:solidFill>
               <a:latin typeface="a옛날목욕탕L" panose="02020600000000000000" pitchFamily="18" charset="-127"/>
               <a:ea typeface="a옛날목욕탕L" panose="02020600000000000000" pitchFamily="18" charset="-127"/>
             </a:endParaRPr>
           </a:p>
+          <a:p>
+            <a:pPr marL="0" lvl="7">
+              <a:lnSpc>
+                <a:spcPct val="150000"/>
+              </a:lnSpc>
+              <a:buClr>
+                <a:schemeClr val="bg1"/>
+              </a:buClr>
+            </a:pPr>
+            <a:r>
+              <a:rPr lang="en-US" altLang="ko-KR" sz="1400" dirty="0">
+                <a:solidFill>
+                  <a:srgbClr val="FF8700"/>
+                </a:solidFill>
+                <a:latin typeface="a옛날목욕탕L" panose="02020600000000000000" pitchFamily="18" charset="-127"/>
+                <a:ea typeface="a옛날목욕탕L" panose="02020600000000000000" pitchFamily="18" charset="-127"/>
+              </a:rPr>
+              <a:t>   BEE </a:t>
+            </a:r>
+            <a:r>
+              <a:rPr lang="ko-KR" altLang="en-US" sz="1400" dirty="0">
+                <a:solidFill>
+                  <a:srgbClr val="FF8700"/>
+                </a:solidFill>
+                <a:latin typeface="a옛날목욕탕L" panose="02020600000000000000" pitchFamily="18" charset="-127"/>
+                <a:ea typeface="a옛날목욕탕L" panose="02020600000000000000" pitchFamily="18" charset="-127"/>
+              </a:rPr>
+              <a:t>기술을 추가적으로 탑재</a:t>
+            </a:r>
+            <a:r>
+              <a:rPr lang="ko-KR" altLang="en-US" sz="1400" dirty="0">
+                <a:latin typeface="a옛날목욕탕L" panose="02020600000000000000" pitchFamily="18" charset="-127"/>
+                <a:ea typeface="a옛날목욕탕L" panose="02020600000000000000" pitchFamily="18" charset="-127"/>
+              </a:rPr>
+              <a:t>하여 접근성 향상</a:t>
+            </a:r>
+            <a:endParaRPr lang="en-US" altLang="ko-KR" sz="1400" dirty="0">
+              <a:latin typeface="a옛날목욕탕L" panose="02020600000000000000" pitchFamily="18" charset="-127"/>
+              <a:ea typeface="a옛날목욕탕L" panose="02020600000000000000" pitchFamily="18" charset="-127"/>
+            </a:endParaRPr>
+          </a:p>
+          <a:p>
+            <a:pPr marL="0" lvl="7">
+              <a:lnSpc>
+                <a:spcPct val="150000"/>
+              </a:lnSpc>
+              <a:buClr>
+                <a:schemeClr val="bg1"/>
+              </a:buClr>
+            </a:pPr>
+            <a:endParaRPr lang="en-US" altLang="ko-KR" sz="1400" dirty="0">
+              <a:latin typeface="a옛날목욕탕L" panose="02020600000000000000" pitchFamily="18" charset="-127"/>
+              <a:ea typeface="a옛날목욕탕L" panose="02020600000000000000" pitchFamily="18" charset="-127"/>
+            </a:endParaRPr>
+          </a:p>
+          <a:p>
+            <a:pPr marL="0" lvl="7">
+              <a:lnSpc>
+                <a:spcPct val="150000"/>
+              </a:lnSpc>
+              <a:buClr>
+                <a:schemeClr val="bg1"/>
+              </a:buClr>
+            </a:pPr>
+            <a:r>
+              <a:rPr lang="en-US" altLang="ko-KR" sz="1400" dirty="0">
+                <a:latin typeface="a옛날목욕탕L" panose="02020600000000000000" pitchFamily="18" charset="-127"/>
+                <a:ea typeface="a옛날목욕탕L" panose="02020600000000000000" pitchFamily="18" charset="-127"/>
+              </a:rPr>
+              <a:t>+ </a:t>
+            </a:r>
+            <a:r>
+              <a:rPr lang="ko-KR" altLang="en-US" sz="1400" dirty="0">
+                <a:latin typeface="a옛날목욕탕L" panose="02020600000000000000" pitchFamily="18" charset="-127"/>
+                <a:ea typeface="a옛날목욕탕L" panose="02020600000000000000" pitchFamily="18" charset="-127"/>
+              </a:rPr>
+              <a:t>어플리케이션에 인터넷을 이용할 수 있는 기능 추가</a:t>
+            </a:r>
+            <a:endParaRPr lang="en-US" altLang="ko-KR" sz="1400" dirty="0">
+              <a:latin typeface="a옛날목욕탕L" panose="02020600000000000000" pitchFamily="18" charset="-127"/>
+              <a:ea typeface="a옛날목욕탕L" panose="02020600000000000000" pitchFamily="18" charset="-127"/>
+            </a:endParaRPr>
+          </a:p>
+          <a:p>
+            <a:pPr marL="0" lvl="7">
+              <a:lnSpc>
+                <a:spcPct val="150000"/>
+              </a:lnSpc>
+              <a:buClr>
+                <a:schemeClr val="bg1"/>
+              </a:buClr>
+            </a:pPr>
+            <a:r>
+              <a:rPr lang="en-US" altLang="ko-KR" sz="1400" dirty="0">
+                <a:solidFill>
+                  <a:srgbClr val="FF8700"/>
+                </a:solidFill>
+                <a:latin typeface="a옛날목욕탕L" panose="02020600000000000000" pitchFamily="18" charset="-127"/>
+                <a:ea typeface="a옛날목욕탕L" panose="02020600000000000000" pitchFamily="18" charset="-127"/>
+              </a:rPr>
+              <a:t>   </a:t>
+            </a:r>
+            <a:r>
+              <a:rPr lang="en-US" altLang="ko-KR" sz="1400" dirty="0" err="1">
+                <a:solidFill>
+                  <a:srgbClr val="FF8700"/>
+                </a:solidFill>
+                <a:latin typeface="a옛날목욕탕L" panose="02020600000000000000" pitchFamily="18" charset="-127"/>
+                <a:ea typeface="a옛날목욕탕L" panose="02020600000000000000" pitchFamily="18" charset="-127"/>
+              </a:rPr>
+              <a:t>e.g</a:t>
+            </a:r>
+            <a:r>
+              <a:rPr lang="en-US" altLang="ko-KR" sz="1400" dirty="0">
+                <a:solidFill>
+                  <a:srgbClr val="FF8700"/>
+                </a:solidFill>
+                <a:latin typeface="a옛날목욕탕L" panose="02020600000000000000" pitchFamily="18" charset="-127"/>
+                <a:ea typeface="a옛날목욕탕L" panose="02020600000000000000" pitchFamily="18" charset="-127"/>
+              </a:rPr>
+              <a:t> ) </a:t>
+            </a:r>
+            <a:r>
+              <a:rPr lang="ko-KR" altLang="en-US" sz="1400" dirty="0">
+                <a:solidFill>
+                  <a:srgbClr val="FF8700"/>
+                </a:solidFill>
+                <a:latin typeface="a옛날목욕탕L" panose="02020600000000000000" pitchFamily="18" charset="-127"/>
+                <a:ea typeface="a옛날목욕탕L" panose="02020600000000000000" pitchFamily="18" charset="-127"/>
+              </a:rPr>
+              <a:t>날씨 알림</a:t>
+            </a:r>
+            <a:r>
+              <a:rPr lang="en-US" altLang="ko-KR" sz="1400" dirty="0">
+                <a:solidFill>
+                  <a:srgbClr val="FF8700"/>
+                </a:solidFill>
+                <a:latin typeface="a옛날목욕탕L" panose="02020600000000000000" pitchFamily="18" charset="-127"/>
+                <a:ea typeface="a옛날목욕탕L" panose="02020600000000000000" pitchFamily="18" charset="-127"/>
+              </a:rPr>
+              <a:t>, </a:t>
+            </a:r>
+            <a:r>
+              <a:rPr lang="ko-KR" altLang="en-US" sz="1400" dirty="0">
+                <a:solidFill>
+                  <a:srgbClr val="FF8700"/>
+                </a:solidFill>
+                <a:latin typeface="a옛날목욕탕L" panose="02020600000000000000" pitchFamily="18" charset="-127"/>
+                <a:ea typeface="a옛날목욕탕L" panose="02020600000000000000" pitchFamily="18" charset="-127"/>
+              </a:rPr>
+              <a:t>뉴스 검색</a:t>
+            </a:r>
+            <a:endParaRPr lang="en-US" altLang="ko-KR" sz="1400" dirty="0">
+              <a:solidFill>
+                <a:srgbClr val="FF8700"/>
+              </a:solidFill>
+              <a:latin typeface="a옛날목욕탕L" panose="02020600000000000000" pitchFamily="18" charset="-127"/>
+              <a:ea typeface="a옛날목욕탕L" panose="02020600000000000000" pitchFamily="18" charset="-127"/>
+            </a:endParaRPr>
+          </a:p>
+          <a:p>
+            <a:pPr marL="228594" lvl="7" indent="-228594" algn="ctr">
+              <a:lnSpc>
+                <a:spcPct val="150000"/>
+              </a:lnSpc>
+              <a:buClr>
+                <a:schemeClr val="bg1"/>
+              </a:buClr>
+              <a:buFont typeface="Wingdings" panose="05000000000000000000" pitchFamily="2" charset="2"/>
+              <a:buChar char="§"/>
+            </a:pPr>
+            <a:endParaRPr lang="ko-KR" altLang="en-US" sz="1050" dirty="0">
+              <a:latin typeface="a옛날목욕탕L" panose="02020600000000000000" pitchFamily="18" charset="-127"/>
+              <a:ea typeface="a옛날목욕탕L" panose="02020600000000000000" pitchFamily="18" charset="-127"/>
+            </a:endParaRPr>
+          </a:p>
         </p:txBody>
       </p:sp>
-      <p:grpSp>
-        <p:nvGrpSpPr>
-          <p:cNvPr id="10" name="그룹 9">
-            <a:extLst>
-              <a:ext uri="{FF2B5EF4-FFF2-40B4-BE49-F238E27FC236}">
-                <a16:creationId xmlns:a16="http://schemas.microsoft.com/office/drawing/2014/main" id="{FC4DB743-101E-4196-951D-88CE707384EB}"/>
-              </a:ext>
-            </a:extLst>
-          </p:cNvPr>
-          <p:cNvGrpSpPr/>
-          <p:nvPr/>
-        </p:nvGrpSpPr>
-        <p:grpSpPr>
-          <a:xfrm>
-            <a:off x="377142" y="2410964"/>
-            <a:ext cx="6140973" cy="3293209"/>
-            <a:chOff x="5915288" y="2092840"/>
-            <a:chExt cx="6140973" cy="3293209"/>
-          </a:xfrm>
-        </p:grpSpPr>
-        <p:grpSp>
-          <p:nvGrpSpPr>
-            <p:cNvPr id="83" name="그룹 82">
-              <a:extLst>
-                <a:ext uri="{FF2B5EF4-FFF2-40B4-BE49-F238E27FC236}">
-                  <a16:creationId xmlns:a16="http://schemas.microsoft.com/office/drawing/2014/main" id="{51D0A62F-DDDA-47BD-8A6E-ACD71F4E37C2}"/>
-                </a:ext>
-              </a:extLst>
-            </p:cNvPr>
-            <p:cNvGrpSpPr/>
-            <p:nvPr/>
-          </p:nvGrpSpPr>
-          <p:grpSpPr>
-            <a:xfrm>
-              <a:off x="5915288" y="2092840"/>
-              <a:ext cx="2154936" cy="1814325"/>
-              <a:chOff x="6924290" y="2262172"/>
-              <a:chExt cx="2154936" cy="2309092"/>
-            </a:xfrm>
-          </p:grpSpPr>
-          <p:grpSp>
-            <p:nvGrpSpPr>
-              <p:cNvPr id="81" name="그룹 80">
-                <a:extLst>
-                  <a:ext uri="{FF2B5EF4-FFF2-40B4-BE49-F238E27FC236}">
-                    <a16:creationId xmlns:a16="http://schemas.microsoft.com/office/drawing/2014/main" id="{427F3377-E3B1-40B5-BA46-9B10C8EB578D}"/>
-                  </a:ext>
-                </a:extLst>
-              </p:cNvPr>
-              <p:cNvGrpSpPr/>
-              <p:nvPr/>
-            </p:nvGrpSpPr>
-            <p:grpSpPr>
-              <a:xfrm>
-                <a:off x="6924290" y="2262172"/>
-                <a:ext cx="1787909" cy="2309092"/>
-                <a:chOff x="6619490" y="2863272"/>
-                <a:chExt cx="2121028" cy="2739317"/>
-              </a:xfrm>
-            </p:grpSpPr>
-            <p:sp>
-              <p:nvSpPr>
-                <p:cNvPr id="16" name="사각형: 둥근 모서리 15">
-                  <a:extLst>
-                    <a:ext uri="{FF2B5EF4-FFF2-40B4-BE49-F238E27FC236}">
-                      <a16:creationId xmlns:a16="http://schemas.microsoft.com/office/drawing/2014/main" id="{554089BF-45CF-4363-AB67-D2708D81858E}"/>
-                    </a:ext>
-                  </a:extLst>
-                </p:cNvPr>
-                <p:cNvSpPr/>
-                <p:nvPr/>
-              </p:nvSpPr>
-              <p:spPr>
-                <a:xfrm>
-                  <a:off x="6619490" y="2863272"/>
-                  <a:ext cx="2121028" cy="2739317"/>
-                </a:xfrm>
-                <a:prstGeom prst="roundRect">
-                  <a:avLst/>
-                </a:prstGeom>
-                <a:noFill/>
-                <a:ln w="38100" cap="flat" cmpd="sng" algn="ctr">
-                  <a:solidFill>
-                    <a:schemeClr val="dk1"/>
-                  </a:solidFill>
-                  <a:prstDash val="solid"/>
-                  <a:round/>
-                  <a:headEnd type="none" w="med" len="med"/>
-                  <a:tailEnd type="none" w="med" len="med"/>
-                </a:ln>
-              </p:spPr>
-              <p:style>
-                <a:lnRef idx="0">
-                  <a:scrgbClr r="0" g="0" b="0"/>
-                </a:lnRef>
-                <a:fillRef idx="0">
-                  <a:scrgbClr r="0" g="0" b="0"/>
-                </a:fillRef>
-                <a:effectRef idx="0">
-                  <a:scrgbClr r="0" g="0" b="0"/>
-                </a:effectRef>
-                <a:fontRef idx="minor">
-                  <a:schemeClr val="dk1"/>
-                </a:fontRef>
-              </p:style>
-              <p:txBody>
-                <a:bodyPr rtlCol="0" anchor="ctr"/>
-                <a:lstStyle/>
-                <a:p>
-                  <a:pPr algn="ctr"/>
-                  <a:endParaRPr lang="ko-KR" altLang="en-US"/>
-                </a:p>
-              </p:txBody>
-            </p:sp>
-            <p:grpSp>
-              <p:nvGrpSpPr>
-                <p:cNvPr id="30" name="그룹 29">
-                  <a:extLst>
-                    <a:ext uri="{FF2B5EF4-FFF2-40B4-BE49-F238E27FC236}">
-                      <a16:creationId xmlns:a16="http://schemas.microsoft.com/office/drawing/2014/main" id="{010D1DB6-779F-4E57-9405-FD54B7D49C03}"/>
-                    </a:ext>
-                  </a:extLst>
-                </p:cNvPr>
-                <p:cNvGrpSpPr/>
-                <p:nvPr/>
-              </p:nvGrpSpPr>
-              <p:grpSpPr>
-                <a:xfrm>
-                  <a:off x="6823581" y="4762851"/>
-                  <a:ext cx="618361" cy="618361"/>
-                  <a:chOff x="4128687" y="3644668"/>
-                  <a:chExt cx="403630" cy="403630"/>
-                </a:xfrm>
-              </p:grpSpPr>
-              <p:sp>
-                <p:nvSpPr>
-                  <p:cNvPr id="67" name="직사각형 66">
-                    <a:extLst>
-                      <a:ext uri="{FF2B5EF4-FFF2-40B4-BE49-F238E27FC236}">
-                        <a16:creationId xmlns:a16="http://schemas.microsoft.com/office/drawing/2014/main" id="{494F66C7-8190-479F-96E6-DB1D7C7F7C58}"/>
-                      </a:ext>
-                    </a:extLst>
-                  </p:cNvPr>
-                  <p:cNvSpPr/>
-                  <p:nvPr/>
-                </p:nvSpPr>
-                <p:spPr>
-                  <a:xfrm>
-                    <a:off x="4128687" y="3644668"/>
-                    <a:ext cx="403630" cy="403630"/>
-                  </a:xfrm>
-                  <a:prstGeom prst="rect">
-                    <a:avLst/>
-                  </a:prstGeom>
-                </p:spPr>
-                <p:style>
-                  <a:lnRef idx="2">
-                    <a:schemeClr val="dk1"/>
-                  </a:lnRef>
-                  <a:fillRef idx="1">
-                    <a:schemeClr val="lt1"/>
-                  </a:fillRef>
-                  <a:effectRef idx="0">
-                    <a:schemeClr val="dk1"/>
-                  </a:effectRef>
-                  <a:fontRef idx="minor">
-                    <a:schemeClr val="dk1"/>
-                  </a:fontRef>
-                </p:style>
-                <p:txBody>
-                  <a:bodyPr rtlCol="0" anchor="ctr"/>
-                  <a:lstStyle/>
-                  <a:p>
-                    <a:pPr algn="ctr"/>
-                    <a:endParaRPr lang="ko-KR" altLang="en-US" dirty="0"/>
-                  </a:p>
-                </p:txBody>
-              </p:sp>
-              <p:grpSp>
-                <p:nvGrpSpPr>
-                  <p:cNvPr id="68" name="그룹 67">
-                    <a:extLst>
-                      <a:ext uri="{FF2B5EF4-FFF2-40B4-BE49-F238E27FC236}">
-                        <a16:creationId xmlns:a16="http://schemas.microsoft.com/office/drawing/2014/main" id="{578DE9D0-61AB-4C34-9B76-BACC274F88CF}"/>
-                      </a:ext>
-                    </a:extLst>
-                  </p:cNvPr>
-                  <p:cNvGrpSpPr/>
-                  <p:nvPr/>
-                </p:nvGrpSpPr>
-                <p:grpSpPr>
-                  <a:xfrm>
-                    <a:off x="4230583" y="3749407"/>
-                    <a:ext cx="199838" cy="227488"/>
-                    <a:chOff x="3420330" y="3419472"/>
-                    <a:chExt cx="456368" cy="519515"/>
-                  </a:xfrm>
-                </p:grpSpPr>
-                <p:grpSp>
-                  <p:nvGrpSpPr>
-                    <p:cNvPr id="69" name="그룹 68">
-                      <a:extLst>
-                        <a:ext uri="{FF2B5EF4-FFF2-40B4-BE49-F238E27FC236}">
-                          <a16:creationId xmlns:a16="http://schemas.microsoft.com/office/drawing/2014/main" id="{4B6FCF7A-971B-4F90-A526-8B835B96C41E}"/>
-                        </a:ext>
-                      </a:extLst>
-                    </p:cNvPr>
-                    <p:cNvGrpSpPr/>
-                    <p:nvPr/>
-                  </p:nvGrpSpPr>
-                  <p:grpSpPr>
-                    <a:xfrm>
-                      <a:off x="3424844" y="3419472"/>
-                      <a:ext cx="450549" cy="113438"/>
-                      <a:chOff x="3424844" y="3419472"/>
-                      <a:chExt cx="450549" cy="113438"/>
-                    </a:xfrm>
-                  </p:grpSpPr>
-                  <p:sp>
-                    <p:nvSpPr>
-                      <p:cNvPr id="76" name="타원 75">
-                        <a:extLst>
-                          <a:ext uri="{FF2B5EF4-FFF2-40B4-BE49-F238E27FC236}">
-                            <a16:creationId xmlns:a16="http://schemas.microsoft.com/office/drawing/2014/main" id="{E320ADE2-688B-49E9-A719-89A903B75E98}"/>
-                          </a:ext>
-                        </a:extLst>
-                      </p:cNvPr>
-                      <p:cNvSpPr/>
-                      <p:nvPr/>
-                    </p:nvSpPr>
-                    <p:spPr>
-                      <a:xfrm>
-                        <a:off x="3424844" y="3419472"/>
-                        <a:ext cx="109728" cy="113438"/>
-                      </a:xfrm>
-                      <a:prstGeom prst="ellipse">
-                        <a:avLst/>
-                      </a:prstGeom>
-                      <a:solidFill>
-                        <a:srgbClr val="FF0000"/>
-                      </a:solidFill>
-                      <a:ln>
-                        <a:solidFill>
-                          <a:srgbClr val="FF0000"/>
-                        </a:solidFill>
-                      </a:ln>
-                    </p:spPr>
-                    <p:style>
-                      <a:lnRef idx="0">
-                        <a:scrgbClr r="0" g="0" b="0"/>
-                      </a:lnRef>
-                      <a:fillRef idx="0">
-                        <a:scrgbClr r="0" g="0" b="0"/>
-                      </a:fillRef>
-                      <a:effectRef idx="0">
-                        <a:scrgbClr r="0" g="0" b="0"/>
-                      </a:effectRef>
-                      <a:fontRef idx="minor">
-                        <a:schemeClr val="lt1"/>
-                      </a:fontRef>
-                    </p:style>
-                    <p:txBody>
-                      <a:bodyPr rtlCol="0" anchor="ctr"/>
-                      <a:lstStyle/>
-                      <a:p>
-                        <a:pPr algn="ctr"/>
-                        <a:endParaRPr lang="ko-KR" altLang="en-US"/>
-                      </a:p>
-                    </p:txBody>
-                  </p:sp>
-                  <p:sp>
-                    <p:nvSpPr>
-                      <p:cNvPr id="77" name="타원 76">
-                        <a:extLst>
-                          <a:ext uri="{FF2B5EF4-FFF2-40B4-BE49-F238E27FC236}">
-                            <a16:creationId xmlns:a16="http://schemas.microsoft.com/office/drawing/2014/main" id="{DA42AA67-3A33-43EB-B905-3769D5031577}"/>
-                          </a:ext>
-                        </a:extLst>
-                      </p:cNvPr>
-                      <p:cNvSpPr/>
-                      <p:nvPr/>
-                    </p:nvSpPr>
-                    <p:spPr>
-                      <a:xfrm>
-                        <a:off x="3765665" y="3419472"/>
-                        <a:ext cx="109728" cy="113438"/>
-                      </a:xfrm>
-                      <a:prstGeom prst="ellipse">
-                        <a:avLst/>
-                      </a:prstGeom>
-                      <a:solidFill>
-                        <a:srgbClr val="FF0000"/>
-                      </a:solidFill>
-                      <a:ln>
-                        <a:solidFill>
-                          <a:srgbClr val="FF0000"/>
-                        </a:solidFill>
-                      </a:ln>
-                    </p:spPr>
-                    <p:style>
-                      <a:lnRef idx="0">
-                        <a:scrgbClr r="0" g="0" b="0"/>
-                      </a:lnRef>
-                      <a:fillRef idx="0">
-                        <a:scrgbClr r="0" g="0" b="0"/>
-                      </a:fillRef>
-                      <a:effectRef idx="0">
-                        <a:scrgbClr r="0" g="0" b="0"/>
-                      </a:effectRef>
-                      <a:fontRef idx="minor">
-                        <a:schemeClr val="lt1"/>
-                      </a:fontRef>
-                    </p:style>
-                    <p:txBody>
-                      <a:bodyPr rtlCol="0" anchor="ctr"/>
-                      <a:lstStyle/>
-                      <a:p>
-                        <a:pPr algn="ctr"/>
-                        <a:endParaRPr lang="ko-KR" altLang="en-US"/>
-                      </a:p>
-                    </p:txBody>
-                  </p:sp>
-                </p:grpSp>
-                <p:grpSp>
-                  <p:nvGrpSpPr>
-                    <p:cNvPr id="70" name="그룹 69">
-                      <a:extLst>
-                        <a:ext uri="{FF2B5EF4-FFF2-40B4-BE49-F238E27FC236}">
-                          <a16:creationId xmlns:a16="http://schemas.microsoft.com/office/drawing/2014/main" id="{BD6E9397-EFC8-44FA-BA12-DBB83257F989}"/>
-                        </a:ext>
-                      </a:extLst>
-                    </p:cNvPr>
-                    <p:cNvGrpSpPr/>
-                    <p:nvPr/>
-                  </p:nvGrpSpPr>
-                  <p:grpSpPr>
-                    <a:xfrm>
-                      <a:off x="3426149" y="3616513"/>
-                      <a:ext cx="450549" cy="113438"/>
-                      <a:chOff x="3424844" y="3419472"/>
-                      <a:chExt cx="450549" cy="113438"/>
-                    </a:xfrm>
-                  </p:grpSpPr>
-                  <p:sp>
-                    <p:nvSpPr>
-                      <p:cNvPr id="74" name="타원 73">
-                        <a:extLst>
-                          <a:ext uri="{FF2B5EF4-FFF2-40B4-BE49-F238E27FC236}">
-                            <a16:creationId xmlns:a16="http://schemas.microsoft.com/office/drawing/2014/main" id="{EF93DDA8-5BBE-4E3F-A0FE-C33358AC5AA4}"/>
-                          </a:ext>
-                        </a:extLst>
-                      </p:cNvPr>
-                      <p:cNvSpPr/>
-                      <p:nvPr/>
-                    </p:nvSpPr>
-                    <p:spPr>
-                      <a:xfrm>
-                        <a:off x="3424844" y="3419472"/>
-                        <a:ext cx="109728" cy="113438"/>
-                      </a:xfrm>
-                      <a:prstGeom prst="ellipse">
-                        <a:avLst/>
-                      </a:prstGeom>
-                      <a:solidFill>
-                        <a:srgbClr val="FF0000"/>
-                      </a:solidFill>
-                      <a:ln>
-                        <a:solidFill>
-                          <a:srgbClr val="FF0000"/>
-                        </a:solidFill>
-                      </a:ln>
-                    </p:spPr>
-                    <p:style>
-                      <a:lnRef idx="0">
-                        <a:scrgbClr r="0" g="0" b="0"/>
-                      </a:lnRef>
-                      <a:fillRef idx="0">
-                        <a:scrgbClr r="0" g="0" b="0"/>
-                      </a:fillRef>
-                      <a:effectRef idx="0">
-                        <a:scrgbClr r="0" g="0" b="0"/>
-                      </a:effectRef>
-                      <a:fontRef idx="minor">
-                        <a:schemeClr val="lt1"/>
-                      </a:fontRef>
-                    </p:style>
-                    <p:txBody>
-                      <a:bodyPr rtlCol="0" anchor="ctr"/>
-                      <a:lstStyle/>
-                      <a:p>
-                        <a:pPr algn="ctr"/>
-                        <a:endParaRPr lang="ko-KR" altLang="en-US"/>
-                      </a:p>
-                    </p:txBody>
-                  </p:sp>
-                  <p:sp>
-                    <p:nvSpPr>
-                      <p:cNvPr id="75" name="타원 74">
-                        <a:extLst>
-                          <a:ext uri="{FF2B5EF4-FFF2-40B4-BE49-F238E27FC236}">
-                            <a16:creationId xmlns:a16="http://schemas.microsoft.com/office/drawing/2014/main" id="{32CC79FF-C3C0-49C6-AD03-D8C1EE93E684}"/>
-                          </a:ext>
-                        </a:extLst>
-                      </p:cNvPr>
-                      <p:cNvSpPr/>
-                      <p:nvPr/>
-                    </p:nvSpPr>
-                    <p:spPr>
-                      <a:xfrm>
-                        <a:off x="3765665" y="3419472"/>
-                        <a:ext cx="109728" cy="113438"/>
-                      </a:xfrm>
-                      <a:prstGeom prst="ellipse">
-                        <a:avLst/>
-                      </a:prstGeom>
-                      <a:solidFill>
-                        <a:srgbClr val="FF0000"/>
-                      </a:solidFill>
-                      <a:ln>
-                        <a:solidFill>
-                          <a:srgbClr val="FF0000"/>
-                        </a:solidFill>
-                      </a:ln>
-                    </p:spPr>
-                    <p:style>
-                      <a:lnRef idx="0">
-                        <a:scrgbClr r="0" g="0" b="0"/>
-                      </a:lnRef>
-                      <a:fillRef idx="0">
-                        <a:scrgbClr r="0" g="0" b="0"/>
-                      </a:fillRef>
-                      <a:effectRef idx="0">
-                        <a:scrgbClr r="0" g="0" b="0"/>
-                      </a:effectRef>
-                      <a:fontRef idx="minor">
-                        <a:schemeClr val="lt1"/>
-                      </a:fontRef>
-                    </p:style>
-                    <p:txBody>
-                      <a:bodyPr rtlCol="0" anchor="ctr"/>
-                      <a:lstStyle/>
-                      <a:p>
-                        <a:pPr algn="ctr"/>
-                        <a:endParaRPr lang="ko-KR" altLang="en-US"/>
-                      </a:p>
-                    </p:txBody>
-                  </p:sp>
-                </p:grpSp>
-                <p:grpSp>
-                  <p:nvGrpSpPr>
-                    <p:cNvPr id="71" name="그룹 70">
-                      <a:extLst>
-                        <a:ext uri="{FF2B5EF4-FFF2-40B4-BE49-F238E27FC236}">
-                          <a16:creationId xmlns:a16="http://schemas.microsoft.com/office/drawing/2014/main" id="{82349242-3687-4605-AEB0-F64FA12BD5B4}"/>
-                        </a:ext>
-                      </a:extLst>
-                    </p:cNvPr>
-                    <p:cNvGrpSpPr/>
-                    <p:nvPr/>
-                  </p:nvGrpSpPr>
-                  <p:grpSpPr>
-                    <a:xfrm>
-                      <a:off x="3420330" y="3825549"/>
-                      <a:ext cx="450549" cy="113438"/>
-                      <a:chOff x="3424844" y="3419472"/>
-                      <a:chExt cx="450549" cy="113438"/>
-                    </a:xfrm>
-                  </p:grpSpPr>
-                  <p:sp>
-                    <p:nvSpPr>
-                      <p:cNvPr id="72" name="타원 71">
-                        <a:extLst>
-                          <a:ext uri="{FF2B5EF4-FFF2-40B4-BE49-F238E27FC236}">
-                            <a16:creationId xmlns:a16="http://schemas.microsoft.com/office/drawing/2014/main" id="{0076907C-85D9-4BCF-BD2A-19ED11DBE60E}"/>
-                          </a:ext>
-                        </a:extLst>
-                      </p:cNvPr>
-                      <p:cNvSpPr/>
-                      <p:nvPr/>
-                    </p:nvSpPr>
-                    <p:spPr>
-                      <a:xfrm>
-                        <a:off x="3424844" y="3419472"/>
-                        <a:ext cx="109728" cy="113438"/>
-                      </a:xfrm>
-                      <a:prstGeom prst="ellipse">
-                        <a:avLst/>
-                      </a:prstGeom>
-                      <a:solidFill>
-                        <a:srgbClr val="FF0000"/>
-                      </a:solidFill>
-                      <a:ln>
-                        <a:solidFill>
-                          <a:srgbClr val="FF0000"/>
-                        </a:solidFill>
-                      </a:ln>
-                    </p:spPr>
-                    <p:style>
-                      <a:lnRef idx="0">
-                        <a:scrgbClr r="0" g="0" b="0"/>
-                      </a:lnRef>
-                      <a:fillRef idx="0">
-                        <a:scrgbClr r="0" g="0" b="0"/>
-                      </a:fillRef>
-                      <a:effectRef idx="0">
-                        <a:scrgbClr r="0" g="0" b="0"/>
-                      </a:effectRef>
-                      <a:fontRef idx="minor">
-                        <a:schemeClr val="lt1"/>
-                      </a:fontRef>
-                    </p:style>
-                    <p:txBody>
-                      <a:bodyPr rtlCol="0" anchor="ctr"/>
-                      <a:lstStyle/>
-                      <a:p>
-                        <a:pPr algn="ctr"/>
-                        <a:endParaRPr lang="ko-KR" altLang="en-US"/>
-                      </a:p>
-                    </p:txBody>
-                  </p:sp>
-                  <p:sp>
-                    <p:nvSpPr>
-                      <p:cNvPr id="73" name="타원 72">
-                        <a:extLst>
-                          <a:ext uri="{FF2B5EF4-FFF2-40B4-BE49-F238E27FC236}">
-                            <a16:creationId xmlns:a16="http://schemas.microsoft.com/office/drawing/2014/main" id="{B6E1C5C3-75ED-4CF2-91E3-8B115A92AAB9}"/>
-                          </a:ext>
-                        </a:extLst>
-                      </p:cNvPr>
-                      <p:cNvSpPr/>
-                      <p:nvPr/>
-                    </p:nvSpPr>
-                    <p:spPr>
-                      <a:xfrm>
-                        <a:off x="3765665" y="3419472"/>
-                        <a:ext cx="109728" cy="113438"/>
-                      </a:xfrm>
-                      <a:prstGeom prst="ellipse">
-                        <a:avLst/>
-                      </a:prstGeom>
-                      <a:solidFill>
-                        <a:srgbClr val="FF0000"/>
-                      </a:solidFill>
-                      <a:ln>
-                        <a:solidFill>
-                          <a:srgbClr val="FF0000"/>
-                        </a:solidFill>
-                      </a:ln>
-                    </p:spPr>
-                    <p:style>
-                      <a:lnRef idx="0">
-                        <a:scrgbClr r="0" g="0" b="0"/>
-                      </a:lnRef>
-                      <a:fillRef idx="0">
-                        <a:scrgbClr r="0" g="0" b="0"/>
-                      </a:fillRef>
-                      <a:effectRef idx="0">
-                        <a:scrgbClr r="0" g="0" b="0"/>
-                      </a:effectRef>
-                      <a:fontRef idx="minor">
-                        <a:schemeClr val="lt1"/>
-                      </a:fontRef>
-                    </p:style>
-                    <p:txBody>
-                      <a:bodyPr rtlCol="0" anchor="ctr"/>
-                      <a:lstStyle/>
-                      <a:p>
-                        <a:pPr algn="ctr"/>
-                        <a:endParaRPr lang="ko-KR" altLang="en-US"/>
-                      </a:p>
-                    </p:txBody>
-                  </p:sp>
-                </p:grpSp>
-              </p:grpSp>
-            </p:grpSp>
-            <p:grpSp>
-              <p:nvGrpSpPr>
-                <p:cNvPr id="78" name="그룹 77">
-                  <a:extLst>
-                    <a:ext uri="{FF2B5EF4-FFF2-40B4-BE49-F238E27FC236}">
-                      <a16:creationId xmlns:a16="http://schemas.microsoft.com/office/drawing/2014/main" id="{5DF80A48-EF5B-436B-886A-E6C278D2C3E7}"/>
-                    </a:ext>
-                  </a:extLst>
-                </p:cNvPr>
-                <p:cNvGrpSpPr/>
-                <p:nvPr/>
-              </p:nvGrpSpPr>
-              <p:grpSpPr>
-                <a:xfrm>
-                  <a:off x="7251331" y="3118691"/>
-                  <a:ext cx="1230851" cy="620618"/>
-                  <a:chOff x="6792383" y="2795940"/>
-                  <a:chExt cx="2092592" cy="1055123"/>
-                </a:xfrm>
-              </p:grpSpPr>
-              <p:sp>
-                <p:nvSpPr>
-                  <p:cNvPr id="19" name="타원 18">
-                    <a:extLst>
-                      <a:ext uri="{FF2B5EF4-FFF2-40B4-BE49-F238E27FC236}">
-                        <a16:creationId xmlns:a16="http://schemas.microsoft.com/office/drawing/2014/main" id="{70CDC7E8-0803-4BFC-A43E-5D7E5325BDE2}"/>
-                      </a:ext>
-                    </a:extLst>
-                  </p:cNvPr>
-                  <p:cNvSpPr/>
-                  <p:nvPr/>
-                </p:nvSpPr>
-                <p:spPr>
-                  <a:xfrm>
-                    <a:off x="8196958" y="3243954"/>
-                    <a:ext cx="173189" cy="173189"/>
-                  </a:xfrm>
-                  <a:prstGeom prst="ellipse">
-                    <a:avLst/>
-                  </a:prstGeom>
-                  <a:solidFill>
-                    <a:srgbClr val="00B050"/>
-                  </a:solidFill>
-                  <a:ln>
-                    <a:noFill/>
-                  </a:ln>
-                </p:spPr>
-                <p:style>
-                  <a:lnRef idx="2">
-                    <a:schemeClr val="accent1">
-                      <a:shade val="50000"/>
-                    </a:schemeClr>
-                  </a:lnRef>
-                  <a:fillRef idx="1">
-                    <a:schemeClr val="accent1"/>
-                  </a:fillRef>
-                  <a:effectRef idx="0">
-                    <a:schemeClr val="accent1"/>
-                  </a:effectRef>
-                  <a:fontRef idx="minor">
-                    <a:schemeClr val="lt1"/>
-                  </a:fontRef>
-                </p:style>
-                <p:txBody>
-                  <a:bodyPr rtlCol="0" anchor="ctr"/>
-                  <a:lstStyle/>
-                  <a:p>
-                    <a:pPr algn="ctr"/>
-                    <a:endParaRPr lang="ko-KR" altLang="en-US" dirty="0"/>
-                  </a:p>
-                </p:txBody>
-              </p:sp>
-              <p:grpSp>
-                <p:nvGrpSpPr>
-                  <p:cNvPr id="9" name="그룹 8">
-                    <a:extLst>
-                      <a:ext uri="{FF2B5EF4-FFF2-40B4-BE49-F238E27FC236}">
-                        <a16:creationId xmlns:a16="http://schemas.microsoft.com/office/drawing/2014/main" id="{C4F5B9C0-32D5-4320-A49A-B0D614ABC719}"/>
-                      </a:ext>
-                    </a:extLst>
-                  </p:cNvPr>
-                  <p:cNvGrpSpPr/>
-                  <p:nvPr/>
-                </p:nvGrpSpPr>
-                <p:grpSpPr>
-                  <a:xfrm>
-                    <a:off x="6792383" y="2795940"/>
-                    <a:ext cx="1051286" cy="1055123"/>
-                    <a:chOff x="7118924" y="1989694"/>
-                    <a:chExt cx="1797967" cy="1804529"/>
-                  </a:xfrm>
-                </p:grpSpPr>
-                <p:sp>
-                  <p:nvSpPr>
-                    <p:cNvPr id="17" name="직사각형 16">
-                      <a:extLst>
-                        <a:ext uri="{FF2B5EF4-FFF2-40B4-BE49-F238E27FC236}">
-                          <a16:creationId xmlns:a16="http://schemas.microsoft.com/office/drawing/2014/main" id="{6549F4FD-F262-4334-AD81-1C4F4A0CF026}"/>
-                        </a:ext>
-                      </a:extLst>
-                    </p:cNvPr>
-                    <p:cNvSpPr/>
-                    <p:nvPr/>
-                  </p:nvSpPr>
-                  <p:spPr>
-                    <a:xfrm>
-                      <a:off x="7118924" y="1989694"/>
-                      <a:ext cx="1797967" cy="1804529"/>
-                    </a:xfrm>
-                    <a:prstGeom prst="rect">
-                      <a:avLst/>
-                    </a:prstGeom>
-                    <a:noFill/>
-                    <a:ln w="28575" cap="flat" cmpd="sng" algn="ctr">
-                      <a:solidFill>
-                        <a:srgbClr val="FF0000"/>
-                      </a:solidFill>
-                      <a:prstDash val="sysDot"/>
-                      <a:round/>
-                      <a:headEnd type="none" w="med" len="med"/>
-                      <a:tailEnd type="none" w="med" len="med"/>
-                    </a:ln>
-                  </p:spPr>
-                  <p:style>
-                    <a:lnRef idx="0">
-                      <a:scrgbClr r="0" g="0" b="0"/>
-                    </a:lnRef>
-                    <a:fillRef idx="0">
-                      <a:scrgbClr r="0" g="0" b="0"/>
-                    </a:fillRef>
-                    <a:effectRef idx="0">
-                      <a:scrgbClr r="0" g="0" b="0"/>
-                    </a:effectRef>
-                    <a:fontRef idx="minor">
-                      <a:schemeClr val="accent6"/>
-                    </a:fontRef>
-                  </p:style>
-                  <p:txBody>
-                    <a:bodyPr rtlCol="0" anchor="ctr"/>
-                    <a:lstStyle/>
-                    <a:p>
-                      <a:pPr algn="ctr"/>
-                      <a:endParaRPr lang="ko-KR" altLang="en-US"/>
-                    </a:p>
-                  </p:txBody>
-                </p:sp>
-                <p:grpSp>
-                  <p:nvGrpSpPr>
-                    <p:cNvPr id="21" name="그룹 20">
-                      <a:extLst>
-                        <a:ext uri="{FF2B5EF4-FFF2-40B4-BE49-F238E27FC236}">
-                          <a16:creationId xmlns:a16="http://schemas.microsoft.com/office/drawing/2014/main" id="{AE8ADE2C-83B6-4199-A636-61D3657E8EF4}"/>
-                        </a:ext>
-                      </a:extLst>
-                    </p:cNvPr>
-                    <p:cNvGrpSpPr/>
-                    <p:nvPr/>
-                  </p:nvGrpSpPr>
-                  <p:grpSpPr>
-                    <a:xfrm>
-                      <a:off x="7326231" y="2150005"/>
-                      <a:ext cx="1377740" cy="1427351"/>
-                      <a:chOff x="4205323" y="1579582"/>
-                      <a:chExt cx="1069085" cy="1107584"/>
-                    </a:xfrm>
-                  </p:grpSpPr>
-                  <p:sp>
-                    <p:nvSpPr>
-                      <p:cNvPr id="24" name="타원 23">
-                        <a:extLst>
-                          <a:ext uri="{FF2B5EF4-FFF2-40B4-BE49-F238E27FC236}">
-                            <a16:creationId xmlns:a16="http://schemas.microsoft.com/office/drawing/2014/main" id="{9B02B749-64FE-4B61-A0C9-5551DCA8B694}"/>
-                          </a:ext>
-                        </a:extLst>
-                      </p:cNvPr>
-                      <p:cNvSpPr/>
-                      <p:nvPr/>
-                    </p:nvSpPr>
-                    <p:spPr>
-                      <a:xfrm>
-                        <a:off x="4210936" y="1579582"/>
-                        <a:ext cx="256214" cy="256214"/>
-                      </a:xfrm>
-                      <a:prstGeom prst="ellipse">
-                        <a:avLst/>
-                      </a:prstGeom>
-                    </p:spPr>
-                    <p:style>
-                      <a:lnRef idx="2">
-                        <a:schemeClr val="dk1">
-                          <a:shade val="50000"/>
-                        </a:schemeClr>
-                      </a:lnRef>
-                      <a:fillRef idx="1">
-                        <a:schemeClr val="dk1"/>
-                      </a:fillRef>
-                      <a:effectRef idx="0">
-                        <a:schemeClr val="dk1"/>
-                      </a:effectRef>
-                      <a:fontRef idx="minor">
-                        <a:schemeClr val="lt1"/>
-                      </a:fontRef>
-                    </p:style>
-                    <p:txBody>
-                      <a:bodyPr rtlCol="0" anchor="ctr"/>
-                      <a:lstStyle/>
-                      <a:p>
-                        <a:pPr algn="ctr"/>
-                        <a:endParaRPr lang="ko-KR" altLang="en-US"/>
-                      </a:p>
-                    </p:txBody>
-                  </p:sp>
-                  <p:sp>
-                    <p:nvSpPr>
-                      <p:cNvPr id="25" name="타원 24">
-                        <a:extLst>
-                          <a:ext uri="{FF2B5EF4-FFF2-40B4-BE49-F238E27FC236}">
-                            <a16:creationId xmlns:a16="http://schemas.microsoft.com/office/drawing/2014/main" id="{678D4C3A-EB11-42FA-A421-795BB67DC56B}"/>
-                          </a:ext>
-                        </a:extLst>
-                      </p:cNvPr>
-                      <p:cNvSpPr/>
-                      <p:nvPr/>
-                    </p:nvSpPr>
-                    <p:spPr>
-                      <a:xfrm>
-                        <a:off x="5018194" y="1579582"/>
-                        <a:ext cx="256214" cy="256214"/>
-                      </a:xfrm>
-                      <a:prstGeom prst="ellipse">
-                        <a:avLst/>
-                      </a:prstGeom>
-                    </p:spPr>
-                    <p:style>
-                      <a:lnRef idx="2">
-                        <a:schemeClr val="dk1">
-                          <a:shade val="50000"/>
-                        </a:schemeClr>
-                      </a:lnRef>
-                      <a:fillRef idx="1">
-                        <a:schemeClr val="dk1"/>
-                      </a:fillRef>
-                      <a:effectRef idx="0">
-                        <a:schemeClr val="dk1"/>
-                      </a:effectRef>
-                      <a:fontRef idx="minor">
-                        <a:schemeClr val="lt1"/>
-                      </a:fontRef>
-                    </p:style>
-                    <p:txBody>
-                      <a:bodyPr rtlCol="0" anchor="ctr"/>
-                      <a:lstStyle/>
-                      <a:p>
-                        <a:pPr algn="ctr"/>
-                        <a:endParaRPr lang="ko-KR" altLang="en-US"/>
-                      </a:p>
-                    </p:txBody>
-                  </p:sp>
-                  <p:sp>
-                    <p:nvSpPr>
-                      <p:cNvPr id="26" name="타원 25">
-                        <a:extLst>
-                          <a:ext uri="{FF2B5EF4-FFF2-40B4-BE49-F238E27FC236}">
-                            <a16:creationId xmlns:a16="http://schemas.microsoft.com/office/drawing/2014/main" id="{379B00D0-4D78-4F7E-A6BD-DA83AAE90F49}"/>
-                          </a:ext>
-                        </a:extLst>
-                      </p:cNvPr>
-                      <p:cNvSpPr/>
-                      <p:nvPr/>
-                    </p:nvSpPr>
-                    <p:spPr>
-                      <a:xfrm>
-                        <a:off x="4205323" y="2012489"/>
-                        <a:ext cx="256214" cy="256214"/>
-                      </a:xfrm>
-                      <a:prstGeom prst="ellipse">
-                        <a:avLst/>
-                      </a:prstGeom>
-                    </p:spPr>
-                    <p:style>
-                      <a:lnRef idx="2">
-                        <a:schemeClr val="dk1">
-                          <a:shade val="50000"/>
-                        </a:schemeClr>
-                      </a:lnRef>
-                      <a:fillRef idx="1">
-                        <a:schemeClr val="dk1"/>
-                      </a:fillRef>
-                      <a:effectRef idx="0">
-                        <a:schemeClr val="dk1"/>
-                      </a:effectRef>
-                      <a:fontRef idx="minor">
-                        <a:schemeClr val="lt1"/>
-                      </a:fontRef>
-                    </p:style>
-                    <p:txBody>
-                      <a:bodyPr rtlCol="0" anchor="ctr"/>
-                      <a:lstStyle/>
-                      <a:p>
-                        <a:pPr algn="ctr"/>
-                        <a:endParaRPr lang="ko-KR" altLang="en-US"/>
-                      </a:p>
-                    </p:txBody>
-                  </p:sp>
-                  <p:sp>
-                    <p:nvSpPr>
-                      <p:cNvPr id="27" name="타원 26">
-                        <a:extLst>
-                          <a:ext uri="{FF2B5EF4-FFF2-40B4-BE49-F238E27FC236}">
-                            <a16:creationId xmlns:a16="http://schemas.microsoft.com/office/drawing/2014/main" id="{7A172D55-4E3D-4DBA-96C5-F310A77A8DF5}"/>
-                          </a:ext>
-                        </a:extLst>
-                      </p:cNvPr>
-                      <p:cNvSpPr/>
-                      <p:nvPr/>
-                    </p:nvSpPr>
-                    <p:spPr>
-                      <a:xfrm>
-                        <a:off x="5012581" y="2012489"/>
-                        <a:ext cx="256214" cy="256214"/>
-                      </a:xfrm>
-                      <a:prstGeom prst="ellipse">
-                        <a:avLst/>
-                      </a:prstGeom>
-                    </p:spPr>
-                    <p:style>
-                      <a:lnRef idx="2">
-                        <a:schemeClr val="dk1">
-                          <a:shade val="50000"/>
-                        </a:schemeClr>
-                      </a:lnRef>
-                      <a:fillRef idx="1">
-                        <a:schemeClr val="dk1"/>
-                      </a:fillRef>
-                      <a:effectRef idx="0">
-                        <a:schemeClr val="dk1"/>
-                      </a:effectRef>
-                      <a:fontRef idx="minor">
-                        <a:schemeClr val="lt1"/>
-                      </a:fontRef>
-                    </p:style>
-                    <p:txBody>
-                      <a:bodyPr rtlCol="0" anchor="ctr"/>
-                      <a:lstStyle/>
-                      <a:p>
-                        <a:pPr algn="ctr"/>
-                        <a:endParaRPr lang="ko-KR" altLang="en-US"/>
-                      </a:p>
-                    </p:txBody>
-                  </p:sp>
-                  <p:sp>
-                    <p:nvSpPr>
-                      <p:cNvPr id="28" name="타원 27">
-                        <a:extLst>
-                          <a:ext uri="{FF2B5EF4-FFF2-40B4-BE49-F238E27FC236}">
-                            <a16:creationId xmlns:a16="http://schemas.microsoft.com/office/drawing/2014/main" id="{D449F342-46E2-4D37-A3C3-F63D65E3357B}"/>
-                          </a:ext>
-                        </a:extLst>
-                      </p:cNvPr>
-                      <p:cNvSpPr/>
-                      <p:nvPr/>
-                    </p:nvSpPr>
-                    <p:spPr>
-                      <a:xfrm>
-                        <a:off x="4205323" y="2430952"/>
-                        <a:ext cx="256214" cy="256214"/>
-                      </a:xfrm>
-                      <a:prstGeom prst="ellipse">
-                        <a:avLst/>
-                      </a:prstGeom>
-                    </p:spPr>
-                    <p:style>
-                      <a:lnRef idx="2">
-                        <a:schemeClr val="dk1">
-                          <a:shade val="50000"/>
-                        </a:schemeClr>
-                      </a:lnRef>
-                      <a:fillRef idx="1">
-                        <a:schemeClr val="dk1"/>
-                      </a:fillRef>
-                      <a:effectRef idx="0">
-                        <a:schemeClr val="dk1"/>
-                      </a:effectRef>
-                      <a:fontRef idx="minor">
-                        <a:schemeClr val="lt1"/>
-                      </a:fontRef>
-                    </p:style>
-                    <p:txBody>
-                      <a:bodyPr rtlCol="0" anchor="ctr"/>
-                      <a:lstStyle/>
-                      <a:p>
-                        <a:pPr algn="ctr"/>
-                        <a:endParaRPr lang="ko-KR" altLang="en-US"/>
-                      </a:p>
-                    </p:txBody>
-                  </p:sp>
-                  <p:sp>
-                    <p:nvSpPr>
-                      <p:cNvPr id="29" name="타원 28">
-                        <a:extLst>
-                          <a:ext uri="{FF2B5EF4-FFF2-40B4-BE49-F238E27FC236}">
-                            <a16:creationId xmlns:a16="http://schemas.microsoft.com/office/drawing/2014/main" id="{7CD33E63-856D-49FD-A0D4-C7A0BDFA68A8}"/>
-                          </a:ext>
-                        </a:extLst>
-                      </p:cNvPr>
-                      <p:cNvSpPr/>
-                      <p:nvPr/>
-                    </p:nvSpPr>
-                    <p:spPr>
-                      <a:xfrm>
-                        <a:off x="5012581" y="2430952"/>
-                        <a:ext cx="256214" cy="256214"/>
-                      </a:xfrm>
-                      <a:prstGeom prst="ellipse">
-                        <a:avLst/>
-                      </a:prstGeom>
-                    </p:spPr>
-                    <p:style>
-                      <a:lnRef idx="2">
-                        <a:schemeClr val="dk1">
-                          <a:shade val="50000"/>
-                        </a:schemeClr>
-                      </a:lnRef>
-                      <a:fillRef idx="1">
-                        <a:schemeClr val="dk1"/>
-                      </a:fillRef>
-                      <a:effectRef idx="0">
-                        <a:schemeClr val="dk1"/>
-                      </a:effectRef>
-                      <a:fontRef idx="minor">
-                        <a:schemeClr val="lt1"/>
-                      </a:fontRef>
-                    </p:style>
-                    <p:txBody>
-                      <a:bodyPr rtlCol="0" anchor="ctr"/>
-                      <a:lstStyle/>
-                      <a:p>
-                        <a:pPr algn="ctr"/>
-                        <a:endParaRPr lang="ko-KR" altLang="en-US"/>
-                      </a:p>
-                    </p:txBody>
-                  </p:sp>
-                </p:grpSp>
-              </p:grpSp>
-              <p:sp>
-                <p:nvSpPr>
-                  <p:cNvPr id="79" name="타원 78">
-                    <a:extLst>
-                      <a:ext uri="{FF2B5EF4-FFF2-40B4-BE49-F238E27FC236}">
-                        <a16:creationId xmlns:a16="http://schemas.microsoft.com/office/drawing/2014/main" id="{0168CDF5-2209-45D0-A161-D0D7A53C2A6D}"/>
-                      </a:ext>
-                    </a:extLst>
-                  </p:cNvPr>
-                  <p:cNvSpPr/>
-                  <p:nvPr/>
-                </p:nvSpPr>
-                <p:spPr>
-                  <a:xfrm>
-                    <a:off x="8461852" y="3243953"/>
-                    <a:ext cx="173189" cy="173189"/>
-                  </a:xfrm>
-                  <a:prstGeom prst="ellipse">
-                    <a:avLst/>
-                  </a:prstGeom>
-                  <a:solidFill>
-                    <a:srgbClr val="0070C0"/>
-                  </a:solidFill>
-                  <a:ln>
-                    <a:noFill/>
-                  </a:ln>
-                </p:spPr>
-                <p:style>
-                  <a:lnRef idx="2">
-                    <a:schemeClr val="accent1">
-                      <a:shade val="50000"/>
-                    </a:schemeClr>
-                  </a:lnRef>
-                  <a:fillRef idx="1">
-                    <a:schemeClr val="accent1"/>
-                  </a:fillRef>
-                  <a:effectRef idx="0">
-                    <a:schemeClr val="accent1"/>
-                  </a:effectRef>
-                  <a:fontRef idx="minor">
-                    <a:schemeClr val="lt1"/>
-                  </a:fontRef>
-                </p:style>
-                <p:txBody>
-                  <a:bodyPr rtlCol="0" anchor="ctr"/>
-                  <a:lstStyle/>
-                  <a:p>
-                    <a:pPr algn="ctr"/>
-                    <a:endParaRPr lang="ko-KR" altLang="en-US"/>
-                  </a:p>
-                </p:txBody>
-              </p:sp>
-              <p:sp>
-                <p:nvSpPr>
-                  <p:cNvPr id="80" name="타원 79">
-                    <a:extLst>
-                      <a:ext uri="{FF2B5EF4-FFF2-40B4-BE49-F238E27FC236}">
-                        <a16:creationId xmlns:a16="http://schemas.microsoft.com/office/drawing/2014/main" id="{B9455D9F-A958-44F4-B967-0261C02422D4}"/>
-                      </a:ext>
-                    </a:extLst>
-                  </p:cNvPr>
-                  <p:cNvSpPr/>
-                  <p:nvPr/>
-                </p:nvSpPr>
-                <p:spPr>
-                  <a:xfrm>
-                    <a:off x="8711786" y="3236906"/>
-                    <a:ext cx="173189" cy="173189"/>
-                  </a:xfrm>
-                  <a:prstGeom prst="ellipse">
-                    <a:avLst/>
-                  </a:prstGeom>
-                  <a:solidFill>
-                    <a:srgbClr val="FF0000"/>
-                  </a:solidFill>
-                  <a:ln>
-                    <a:noFill/>
-                  </a:ln>
-                </p:spPr>
-                <p:style>
-                  <a:lnRef idx="2">
-                    <a:schemeClr val="accent1">
-                      <a:shade val="50000"/>
-                    </a:schemeClr>
-                  </a:lnRef>
-                  <a:fillRef idx="1">
-                    <a:schemeClr val="accent1"/>
-                  </a:fillRef>
-                  <a:effectRef idx="0">
-                    <a:schemeClr val="accent1"/>
-                  </a:effectRef>
-                  <a:fontRef idx="minor">
-                    <a:schemeClr val="lt1"/>
-                  </a:fontRef>
-                </p:style>
-                <p:txBody>
-                  <a:bodyPr rtlCol="0" anchor="ctr"/>
-                  <a:lstStyle/>
-                  <a:p>
-                    <a:pPr algn="ctr"/>
-                    <a:endParaRPr lang="ko-KR" altLang="en-US"/>
-                  </a:p>
-                </p:txBody>
-              </p:sp>
-            </p:grpSp>
-            <p:sp>
-              <p:nvSpPr>
-                <p:cNvPr id="82" name="타원 81">
-                  <a:extLst>
-                    <a:ext uri="{FF2B5EF4-FFF2-40B4-BE49-F238E27FC236}">
-                      <a16:creationId xmlns:a16="http://schemas.microsoft.com/office/drawing/2014/main" id="{B1F67BEB-5AD2-451A-916D-E913646F6E0C}"/>
-                    </a:ext>
-                  </a:extLst>
-                </p:cNvPr>
-                <p:cNvSpPr/>
-                <p:nvPr/>
-              </p:nvSpPr>
-              <p:spPr>
-                <a:xfrm>
-                  <a:off x="7599573" y="5109129"/>
-                  <a:ext cx="173189" cy="173189"/>
-                </a:xfrm>
-                <a:prstGeom prst="ellipse">
-                  <a:avLst/>
-                </a:prstGeom>
-                <a:solidFill>
-                  <a:schemeClr val="bg1">
-                    <a:lumMod val="50000"/>
-                  </a:schemeClr>
-                </a:solidFill>
-                <a:ln>
-                  <a:noFill/>
-                </a:ln>
-              </p:spPr>
-              <p:style>
-                <a:lnRef idx="2">
-                  <a:schemeClr val="accent1">
-                    <a:shade val="50000"/>
-                  </a:schemeClr>
-                </a:lnRef>
-                <a:fillRef idx="1">
-                  <a:schemeClr val="accent1"/>
-                </a:fillRef>
-                <a:effectRef idx="0">
-                  <a:schemeClr val="accent1"/>
-                </a:effectRef>
-                <a:fontRef idx="minor">
-                  <a:schemeClr val="lt1"/>
-                </a:fontRef>
-              </p:style>
-              <p:txBody>
-                <a:bodyPr rtlCol="0" anchor="ctr"/>
-                <a:lstStyle/>
-                <a:p>
-                  <a:pPr algn="ctr"/>
-                  <a:endParaRPr lang="ko-KR" altLang="en-US" dirty="0"/>
-                </a:p>
-              </p:txBody>
-            </p:sp>
-          </p:grpSp>
-          <p:sp>
-            <p:nvSpPr>
-              <p:cNvPr id="85" name="TextBox 84">
-                <a:extLst>
-                  <a:ext uri="{FF2B5EF4-FFF2-40B4-BE49-F238E27FC236}">
-                    <a16:creationId xmlns:a16="http://schemas.microsoft.com/office/drawing/2014/main" id="{1878133F-EF44-4643-8307-DE2446607911}"/>
-                  </a:ext>
-                </a:extLst>
-              </p:cNvPr>
-              <p:cNvSpPr txBox="1"/>
-              <p:nvPr/>
-            </p:nvSpPr>
-            <p:spPr>
-              <a:xfrm>
-                <a:off x="7096327" y="3528674"/>
-                <a:ext cx="858561" cy="261610"/>
-              </a:xfrm>
-              <a:prstGeom prst="rect">
-                <a:avLst/>
-              </a:prstGeom>
-              <a:noFill/>
-            </p:spPr>
-            <p:txBody>
-              <a:bodyPr wrap="square" rtlCol="0">
-                <a:spAutoFit/>
-              </a:bodyPr>
-              <a:lstStyle/>
-              <a:p>
-                <a:r>
-                  <a:rPr lang="ko-KR" altLang="en-US" sz="1100" dirty="0" err="1">
-                    <a:latin typeface="a옛날목욕탕L" panose="02020600000000000000" pitchFamily="18" charset="-127"/>
-                    <a:ea typeface="a옛날목욕탕L" panose="02020600000000000000" pitchFamily="18" charset="-127"/>
-                  </a:rPr>
-                  <a:t>출력부</a:t>
-                </a:r>
-                <a:endParaRPr lang="ko-KR" altLang="en-US" sz="1100" dirty="0">
-                  <a:latin typeface="a옛날목욕탕L" panose="02020600000000000000" pitchFamily="18" charset="-127"/>
-                  <a:ea typeface="a옛날목욕탕L" panose="02020600000000000000" pitchFamily="18" charset="-127"/>
-                </a:endParaRPr>
-              </a:p>
-            </p:txBody>
-          </p:sp>
-          <p:sp>
-            <p:nvSpPr>
-              <p:cNvPr id="86" name="TextBox 85">
-                <a:extLst>
-                  <a:ext uri="{FF2B5EF4-FFF2-40B4-BE49-F238E27FC236}">
-                    <a16:creationId xmlns:a16="http://schemas.microsoft.com/office/drawing/2014/main" id="{29EADB15-671A-42C3-B917-768E11B4C581}"/>
-                  </a:ext>
-                </a:extLst>
-              </p:cNvPr>
-              <p:cNvSpPr txBox="1"/>
-              <p:nvPr/>
-            </p:nvSpPr>
-            <p:spPr>
-              <a:xfrm>
-                <a:off x="8068265" y="2346591"/>
-                <a:ext cx="1010961" cy="261610"/>
-              </a:xfrm>
-              <a:prstGeom prst="rect">
-                <a:avLst/>
-              </a:prstGeom>
-              <a:noFill/>
-            </p:spPr>
-            <p:txBody>
-              <a:bodyPr wrap="square" rtlCol="0">
-                <a:spAutoFit/>
-              </a:bodyPr>
-              <a:lstStyle/>
-              <a:p>
-                <a:r>
-                  <a:rPr lang="ko-KR" altLang="en-US" sz="1100" dirty="0" err="1">
-                    <a:latin typeface="a옛날목욕탕L" panose="02020600000000000000" pitchFamily="18" charset="-127"/>
-                    <a:ea typeface="a옛날목욕탕L" panose="02020600000000000000" pitchFamily="18" charset="-127"/>
-                  </a:rPr>
-                  <a:t>입력부</a:t>
-                </a:r>
-                <a:endParaRPr lang="ko-KR" altLang="en-US" sz="1100" dirty="0">
-                  <a:latin typeface="a옛날목욕탕L" panose="02020600000000000000" pitchFamily="18" charset="-127"/>
-                  <a:ea typeface="a옛날목욕탕L" panose="02020600000000000000" pitchFamily="18" charset="-127"/>
-                </a:endParaRPr>
-              </a:p>
-            </p:txBody>
-          </p:sp>
-        </p:grpSp>
-        <p:sp>
-          <p:nvSpPr>
-            <p:cNvPr id="43" name="직사각형 42">
-              <a:extLst>
-                <a:ext uri="{FF2B5EF4-FFF2-40B4-BE49-F238E27FC236}">
-                  <a16:creationId xmlns:a16="http://schemas.microsoft.com/office/drawing/2014/main" id="{036F8F6B-F640-4674-B9BF-E646C890730C}"/>
-                </a:ext>
-              </a:extLst>
-            </p:cNvPr>
-            <p:cNvSpPr/>
-            <p:nvPr/>
-          </p:nvSpPr>
-          <p:spPr>
-            <a:xfrm>
-              <a:off x="7872586" y="2092840"/>
-              <a:ext cx="4183675" cy="3293209"/>
-            </a:xfrm>
-            <a:prstGeom prst="rect">
-              <a:avLst/>
-            </a:prstGeom>
-          </p:spPr>
-          <p:txBody>
-            <a:bodyPr wrap="square">
-              <a:spAutoFit/>
-            </a:bodyPr>
-            <a:lstStyle/>
-            <a:p>
-              <a:pPr marL="342900" indent="-342900">
-                <a:buAutoNum type="arabicPeriod"/>
-              </a:pPr>
-              <a:r>
-                <a:rPr lang="ko-KR" altLang="en-US" sz="1600" dirty="0">
-                  <a:latin typeface="a옛날목욕탕L" panose="02020600000000000000" pitchFamily="18" charset="-127"/>
-                  <a:ea typeface="a옛날목욕탕L" panose="02020600000000000000" pitchFamily="18" charset="-127"/>
-                </a:rPr>
-                <a:t>점자 셀에 맞게 점자 버튼을 입력한 후 </a:t>
-              </a:r>
-              <a:endParaRPr lang="en-US" altLang="ko-KR" sz="1600" dirty="0">
-                <a:latin typeface="a옛날목욕탕L" panose="02020600000000000000" pitchFamily="18" charset="-127"/>
-                <a:ea typeface="a옛날목욕탕L" panose="02020600000000000000" pitchFamily="18" charset="-127"/>
-              </a:endParaRPr>
-            </a:p>
-            <a:p>
-              <a:r>
-                <a:rPr lang="en-US" altLang="ko-KR" sz="1600" dirty="0">
-                  <a:latin typeface="a옛날목욕탕L" panose="02020600000000000000" pitchFamily="18" charset="-127"/>
-                  <a:ea typeface="a옛날목욕탕L" panose="02020600000000000000" pitchFamily="18" charset="-127"/>
-                </a:rPr>
-                <a:t>     </a:t>
-              </a:r>
-              <a:r>
-                <a:rPr lang="ko-KR" altLang="en-US" sz="1600" dirty="0">
-                  <a:latin typeface="a옛날목욕탕L" panose="02020600000000000000" pitchFamily="18" charset="-127"/>
-                  <a:ea typeface="a옛날목욕탕L" panose="02020600000000000000" pitchFamily="18" charset="-127"/>
-                </a:rPr>
-                <a:t>하나의 셀을 완성하면 </a:t>
-              </a:r>
-              <a:r>
-                <a:rPr lang="en-US" altLang="ko-KR" sz="1600" dirty="0">
-                  <a:latin typeface="a옛날목욕탕L" panose="02020600000000000000" pitchFamily="18" charset="-127"/>
-                  <a:ea typeface="a옛날목욕탕L" panose="02020600000000000000" pitchFamily="18" charset="-127"/>
-                </a:rPr>
-                <a:t>enter </a:t>
-              </a:r>
-              <a:r>
-                <a:rPr lang="ko-KR" altLang="en-US" sz="1600" dirty="0">
-                  <a:latin typeface="a옛날목욕탕L" panose="02020600000000000000" pitchFamily="18" charset="-127"/>
-                  <a:ea typeface="a옛날목욕탕L" panose="02020600000000000000" pitchFamily="18" charset="-127"/>
-                </a:rPr>
-                <a:t>버튼을 누른다</a:t>
-              </a:r>
-              <a:r>
-                <a:rPr lang="en-US" altLang="ko-KR" sz="1600" dirty="0">
-                  <a:latin typeface="a옛날목욕탕L" panose="02020600000000000000" pitchFamily="18" charset="-127"/>
-                  <a:ea typeface="a옛날목욕탕L" panose="02020600000000000000" pitchFamily="18" charset="-127"/>
-                </a:rPr>
-                <a:t>.</a:t>
-              </a:r>
-            </a:p>
-            <a:p>
-              <a:pPr marL="342900" indent="-342900">
-                <a:buAutoNum type="arabicPeriod"/>
-              </a:pPr>
-              <a:endParaRPr lang="en-US" altLang="ko-KR" sz="1600" dirty="0">
-                <a:latin typeface="a옛날목욕탕L" panose="02020600000000000000" pitchFamily="18" charset="-127"/>
-                <a:ea typeface="a옛날목욕탕L" panose="02020600000000000000" pitchFamily="18" charset="-127"/>
-              </a:endParaRPr>
-            </a:p>
-            <a:p>
-              <a:pPr marL="342900" indent="-342900">
-                <a:buFont typeface="+mj-lt"/>
-                <a:buAutoNum type="arabicPeriod" startAt="2"/>
-              </a:pPr>
-              <a:r>
-                <a:rPr lang="ko-KR" altLang="en-US" sz="1600" dirty="0">
-                  <a:latin typeface="a옛날목욕탕L" panose="02020600000000000000" pitchFamily="18" charset="-127"/>
-                  <a:ea typeface="a옛날목욕탕L" panose="02020600000000000000" pitchFamily="18" charset="-127"/>
-                </a:rPr>
-                <a:t>하나의 점자 정보 입력이 완료되면</a:t>
-              </a:r>
-              <a:endParaRPr lang="en-US" altLang="ko-KR" sz="1600" dirty="0">
-                <a:latin typeface="a옛날목욕탕L" panose="02020600000000000000" pitchFamily="18" charset="-127"/>
-                <a:ea typeface="a옛날목욕탕L" panose="02020600000000000000" pitchFamily="18" charset="-127"/>
-              </a:endParaRPr>
-            </a:p>
-            <a:p>
-              <a:r>
-                <a:rPr lang="en-US" altLang="ko-KR" sz="1600" dirty="0">
-                  <a:latin typeface="a옛날목욕탕L" panose="02020600000000000000" pitchFamily="18" charset="-127"/>
-                  <a:ea typeface="a옛날목욕탕L" panose="02020600000000000000" pitchFamily="18" charset="-127"/>
-                </a:rPr>
-                <a:t>     send </a:t>
-              </a:r>
-              <a:r>
-                <a:rPr lang="ko-KR" altLang="en-US" sz="1600" dirty="0">
-                  <a:latin typeface="a옛날목욕탕L" panose="02020600000000000000" pitchFamily="18" charset="-127"/>
-                  <a:ea typeface="a옛날목욕탕L" panose="02020600000000000000" pitchFamily="18" charset="-127"/>
-                </a:rPr>
-                <a:t>버튼을 눌러 점자정보를 완성한다</a:t>
-              </a:r>
-              <a:r>
-                <a:rPr lang="en-US" altLang="ko-KR" sz="1600" dirty="0">
-                  <a:latin typeface="a옛날목욕탕L" panose="02020600000000000000" pitchFamily="18" charset="-127"/>
-                  <a:ea typeface="a옛날목욕탕L" panose="02020600000000000000" pitchFamily="18" charset="-127"/>
-                </a:rPr>
-                <a:t>.</a:t>
-              </a:r>
-            </a:p>
-            <a:p>
-              <a:endParaRPr lang="en-US" altLang="ko-KR" sz="1600" dirty="0">
-                <a:latin typeface="a옛날목욕탕L" panose="02020600000000000000" pitchFamily="18" charset="-127"/>
-                <a:ea typeface="a옛날목욕탕L" panose="02020600000000000000" pitchFamily="18" charset="-127"/>
-              </a:endParaRPr>
-            </a:p>
-            <a:p>
-              <a:pPr marL="342900" indent="-342900">
-                <a:buFont typeface="+mj-lt"/>
-                <a:buAutoNum type="arabicPeriod" startAt="3"/>
-              </a:pPr>
-              <a:r>
-                <a:rPr lang="ko-KR" altLang="en-US" sz="1600" dirty="0">
-                  <a:latin typeface="a옛날목욕탕L" panose="02020600000000000000" pitchFamily="18" charset="-127"/>
-                  <a:ea typeface="a옛날목욕탕L" panose="02020600000000000000" pitchFamily="18" charset="-127"/>
-                </a:rPr>
-                <a:t>모든 점자 정보의 입력이 완료되면 다시 </a:t>
-              </a:r>
-              <a:r>
-                <a:rPr lang="en-US" altLang="ko-KR" sz="1600" dirty="0">
-                  <a:latin typeface="a옛날목욕탕L" panose="02020600000000000000" pitchFamily="18" charset="-127"/>
-                  <a:ea typeface="a옛날목욕탕L" panose="02020600000000000000" pitchFamily="18" charset="-127"/>
-                </a:rPr>
-                <a:t>send </a:t>
-              </a:r>
-              <a:r>
-                <a:rPr lang="ko-KR" altLang="en-US" sz="1600" dirty="0">
-                  <a:latin typeface="a옛날목욕탕L" panose="02020600000000000000" pitchFamily="18" charset="-127"/>
-                  <a:ea typeface="a옛날목욕탕L" panose="02020600000000000000" pitchFamily="18" charset="-127"/>
-                </a:rPr>
-                <a:t>버튼을 눌러 전송한다</a:t>
-              </a:r>
-              <a:r>
-                <a:rPr lang="en-US" altLang="ko-KR" sz="1600" dirty="0">
-                  <a:latin typeface="a옛날목욕탕L" panose="02020600000000000000" pitchFamily="18" charset="-127"/>
-                  <a:ea typeface="a옛날목욕탕L" panose="02020600000000000000" pitchFamily="18" charset="-127"/>
-                </a:rPr>
-                <a:t>.</a:t>
-              </a:r>
-            </a:p>
-            <a:p>
-              <a:endParaRPr lang="en-US" altLang="ko-KR" sz="1600" dirty="0">
-                <a:latin typeface="a옛날목욕탕L" panose="02020600000000000000" pitchFamily="18" charset="-127"/>
-                <a:ea typeface="a옛날목욕탕L" panose="02020600000000000000" pitchFamily="18" charset="-127"/>
-              </a:endParaRPr>
-            </a:p>
-            <a:p>
-              <a:endParaRPr lang="en-US" altLang="ko-KR" sz="1600" dirty="0">
-                <a:latin typeface="a옛날목욕탕L" panose="02020600000000000000" pitchFamily="18" charset="-127"/>
-                <a:ea typeface="a옛날목욕탕L" panose="02020600000000000000" pitchFamily="18" charset="-127"/>
-              </a:endParaRPr>
-            </a:p>
-            <a:p>
-              <a:pPr marL="285750" indent="-285750">
-                <a:buFont typeface="Arial" panose="020B0604020202020204" pitchFamily="34" charset="0"/>
-                <a:buChar char="•"/>
-              </a:pPr>
-              <a:r>
-                <a:rPr lang="ko-KR" altLang="en-US" sz="1600" dirty="0">
-                  <a:latin typeface="a옛날목욕탕L" panose="02020600000000000000" pitchFamily="18" charset="-127"/>
-                  <a:ea typeface="a옛날목욕탕L" panose="02020600000000000000" pitchFamily="18" charset="-127"/>
-                </a:rPr>
-                <a:t>점자 버튼을 잘못 누른 경우 </a:t>
-              </a:r>
-              <a:endParaRPr lang="en-US" altLang="ko-KR" sz="1600" dirty="0">
-                <a:latin typeface="a옛날목욕탕L" panose="02020600000000000000" pitchFamily="18" charset="-127"/>
-                <a:ea typeface="a옛날목욕탕L" panose="02020600000000000000" pitchFamily="18" charset="-127"/>
-              </a:endParaRPr>
-            </a:p>
-            <a:p>
-              <a:r>
-                <a:rPr lang="en-US" altLang="ko-KR" sz="1600" dirty="0">
-                  <a:latin typeface="a옛날목욕탕L" panose="02020600000000000000" pitchFamily="18" charset="-127"/>
-                  <a:ea typeface="a옛날목욕탕L" panose="02020600000000000000" pitchFamily="18" charset="-127"/>
-                </a:rPr>
-                <a:t>    backspace </a:t>
-              </a:r>
-              <a:r>
-                <a:rPr lang="ko-KR" altLang="en-US" sz="1600" dirty="0">
-                  <a:latin typeface="a옛날목욕탕L" panose="02020600000000000000" pitchFamily="18" charset="-127"/>
-                  <a:ea typeface="a옛날목욕탕L" panose="02020600000000000000" pitchFamily="18" charset="-127"/>
-                </a:rPr>
-                <a:t>버튼으로 현재 입력중인 </a:t>
-              </a:r>
-              <a:endParaRPr lang="en-US" altLang="ko-KR" sz="1600" dirty="0">
-                <a:latin typeface="a옛날목욕탕L" panose="02020600000000000000" pitchFamily="18" charset="-127"/>
-                <a:ea typeface="a옛날목욕탕L" panose="02020600000000000000" pitchFamily="18" charset="-127"/>
-              </a:endParaRPr>
-            </a:p>
-            <a:p>
-              <a:r>
-                <a:rPr lang="en-US" altLang="ko-KR" sz="1600" dirty="0">
-                  <a:latin typeface="a옛날목욕탕L" panose="02020600000000000000" pitchFamily="18" charset="-127"/>
-                  <a:ea typeface="a옛날목욕탕L" panose="02020600000000000000" pitchFamily="18" charset="-127"/>
-                </a:rPr>
-                <a:t>    </a:t>
-              </a:r>
-              <a:r>
-                <a:rPr lang="ko-KR" altLang="en-US" sz="1600" dirty="0">
-                  <a:latin typeface="a옛날목욕탕L" panose="02020600000000000000" pitchFamily="18" charset="-127"/>
-                  <a:ea typeface="a옛날목욕탕L" panose="02020600000000000000" pitchFamily="18" charset="-127"/>
-                </a:rPr>
-                <a:t>점자 셀을 초기화한다</a:t>
-              </a:r>
-              <a:r>
-                <a:rPr lang="en-US" altLang="ko-KR" sz="1600" dirty="0">
-                  <a:latin typeface="a옛날목욕탕L" panose="02020600000000000000" pitchFamily="18" charset="-127"/>
-                  <a:ea typeface="a옛날목욕탕L" panose="02020600000000000000" pitchFamily="18" charset="-127"/>
-                </a:rPr>
-                <a:t>.</a:t>
-              </a:r>
-              <a:endParaRPr lang="ko-KR" altLang="ko-KR" sz="1400" dirty="0">
-                <a:latin typeface="a옛날목욕탕L" panose="02020600000000000000" pitchFamily="18" charset="-127"/>
-                <a:ea typeface="a옛날목욕탕L" panose="02020600000000000000" pitchFamily="18" charset="-127"/>
-                <a:cs typeface="Arial" panose="020B0604020202020204" pitchFamily="34" charset="0"/>
-              </a:endParaRPr>
-            </a:p>
-          </p:txBody>
-        </p:sp>
-      </p:grpSp>
-      <p:sp>
-        <p:nvSpPr>
-          <p:cNvPr id="44" name="직사각형 43">
-            <a:extLst>
-              <a:ext uri="{FF2B5EF4-FFF2-40B4-BE49-F238E27FC236}">
-                <a16:creationId xmlns:a16="http://schemas.microsoft.com/office/drawing/2014/main" id="{09DD76BD-F26B-4E69-BFB5-ABE9E55983D7}"/>
-              </a:ext>
-            </a:extLst>
-          </p:cNvPr>
-          <p:cNvSpPr/>
-          <p:nvPr/>
-        </p:nvSpPr>
-        <p:spPr>
-          <a:xfrm>
-            <a:off x="447249" y="1581935"/>
-            <a:ext cx="2059217" cy="369332"/>
-          </a:xfrm>
-          <a:prstGeom prst="rect">
-            <a:avLst/>
-          </a:prstGeom>
-        </p:spPr>
-        <p:txBody>
-          <a:bodyPr wrap="square">
-            <a:spAutoFit/>
-          </a:bodyPr>
-          <a:lstStyle/>
-          <a:p>
-            <a:pPr marL="342900" indent="-342900">
-              <a:buFont typeface="+mj-ea"/>
-              <a:buAutoNum type="circleNumDbPlain" startAt="2"/>
-            </a:pPr>
-            <a:r>
-              <a:rPr lang="ko-KR" altLang="en-US" dirty="0">
-                <a:latin typeface="a옛날목욕탕L" panose="02020600000000000000" pitchFamily="18" charset="-127"/>
-                <a:ea typeface="a옛날목욕탕L" panose="02020600000000000000" pitchFamily="18" charset="-127"/>
-              </a:rPr>
-              <a:t>사전기능</a:t>
-            </a:r>
-            <a:endParaRPr lang="ko-KR" altLang="ko-KR" sz="1600" dirty="0">
-              <a:latin typeface="a옛날목욕탕L" panose="02020600000000000000" pitchFamily="18" charset="-127"/>
-              <a:ea typeface="a옛날목욕탕L" panose="02020600000000000000" pitchFamily="18" charset="-127"/>
-              <a:cs typeface="Arial" panose="020B0604020202020204" pitchFamily="34" charset="0"/>
-            </a:endParaRPr>
-          </a:p>
-        </p:txBody>
-      </p:sp>
-      <p:cxnSp>
-        <p:nvCxnSpPr>
-          <p:cNvPr id="8" name="직선 연결선 7">
-            <a:extLst>
-              <a:ext uri="{FF2B5EF4-FFF2-40B4-BE49-F238E27FC236}">
-                <a16:creationId xmlns:a16="http://schemas.microsoft.com/office/drawing/2014/main" id="{FCFC77D9-08A7-44D2-9AB4-9B152EC5B6CE}"/>
-              </a:ext>
-            </a:extLst>
-          </p:cNvPr>
-          <p:cNvCxnSpPr/>
-          <p:nvPr/>
-        </p:nvCxnSpPr>
-        <p:spPr>
-          <a:xfrm>
-            <a:off x="6718202" y="1904649"/>
-            <a:ext cx="0" cy="4203125"/>
-          </a:xfrm>
-          <a:prstGeom prst="line">
-            <a:avLst/>
-          </a:prstGeom>
-          <a:ln w="38100">
-            <a:solidFill>
-              <a:schemeClr val="tx1"/>
-            </a:solidFill>
-            <a:prstDash val="dash"/>
-          </a:ln>
-        </p:spPr>
-        <p:style>
-          <a:lnRef idx="1">
-            <a:schemeClr val="accent1"/>
-          </a:lnRef>
-          <a:fillRef idx="0">
-            <a:schemeClr val="accent1"/>
-          </a:fillRef>
-          <a:effectRef idx="0">
-            <a:schemeClr val="accent1"/>
-          </a:effectRef>
-          <a:fontRef idx="minor">
-            <a:schemeClr val="tx1"/>
-          </a:fontRef>
-        </p:style>
-      </p:cxnSp>
-      <p:grpSp>
-        <p:nvGrpSpPr>
-          <p:cNvPr id="48" name="그룹 47">
-            <a:extLst>
-              <a:ext uri="{FF2B5EF4-FFF2-40B4-BE49-F238E27FC236}">
-                <a16:creationId xmlns:a16="http://schemas.microsoft.com/office/drawing/2014/main" id="{4D4CDCC8-E6E3-4B0E-AA2F-3FE30697B9C8}"/>
-              </a:ext>
-            </a:extLst>
-          </p:cNvPr>
-          <p:cNvGrpSpPr/>
-          <p:nvPr/>
-        </p:nvGrpSpPr>
-        <p:grpSpPr>
-          <a:xfrm>
-            <a:off x="7390087" y="2384892"/>
-            <a:ext cx="1717371" cy="3272271"/>
-            <a:chOff x="4988024" y="1736328"/>
-            <a:chExt cx="2382975" cy="4540512"/>
-          </a:xfrm>
-        </p:grpSpPr>
-        <p:pic>
-          <p:nvPicPr>
-            <p:cNvPr id="49" name="그림 48">
-              <a:extLst>
-                <a:ext uri="{FF2B5EF4-FFF2-40B4-BE49-F238E27FC236}">
-                  <a16:creationId xmlns:a16="http://schemas.microsoft.com/office/drawing/2014/main" id="{A25812F5-D38B-4B8F-B6D4-F14E2A5E2013}"/>
-                </a:ext>
-              </a:extLst>
-            </p:cNvPr>
-            <p:cNvPicPr>
-              <a:picLocks noChangeAspect="1"/>
-            </p:cNvPicPr>
-            <p:nvPr/>
-          </p:nvPicPr>
-          <p:blipFill>
-            <a:blip r:embed="rId3"/>
-            <a:stretch>
-              <a:fillRect/>
-            </a:stretch>
-          </p:blipFill>
-          <p:spPr>
-            <a:xfrm>
-              <a:off x="5058081" y="2125848"/>
-              <a:ext cx="2242859" cy="3987304"/>
-            </a:xfrm>
-            <a:prstGeom prst="rect">
-              <a:avLst/>
-            </a:prstGeom>
-          </p:spPr>
-        </p:pic>
-        <p:sp>
-          <p:nvSpPr>
-            <p:cNvPr id="50" name="Google Shape;272;p32">
-              <a:extLst>
-                <a:ext uri="{FF2B5EF4-FFF2-40B4-BE49-F238E27FC236}">
-                  <a16:creationId xmlns:a16="http://schemas.microsoft.com/office/drawing/2014/main" id="{292416C9-3D43-4C44-8DCF-73634AFE7437}"/>
-                </a:ext>
-              </a:extLst>
-            </p:cNvPr>
-            <p:cNvSpPr/>
-            <p:nvPr/>
-          </p:nvSpPr>
-          <p:spPr>
-            <a:xfrm>
-              <a:off x="4988024" y="1736328"/>
-              <a:ext cx="2382975" cy="4540512"/>
-            </a:xfrm>
-            <a:custGeom>
-              <a:avLst/>
-              <a:gdLst/>
-              <a:ahLst/>
-              <a:cxnLst/>
-              <a:rect l="l" t="t" r="r" b="b"/>
-              <a:pathLst>
-                <a:path w="30819" h="61841" extrusionOk="0">
-                  <a:moveTo>
-                    <a:pt x="5160" y="2580"/>
-                  </a:moveTo>
-                  <a:lnTo>
-                    <a:pt x="5295" y="2648"/>
-                  </a:lnTo>
-                  <a:lnTo>
-                    <a:pt x="5363" y="2784"/>
-                  </a:lnTo>
-                  <a:lnTo>
-                    <a:pt x="5363" y="2920"/>
-                  </a:lnTo>
-                  <a:lnTo>
-                    <a:pt x="5363" y="3055"/>
-                  </a:lnTo>
-                  <a:lnTo>
-                    <a:pt x="5295" y="3191"/>
-                  </a:lnTo>
-                  <a:lnTo>
-                    <a:pt x="5160" y="3259"/>
-                  </a:lnTo>
-                  <a:lnTo>
-                    <a:pt x="4888" y="3259"/>
-                  </a:lnTo>
-                  <a:lnTo>
-                    <a:pt x="4752" y="3191"/>
-                  </a:lnTo>
-                  <a:lnTo>
-                    <a:pt x="4684" y="3055"/>
-                  </a:lnTo>
-                  <a:lnTo>
-                    <a:pt x="4684" y="2920"/>
-                  </a:lnTo>
-                  <a:lnTo>
-                    <a:pt x="4684" y="2784"/>
-                  </a:lnTo>
-                  <a:lnTo>
-                    <a:pt x="4752" y="2648"/>
-                  </a:lnTo>
-                  <a:lnTo>
-                    <a:pt x="4888" y="2580"/>
-                  </a:lnTo>
-                  <a:close/>
-                  <a:moveTo>
-                    <a:pt x="15410" y="2241"/>
-                  </a:moveTo>
-                  <a:lnTo>
-                    <a:pt x="15681" y="2309"/>
-                  </a:lnTo>
-                  <a:lnTo>
-                    <a:pt x="15885" y="2444"/>
-                  </a:lnTo>
-                  <a:lnTo>
-                    <a:pt x="16021" y="2648"/>
-                  </a:lnTo>
-                  <a:lnTo>
-                    <a:pt x="16088" y="2920"/>
-                  </a:lnTo>
-                  <a:lnTo>
-                    <a:pt x="16021" y="3191"/>
-                  </a:lnTo>
-                  <a:lnTo>
-                    <a:pt x="15885" y="3395"/>
-                  </a:lnTo>
-                  <a:lnTo>
-                    <a:pt x="15681" y="3531"/>
-                  </a:lnTo>
-                  <a:lnTo>
-                    <a:pt x="15410" y="3598"/>
-                  </a:lnTo>
-                  <a:lnTo>
-                    <a:pt x="15138" y="3531"/>
-                  </a:lnTo>
-                  <a:lnTo>
-                    <a:pt x="14934" y="3395"/>
-                  </a:lnTo>
-                  <a:lnTo>
-                    <a:pt x="14799" y="3191"/>
-                  </a:lnTo>
-                  <a:lnTo>
-                    <a:pt x="14731" y="2920"/>
-                  </a:lnTo>
-                  <a:lnTo>
-                    <a:pt x="14799" y="2648"/>
-                  </a:lnTo>
-                  <a:lnTo>
-                    <a:pt x="14934" y="2444"/>
-                  </a:lnTo>
-                  <a:lnTo>
-                    <a:pt x="15138" y="2309"/>
-                  </a:lnTo>
-                  <a:lnTo>
-                    <a:pt x="15410" y="2241"/>
-                  </a:lnTo>
-                  <a:close/>
-                  <a:moveTo>
-                    <a:pt x="29393" y="5228"/>
-                  </a:moveTo>
-                  <a:lnTo>
-                    <a:pt x="29461" y="5296"/>
-                  </a:lnTo>
-                  <a:lnTo>
-                    <a:pt x="29461" y="54849"/>
-                  </a:lnTo>
-                  <a:lnTo>
-                    <a:pt x="1426" y="54849"/>
-                  </a:lnTo>
-                  <a:lnTo>
-                    <a:pt x="1426" y="5296"/>
-                  </a:lnTo>
-                  <a:lnTo>
-                    <a:pt x="1494" y="5228"/>
-                  </a:lnTo>
-                  <a:close/>
-                  <a:moveTo>
-                    <a:pt x="15410" y="544"/>
-                  </a:moveTo>
-                  <a:lnTo>
-                    <a:pt x="19143" y="612"/>
-                  </a:lnTo>
-                  <a:lnTo>
-                    <a:pt x="23012" y="747"/>
-                  </a:lnTo>
-                  <a:lnTo>
-                    <a:pt x="26339" y="951"/>
-                  </a:lnTo>
-                  <a:lnTo>
-                    <a:pt x="27560" y="1087"/>
-                  </a:lnTo>
-                  <a:lnTo>
-                    <a:pt x="27560" y="1087"/>
-                  </a:lnTo>
-                  <a:lnTo>
-                    <a:pt x="26339" y="1019"/>
-                  </a:lnTo>
-                  <a:lnTo>
-                    <a:pt x="23012" y="815"/>
-                  </a:lnTo>
-                  <a:lnTo>
-                    <a:pt x="19143" y="680"/>
-                  </a:lnTo>
-                  <a:lnTo>
-                    <a:pt x="15410" y="612"/>
-                  </a:lnTo>
-                  <a:lnTo>
-                    <a:pt x="11676" y="680"/>
-                  </a:lnTo>
-                  <a:lnTo>
-                    <a:pt x="7807" y="815"/>
-                  </a:lnTo>
-                  <a:lnTo>
-                    <a:pt x="4481" y="1019"/>
-                  </a:lnTo>
-                  <a:lnTo>
-                    <a:pt x="3259" y="1087"/>
-                  </a:lnTo>
-                  <a:lnTo>
-                    <a:pt x="2444" y="1223"/>
-                  </a:lnTo>
-                  <a:lnTo>
-                    <a:pt x="1969" y="1358"/>
-                  </a:lnTo>
-                  <a:lnTo>
-                    <a:pt x="1630" y="1494"/>
-                  </a:lnTo>
-                  <a:lnTo>
-                    <a:pt x="1290" y="1698"/>
-                  </a:lnTo>
-                  <a:lnTo>
-                    <a:pt x="1019" y="1901"/>
-                  </a:lnTo>
-                  <a:lnTo>
-                    <a:pt x="815" y="2173"/>
-                  </a:lnTo>
-                  <a:lnTo>
-                    <a:pt x="679" y="2444"/>
-                  </a:lnTo>
-                  <a:lnTo>
-                    <a:pt x="544" y="2852"/>
-                  </a:lnTo>
-                  <a:lnTo>
-                    <a:pt x="544" y="3259"/>
-                  </a:lnTo>
-                  <a:lnTo>
-                    <a:pt x="544" y="58311"/>
-                  </a:lnTo>
-                  <a:lnTo>
-                    <a:pt x="544" y="58718"/>
-                  </a:lnTo>
-                  <a:lnTo>
-                    <a:pt x="476" y="58311"/>
-                  </a:lnTo>
-                  <a:lnTo>
-                    <a:pt x="476" y="3259"/>
-                  </a:lnTo>
-                  <a:lnTo>
-                    <a:pt x="544" y="2784"/>
-                  </a:lnTo>
-                  <a:lnTo>
-                    <a:pt x="612" y="2444"/>
-                  </a:lnTo>
-                  <a:lnTo>
-                    <a:pt x="747" y="2105"/>
-                  </a:lnTo>
-                  <a:lnTo>
-                    <a:pt x="951" y="1834"/>
-                  </a:lnTo>
-                  <a:lnTo>
-                    <a:pt x="1222" y="1630"/>
-                  </a:lnTo>
-                  <a:lnTo>
-                    <a:pt x="1562" y="1426"/>
-                  </a:lnTo>
-                  <a:lnTo>
-                    <a:pt x="1969" y="1290"/>
-                  </a:lnTo>
-                  <a:lnTo>
-                    <a:pt x="2444" y="1155"/>
-                  </a:lnTo>
-                  <a:lnTo>
-                    <a:pt x="3259" y="1087"/>
-                  </a:lnTo>
-                  <a:lnTo>
-                    <a:pt x="4481" y="951"/>
-                  </a:lnTo>
-                  <a:lnTo>
-                    <a:pt x="7807" y="747"/>
-                  </a:lnTo>
-                  <a:lnTo>
-                    <a:pt x="11676" y="612"/>
-                  </a:lnTo>
-                  <a:lnTo>
-                    <a:pt x="15410" y="544"/>
-                  </a:lnTo>
-                  <a:close/>
-                  <a:moveTo>
-                    <a:pt x="27560" y="1087"/>
-                  </a:moveTo>
-                  <a:lnTo>
-                    <a:pt x="28375" y="1155"/>
-                  </a:lnTo>
-                  <a:lnTo>
-                    <a:pt x="28850" y="1290"/>
-                  </a:lnTo>
-                  <a:lnTo>
-                    <a:pt x="29257" y="1426"/>
-                  </a:lnTo>
-                  <a:lnTo>
-                    <a:pt x="29597" y="1630"/>
-                  </a:lnTo>
-                  <a:lnTo>
-                    <a:pt x="29868" y="1834"/>
-                  </a:lnTo>
-                  <a:lnTo>
-                    <a:pt x="30072" y="2105"/>
-                  </a:lnTo>
-                  <a:lnTo>
-                    <a:pt x="30208" y="2444"/>
-                  </a:lnTo>
-                  <a:lnTo>
-                    <a:pt x="30276" y="2784"/>
-                  </a:lnTo>
-                  <a:lnTo>
-                    <a:pt x="30344" y="3259"/>
-                  </a:lnTo>
-                  <a:lnTo>
-                    <a:pt x="30344" y="58311"/>
-                  </a:lnTo>
-                  <a:lnTo>
-                    <a:pt x="30276" y="58718"/>
-                  </a:lnTo>
-                  <a:lnTo>
-                    <a:pt x="30208" y="59125"/>
-                  </a:lnTo>
-                  <a:lnTo>
-                    <a:pt x="30072" y="59465"/>
-                  </a:lnTo>
-                  <a:lnTo>
-                    <a:pt x="29868" y="59736"/>
-                  </a:lnTo>
-                  <a:lnTo>
-                    <a:pt x="29597" y="60008"/>
-                  </a:lnTo>
-                  <a:lnTo>
-                    <a:pt x="29257" y="60144"/>
-                  </a:lnTo>
-                  <a:lnTo>
-                    <a:pt x="28850" y="60347"/>
-                  </a:lnTo>
-                  <a:lnTo>
-                    <a:pt x="28375" y="60415"/>
-                  </a:lnTo>
-                  <a:lnTo>
-                    <a:pt x="26746" y="60687"/>
-                  </a:lnTo>
-                  <a:lnTo>
-                    <a:pt x="23895" y="60958"/>
-                  </a:lnTo>
-                  <a:lnTo>
-                    <a:pt x="22130" y="61094"/>
-                  </a:lnTo>
-                  <a:lnTo>
-                    <a:pt x="20093" y="61230"/>
-                  </a:lnTo>
-                  <a:lnTo>
-                    <a:pt x="17853" y="61298"/>
-                  </a:lnTo>
-                  <a:lnTo>
-                    <a:pt x="12966" y="61298"/>
-                  </a:lnTo>
-                  <a:lnTo>
-                    <a:pt x="10726" y="61230"/>
-                  </a:lnTo>
-                  <a:lnTo>
-                    <a:pt x="8689" y="61094"/>
-                  </a:lnTo>
-                  <a:lnTo>
-                    <a:pt x="6924" y="60958"/>
-                  </a:lnTo>
-                  <a:lnTo>
-                    <a:pt x="4073" y="60687"/>
-                  </a:lnTo>
-                  <a:lnTo>
-                    <a:pt x="2444" y="60415"/>
-                  </a:lnTo>
-                  <a:lnTo>
-                    <a:pt x="1969" y="60347"/>
-                  </a:lnTo>
-                  <a:lnTo>
-                    <a:pt x="1562" y="60144"/>
-                  </a:lnTo>
-                  <a:lnTo>
-                    <a:pt x="1290" y="60008"/>
-                  </a:lnTo>
-                  <a:lnTo>
-                    <a:pt x="951" y="59736"/>
-                  </a:lnTo>
-                  <a:lnTo>
-                    <a:pt x="747" y="59465"/>
-                  </a:lnTo>
-                  <a:lnTo>
-                    <a:pt x="612" y="59125"/>
-                  </a:lnTo>
-                  <a:lnTo>
-                    <a:pt x="544" y="58718"/>
-                  </a:lnTo>
-                  <a:lnTo>
-                    <a:pt x="544" y="58718"/>
-                  </a:lnTo>
-                  <a:lnTo>
-                    <a:pt x="679" y="59125"/>
-                  </a:lnTo>
-                  <a:lnTo>
-                    <a:pt x="815" y="59397"/>
-                  </a:lnTo>
-                  <a:lnTo>
-                    <a:pt x="1019" y="59669"/>
-                  </a:lnTo>
-                  <a:lnTo>
-                    <a:pt x="1290" y="59940"/>
-                  </a:lnTo>
-                  <a:lnTo>
-                    <a:pt x="1630" y="60144"/>
-                  </a:lnTo>
-                  <a:lnTo>
-                    <a:pt x="2037" y="60279"/>
-                  </a:lnTo>
-                  <a:lnTo>
-                    <a:pt x="2444" y="60415"/>
-                  </a:lnTo>
-                  <a:lnTo>
-                    <a:pt x="4073" y="60619"/>
-                  </a:lnTo>
-                  <a:lnTo>
-                    <a:pt x="6924" y="60890"/>
-                  </a:lnTo>
-                  <a:lnTo>
-                    <a:pt x="8689" y="61026"/>
-                  </a:lnTo>
-                  <a:lnTo>
-                    <a:pt x="10726" y="61162"/>
-                  </a:lnTo>
-                  <a:lnTo>
-                    <a:pt x="12966" y="61230"/>
-                  </a:lnTo>
-                  <a:lnTo>
-                    <a:pt x="17853" y="61230"/>
-                  </a:lnTo>
-                  <a:lnTo>
-                    <a:pt x="20093" y="61162"/>
-                  </a:lnTo>
-                  <a:lnTo>
-                    <a:pt x="22130" y="61026"/>
-                  </a:lnTo>
-                  <a:lnTo>
-                    <a:pt x="23895" y="60890"/>
-                  </a:lnTo>
-                  <a:lnTo>
-                    <a:pt x="26746" y="60619"/>
-                  </a:lnTo>
-                  <a:lnTo>
-                    <a:pt x="28375" y="60415"/>
-                  </a:lnTo>
-                  <a:lnTo>
-                    <a:pt x="28850" y="60279"/>
-                  </a:lnTo>
-                  <a:lnTo>
-                    <a:pt x="29190" y="60144"/>
-                  </a:lnTo>
-                  <a:lnTo>
-                    <a:pt x="29529" y="59940"/>
-                  </a:lnTo>
-                  <a:lnTo>
-                    <a:pt x="29800" y="59669"/>
-                  </a:lnTo>
-                  <a:lnTo>
-                    <a:pt x="30004" y="59397"/>
-                  </a:lnTo>
-                  <a:lnTo>
-                    <a:pt x="30140" y="59125"/>
-                  </a:lnTo>
-                  <a:lnTo>
-                    <a:pt x="30276" y="58718"/>
-                  </a:lnTo>
-                  <a:lnTo>
-                    <a:pt x="30276" y="58311"/>
-                  </a:lnTo>
-                  <a:lnTo>
-                    <a:pt x="30276" y="3259"/>
-                  </a:lnTo>
-                  <a:lnTo>
-                    <a:pt x="30276" y="2852"/>
-                  </a:lnTo>
-                  <a:lnTo>
-                    <a:pt x="30140" y="2444"/>
-                  </a:lnTo>
-                  <a:lnTo>
-                    <a:pt x="30004" y="2173"/>
-                  </a:lnTo>
-                  <a:lnTo>
-                    <a:pt x="29800" y="1901"/>
-                  </a:lnTo>
-                  <a:lnTo>
-                    <a:pt x="29529" y="1698"/>
-                  </a:lnTo>
-                  <a:lnTo>
-                    <a:pt x="29190" y="1494"/>
-                  </a:lnTo>
-                  <a:lnTo>
-                    <a:pt x="28850" y="1358"/>
-                  </a:lnTo>
-                  <a:lnTo>
-                    <a:pt x="28375" y="1223"/>
-                  </a:lnTo>
-                  <a:lnTo>
-                    <a:pt x="27560" y="1087"/>
-                  </a:lnTo>
-                  <a:close/>
-                  <a:moveTo>
-                    <a:pt x="15410" y="1"/>
-                  </a:moveTo>
-                  <a:lnTo>
-                    <a:pt x="11608" y="69"/>
-                  </a:lnTo>
-                  <a:lnTo>
-                    <a:pt x="7739" y="204"/>
-                  </a:lnTo>
-                  <a:lnTo>
-                    <a:pt x="4413" y="408"/>
-                  </a:lnTo>
-                  <a:lnTo>
-                    <a:pt x="3191" y="544"/>
-                  </a:lnTo>
-                  <a:lnTo>
-                    <a:pt x="2309" y="680"/>
-                  </a:lnTo>
-                  <a:lnTo>
-                    <a:pt x="1765" y="815"/>
-                  </a:lnTo>
-                  <a:lnTo>
-                    <a:pt x="1290" y="1019"/>
-                  </a:lnTo>
-                  <a:lnTo>
-                    <a:pt x="883" y="1223"/>
-                  </a:lnTo>
-                  <a:lnTo>
-                    <a:pt x="544" y="1494"/>
-                  </a:lnTo>
-                  <a:lnTo>
-                    <a:pt x="340" y="1901"/>
-                  </a:lnTo>
-                  <a:lnTo>
-                    <a:pt x="136" y="2241"/>
-                  </a:lnTo>
-                  <a:lnTo>
-                    <a:pt x="1" y="2716"/>
-                  </a:lnTo>
-                  <a:lnTo>
-                    <a:pt x="1" y="3259"/>
-                  </a:lnTo>
-                  <a:lnTo>
-                    <a:pt x="1" y="58311"/>
-                  </a:lnTo>
-                  <a:lnTo>
-                    <a:pt x="1" y="58854"/>
-                  </a:lnTo>
-                  <a:lnTo>
-                    <a:pt x="136" y="59261"/>
-                  </a:lnTo>
-                  <a:lnTo>
-                    <a:pt x="340" y="59736"/>
-                  </a:lnTo>
-                  <a:lnTo>
-                    <a:pt x="612" y="60076"/>
-                  </a:lnTo>
-                  <a:lnTo>
-                    <a:pt x="951" y="60347"/>
-                  </a:lnTo>
-                  <a:lnTo>
-                    <a:pt x="1358" y="60619"/>
-                  </a:lnTo>
-                  <a:lnTo>
-                    <a:pt x="1833" y="60823"/>
-                  </a:lnTo>
-                  <a:lnTo>
-                    <a:pt x="2309" y="60958"/>
-                  </a:lnTo>
-                  <a:lnTo>
-                    <a:pt x="4006" y="61162"/>
-                  </a:lnTo>
-                  <a:lnTo>
-                    <a:pt x="6857" y="61501"/>
-                  </a:lnTo>
-                  <a:lnTo>
-                    <a:pt x="8689" y="61637"/>
-                  </a:lnTo>
-                  <a:lnTo>
-                    <a:pt x="10726" y="61705"/>
-                  </a:lnTo>
-                  <a:lnTo>
-                    <a:pt x="12966" y="61773"/>
-                  </a:lnTo>
-                  <a:lnTo>
-                    <a:pt x="15410" y="61841"/>
-                  </a:lnTo>
-                  <a:lnTo>
-                    <a:pt x="17853" y="61773"/>
-                  </a:lnTo>
-                  <a:lnTo>
-                    <a:pt x="20093" y="61705"/>
-                  </a:lnTo>
-                  <a:lnTo>
-                    <a:pt x="22130" y="61637"/>
-                  </a:lnTo>
-                  <a:lnTo>
-                    <a:pt x="23963" y="61501"/>
-                  </a:lnTo>
-                  <a:lnTo>
-                    <a:pt x="26814" y="61162"/>
-                  </a:lnTo>
-                  <a:lnTo>
-                    <a:pt x="28511" y="60958"/>
-                  </a:lnTo>
-                  <a:lnTo>
-                    <a:pt x="28986" y="60823"/>
-                  </a:lnTo>
-                  <a:lnTo>
-                    <a:pt x="29461" y="60619"/>
-                  </a:lnTo>
-                  <a:lnTo>
-                    <a:pt x="29868" y="60347"/>
-                  </a:lnTo>
-                  <a:lnTo>
-                    <a:pt x="30208" y="60076"/>
-                  </a:lnTo>
-                  <a:lnTo>
-                    <a:pt x="30479" y="59736"/>
-                  </a:lnTo>
-                  <a:lnTo>
-                    <a:pt x="30683" y="59261"/>
-                  </a:lnTo>
-                  <a:lnTo>
-                    <a:pt x="30819" y="58854"/>
-                  </a:lnTo>
-                  <a:lnTo>
-                    <a:pt x="30819" y="58311"/>
-                  </a:lnTo>
-                  <a:lnTo>
-                    <a:pt x="30819" y="3259"/>
-                  </a:lnTo>
-                  <a:lnTo>
-                    <a:pt x="30819" y="2716"/>
-                  </a:lnTo>
-                  <a:lnTo>
-                    <a:pt x="30683" y="2241"/>
-                  </a:lnTo>
-                  <a:lnTo>
-                    <a:pt x="30547" y="1901"/>
-                  </a:lnTo>
-                  <a:lnTo>
-                    <a:pt x="30276" y="1494"/>
-                  </a:lnTo>
-                  <a:lnTo>
-                    <a:pt x="29936" y="1223"/>
-                  </a:lnTo>
-                  <a:lnTo>
-                    <a:pt x="29529" y="1019"/>
-                  </a:lnTo>
-                  <a:lnTo>
-                    <a:pt x="29054" y="815"/>
-                  </a:lnTo>
-                  <a:lnTo>
-                    <a:pt x="28511" y="680"/>
-                  </a:lnTo>
-                  <a:lnTo>
-                    <a:pt x="27628" y="544"/>
-                  </a:lnTo>
-                  <a:lnTo>
-                    <a:pt x="26406" y="408"/>
-                  </a:lnTo>
-                  <a:lnTo>
-                    <a:pt x="23080" y="204"/>
-                  </a:lnTo>
-                  <a:lnTo>
-                    <a:pt x="19211" y="69"/>
-                  </a:lnTo>
-                  <a:lnTo>
-                    <a:pt x="15410" y="1"/>
-                  </a:lnTo>
-                  <a:close/>
-                </a:path>
-              </a:pathLst>
-            </a:custGeom>
-            <a:solidFill>
-              <a:srgbClr val="222222"/>
-            </a:solidFill>
-            <a:ln w="9525" cap="flat" cmpd="sng">
-              <a:solidFill>
-                <a:srgbClr val="FFFFFF"/>
-              </a:solidFill>
-              <a:prstDash val="solid"/>
-              <a:round/>
-              <a:headEnd type="none" w="sm" len="sm"/>
-              <a:tailEnd type="none" w="sm" len="sm"/>
-            </a:ln>
-          </p:spPr>
-          <p:txBody>
-            <a:bodyPr spcFirstLastPara="1" wrap="square" lIns="91425" tIns="91425" rIns="91425" bIns="91425" anchor="ctr" anchorCtr="0">
-              <a:noAutofit/>
-            </a:bodyPr>
-            <a:lstStyle/>
-            <a:p>
-              <a:pPr marL="0" lvl="0" indent="0" algn="l" rtl="0">
-                <a:spcBef>
-                  <a:spcPts val="0"/>
-                </a:spcBef>
-                <a:spcAft>
-                  <a:spcPts val="0"/>
-                </a:spcAft>
-                <a:buNone/>
-              </a:pPr>
-              <a:endParaRPr/>
-            </a:p>
-          </p:txBody>
-        </p:sp>
-      </p:grpSp>
-      <p:sp>
-        <p:nvSpPr>
-          <p:cNvPr id="51" name="화살표: 오른쪽 50">
-            <a:extLst>
-              <a:ext uri="{FF2B5EF4-FFF2-40B4-BE49-F238E27FC236}">
-                <a16:creationId xmlns:a16="http://schemas.microsoft.com/office/drawing/2014/main" id="{B489C4C9-2704-4FCC-9E96-C2F8C1AD4CD9}"/>
-              </a:ext>
-            </a:extLst>
-          </p:cNvPr>
-          <p:cNvSpPr/>
-          <p:nvPr/>
-        </p:nvSpPr>
-        <p:spPr>
-          <a:xfrm>
-            <a:off x="9290335" y="3801668"/>
-            <a:ext cx="452239" cy="345346"/>
-          </a:xfrm>
-          <a:prstGeom prst="rightArrow">
-            <a:avLst/>
-          </a:prstGeom>
-          <a:solidFill>
-            <a:srgbClr val="FF8700"/>
-          </a:solidFill>
-          <a:ln>
-            <a:solidFill>
-              <a:srgbClr val="FF8700"/>
-            </a:solidFill>
-          </a:ln>
-        </p:spPr>
-        <p:style>
-          <a:lnRef idx="2">
-            <a:schemeClr val="accent1">
-              <a:shade val="50000"/>
-            </a:schemeClr>
-          </a:lnRef>
-          <a:fillRef idx="1">
-            <a:schemeClr val="accent1"/>
-          </a:fillRef>
-          <a:effectRef idx="0">
-            <a:schemeClr val="accent1"/>
-          </a:effectRef>
-          <a:fontRef idx="minor">
-            <a:schemeClr val="lt1"/>
-          </a:fontRef>
-        </p:style>
-        <p:txBody>
-          <a:bodyPr rtlCol="0" anchor="ctr"/>
-          <a:lstStyle/>
-          <a:p>
-            <a:pPr algn="ctr"/>
-            <a:endParaRPr lang="ko-KR" altLang="en-US" dirty="0"/>
-          </a:p>
-        </p:txBody>
-      </p:sp>
-      <p:sp>
-        <p:nvSpPr>
-          <p:cNvPr id="52" name="Google Shape;272;p32">
-            <a:extLst>
-              <a:ext uri="{FF2B5EF4-FFF2-40B4-BE49-F238E27FC236}">
-                <a16:creationId xmlns:a16="http://schemas.microsoft.com/office/drawing/2014/main" id="{256B46B1-E36E-436E-868C-B0B7DB996705}"/>
-              </a:ext>
-            </a:extLst>
-          </p:cNvPr>
-          <p:cNvSpPr/>
-          <p:nvPr/>
-        </p:nvSpPr>
-        <p:spPr>
-          <a:xfrm>
-            <a:off x="9925451" y="2431902"/>
-            <a:ext cx="1717370" cy="3272271"/>
-          </a:xfrm>
-          <a:custGeom>
-            <a:avLst/>
-            <a:gdLst/>
-            <a:ahLst/>
-            <a:cxnLst/>
-            <a:rect l="l" t="t" r="r" b="b"/>
-            <a:pathLst>
-              <a:path w="30819" h="61841" extrusionOk="0">
-                <a:moveTo>
-                  <a:pt x="5160" y="2580"/>
-                </a:moveTo>
-                <a:lnTo>
-                  <a:pt x="5295" y="2648"/>
-                </a:lnTo>
-                <a:lnTo>
-                  <a:pt x="5363" y="2784"/>
-                </a:lnTo>
-                <a:lnTo>
-                  <a:pt x="5363" y="2920"/>
-                </a:lnTo>
-                <a:lnTo>
-                  <a:pt x="5363" y="3055"/>
-                </a:lnTo>
-                <a:lnTo>
-                  <a:pt x="5295" y="3191"/>
-                </a:lnTo>
-                <a:lnTo>
-                  <a:pt x="5160" y="3259"/>
-                </a:lnTo>
-                <a:lnTo>
-                  <a:pt x="4888" y="3259"/>
-                </a:lnTo>
-                <a:lnTo>
-                  <a:pt x="4752" y="3191"/>
-                </a:lnTo>
-                <a:lnTo>
-                  <a:pt x="4684" y="3055"/>
-                </a:lnTo>
-                <a:lnTo>
-                  <a:pt x="4684" y="2920"/>
-                </a:lnTo>
-                <a:lnTo>
-                  <a:pt x="4684" y="2784"/>
-                </a:lnTo>
-                <a:lnTo>
-                  <a:pt x="4752" y="2648"/>
-                </a:lnTo>
-                <a:lnTo>
-                  <a:pt x="4888" y="2580"/>
-                </a:lnTo>
-                <a:close/>
-                <a:moveTo>
-                  <a:pt x="15410" y="2241"/>
-                </a:moveTo>
-                <a:lnTo>
-                  <a:pt x="15681" y="2309"/>
-                </a:lnTo>
-                <a:lnTo>
-                  <a:pt x="15885" y="2444"/>
-                </a:lnTo>
-                <a:lnTo>
-                  <a:pt x="16021" y="2648"/>
-                </a:lnTo>
-                <a:lnTo>
-                  <a:pt x="16088" y="2920"/>
-                </a:lnTo>
-                <a:lnTo>
-                  <a:pt x="16021" y="3191"/>
-                </a:lnTo>
-                <a:lnTo>
-                  <a:pt x="15885" y="3395"/>
-                </a:lnTo>
-                <a:lnTo>
-                  <a:pt x="15681" y="3531"/>
-                </a:lnTo>
-                <a:lnTo>
-                  <a:pt x="15410" y="3598"/>
-                </a:lnTo>
-                <a:lnTo>
-                  <a:pt x="15138" y="3531"/>
-                </a:lnTo>
-                <a:lnTo>
-                  <a:pt x="14934" y="3395"/>
-                </a:lnTo>
-                <a:lnTo>
-                  <a:pt x="14799" y="3191"/>
-                </a:lnTo>
-                <a:lnTo>
-                  <a:pt x="14731" y="2920"/>
-                </a:lnTo>
-                <a:lnTo>
-                  <a:pt x="14799" y="2648"/>
-                </a:lnTo>
-                <a:lnTo>
-                  <a:pt x="14934" y="2444"/>
-                </a:lnTo>
-                <a:lnTo>
-                  <a:pt x="15138" y="2309"/>
-                </a:lnTo>
-                <a:lnTo>
-                  <a:pt x="15410" y="2241"/>
-                </a:lnTo>
-                <a:close/>
-                <a:moveTo>
-                  <a:pt x="29393" y="5228"/>
-                </a:moveTo>
-                <a:lnTo>
-                  <a:pt x="29461" y="5296"/>
-                </a:lnTo>
-                <a:lnTo>
-                  <a:pt x="29461" y="54849"/>
-                </a:lnTo>
-                <a:lnTo>
-                  <a:pt x="1426" y="54849"/>
-                </a:lnTo>
-                <a:lnTo>
-                  <a:pt x="1426" y="5296"/>
-                </a:lnTo>
-                <a:lnTo>
-                  <a:pt x="1494" y="5228"/>
-                </a:lnTo>
-                <a:close/>
-                <a:moveTo>
-                  <a:pt x="15410" y="544"/>
-                </a:moveTo>
-                <a:lnTo>
-                  <a:pt x="19143" y="612"/>
-                </a:lnTo>
-                <a:lnTo>
-                  <a:pt x="23012" y="747"/>
-                </a:lnTo>
-                <a:lnTo>
-                  <a:pt x="26339" y="951"/>
-                </a:lnTo>
-                <a:lnTo>
-                  <a:pt x="27560" y="1087"/>
-                </a:lnTo>
-                <a:lnTo>
-                  <a:pt x="27560" y="1087"/>
-                </a:lnTo>
-                <a:lnTo>
-                  <a:pt x="26339" y="1019"/>
-                </a:lnTo>
-                <a:lnTo>
-                  <a:pt x="23012" y="815"/>
-                </a:lnTo>
-                <a:lnTo>
-                  <a:pt x="19143" y="680"/>
-                </a:lnTo>
-                <a:lnTo>
-                  <a:pt x="15410" y="612"/>
-                </a:lnTo>
-                <a:lnTo>
-                  <a:pt x="11676" y="680"/>
-                </a:lnTo>
-                <a:lnTo>
-                  <a:pt x="7807" y="815"/>
-                </a:lnTo>
-                <a:lnTo>
-                  <a:pt x="4481" y="1019"/>
-                </a:lnTo>
-                <a:lnTo>
-                  <a:pt x="3259" y="1087"/>
-                </a:lnTo>
-                <a:lnTo>
-                  <a:pt x="2444" y="1223"/>
-                </a:lnTo>
-                <a:lnTo>
-                  <a:pt x="1969" y="1358"/>
-                </a:lnTo>
-                <a:lnTo>
-                  <a:pt x="1630" y="1494"/>
-                </a:lnTo>
-                <a:lnTo>
-                  <a:pt x="1290" y="1698"/>
-                </a:lnTo>
-                <a:lnTo>
-                  <a:pt x="1019" y="1901"/>
-                </a:lnTo>
-                <a:lnTo>
-                  <a:pt x="815" y="2173"/>
-                </a:lnTo>
-                <a:lnTo>
-                  <a:pt x="679" y="2444"/>
-                </a:lnTo>
-                <a:lnTo>
-                  <a:pt x="544" y="2852"/>
-                </a:lnTo>
-                <a:lnTo>
-                  <a:pt x="544" y="3259"/>
-                </a:lnTo>
-                <a:lnTo>
-                  <a:pt x="544" y="58311"/>
-                </a:lnTo>
-                <a:lnTo>
-                  <a:pt x="544" y="58718"/>
-                </a:lnTo>
-                <a:lnTo>
-                  <a:pt x="476" y="58311"/>
-                </a:lnTo>
-                <a:lnTo>
-                  <a:pt x="476" y="3259"/>
-                </a:lnTo>
-                <a:lnTo>
-                  <a:pt x="544" y="2784"/>
-                </a:lnTo>
-                <a:lnTo>
-                  <a:pt x="612" y="2444"/>
-                </a:lnTo>
-                <a:lnTo>
-                  <a:pt x="747" y="2105"/>
-                </a:lnTo>
-                <a:lnTo>
-                  <a:pt x="951" y="1834"/>
-                </a:lnTo>
-                <a:lnTo>
-                  <a:pt x="1222" y="1630"/>
-                </a:lnTo>
-                <a:lnTo>
-                  <a:pt x="1562" y="1426"/>
-                </a:lnTo>
-                <a:lnTo>
-                  <a:pt x="1969" y="1290"/>
-                </a:lnTo>
-                <a:lnTo>
-                  <a:pt x="2444" y="1155"/>
-                </a:lnTo>
-                <a:lnTo>
-                  <a:pt x="3259" y="1087"/>
-                </a:lnTo>
-                <a:lnTo>
-                  <a:pt x="4481" y="951"/>
-                </a:lnTo>
-                <a:lnTo>
-                  <a:pt x="7807" y="747"/>
-                </a:lnTo>
-                <a:lnTo>
-                  <a:pt x="11676" y="612"/>
-                </a:lnTo>
-                <a:lnTo>
-                  <a:pt x="15410" y="544"/>
-                </a:lnTo>
-                <a:close/>
-                <a:moveTo>
-                  <a:pt x="27560" y="1087"/>
-                </a:moveTo>
-                <a:lnTo>
-                  <a:pt x="28375" y="1155"/>
-                </a:lnTo>
-                <a:lnTo>
-                  <a:pt x="28850" y="1290"/>
-                </a:lnTo>
-                <a:lnTo>
-                  <a:pt x="29257" y="1426"/>
-                </a:lnTo>
-                <a:lnTo>
-                  <a:pt x="29597" y="1630"/>
-                </a:lnTo>
-                <a:lnTo>
-                  <a:pt x="29868" y="1834"/>
-                </a:lnTo>
-                <a:lnTo>
-                  <a:pt x="30072" y="2105"/>
-                </a:lnTo>
-                <a:lnTo>
-                  <a:pt x="30208" y="2444"/>
-                </a:lnTo>
-                <a:lnTo>
-                  <a:pt x="30276" y="2784"/>
-                </a:lnTo>
-                <a:lnTo>
-                  <a:pt x="30344" y="3259"/>
-                </a:lnTo>
-                <a:lnTo>
-                  <a:pt x="30344" y="58311"/>
-                </a:lnTo>
-                <a:lnTo>
-                  <a:pt x="30276" y="58718"/>
-                </a:lnTo>
-                <a:lnTo>
-                  <a:pt x="30208" y="59125"/>
-                </a:lnTo>
-                <a:lnTo>
-                  <a:pt x="30072" y="59465"/>
-                </a:lnTo>
-                <a:lnTo>
-                  <a:pt x="29868" y="59736"/>
-                </a:lnTo>
-                <a:lnTo>
-                  <a:pt x="29597" y="60008"/>
-                </a:lnTo>
-                <a:lnTo>
-                  <a:pt x="29257" y="60144"/>
-                </a:lnTo>
-                <a:lnTo>
-                  <a:pt x="28850" y="60347"/>
-                </a:lnTo>
-                <a:lnTo>
-                  <a:pt x="28375" y="60415"/>
-                </a:lnTo>
-                <a:lnTo>
-                  <a:pt x="26746" y="60687"/>
-                </a:lnTo>
-                <a:lnTo>
-                  <a:pt x="23895" y="60958"/>
-                </a:lnTo>
-                <a:lnTo>
-                  <a:pt x="22130" y="61094"/>
-                </a:lnTo>
-                <a:lnTo>
-                  <a:pt x="20093" y="61230"/>
-                </a:lnTo>
-                <a:lnTo>
-                  <a:pt x="17853" y="61298"/>
-                </a:lnTo>
-                <a:lnTo>
-                  <a:pt x="12966" y="61298"/>
-                </a:lnTo>
-                <a:lnTo>
-                  <a:pt x="10726" y="61230"/>
-                </a:lnTo>
-                <a:lnTo>
-                  <a:pt x="8689" y="61094"/>
-                </a:lnTo>
-                <a:lnTo>
-                  <a:pt x="6924" y="60958"/>
-                </a:lnTo>
-                <a:lnTo>
-                  <a:pt x="4073" y="60687"/>
-                </a:lnTo>
-                <a:lnTo>
-                  <a:pt x="2444" y="60415"/>
-                </a:lnTo>
-                <a:lnTo>
-                  <a:pt x="1969" y="60347"/>
-                </a:lnTo>
-                <a:lnTo>
-                  <a:pt x="1562" y="60144"/>
-                </a:lnTo>
-                <a:lnTo>
-                  <a:pt x="1290" y="60008"/>
-                </a:lnTo>
-                <a:lnTo>
-                  <a:pt x="951" y="59736"/>
-                </a:lnTo>
-                <a:lnTo>
-                  <a:pt x="747" y="59465"/>
-                </a:lnTo>
-                <a:lnTo>
-                  <a:pt x="612" y="59125"/>
-                </a:lnTo>
-                <a:lnTo>
-                  <a:pt x="544" y="58718"/>
-                </a:lnTo>
-                <a:lnTo>
-                  <a:pt x="544" y="58718"/>
-                </a:lnTo>
-                <a:lnTo>
-                  <a:pt x="679" y="59125"/>
-                </a:lnTo>
-                <a:lnTo>
-                  <a:pt x="815" y="59397"/>
-                </a:lnTo>
-                <a:lnTo>
-                  <a:pt x="1019" y="59669"/>
-                </a:lnTo>
-                <a:lnTo>
-                  <a:pt x="1290" y="59940"/>
-                </a:lnTo>
-                <a:lnTo>
-                  <a:pt x="1630" y="60144"/>
-                </a:lnTo>
-                <a:lnTo>
-                  <a:pt x="2037" y="60279"/>
-                </a:lnTo>
-                <a:lnTo>
-                  <a:pt x="2444" y="60415"/>
-                </a:lnTo>
-                <a:lnTo>
-                  <a:pt x="4073" y="60619"/>
-                </a:lnTo>
-                <a:lnTo>
-                  <a:pt x="6924" y="60890"/>
-                </a:lnTo>
-                <a:lnTo>
-                  <a:pt x="8689" y="61026"/>
-                </a:lnTo>
-                <a:lnTo>
-                  <a:pt x="10726" y="61162"/>
-                </a:lnTo>
-                <a:lnTo>
-                  <a:pt x="12966" y="61230"/>
-                </a:lnTo>
-                <a:lnTo>
-                  <a:pt x="17853" y="61230"/>
-                </a:lnTo>
-                <a:lnTo>
-                  <a:pt x="20093" y="61162"/>
-                </a:lnTo>
-                <a:lnTo>
-                  <a:pt x="22130" y="61026"/>
-                </a:lnTo>
-                <a:lnTo>
-                  <a:pt x="23895" y="60890"/>
-                </a:lnTo>
-                <a:lnTo>
-                  <a:pt x="26746" y="60619"/>
-                </a:lnTo>
-                <a:lnTo>
-                  <a:pt x="28375" y="60415"/>
-                </a:lnTo>
-                <a:lnTo>
-                  <a:pt x="28850" y="60279"/>
-                </a:lnTo>
-                <a:lnTo>
-                  <a:pt x="29190" y="60144"/>
-                </a:lnTo>
-                <a:lnTo>
-                  <a:pt x="29529" y="59940"/>
-                </a:lnTo>
-                <a:lnTo>
-                  <a:pt x="29800" y="59669"/>
-                </a:lnTo>
-                <a:lnTo>
-                  <a:pt x="30004" y="59397"/>
-                </a:lnTo>
-                <a:lnTo>
-                  <a:pt x="30140" y="59125"/>
-                </a:lnTo>
-                <a:lnTo>
-                  <a:pt x="30276" y="58718"/>
-                </a:lnTo>
-                <a:lnTo>
-                  <a:pt x="30276" y="58311"/>
-                </a:lnTo>
-                <a:lnTo>
-                  <a:pt x="30276" y="3259"/>
-                </a:lnTo>
-                <a:lnTo>
-                  <a:pt x="30276" y="2852"/>
-                </a:lnTo>
-                <a:lnTo>
-                  <a:pt x="30140" y="2444"/>
-                </a:lnTo>
-                <a:lnTo>
-                  <a:pt x="30004" y="2173"/>
-                </a:lnTo>
-                <a:lnTo>
-                  <a:pt x="29800" y="1901"/>
-                </a:lnTo>
-                <a:lnTo>
-                  <a:pt x="29529" y="1698"/>
-                </a:lnTo>
-                <a:lnTo>
-                  <a:pt x="29190" y="1494"/>
-                </a:lnTo>
-                <a:lnTo>
-                  <a:pt x="28850" y="1358"/>
-                </a:lnTo>
-                <a:lnTo>
-                  <a:pt x="28375" y="1223"/>
-                </a:lnTo>
-                <a:lnTo>
-                  <a:pt x="27560" y="1087"/>
-                </a:lnTo>
-                <a:close/>
-                <a:moveTo>
-                  <a:pt x="15410" y="1"/>
-                </a:moveTo>
-                <a:lnTo>
-                  <a:pt x="11608" y="69"/>
-                </a:lnTo>
-                <a:lnTo>
-                  <a:pt x="7739" y="204"/>
-                </a:lnTo>
-                <a:lnTo>
-                  <a:pt x="4413" y="408"/>
-                </a:lnTo>
-                <a:lnTo>
-                  <a:pt x="3191" y="544"/>
-                </a:lnTo>
-                <a:lnTo>
-                  <a:pt x="2309" y="680"/>
-                </a:lnTo>
-                <a:lnTo>
-                  <a:pt x="1765" y="815"/>
-                </a:lnTo>
-                <a:lnTo>
-                  <a:pt x="1290" y="1019"/>
-                </a:lnTo>
-                <a:lnTo>
-                  <a:pt x="883" y="1223"/>
-                </a:lnTo>
-                <a:lnTo>
-                  <a:pt x="544" y="1494"/>
-                </a:lnTo>
-                <a:lnTo>
-                  <a:pt x="340" y="1901"/>
-                </a:lnTo>
-                <a:lnTo>
-                  <a:pt x="136" y="2241"/>
-                </a:lnTo>
-                <a:lnTo>
-                  <a:pt x="1" y="2716"/>
-                </a:lnTo>
-                <a:lnTo>
-                  <a:pt x="1" y="3259"/>
-                </a:lnTo>
-                <a:lnTo>
-                  <a:pt x="1" y="58311"/>
-                </a:lnTo>
-                <a:lnTo>
-                  <a:pt x="1" y="58854"/>
-                </a:lnTo>
-                <a:lnTo>
-                  <a:pt x="136" y="59261"/>
-                </a:lnTo>
-                <a:lnTo>
-                  <a:pt x="340" y="59736"/>
-                </a:lnTo>
-                <a:lnTo>
-                  <a:pt x="612" y="60076"/>
-                </a:lnTo>
-                <a:lnTo>
-                  <a:pt x="951" y="60347"/>
-                </a:lnTo>
-                <a:lnTo>
-                  <a:pt x="1358" y="60619"/>
-                </a:lnTo>
-                <a:lnTo>
-                  <a:pt x="1833" y="60823"/>
-                </a:lnTo>
-                <a:lnTo>
-                  <a:pt x="2309" y="60958"/>
-                </a:lnTo>
-                <a:lnTo>
-                  <a:pt x="4006" y="61162"/>
-                </a:lnTo>
-                <a:lnTo>
-                  <a:pt x="6857" y="61501"/>
-                </a:lnTo>
-                <a:lnTo>
-                  <a:pt x="8689" y="61637"/>
-                </a:lnTo>
-                <a:lnTo>
-                  <a:pt x="10726" y="61705"/>
-                </a:lnTo>
-                <a:lnTo>
-                  <a:pt x="12966" y="61773"/>
-                </a:lnTo>
-                <a:lnTo>
-                  <a:pt x="15410" y="61841"/>
-                </a:lnTo>
-                <a:lnTo>
-                  <a:pt x="17853" y="61773"/>
-                </a:lnTo>
-                <a:lnTo>
-                  <a:pt x="20093" y="61705"/>
-                </a:lnTo>
-                <a:lnTo>
-                  <a:pt x="22130" y="61637"/>
-                </a:lnTo>
-                <a:lnTo>
-                  <a:pt x="23963" y="61501"/>
-                </a:lnTo>
-                <a:lnTo>
-                  <a:pt x="26814" y="61162"/>
-                </a:lnTo>
-                <a:lnTo>
-                  <a:pt x="28511" y="60958"/>
-                </a:lnTo>
-                <a:lnTo>
-                  <a:pt x="28986" y="60823"/>
-                </a:lnTo>
-                <a:lnTo>
-                  <a:pt x="29461" y="60619"/>
-                </a:lnTo>
-                <a:lnTo>
-                  <a:pt x="29868" y="60347"/>
-                </a:lnTo>
-                <a:lnTo>
-                  <a:pt x="30208" y="60076"/>
-                </a:lnTo>
-                <a:lnTo>
-                  <a:pt x="30479" y="59736"/>
-                </a:lnTo>
-                <a:lnTo>
-                  <a:pt x="30683" y="59261"/>
-                </a:lnTo>
-                <a:lnTo>
-                  <a:pt x="30819" y="58854"/>
-                </a:lnTo>
-                <a:lnTo>
-                  <a:pt x="30819" y="58311"/>
-                </a:lnTo>
-                <a:lnTo>
-                  <a:pt x="30819" y="3259"/>
-                </a:lnTo>
-                <a:lnTo>
-                  <a:pt x="30819" y="2716"/>
-                </a:lnTo>
-                <a:lnTo>
-                  <a:pt x="30683" y="2241"/>
-                </a:lnTo>
-                <a:lnTo>
-                  <a:pt x="30547" y="1901"/>
-                </a:lnTo>
-                <a:lnTo>
-                  <a:pt x="30276" y="1494"/>
-                </a:lnTo>
-                <a:lnTo>
-                  <a:pt x="29936" y="1223"/>
-                </a:lnTo>
-                <a:lnTo>
-                  <a:pt x="29529" y="1019"/>
-                </a:lnTo>
-                <a:lnTo>
-                  <a:pt x="29054" y="815"/>
-                </a:lnTo>
-                <a:lnTo>
-                  <a:pt x="28511" y="680"/>
-                </a:lnTo>
-                <a:lnTo>
-                  <a:pt x="27628" y="544"/>
-                </a:lnTo>
-                <a:lnTo>
-                  <a:pt x="26406" y="408"/>
-                </a:lnTo>
-                <a:lnTo>
-                  <a:pt x="23080" y="204"/>
-                </a:lnTo>
-                <a:lnTo>
-                  <a:pt x="19211" y="69"/>
-                </a:lnTo>
-                <a:lnTo>
-                  <a:pt x="15410" y="1"/>
-                </a:lnTo>
-                <a:close/>
-              </a:path>
-            </a:pathLst>
-          </a:custGeom>
-          <a:solidFill>
-            <a:srgbClr val="222222"/>
-          </a:solidFill>
-          <a:ln w="9525" cap="flat" cmpd="sng">
-            <a:solidFill>
-              <a:srgbClr val="FFFFFF"/>
-            </a:solidFill>
-            <a:prstDash val="solid"/>
-            <a:round/>
-            <a:headEnd type="none" w="sm" len="sm"/>
-            <a:tailEnd type="none" w="sm" len="sm"/>
-          </a:ln>
-        </p:spPr>
-        <p:txBody>
-          <a:bodyPr spcFirstLastPara="1" wrap="square" lIns="91425" tIns="91425" rIns="91425" bIns="91425" anchor="ctr" anchorCtr="0">
-            <a:noAutofit/>
-          </a:bodyPr>
-          <a:lstStyle/>
-          <a:p>
-            <a:pPr marL="0" lvl="0" indent="0" algn="l" rtl="0">
-              <a:spcBef>
-                <a:spcPts val="0"/>
-              </a:spcBef>
-              <a:spcAft>
-                <a:spcPts val="0"/>
-              </a:spcAft>
-              <a:buNone/>
-            </a:pPr>
-            <a:endParaRPr/>
-          </a:p>
-        </p:txBody>
-      </p:sp>
-      <p:pic>
-        <p:nvPicPr>
-          <p:cNvPr id="53" name="그림 52">
-            <a:extLst>
-              <a:ext uri="{FF2B5EF4-FFF2-40B4-BE49-F238E27FC236}">
-                <a16:creationId xmlns:a16="http://schemas.microsoft.com/office/drawing/2014/main" id="{423CFF94-AE43-4594-9C8A-DB5A769F0DE4}"/>
-              </a:ext>
-            </a:extLst>
-          </p:cNvPr>
-          <p:cNvPicPr>
-            <a:picLocks noChangeAspect="1"/>
-          </p:cNvPicPr>
-          <p:nvPr/>
-        </p:nvPicPr>
-        <p:blipFill>
-          <a:blip r:embed="rId4">
-            <a:extLst>
-              <a:ext uri="{28A0092B-C50C-407E-A947-70E740481C1C}">
-                <a14:useLocalDpi xmlns:a14="http://schemas.microsoft.com/office/drawing/2010/main" val="0"/>
-              </a:ext>
-            </a:extLst>
-          </a:blip>
-          <a:stretch>
-            <a:fillRect/>
-          </a:stretch>
-        </p:blipFill>
-        <p:spPr>
-          <a:xfrm>
-            <a:off x="8011752" y="4713286"/>
-            <a:ext cx="589929" cy="589929"/>
-          </a:xfrm>
-          <a:prstGeom prst="rect">
-            <a:avLst/>
-          </a:prstGeom>
-        </p:spPr>
-      </p:pic>
-      <p:pic>
-        <p:nvPicPr>
-          <p:cNvPr id="3" name="그림 2" descr="스크린샷이(가) 표시된 사진&#10;&#10;자동 생성된 설명">
-            <a:extLst>
-              <a:ext uri="{FF2B5EF4-FFF2-40B4-BE49-F238E27FC236}">
-                <a16:creationId xmlns:a16="http://schemas.microsoft.com/office/drawing/2014/main" id="{8BF85EC6-A529-4531-9BC8-0646D0554BA5}"/>
-              </a:ext>
-            </a:extLst>
-          </p:cNvPr>
-          <p:cNvPicPr>
-            <a:picLocks noChangeAspect="1"/>
-          </p:cNvPicPr>
-          <p:nvPr/>
-        </p:nvPicPr>
-        <p:blipFill>
-          <a:blip r:embed="rId5">
-            <a:extLst>
-              <a:ext uri="{28A0092B-C50C-407E-A947-70E740481C1C}">
-                <a14:useLocalDpi xmlns:a14="http://schemas.microsoft.com/office/drawing/2010/main" val="0"/>
-              </a:ext>
-            </a:extLst>
-          </a:blip>
-          <a:stretch>
-            <a:fillRect/>
-          </a:stretch>
-        </p:blipFill>
-        <p:spPr>
-          <a:xfrm>
-            <a:off x="10008704" y="2682850"/>
-            <a:ext cx="1559011" cy="2620365"/>
-          </a:xfrm>
-          <a:prstGeom prst="rect">
-            <a:avLst/>
-          </a:prstGeom>
-        </p:spPr>
-      </p:pic>
     </p:spTree>
     <p:extLst>
       <p:ext uri="{BB962C8B-B14F-4D97-AF65-F5344CB8AC3E}">
-        <p14:creationId xmlns:p14="http://schemas.microsoft.com/office/powerpoint/2010/main" val="436139714"/>
+        <p14:creationId xmlns:p14="http://schemas.microsoft.com/office/powerpoint/2010/main" val="1018758761"/>
       </p:ext>
     </p:extLst>
   </p:cSld>

--- a/docs/8_Final Presentation Panel.pptx
+++ b/docs/8_Final Presentation Panel.pptx
@@ -11,8 +11,8 @@
     <p:sldId id="414" r:id="rId2"/>
     <p:sldId id="291" r:id="rId3"/>
     <p:sldId id="415" r:id="rId4"/>
-    <p:sldId id="321" r:id="rId5"/>
-    <p:sldId id="411" r:id="rId6"/>
+    <p:sldId id="425" r:id="rId5"/>
+    <p:sldId id="426" r:id="rId6"/>
     <p:sldId id="421" r:id="rId7"/>
     <p:sldId id="424" r:id="rId8"/>
     <p:sldId id="326" r:id="rId9"/>
@@ -204,7 +204,7 @@
           <a:p>
             <a:fld id="{CE2997ED-12CC-472B-AA05-6D1C9A88BA7B}" type="datetimeFigureOut">
               <a:rPr lang="ko-KR" altLang="en-US" smtClean="0"/>
-              <a:t>19-06-10</a:t>
+              <a:t>2019-06-10</a:t>
             </a:fld>
             <a:endParaRPr lang="ko-KR" altLang="en-US"/>
           </a:p>
@@ -1485,7 +1485,7 @@
           <a:p>
             <a:fld id="{A360C872-B3A7-413C-B014-1411817D9014}" type="datetimeFigureOut">
               <a:rPr lang="ko-KR" altLang="en-US" smtClean="0"/>
-              <a:t>19-06-10</a:t>
+              <a:t>2019-06-10</a:t>
             </a:fld>
             <a:endParaRPr lang="ko-KR" altLang="en-US"/>
           </a:p>
@@ -1683,7 +1683,7 @@
           <a:p>
             <a:fld id="{A360C872-B3A7-413C-B014-1411817D9014}" type="datetimeFigureOut">
               <a:rPr lang="ko-KR" altLang="en-US" smtClean="0"/>
-              <a:t>19-06-10</a:t>
+              <a:t>2019-06-10</a:t>
             </a:fld>
             <a:endParaRPr lang="ko-KR" altLang="en-US"/>
           </a:p>
@@ -1891,7 +1891,7 @@
           <a:p>
             <a:fld id="{A360C872-B3A7-413C-B014-1411817D9014}" type="datetimeFigureOut">
               <a:rPr lang="ko-KR" altLang="en-US" smtClean="0"/>
-              <a:t>19-06-10</a:t>
+              <a:t>2019-06-10</a:t>
             </a:fld>
             <a:endParaRPr lang="ko-KR" altLang="en-US"/>
           </a:p>
@@ -3776,7 +3776,7 @@
           <a:p>
             <a:fld id="{A360C872-B3A7-413C-B014-1411817D9014}" type="datetimeFigureOut">
               <a:rPr lang="ko-KR" altLang="en-US" smtClean="0"/>
-              <a:t>19-06-10</a:t>
+              <a:t>2019-06-10</a:t>
             </a:fld>
             <a:endParaRPr lang="ko-KR" altLang="en-US"/>
           </a:p>
@@ -4051,7 +4051,7 @@
           <a:p>
             <a:fld id="{A360C872-B3A7-413C-B014-1411817D9014}" type="datetimeFigureOut">
               <a:rPr lang="ko-KR" altLang="en-US" smtClean="0"/>
-              <a:t>19-06-10</a:t>
+              <a:t>2019-06-10</a:t>
             </a:fld>
             <a:endParaRPr lang="ko-KR" altLang="en-US"/>
           </a:p>
@@ -4316,7 +4316,7 @@
           <a:p>
             <a:fld id="{A360C872-B3A7-413C-B014-1411817D9014}" type="datetimeFigureOut">
               <a:rPr lang="ko-KR" altLang="en-US" smtClean="0"/>
-              <a:t>19-06-10</a:t>
+              <a:t>2019-06-10</a:t>
             </a:fld>
             <a:endParaRPr lang="ko-KR" altLang="en-US"/>
           </a:p>
@@ -4728,7 +4728,7 @@
           <a:p>
             <a:fld id="{A360C872-B3A7-413C-B014-1411817D9014}" type="datetimeFigureOut">
               <a:rPr lang="ko-KR" altLang="en-US" smtClean="0"/>
-              <a:t>19-06-10</a:t>
+              <a:t>2019-06-10</a:t>
             </a:fld>
             <a:endParaRPr lang="ko-KR" altLang="en-US"/>
           </a:p>
@@ -4869,7 +4869,7 @@
           <a:p>
             <a:fld id="{A360C872-B3A7-413C-B014-1411817D9014}" type="datetimeFigureOut">
               <a:rPr lang="ko-KR" altLang="en-US" smtClean="0"/>
-              <a:t>19-06-10</a:t>
+              <a:t>2019-06-10</a:t>
             </a:fld>
             <a:endParaRPr lang="ko-KR" altLang="en-US"/>
           </a:p>
@@ -4982,7 +4982,7 @@
           <a:p>
             <a:fld id="{A360C872-B3A7-413C-B014-1411817D9014}" type="datetimeFigureOut">
               <a:rPr lang="ko-KR" altLang="en-US" smtClean="0"/>
-              <a:t>19-06-10</a:t>
+              <a:t>2019-06-10</a:t>
             </a:fld>
             <a:endParaRPr lang="ko-KR" altLang="en-US"/>
           </a:p>
@@ -5293,7 +5293,7 @@
           <a:p>
             <a:fld id="{A360C872-B3A7-413C-B014-1411817D9014}" type="datetimeFigureOut">
               <a:rPr lang="ko-KR" altLang="en-US" smtClean="0"/>
-              <a:t>19-06-10</a:t>
+              <a:t>2019-06-10</a:t>
             </a:fld>
             <a:endParaRPr lang="ko-KR" altLang="en-US"/>
           </a:p>
@@ -5581,7 +5581,7 @@
           <a:p>
             <a:fld id="{A360C872-B3A7-413C-B014-1411817D9014}" type="datetimeFigureOut">
               <a:rPr lang="ko-KR" altLang="en-US" smtClean="0"/>
-              <a:t>19-06-10</a:t>
+              <a:t>2019-06-10</a:t>
             </a:fld>
             <a:endParaRPr lang="ko-KR" altLang="en-US"/>
           </a:p>
@@ -5822,7 +5822,7 @@
           <a:p>
             <a:fld id="{A360C872-B3A7-413C-B014-1411817D9014}" type="datetimeFigureOut">
               <a:rPr lang="ko-KR" altLang="en-US" smtClean="0"/>
-              <a:t>19-06-10</a:t>
+              <a:t>2019-06-10</a:t>
             </a:fld>
             <a:endParaRPr lang="ko-KR" altLang="en-US"/>
           </a:p>
@@ -8194,6 +8194,35 @@
           <a:chExt cx="0" cy="0"/>
         </a:xfrm>
       </p:grpSpPr>
+      <p:pic>
+        <p:nvPicPr>
+          <p:cNvPr id="3" name="그림 2">
+            <a:extLst>
+              <a:ext uri="{FF2B5EF4-FFF2-40B4-BE49-F238E27FC236}">
+                <a16:creationId xmlns:a16="http://schemas.microsoft.com/office/drawing/2014/main" id="{D61425AE-F74F-4699-ABA8-12B35D5F551A}"/>
+              </a:ext>
+            </a:extLst>
+          </p:cNvPr>
+          <p:cNvPicPr>
+            <a:picLocks noChangeAspect="1"/>
+          </p:cNvPicPr>
+          <p:nvPr/>
+        </p:nvPicPr>
+        <p:blipFill rotWithShape="1">
+          <a:blip r:embed="rId3"/>
+          <a:srcRect l="8732" t="59775" r="56758" b="8333"/>
+          <a:stretch/>
+        </p:blipFill>
+        <p:spPr>
+          <a:xfrm>
+            <a:off x="7822815" y="4381931"/>
+            <a:ext cx="4207425" cy="2173178"/>
+          </a:xfrm>
+          <a:prstGeom prst="rect">
+            <a:avLst/>
+          </a:prstGeom>
+        </p:spPr>
+      </p:pic>
       <p:sp>
         <p:nvSpPr>
           <p:cNvPr id="110" name="Google Shape;110;p14"/>
@@ -8227,7 +8256,27 @@
                 <a:latin typeface="a옛날목욕탕L" panose="02020600000000000000" pitchFamily="18" charset="-127"/>
                 <a:ea typeface="a옛날목욕탕L" panose="02020600000000000000" pitchFamily="18" charset="-127"/>
               </a:rPr>
-              <a:t>시스템 구성도</a:t>
+              <a:t>제품 기능 </a:t>
+            </a:r>
+            <a:r>
+              <a:rPr lang="en-US" altLang="ko-KR" dirty="0">
+                <a:solidFill>
+                  <a:schemeClr val="bg1"/>
+                </a:solidFill>
+                <a:latin typeface="a옛날목욕탕L" panose="02020600000000000000" pitchFamily="18" charset="-127"/>
+                <a:ea typeface="a옛날목욕탕L" panose="02020600000000000000" pitchFamily="18" charset="-127"/>
+              </a:rPr>
+              <a:t>– Device </a:t>
+            </a:r>
+            <a:r>
+              <a:rPr lang="ko-KR" altLang="en-US" dirty="0">
+                <a:solidFill>
+                  <a:schemeClr val="bg1"/>
+                </a:solidFill>
+                <a:latin typeface="a옛날목욕탕L" panose="02020600000000000000" pitchFamily="18" charset="-127"/>
+                <a:ea typeface="a옛날목욕탕L" panose="02020600000000000000" pitchFamily="18" charset="-127"/>
+              </a:rPr>
+              <a:t>작동법</a:t>
             </a:r>
             <a:endParaRPr dirty="0">
               <a:solidFill>
@@ -8285,10 +8334,1926 @@
           </a:p>
         </p:txBody>
       </p:sp>
+      <p:grpSp>
+        <p:nvGrpSpPr>
+          <p:cNvPr id="5" name="그룹 4">
+            <a:extLst>
+              <a:ext uri="{FF2B5EF4-FFF2-40B4-BE49-F238E27FC236}">
+                <a16:creationId xmlns:a16="http://schemas.microsoft.com/office/drawing/2014/main" id="{4D805F21-A8C7-4877-AE61-1456A362312F}"/>
+              </a:ext>
+            </a:extLst>
+          </p:cNvPr>
+          <p:cNvGrpSpPr/>
+          <p:nvPr/>
+        </p:nvGrpSpPr>
+        <p:grpSpPr>
+          <a:xfrm>
+            <a:off x="552995" y="2668430"/>
+            <a:ext cx="3993113" cy="2692081"/>
+            <a:chOff x="6538893" y="2318686"/>
+            <a:chExt cx="5075529" cy="2856915"/>
+          </a:xfrm>
+        </p:grpSpPr>
+        <p:grpSp>
+          <p:nvGrpSpPr>
+            <p:cNvPr id="6" name="그룹 5">
+              <a:extLst>
+                <a:ext uri="{FF2B5EF4-FFF2-40B4-BE49-F238E27FC236}">
+                  <a16:creationId xmlns:a16="http://schemas.microsoft.com/office/drawing/2014/main" id="{328E5F0C-70F0-41F8-9959-DB107D32F3EC}"/>
+                </a:ext>
+              </a:extLst>
+            </p:cNvPr>
+            <p:cNvGrpSpPr/>
+            <p:nvPr/>
+          </p:nvGrpSpPr>
+          <p:grpSpPr>
+            <a:xfrm>
+              <a:off x="6538893" y="2318686"/>
+              <a:ext cx="2796839" cy="2856915"/>
+              <a:chOff x="6924289" y="2262172"/>
+              <a:chExt cx="2154937" cy="2309092"/>
+            </a:xfrm>
+          </p:grpSpPr>
+          <p:grpSp>
+            <p:nvGrpSpPr>
+              <p:cNvPr id="11" name="그룹 10">
+                <a:extLst>
+                  <a:ext uri="{FF2B5EF4-FFF2-40B4-BE49-F238E27FC236}">
+                    <a16:creationId xmlns:a16="http://schemas.microsoft.com/office/drawing/2014/main" id="{B0005C64-4634-4E17-BF20-F0539D87114D}"/>
+                  </a:ext>
+                </a:extLst>
+              </p:cNvPr>
+              <p:cNvGrpSpPr/>
+              <p:nvPr/>
+            </p:nvGrpSpPr>
+            <p:grpSpPr>
+              <a:xfrm>
+                <a:off x="6924289" y="2262172"/>
+                <a:ext cx="1787909" cy="2309092"/>
+                <a:chOff x="6619489" y="2863272"/>
+                <a:chExt cx="2121028" cy="2739317"/>
+              </a:xfrm>
+            </p:grpSpPr>
+            <p:sp>
+              <p:nvSpPr>
+                <p:cNvPr id="14" name="사각형: 둥근 모서리 13">
+                  <a:extLst>
+                    <a:ext uri="{FF2B5EF4-FFF2-40B4-BE49-F238E27FC236}">
+                      <a16:creationId xmlns:a16="http://schemas.microsoft.com/office/drawing/2014/main" id="{2E5A24A2-EE96-47BB-9C91-E3E85EAD6406}"/>
+                    </a:ext>
+                  </a:extLst>
+                </p:cNvPr>
+                <p:cNvSpPr/>
+                <p:nvPr/>
+              </p:nvSpPr>
+              <p:spPr>
+                <a:xfrm>
+                  <a:off x="6619489" y="2863272"/>
+                  <a:ext cx="2121028" cy="2739317"/>
+                </a:xfrm>
+                <a:prstGeom prst="roundRect">
+                  <a:avLst/>
+                </a:prstGeom>
+                <a:noFill/>
+                <a:ln w="38100" cap="flat" cmpd="sng" algn="ctr">
+                  <a:solidFill>
+                    <a:schemeClr val="dk1"/>
+                  </a:solidFill>
+                  <a:prstDash val="solid"/>
+                  <a:round/>
+                  <a:headEnd type="none" w="med" len="med"/>
+                  <a:tailEnd type="none" w="med" len="med"/>
+                </a:ln>
+              </p:spPr>
+              <p:style>
+                <a:lnRef idx="0">
+                  <a:scrgbClr r="0" g="0" b="0"/>
+                </a:lnRef>
+                <a:fillRef idx="0">
+                  <a:scrgbClr r="0" g="0" b="0"/>
+                </a:fillRef>
+                <a:effectRef idx="0">
+                  <a:scrgbClr r="0" g="0" b="0"/>
+                </a:effectRef>
+                <a:fontRef idx="minor">
+                  <a:schemeClr val="dk1"/>
+                </a:fontRef>
+              </p:style>
+              <p:txBody>
+                <a:bodyPr rtlCol="0" anchor="ctr"/>
+                <a:lstStyle/>
+                <a:p>
+                  <a:pPr algn="ctr"/>
+                  <a:endParaRPr lang="ko-KR" altLang="en-US"/>
+                </a:p>
+              </p:txBody>
+            </p:sp>
+            <p:grpSp>
+              <p:nvGrpSpPr>
+                <p:cNvPr id="15" name="그룹 14">
+                  <a:extLst>
+                    <a:ext uri="{FF2B5EF4-FFF2-40B4-BE49-F238E27FC236}">
+                      <a16:creationId xmlns:a16="http://schemas.microsoft.com/office/drawing/2014/main" id="{39C03B0C-C6BF-4F22-B515-121F38E8B99B}"/>
+                    </a:ext>
+                  </a:extLst>
+                </p:cNvPr>
+                <p:cNvGrpSpPr/>
+                <p:nvPr/>
+              </p:nvGrpSpPr>
+              <p:grpSpPr>
+                <a:xfrm>
+                  <a:off x="6823581" y="4762851"/>
+                  <a:ext cx="618361" cy="618361"/>
+                  <a:chOff x="4128687" y="3644668"/>
+                  <a:chExt cx="403630" cy="403630"/>
+                </a:xfrm>
+              </p:grpSpPr>
+              <p:sp>
+                <p:nvSpPr>
+                  <p:cNvPr id="30" name="직사각형 29">
+                    <a:extLst>
+                      <a:ext uri="{FF2B5EF4-FFF2-40B4-BE49-F238E27FC236}">
+                        <a16:creationId xmlns:a16="http://schemas.microsoft.com/office/drawing/2014/main" id="{D62A6944-3BF0-4764-AB77-71CC498F57F3}"/>
+                      </a:ext>
+                    </a:extLst>
+                  </p:cNvPr>
+                  <p:cNvSpPr/>
+                  <p:nvPr/>
+                </p:nvSpPr>
+                <p:spPr>
+                  <a:xfrm>
+                    <a:off x="4128687" y="3644668"/>
+                    <a:ext cx="403630" cy="403630"/>
+                  </a:xfrm>
+                  <a:prstGeom prst="rect">
+                    <a:avLst/>
+                  </a:prstGeom>
+                </p:spPr>
+                <p:style>
+                  <a:lnRef idx="2">
+                    <a:schemeClr val="dk1"/>
+                  </a:lnRef>
+                  <a:fillRef idx="1">
+                    <a:schemeClr val="lt1"/>
+                  </a:fillRef>
+                  <a:effectRef idx="0">
+                    <a:schemeClr val="dk1"/>
+                  </a:effectRef>
+                  <a:fontRef idx="minor">
+                    <a:schemeClr val="dk1"/>
+                  </a:fontRef>
+                </p:style>
+                <p:txBody>
+                  <a:bodyPr rtlCol="0" anchor="ctr"/>
+                  <a:lstStyle/>
+                  <a:p>
+                    <a:pPr algn="ctr"/>
+                    <a:endParaRPr lang="ko-KR" altLang="en-US" dirty="0"/>
+                  </a:p>
+                </p:txBody>
+              </p:sp>
+              <p:grpSp>
+                <p:nvGrpSpPr>
+                  <p:cNvPr id="31" name="그룹 30">
+                    <a:extLst>
+                      <a:ext uri="{FF2B5EF4-FFF2-40B4-BE49-F238E27FC236}">
+                        <a16:creationId xmlns:a16="http://schemas.microsoft.com/office/drawing/2014/main" id="{A739F5FF-9405-41F6-B27D-31D1AC326D0E}"/>
+                      </a:ext>
+                    </a:extLst>
+                  </p:cNvPr>
+                  <p:cNvGrpSpPr/>
+                  <p:nvPr/>
+                </p:nvGrpSpPr>
+                <p:grpSpPr>
+                  <a:xfrm>
+                    <a:off x="4230583" y="3749407"/>
+                    <a:ext cx="199838" cy="227488"/>
+                    <a:chOff x="3420330" y="3419472"/>
+                    <a:chExt cx="456368" cy="519515"/>
+                  </a:xfrm>
+                </p:grpSpPr>
+                <p:grpSp>
+                  <p:nvGrpSpPr>
+                    <p:cNvPr id="32" name="그룹 31">
+                      <a:extLst>
+                        <a:ext uri="{FF2B5EF4-FFF2-40B4-BE49-F238E27FC236}">
+                          <a16:creationId xmlns:a16="http://schemas.microsoft.com/office/drawing/2014/main" id="{17CB4F75-38C2-4A4D-A929-BDAF06334A23}"/>
+                        </a:ext>
+                      </a:extLst>
+                    </p:cNvPr>
+                    <p:cNvGrpSpPr/>
+                    <p:nvPr/>
+                  </p:nvGrpSpPr>
+                  <p:grpSpPr>
+                    <a:xfrm>
+                      <a:off x="3424844" y="3419472"/>
+                      <a:ext cx="450549" cy="113438"/>
+                      <a:chOff x="3424844" y="3419472"/>
+                      <a:chExt cx="450549" cy="113438"/>
+                    </a:xfrm>
+                  </p:grpSpPr>
+                  <p:sp>
+                    <p:nvSpPr>
+                      <p:cNvPr id="39" name="타원 38">
+                        <a:extLst>
+                          <a:ext uri="{FF2B5EF4-FFF2-40B4-BE49-F238E27FC236}">
+                            <a16:creationId xmlns:a16="http://schemas.microsoft.com/office/drawing/2014/main" id="{055F1BAC-89A1-46F0-B6D7-C2F1C33CD55A}"/>
+                          </a:ext>
+                        </a:extLst>
+                      </p:cNvPr>
+                      <p:cNvSpPr/>
+                      <p:nvPr/>
+                    </p:nvSpPr>
+                    <p:spPr>
+                      <a:xfrm>
+                        <a:off x="3424844" y="3419472"/>
+                        <a:ext cx="109728" cy="113438"/>
+                      </a:xfrm>
+                      <a:prstGeom prst="ellipse">
+                        <a:avLst/>
+                      </a:prstGeom>
+                      <a:solidFill>
+                        <a:srgbClr val="FF0000"/>
+                      </a:solidFill>
+                      <a:ln>
+                        <a:solidFill>
+                          <a:srgbClr val="FF0000"/>
+                        </a:solidFill>
+                      </a:ln>
+                    </p:spPr>
+                    <p:style>
+                      <a:lnRef idx="0">
+                        <a:scrgbClr r="0" g="0" b="0"/>
+                      </a:lnRef>
+                      <a:fillRef idx="0">
+                        <a:scrgbClr r="0" g="0" b="0"/>
+                      </a:fillRef>
+                      <a:effectRef idx="0">
+                        <a:scrgbClr r="0" g="0" b="0"/>
+                      </a:effectRef>
+                      <a:fontRef idx="minor">
+                        <a:schemeClr val="lt1"/>
+                      </a:fontRef>
+                    </p:style>
+                    <p:txBody>
+                      <a:bodyPr rtlCol="0" anchor="ctr"/>
+                      <a:lstStyle/>
+                      <a:p>
+                        <a:pPr algn="ctr"/>
+                        <a:endParaRPr lang="ko-KR" altLang="en-US"/>
+                      </a:p>
+                    </p:txBody>
+                  </p:sp>
+                  <p:sp>
+                    <p:nvSpPr>
+                      <p:cNvPr id="40" name="타원 39">
+                        <a:extLst>
+                          <a:ext uri="{FF2B5EF4-FFF2-40B4-BE49-F238E27FC236}">
+                            <a16:creationId xmlns:a16="http://schemas.microsoft.com/office/drawing/2014/main" id="{F8F68F27-7E02-4FB4-AF25-12C3867867A3}"/>
+                          </a:ext>
+                        </a:extLst>
+                      </p:cNvPr>
+                      <p:cNvSpPr/>
+                      <p:nvPr/>
+                    </p:nvSpPr>
+                    <p:spPr>
+                      <a:xfrm>
+                        <a:off x="3765665" y="3419472"/>
+                        <a:ext cx="109728" cy="113438"/>
+                      </a:xfrm>
+                      <a:prstGeom prst="ellipse">
+                        <a:avLst/>
+                      </a:prstGeom>
+                      <a:solidFill>
+                        <a:srgbClr val="FF0000"/>
+                      </a:solidFill>
+                      <a:ln>
+                        <a:solidFill>
+                          <a:srgbClr val="FF0000"/>
+                        </a:solidFill>
+                      </a:ln>
+                    </p:spPr>
+                    <p:style>
+                      <a:lnRef idx="0">
+                        <a:scrgbClr r="0" g="0" b="0"/>
+                      </a:lnRef>
+                      <a:fillRef idx="0">
+                        <a:scrgbClr r="0" g="0" b="0"/>
+                      </a:fillRef>
+                      <a:effectRef idx="0">
+                        <a:scrgbClr r="0" g="0" b="0"/>
+                      </a:effectRef>
+                      <a:fontRef idx="minor">
+                        <a:schemeClr val="lt1"/>
+                      </a:fontRef>
+                    </p:style>
+                    <p:txBody>
+                      <a:bodyPr rtlCol="0" anchor="ctr"/>
+                      <a:lstStyle/>
+                      <a:p>
+                        <a:pPr algn="ctr"/>
+                        <a:endParaRPr lang="ko-KR" altLang="en-US"/>
+                      </a:p>
+                    </p:txBody>
+                  </p:sp>
+                </p:grpSp>
+                <p:grpSp>
+                  <p:nvGrpSpPr>
+                    <p:cNvPr id="33" name="그룹 32">
+                      <a:extLst>
+                        <a:ext uri="{FF2B5EF4-FFF2-40B4-BE49-F238E27FC236}">
+                          <a16:creationId xmlns:a16="http://schemas.microsoft.com/office/drawing/2014/main" id="{899A3CCF-C54F-459A-BEF1-D05C28DDF3B0}"/>
+                        </a:ext>
+                      </a:extLst>
+                    </p:cNvPr>
+                    <p:cNvGrpSpPr/>
+                    <p:nvPr/>
+                  </p:nvGrpSpPr>
+                  <p:grpSpPr>
+                    <a:xfrm>
+                      <a:off x="3426149" y="3616513"/>
+                      <a:ext cx="450549" cy="113438"/>
+                      <a:chOff x="3424844" y="3419472"/>
+                      <a:chExt cx="450549" cy="113438"/>
+                    </a:xfrm>
+                  </p:grpSpPr>
+                  <p:sp>
+                    <p:nvSpPr>
+                      <p:cNvPr id="37" name="타원 36">
+                        <a:extLst>
+                          <a:ext uri="{FF2B5EF4-FFF2-40B4-BE49-F238E27FC236}">
+                            <a16:creationId xmlns:a16="http://schemas.microsoft.com/office/drawing/2014/main" id="{31E58CB5-0997-4AA4-BBBF-A56FE65DDCF8}"/>
+                          </a:ext>
+                        </a:extLst>
+                      </p:cNvPr>
+                      <p:cNvSpPr/>
+                      <p:nvPr/>
+                    </p:nvSpPr>
+                    <p:spPr>
+                      <a:xfrm>
+                        <a:off x="3424844" y="3419472"/>
+                        <a:ext cx="109728" cy="113438"/>
+                      </a:xfrm>
+                      <a:prstGeom prst="ellipse">
+                        <a:avLst/>
+                      </a:prstGeom>
+                      <a:solidFill>
+                        <a:srgbClr val="FF0000"/>
+                      </a:solidFill>
+                      <a:ln>
+                        <a:solidFill>
+                          <a:srgbClr val="FF0000"/>
+                        </a:solidFill>
+                      </a:ln>
+                    </p:spPr>
+                    <p:style>
+                      <a:lnRef idx="0">
+                        <a:scrgbClr r="0" g="0" b="0"/>
+                      </a:lnRef>
+                      <a:fillRef idx="0">
+                        <a:scrgbClr r="0" g="0" b="0"/>
+                      </a:fillRef>
+                      <a:effectRef idx="0">
+                        <a:scrgbClr r="0" g="0" b="0"/>
+                      </a:effectRef>
+                      <a:fontRef idx="minor">
+                        <a:schemeClr val="lt1"/>
+                      </a:fontRef>
+                    </p:style>
+                    <p:txBody>
+                      <a:bodyPr rtlCol="0" anchor="ctr"/>
+                      <a:lstStyle/>
+                      <a:p>
+                        <a:pPr algn="ctr"/>
+                        <a:endParaRPr lang="ko-KR" altLang="en-US"/>
+                      </a:p>
+                    </p:txBody>
+                  </p:sp>
+                  <p:sp>
+                    <p:nvSpPr>
+                      <p:cNvPr id="38" name="타원 37">
+                        <a:extLst>
+                          <a:ext uri="{FF2B5EF4-FFF2-40B4-BE49-F238E27FC236}">
+                            <a16:creationId xmlns:a16="http://schemas.microsoft.com/office/drawing/2014/main" id="{4CB3C25B-2D49-4E1D-B7E5-773448ABB62E}"/>
+                          </a:ext>
+                        </a:extLst>
+                      </p:cNvPr>
+                      <p:cNvSpPr/>
+                      <p:nvPr/>
+                    </p:nvSpPr>
+                    <p:spPr>
+                      <a:xfrm>
+                        <a:off x="3765665" y="3419472"/>
+                        <a:ext cx="109728" cy="113438"/>
+                      </a:xfrm>
+                      <a:prstGeom prst="ellipse">
+                        <a:avLst/>
+                      </a:prstGeom>
+                      <a:solidFill>
+                        <a:srgbClr val="FF0000"/>
+                      </a:solidFill>
+                      <a:ln>
+                        <a:solidFill>
+                          <a:srgbClr val="FF0000"/>
+                        </a:solidFill>
+                      </a:ln>
+                    </p:spPr>
+                    <p:style>
+                      <a:lnRef idx="0">
+                        <a:scrgbClr r="0" g="0" b="0"/>
+                      </a:lnRef>
+                      <a:fillRef idx="0">
+                        <a:scrgbClr r="0" g="0" b="0"/>
+                      </a:fillRef>
+                      <a:effectRef idx="0">
+                        <a:scrgbClr r="0" g="0" b="0"/>
+                      </a:effectRef>
+                      <a:fontRef idx="minor">
+                        <a:schemeClr val="lt1"/>
+                      </a:fontRef>
+                    </p:style>
+                    <p:txBody>
+                      <a:bodyPr rtlCol="0" anchor="ctr"/>
+                      <a:lstStyle/>
+                      <a:p>
+                        <a:pPr algn="ctr"/>
+                        <a:endParaRPr lang="ko-KR" altLang="en-US"/>
+                      </a:p>
+                    </p:txBody>
+                  </p:sp>
+                </p:grpSp>
+                <p:grpSp>
+                  <p:nvGrpSpPr>
+                    <p:cNvPr id="34" name="그룹 33">
+                      <a:extLst>
+                        <a:ext uri="{FF2B5EF4-FFF2-40B4-BE49-F238E27FC236}">
+                          <a16:creationId xmlns:a16="http://schemas.microsoft.com/office/drawing/2014/main" id="{6D6C46B3-D684-4378-9E53-5A9F9D93F4AF}"/>
+                        </a:ext>
+                      </a:extLst>
+                    </p:cNvPr>
+                    <p:cNvGrpSpPr/>
+                    <p:nvPr/>
+                  </p:nvGrpSpPr>
+                  <p:grpSpPr>
+                    <a:xfrm>
+                      <a:off x="3420330" y="3825549"/>
+                      <a:ext cx="450549" cy="113438"/>
+                      <a:chOff x="3424844" y="3419472"/>
+                      <a:chExt cx="450549" cy="113438"/>
+                    </a:xfrm>
+                  </p:grpSpPr>
+                  <p:sp>
+                    <p:nvSpPr>
+                      <p:cNvPr id="35" name="타원 34">
+                        <a:extLst>
+                          <a:ext uri="{FF2B5EF4-FFF2-40B4-BE49-F238E27FC236}">
+                            <a16:creationId xmlns:a16="http://schemas.microsoft.com/office/drawing/2014/main" id="{B245EFA8-55C2-4E09-AA01-70DB6ED85605}"/>
+                          </a:ext>
+                        </a:extLst>
+                      </p:cNvPr>
+                      <p:cNvSpPr/>
+                      <p:nvPr/>
+                    </p:nvSpPr>
+                    <p:spPr>
+                      <a:xfrm>
+                        <a:off x="3424844" y="3419472"/>
+                        <a:ext cx="109728" cy="113438"/>
+                      </a:xfrm>
+                      <a:prstGeom prst="ellipse">
+                        <a:avLst/>
+                      </a:prstGeom>
+                      <a:solidFill>
+                        <a:srgbClr val="FF0000"/>
+                      </a:solidFill>
+                      <a:ln>
+                        <a:solidFill>
+                          <a:srgbClr val="FF0000"/>
+                        </a:solidFill>
+                      </a:ln>
+                    </p:spPr>
+                    <p:style>
+                      <a:lnRef idx="0">
+                        <a:scrgbClr r="0" g="0" b="0"/>
+                      </a:lnRef>
+                      <a:fillRef idx="0">
+                        <a:scrgbClr r="0" g="0" b="0"/>
+                      </a:fillRef>
+                      <a:effectRef idx="0">
+                        <a:scrgbClr r="0" g="0" b="0"/>
+                      </a:effectRef>
+                      <a:fontRef idx="minor">
+                        <a:schemeClr val="lt1"/>
+                      </a:fontRef>
+                    </p:style>
+                    <p:txBody>
+                      <a:bodyPr rtlCol="0" anchor="ctr"/>
+                      <a:lstStyle/>
+                      <a:p>
+                        <a:pPr algn="ctr"/>
+                        <a:endParaRPr lang="ko-KR" altLang="en-US"/>
+                      </a:p>
+                    </p:txBody>
+                  </p:sp>
+                  <p:sp>
+                    <p:nvSpPr>
+                      <p:cNvPr id="36" name="타원 35">
+                        <a:extLst>
+                          <a:ext uri="{FF2B5EF4-FFF2-40B4-BE49-F238E27FC236}">
+                            <a16:creationId xmlns:a16="http://schemas.microsoft.com/office/drawing/2014/main" id="{6670EE21-CB5C-41AB-931C-EA732800BB6C}"/>
+                          </a:ext>
+                        </a:extLst>
+                      </p:cNvPr>
+                      <p:cNvSpPr/>
+                      <p:nvPr/>
+                    </p:nvSpPr>
+                    <p:spPr>
+                      <a:xfrm>
+                        <a:off x="3765665" y="3419472"/>
+                        <a:ext cx="109728" cy="113438"/>
+                      </a:xfrm>
+                      <a:prstGeom prst="ellipse">
+                        <a:avLst/>
+                      </a:prstGeom>
+                      <a:solidFill>
+                        <a:srgbClr val="FF0000"/>
+                      </a:solidFill>
+                      <a:ln>
+                        <a:solidFill>
+                          <a:srgbClr val="FF0000"/>
+                        </a:solidFill>
+                      </a:ln>
+                    </p:spPr>
+                    <p:style>
+                      <a:lnRef idx="0">
+                        <a:scrgbClr r="0" g="0" b="0"/>
+                      </a:lnRef>
+                      <a:fillRef idx="0">
+                        <a:scrgbClr r="0" g="0" b="0"/>
+                      </a:fillRef>
+                      <a:effectRef idx="0">
+                        <a:scrgbClr r="0" g="0" b="0"/>
+                      </a:effectRef>
+                      <a:fontRef idx="minor">
+                        <a:schemeClr val="lt1"/>
+                      </a:fontRef>
+                    </p:style>
+                    <p:txBody>
+                      <a:bodyPr rtlCol="0" anchor="ctr"/>
+                      <a:lstStyle/>
+                      <a:p>
+                        <a:pPr algn="ctr"/>
+                        <a:endParaRPr lang="ko-KR" altLang="en-US"/>
+                      </a:p>
+                    </p:txBody>
+                  </p:sp>
+                </p:grpSp>
+              </p:grpSp>
+            </p:grpSp>
+            <p:grpSp>
+              <p:nvGrpSpPr>
+                <p:cNvPr id="16" name="그룹 15">
+                  <a:extLst>
+                    <a:ext uri="{FF2B5EF4-FFF2-40B4-BE49-F238E27FC236}">
+                      <a16:creationId xmlns:a16="http://schemas.microsoft.com/office/drawing/2014/main" id="{DD5AEF83-B229-442C-B4E4-36324C9CF1D8}"/>
+                    </a:ext>
+                  </a:extLst>
+                </p:cNvPr>
+                <p:cNvGrpSpPr/>
+                <p:nvPr/>
+              </p:nvGrpSpPr>
+              <p:grpSpPr>
+                <a:xfrm>
+                  <a:off x="7251331" y="3118691"/>
+                  <a:ext cx="1230851" cy="620618"/>
+                  <a:chOff x="6792383" y="2795940"/>
+                  <a:chExt cx="2092592" cy="1055123"/>
+                </a:xfrm>
+              </p:grpSpPr>
+              <p:sp>
+                <p:nvSpPr>
+                  <p:cNvPr id="18" name="타원 17">
+                    <a:extLst>
+                      <a:ext uri="{FF2B5EF4-FFF2-40B4-BE49-F238E27FC236}">
+                        <a16:creationId xmlns:a16="http://schemas.microsoft.com/office/drawing/2014/main" id="{489753C9-505F-4F19-A011-E9ECF77ACC69}"/>
+                      </a:ext>
+                    </a:extLst>
+                  </p:cNvPr>
+                  <p:cNvSpPr/>
+                  <p:nvPr/>
+                </p:nvSpPr>
+                <p:spPr>
+                  <a:xfrm>
+                    <a:off x="8196958" y="3243954"/>
+                    <a:ext cx="173189" cy="173189"/>
+                  </a:xfrm>
+                  <a:prstGeom prst="ellipse">
+                    <a:avLst/>
+                  </a:prstGeom>
+                  <a:solidFill>
+                    <a:srgbClr val="00B050"/>
+                  </a:solidFill>
+                  <a:ln>
+                    <a:noFill/>
+                  </a:ln>
+                </p:spPr>
+                <p:style>
+                  <a:lnRef idx="2">
+                    <a:schemeClr val="accent1">
+                      <a:shade val="50000"/>
+                    </a:schemeClr>
+                  </a:lnRef>
+                  <a:fillRef idx="1">
+                    <a:schemeClr val="accent1"/>
+                  </a:fillRef>
+                  <a:effectRef idx="0">
+                    <a:schemeClr val="accent1"/>
+                  </a:effectRef>
+                  <a:fontRef idx="minor">
+                    <a:schemeClr val="lt1"/>
+                  </a:fontRef>
+                </p:style>
+                <p:txBody>
+                  <a:bodyPr rtlCol="0" anchor="ctr"/>
+                  <a:lstStyle/>
+                  <a:p>
+                    <a:pPr algn="ctr"/>
+                    <a:endParaRPr lang="ko-KR" altLang="en-US" dirty="0"/>
+                  </a:p>
+                </p:txBody>
+              </p:sp>
+              <p:grpSp>
+                <p:nvGrpSpPr>
+                  <p:cNvPr id="19" name="그룹 18">
+                    <a:extLst>
+                      <a:ext uri="{FF2B5EF4-FFF2-40B4-BE49-F238E27FC236}">
+                        <a16:creationId xmlns:a16="http://schemas.microsoft.com/office/drawing/2014/main" id="{FF29032D-D27A-4CE7-9F2C-B693D1D2AC48}"/>
+                      </a:ext>
+                    </a:extLst>
+                  </p:cNvPr>
+                  <p:cNvGrpSpPr/>
+                  <p:nvPr/>
+                </p:nvGrpSpPr>
+                <p:grpSpPr>
+                  <a:xfrm>
+                    <a:off x="6792383" y="2795940"/>
+                    <a:ext cx="1051286" cy="1055123"/>
+                    <a:chOff x="7118924" y="1989694"/>
+                    <a:chExt cx="1797967" cy="1804529"/>
+                  </a:xfrm>
+                </p:grpSpPr>
+                <p:sp>
+                  <p:nvSpPr>
+                    <p:cNvPr id="22" name="직사각형 21">
+                      <a:extLst>
+                        <a:ext uri="{FF2B5EF4-FFF2-40B4-BE49-F238E27FC236}">
+                          <a16:creationId xmlns:a16="http://schemas.microsoft.com/office/drawing/2014/main" id="{2248FD77-856F-4ECC-86A3-CDB4AC4B9FF7}"/>
+                        </a:ext>
+                      </a:extLst>
+                    </p:cNvPr>
+                    <p:cNvSpPr/>
+                    <p:nvPr/>
+                  </p:nvSpPr>
+                  <p:spPr>
+                    <a:xfrm>
+                      <a:off x="7118924" y="1989694"/>
+                      <a:ext cx="1797967" cy="1804529"/>
+                    </a:xfrm>
+                    <a:prstGeom prst="rect">
+                      <a:avLst/>
+                    </a:prstGeom>
+                    <a:noFill/>
+                    <a:ln w="28575" cap="flat" cmpd="sng" algn="ctr">
+                      <a:solidFill>
+                        <a:srgbClr val="FF0000"/>
+                      </a:solidFill>
+                      <a:prstDash val="sysDot"/>
+                      <a:round/>
+                      <a:headEnd type="none" w="med" len="med"/>
+                      <a:tailEnd type="none" w="med" len="med"/>
+                    </a:ln>
+                  </p:spPr>
+                  <p:style>
+                    <a:lnRef idx="0">
+                      <a:scrgbClr r="0" g="0" b="0"/>
+                    </a:lnRef>
+                    <a:fillRef idx="0">
+                      <a:scrgbClr r="0" g="0" b="0"/>
+                    </a:fillRef>
+                    <a:effectRef idx="0">
+                      <a:scrgbClr r="0" g="0" b="0"/>
+                    </a:effectRef>
+                    <a:fontRef idx="minor">
+                      <a:schemeClr val="accent6"/>
+                    </a:fontRef>
+                  </p:style>
+                  <p:txBody>
+                    <a:bodyPr rtlCol="0" anchor="ctr"/>
+                    <a:lstStyle/>
+                    <a:p>
+                      <a:pPr algn="ctr"/>
+                      <a:endParaRPr lang="ko-KR" altLang="en-US"/>
+                    </a:p>
+                  </p:txBody>
+                </p:sp>
+                <p:grpSp>
+                  <p:nvGrpSpPr>
+                    <p:cNvPr id="23" name="그룹 22">
+                      <a:extLst>
+                        <a:ext uri="{FF2B5EF4-FFF2-40B4-BE49-F238E27FC236}">
+                          <a16:creationId xmlns:a16="http://schemas.microsoft.com/office/drawing/2014/main" id="{6E91B924-D724-4D2B-86C4-1971EDF3E1D4}"/>
+                        </a:ext>
+                      </a:extLst>
+                    </p:cNvPr>
+                    <p:cNvGrpSpPr/>
+                    <p:nvPr/>
+                  </p:nvGrpSpPr>
+                  <p:grpSpPr>
+                    <a:xfrm>
+                      <a:off x="7326231" y="2150005"/>
+                      <a:ext cx="1377740" cy="1427351"/>
+                      <a:chOff x="4205323" y="1579582"/>
+                      <a:chExt cx="1069085" cy="1107584"/>
+                    </a:xfrm>
+                  </p:grpSpPr>
+                  <p:sp>
+                    <p:nvSpPr>
+                      <p:cNvPr id="24" name="타원 23">
+                        <a:extLst>
+                          <a:ext uri="{FF2B5EF4-FFF2-40B4-BE49-F238E27FC236}">
+                            <a16:creationId xmlns:a16="http://schemas.microsoft.com/office/drawing/2014/main" id="{870D0344-0F0D-40DB-9536-AAFAD3E89675}"/>
+                          </a:ext>
+                        </a:extLst>
+                      </p:cNvPr>
+                      <p:cNvSpPr/>
+                      <p:nvPr/>
+                    </p:nvSpPr>
+                    <p:spPr>
+                      <a:xfrm>
+                        <a:off x="4210936" y="1579582"/>
+                        <a:ext cx="256214" cy="256214"/>
+                      </a:xfrm>
+                      <a:prstGeom prst="ellipse">
+                        <a:avLst/>
+                      </a:prstGeom>
+                    </p:spPr>
+                    <p:style>
+                      <a:lnRef idx="2">
+                        <a:schemeClr val="dk1">
+                          <a:shade val="50000"/>
+                        </a:schemeClr>
+                      </a:lnRef>
+                      <a:fillRef idx="1">
+                        <a:schemeClr val="dk1"/>
+                      </a:fillRef>
+                      <a:effectRef idx="0">
+                        <a:schemeClr val="dk1"/>
+                      </a:effectRef>
+                      <a:fontRef idx="minor">
+                        <a:schemeClr val="lt1"/>
+                      </a:fontRef>
+                    </p:style>
+                    <p:txBody>
+                      <a:bodyPr rtlCol="0" anchor="ctr"/>
+                      <a:lstStyle/>
+                      <a:p>
+                        <a:pPr algn="ctr"/>
+                        <a:endParaRPr lang="ko-KR" altLang="en-US"/>
+                      </a:p>
+                    </p:txBody>
+                  </p:sp>
+                  <p:sp>
+                    <p:nvSpPr>
+                      <p:cNvPr id="25" name="타원 24">
+                        <a:extLst>
+                          <a:ext uri="{FF2B5EF4-FFF2-40B4-BE49-F238E27FC236}">
+                            <a16:creationId xmlns:a16="http://schemas.microsoft.com/office/drawing/2014/main" id="{45576932-300E-45B0-8848-A86EE98C9B8E}"/>
+                          </a:ext>
+                        </a:extLst>
+                      </p:cNvPr>
+                      <p:cNvSpPr/>
+                      <p:nvPr/>
+                    </p:nvSpPr>
+                    <p:spPr>
+                      <a:xfrm>
+                        <a:off x="5018194" y="1579582"/>
+                        <a:ext cx="256214" cy="256214"/>
+                      </a:xfrm>
+                      <a:prstGeom prst="ellipse">
+                        <a:avLst/>
+                      </a:prstGeom>
+                    </p:spPr>
+                    <p:style>
+                      <a:lnRef idx="2">
+                        <a:schemeClr val="dk1">
+                          <a:shade val="50000"/>
+                        </a:schemeClr>
+                      </a:lnRef>
+                      <a:fillRef idx="1">
+                        <a:schemeClr val="dk1"/>
+                      </a:fillRef>
+                      <a:effectRef idx="0">
+                        <a:schemeClr val="dk1"/>
+                      </a:effectRef>
+                      <a:fontRef idx="minor">
+                        <a:schemeClr val="lt1"/>
+                      </a:fontRef>
+                    </p:style>
+                    <p:txBody>
+                      <a:bodyPr rtlCol="0" anchor="ctr"/>
+                      <a:lstStyle/>
+                      <a:p>
+                        <a:pPr algn="ctr"/>
+                        <a:endParaRPr lang="ko-KR" altLang="en-US"/>
+                      </a:p>
+                    </p:txBody>
+                  </p:sp>
+                  <p:sp>
+                    <p:nvSpPr>
+                      <p:cNvPr id="26" name="타원 25">
+                        <a:extLst>
+                          <a:ext uri="{FF2B5EF4-FFF2-40B4-BE49-F238E27FC236}">
+                            <a16:creationId xmlns:a16="http://schemas.microsoft.com/office/drawing/2014/main" id="{46ACE4BE-2F44-4B5E-913A-26B510E269F1}"/>
+                          </a:ext>
+                        </a:extLst>
+                      </p:cNvPr>
+                      <p:cNvSpPr/>
+                      <p:nvPr/>
+                    </p:nvSpPr>
+                    <p:spPr>
+                      <a:xfrm>
+                        <a:off x="4205323" y="2012489"/>
+                        <a:ext cx="256214" cy="256214"/>
+                      </a:xfrm>
+                      <a:prstGeom prst="ellipse">
+                        <a:avLst/>
+                      </a:prstGeom>
+                    </p:spPr>
+                    <p:style>
+                      <a:lnRef idx="2">
+                        <a:schemeClr val="dk1">
+                          <a:shade val="50000"/>
+                        </a:schemeClr>
+                      </a:lnRef>
+                      <a:fillRef idx="1">
+                        <a:schemeClr val="dk1"/>
+                      </a:fillRef>
+                      <a:effectRef idx="0">
+                        <a:schemeClr val="dk1"/>
+                      </a:effectRef>
+                      <a:fontRef idx="minor">
+                        <a:schemeClr val="lt1"/>
+                      </a:fontRef>
+                    </p:style>
+                    <p:txBody>
+                      <a:bodyPr rtlCol="0" anchor="ctr"/>
+                      <a:lstStyle/>
+                      <a:p>
+                        <a:pPr algn="ctr"/>
+                        <a:endParaRPr lang="ko-KR" altLang="en-US"/>
+                      </a:p>
+                    </p:txBody>
+                  </p:sp>
+                  <p:sp>
+                    <p:nvSpPr>
+                      <p:cNvPr id="27" name="타원 26">
+                        <a:extLst>
+                          <a:ext uri="{FF2B5EF4-FFF2-40B4-BE49-F238E27FC236}">
+                            <a16:creationId xmlns:a16="http://schemas.microsoft.com/office/drawing/2014/main" id="{8D2D2CBC-ED00-4545-B853-CC460D2817CE}"/>
+                          </a:ext>
+                        </a:extLst>
+                      </p:cNvPr>
+                      <p:cNvSpPr/>
+                      <p:nvPr/>
+                    </p:nvSpPr>
+                    <p:spPr>
+                      <a:xfrm>
+                        <a:off x="5012581" y="2012489"/>
+                        <a:ext cx="256214" cy="256214"/>
+                      </a:xfrm>
+                      <a:prstGeom prst="ellipse">
+                        <a:avLst/>
+                      </a:prstGeom>
+                    </p:spPr>
+                    <p:style>
+                      <a:lnRef idx="2">
+                        <a:schemeClr val="dk1">
+                          <a:shade val="50000"/>
+                        </a:schemeClr>
+                      </a:lnRef>
+                      <a:fillRef idx="1">
+                        <a:schemeClr val="dk1"/>
+                      </a:fillRef>
+                      <a:effectRef idx="0">
+                        <a:schemeClr val="dk1"/>
+                      </a:effectRef>
+                      <a:fontRef idx="minor">
+                        <a:schemeClr val="lt1"/>
+                      </a:fontRef>
+                    </p:style>
+                    <p:txBody>
+                      <a:bodyPr rtlCol="0" anchor="ctr"/>
+                      <a:lstStyle/>
+                      <a:p>
+                        <a:pPr algn="ctr"/>
+                        <a:endParaRPr lang="ko-KR" altLang="en-US"/>
+                      </a:p>
+                    </p:txBody>
+                  </p:sp>
+                  <p:sp>
+                    <p:nvSpPr>
+                      <p:cNvPr id="28" name="타원 27">
+                        <a:extLst>
+                          <a:ext uri="{FF2B5EF4-FFF2-40B4-BE49-F238E27FC236}">
+                            <a16:creationId xmlns:a16="http://schemas.microsoft.com/office/drawing/2014/main" id="{918115AE-0641-4F06-9914-8A62F54FB4A4}"/>
+                          </a:ext>
+                        </a:extLst>
+                      </p:cNvPr>
+                      <p:cNvSpPr/>
+                      <p:nvPr/>
+                    </p:nvSpPr>
+                    <p:spPr>
+                      <a:xfrm>
+                        <a:off x="4205323" y="2430952"/>
+                        <a:ext cx="256214" cy="256214"/>
+                      </a:xfrm>
+                      <a:prstGeom prst="ellipse">
+                        <a:avLst/>
+                      </a:prstGeom>
+                    </p:spPr>
+                    <p:style>
+                      <a:lnRef idx="2">
+                        <a:schemeClr val="dk1">
+                          <a:shade val="50000"/>
+                        </a:schemeClr>
+                      </a:lnRef>
+                      <a:fillRef idx="1">
+                        <a:schemeClr val="dk1"/>
+                      </a:fillRef>
+                      <a:effectRef idx="0">
+                        <a:schemeClr val="dk1"/>
+                      </a:effectRef>
+                      <a:fontRef idx="minor">
+                        <a:schemeClr val="lt1"/>
+                      </a:fontRef>
+                    </p:style>
+                    <p:txBody>
+                      <a:bodyPr rtlCol="0" anchor="ctr"/>
+                      <a:lstStyle/>
+                      <a:p>
+                        <a:pPr algn="ctr"/>
+                        <a:endParaRPr lang="ko-KR" altLang="en-US"/>
+                      </a:p>
+                    </p:txBody>
+                  </p:sp>
+                  <p:sp>
+                    <p:nvSpPr>
+                      <p:cNvPr id="29" name="타원 28">
+                        <a:extLst>
+                          <a:ext uri="{FF2B5EF4-FFF2-40B4-BE49-F238E27FC236}">
+                            <a16:creationId xmlns:a16="http://schemas.microsoft.com/office/drawing/2014/main" id="{3C8979ED-28A9-4B9A-B0FC-A48178463512}"/>
+                          </a:ext>
+                        </a:extLst>
+                      </p:cNvPr>
+                      <p:cNvSpPr/>
+                      <p:nvPr/>
+                    </p:nvSpPr>
+                    <p:spPr>
+                      <a:xfrm>
+                        <a:off x="5012581" y="2430952"/>
+                        <a:ext cx="256214" cy="256214"/>
+                      </a:xfrm>
+                      <a:prstGeom prst="ellipse">
+                        <a:avLst/>
+                      </a:prstGeom>
+                    </p:spPr>
+                    <p:style>
+                      <a:lnRef idx="2">
+                        <a:schemeClr val="dk1">
+                          <a:shade val="50000"/>
+                        </a:schemeClr>
+                      </a:lnRef>
+                      <a:fillRef idx="1">
+                        <a:schemeClr val="dk1"/>
+                      </a:fillRef>
+                      <a:effectRef idx="0">
+                        <a:schemeClr val="dk1"/>
+                      </a:effectRef>
+                      <a:fontRef idx="minor">
+                        <a:schemeClr val="lt1"/>
+                      </a:fontRef>
+                    </p:style>
+                    <p:txBody>
+                      <a:bodyPr rtlCol="0" anchor="ctr"/>
+                      <a:lstStyle/>
+                      <a:p>
+                        <a:pPr algn="ctr"/>
+                        <a:endParaRPr lang="ko-KR" altLang="en-US"/>
+                      </a:p>
+                    </p:txBody>
+                  </p:sp>
+                </p:grpSp>
+              </p:grpSp>
+              <p:sp>
+                <p:nvSpPr>
+                  <p:cNvPr id="20" name="타원 19">
+                    <a:extLst>
+                      <a:ext uri="{FF2B5EF4-FFF2-40B4-BE49-F238E27FC236}">
+                        <a16:creationId xmlns:a16="http://schemas.microsoft.com/office/drawing/2014/main" id="{EA654FB3-4DF0-4EB2-AED1-0957846B0790}"/>
+                      </a:ext>
+                    </a:extLst>
+                  </p:cNvPr>
+                  <p:cNvSpPr/>
+                  <p:nvPr/>
+                </p:nvSpPr>
+                <p:spPr>
+                  <a:xfrm>
+                    <a:off x="8461852" y="3243953"/>
+                    <a:ext cx="173189" cy="173189"/>
+                  </a:xfrm>
+                  <a:prstGeom prst="ellipse">
+                    <a:avLst/>
+                  </a:prstGeom>
+                  <a:solidFill>
+                    <a:srgbClr val="0070C0"/>
+                  </a:solidFill>
+                  <a:ln>
+                    <a:noFill/>
+                  </a:ln>
+                </p:spPr>
+                <p:style>
+                  <a:lnRef idx="2">
+                    <a:schemeClr val="accent1">
+                      <a:shade val="50000"/>
+                    </a:schemeClr>
+                  </a:lnRef>
+                  <a:fillRef idx="1">
+                    <a:schemeClr val="accent1"/>
+                  </a:fillRef>
+                  <a:effectRef idx="0">
+                    <a:schemeClr val="accent1"/>
+                  </a:effectRef>
+                  <a:fontRef idx="minor">
+                    <a:schemeClr val="lt1"/>
+                  </a:fontRef>
+                </p:style>
+                <p:txBody>
+                  <a:bodyPr rtlCol="0" anchor="ctr"/>
+                  <a:lstStyle/>
+                  <a:p>
+                    <a:pPr algn="ctr"/>
+                    <a:endParaRPr lang="ko-KR" altLang="en-US"/>
+                  </a:p>
+                </p:txBody>
+              </p:sp>
+              <p:sp>
+                <p:nvSpPr>
+                  <p:cNvPr id="21" name="타원 20">
+                    <a:extLst>
+                      <a:ext uri="{FF2B5EF4-FFF2-40B4-BE49-F238E27FC236}">
+                        <a16:creationId xmlns:a16="http://schemas.microsoft.com/office/drawing/2014/main" id="{D2BB0B2F-C00F-421D-B24F-806B4D0C8652}"/>
+                      </a:ext>
+                    </a:extLst>
+                  </p:cNvPr>
+                  <p:cNvSpPr/>
+                  <p:nvPr/>
+                </p:nvSpPr>
+                <p:spPr>
+                  <a:xfrm>
+                    <a:off x="8711786" y="3236906"/>
+                    <a:ext cx="173189" cy="173189"/>
+                  </a:xfrm>
+                  <a:prstGeom prst="ellipse">
+                    <a:avLst/>
+                  </a:prstGeom>
+                  <a:solidFill>
+                    <a:srgbClr val="FF0000"/>
+                  </a:solidFill>
+                  <a:ln>
+                    <a:noFill/>
+                  </a:ln>
+                </p:spPr>
+                <p:style>
+                  <a:lnRef idx="2">
+                    <a:schemeClr val="accent1">
+                      <a:shade val="50000"/>
+                    </a:schemeClr>
+                  </a:lnRef>
+                  <a:fillRef idx="1">
+                    <a:schemeClr val="accent1"/>
+                  </a:fillRef>
+                  <a:effectRef idx="0">
+                    <a:schemeClr val="accent1"/>
+                  </a:effectRef>
+                  <a:fontRef idx="minor">
+                    <a:schemeClr val="lt1"/>
+                  </a:fontRef>
+                </p:style>
+                <p:txBody>
+                  <a:bodyPr rtlCol="0" anchor="ctr"/>
+                  <a:lstStyle/>
+                  <a:p>
+                    <a:pPr algn="ctr"/>
+                    <a:endParaRPr lang="ko-KR" altLang="en-US"/>
+                  </a:p>
+                </p:txBody>
+              </p:sp>
+            </p:grpSp>
+            <p:sp>
+              <p:nvSpPr>
+                <p:cNvPr id="17" name="타원 16">
+                  <a:extLst>
+                    <a:ext uri="{FF2B5EF4-FFF2-40B4-BE49-F238E27FC236}">
+                      <a16:creationId xmlns:a16="http://schemas.microsoft.com/office/drawing/2014/main" id="{4570E319-03D2-46C5-967B-2B1E9F267A03}"/>
+                    </a:ext>
+                  </a:extLst>
+                </p:cNvPr>
+                <p:cNvSpPr/>
+                <p:nvPr/>
+              </p:nvSpPr>
+              <p:spPr>
+                <a:xfrm>
+                  <a:off x="7599573" y="5109129"/>
+                  <a:ext cx="173189" cy="173189"/>
+                </a:xfrm>
+                <a:prstGeom prst="ellipse">
+                  <a:avLst/>
+                </a:prstGeom>
+                <a:solidFill>
+                  <a:schemeClr val="bg1">
+                    <a:lumMod val="50000"/>
+                  </a:schemeClr>
+                </a:solidFill>
+                <a:ln>
+                  <a:noFill/>
+                </a:ln>
+              </p:spPr>
+              <p:style>
+                <a:lnRef idx="2">
+                  <a:schemeClr val="accent1">
+                    <a:shade val="50000"/>
+                  </a:schemeClr>
+                </a:lnRef>
+                <a:fillRef idx="1">
+                  <a:schemeClr val="accent1"/>
+                </a:fillRef>
+                <a:effectRef idx="0">
+                  <a:schemeClr val="accent1"/>
+                </a:effectRef>
+                <a:fontRef idx="minor">
+                  <a:schemeClr val="lt1"/>
+                </a:fontRef>
+              </p:style>
+              <p:txBody>
+                <a:bodyPr rtlCol="0" anchor="ctr"/>
+                <a:lstStyle/>
+                <a:p>
+                  <a:pPr algn="ctr"/>
+                  <a:endParaRPr lang="ko-KR" altLang="en-US" dirty="0"/>
+                </a:p>
+              </p:txBody>
+            </p:sp>
+          </p:grpSp>
+          <p:sp>
+            <p:nvSpPr>
+              <p:cNvPr id="12" name="TextBox 11">
+                <a:extLst>
+                  <a:ext uri="{FF2B5EF4-FFF2-40B4-BE49-F238E27FC236}">
+                    <a16:creationId xmlns:a16="http://schemas.microsoft.com/office/drawing/2014/main" id="{9605D4FA-62A9-4464-86C5-AF35ACA32D35}"/>
+                  </a:ext>
+                </a:extLst>
+              </p:cNvPr>
+              <p:cNvSpPr txBox="1"/>
+              <p:nvPr/>
+            </p:nvSpPr>
+            <p:spPr>
+              <a:xfrm>
+                <a:off x="7096327" y="3528674"/>
+                <a:ext cx="858561" cy="237592"/>
+              </a:xfrm>
+              <a:prstGeom prst="rect">
+                <a:avLst/>
+              </a:prstGeom>
+              <a:noFill/>
+            </p:spPr>
+            <p:txBody>
+              <a:bodyPr wrap="square" rtlCol="0">
+                <a:spAutoFit/>
+              </a:bodyPr>
+              <a:lstStyle/>
+              <a:p>
+                <a:r>
+                  <a:rPr lang="ko-KR" altLang="en-US" sz="1200" dirty="0" err="1">
+                    <a:latin typeface="a옛날목욕탕L" panose="02020600000000000000" pitchFamily="18" charset="-127"/>
+                    <a:ea typeface="a옛날목욕탕L" panose="02020600000000000000" pitchFamily="18" charset="-127"/>
+                  </a:rPr>
+                  <a:t>출력부</a:t>
+                </a:r>
+                <a:endParaRPr lang="ko-KR" altLang="en-US" sz="1200" dirty="0">
+                  <a:latin typeface="a옛날목욕탕L" panose="02020600000000000000" pitchFamily="18" charset="-127"/>
+                  <a:ea typeface="a옛날목욕탕L" panose="02020600000000000000" pitchFamily="18" charset="-127"/>
+                </a:endParaRPr>
+              </a:p>
+            </p:txBody>
+          </p:sp>
+          <p:sp>
+            <p:nvSpPr>
+              <p:cNvPr id="13" name="TextBox 12">
+                <a:extLst>
+                  <a:ext uri="{FF2B5EF4-FFF2-40B4-BE49-F238E27FC236}">
+                    <a16:creationId xmlns:a16="http://schemas.microsoft.com/office/drawing/2014/main" id="{19A9471A-B2DB-41BA-A5D7-3E464B02128A}"/>
+                  </a:ext>
+                </a:extLst>
+              </p:cNvPr>
+              <p:cNvSpPr txBox="1"/>
+              <p:nvPr/>
+            </p:nvSpPr>
+            <p:spPr>
+              <a:xfrm>
+                <a:off x="8068265" y="2346591"/>
+                <a:ext cx="1010961" cy="237592"/>
+              </a:xfrm>
+              <a:prstGeom prst="rect">
+                <a:avLst/>
+              </a:prstGeom>
+              <a:noFill/>
+            </p:spPr>
+            <p:txBody>
+              <a:bodyPr wrap="square" rtlCol="0">
+                <a:spAutoFit/>
+              </a:bodyPr>
+              <a:lstStyle/>
+              <a:p>
+                <a:r>
+                  <a:rPr lang="ko-KR" altLang="en-US" sz="1200" dirty="0" err="1">
+                    <a:latin typeface="a옛날목욕탕L" panose="02020600000000000000" pitchFamily="18" charset="-127"/>
+                    <a:ea typeface="a옛날목욕탕L" panose="02020600000000000000" pitchFamily="18" charset="-127"/>
+                  </a:rPr>
+                  <a:t>입력부</a:t>
+                </a:r>
+                <a:endParaRPr lang="ko-KR" altLang="en-US" sz="1200" dirty="0">
+                  <a:latin typeface="a옛날목욕탕L" panose="02020600000000000000" pitchFamily="18" charset="-127"/>
+                  <a:ea typeface="a옛날목욕탕L" panose="02020600000000000000" pitchFamily="18" charset="-127"/>
+                </a:endParaRPr>
+              </a:p>
+            </p:txBody>
+          </p:sp>
+        </p:grpSp>
+        <p:sp>
+          <p:nvSpPr>
+            <p:cNvPr id="7" name="TextBox 6">
+              <a:extLst>
+                <a:ext uri="{FF2B5EF4-FFF2-40B4-BE49-F238E27FC236}">
+                  <a16:creationId xmlns:a16="http://schemas.microsoft.com/office/drawing/2014/main" id="{7FB0B385-06E8-4FA1-950A-F949B97CAB78}"/>
+                </a:ext>
+              </a:extLst>
+            </p:cNvPr>
+            <p:cNvSpPr txBox="1"/>
+            <p:nvPr/>
+          </p:nvSpPr>
+          <p:spPr>
+            <a:xfrm>
+              <a:off x="9086719" y="2393914"/>
+              <a:ext cx="2527703" cy="1434146"/>
+            </a:xfrm>
+            <a:prstGeom prst="rect">
+              <a:avLst/>
+            </a:prstGeom>
+            <a:noFill/>
+          </p:spPr>
+          <p:txBody>
+            <a:bodyPr wrap="square" rtlCol="0">
+              <a:spAutoFit/>
+            </a:bodyPr>
+            <a:lstStyle/>
+            <a:p>
+              <a:r>
+                <a:rPr lang="en-US" altLang="ko-KR" dirty="0"/>
+                <a:t>Enter</a:t>
+              </a:r>
+            </a:p>
+            <a:p>
+              <a:r>
+                <a:rPr lang="en-US" altLang="ko-KR" dirty="0"/>
+                <a:t>Send</a:t>
+              </a:r>
+            </a:p>
+            <a:p>
+              <a:r>
+                <a:rPr lang="en-US" altLang="ko-KR" dirty="0"/>
+                <a:t>Backspace</a:t>
+              </a:r>
+              <a:endParaRPr lang="ko-KR" altLang="en-US" dirty="0"/>
+            </a:p>
+          </p:txBody>
+        </p:sp>
+        <p:sp>
+          <p:nvSpPr>
+            <p:cNvPr id="8" name="타원 7">
+              <a:extLst>
+                <a:ext uri="{FF2B5EF4-FFF2-40B4-BE49-F238E27FC236}">
+                  <a16:creationId xmlns:a16="http://schemas.microsoft.com/office/drawing/2014/main" id="{3C4D3781-A1AB-42B9-8AB5-98A86193A2D6}"/>
+                </a:ext>
+              </a:extLst>
+            </p:cNvPr>
+            <p:cNvSpPr/>
+            <p:nvPr/>
+          </p:nvSpPr>
+          <p:spPr>
+            <a:xfrm>
+              <a:off x="9002554" y="2536329"/>
+              <a:ext cx="111448" cy="106242"/>
+            </a:xfrm>
+            <a:prstGeom prst="ellipse">
+              <a:avLst/>
+            </a:prstGeom>
+            <a:solidFill>
+              <a:srgbClr val="00B050"/>
+            </a:solidFill>
+            <a:ln>
+              <a:noFill/>
+            </a:ln>
+          </p:spPr>
+          <p:style>
+            <a:lnRef idx="2">
+              <a:schemeClr val="accent1">
+                <a:shade val="50000"/>
+              </a:schemeClr>
+            </a:lnRef>
+            <a:fillRef idx="1">
+              <a:schemeClr val="accent1"/>
+            </a:fillRef>
+            <a:effectRef idx="0">
+              <a:schemeClr val="accent1"/>
+            </a:effectRef>
+            <a:fontRef idx="minor">
+              <a:schemeClr val="lt1"/>
+            </a:fontRef>
+          </p:style>
+          <p:txBody>
+            <a:bodyPr rtlCol="0" anchor="ctr"/>
+            <a:lstStyle/>
+            <a:p>
+              <a:pPr algn="ctr"/>
+              <a:endParaRPr lang="ko-KR" altLang="en-US" dirty="0"/>
+            </a:p>
+          </p:txBody>
+        </p:sp>
+        <p:sp>
+          <p:nvSpPr>
+            <p:cNvPr id="9" name="타원 8">
+              <a:extLst>
+                <a:ext uri="{FF2B5EF4-FFF2-40B4-BE49-F238E27FC236}">
+                  <a16:creationId xmlns:a16="http://schemas.microsoft.com/office/drawing/2014/main" id="{620CAF9C-22B1-426B-86AA-BACC190B4730}"/>
+                </a:ext>
+              </a:extLst>
+            </p:cNvPr>
+            <p:cNvSpPr/>
+            <p:nvPr/>
+          </p:nvSpPr>
+          <p:spPr>
+            <a:xfrm>
+              <a:off x="9002554" y="2814943"/>
+              <a:ext cx="111448" cy="106242"/>
+            </a:xfrm>
+            <a:prstGeom prst="ellipse">
+              <a:avLst/>
+            </a:prstGeom>
+            <a:solidFill>
+              <a:srgbClr val="0070C0"/>
+            </a:solidFill>
+            <a:ln>
+              <a:noFill/>
+            </a:ln>
+          </p:spPr>
+          <p:style>
+            <a:lnRef idx="2">
+              <a:schemeClr val="accent1">
+                <a:shade val="50000"/>
+              </a:schemeClr>
+            </a:lnRef>
+            <a:fillRef idx="1">
+              <a:schemeClr val="accent1"/>
+            </a:fillRef>
+            <a:effectRef idx="0">
+              <a:schemeClr val="accent1"/>
+            </a:effectRef>
+            <a:fontRef idx="minor">
+              <a:schemeClr val="lt1"/>
+            </a:fontRef>
+          </p:style>
+          <p:txBody>
+            <a:bodyPr rtlCol="0" anchor="ctr"/>
+            <a:lstStyle/>
+            <a:p>
+              <a:pPr algn="ctr"/>
+              <a:endParaRPr lang="ko-KR" altLang="en-US"/>
+            </a:p>
+          </p:txBody>
+        </p:sp>
+        <p:sp>
+          <p:nvSpPr>
+            <p:cNvPr id="10" name="타원 9">
+              <a:extLst>
+                <a:ext uri="{FF2B5EF4-FFF2-40B4-BE49-F238E27FC236}">
+                  <a16:creationId xmlns:a16="http://schemas.microsoft.com/office/drawing/2014/main" id="{4AB7B981-7AEE-4D37-98FC-7CAE5979D2FF}"/>
+                </a:ext>
+              </a:extLst>
+            </p:cNvPr>
+            <p:cNvSpPr/>
+            <p:nvPr/>
+          </p:nvSpPr>
+          <p:spPr>
+            <a:xfrm>
+              <a:off x="9015126" y="3101422"/>
+              <a:ext cx="111448" cy="106242"/>
+            </a:xfrm>
+            <a:prstGeom prst="ellipse">
+              <a:avLst/>
+            </a:prstGeom>
+            <a:solidFill>
+              <a:srgbClr val="FF0000"/>
+            </a:solidFill>
+            <a:ln>
+              <a:noFill/>
+            </a:ln>
+          </p:spPr>
+          <p:style>
+            <a:lnRef idx="2">
+              <a:schemeClr val="accent1">
+                <a:shade val="50000"/>
+              </a:schemeClr>
+            </a:lnRef>
+            <a:fillRef idx="1">
+              <a:schemeClr val="accent1"/>
+            </a:fillRef>
+            <a:effectRef idx="0">
+              <a:schemeClr val="accent1"/>
+            </a:effectRef>
+            <a:fontRef idx="minor">
+              <a:schemeClr val="lt1"/>
+            </a:fontRef>
+          </p:style>
+          <p:txBody>
+            <a:bodyPr rtlCol="0" anchor="ctr"/>
+            <a:lstStyle/>
+            <a:p>
+              <a:pPr algn="ctr"/>
+              <a:endParaRPr lang="ko-KR" altLang="en-US"/>
+            </a:p>
+          </p:txBody>
+        </p:sp>
+      </p:grpSp>
+      <p:pic>
+        <p:nvPicPr>
+          <p:cNvPr id="2" name="그림 1">
+            <a:extLst>
+              <a:ext uri="{FF2B5EF4-FFF2-40B4-BE49-F238E27FC236}">
+                <a16:creationId xmlns:a16="http://schemas.microsoft.com/office/drawing/2014/main" id="{B2F86483-7118-4A34-959C-7A068D618171}"/>
+              </a:ext>
+            </a:extLst>
+          </p:cNvPr>
+          <p:cNvPicPr>
+            <a:picLocks noChangeAspect="1"/>
+          </p:cNvPicPr>
+          <p:nvPr/>
+        </p:nvPicPr>
+        <p:blipFill rotWithShape="1">
+          <a:blip r:embed="rId3"/>
+          <a:srcRect l="8733" t="10208" r="56289" b="42391"/>
+          <a:stretch/>
+        </p:blipFill>
+        <p:spPr>
+          <a:xfrm>
+            <a:off x="7743332" y="1362600"/>
+            <a:ext cx="4264575" cy="3250785"/>
+          </a:xfrm>
+          <a:prstGeom prst="rect">
+            <a:avLst/>
+          </a:prstGeom>
+        </p:spPr>
+      </p:pic>
+      <p:sp>
+        <p:nvSpPr>
+          <p:cNvPr id="41" name="TextBox 40">
+            <a:extLst>
+              <a:ext uri="{FF2B5EF4-FFF2-40B4-BE49-F238E27FC236}">
+                <a16:creationId xmlns:a16="http://schemas.microsoft.com/office/drawing/2014/main" id="{5DA4B449-9CDA-470B-A072-DA10886D24E5}"/>
+              </a:ext>
+            </a:extLst>
+          </p:cNvPr>
+          <p:cNvSpPr txBox="1"/>
+          <p:nvPr/>
+        </p:nvSpPr>
+        <p:spPr>
+          <a:xfrm>
+            <a:off x="7822815" y="4490433"/>
+            <a:ext cx="1819633" cy="369332"/>
+          </a:xfrm>
+          <a:prstGeom prst="rect">
+            <a:avLst/>
+          </a:prstGeom>
+          <a:solidFill>
+            <a:schemeClr val="bg1"/>
+          </a:solidFill>
+          <a:ln>
+            <a:solidFill>
+              <a:schemeClr val="bg1"/>
+            </a:solidFill>
+          </a:ln>
+        </p:spPr>
+        <p:txBody>
+          <a:bodyPr wrap="square" rtlCol="0">
+            <a:spAutoFit/>
+          </a:bodyPr>
+          <a:lstStyle/>
+          <a:p>
+            <a:r>
+              <a:rPr lang="en-US" altLang="ko-KR" dirty="0">
+                <a:latin typeface="a옛날목욕탕L" panose="02020600000000000000" pitchFamily="18" charset="-127"/>
+                <a:ea typeface="a옛날목욕탕L" panose="02020600000000000000" pitchFamily="18" charset="-127"/>
+              </a:rPr>
+              <a:t>ex) ‘</a:t>
+            </a:r>
+            <a:r>
+              <a:rPr lang="ko-KR" altLang="en-US" dirty="0">
+                <a:latin typeface="a옛날목욕탕L" panose="02020600000000000000" pitchFamily="18" charset="-127"/>
+                <a:ea typeface="a옛날목욕탕L" panose="02020600000000000000" pitchFamily="18" charset="-127"/>
+              </a:rPr>
+              <a:t>그러나</a:t>
+            </a:r>
+            <a:r>
+              <a:rPr lang="en-US" altLang="ko-KR" dirty="0">
+                <a:latin typeface="a옛날목욕탕L" panose="02020600000000000000" pitchFamily="18" charset="-127"/>
+                <a:ea typeface="a옛날목욕탕L" panose="02020600000000000000" pitchFamily="18" charset="-127"/>
+              </a:rPr>
+              <a:t>’</a:t>
+            </a:r>
+            <a:endParaRPr lang="ko-KR" altLang="en-US" dirty="0">
+              <a:latin typeface="a옛날목욕탕L" panose="02020600000000000000" pitchFamily="18" charset="-127"/>
+              <a:ea typeface="a옛날목욕탕L" panose="02020600000000000000" pitchFamily="18" charset="-127"/>
+            </a:endParaRPr>
+          </a:p>
+        </p:txBody>
+      </p:sp>
+      <p:sp>
+        <p:nvSpPr>
+          <p:cNvPr id="44" name="TextBox 43">
+            <a:extLst>
+              <a:ext uri="{FF2B5EF4-FFF2-40B4-BE49-F238E27FC236}">
+                <a16:creationId xmlns:a16="http://schemas.microsoft.com/office/drawing/2014/main" id="{1272E386-D7E6-46CA-AAD2-CC9A7D5444F3}"/>
+              </a:ext>
+            </a:extLst>
+          </p:cNvPr>
+          <p:cNvSpPr txBox="1"/>
+          <p:nvPr/>
+        </p:nvSpPr>
+        <p:spPr>
+          <a:xfrm>
+            <a:off x="7822815" y="5448307"/>
+            <a:ext cx="1819633" cy="369332"/>
+          </a:xfrm>
+          <a:prstGeom prst="rect">
+            <a:avLst/>
+          </a:prstGeom>
+          <a:solidFill>
+            <a:schemeClr val="bg1"/>
+          </a:solidFill>
+          <a:ln>
+            <a:solidFill>
+              <a:schemeClr val="bg1"/>
+            </a:solidFill>
+          </a:ln>
+        </p:spPr>
+        <p:txBody>
+          <a:bodyPr wrap="square" rtlCol="0">
+            <a:spAutoFit/>
+          </a:bodyPr>
+          <a:lstStyle/>
+          <a:p>
+            <a:r>
+              <a:rPr lang="ko-KR" altLang="en-US" dirty="0">
+                <a:latin typeface="a옛날목욕탕L" panose="02020600000000000000" pitchFamily="18" charset="-127"/>
+                <a:ea typeface="a옛날목욕탕L" panose="02020600000000000000" pitchFamily="18" charset="-127"/>
+              </a:rPr>
+              <a:t>그러나</a:t>
+            </a:r>
+          </a:p>
+        </p:txBody>
+      </p:sp>
+      <p:sp>
+        <p:nvSpPr>
+          <p:cNvPr id="45" name="TextBox 44">
+            <a:extLst>
+              <a:ext uri="{FF2B5EF4-FFF2-40B4-BE49-F238E27FC236}">
+                <a16:creationId xmlns:a16="http://schemas.microsoft.com/office/drawing/2014/main" id="{AE351D8F-649D-467C-924C-A392BD0DD5E4}"/>
+              </a:ext>
+            </a:extLst>
+          </p:cNvPr>
+          <p:cNvSpPr txBox="1"/>
+          <p:nvPr/>
+        </p:nvSpPr>
+        <p:spPr>
+          <a:xfrm>
+            <a:off x="7822815" y="1424314"/>
+            <a:ext cx="1819633" cy="369332"/>
+          </a:xfrm>
+          <a:prstGeom prst="rect">
+            <a:avLst/>
+          </a:prstGeom>
+          <a:solidFill>
+            <a:schemeClr val="bg1"/>
+          </a:solidFill>
+          <a:ln>
+            <a:solidFill>
+              <a:schemeClr val="bg1"/>
+            </a:solidFill>
+          </a:ln>
+        </p:spPr>
+        <p:txBody>
+          <a:bodyPr wrap="square" rtlCol="0">
+            <a:spAutoFit/>
+          </a:bodyPr>
+          <a:lstStyle/>
+          <a:p>
+            <a:r>
+              <a:rPr lang="en-US" altLang="ko-KR" dirty="0">
+                <a:latin typeface="a옛날목욕탕L" panose="02020600000000000000" pitchFamily="18" charset="-127"/>
+                <a:ea typeface="a옛날목욕탕L" panose="02020600000000000000" pitchFamily="18" charset="-127"/>
+              </a:rPr>
+              <a:t>ex) ‘</a:t>
+            </a:r>
+            <a:r>
+              <a:rPr lang="ko-KR" altLang="en-US" dirty="0">
+                <a:latin typeface="a옛날목욕탕L" panose="02020600000000000000" pitchFamily="18" charset="-127"/>
+                <a:ea typeface="a옛날목욕탕L" panose="02020600000000000000" pitchFamily="18" charset="-127"/>
+              </a:rPr>
+              <a:t>컴퓨터</a:t>
+            </a:r>
+            <a:r>
+              <a:rPr lang="en-US" altLang="ko-KR" dirty="0">
+                <a:latin typeface="a옛날목욕탕L" panose="02020600000000000000" pitchFamily="18" charset="-127"/>
+                <a:ea typeface="a옛날목욕탕L" panose="02020600000000000000" pitchFamily="18" charset="-127"/>
+              </a:rPr>
+              <a:t>’</a:t>
+            </a:r>
+            <a:endParaRPr lang="ko-KR" altLang="en-US" dirty="0">
+              <a:latin typeface="a옛날목욕탕L" panose="02020600000000000000" pitchFamily="18" charset="-127"/>
+              <a:ea typeface="a옛날목욕탕L" panose="02020600000000000000" pitchFamily="18" charset="-127"/>
+            </a:endParaRPr>
+          </a:p>
+        </p:txBody>
+      </p:sp>
+      <p:sp>
+        <p:nvSpPr>
+          <p:cNvPr id="46" name="직사각형 45">
+            <a:extLst>
+              <a:ext uri="{FF2B5EF4-FFF2-40B4-BE49-F238E27FC236}">
+                <a16:creationId xmlns:a16="http://schemas.microsoft.com/office/drawing/2014/main" id="{A18F2895-0DDB-4FCB-8EA5-41AEEEA82B97}"/>
+              </a:ext>
+            </a:extLst>
+          </p:cNvPr>
+          <p:cNvSpPr/>
+          <p:nvPr/>
+        </p:nvSpPr>
+        <p:spPr>
+          <a:xfrm>
+            <a:off x="3616807" y="2266630"/>
+            <a:ext cx="4183675" cy="3293209"/>
+          </a:xfrm>
+          <a:prstGeom prst="rect">
+            <a:avLst/>
+          </a:prstGeom>
+        </p:spPr>
+        <p:txBody>
+          <a:bodyPr wrap="square">
+            <a:spAutoFit/>
+          </a:bodyPr>
+          <a:lstStyle/>
+          <a:p>
+            <a:pPr marL="342900" indent="-342900">
+              <a:buAutoNum type="arabicPeriod"/>
+            </a:pPr>
+            <a:r>
+              <a:rPr lang="ko-KR" altLang="en-US" sz="1600" dirty="0">
+                <a:latin typeface="a옛날목욕탕L" panose="02020600000000000000" pitchFamily="18" charset="-127"/>
+                <a:ea typeface="a옛날목욕탕L" panose="02020600000000000000" pitchFamily="18" charset="-127"/>
+              </a:rPr>
+              <a:t>점자 셀에 맞게 점자 버튼을 입력한 후 </a:t>
+            </a:r>
+            <a:endParaRPr lang="en-US" altLang="ko-KR" sz="1600" dirty="0">
+              <a:latin typeface="a옛날목욕탕L" panose="02020600000000000000" pitchFamily="18" charset="-127"/>
+              <a:ea typeface="a옛날목욕탕L" panose="02020600000000000000" pitchFamily="18" charset="-127"/>
+            </a:endParaRPr>
+          </a:p>
+          <a:p>
+            <a:r>
+              <a:rPr lang="en-US" altLang="ko-KR" sz="1600" dirty="0">
+                <a:latin typeface="a옛날목욕탕L" panose="02020600000000000000" pitchFamily="18" charset="-127"/>
+                <a:ea typeface="a옛날목욕탕L" panose="02020600000000000000" pitchFamily="18" charset="-127"/>
+              </a:rPr>
+              <a:t>     </a:t>
+            </a:r>
+            <a:r>
+              <a:rPr lang="ko-KR" altLang="en-US" sz="1600" dirty="0">
+                <a:latin typeface="a옛날목욕탕L" panose="02020600000000000000" pitchFamily="18" charset="-127"/>
+                <a:ea typeface="a옛날목욕탕L" panose="02020600000000000000" pitchFamily="18" charset="-127"/>
+              </a:rPr>
+              <a:t>하나의 셀을 완성하면 </a:t>
+            </a:r>
+            <a:r>
+              <a:rPr lang="en-US" altLang="ko-KR" sz="1600" dirty="0">
+                <a:latin typeface="a옛날목욕탕L" panose="02020600000000000000" pitchFamily="18" charset="-127"/>
+                <a:ea typeface="a옛날목욕탕L" panose="02020600000000000000" pitchFamily="18" charset="-127"/>
+              </a:rPr>
+              <a:t>enter </a:t>
+            </a:r>
+            <a:r>
+              <a:rPr lang="ko-KR" altLang="en-US" sz="1600" dirty="0">
+                <a:latin typeface="a옛날목욕탕L" panose="02020600000000000000" pitchFamily="18" charset="-127"/>
+                <a:ea typeface="a옛날목욕탕L" panose="02020600000000000000" pitchFamily="18" charset="-127"/>
+              </a:rPr>
+              <a:t>버튼을 누른다</a:t>
+            </a:r>
+            <a:r>
+              <a:rPr lang="en-US" altLang="ko-KR" sz="1600" dirty="0">
+                <a:latin typeface="a옛날목욕탕L" panose="02020600000000000000" pitchFamily="18" charset="-127"/>
+                <a:ea typeface="a옛날목욕탕L" panose="02020600000000000000" pitchFamily="18" charset="-127"/>
+              </a:rPr>
+              <a:t>.</a:t>
+            </a:r>
+          </a:p>
+          <a:p>
+            <a:pPr marL="342900" indent="-342900">
+              <a:buAutoNum type="arabicPeriod"/>
+            </a:pPr>
+            <a:endParaRPr lang="en-US" altLang="ko-KR" sz="1600" dirty="0">
+              <a:latin typeface="a옛날목욕탕L" panose="02020600000000000000" pitchFamily="18" charset="-127"/>
+              <a:ea typeface="a옛날목욕탕L" panose="02020600000000000000" pitchFamily="18" charset="-127"/>
+            </a:endParaRPr>
+          </a:p>
+          <a:p>
+            <a:pPr marL="342900" indent="-342900">
+              <a:buFont typeface="+mj-lt"/>
+              <a:buAutoNum type="arabicPeriod" startAt="2"/>
+            </a:pPr>
+            <a:r>
+              <a:rPr lang="ko-KR" altLang="en-US" sz="1600" dirty="0">
+                <a:latin typeface="a옛날목욕탕L" panose="02020600000000000000" pitchFamily="18" charset="-127"/>
+                <a:ea typeface="a옛날목욕탕L" panose="02020600000000000000" pitchFamily="18" charset="-127"/>
+              </a:rPr>
+              <a:t>하나의 점자 정보 입력이 완료되면</a:t>
+            </a:r>
+            <a:endParaRPr lang="en-US" altLang="ko-KR" sz="1600" dirty="0">
+              <a:latin typeface="a옛날목욕탕L" panose="02020600000000000000" pitchFamily="18" charset="-127"/>
+              <a:ea typeface="a옛날목욕탕L" panose="02020600000000000000" pitchFamily="18" charset="-127"/>
+            </a:endParaRPr>
+          </a:p>
+          <a:p>
+            <a:r>
+              <a:rPr lang="en-US" altLang="ko-KR" sz="1600" dirty="0">
+                <a:latin typeface="a옛날목욕탕L" panose="02020600000000000000" pitchFamily="18" charset="-127"/>
+                <a:ea typeface="a옛날목욕탕L" panose="02020600000000000000" pitchFamily="18" charset="-127"/>
+              </a:rPr>
+              <a:t>     send </a:t>
+            </a:r>
+            <a:r>
+              <a:rPr lang="ko-KR" altLang="en-US" sz="1600" dirty="0">
+                <a:latin typeface="a옛날목욕탕L" panose="02020600000000000000" pitchFamily="18" charset="-127"/>
+                <a:ea typeface="a옛날목욕탕L" panose="02020600000000000000" pitchFamily="18" charset="-127"/>
+              </a:rPr>
+              <a:t>버튼을 눌러 점자정보를 완성한다</a:t>
+            </a:r>
+            <a:r>
+              <a:rPr lang="en-US" altLang="ko-KR" sz="1600" dirty="0">
+                <a:latin typeface="a옛날목욕탕L" panose="02020600000000000000" pitchFamily="18" charset="-127"/>
+                <a:ea typeface="a옛날목욕탕L" panose="02020600000000000000" pitchFamily="18" charset="-127"/>
+              </a:rPr>
+              <a:t>.</a:t>
+            </a:r>
+          </a:p>
+          <a:p>
+            <a:endParaRPr lang="en-US" altLang="ko-KR" sz="1600" dirty="0">
+              <a:latin typeface="a옛날목욕탕L" panose="02020600000000000000" pitchFamily="18" charset="-127"/>
+              <a:ea typeface="a옛날목욕탕L" panose="02020600000000000000" pitchFamily="18" charset="-127"/>
+            </a:endParaRPr>
+          </a:p>
+          <a:p>
+            <a:pPr marL="342900" indent="-342900">
+              <a:buFont typeface="+mj-lt"/>
+              <a:buAutoNum type="arabicPeriod" startAt="3"/>
+            </a:pPr>
+            <a:r>
+              <a:rPr lang="ko-KR" altLang="en-US" sz="1600" dirty="0">
+                <a:latin typeface="a옛날목욕탕L" panose="02020600000000000000" pitchFamily="18" charset="-127"/>
+                <a:ea typeface="a옛날목욕탕L" panose="02020600000000000000" pitchFamily="18" charset="-127"/>
+              </a:rPr>
+              <a:t>모든 점자 정보의 입력이 완료되면 다시 </a:t>
+            </a:r>
+            <a:r>
+              <a:rPr lang="en-US" altLang="ko-KR" sz="1600" dirty="0">
+                <a:latin typeface="a옛날목욕탕L" panose="02020600000000000000" pitchFamily="18" charset="-127"/>
+                <a:ea typeface="a옛날목욕탕L" panose="02020600000000000000" pitchFamily="18" charset="-127"/>
+              </a:rPr>
+              <a:t>send </a:t>
+            </a:r>
+            <a:r>
+              <a:rPr lang="ko-KR" altLang="en-US" sz="1600" dirty="0">
+                <a:latin typeface="a옛날목욕탕L" panose="02020600000000000000" pitchFamily="18" charset="-127"/>
+                <a:ea typeface="a옛날목욕탕L" panose="02020600000000000000" pitchFamily="18" charset="-127"/>
+              </a:rPr>
+              <a:t>버튼을 눌러 전송한다</a:t>
+            </a:r>
+            <a:r>
+              <a:rPr lang="en-US" altLang="ko-KR" sz="1600" dirty="0">
+                <a:latin typeface="a옛날목욕탕L" panose="02020600000000000000" pitchFamily="18" charset="-127"/>
+                <a:ea typeface="a옛날목욕탕L" panose="02020600000000000000" pitchFamily="18" charset="-127"/>
+              </a:rPr>
+              <a:t>.</a:t>
+            </a:r>
+          </a:p>
+          <a:p>
+            <a:endParaRPr lang="en-US" altLang="ko-KR" sz="1600" dirty="0">
+              <a:latin typeface="a옛날목욕탕L" panose="02020600000000000000" pitchFamily="18" charset="-127"/>
+              <a:ea typeface="a옛날목욕탕L" panose="02020600000000000000" pitchFamily="18" charset="-127"/>
+            </a:endParaRPr>
+          </a:p>
+          <a:p>
+            <a:endParaRPr lang="en-US" altLang="ko-KR" sz="1600" dirty="0">
+              <a:latin typeface="a옛날목욕탕L" panose="02020600000000000000" pitchFamily="18" charset="-127"/>
+              <a:ea typeface="a옛날목욕탕L" panose="02020600000000000000" pitchFamily="18" charset="-127"/>
+            </a:endParaRPr>
+          </a:p>
+          <a:p>
+            <a:pPr marL="285750" indent="-285750">
+              <a:buFont typeface="Arial" panose="020B0604020202020204" pitchFamily="34" charset="0"/>
+              <a:buChar char="•"/>
+            </a:pPr>
+            <a:r>
+              <a:rPr lang="ko-KR" altLang="en-US" sz="1600" dirty="0">
+                <a:latin typeface="a옛날목욕탕L" panose="02020600000000000000" pitchFamily="18" charset="-127"/>
+                <a:ea typeface="a옛날목욕탕L" panose="02020600000000000000" pitchFamily="18" charset="-127"/>
+              </a:rPr>
+              <a:t>점자 버튼을 잘못 누른 경우 </a:t>
+            </a:r>
+            <a:endParaRPr lang="en-US" altLang="ko-KR" sz="1600" dirty="0">
+              <a:latin typeface="a옛날목욕탕L" panose="02020600000000000000" pitchFamily="18" charset="-127"/>
+              <a:ea typeface="a옛날목욕탕L" panose="02020600000000000000" pitchFamily="18" charset="-127"/>
+            </a:endParaRPr>
+          </a:p>
+          <a:p>
+            <a:r>
+              <a:rPr lang="en-US" altLang="ko-KR" sz="1600" dirty="0">
+                <a:latin typeface="a옛날목욕탕L" panose="02020600000000000000" pitchFamily="18" charset="-127"/>
+                <a:ea typeface="a옛날목욕탕L" panose="02020600000000000000" pitchFamily="18" charset="-127"/>
+              </a:rPr>
+              <a:t>    backspace </a:t>
+            </a:r>
+            <a:r>
+              <a:rPr lang="ko-KR" altLang="en-US" sz="1600" dirty="0">
+                <a:latin typeface="a옛날목욕탕L" panose="02020600000000000000" pitchFamily="18" charset="-127"/>
+                <a:ea typeface="a옛날목욕탕L" panose="02020600000000000000" pitchFamily="18" charset="-127"/>
+              </a:rPr>
+              <a:t>버튼으로 현재 입력중인 </a:t>
+            </a:r>
+            <a:endParaRPr lang="en-US" altLang="ko-KR" sz="1600" dirty="0">
+              <a:latin typeface="a옛날목욕탕L" panose="02020600000000000000" pitchFamily="18" charset="-127"/>
+              <a:ea typeface="a옛날목욕탕L" panose="02020600000000000000" pitchFamily="18" charset="-127"/>
+            </a:endParaRPr>
+          </a:p>
+          <a:p>
+            <a:r>
+              <a:rPr lang="en-US" altLang="ko-KR" sz="1600" dirty="0">
+                <a:latin typeface="a옛날목욕탕L" panose="02020600000000000000" pitchFamily="18" charset="-127"/>
+                <a:ea typeface="a옛날목욕탕L" panose="02020600000000000000" pitchFamily="18" charset="-127"/>
+              </a:rPr>
+              <a:t>    </a:t>
+            </a:r>
+            <a:r>
+              <a:rPr lang="ko-KR" altLang="en-US" sz="1600" dirty="0">
+                <a:latin typeface="a옛날목욕탕L" panose="02020600000000000000" pitchFamily="18" charset="-127"/>
+                <a:ea typeface="a옛날목욕탕L" panose="02020600000000000000" pitchFamily="18" charset="-127"/>
+              </a:rPr>
+              <a:t>점자 셀을 초기화한다</a:t>
+            </a:r>
+            <a:r>
+              <a:rPr lang="en-US" altLang="ko-KR" sz="1600" dirty="0">
+                <a:latin typeface="a옛날목욕탕L" panose="02020600000000000000" pitchFamily="18" charset="-127"/>
+                <a:ea typeface="a옛날목욕탕L" panose="02020600000000000000" pitchFamily="18" charset="-127"/>
+              </a:rPr>
+              <a:t>.</a:t>
+            </a:r>
+            <a:endParaRPr lang="ko-KR" altLang="ko-KR" sz="1400" dirty="0">
+              <a:latin typeface="a옛날목욕탕L" panose="02020600000000000000" pitchFamily="18" charset="-127"/>
+              <a:ea typeface="a옛날목욕탕L" panose="02020600000000000000" pitchFamily="18" charset="-127"/>
+              <a:cs typeface="Arial" panose="020B0604020202020204" pitchFamily="34" charset="0"/>
+            </a:endParaRPr>
+          </a:p>
+        </p:txBody>
+      </p:sp>
     </p:spTree>
     <p:extLst>
       <p:ext uri="{BB962C8B-B14F-4D97-AF65-F5344CB8AC3E}">
-        <p14:creationId xmlns:p14="http://schemas.microsoft.com/office/powerpoint/2010/main" val="2457294544"/>
+        <p14:creationId xmlns:p14="http://schemas.microsoft.com/office/powerpoint/2010/main" val="2508245099"/>
       </p:ext>
     </p:extLst>
   </p:cSld>
@@ -8349,7 +10314,18 @@
                 <a:ea typeface="a옛날목욕탕L" panose="02020600000000000000" pitchFamily="18" charset="-127"/>
                 <a:cs typeface="Arial" panose="020B0604020202020204" pitchFamily="34" charset="0"/>
               </a:rPr>
-              <a:t>제품 기능</a:t>
+              <a:t>제품 기능 </a:t>
+            </a:r>
+            <a:r>
+              <a:rPr lang="en-US" altLang="ko-KR" dirty="0">
+                <a:solidFill>
+                  <a:schemeClr val="bg1"/>
+                </a:solidFill>
+                <a:latin typeface="a옛날목욕탕L" panose="02020600000000000000" pitchFamily="18" charset="-127"/>
+                <a:ea typeface="a옛날목욕탕L" panose="02020600000000000000" pitchFamily="18" charset="-127"/>
+                <a:cs typeface="Arial" panose="020B0604020202020204" pitchFamily="34" charset="0"/>
+              </a:rPr>
+              <a:t>– Normal Mode</a:t>
             </a:r>
             <a:endParaRPr dirty="0">
               <a:solidFill>
@@ -8422,16 +10398,15 @@
           </p:cNvPicPr>
           <p:nvPr/>
         </p:nvPicPr>
-        <p:blipFill>
+        <p:blipFill rotWithShape="1">
           <a:blip r:embed="rId3"/>
-          <a:stretch>
-            <a:fillRect/>
-          </a:stretch>
+          <a:srcRect b="4359"/>
+          <a:stretch/>
         </p:blipFill>
         <p:spPr>
           <a:xfrm>
-            <a:off x="846794" y="2067742"/>
-            <a:ext cx="2242859" cy="3895533"/>
+            <a:off x="472514" y="2650191"/>
+            <a:ext cx="1875268" cy="3115087"/>
           </a:xfrm>
           <a:prstGeom prst="rect">
             <a:avLst/>
@@ -8452,8 +10427,8 @@
         </p:nvSpPr>
         <p:spPr>
           <a:xfrm>
-            <a:off x="793200" y="1680742"/>
-            <a:ext cx="2382975" cy="4540512"/>
+            <a:off x="429218" y="2355168"/>
+            <a:ext cx="1992420" cy="3567113"/>
           </a:xfrm>
           <a:custGeom>
             <a:avLst/>
@@ -9142,7 +11117,7 @@
         </p:nvSpPr>
         <p:spPr>
           <a:xfrm>
-            <a:off x="3508318" y="3757621"/>
+            <a:off x="2554460" y="3954668"/>
             <a:ext cx="502920" cy="384048"/>
           </a:xfrm>
           <a:prstGeom prst="rightArrow">
@@ -9182,116 +11157,6 @@
           </a:p>
         </p:txBody>
       </p:sp>
-      <p:sp>
-        <p:nvSpPr>
-          <p:cNvPr id="16" name="화살표: 오른쪽 15">
-            <a:extLst>
-              <a:ext uri="{FF2B5EF4-FFF2-40B4-BE49-F238E27FC236}">
-                <a16:creationId xmlns:a16="http://schemas.microsoft.com/office/drawing/2014/main" id="{0E54A750-DB3A-4E34-B535-7963ACDF71E2}"/>
-              </a:ext>
-            </a:extLst>
-          </p:cNvPr>
-          <p:cNvSpPr/>
-          <p:nvPr/>
-        </p:nvSpPr>
-        <p:spPr>
-          <a:xfrm rot="20109988">
-            <a:off x="8524257" y="2457047"/>
-            <a:ext cx="1383846" cy="206127"/>
-          </a:xfrm>
-          <a:prstGeom prst="rightArrow">
-            <a:avLst>
-              <a:gd name="adj1" fmla="val 50000"/>
-              <a:gd name="adj2" fmla="val 72902"/>
-            </a:avLst>
-          </a:prstGeom>
-          <a:solidFill>
-            <a:srgbClr val="FFC37F"/>
-          </a:solidFill>
-          <a:ln>
-            <a:noFill/>
-          </a:ln>
-        </p:spPr>
-        <p:style>
-          <a:lnRef idx="2">
-            <a:schemeClr val="accent1">
-              <a:shade val="50000"/>
-            </a:schemeClr>
-          </a:lnRef>
-          <a:fillRef idx="1">
-            <a:schemeClr val="accent1"/>
-          </a:fillRef>
-          <a:effectRef idx="0">
-            <a:schemeClr val="accent1"/>
-          </a:effectRef>
-          <a:fontRef idx="minor">
-            <a:schemeClr val="lt1"/>
-          </a:fontRef>
-        </p:style>
-        <p:txBody>
-          <a:bodyPr rtlCol="0" anchor="ctr"/>
-          <a:lstStyle/>
-          <a:p>
-            <a:pPr algn="ctr"/>
-            <a:endParaRPr lang="ko-KR" altLang="en-US" dirty="0"/>
-          </a:p>
-        </p:txBody>
-      </p:sp>
-      <p:sp>
-        <p:nvSpPr>
-          <p:cNvPr id="17" name="화살표: 오른쪽 16">
-            <a:extLst>
-              <a:ext uri="{FF2B5EF4-FFF2-40B4-BE49-F238E27FC236}">
-                <a16:creationId xmlns:a16="http://schemas.microsoft.com/office/drawing/2014/main" id="{DB491771-F245-4DA3-B724-D838CB95E5AF}"/>
-              </a:ext>
-            </a:extLst>
-          </p:cNvPr>
-          <p:cNvSpPr/>
-          <p:nvPr/>
-        </p:nvSpPr>
-        <p:spPr>
-          <a:xfrm rot="1713838">
-            <a:off x="8538500" y="3654558"/>
-            <a:ext cx="1383846" cy="206127"/>
-          </a:xfrm>
-          <a:prstGeom prst="rightArrow">
-            <a:avLst>
-              <a:gd name="adj1" fmla="val 50000"/>
-              <a:gd name="adj2" fmla="val 72902"/>
-            </a:avLst>
-          </a:prstGeom>
-          <a:solidFill>
-            <a:srgbClr val="FFC37F"/>
-          </a:solidFill>
-          <a:ln>
-            <a:noFill/>
-          </a:ln>
-        </p:spPr>
-        <p:style>
-          <a:lnRef idx="2">
-            <a:schemeClr val="accent1">
-              <a:shade val="50000"/>
-            </a:schemeClr>
-          </a:lnRef>
-          <a:fillRef idx="1">
-            <a:schemeClr val="accent1"/>
-          </a:fillRef>
-          <a:effectRef idx="0">
-            <a:schemeClr val="accent1"/>
-          </a:effectRef>
-          <a:fontRef idx="minor">
-            <a:schemeClr val="lt1"/>
-          </a:fontRef>
-        </p:style>
-        <p:txBody>
-          <a:bodyPr rtlCol="0" anchor="ctr"/>
-          <a:lstStyle/>
-          <a:p>
-            <a:pPr algn="ctr"/>
-            <a:endParaRPr lang="ko-KR" altLang="en-US" dirty="0"/>
-          </a:p>
-        </p:txBody>
-      </p:sp>
       <p:grpSp>
         <p:nvGrpSpPr>
           <p:cNvPr id="9" name="그룹 8">
@@ -9306,7 +11171,7 @@
         </p:nvGrpSpPr>
         <p:grpSpPr>
           <a:xfrm>
-            <a:off x="4343381" y="1485433"/>
+            <a:off x="3130015" y="2355168"/>
             <a:ext cx="1886384" cy="3557083"/>
             <a:chOff x="4327985" y="1680742"/>
             <a:chExt cx="2382975" cy="4540512"/>
@@ -10059,7 +11924,7 @@
         </p:nvGrpSpPr>
         <p:grpSpPr>
           <a:xfrm>
-            <a:off x="6518115" y="1485433"/>
+            <a:off x="5289219" y="2355168"/>
             <a:ext cx="1886384" cy="3574739"/>
             <a:chOff x="6626520" y="1945594"/>
             <a:chExt cx="2382975" cy="4540512"/>
@@ -10798,10 +12663,396 @@
           </p:spPr>
         </p:pic>
       </p:grpSp>
+      <p:pic>
+        <p:nvPicPr>
+          <p:cNvPr id="18" name="그림 17">
+            <a:extLst>
+              <a:ext uri="{FF2B5EF4-FFF2-40B4-BE49-F238E27FC236}">
+                <a16:creationId xmlns:a16="http://schemas.microsoft.com/office/drawing/2014/main" id="{05B67ACA-8FBA-477A-9998-B152DF09E598}"/>
+              </a:ext>
+            </a:extLst>
+          </p:cNvPr>
+          <p:cNvPicPr>
+            <a:picLocks noChangeAspect="1"/>
+          </p:cNvPicPr>
+          <p:nvPr/>
+        </p:nvPicPr>
+        <p:blipFill>
+          <a:blip r:embed="rId6">
+            <a:extLst>
+              <a:ext uri="{28A0092B-C50C-407E-A947-70E740481C1C}">
+                <a14:useLocalDpi xmlns:a14="http://schemas.microsoft.com/office/drawing/2010/main" val="0"/>
+              </a:ext>
+            </a:extLst>
+          </a:blip>
+          <a:stretch>
+            <a:fillRect/>
+          </a:stretch>
+        </p:blipFill>
+        <p:spPr>
+          <a:xfrm>
+            <a:off x="1254747" y="4334086"/>
+            <a:ext cx="493243" cy="493243"/>
+          </a:xfrm>
+          <a:prstGeom prst="rect">
+            <a:avLst/>
+          </a:prstGeom>
+        </p:spPr>
+      </p:pic>
+      <p:sp>
+        <p:nvSpPr>
+          <p:cNvPr id="7" name="TextBox 6">
+            <a:extLst>
+              <a:ext uri="{FF2B5EF4-FFF2-40B4-BE49-F238E27FC236}">
+                <a16:creationId xmlns:a16="http://schemas.microsoft.com/office/drawing/2014/main" id="{362AA986-C11D-4DB1-9C1E-4940F0287932}"/>
+              </a:ext>
+            </a:extLst>
+          </p:cNvPr>
+          <p:cNvSpPr txBox="1"/>
+          <p:nvPr/>
+        </p:nvSpPr>
+        <p:spPr>
+          <a:xfrm>
+            <a:off x="514691" y="1598836"/>
+            <a:ext cx="6003424" cy="369332"/>
+          </a:xfrm>
+          <a:prstGeom prst="rect">
+            <a:avLst/>
+          </a:prstGeom>
+          <a:noFill/>
+        </p:spPr>
+        <p:txBody>
+          <a:bodyPr wrap="square" rtlCol="0">
+            <a:spAutoFit/>
+          </a:bodyPr>
+          <a:lstStyle/>
+          <a:p>
+            <a:r>
+              <a:rPr lang="en-US" altLang="ko-KR" dirty="0">
+                <a:latin typeface="a옛날목욕탕L" panose="02020600000000000000" pitchFamily="18" charset="-127"/>
+                <a:ea typeface="a옛날목욕탕L" panose="02020600000000000000" pitchFamily="18" charset="-127"/>
+              </a:rPr>
+              <a:t>· </a:t>
+            </a:r>
+            <a:r>
+              <a:rPr lang="ko-KR" altLang="en-US" dirty="0">
+                <a:latin typeface="a옛날목욕탕L" panose="02020600000000000000" pitchFamily="18" charset="-127"/>
+                <a:ea typeface="a옛날목욕탕L" panose="02020600000000000000" pitchFamily="18" charset="-127"/>
+              </a:rPr>
+              <a:t>블루투스 연결을 통한 근거리 통신 기능</a:t>
+            </a:r>
+          </a:p>
+        </p:txBody>
+      </p:sp>
+      <p:sp>
+        <p:nvSpPr>
+          <p:cNvPr id="95" name="직사각형 94">
+            <a:extLst>
+              <a:ext uri="{FF2B5EF4-FFF2-40B4-BE49-F238E27FC236}">
+                <a16:creationId xmlns:a16="http://schemas.microsoft.com/office/drawing/2014/main" id="{88F9EC72-A299-4CB0-9431-CE658D3C886D}"/>
+              </a:ext>
+            </a:extLst>
+          </p:cNvPr>
+          <p:cNvSpPr/>
+          <p:nvPr/>
+        </p:nvSpPr>
+        <p:spPr>
+          <a:xfrm>
+            <a:off x="7814145" y="2330419"/>
+            <a:ext cx="4067047" cy="3200876"/>
+          </a:xfrm>
+          <a:prstGeom prst="rect">
+            <a:avLst/>
+          </a:prstGeom>
+        </p:spPr>
+        <p:txBody>
+          <a:bodyPr wrap="square">
+            <a:spAutoFit/>
+          </a:bodyPr>
+          <a:lstStyle/>
+          <a:p>
+            <a:r>
+              <a:rPr lang="en-US" altLang="ko-KR" sz="1600" dirty="0">
+                <a:latin typeface="a옛날목욕탕L" panose="02020600000000000000" pitchFamily="18" charset="-127"/>
+                <a:ea typeface="a옛날목욕탕L" panose="02020600000000000000" pitchFamily="18" charset="-127"/>
+              </a:rPr>
+              <a:t>Speech to Braille</a:t>
+            </a:r>
+          </a:p>
+          <a:p>
+            <a:pPr marL="342900" indent="-342900">
+              <a:buFont typeface="+mj-ea"/>
+              <a:buAutoNum type="circleNumDbPlain"/>
+            </a:pPr>
+            <a:r>
+              <a:rPr lang="ko-KR" altLang="en-US" sz="1400" dirty="0">
+                <a:latin typeface="a옛날목욕탕L" panose="02020600000000000000" pitchFamily="18" charset="-127"/>
+                <a:ea typeface="a옛날목욕탕L" panose="02020600000000000000" pitchFamily="18" charset="-127"/>
+              </a:rPr>
+              <a:t>사용자가 </a:t>
+            </a:r>
+            <a:r>
+              <a:rPr lang="en-US" altLang="ko-KR" sz="1400" dirty="0">
+                <a:latin typeface="a옛날목욕탕L" panose="02020600000000000000" pitchFamily="18" charset="-127"/>
+                <a:ea typeface="a옛날목욕탕L" panose="02020600000000000000" pitchFamily="18" charset="-127"/>
+              </a:rPr>
+              <a:t>Bluetooth </a:t>
+            </a:r>
+            <a:r>
+              <a:rPr lang="ko-KR" altLang="en-US" sz="1400" dirty="0">
+                <a:latin typeface="a옛날목욕탕L" panose="02020600000000000000" pitchFamily="18" charset="-127"/>
+                <a:ea typeface="a옛날목욕탕L" panose="02020600000000000000" pitchFamily="18" charset="-127"/>
+              </a:rPr>
+              <a:t>연결을 활성화시킨다</a:t>
+            </a:r>
+            <a:r>
+              <a:rPr lang="en-US" altLang="ko-KR" sz="1400" dirty="0">
+                <a:latin typeface="a옛날목욕탕L" panose="02020600000000000000" pitchFamily="18" charset="-127"/>
+                <a:ea typeface="a옛날목욕탕L" panose="02020600000000000000" pitchFamily="18" charset="-127"/>
+              </a:rPr>
+              <a:t>.</a:t>
+            </a:r>
+          </a:p>
+          <a:p>
+            <a:pPr marL="342900" indent="-342900">
+              <a:buFont typeface="+mj-ea"/>
+              <a:buAutoNum type="circleNumDbPlain"/>
+            </a:pPr>
+            <a:endParaRPr lang="en-US" altLang="ko-KR" sz="1400" dirty="0">
+              <a:latin typeface="a옛날목욕탕L" panose="02020600000000000000" pitchFamily="18" charset="-127"/>
+              <a:ea typeface="a옛날목욕탕L" panose="02020600000000000000" pitchFamily="18" charset="-127"/>
+            </a:endParaRPr>
+          </a:p>
+          <a:p>
+            <a:pPr marL="342900" indent="-342900">
+              <a:buFont typeface="+mj-ea"/>
+              <a:buAutoNum type="circleNumDbPlain"/>
+            </a:pPr>
+            <a:r>
+              <a:rPr lang="ko-KR" altLang="en-US" sz="1400" dirty="0">
+                <a:latin typeface="a옛날목욕탕L" panose="02020600000000000000" pitchFamily="18" charset="-127"/>
+                <a:ea typeface="a옛날목욕탕L" panose="02020600000000000000" pitchFamily="18" charset="-127"/>
+              </a:rPr>
+              <a:t>마이크 아이콘을 누르고 음성을 입력하면 문자로 변환되어 화면에 보여진다</a:t>
+            </a:r>
+            <a:r>
+              <a:rPr lang="en-US" altLang="ko-KR" sz="1400" dirty="0">
+                <a:latin typeface="a옛날목욕탕L" panose="02020600000000000000" pitchFamily="18" charset="-127"/>
+                <a:ea typeface="a옛날목욕탕L" panose="02020600000000000000" pitchFamily="18" charset="-127"/>
+              </a:rPr>
+              <a:t>.</a:t>
+            </a:r>
+          </a:p>
+          <a:p>
+            <a:pPr marL="342900" indent="-342900">
+              <a:buFont typeface="+mj-ea"/>
+              <a:buAutoNum type="circleNumDbPlain"/>
+            </a:pPr>
+            <a:endParaRPr lang="en-US" altLang="ko-KR" sz="1400" dirty="0">
+              <a:latin typeface="a옛날목욕탕L" panose="02020600000000000000" pitchFamily="18" charset="-127"/>
+              <a:ea typeface="a옛날목욕탕L" panose="02020600000000000000" pitchFamily="18" charset="-127"/>
+            </a:endParaRPr>
+          </a:p>
+          <a:p>
+            <a:pPr marL="342900" indent="-342900">
+              <a:buFont typeface="+mj-ea"/>
+              <a:buAutoNum type="circleNumDbPlain"/>
+            </a:pPr>
+            <a:r>
+              <a:rPr lang="en-US" altLang="ko-KR" sz="1400" dirty="0">
+                <a:latin typeface="a옛날목욕탕L" panose="02020600000000000000" pitchFamily="18" charset="-127"/>
+                <a:ea typeface="a옛날목욕탕L" panose="02020600000000000000" pitchFamily="18" charset="-127"/>
+              </a:rPr>
+              <a:t>‘</a:t>
+            </a:r>
+            <a:r>
+              <a:rPr lang="ko-KR" altLang="en-US" sz="1400" dirty="0">
+                <a:latin typeface="a옛날목욕탕L" panose="02020600000000000000" pitchFamily="18" charset="-127"/>
+                <a:ea typeface="a옛날목욕탕L" panose="02020600000000000000" pitchFamily="18" charset="-127"/>
+              </a:rPr>
+              <a:t>점자 변환</a:t>
+            </a:r>
+            <a:r>
+              <a:rPr lang="en-US" altLang="ko-KR" sz="1400" dirty="0">
+                <a:latin typeface="a옛날목욕탕L" panose="02020600000000000000" pitchFamily="18" charset="-127"/>
+                <a:ea typeface="a옛날목욕탕L" panose="02020600000000000000" pitchFamily="18" charset="-127"/>
+              </a:rPr>
+              <a:t>’</a:t>
+            </a:r>
+            <a:r>
+              <a:rPr lang="ko-KR" altLang="en-US" sz="1400" dirty="0">
+                <a:latin typeface="a옛날목욕탕L" panose="02020600000000000000" pitchFamily="18" charset="-127"/>
+                <a:ea typeface="a옛날목욕탕L" panose="02020600000000000000" pitchFamily="18" charset="-127"/>
+              </a:rPr>
+              <a:t>아이콘을 선택하면 </a:t>
+            </a:r>
+            <a:r>
+              <a:rPr lang="en-US" altLang="ko-KR" sz="1400" dirty="0">
+                <a:latin typeface="a옛날목욕탕L" panose="02020600000000000000" pitchFamily="18" charset="-127"/>
+                <a:ea typeface="a옛날목욕탕L" panose="02020600000000000000" pitchFamily="18" charset="-127"/>
+              </a:rPr>
+              <a:t>Device</a:t>
+            </a:r>
+            <a:r>
+              <a:rPr lang="ko-KR" altLang="en-US" sz="1400" dirty="0">
+                <a:latin typeface="a옛날목욕탕L" panose="02020600000000000000" pitchFamily="18" charset="-127"/>
+                <a:ea typeface="a옛날목욕탕L" panose="02020600000000000000" pitchFamily="18" charset="-127"/>
+              </a:rPr>
+              <a:t>에 점자로 변환된다</a:t>
+            </a:r>
+            <a:r>
+              <a:rPr lang="en-US" altLang="ko-KR" sz="1400" dirty="0">
+                <a:latin typeface="a옛날목욕탕L" panose="02020600000000000000" pitchFamily="18" charset="-127"/>
+                <a:ea typeface="a옛날목욕탕L" panose="02020600000000000000" pitchFamily="18" charset="-127"/>
+              </a:rPr>
+              <a:t>.</a:t>
+            </a:r>
+          </a:p>
+          <a:p>
+            <a:pPr marL="342900" indent="-342900">
+              <a:buFont typeface="+mj-ea"/>
+              <a:buAutoNum type="circleNumDbPlain"/>
+            </a:pPr>
+            <a:endParaRPr lang="en-US" altLang="ko-KR" sz="1600" dirty="0">
+              <a:latin typeface="a옛날목욕탕L" panose="02020600000000000000" pitchFamily="18" charset="-127"/>
+              <a:ea typeface="a옛날목욕탕L" panose="02020600000000000000" pitchFamily="18" charset="-127"/>
+            </a:endParaRPr>
+          </a:p>
+          <a:p>
+            <a:r>
+              <a:rPr lang="en-US" altLang="ko-KR" sz="1600" dirty="0">
+                <a:latin typeface="a옛날목욕탕L" panose="02020600000000000000" pitchFamily="18" charset="-127"/>
+                <a:ea typeface="a옛날목욕탕L" panose="02020600000000000000" pitchFamily="18" charset="-127"/>
+              </a:rPr>
+              <a:t>Braille to Speech</a:t>
+            </a:r>
+          </a:p>
+          <a:p>
+            <a:pPr marL="342900" indent="-342900">
+              <a:buFont typeface="+mj-ea"/>
+              <a:buAutoNum type="circleNumDbPlain"/>
+            </a:pPr>
+            <a:r>
+              <a:rPr lang="ko-KR" altLang="en-US" sz="1400" dirty="0">
+                <a:latin typeface="a옛날목욕탕L" panose="02020600000000000000" pitchFamily="18" charset="-127"/>
+                <a:ea typeface="a옛날목욕탕L" panose="02020600000000000000" pitchFamily="18" charset="-127"/>
+              </a:rPr>
+              <a:t>출력부에 점자 변환된 메시지가 출력된다</a:t>
+            </a:r>
+            <a:r>
+              <a:rPr lang="en-US" altLang="ko-KR" sz="1400" dirty="0">
+                <a:latin typeface="a옛날목욕탕L" panose="02020600000000000000" pitchFamily="18" charset="-127"/>
+                <a:ea typeface="a옛날목욕탕L" panose="02020600000000000000" pitchFamily="18" charset="-127"/>
+              </a:rPr>
+              <a:t>.</a:t>
+            </a:r>
+          </a:p>
+          <a:p>
+            <a:pPr marL="342900" indent="-342900">
+              <a:buFont typeface="+mj-ea"/>
+              <a:buAutoNum type="circleNumDbPlain"/>
+            </a:pPr>
+            <a:endParaRPr lang="en-US" altLang="ko-KR" sz="1400" dirty="0">
+              <a:latin typeface="a옛날목욕탕L" panose="02020600000000000000" pitchFamily="18" charset="-127"/>
+              <a:ea typeface="a옛날목욕탕L" panose="02020600000000000000" pitchFamily="18" charset="-127"/>
+            </a:endParaRPr>
+          </a:p>
+          <a:p>
+            <a:pPr marL="342900" indent="-342900">
+              <a:buFont typeface="+mj-ea"/>
+              <a:buAutoNum type="circleNumDbPlain"/>
+            </a:pPr>
+            <a:r>
+              <a:rPr lang="ko-KR" altLang="en-US" sz="1400" dirty="0">
+                <a:latin typeface="a옛날목욕탕L" panose="02020600000000000000" pitchFamily="18" charset="-127"/>
+                <a:ea typeface="a옛날목욕탕L" panose="02020600000000000000" pitchFamily="18" charset="-127"/>
+              </a:rPr>
+              <a:t>점자 입력부를 통해 점자를 입력하고 </a:t>
+            </a:r>
+            <a:r>
+              <a:rPr lang="en-US" altLang="ko-KR" sz="1400" dirty="0">
+                <a:latin typeface="a옛날목욕탕L" panose="02020600000000000000" pitchFamily="18" charset="-127"/>
+                <a:ea typeface="a옛날목욕탕L" panose="02020600000000000000" pitchFamily="18" charset="-127"/>
+              </a:rPr>
+              <a:t>‘Send’</a:t>
+            </a:r>
+            <a:r>
+              <a:rPr lang="ko-KR" altLang="en-US" sz="1400" dirty="0">
+                <a:latin typeface="a옛날목욕탕L" panose="02020600000000000000" pitchFamily="18" charset="-127"/>
+                <a:ea typeface="a옛날목욕탕L" panose="02020600000000000000" pitchFamily="18" charset="-127"/>
+              </a:rPr>
+              <a:t>버튼을 누르면 </a:t>
+            </a:r>
+            <a:r>
+              <a:rPr lang="en-US" altLang="ko-KR" sz="1400" dirty="0">
+                <a:latin typeface="a옛날목욕탕L" panose="02020600000000000000" pitchFamily="18" charset="-127"/>
+                <a:ea typeface="a옛날목욕탕L" panose="02020600000000000000" pitchFamily="18" charset="-127"/>
+              </a:rPr>
+              <a:t>Bee App</a:t>
+            </a:r>
+            <a:r>
+              <a:rPr lang="ko-KR" altLang="en-US" sz="1400" dirty="0">
+                <a:latin typeface="a옛날목욕탕L" panose="02020600000000000000" pitchFamily="18" charset="-127"/>
+                <a:ea typeface="a옛날목욕탕L" panose="02020600000000000000" pitchFamily="18" charset="-127"/>
+              </a:rPr>
+              <a:t>으로 전송된다</a:t>
+            </a:r>
+            <a:r>
+              <a:rPr lang="en-US" altLang="ko-KR" sz="1400" dirty="0">
+                <a:latin typeface="a옛날목욕탕L" panose="02020600000000000000" pitchFamily="18" charset="-127"/>
+                <a:ea typeface="a옛날목욕탕L" panose="02020600000000000000" pitchFamily="18" charset="-127"/>
+              </a:rPr>
+              <a:t>.</a:t>
+            </a:r>
+          </a:p>
+        </p:txBody>
+      </p:sp>
+      <p:cxnSp>
+        <p:nvCxnSpPr>
+          <p:cNvPr id="55" name="직선 연결선 54">
+            <a:extLst>
+              <a:ext uri="{FF2B5EF4-FFF2-40B4-BE49-F238E27FC236}">
+                <a16:creationId xmlns:a16="http://schemas.microsoft.com/office/drawing/2014/main" id="{5807D6D8-4635-4F28-8F4C-3AFC8A6FF87B}"/>
+              </a:ext>
+            </a:extLst>
+          </p:cNvPr>
+          <p:cNvCxnSpPr/>
+          <p:nvPr/>
+        </p:nvCxnSpPr>
+        <p:spPr>
+          <a:xfrm>
+            <a:off x="7598571" y="1961026"/>
+            <a:ext cx="0" cy="4203125"/>
+          </a:xfrm>
+          <a:prstGeom prst="line">
+            <a:avLst/>
+          </a:prstGeom>
+          <a:ln w="38100">
+            <a:solidFill>
+              <a:schemeClr val="tx1"/>
+            </a:solidFill>
+            <a:prstDash val="dash"/>
+          </a:ln>
+        </p:spPr>
+        <p:style>
+          <a:lnRef idx="1">
+            <a:schemeClr val="accent1"/>
+          </a:lnRef>
+          <a:fillRef idx="0">
+            <a:schemeClr val="accent1"/>
+          </a:fillRef>
+          <a:effectRef idx="0">
+            <a:schemeClr val="accent1"/>
+          </a:effectRef>
+          <a:fontRef idx="minor">
+            <a:schemeClr val="tx1"/>
+          </a:fontRef>
+        </p:style>
+      </p:cxnSp>
     </p:spTree>
     <p:extLst>
       <p:ext uri="{BB962C8B-B14F-4D97-AF65-F5344CB8AC3E}">
-        <p14:creationId xmlns:p14="http://schemas.microsoft.com/office/powerpoint/2010/main" val="3037539029"/>
+        <p14:creationId xmlns:p14="http://schemas.microsoft.com/office/powerpoint/2010/main" val="730381587"/>
       </p:ext>
     </p:extLst>
   </p:cSld>
@@ -12666,16 +14917,22 @@
             </a:endParaRPr>
           </a:p>
           <a:p>
-            <a:pPr marL="1181100" indent="-342900" algn="just">
+            <a:pPr marL="838200" algn="just">
               <a:spcAft>
                 <a:spcPts val="0"/>
               </a:spcAft>
-              <a:buFont typeface="+mj-ea"/>
-              <a:buAutoNum type="circleNumDbPlain"/>
               <a:tabLst>
                 <a:tab pos="838200" algn="l"/>
               </a:tabLst>
             </a:pPr>
+            <a:r>
+              <a:rPr lang="en-US" altLang="ko-KR" sz="1400" dirty="0">
+                <a:latin typeface="a옛날목욕탕L" panose="02020600000000000000" pitchFamily="18" charset="-127"/>
+                <a:ea typeface="a옛날목욕탕L" panose="02020600000000000000" pitchFamily="18" charset="-127"/>
+                <a:cs typeface="Arial" panose="020B0604020202020204" pitchFamily="34" charset="0"/>
+              </a:rPr>
+              <a:t> </a:t>
+            </a:r>
             <a:endParaRPr lang="ko-KR" altLang="ko-KR" sz="1400" dirty="0">
               <a:latin typeface="a옛날목욕탕L" panose="02020600000000000000" pitchFamily="18" charset="-127"/>
               <a:ea typeface="a옛날목욕탕L" panose="02020600000000000000" pitchFamily="18" charset="-127"/>

--- a/docs/8_Final Presentation Panel.pptx
+++ b/docs/8_Final Presentation Panel.pptx
@@ -7415,7 +7415,21 @@
                 <a:latin typeface="a옛날목욕탕L" panose="02020600000000000000" pitchFamily="18" charset="-127"/>
                 <a:ea typeface="a옛날목욕탕L" panose="02020600000000000000" pitchFamily="18" charset="-127"/>
               </a:rPr>
-              <a:t>시청각장애인의 원활한 의사소통 환경 구축을 통한 </a:t>
+              <a:t>시청각장애인의 원활한</a:t>
+            </a:r>
+            <a:endParaRPr lang="en-US" altLang="ko-KR" sz="1600" dirty="0">
+              <a:latin typeface="a옛날목욕탕L" panose="02020600000000000000" pitchFamily="18" charset="-127"/>
+              <a:ea typeface="a옛날목욕탕L" panose="02020600000000000000" pitchFamily="18" charset="-127"/>
+            </a:endParaRPr>
+          </a:p>
+          <a:p>
+            <a:pPr algn="ctr"/>
+            <a:r>
+              <a:rPr lang="ko-KR" altLang="en-US" sz="1600" dirty="0">
+                <a:latin typeface="a옛날목욕탕L" panose="02020600000000000000" pitchFamily="18" charset="-127"/>
+                <a:ea typeface="a옛날목욕탕L" panose="02020600000000000000" pitchFamily="18" charset="-127"/>
+              </a:rPr>
+              <a:t> 의사소통 환경 구축을 통한 </a:t>
             </a:r>
             <a:endParaRPr lang="en-US" altLang="ko-KR" sz="1600" dirty="0">
               <a:latin typeface="a옛날목욕탕L" panose="02020600000000000000" pitchFamily="18" charset="-127"/>
@@ -7815,8 +7829,8 @@
         </p:nvSpPr>
         <p:spPr>
           <a:xfrm>
-            <a:off x="1473200" y="4079872"/>
-            <a:ext cx="9404184" cy="2331023"/>
+            <a:off x="1473201" y="4230793"/>
+            <a:ext cx="9404184" cy="2069413"/>
           </a:xfrm>
           <a:prstGeom prst="rect">
             <a:avLst/>
@@ -7828,18 +7842,51 @@
           </a:bodyPr>
           <a:lstStyle/>
           <a:p>
-            <a:pPr algn="ctr">
+            <a:pPr marL="285750" indent="-285750">
+              <a:lnSpc>
+                <a:spcPct val="150000"/>
+              </a:lnSpc>
+              <a:buFont typeface="Arial" panose="020B0604020202020204" pitchFamily="34" charset="0"/>
+              <a:buChar char="•"/>
+            </a:pPr>
+            <a:r>
+              <a:rPr lang="ko-KR" altLang="ko-KR" sz="1467" dirty="0">
+                <a:latin typeface="a옛날목욕탕L" panose="02020600000000000000" pitchFamily="18" charset="-127"/>
+                <a:ea typeface="a옛날목욕탕L" panose="02020600000000000000" pitchFamily="18" charset="-127"/>
+                <a:cs typeface="Arial" panose="020B0604020202020204" pitchFamily="34" charset="0"/>
+              </a:rPr>
+              <a:t>다양한 점자기기가 존재함에도 불구하고 시청각장애인과 비장애인의 의사소통에는 상당한 어려움이 존재</a:t>
+            </a:r>
+            <a:r>
+              <a:rPr lang="en-US" altLang="ko-KR" sz="1467" dirty="0">
+                <a:latin typeface="a옛날목욕탕L" panose="02020600000000000000" pitchFamily="18" charset="-127"/>
+                <a:ea typeface="a옛날목욕탕L" panose="02020600000000000000" pitchFamily="18" charset="-127"/>
+                <a:cs typeface="Arial" panose="020B0604020202020204" pitchFamily="34" charset="0"/>
+              </a:rPr>
+              <a:t> </a:t>
+            </a:r>
+          </a:p>
+          <a:p>
+            <a:pPr>
               <a:lnSpc>
                 <a:spcPct val="150000"/>
               </a:lnSpc>
             </a:pPr>
             <a:r>
+              <a:rPr lang="ko-KR" altLang="en-US" sz="1467" dirty="0">
+                <a:latin typeface="a옛날목욕탕L" panose="02020600000000000000" pitchFamily="18" charset="-127"/>
+                <a:ea typeface="a옛날목욕탕L" panose="02020600000000000000" pitchFamily="18" charset="-127"/>
+                <a:cs typeface="Arial" panose="020B0604020202020204" pitchFamily="34" charset="0"/>
+              </a:rPr>
+              <a:t>    시</a:t>
+            </a:r>
+            <a:r>
               <a:rPr lang="ko-KR" altLang="ko-KR" sz="1467" dirty="0">
                 <a:latin typeface="a옛날목욕탕L" panose="02020600000000000000" pitchFamily="18" charset="-127"/>
                 <a:ea typeface="a옛날목욕탕L" panose="02020600000000000000" pitchFamily="18" charset="-127"/>
                 <a:cs typeface="Arial" panose="020B0604020202020204" pitchFamily="34" charset="0"/>
               </a:rPr>
-              <a:t>다양한 점자기기가 존재함에도 불구하고 시청각장애인과 비장애인의 의사소통에는 상당한 어려움이 존재한다</a:t>
+              <a:t>청각</a:t>
             </a:r>
             <a:r>
               <a:rPr lang="en-US" altLang="ko-KR" sz="1467" dirty="0">
@@ -7847,93 +7894,129 @@
                 <a:ea typeface="a옛날목욕탕L" panose="02020600000000000000" pitchFamily="18" charset="-127"/>
                 <a:cs typeface="Arial" panose="020B0604020202020204" pitchFamily="34" charset="0"/>
               </a:rPr>
-              <a:t>. </a:t>
-            </a:r>
-          </a:p>
-          <a:p>
-            <a:pPr algn="ctr">
+              <a:t> </a:t>
+            </a:r>
+            <a:r>
+              <a:rPr lang="ko-KR" altLang="ko-KR" sz="1467" dirty="0">
+                <a:latin typeface="a옛날목욕탕L" panose="02020600000000000000" pitchFamily="18" charset="-127"/>
+                <a:ea typeface="a옛날목욕탕L" panose="02020600000000000000" pitchFamily="18" charset="-127"/>
+                <a:cs typeface="Arial" panose="020B0604020202020204" pitchFamily="34" charset="0"/>
+              </a:rPr>
+              <a:t>장애인의 연령대가 대다수 고령으로 분포되어 있</a:t>
+            </a:r>
+            <a:r>
+              <a:rPr lang="ko-KR" altLang="en-US" sz="1467" dirty="0">
+                <a:latin typeface="a옛날목욕탕L" panose="02020600000000000000" pitchFamily="18" charset="-127"/>
+                <a:ea typeface="a옛날목욕탕L" panose="02020600000000000000" pitchFamily="18" charset="-127"/>
+                <a:cs typeface="Arial" panose="020B0604020202020204" pitchFamily="34" charset="0"/>
+              </a:rPr>
+              <a:t>으며</a:t>
+            </a:r>
+            <a:r>
+              <a:rPr lang="en-US" altLang="ko-KR" sz="1467" dirty="0">
+                <a:latin typeface="a옛날목욕탕L" panose="02020600000000000000" pitchFamily="18" charset="-127"/>
+                <a:ea typeface="a옛날목욕탕L" panose="02020600000000000000" pitchFamily="18" charset="-127"/>
+                <a:cs typeface="Arial" panose="020B0604020202020204" pitchFamily="34" charset="0"/>
+              </a:rPr>
+              <a:t>, </a:t>
+            </a:r>
+            <a:r>
+              <a:rPr lang="ko-KR" altLang="en-US" sz="1467" dirty="0">
+                <a:latin typeface="a옛날목욕탕L" panose="02020600000000000000" pitchFamily="18" charset="-127"/>
+                <a:ea typeface="a옛날목욕탕L" panose="02020600000000000000" pitchFamily="18" charset="-127"/>
+                <a:cs typeface="Arial" panose="020B0604020202020204" pitchFamily="34" charset="0"/>
+              </a:rPr>
+              <a:t>일상 생활을 이루기 위해 타인의 도움이 절실히 필요한 상황</a:t>
+            </a:r>
+            <a:endParaRPr lang="en-US" altLang="ko-KR" sz="1467" dirty="0">
+              <a:latin typeface="a옛날목욕탕L" panose="02020600000000000000" pitchFamily="18" charset="-127"/>
+              <a:ea typeface="a옛날목욕탕L" panose="02020600000000000000" pitchFamily="18" charset="-127"/>
+              <a:cs typeface="Arial" panose="020B0604020202020204" pitchFamily="34" charset="0"/>
+            </a:endParaRPr>
+          </a:p>
+          <a:p>
+            <a:pPr>
               <a:lnSpc>
                 <a:spcPct val="150000"/>
               </a:lnSpc>
             </a:pPr>
-            <a:r>
-              <a:rPr lang="ko-KR" altLang="en-US" sz="1467" dirty="0">
+            <a:endParaRPr lang="en-US" altLang="ko-KR" sz="700" dirty="0">
+              <a:latin typeface="a옛날목욕탕L" panose="02020600000000000000" pitchFamily="18" charset="-127"/>
+              <a:ea typeface="a옛날목욕탕L" panose="02020600000000000000" pitchFamily="18" charset="-127"/>
+              <a:cs typeface="Arial" panose="020B0604020202020204" pitchFamily="34" charset="0"/>
+            </a:endParaRPr>
+          </a:p>
+          <a:p>
+            <a:pPr marL="285750" indent="-285750">
+              <a:lnSpc>
+                <a:spcPct val="150000"/>
+              </a:lnSpc>
+              <a:buFont typeface="Arial" panose="020B0604020202020204" pitchFamily="34" charset="0"/>
+              <a:buChar char="•"/>
+            </a:pPr>
+            <a:r>
+              <a:rPr lang="ko-KR" altLang="ko-KR" sz="1467" dirty="0">
                 <a:latin typeface="a옛날목욕탕L" panose="02020600000000000000" pitchFamily="18" charset="-127"/>
                 <a:ea typeface="a옛날목욕탕L" panose="02020600000000000000" pitchFamily="18" charset="-127"/>
                 <a:cs typeface="Arial" panose="020B0604020202020204" pitchFamily="34" charset="0"/>
               </a:rPr>
-              <a:t>위의 그래프에서 볼 수 있듯이 시</a:t>
-            </a:r>
-            <a:r>
-              <a:rPr lang="ko-KR" altLang="ko-KR" sz="1467" dirty="0">
+              <a:t>시청각장애인이 비장애인과 혹은 장애인 간 실제적인 의사소통이 가능하도록 보조할 수 있고</a:t>
+            </a:r>
+            <a:r>
+              <a:rPr lang="en-US" altLang="ko-KR" sz="1467" dirty="0">
                 <a:latin typeface="a옛날목욕탕L" panose="02020600000000000000" pitchFamily="18" charset="-127"/>
                 <a:ea typeface="a옛날목욕탕L" panose="02020600000000000000" pitchFamily="18" charset="-127"/>
                 <a:cs typeface="Arial" panose="020B0604020202020204" pitchFamily="34" charset="0"/>
               </a:rPr>
-              <a:t>청각</a:t>
-            </a:r>
-            <a:r>
-              <a:rPr lang="en-US" altLang="ko-KR" sz="1467" dirty="0">
-                <a:latin typeface="a옛날목욕탕L" panose="02020600000000000000" pitchFamily="18" charset="-127"/>
-                <a:ea typeface="a옛날목욕탕L" panose="02020600000000000000" pitchFamily="18" charset="-127"/>
-                <a:cs typeface="Arial" panose="020B0604020202020204" pitchFamily="34" charset="0"/>
-              </a:rPr>
-              <a:t> </a:t>
-            </a:r>
-            <a:r>
-              <a:rPr lang="ko-KR" altLang="ko-KR" sz="1467" dirty="0">
-                <a:latin typeface="a옛날목욕탕L" panose="02020600000000000000" pitchFamily="18" charset="-127"/>
-                <a:ea typeface="a옛날목욕탕L" panose="02020600000000000000" pitchFamily="18" charset="-127"/>
-                <a:cs typeface="Arial" panose="020B0604020202020204" pitchFamily="34" charset="0"/>
-              </a:rPr>
-              <a:t>장애인의 연령대가 대다수 고령으로 분포되어 있</a:t>
-            </a:r>
-            <a:r>
-              <a:rPr lang="ko-KR" altLang="en-US" sz="1467" dirty="0">
-                <a:latin typeface="a옛날목욕탕L" panose="02020600000000000000" pitchFamily="18" charset="-127"/>
-                <a:ea typeface="a옛날목욕탕L" panose="02020600000000000000" pitchFamily="18" charset="-127"/>
-                <a:cs typeface="Arial" panose="020B0604020202020204" pitchFamily="34" charset="0"/>
-              </a:rPr>
-              <a:t>으며</a:t>
-            </a:r>
-            <a:r>
-              <a:rPr lang="en-US" altLang="ko-KR" sz="1467" dirty="0">
-                <a:latin typeface="a옛날목욕탕L" panose="02020600000000000000" pitchFamily="18" charset="-127"/>
-                <a:ea typeface="a옛날목욕탕L" panose="02020600000000000000" pitchFamily="18" charset="-127"/>
-                <a:cs typeface="Arial" panose="020B0604020202020204" pitchFamily="34" charset="0"/>
-              </a:rPr>
               <a:t>, </a:t>
             </a:r>
           </a:p>
           <a:p>
-            <a:pPr algn="ctr">
+            <a:pPr>
               <a:lnSpc>
                 <a:spcPct val="150000"/>
               </a:lnSpc>
             </a:pPr>
             <a:r>
+              <a:rPr lang="en-US" altLang="ko-KR" sz="1467" dirty="0">
+                <a:latin typeface="a옛날목욕탕L" panose="02020600000000000000" pitchFamily="18" charset="-127"/>
+                <a:ea typeface="a옛날목욕탕L" panose="02020600000000000000" pitchFamily="18" charset="-127"/>
+                <a:cs typeface="Arial" panose="020B0604020202020204" pitchFamily="34" charset="0"/>
+              </a:rPr>
+              <a:t>    </a:t>
+            </a:r>
+            <a:r>
+              <a:rPr lang="ko-KR" altLang="ko-KR" sz="1467" dirty="0">
+                <a:latin typeface="a옛날목욕탕L" panose="02020600000000000000" pitchFamily="18" charset="-127"/>
+                <a:ea typeface="a옛날목욕탕L" panose="02020600000000000000" pitchFamily="18" charset="-127"/>
+                <a:cs typeface="Arial" panose="020B0604020202020204" pitchFamily="34" charset="0"/>
+              </a:rPr>
+              <a:t>현존 하는 기기들보다 상대적으로 저렴</a:t>
+            </a:r>
+            <a:r>
               <a:rPr lang="ko-KR" altLang="en-US" sz="1467" dirty="0">
                 <a:latin typeface="a옛날목욕탕L" panose="02020600000000000000" pitchFamily="18" charset="-127"/>
                 <a:ea typeface="a옛날목욕탕L" panose="02020600000000000000" pitchFamily="18" charset="-127"/>
                 <a:cs typeface="Arial" panose="020B0604020202020204" pitchFamily="34" charset="0"/>
               </a:rPr>
-              <a:t>일상 생활을 이루기 위해 타인의 도움이 절실히 필요한 상황이다</a:t>
-            </a:r>
-            <a:r>
-              <a:rPr lang="en-US" altLang="ko-KR" sz="1467" dirty="0">
+              <a:t>한 </a:t>
+            </a:r>
+            <a:r>
+              <a:rPr lang="ko-KR" altLang="ko-KR" sz="1467" dirty="0">
                 <a:latin typeface="a옛날목욕탕L" panose="02020600000000000000" pitchFamily="18" charset="-127"/>
                 <a:ea typeface="a옛날목욕탕L" panose="02020600000000000000" pitchFamily="18" charset="-127"/>
                 <a:cs typeface="Arial" panose="020B0604020202020204" pitchFamily="34" charset="0"/>
               </a:rPr>
-              <a:t>.</a:t>
-            </a:r>
-          </a:p>
-          <a:p>
-            <a:pPr algn="ctr">
-              <a:lnSpc>
-                <a:spcPct val="150000"/>
-              </a:lnSpc>
-            </a:pPr>
+              <a:t>점자기기의 개발이 </a:t>
+            </a:r>
+            <a:r>
+              <a:rPr lang="ko-KR" altLang="en-US" sz="1467" dirty="0">
+                <a:latin typeface="a옛날목욕탕L" panose="02020600000000000000" pitchFamily="18" charset="-127"/>
+                <a:ea typeface="a옛날목욕탕L" panose="02020600000000000000" pitchFamily="18" charset="-127"/>
+                <a:cs typeface="Arial" panose="020B0604020202020204" pitchFamily="34" charset="0"/>
+              </a:rPr>
+              <a:t>필요</a:t>
+            </a:r>
             <a:endParaRPr lang="en-US" altLang="ko-KR" sz="533" dirty="0">
               <a:latin typeface="a옛날목욕탕L" panose="02020600000000000000" pitchFamily="18" charset="-127"/>
               <a:ea typeface="a옛날목욕탕L" panose="02020600000000000000" pitchFamily="18" charset="-127"/>
@@ -7941,146 +8024,24 @@
             </a:endParaRPr>
           </a:p>
           <a:p>
-            <a:pPr algn="ctr">
+            <a:pPr>
               <a:lnSpc>
                 <a:spcPct val="150000"/>
               </a:lnSpc>
             </a:pPr>
-            <a:r>
-              <a:rPr lang="ko-KR" altLang="en-US" sz="1467" dirty="0">
-                <a:latin typeface="a옛날목욕탕L" panose="02020600000000000000" pitchFamily="18" charset="-127"/>
-                <a:ea typeface="a옛날목욕탕L" panose="02020600000000000000" pitchFamily="18" charset="-127"/>
-                <a:cs typeface="Arial" panose="020B0604020202020204" pitchFamily="34" charset="0"/>
-              </a:rPr>
-              <a:t>따라서 </a:t>
-            </a:r>
-            <a:r>
-              <a:rPr lang="ko-KR" altLang="ko-KR" sz="1467" dirty="0">
-                <a:latin typeface="a옛날목욕탕L" panose="02020600000000000000" pitchFamily="18" charset="-127"/>
-                <a:ea typeface="a옛날목욕탕L" panose="02020600000000000000" pitchFamily="18" charset="-127"/>
-                <a:cs typeface="Arial" panose="020B0604020202020204" pitchFamily="34" charset="0"/>
-              </a:rPr>
-              <a:t>시각</a:t>
-            </a:r>
-            <a:r>
-              <a:rPr lang="en-US" altLang="ko-KR" sz="1467" dirty="0">
-                <a:latin typeface="a옛날목욕탕L" panose="02020600000000000000" pitchFamily="18" charset="-127"/>
-                <a:ea typeface="a옛날목욕탕L" panose="02020600000000000000" pitchFamily="18" charset="-127"/>
-                <a:cs typeface="Arial" panose="020B0604020202020204" pitchFamily="34" charset="0"/>
-              </a:rPr>
-              <a:t> </a:t>
-            </a:r>
-            <a:r>
-              <a:rPr lang="ko-KR" altLang="en-US" sz="1467" dirty="0">
-                <a:latin typeface="맑은 고딕" panose="020B0503020000020004" pitchFamily="50" charset="-127"/>
-                <a:ea typeface="맑은 고딕" panose="020B0503020000020004" pitchFamily="50" charset="-127"/>
-              </a:rPr>
-              <a:t>∙</a:t>
-            </a:r>
-            <a:r>
-              <a:rPr lang="en-US" altLang="ko-KR" sz="1467" dirty="0">
-                <a:latin typeface="a옛날목욕탕L" panose="02020600000000000000" pitchFamily="18" charset="-127"/>
-                <a:ea typeface="a옛날목욕탕L" panose="02020600000000000000" pitchFamily="18" charset="-127"/>
-                <a:cs typeface="Arial" panose="020B0604020202020204" pitchFamily="34" charset="0"/>
-              </a:rPr>
-              <a:t> </a:t>
-            </a:r>
-            <a:r>
-              <a:rPr lang="ko-KR" altLang="ko-KR" sz="1467" dirty="0">
-                <a:latin typeface="a옛날목욕탕L" panose="02020600000000000000" pitchFamily="18" charset="-127"/>
-                <a:ea typeface="a옛날목욕탕L" panose="02020600000000000000" pitchFamily="18" charset="-127"/>
-                <a:cs typeface="Arial" panose="020B0604020202020204" pitchFamily="34" charset="0"/>
-              </a:rPr>
-              <a:t>청각</a:t>
-            </a:r>
-            <a:r>
-              <a:rPr lang="en-US" altLang="ko-KR" sz="1467" dirty="0">
-                <a:latin typeface="a옛날목욕탕L" panose="02020600000000000000" pitchFamily="18" charset="-127"/>
-                <a:ea typeface="a옛날목욕탕L" panose="02020600000000000000" pitchFamily="18" charset="-127"/>
-                <a:cs typeface="Arial" panose="020B0604020202020204" pitchFamily="34" charset="0"/>
-              </a:rPr>
-              <a:t> </a:t>
-            </a:r>
-            <a:r>
-              <a:rPr lang="ko-KR" altLang="en-US" sz="1467" dirty="0">
-                <a:latin typeface="맑은 고딕" panose="020B0503020000020004" pitchFamily="50" charset="-127"/>
-                <a:ea typeface="맑은 고딕" panose="020B0503020000020004" pitchFamily="50" charset="-127"/>
-              </a:rPr>
-              <a:t>∙</a:t>
-            </a:r>
-            <a:r>
-              <a:rPr lang="en-US" altLang="ko-KR" sz="1467" dirty="0">
-                <a:latin typeface="a옛날목욕탕L" panose="02020600000000000000" pitchFamily="18" charset="-127"/>
-                <a:ea typeface="a옛날목욕탕L" panose="02020600000000000000" pitchFamily="18" charset="-127"/>
-                <a:cs typeface="Arial" panose="020B0604020202020204" pitchFamily="34" charset="0"/>
-              </a:rPr>
-              <a:t> </a:t>
-            </a:r>
-            <a:r>
-              <a:rPr lang="ko-KR" altLang="ko-KR" sz="1467" dirty="0">
-                <a:latin typeface="a옛날목욕탕L" panose="02020600000000000000" pitchFamily="18" charset="-127"/>
-                <a:ea typeface="a옛날목욕탕L" panose="02020600000000000000" pitchFamily="18" charset="-127"/>
-                <a:cs typeface="Arial" panose="020B0604020202020204" pitchFamily="34" charset="0"/>
-              </a:rPr>
-              <a:t>시청각장애인이 비장애인과 혹은 장애인 간 실제적인 의사소통이 가능하도록 보조할 수 있고</a:t>
-            </a:r>
-            <a:r>
-              <a:rPr lang="en-US" altLang="ko-KR" sz="1467" dirty="0">
-                <a:latin typeface="a옛날목욕탕L" panose="02020600000000000000" pitchFamily="18" charset="-127"/>
-                <a:ea typeface="a옛날목욕탕L" panose="02020600000000000000" pitchFamily="18" charset="-127"/>
-                <a:cs typeface="Arial" panose="020B0604020202020204" pitchFamily="34" charset="0"/>
-              </a:rPr>
-              <a:t>, </a:t>
-            </a:r>
-          </a:p>
-          <a:p>
-            <a:pPr algn="ctr">
-              <a:lnSpc>
-                <a:spcPct val="150000"/>
-              </a:lnSpc>
-            </a:pPr>
-            <a:r>
-              <a:rPr lang="ko-KR" altLang="ko-KR" sz="1467" dirty="0">
-                <a:latin typeface="a옛날목욕탕L" panose="02020600000000000000" pitchFamily="18" charset="-127"/>
-                <a:ea typeface="a옛날목욕탕L" panose="02020600000000000000" pitchFamily="18" charset="-127"/>
-                <a:cs typeface="Arial" panose="020B0604020202020204" pitchFamily="34" charset="0"/>
-              </a:rPr>
-              <a:t>현존 하는 기기들보다 상대적으로 저렴하게 구매할 수 있는 점자기기의 개발이 </a:t>
-            </a:r>
-            <a:r>
-              <a:rPr lang="ko-KR" altLang="en-US" sz="1467" dirty="0">
-                <a:latin typeface="a옛날목욕탕L" panose="02020600000000000000" pitchFamily="18" charset="-127"/>
-                <a:ea typeface="a옛날목욕탕L" panose="02020600000000000000" pitchFamily="18" charset="-127"/>
-                <a:cs typeface="Arial" panose="020B0604020202020204" pitchFamily="34" charset="0"/>
-              </a:rPr>
-              <a:t>필요하다</a:t>
-            </a:r>
-            <a:r>
-              <a:rPr lang="en-US" altLang="ko-KR" sz="1467" dirty="0">
-                <a:latin typeface="a옛날목욕탕L" panose="02020600000000000000" pitchFamily="18" charset="-127"/>
-                <a:ea typeface="a옛날목욕탕L" panose="02020600000000000000" pitchFamily="18" charset="-127"/>
-                <a:cs typeface="Arial" panose="020B0604020202020204" pitchFamily="34" charset="0"/>
-              </a:rPr>
-              <a:t>.</a:t>
-            </a:r>
-          </a:p>
-          <a:p>
-            <a:pPr algn="ctr">
-              <a:lnSpc>
-                <a:spcPct val="150000"/>
-              </a:lnSpc>
-            </a:pPr>
-            <a:endParaRPr lang="en-US" altLang="ko-KR" sz="533" dirty="0">
+            <a:endParaRPr lang="en-US" altLang="ko-KR" sz="700" dirty="0">
               <a:latin typeface="a옛날목욕탕L" panose="02020600000000000000" pitchFamily="18" charset="-127"/>
               <a:ea typeface="a옛날목욕탕L" panose="02020600000000000000" pitchFamily="18" charset="-127"/>
               <a:cs typeface="Arial" panose="020B0604020202020204" pitchFamily="34" charset="0"/>
             </a:endParaRPr>
           </a:p>
           <a:p>
-            <a:pPr algn="ctr">
+            <a:pPr marL="285750" indent="-285750">
               <a:lnSpc>
                 <a:spcPct val="150000"/>
               </a:lnSpc>
+              <a:buFont typeface="Arial" panose="020B0604020202020204" pitchFamily="34" charset="0"/>
+              <a:buChar char="•"/>
             </a:pPr>
             <a:r>
               <a:rPr lang="ko-KR" altLang="en-US" sz="1467" dirty="0">
@@ -8088,15 +8049,23 @@
                 <a:ea typeface="a옛날목욕탕L" panose="02020600000000000000" pitchFamily="18" charset="-127"/>
                 <a:cs typeface="Arial" panose="020B0604020202020204" pitchFamily="34" charset="0"/>
               </a:rPr>
-              <a:t>시청각장애인들이 겪고 있는 근본적 의사소통 문제 해소를 위한 서비스를 제공하고자 한다</a:t>
-            </a:r>
-            <a:r>
-              <a:rPr lang="en-US" altLang="ko-KR" sz="1467" dirty="0">
+              <a:t>시청각장애인들의 근본적인 의사소통 문제 </a:t>
+            </a:r>
+            <a:r>
+              <a:rPr lang="ko-KR" altLang="en-US" sz="1467" dirty="0" err="1">
                 <a:latin typeface="a옛날목욕탕L" panose="02020600000000000000" pitchFamily="18" charset="-127"/>
                 <a:ea typeface="a옛날목욕탕L" panose="02020600000000000000" pitchFamily="18" charset="-127"/>
                 <a:cs typeface="Arial" panose="020B0604020202020204" pitchFamily="34" charset="0"/>
               </a:rPr>
-              <a:t>. </a:t>
+              <a:t>해결를</a:t>
+            </a:r>
+            <a:r>
+              <a:rPr lang="ko-KR" altLang="en-US" sz="1467" dirty="0">
+                <a:latin typeface="a옛날목욕탕L" panose="02020600000000000000" pitchFamily="18" charset="-127"/>
+                <a:ea typeface="a옛날목욕탕L" panose="02020600000000000000" pitchFamily="18" charset="-127"/>
+                <a:cs typeface="Arial" panose="020B0604020202020204" pitchFamily="34" charset="0"/>
+              </a:rPr>
+              <a:t> 위한 서비스를 제공</a:t>
             </a:r>
             <a:endParaRPr lang="ko-KR" altLang="ko-KR" sz="1467" dirty="0">
               <a:latin typeface="a옛날목욕탕L" panose="02020600000000000000" pitchFamily="18" charset="-127"/>
@@ -8215,8 +8184,8 @@
         </p:blipFill>
         <p:spPr>
           <a:xfrm>
-            <a:off x="7822815" y="4381931"/>
-            <a:ext cx="4207425" cy="2173178"/>
+            <a:off x="7743333" y="4302111"/>
+            <a:ext cx="3655468" cy="1888087"/>
           </a:xfrm>
           <a:prstGeom prst="rect">
             <a:avLst/>
@@ -8256,7 +8225,7 @@
                 <a:latin typeface="a옛날목욕탕L" panose="02020600000000000000" pitchFamily="18" charset="-127"/>
                 <a:ea typeface="a옛날목욕탕L" panose="02020600000000000000" pitchFamily="18" charset="-127"/>
               </a:rPr>
-              <a:t>제품 기능 </a:t>
+              <a:t>제품 기능</a:t>
             </a:r>
             <a:r>
               <a:rPr lang="en-US" altLang="ko-KR" dirty="0">
@@ -8266,7 +8235,7 @@
                 <a:latin typeface="a옛날목욕탕L" panose="02020600000000000000" pitchFamily="18" charset="-127"/>
                 <a:ea typeface="a옛날목욕탕L" panose="02020600000000000000" pitchFamily="18" charset="-127"/>
               </a:rPr>
-              <a:t>– Device </a:t>
+              <a:t>: Device </a:t>
             </a:r>
             <a:r>
               <a:rPr lang="ko-KR" altLang="en-US" dirty="0">
@@ -8336,10 +8305,10 @@
       </p:sp>
       <p:grpSp>
         <p:nvGrpSpPr>
-          <p:cNvPr id="5" name="그룹 4">
+          <p:cNvPr id="6" name="그룹 5">
             <a:extLst>
               <a:ext uri="{FF2B5EF4-FFF2-40B4-BE49-F238E27FC236}">
-                <a16:creationId xmlns:a16="http://schemas.microsoft.com/office/drawing/2014/main" id="{4D805F21-A8C7-4877-AE61-1456A362312F}"/>
+                <a16:creationId xmlns:a16="http://schemas.microsoft.com/office/drawing/2014/main" id="{328E5F0C-70F0-41F8-9959-DB107D32F3EC}"/>
               </a:ext>
             </a:extLst>
           </p:cNvPr>
@@ -8348,18 +8317,18 @@
         </p:nvGrpSpPr>
         <p:grpSpPr>
           <a:xfrm>
-            <a:off x="552995" y="2668430"/>
-            <a:ext cx="3993113" cy="2692081"/>
-            <a:chOff x="6538893" y="2318686"/>
-            <a:chExt cx="5075529" cy="2856915"/>
+            <a:off x="793200" y="2301441"/>
+            <a:ext cx="1889675" cy="2311944"/>
+            <a:chOff x="6924289" y="2262171"/>
+            <a:chExt cx="2154937" cy="2309091"/>
           </a:xfrm>
         </p:grpSpPr>
         <p:grpSp>
           <p:nvGrpSpPr>
-            <p:cNvPr id="6" name="그룹 5">
+            <p:cNvPr id="11" name="그룹 10">
               <a:extLst>
                 <a:ext uri="{FF2B5EF4-FFF2-40B4-BE49-F238E27FC236}">
-                  <a16:creationId xmlns:a16="http://schemas.microsoft.com/office/drawing/2014/main" id="{328E5F0C-70F0-41F8-9959-DB107D32F3EC}"/>
+                  <a16:creationId xmlns:a16="http://schemas.microsoft.com/office/drawing/2014/main" id="{B0005C64-4634-4E17-BF20-F0539D87114D}"/>
                 </a:ext>
               </a:extLst>
             </p:cNvPr>
@@ -8368,18 +8337,72 @@
           </p:nvGrpSpPr>
           <p:grpSpPr>
             <a:xfrm>
-              <a:off x="6538893" y="2318686"/>
-              <a:ext cx="2796839" cy="2856915"/>
-              <a:chOff x="6924289" y="2262172"/>
-              <a:chExt cx="2154937" cy="2309092"/>
+              <a:off x="6924289" y="2262171"/>
+              <a:ext cx="1787909" cy="2309091"/>
+              <a:chOff x="6619489" y="2863272"/>
+              <a:chExt cx="2121028" cy="2739316"/>
             </a:xfrm>
           </p:grpSpPr>
+          <p:sp>
+            <p:nvSpPr>
+              <p:cNvPr id="14" name="사각형: 둥근 모서리 13">
+                <a:extLst>
+                  <a:ext uri="{FF2B5EF4-FFF2-40B4-BE49-F238E27FC236}">
+                    <a16:creationId xmlns:a16="http://schemas.microsoft.com/office/drawing/2014/main" id="{2E5A24A2-EE96-47BB-9C91-E3E85EAD6406}"/>
+                  </a:ext>
+                </a:extLst>
+              </p:cNvPr>
+              <p:cNvSpPr/>
+              <p:nvPr/>
+            </p:nvSpPr>
+            <p:spPr>
+              <a:xfrm>
+                <a:off x="6619489" y="2863272"/>
+                <a:ext cx="2121028" cy="2739316"/>
+              </a:xfrm>
+              <a:prstGeom prst="roundRect">
+                <a:avLst/>
+              </a:prstGeom>
+              <a:noFill/>
+              <a:ln w="38100" cap="flat" cmpd="sng" algn="ctr">
+                <a:solidFill>
+                  <a:schemeClr val="dk1"/>
+                </a:solidFill>
+                <a:prstDash val="solid"/>
+                <a:round/>
+                <a:headEnd type="none" w="med" len="med"/>
+                <a:tailEnd type="none" w="med" len="med"/>
+              </a:ln>
+            </p:spPr>
+            <p:style>
+              <a:lnRef idx="0">
+                <a:scrgbClr r="0" g="0" b="0"/>
+              </a:lnRef>
+              <a:fillRef idx="0">
+                <a:scrgbClr r="0" g="0" b="0"/>
+              </a:fillRef>
+              <a:effectRef idx="0">
+                <a:scrgbClr r="0" g="0" b="0"/>
+              </a:effectRef>
+              <a:fontRef idx="minor">
+                <a:schemeClr val="dk1"/>
+              </a:fontRef>
+            </p:style>
+            <p:txBody>
+              <a:bodyPr rtlCol="0" anchor="ctr"/>
+              <a:lstStyle/>
+              <a:p>
+                <a:pPr algn="ctr"/>
+                <a:endParaRPr lang="ko-KR" altLang="en-US"/>
+              </a:p>
+            </p:txBody>
+          </p:sp>
           <p:grpSp>
             <p:nvGrpSpPr>
-              <p:cNvPr id="11" name="그룹 10">
+              <p:cNvPr id="15" name="그룹 14">
                 <a:extLst>
                   <a:ext uri="{FF2B5EF4-FFF2-40B4-BE49-F238E27FC236}">
-                    <a16:creationId xmlns:a16="http://schemas.microsoft.com/office/drawing/2014/main" id="{B0005C64-4634-4E17-BF20-F0539D87114D}"/>
+                    <a16:creationId xmlns:a16="http://schemas.microsoft.com/office/drawing/2014/main" id="{39C03B0C-C6BF-4F22-B515-121F38E8B99B}"/>
                   </a:ext>
                 </a:extLst>
               </p:cNvPr>
@@ -8388,18 +8411,18 @@
             </p:nvGrpSpPr>
             <p:grpSpPr>
               <a:xfrm>
-                <a:off x="6924289" y="2262172"/>
-                <a:ext cx="1787909" cy="2309092"/>
-                <a:chOff x="6619489" y="2863272"/>
-                <a:chExt cx="2121028" cy="2739317"/>
+                <a:off x="6823581" y="4762851"/>
+                <a:ext cx="618361" cy="618361"/>
+                <a:chOff x="4128687" y="3644668"/>
+                <a:chExt cx="403630" cy="403630"/>
               </a:xfrm>
             </p:grpSpPr>
             <p:sp>
               <p:nvSpPr>
-                <p:cNvPr id="14" name="사각형: 둥근 모서리 13">
+                <p:cNvPr id="30" name="직사각형 29">
                   <a:extLst>
                     <a:ext uri="{FF2B5EF4-FFF2-40B4-BE49-F238E27FC236}">
-                      <a16:creationId xmlns:a16="http://schemas.microsoft.com/office/drawing/2014/main" id="{2E5A24A2-EE96-47BB-9C91-E3E85EAD6406}"/>
+                      <a16:creationId xmlns:a16="http://schemas.microsoft.com/office/drawing/2014/main" id="{D62A6944-3BF0-4764-AB77-71CC498F57F3}"/>
                     </a:ext>
                   </a:extLst>
                 </p:cNvPr>
@@ -8408,32 +8431,22 @@
               </p:nvSpPr>
               <p:spPr>
                 <a:xfrm>
-                  <a:off x="6619489" y="2863272"/>
-                  <a:ext cx="2121028" cy="2739317"/>
+                  <a:off x="4128687" y="3644668"/>
+                  <a:ext cx="403630" cy="403630"/>
                 </a:xfrm>
-                <a:prstGeom prst="roundRect">
+                <a:prstGeom prst="rect">
                   <a:avLst/>
                 </a:prstGeom>
-                <a:noFill/>
-                <a:ln w="38100" cap="flat" cmpd="sng" algn="ctr">
-                  <a:solidFill>
-                    <a:schemeClr val="dk1"/>
-                  </a:solidFill>
-                  <a:prstDash val="solid"/>
-                  <a:round/>
-                  <a:headEnd type="none" w="med" len="med"/>
-                  <a:tailEnd type="none" w="med" len="med"/>
-                </a:ln>
               </p:spPr>
               <p:style>
-                <a:lnRef idx="0">
-                  <a:scrgbClr r="0" g="0" b="0"/>
+                <a:lnRef idx="2">
+                  <a:schemeClr val="dk1"/>
                 </a:lnRef>
-                <a:fillRef idx="0">
-                  <a:scrgbClr r="0" g="0" b="0"/>
+                <a:fillRef idx="1">
+                  <a:schemeClr val="lt1"/>
                 </a:fillRef>
                 <a:effectRef idx="0">
-                  <a:scrgbClr r="0" g="0" b="0"/>
+                  <a:schemeClr val="dk1"/>
                 </a:effectRef>
                 <a:fontRef idx="minor">
                   <a:schemeClr val="dk1"/>
@@ -8444,16 +8457,16 @@
                 <a:lstStyle/>
                 <a:p>
                   <a:pPr algn="ctr"/>
-                  <a:endParaRPr lang="ko-KR" altLang="en-US"/>
+                  <a:endParaRPr lang="ko-KR" altLang="en-US" dirty="0"/>
                 </a:p>
               </p:txBody>
             </p:sp>
             <p:grpSp>
               <p:nvGrpSpPr>
-                <p:cNvPr id="15" name="그룹 14">
+                <p:cNvPr id="31" name="그룹 30">
                   <a:extLst>
                     <a:ext uri="{FF2B5EF4-FFF2-40B4-BE49-F238E27FC236}">
-                      <a16:creationId xmlns:a16="http://schemas.microsoft.com/office/drawing/2014/main" id="{39C03B0C-C6BF-4F22-B515-121F38E8B99B}"/>
+                      <a16:creationId xmlns:a16="http://schemas.microsoft.com/office/drawing/2014/main" id="{A739F5FF-9405-41F6-B27D-31D1AC326D0E}"/>
                     </a:ext>
                   </a:extLst>
                 </p:cNvPr>
@@ -8462,62 +8475,18 @@
               </p:nvGrpSpPr>
               <p:grpSpPr>
                 <a:xfrm>
-                  <a:off x="6823581" y="4762851"/>
-                  <a:ext cx="618361" cy="618361"/>
-                  <a:chOff x="4128687" y="3644668"/>
-                  <a:chExt cx="403630" cy="403630"/>
+                  <a:off x="4230583" y="3749407"/>
+                  <a:ext cx="199838" cy="227488"/>
+                  <a:chOff x="3420330" y="3419472"/>
+                  <a:chExt cx="456368" cy="519515"/>
                 </a:xfrm>
               </p:grpSpPr>
-              <p:sp>
-                <p:nvSpPr>
-                  <p:cNvPr id="30" name="직사각형 29">
+              <p:grpSp>
+                <p:nvGrpSpPr>
+                  <p:cNvPr id="32" name="그룹 31">
                     <a:extLst>
                       <a:ext uri="{FF2B5EF4-FFF2-40B4-BE49-F238E27FC236}">
-                        <a16:creationId xmlns:a16="http://schemas.microsoft.com/office/drawing/2014/main" id="{D62A6944-3BF0-4764-AB77-71CC498F57F3}"/>
-                      </a:ext>
-                    </a:extLst>
-                  </p:cNvPr>
-                  <p:cNvSpPr/>
-                  <p:nvPr/>
-                </p:nvSpPr>
-                <p:spPr>
-                  <a:xfrm>
-                    <a:off x="4128687" y="3644668"/>
-                    <a:ext cx="403630" cy="403630"/>
-                  </a:xfrm>
-                  <a:prstGeom prst="rect">
-                    <a:avLst/>
-                  </a:prstGeom>
-                </p:spPr>
-                <p:style>
-                  <a:lnRef idx="2">
-                    <a:schemeClr val="dk1"/>
-                  </a:lnRef>
-                  <a:fillRef idx="1">
-                    <a:schemeClr val="lt1"/>
-                  </a:fillRef>
-                  <a:effectRef idx="0">
-                    <a:schemeClr val="dk1"/>
-                  </a:effectRef>
-                  <a:fontRef idx="minor">
-                    <a:schemeClr val="dk1"/>
-                  </a:fontRef>
-                </p:style>
-                <p:txBody>
-                  <a:bodyPr rtlCol="0" anchor="ctr"/>
-                  <a:lstStyle/>
-                  <a:p>
-                    <a:pPr algn="ctr"/>
-                    <a:endParaRPr lang="ko-KR" altLang="en-US" dirty="0"/>
-                  </a:p>
-                </p:txBody>
-              </p:sp>
-              <p:grpSp>
-                <p:nvGrpSpPr>
-                  <p:cNvPr id="31" name="그룹 30">
-                    <a:extLst>
-                      <a:ext uri="{FF2B5EF4-FFF2-40B4-BE49-F238E27FC236}">
-                        <a16:creationId xmlns:a16="http://schemas.microsoft.com/office/drawing/2014/main" id="{A739F5FF-9405-41F6-B27D-31D1AC326D0E}"/>
+                        <a16:creationId xmlns:a16="http://schemas.microsoft.com/office/drawing/2014/main" id="{17CB4F75-38C2-4A4D-A929-BDAF06334A23}"/>
                       </a:ext>
                     </a:extLst>
                   </p:cNvPr>
@@ -8526,487 +8495,18 @@
                 </p:nvGrpSpPr>
                 <p:grpSpPr>
                   <a:xfrm>
-                    <a:off x="4230583" y="3749407"/>
-                    <a:ext cx="199838" cy="227488"/>
-                    <a:chOff x="3420330" y="3419472"/>
-                    <a:chExt cx="456368" cy="519515"/>
-                  </a:xfrm>
-                </p:grpSpPr>
-                <p:grpSp>
-                  <p:nvGrpSpPr>
-                    <p:cNvPr id="32" name="그룹 31">
-                      <a:extLst>
-                        <a:ext uri="{FF2B5EF4-FFF2-40B4-BE49-F238E27FC236}">
-                          <a16:creationId xmlns:a16="http://schemas.microsoft.com/office/drawing/2014/main" id="{17CB4F75-38C2-4A4D-A929-BDAF06334A23}"/>
-                        </a:ext>
-                      </a:extLst>
-                    </p:cNvPr>
-                    <p:cNvGrpSpPr/>
-                    <p:nvPr/>
-                  </p:nvGrpSpPr>
-                  <p:grpSpPr>
-                    <a:xfrm>
-                      <a:off x="3424844" y="3419472"/>
-                      <a:ext cx="450549" cy="113438"/>
-                      <a:chOff x="3424844" y="3419472"/>
-                      <a:chExt cx="450549" cy="113438"/>
-                    </a:xfrm>
-                  </p:grpSpPr>
-                  <p:sp>
-                    <p:nvSpPr>
-                      <p:cNvPr id="39" name="타원 38">
-                        <a:extLst>
-                          <a:ext uri="{FF2B5EF4-FFF2-40B4-BE49-F238E27FC236}">
-                            <a16:creationId xmlns:a16="http://schemas.microsoft.com/office/drawing/2014/main" id="{055F1BAC-89A1-46F0-B6D7-C2F1C33CD55A}"/>
-                          </a:ext>
-                        </a:extLst>
-                      </p:cNvPr>
-                      <p:cNvSpPr/>
-                      <p:nvPr/>
-                    </p:nvSpPr>
-                    <p:spPr>
-                      <a:xfrm>
-                        <a:off x="3424844" y="3419472"/>
-                        <a:ext cx="109728" cy="113438"/>
-                      </a:xfrm>
-                      <a:prstGeom prst="ellipse">
-                        <a:avLst/>
-                      </a:prstGeom>
-                      <a:solidFill>
-                        <a:srgbClr val="FF0000"/>
-                      </a:solidFill>
-                      <a:ln>
-                        <a:solidFill>
-                          <a:srgbClr val="FF0000"/>
-                        </a:solidFill>
-                      </a:ln>
-                    </p:spPr>
-                    <p:style>
-                      <a:lnRef idx="0">
-                        <a:scrgbClr r="0" g="0" b="0"/>
-                      </a:lnRef>
-                      <a:fillRef idx="0">
-                        <a:scrgbClr r="0" g="0" b="0"/>
-                      </a:fillRef>
-                      <a:effectRef idx="0">
-                        <a:scrgbClr r="0" g="0" b="0"/>
-                      </a:effectRef>
-                      <a:fontRef idx="minor">
-                        <a:schemeClr val="lt1"/>
-                      </a:fontRef>
-                    </p:style>
-                    <p:txBody>
-                      <a:bodyPr rtlCol="0" anchor="ctr"/>
-                      <a:lstStyle/>
-                      <a:p>
-                        <a:pPr algn="ctr"/>
-                        <a:endParaRPr lang="ko-KR" altLang="en-US"/>
-                      </a:p>
-                    </p:txBody>
-                  </p:sp>
-                  <p:sp>
-                    <p:nvSpPr>
-                      <p:cNvPr id="40" name="타원 39">
-                        <a:extLst>
-                          <a:ext uri="{FF2B5EF4-FFF2-40B4-BE49-F238E27FC236}">
-                            <a16:creationId xmlns:a16="http://schemas.microsoft.com/office/drawing/2014/main" id="{F8F68F27-7E02-4FB4-AF25-12C3867867A3}"/>
-                          </a:ext>
-                        </a:extLst>
-                      </p:cNvPr>
-                      <p:cNvSpPr/>
-                      <p:nvPr/>
-                    </p:nvSpPr>
-                    <p:spPr>
-                      <a:xfrm>
-                        <a:off x="3765665" y="3419472"/>
-                        <a:ext cx="109728" cy="113438"/>
-                      </a:xfrm>
-                      <a:prstGeom prst="ellipse">
-                        <a:avLst/>
-                      </a:prstGeom>
-                      <a:solidFill>
-                        <a:srgbClr val="FF0000"/>
-                      </a:solidFill>
-                      <a:ln>
-                        <a:solidFill>
-                          <a:srgbClr val="FF0000"/>
-                        </a:solidFill>
-                      </a:ln>
-                    </p:spPr>
-                    <p:style>
-                      <a:lnRef idx="0">
-                        <a:scrgbClr r="0" g="0" b="0"/>
-                      </a:lnRef>
-                      <a:fillRef idx="0">
-                        <a:scrgbClr r="0" g="0" b="0"/>
-                      </a:fillRef>
-                      <a:effectRef idx="0">
-                        <a:scrgbClr r="0" g="0" b="0"/>
-                      </a:effectRef>
-                      <a:fontRef idx="minor">
-                        <a:schemeClr val="lt1"/>
-                      </a:fontRef>
-                    </p:style>
-                    <p:txBody>
-                      <a:bodyPr rtlCol="0" anchor="ctr"/>
-                      <a:lstStyle/>
-                      <a:p>
-                        <a:pPr algn="ctr"/>
-                        <a:endParaRPr lang="ko-KR" altLang="en-US"/>
-                      </a:p>
-                    </p:txBody>
-                  </p:sp>
-                </p:grpSp>
-                <p:grpSp>
-                  <p:nvGrpSpPr>
-                    <p:cNvPr id="33" name="그룹 32">
-                      <a:extLst>
-                        <a:ext uri="{FF2B5EF4-FFF2-40B4-BE49-F238E27FC236}">
-                          <a16:creationId xmlns:a16="http://schemas.microsoft.com/office/drawing/2014/main" id="{899A3CCF-C54F-459A-BEF1-D05C28DDF3B0}"/>
-                        </a:ext>
-                      </a:extLst>
-                    </p:cNvPr>
-                    <p:cNvGrpSpPr/>
-                    <p:nvPr/>
-                  </p:nvGrpSpPr>
-                  <p:grpSpPr>
-                    <a:xfrm>
-                      <a:off x="3426149" y="3616513"/>
-                      <a:ext cx="450549" cy="113438"/>
-                      <a:chOff x="3424844" y="3419472"/>
-                      <a:chExt cx="450549" cy="113438"/>
-                    </a:xfrm>
-                  </p:grpSpPr>
-                  <p:sp>
-                    <p:nvSpPr>
-                      <p:cNvPr id="37" name="타원 36">
-                        <a:extLst>
-                          <a:ext uri="{FF2B5EF4-FFF2-40B4-BE49-F238E27FC236}">
-                            <a16:creationId xmlns:a16="http://schemas.microsoft.com/office/drawing/2014/main" id="{31E58CB5-0997-4AA4-BBBF-A56FE65DDCF8}"/>
-                          </a:ext>
-                        </a:extLst>
-                      </p:cNvPr>
-                      <p:cNvSpPr/>
-                      <p:nvPr/>
-                    </p:nvSpPr>
-                    <p:spPr>
-                      <a:xfrm>
-                        <a:off x="3424844" y="3419472"/>
-                        <a:ext cx="109728" cy="113438"/>
-                      </a:xfrm>
-                      <a:prstGeom prst="ellipse">
-                        <a:avLst/>
-                      </a:prstGeom>
-                      <a:solidFill>
-                        <a:srgbClr val="FF0000"/>
-                      </a:solidFill>
-                      <a:ln>
-                        <a:solidFill>
-                          <a:srgbClr val="FF0000"/>
-                        </a:solidFill>
-                      </a:ln>
-                    </p:spPr>
-                    <p:style>
-                      <a:lnRef idx="0">
-                        <a:scrgbClr r="0" g="0" b="0"/>
-                      </a:lnRef>
-                      <a:fillRef idx="0">
-                        <a:scrgbClr r="0" g="0" b="0"/>
-                      </a:fillRef>
-                      <a:effectRef idx="0">
-                        <a:scrgbClr r="0" g="0" b="0"/>
-                      </a:effectRef>
-                      <a:fontRef idx="minor">
-                        <a:schemeClr val="lt1"/>
-                      </a:fontRef>
-                    </p:style>
-                    <p:txBody>
-                      <a:bodyPr rtlCol="0" anchor="ctr"/>
-                      <a:lstStyle/>
-                      <a:p>
-                        <a:pPr algn="ctr"/>
-                        <a:endParaRPr lang="ko-KR" altLang="en-US"/>
-                      </a:p>
-                    </p:txBody>
-                  </p:sp>
-                  <p:sp>
-                    <p:nvSpPr>
-                      <p:cNvPr id="38" name="타원 37">
-                        <a:extLst>
-                          <a:ext uri="{FF2B5EF4-FFF2-40B4-BE49-F238E27FC236}">
-                            <a16:creationId xmlns:a16="http://schemas.microsoft.com/office/drawing/2014/main" id="{4CB3C25B-2D49-4E1D-B7E5-773448ABB62E}"/>
-                          </a:ext>
-                        </a:extLst>
-                      </p:cNvPr>
-                      <p:cNvSpPr/>
-                      <p:nvPr/>
-                    </p:nvSpPr>
-                    <p:spPr>
-                      <a:xfrm>
-                        <a:off x="3765665" y="3419472"/>
-                        <a:ext cx="109728" cy="113438"/>
-                      </a:xfrm>
-                      <a:prstGeom prst="ellipse">
-                        <a:avLst/>
-                      </a:prstGeom>
-                      <a:solidFill>
-                        <a:srgbClr val="FF0000"/>
-                      </a:solidFill>
-                      <a:ln>
-                        <a:solidFill>
-                          <a:srgbClr val="FF0000"/>
-                        </a:solidFill>
-                      </a:ln>
-                    </p:spPr>
-                    <p:style>
-                      <a:lnRef idx="0">
-                        <a:scrgbClr r="0" g="0" b="0"/>
-                      </a:lnRef>
-                      <a:fillRef idx="0">
-                        <a:scrgbClr r="0" g="0" b="0"/>
-                      </a:fillRef>
-                      <a:effectRef idx="0">
-                        <a:scrgbClr r="0" g="0" b="0"/>
-                      </a:effectRef>
-                      <a:fontRef idx="minor">
-                        <a:schemeClr val="lt1"/>
-                      </a:fontRef>
-                    </p:style>
-                    <p:txBody>
-                      <a:bodyPr rtlCol="0" anchor="ctr"/>
-                      <a:lstStyle/>
-                      <a:p>
-                        <a:pPr algn="ctr"/>
-                        <a:endParaRPr lang="ko-KR" altLang="en-US"/>
-                      </a:p>
-                    </p:txBody>
-                  </p:sp>
-                </p:grpSp>
-                <p:grpSp>
-                  <p:nvGrpSpPr>
-                    <p:cNvPr id="34" name="그룹 33">
-                      <a:extLst>
-                        <a:ext uri="{FF2B5EF4-FFF2-40B4-BE49-F238E27FC236}">
-                          <a16:creationId xmlns:a16="http://schemas.microsoft.com/office/drawing/2014/main" id="{6D6C46B3-D684-4378-9E53-5A9F9D93F4AF}"/>
-                        </a:ext>
-                      </a:extLst>
-                    </p:cNvPr>
-                    <p:cNvGrpSpPr/>
-                    <p:nvPr/>
-                  </p:nvGrpSpPr>
-                  <p:grpSpPr>
-                    <a:xfrm>
-                      <a:off x="3420330" y="3825549"/>
-                      <a:ext cx="450549" cy="113438"/>
-                      <a:chOff x="3424844" y="3419472"/>
-                      <a:chExt cx="450549" cy="113438"/>
-                    </a:xfrm>
-                  </p:grpSpPr>
-                  <p:sp>
-                    <p:nvSpPr>
-                      <p:cNvPr id="35" name="타원 34">
-                        <a:extLst>
-                          <a:ext uri="{FF2B5EF4-FFF2-40B4-BE49-F238E27FC236}">
-                            <a16:creationId xmlns:a16="http://schemas.microsoft.com/office/drawing/2014/main" id="{B245EFA8-55C2-4E09-AA01-70DB6ED85605}"/>
-                          </a:ext>
-                        </a:extLst>
-                      </p:cNvPr>
-                      <p:cNvSpPr/>
-                      <p:nvPr/>
-                    </p:nvSpPr>
-                    <p:spPr>
-                      <a:xfrm>
-                        <a:off x="3424844" y="3419472"/>
-                        <a:ext cx="109728" cy="113438"/>
-                      </a:xfrm>
-                      <a:prstGeom prst="ellipse">
-                        <a:avLst/>
-                      </a:prstGeom>
-                      <a:solidFill>
-                        <a:srgbClr val="FF0000"/>
-                      </a:solidFill>
-                      <a:ln>
-                        <a:solidFill>
-                          <a:srgbClr val="FF0000"/>
-                        </a:solidFill>
-                      </a:ln>
-                    </p:spPr>
-                    <p:style>
-                      <a:lnRef idx="0">
-                        <a:scrgbClr r="0" g="0" b="0"/>
-                      </a:lnRef>
-                      <a:fillRef idx="0">
-                        <a:scrgbClr r="0" g="0" b="0"/>
-                      </a:fillRef>
-                      <a:effectRef idx="0">
-                        <a:scrgbClr r="0" g="0" b="0"/>
-                      </a:effectRef>
-                      <a:fontRef idx="minor">
-                        <a:schemeClr val="lt1"/>
-                      </a:fontRef>
-                    </p:style>
-                    <p:txBody>
-                      <a:bodyPr rtlCol="0" anchor="ctr"/>
-                      <a:lstStyle/>
-                      <a:p>
-                        <a:pPr algn="ctr"/>
-                        <a:endParaRPr lang="ko-KR" altLang="en-US"/>
-                      </a:p>
-                    </p:txBody>
-                  </p:sp>
-                  <p:sp>
-                    <p:nvSpPr>
-                      <p:cNvPr id="36" name="타원 35">
-                        <a:extLst>
-                          <a:ext uri="{FF2B5EF4-FFF2-40B4-BE49-F238E27FC236}">
-                            <a16:creationId xmlns:a16="http://schemas.microsoft.com/office/drawing/2014/main" id="{6670EE21-CB5C-41AB-931C-EA732800BB6C}"/>
-                          </a:ext>
-                        </a:extLst>
-                      </p:cNvPr>
-                      <p:cNvSpPr/>
-                      <p:nvPr/>
-                    </p:nvSpPr>
-                    <p:spPr>
-                      <a:xfrm>
-                        <a:off x="3765665" y="3419472"/>
-                        <a:ext cx="109728" cy="113438"/>
-                      </a:xfrm>
-                      <a:prstGeom prst="ellipse">
-                        <a:avLst/>
-                      </a:prstGeom>
-                      <a:solidFill>
-                        <a:srgbClr val="FF0000"/>
-                      </a:solidFill>
-                      <a:ln>
-                        <a:solidFill>
-                          <a:srgbClr val="FF0000"/>
-                        </a:solidFill>
-                      </a:ln>
-                    </p:spPr>
-                    <p:style>
-                      <a:lnRef idx="0">
-                        <a:scrgbClr r="0" g="0" b="0"/>
-                      </a:lnRef>
-                      <a:fillRef idx="0">
-                        <a:scrgbClr r="0" g="0" b="0"/>
-                      </a:fillRef>
-                      <a:effectRef idx="0">
-                        <a:scrgbClr r="0" g="0" b="0"/>
-                      </a:effectRef>
-                      <a:fontRef idx="minor">
-                        <a:schemeClr val="lt1"/>
-                      </a:fontRef>
-                    </p:style>
-                    <p:txBody>
-                      <a:bodyPr rtlCol="0" anchor="ctr"/>
-                      <a:lstStyle/>
-                      <a:p>
-                        <a:pPr algn="ctr"/>
-                        <a:endParaRPr lang="ko-KR" altLang="en-US"/>
-                      </a:p>
-                    </p:txBody>
-                  </p:sp>
-                </p:grpSp>
-              </p:grpSp>
-            </p:grpSp>
-            <p:grpSp>
-              <p:nvGrpSpPr>
-                <p:cNvPr id="16" name="그룹 15">
-                  <a:extLst>
-                    <a:ext uri="{FF2B5EF4-FFF2-40B4-BE49-F238E27FC236}">
-                      <a16:creationId xmlns:a16="http://schemas.microsoft.com/office/drawing/2014/main" id="{DD5AEF83-B229-442C-B4E4-36324C9CF1D8}"/>
-                    </a:ext>
-                  </a:extLst>
-                </p:cNvPr>
-                <p:cNvGrpSpPr/>
-                <p:nvPr/>
-              </p:nvGrpSpPr>
-              <p:grpSpPr>
-                <a:xfrm>
-                  <a:off x="7251331" y="3118691"/>
-                  <a:ext cx="1230851" cy="620618"/>
-                  <a:chOff x="6792383" y="2795940"/>
-                  <a:chExt cx="2092592" cy="1055123"/>
-                </a:xfrm>
-              </p:grpSpPr>
-              <p:sp>
-                <p:nvSpPr>
-                  <p:cNvPr id="18" name="타원 17">
-                    <a:extLst>
-                      <a:ext uri="{FF2B5EF4-FFF2-40B4-BE49-F238E27FC236}">
-                        <a16:creationId xmlns:a16="http://schemas.microsoft.com/office/drawing/2014/main" id="{489753C9-505F-4F19-A011-E9ECF77ACC69}"/>
-                      </a:ext>
-                    </a:extLst>
-                  </p:cNvPr>
-                  <p:cNvSpPr/>
-                  <p:nvPr/>
-                </p:nvSpPr>
-                <p:spPr>
-                  <a:xfrm>
-                    <a:off x="8196958" y="3243954"/>
-                    <a:ext cx="173189" cy="173189"/>
-                  </a:xfrm>
-                  <a:prstGeom prst="ellipse">
-                    <a:avLst/>
-                  </a:prstGeom>
-                  <a:solidFill>
-                    <a:srgbClr val="00B050"/>
-                  </a:solidFill>
-                  <a:ln>
-                    <a:noFill/>
-                  </a:ln>
-                </p:spPr>
-                <p:style>
-                  <a:lnRef idx="2">
-                    <a:schemeClr val="accent1">
-                      <a:shade val="50000"/>
-                    </a:schemeClr>
-                  </a:lnRef>
-                  <a:fillRef idx="1">
-                    <a:schemeClr val="accent1"/>
-                  </a:fillRef>
-                  <a:effectRef idx="0">
-                    <a:schemeClr val="accent1"/>
-                  </a:effectRef>
-                  <a:fontRef idx="minor">
-                    <a:schemeClr val="lt1"/>
-                  </a:fontRef>
-                </p:style>
-                <p:txBody>
-                  <a:bodyPr rtlCol="0" anchor="ctr"/>
-                  <a:lstStyle/>
-                  <a:p>
-                    <a:pPr algn="ctr"/>
-                    <a:endParaRPr lang="ko-KR" altLang="en-US" dirty="0"/>
-                  </a:p>
-                </p:txBody>
-              </p:sp>
-              <p:grpSp>
-                <p:nvGrpSpPr>
-                  <p:cNvPr id="19" name="그룹 18">
-                    <a:extLst>
-                      <a:ext uri="{FF2B5EF4-FFF2-40B4-BE49-F238E27FC236}">
-                        <a16:creationId xmlns:a16="http://schemas.microsoft.com/office/drawing/2014/main" id="{FF29032D-D27A-4CE7-9F2C-B693D1D2AC48}"/>
-                      </a:ext>
-                    </a:extLst>
-                  </p:cNvPr>
-                  <p:cNvGrpSpPr/>
-                  <p:nvPr/>
-                </p:nvGrpSpPr>
-                <p:grpSpPr>
-                  <a:xfrm>
-                    <a:off x="6792383" y="2795940"/>
-                    <a:ext cx="1051286" cy="1055123"/>
-                    <a:chOff x="7118924" y="1989694"/>
-                    <a:chExt cx="1797967" cy="1804529"/>
+                    <a:off x="3424844" y="3419472"/>
+                    <a:ext cx="450549" cy="113438"/>
+                    <a:chOff x="3424844" y="3419472"/>
+                    <a:chExt cx="450549" cy="113438"/>
                   </a:xfrm>
                 </p:grpSpPr>
                 <p:sp>
                   <p:nvSpPr>
-                    <p:cNvPr id="22" name="직사각형 21">
+                    <p:cNvPr id="39" name="타원 38">
                       <a:extLst>
                         <a:ext uri="{FF2B5EF4-FFF2-40B4-BE49-F238E27FC236}">
-                          <a16:creationId xmlns:a16="http://schemas.microsoft.com/office/drawing/2014/main" id="{2248FD77-856F-4ECC-86A3-CDB4AC4B9FF7}"/>
+                          <a16:creationId xmlns:a16="http://schemas.microsoft.com/office/drawing/2014/main" id="{055F1BAC-89A1-46F0-B6D7-C2F1C33CD55A}"/>
                         </a:ext>
                       </a:extLst>
                     </p:cNvPr>
@@ -9015,21 +8515,19 @@
                   </p:nvSpPr>
                   <p:spPr>
                     <a:xfrm>
-                      <a:off x="7118924" y="1989694"/>
-                      <a:ext cx="1797967" cy="1804529"/>
+                      <a:off x="3424844" y="3419472"/>
+                      <a:ext cx="109728" cy="113438"/>
                     </a:xfrm>
-                    <a:prstGeom prst="rect">
+                    <a:prstGeom prst="ellipse">
                       <a:avLst/>
                     </a:prstGeom>
-                    <a:noFill/>
-                    <a:ln w="28575" cap="flat" cmpd="sng" algn="ctr">
+                    <a:solidFill>
+                      <a:srgbClr val="FF0000"/>
+                    </a:solidFill>
+                    <a:ln>
                       <a:solidFill>
                         <a:srgbClr val="FF0000"/>
                       </a:solidFill>
-                      <a:prstDash val="sysDot"/>
-                      <a:round/>
-                      <a:headEnd type="none" w="med" len="med"/>
-                      <a:tailEnd type="none" w="med" len="med"/>
                     </a:ln>
                   </p:spPr>
                   <p:style>
@@ -9043,7 +8541,7 @@
                       <a:scrgbClr r="0" g="0" b="0"/>
                     </a:effectRef>
                     <a:fontRef idx="minor">
-                      <a:schemeClr val="accent6"/>
+                      <a:schemeClr val="lt1"/>
                     </a:fontRef>
                   </p:style>
                   <p:txBody>
@@ -9055,415 +8553,337 @@
                     </a:p>
                   </p:txBody>
                 </p:sp>
-                <p:grpSp>
-                  <p:nvGrpSpPr>
-                    <p:cNvPr id="23" name="그룹 22">
+                <p:sp>
+                  <p:nvSpPr>
+                    <p:cNvPr id="40" name="타원 39">
                       <a:extLst>
                         <a:ext uri="{FF2B5EF4-FFF2-40B4-BE49-F238E27FC236}">
-                          <a16:creationId xmlns:a16="http://schemas.microsoft.com/office/drawing/2014/main" id="{6E91B924-D724-4D2B-86C4-1971EDF3E1D4}"/>
+                          <a16:creationId xmlns:a16="http://schemas.microsoft.com/office/drawing/2014/main" id="{F8F68F27-7E02-4FB4-AF25-12C3867867A3}"/>
                         </a:ext>
                       </a:extLst>
                     </p:cNvPr>
-                    <p:cNvGrpSpPr/>
+                    <p:cNvSpPr/>
                     <p:nvPr/>
-                  </p:nvGrpSpPr>
-                  <p:grpSpPr>
+                  </p:nvSpPr>
+                  <p:spPr>
                     <a:xfrm>
-                      <a:off x="7326231" y="2150005"/>
-                      <a:ext cx="1377740" cy="1427351"/>
-                      <a:chOff x="4205323" y="1579582"/>
-                      <a:chExt cx="1069085" cy="1107584"/>
+                      <a:off x="3765665" y="3419472"/>
+                      <a:ext cx="109728" cy="113438"/>
                     </a:xfrm>
-                  </p:grpSpPr>
-                  <p:sp>
-                    <p:nvSpPr>
-                      <p:cNvPr id="24" name="타원 23">
-                        <a:extLst>
-                          <a:ext uri="{FF2B5EF4-FFF2-40B4-BE49-F238E27FC236}">
-                            <a16:creationId xmlns:a16="http://schemas.microsoft.com/office/drawing/2014/main" id="{870D0344-0F0D-40DB-9536-AAFAD3E89675}"/>
-                          </a:ext>
-                        </a:extLst>
-                      </p:cNvPr>
-                      <p:cNvSpPr/>
-                      <p:nvPr/>
-                    </p:nvSpPr>
-                    <p:spPr>
-                      <a:xfrm>
-                        <a:off x="4210936" y="1579582"/>
-                        <a:ext cx="256214" cy="256214"/>
-                      </a:xfrm>
-                      <a:prstGeom prst="ellipse">
-                        <a:avLst/>
-                      </a:prstGeom>
-                    </p:spPr>
-                    <p:style>
-                      <a:lnRef idx="2">
-                        <a:schemeClr val="dk1">
-                          <a:shade val="50000"/>
-                        </a:schemeClr>
-                      </a:lnRef>
-                      <a:fillRef idx="1">
-                        <a:schemeClr val="dk1"/>
-                      </a:fillRef>
-                      <a:effectRef idx="0">
-                        <a:schemeClr val="dk1"/>
-                      </a:effectRef>
-                      <a:fontRef idx="minor">
-                        <a:schemeClr val="lt1"/>
-                      </a:fontRef>
-                    </p:style>
-                    <p:txBody>
-                      <a:bodyPr rtlCol="0" anchor="ctr"/>
-                      <a:lstStyle/>
-                      <a:p>
-                        <a:pPr algn="ctr"/>
-                        <a:endParaRPr lang="ko-KR" altLang="en-US"/>
-                      </a:p>
-                    </p:txBody>
-                  </p:sp>
-                  <p:sp>
-                    <p:nvSpPr>
-                      <p:cNvPr id="25" name="타원 24">
-                        <a:extLst>
-                          <a:ext uri="{FF2B5EF4-FFF2-40B4-BE49-F238E27FC236}">
-                            <a16:creationId xmlns:a16="http://schemas.microsoft.com/office/drawing/2014/main" id="{45576932-300E-45B0-8848-A86EE98C9B8E}"/>
-                          </a:ext>
-                        </a:extLst>
-                      </p:cNvPr>
-                      <p:cNvSpPr/>
-                      <p:nvPr/>
-                    </p:nvSpPr>
-                    <p:spPr>
-                      <a:xfrm>
-                        <a:off x="5018194" y="1579582"/>
-                        <a:ext cx="256214" cy="256214"/>
-                      </a:xfrm>
-                      <a:prstGeom prst="ellipse">
-                        <a:avLst/>
-                      </a:prstGeom>
-                    </p:spPr>
-                    <p:style>
-                      <a:lnRef idx="2">
-                        <a:schemeClr val="dk1">
-                          <a:shade val="50000"/>
-                        </a:schemeClr>
-                      </a:lnRef>
-                      <a:fillRef idx="1">
-                        <a:schemeClr val="dk1"/>
-                      </a:fillRef>
-                      <a:effectRef idx="0">
-                        <a:schemeClr val="dk1"/>
-                      </a:effectRef>
-                      <a:fontRef idx="minor">
-                        <a:schemeClr val="lt1"/>
-                      </a:fontRef>
-                    </p:style>
-                    <p:txBody>
-                      <a:bodyPr rtlCol="0" anchor="ctr"/>
-                      <a:lstStyle/>
-                      <a:p>
-                        <a:pPr algn="ctr"/>
-                        <a:endParaRPr lang="ko-KR" altLang="en-US"/>
-                      </a:p>
-                    </p:txBody>
-                  </p:sp>
-                  <p:sp>
-                    <p:nvSpPr>
-                      <p:cNvPr id="26" name="타원 25">
-                        <a:extLst>
-                          <a:ext uri="{FF2B5EF4-FFF2-40B4-BE49-F238E27FC236}">
-                            <a16:creationId xmlns:a16="http://schemas.microsoft.com/office/drawing/2014/main" id="{46ACE4BE-2F44-4B5E-913A-26B510E269F1}"/>
-                          </a:ext>
-                        </a:extLst>
-                      </p:cNvPr>
-                      <p:cNvSpPr/>
-                      <p:nvPr/>
-                    </p:nvSpPr>
-                    <p:spPr>
-                      <a:xfrm>
-                        <a:off x="4205323" y="2012489"/>
-                        <a:ext cx="256214" cy="256214"/>
-                      </a:xfrm>
-                      <a:prstGeom prst="ellipse">
-                        <a:avLst/>
-                      </a:prstGeom>
-                    </p:spPr>
-                    <p:style>
-                      <a:lnRef idx="2">
-                        <a:schemeClr val="dk1">
-                          <a:shade val="50000"/>
-                        </a:schemeClr>
-                      </a:lnRef>
-                      <a:fillRef idx="1">
-                        <a:schemeClr val="dk1"/>
-                      </a:fillRef>
-                      <a:effectRef idx="0">
-                        <a:schemeClr val="dk1"/>
-                      </a:effectRef>
-                      <a:fontRef idx="minor">
-                        <a:schemeClr val="lt1"/>
-                      </a:fontRef>
-                    </p:style>
-                    <p:txBody>
-                      <a:bodyPr rtlCol="0" anchor="ctr"/>
-                      <a:lstStyle/>
-                      <a:p>
-                        <a:pPr algn="ctr"/>
-                        <a:endParaRPr lang="ko-KR" altLang="en-US"/>
-                      </a:p>
-                    </p:txBody>
-                  </p:sp>
-                  <p:sp>
-                    <p:nvSpPr>
-                      <p:cNvPr id="27" name="타원 26">
-                        <a:extLst>
-                          <a:ext uri="{FF2B5EF4-FFF2-40B4-BE49-F238E27FC236}">
-                            <a16:creationId xmlns:a16="http://schemas.microsoft.com/office/drawing/2014/main" id="{8D2D2CBC-ED00-4545-B853-CC460D2817CE}"/>
-                          </a:ext>
-                        </a:extLst>
-                      </p:cNvPr>
-                      <p:cNvSpPr/>
-                      <p:nvPr/>
-                    </p:nvSpPr>
-                    <p:spPr>
-                      <a:xfrm>
-                        <a:off x="5012581" y="2012489"/>
-                        <a:ext cx="256214" cy="256214"/>
-                      </a:xfrm>
-                      <a:prstGeom prst="ellipse">
-                        <a:avLst/>
-                      </a:prstGeom>
-                    </p:spPr>
-                    <p:style>
-                      <a:lnRef idx="2">
-                        <a:schemeClr val="dk1">
-                          <a:shade val="50000"/>
-                        </a:schemeClr>
-                      </a:lnRef>
-                      <a:fillRef idx="1">
-                        <a:schemeClr val="dk1"/>
-                      </a:fillRef>
-                      <a:effectRef idx="0">
-                        <a:schemeClr val="dk1"/>
-                      </a:effectRef>
-                      <a:fontRef idx="minor">
-                        <a:schemeClr val="lt1"/>
-                      </a:fontRef>
-                    </p:style>
-                    <p:txBody>
-                      <a:bodyPr rtlCol="0" anchor="ctr"/>
-                      <a:lstStyle/>
-                      <a:p>
-                        <a:pPr algn="ctr"/>
-                        <a:endParaRPr lang="ko-KR" altLang="en-US"/>
-                      </a:p>
-                    </p:txBody>
-                  </p:sp>
-                  <p:sp>
-                    <p:nvSpPr>
-                      <p:cNvPr id="28" name="타원 27">
-                        <a:extLst>
-                          <a:ext uri="{FF2B5EF4-FFF2-40B4-BE49-F238E27FC236}">
-                            <a16:creationId xmlns:a16="http://schemas.microsoft.com/office/drawing/2014/main" id="{918115AE-0641-4F06-9914-8A62F54FB4A4}"/>
-                          </a:ext>
-                        </a:extLst>
-                      </p:cNvPr>
-                      <p:cNvSpPr/>
-                      <p:nvPr/>
-                    </p:nvSpPr>
-                    <p:spPr>
-                      <a:xfrm>
-                        <a:off x="4205323" y="2430952"/>
-                        <a:ext cx="256214" cy="256214"/>
-                      </a:xfrm>
-                      <a:prstGeom prst="ellipse">
-                        <a:avLst/>
-                      </a:prstGeom>
-                    </p:spPr>
-                    <p:style>
-                      <a:lnRef idx="2">
-                        <a:schemeClr val="dk1">
-                          <a:shade val="50000"/>
-                        </a:schemeClr>
-                      </a:lnRef>
-                      <a:fillRef idx="1">
-                        <a:schemeClr val="dk1"/>
-                      </a:fillRef>
-                      <a:effectRef idx="0">
-                        <a:schemeClr val="dk1"/>
-                      </a:effectRef>
-                      <a:fontRef idx="minor">
-                        <a:schemeClr val="lt1"/>
-                      </a:fontRef>
-                    </p:style>
-                    <p:txBody>
-                      <a:bodyPr rtlCol="0" anchor="ctr"/>
-                      <a:lstStyle/>
-                      <a:p>
-                        <a:pPr algn="ctr"/>
-                        <a:endParaRPr lang="ko-KR" altLang="en-US"/>
-                      </a:p>
-                    </p:txBody>
-                  </p:sp>
-                  <p:sp>
-                    <p:nvSpPr>
-                      <p:cNvPr id="29" name="타원 28">
-                        <a:extLst>
-                          <a:ext uri="{FF2B5EF4-FFF2-40B4-BE49-F238E27FC236}">
-                            <a16:creationId xmlns:a16="http://schemas.microsoft.com/office/drawing/2014/main" id="{3C8979ED-28A9-4B9A-B0FC-A48178463512}"/>
-                          </a:ext>
-                        </a:extLst>
-                      </p:cNvPr>
-                      <p:cNvSpPr/>
-                      <p:nvPr/>
-                    </p:nvSpPr>
-                    <p:spPr>
-                      <a:xfrm>
-                        <a:off x="5012581" y="2430952"/>
-                        <a:ext cx="256214" cy="256214"/>
-                      </a:xfrm>
-                      <a:prstGeom prst="ellipse">
-                        <a:avLst/>
-                      </a:prstGeom>
-                    </p:spPr>
-                    <p:style>
-                      <a:lnRef idx="2">
-                        <a:schemeClr val="dk1">
-                          <a:shade val="50000"/>
-                        </a:schemeClr>
-                      </a:lnRef>
-                      <a:fillRef idx="1">
-                        <a:schemeClr val="dk1"/>
-                      </a:fillRef>
-                      <a:effectRef idx="0">
-                        <a:schemeClr val="dk1"/>
-                      </a:effectRef>
-                      <a:fontRef idx="minor">
-                        <a:schemeClr val="lt1"/>
-                      </a:fontRef>
-                    </p:style>
-                    <p:txBody>
-                      <a:bodyPr rtlCol="0" anchor="ctr"/>
-                      <a:lstStyle/>
-                      <a:p>
-                        <a:pPr algn="ctr"/>
-                        <a:endParaRPr lang="ko-KR" altLang="en-US"/>
-                      </a:p>
-                    </p:txBody>
-                  </p:sp>
-                </p:grpSp>
+                    <a:prstGeom prst="ellipse">
+                      <a:avLst/>
+                    </a:prstGeom>
+                    <a:solidFill>
+                      <a:srgbClr val="FF0000"/>
+                    </a:solidFill>
+                    <a:ln>
+                      <a:solidFill>
+                        <a:srgbClr val="FF0000"/>
+                      </a:solidFill>
+                    </a:ln>
+                  </p:spPr>
+                  <p:style>
+                    <a:lnRef idx="0">
+                      <a:scrgbClr r="0" g="0" b="0"/>
+                    </a:lnRef>
+                    <a:fillRef idx="0">
+                      <a:scrgbClr r="0" g="0" b="0"/>
+                    </a:fillRef>
+                    <a:effectRef idx="0">
+                      <a:scrgbClr r="0" g="0" b="0"/>
+                    </a:effectRef>
+                    <a:fontRef idx="minor">
+                      <a:schemeClr val="lt1"/>
+                    </a:fontRef>
+                  </p:style>
+                  <p:txBody>
+                    <a:bodyPr rtlCol="0" anchor="ctr"/>
+                    <a:lstStyle/>
+                    <a:p>
+                      <a:pPr algn="ctr"/>
+                      <a:endParaRPr lang="ko-KR" altLang="en-US"/>
+                    </a:p>
+                  </p:txBody>
+                </p:sp>
               </p:grpSp>
-              <p:sp>
-                <p:nvSpPr>
-                  <p:cNvPr id="20" name="타원 19">
+              <p:grpSp>
+                <p:nvGrpSpPr>
+                  <p:cNvPr id="33" name="그룹 32">
                     <a:extLst>
                       <a:ext uri="{FF2B5EF4-FFF2-40B4-BE49-F238E27FC236}">
-                        <a16:creationId xmlns:a16="http://schemas.microsoft.com/office/drawing/2014/main" id="{EA654FB3-4DF0-4EB2-AED1-0957846B0790}"/>
+                        <a16:creationId xmlns:a16="http://schemas.microsoft.com/office/drawing/2014/main" id="{899A3CCF-C54F-459A-BEF1-D05C28DDF3B0}"/>
                       </a:ext>
                     </a:extLst>
                   </p:cNvPr>
-                  <p:cNvSpPr/>
+                  <p:cNvGrpSpPr/>
                   <p:nvPr/>
-                </p:nvSpPr>
-                <p:spPr>
+                </p:nvGrpSpPr>
+                <p:grpSpPr>
                   <a:xfrm>
-                    <a:off x="8461852" y="3243953"/>
-                    <a:ext cx="173189" cy="173189"/>
+                    <a:off x="3426149" y="3616513"/>
+                    <a:ext cx="450549" cy="113438"/>
+                    <a:chOff x="3424844" y="3419472"/>
+                    <a:chExt cx="450549" cy="113438"/>
                   </a:xfrm>
-                  <a:prstGeom prst="ellipse">
-                    <a:avLst/>
-                  </a:prstGeom>
-                  <a:solidFill>
-                    <a:srgbClr val="0070C0"/>
-                  </a:solidFill>
-                  <a:ln>
-                    <a:noFill/>
-                  </a:ln>
-                </p:spPr>
-                <p:style>
-                  <a:lnRef idx="2">
-                    <a:schemeClr val="accent1">
-                      <a:shade val="50000"/>
-                    </a:schemeClr>
-                  </a:lnRef>
-                  <a:fillRef idx="1">
-                    <a:schemeClr val="accent1"/>
-                  </a:fillRef>
-                  <a:effectRef idx="0">
-                    <a:schemeClr val="accent1"/>
-                  </a:effectRef>
-                  <a:fontRef idx="minor">
-                    <a:schemeClr val="lt1"/>
-                  </a:fontRef>
-                </p:style>
-                <p:txBody>
-                  <a:bodyPr rtlCol="0" anchor="ctr"/>
-                  <a:lstStyle/>
-                  <a:p>
-                    <a:pPr algn="ctr"/>
-                    <a:endParaRPr lang="ko-KR" altLang="en-US"/>
-                  </a:p>
-                </p:txBody>
-              </p:sp>
-              <p:sp>
-                <p:nvSpPr>
-                  <p:cNvPr id="21" name="타원 20">
+                </p:grpSpPr>
+                <p:sp>
+                  <p:nvSpPr>
+                    <p:cNvPr id="37" name="타원 36">
+                      <a:extLst>
+                        <a:ext uri="{FF2B5EF4-FFF2-40B4-BE49-F238E27FC236}">
+                          <a16:creationId xmlns:a16="http://schemas.microsoft.com/office/drawing/2014/main" id="{31E58CB5-0997-4AA4-BBBF-A56FE65DDCF8}"/>
+                        </a:ext>
+                      </a:extLst>
+                    </p:cNvPr>
+                    <p:cNvSpPr/>
+                    <p:nvPr/>
+                  </p:nvSpPr>
+                  <p:spPr>
+                    <a:xfrm>
+                      <a:off x="3424844" y="3419472"/>
+                      <a:ext cx="109728" cy="113438"/>
+                    </a:xfrm>
+                    <a:prstGeom prst="ellipse">
+                      <a:avLst/>
+                    </a:prstGeom>
+                    <a:solidFill>
+                      <a:srgbClr val="FF0000"/>
+                    </a:solidFill>
+                    <a:ln>
+                      <a:solidFill>
+                        <a:srgbClr val="FF0000"/>
+                      </a:solidFill>
+                    </a:ln>
+                  </p:spPr>
+                  <p:style>
+                    <a:lnRef idx="0">
+                      <a:scrgbClr r="0" g="0" b="0"/>
+                    </a:lnRef>
+                    <a:fillRef idx="0">
+                      <a:scrgbClr r="0" g="0" b="0"/>
+                    </a:fillRef>
+                    <a:effectRef idx="0">
+                      <a:scrgbClr r="0" g="0" b="0"/>
+                    </a:effectRef>
+                    <a:fontRef idx="minor">
+                      <a:schemeClr val="lt1"/>
+                    </a:fontRef>
+                  </p:style>
+                  <p:txBody>
+                    <a:bodyPr rtlCol="0" anchor="ctr"/>
+                    <a:lstStyle/>
+                    <a:p>
+                      <a:pPr algn="ctr"/>
+                      <a:endParaRPr lang="ko-KR" altLang="en-US"/>
+                    </a:p>
+                  </p:txBody>
+                </p:sp>
+                <p:sp>
+                  <p:nvSpPr>
+                    <p:cNvPr id="38" name="타원 37">
+                      <a:extLst>
+                        <a:ext uri="{FF2B5EF4-FFF2-40B4-BE49-F238E27FC236}">
+                          <a16:creationId xmlns:a16="http://schemas.microsoft.com/office/drawing/2014/main" id="{4CB3C25B-2D49-4E1D-B7E5-773448ABB62E}"/>
+                        </a:ext>
+                      </a:extLst>
+                    </p:cNvPr>
+                    <p:cNvSpPr/>
+                    <p:nvPr/>
+                  </p:nvSpPr>
+                  <p:spPr>
+                    <a:xfrm>
+                      <a:off x="3765665" y="3419472"/>
+                      <a:ext cx="109728" cy="113438"/>
+                    </a:xfrm>
+                    <a:prstGeom prst="ellipse">
+                      <a:avLst/>
+                    </a:prstGeom>
+                    <a:solidFill>
+                      <a:srgbClr val="FF0000"/>
+                    </a:solidFill>
+                    <a:ln>
+                      <a:solidFill>
+                        <a:srgbClr val="FF0000"/>
+                      </a:solidFill>
+                    </a:ln>
+                  </p:spPr>
+                  <p:style>
+                    <a:lnRef idx="0">
+                      <a:scrgbClr r="0" g="0" b="0"/>
+                    </a:lnRef>
+                    <a:fillRef idx="0">
+                      <a:scrgbClr r="0" g="0" b="0"/>
+                    </a:fillRef>
+                    <a:effectRef idx="0">
+                      <a:scrgbClr r="0" g="0" b="0"/>
+                    </a:effectRef>
+                    <a:fontRef idx="minor">
+                      <a:schemeClr val="lt1"/>
+                    </a:fontRef>
+                  </p:style>
+                  <p:txBody>
+                    <a:bodyPr rtlCol="0" anchor="ctr"/>
+                    <a:lstStyle/>
+                    <a:p>
+                      <a:pPr algn="ctr"/>
+                      <a:endParaRPr lang="ko-KR" altLang="en-US"/>
+                    </a:p>
+                  </p:txBody>
+                </p:sp>
+              </p:grpSp>
+              <p:grpSp>
+                <p:nvGrpSpPr>
+                  <p:cNvPr id="34" name="그룹 33">
                     <a:extLst>
                       <a:ext uri="{FF2B5EF4-FFF2-40B4-BE49-F238E27FC236}">
-                        <a16:creationId xmlns:a16="http://schemas.microsoft.com/office/drawing/2014/main" id="{D2BB0B2F-C00F-421D-B24F-806B4D0C8652}"/>
+                        <a16:creationId xmlns:a16="http://schemas.microsoft.com/office/drawing/2014/main" id="{6D6C46B3-D684-4378-9E53-5A9F9D93F4AF}"/>
                       </a:ext>
                     </a:extLst>
                   </p:cNvPr>
-                  <p:cNvSpPr/>
+                  <p:cNvGrpSpPr/>
                   <p:nvPr/>
-                </p:nvSpPr>
-                <p:spPr>
+                </p:nvGrpSpPr>
+                <p:grpSpPr>
                   <a:xfrm>
-                    <a:off x="8711786" y="3236906"/>
-                    <a:ext cx="173189" cy="173189"/>
+                    <a:off x="3420330" y="3825549"/>
+                    <a:ext cx="450549" cy="113438"/>
+                    <a:chOff x="3424844" y="3419472"/>
+                    <a:chExt cx="450549" cy="113438"/>
                   </a:xfrm>
-                  <a:prstGeom prst="ellipse">
-                    <a:avLst/>
-                  </a:prstGeom>
-                  <a:solidFill>
-                    <a:srgbClr val="FF0000"/>
-                  </a:solidFill>
-                  <a:ln>
-                    <a:noFill/>
-                  </a:ln>
-                </p:spPr>
-                <p:style>
-                  <a:lnRef idx="2">
-                    <a:schemeClr val="accent1">
-                      <a:shade val="50000"/>
-                    </a:schemeClr>
-                  </a:lnRef>
-                  <a:fillRef idx="1">
-                    <a:schemeClr val="accent1"/>
-                  </a:fillRef>
-                  <a:effectRef idx="0">
-                    <a:schemeClr val="accent1"/>
-                  </a:effectRef>
-                  <a:fontRef idx="minor">
-                    <a:schemeClr val="lt1"/>
-                  </a:fontRef>
-                </p:style>
-                <p:txBody>
-                  <a:bodyPr rtlCol="0" anchor="ctr"/>
-                  <a:lstStyle/>
-                  <a:p>
-                    <a:pPr algn="ctr"/>
-                    <a:endParaRPr lang="ko-KR" altLang="en-US"/>
-                  </a:p>
-                </p:txBody>
-              </p:sp>
+                </p:grpSpPr>
+                <p:sp>
+                  <p:nvSpPr>
+                    <p:cNvPr id="35" name="타원 34">
+                      <a:extLst>
+                        <a:ext uri="{FF2B5EF4-FFF2-40B4-BE49-F238E27FC236}">
+                          <a16:creationId xmlns:a16="http://schemas.microsoft.com/office/drawing/2014/main" id="{B245EFA8-55C2-4E09-AA01-70DB6ED85605}"/>
+                        </a:ext>
+                      </a:extLst>
+                    </p:cNvPr>
+                    <p:cNvSpPr/>
+                    <p:nvPr/>
+                  </p:nvSpPr>
+                  <p:spPr>
+                    <a:xfrm>
+                      <a:off x="3424844" y="3419472"/>
+                      <a:ext cx="109728" cy="113438"/>
+                    </a:xfrm>
+                    <a:prstGeom prst="ellipse">
+                      <a:avLst/>
+                    </a:prstGeom>
+                    <a:solidFill>
+                      <a:srgbClr val="FF0000"/>
+                    </a:solidFill>
+                    <a:ln>
+                      <a:solidFill>
+                        <a:srgbClr val="FF0000"/>
+                      </a:solidFill>
+                    </a:ln>
+                  </p:spPr>
+                  <p:style>
+                    <a:lnRef idx="0">
+                      <a:scrgbClr r="0" g="0" b="0"/>
+                    </a:lnRef>
+                    <a:fillRef idx="0">
+                      <a:scrgbClr r="0" g="0" b="0"/>
+                    </a:fillRef>
+                    <a:effectRef idx="0">
+                      <a:scrgbClr r="0" g="0" b="0"/>
+                    </a:effectRef>
+                    <a:fontRef idx="minor">
+                      <a:schemeClr val="lt1"/>
+                    </a:fontRef>
+                  </p:style>
+                  <p:txBody>
+                    <a:bodyPr rtlCol="0" anchor="ctr"/>
+                    <a:lstStyle/>
+                    <a:p>
+                      <a:pPr algn="ctr"/>
+                      <a:endParaRPr lang="ko-KR" altLang="en-US"/>
+                    </a:p>
+                  </p:txBody>
+                </p:sp>
+                <p:sp>
+                  <p:nvSpPr>
+                    <p:cNvPr id="36" name="타원 35">
+                      <a:extLst>
+                        <a:ext uri="{FF2B5EF4-FFF2-40B4-BE49-F238E27FC236}">
+                          <a16:creationId xmlns:a16="http://schemas.microsoft.com/office/drawing/2014/main" id="{6670EE21-CB5C-41AB-931C-EA732800BB6C}"/>
+                        </a:ext>
+                      </a:extLst>
+                    </p:cNvPr>
+                    <p:cNvSpPr/>
+                    <p:nvPr/>
+                  </p:nvSpPr>
+                  <p:spPr>
+                    <a:xfrm>
+                      <a:off x="3765665" y="3419472"/>
+                      <a:ext cx="109728" cy="113438"/>
+                    </a:xfrm>
+                    <a:prstGeom prst="ellipse">
+                      <a:avLst/>
+                    </a:prstGeom>
+                    <a:solidFill>
+                      <a:srgbClr val="FF0000"/>
+                    </a:solidFill>
+                    <a:ln>
+                      <a:solidFill>
+                        <a:srgbClr val="FF0000"/>
+                      </a:solidFill>
+                    </a:ln>
+                  </p:spPr>
+                  <p:style>
+                    <a:lnRef idx="0">
+                      <a:scrgbClr r="0" g="0" b="0"/>
+                    </a:lnRef>
+                    <a:fillRef idx="0">
+                      <a:scrgbClr r="0" g="0" b="0"/>
+                    </a:fillRef>
+                    <a:effectRef idx="0">
+                      <a:scrgbClr r="0" g="0" b="0"/>
+                    </a:effectRef>
+                    <a:fontRef idx="minor">
+                      <a:schemeClr val="lt1"/>
+                    </a:fontRef>
+                  </p:style>
+                  <p:txBody>
+                    <a:bodyPr rtlCol="0" anchor="ctr"/>
+                    <a:lstStyle/>
+                    <a:p>
+                      <a:pPr algn="ctr"/>
+                      <a:endParaRPr lang="ko-KR" altLang="en-US"/>
+                    </a:p>
+                  </p:txBody>
+                </p:sp>
+              </p:grpSp>
             </p:grpSp>
+          </p:grpSp>
+          <p:grpSp>
+            <p:nvGrpSpPr>
+              <p:cNvPr id="16" name="그룹 15">
+                <a:extLst>
+                  <a:ext uri="{FF2B5EF4-FFF2-40B4-BE49-F238E27FC236}">
+                    <a16:creationId xmlns:a16="http://schemas.microsoft.com/office/drawing/2014/main" id="{DD5AEF83-B229-442C-B4E4-36324C9CF1D8}"/>
+                  </a:ext>
+                </a:extLst>
+              </p:cNvPr>
+              <p:cNvGrpSpPr/>
+              <p:nvPr/>
+            </p:nvGrpSpPr>
+            <p:grpSpPr>
+              <a:xfrm>
+                <a:off x="7251331" y="3118691"/>
+                <a:ext cx="1230851" cy="620618"/>
+                <a:chOff x="6792383" y="2795940"/>
+                <a:chExt cx="2092592" cy="1055123"/>
+              </a:xfrm>
+            </p:grpSpPr>
             <p:sp>
               <p:nvSpPr>
-                <p:cNvPr id="17" name="타원 16">
+                <p:cNvPr id="18" name="타원 17">
                   <a:extLst>
                     <a:ext uri="{FF2B5EF4-FFF2-40B4-BE49-F238E27FC236}">
-                      <a16:creationId xmlns:a16="http://schemas.microsoft.com/office/drawing/2014/main" id="{4570E319-03D2-46C5-967B-2B1E9F267A03}"/>
+                      <a16:creationId xmlns:a16="http://schemas.microsoft.com/office/drawing/2014/main" id="{489753C9-505F-4F19-A011-E9ECF77ACC69}"/>
                     </a:ext>
                   </a:extLst>
                 </p:cNvPr>
@@ -9472,16 +8892,14 @@
               </p:nvSpPr>
               <p:spPr>
                 <a:xfrm>
-                  <a:off x="7599573" y="5109129"/>
+                  <a:off x="8196958" y="3243954"/>
                   <a:ext cx="173189" cy="173189"/>
                 </a:xfrm>
                 <a:prstGeom prst="ellipse">
                   <a:avLst/>
                 </a:prstGeom>
                 <a:solidFill>
-                  <a:schemeClr val="bg1">
-                    <a:lumMod val="50000"/>
-                  </a:schemeClr>
+                  <a:srgbClr val="00B050"/>
                 </a:solidFill>
                 <a:ln>
                   <a:noFill/>
@@ -9512,92 +8930,643 @@
                 </a:p>
               </p:txBody>
             </p:sp>
+            <p:grpSp>
+              <p:nvGrpSpPr>
+                <p:cNvPr id="19" name="그룹 18">
+                  <a:extLst>
+                    <a:ext uri="{FF2B5EF4-FFF2-40B4-BE49-F238E27FC236}">
+                      <a16:creationId xmlns:a16="http://schemas.microsoft.com/office/drawing/2014/main" id="{FF29032D-D27A-4CE7-9F2C-B693D1D2AC48}"/>
+                    </a:ext>
+                  </a:extLst>
+                </p:cNvPr>
+                <p:cNvGrpSpPr/>
+                <p:nvPr/>
+              </p:nvGrpSpPr>
+              <p:grpSpPr>
+                <a:xfrm>
+                  <a:off x="6792383" y="2795940"/>
+                  <a:ext cx="1051286" cy="1055123"/>
+                  <a:chOff x="7118924" y="1989694"/>
+                  <a:chExt cx="1797967" cy="1804529"/>
+                </a:xfrm>
+              </p:grpSpPr>
+              <p:sp>
+                <p:nvSpPr>
+                  <p:cNvPr id="22" name="직사각형 21">
+                    <a:extLst>
+                      <a:ext uri="{FF2B5EF4-FFF2-40B4-BE49-F238E27FC236}">
+                        <a16:creationId xmlns:a16="http://schemas.microsoft.com/office/drawing/2014/main" id="{2248FD77-856F-4ECC-86A3-CDB4AC4B9FF7}"/>
+                      </a:ext>
+                    </a:extLst>
+                  </p:cNvPr>
+                  <p:cNvSpPr/>
+                  <p:nvPr/>
+                </p:nvSpPr>
+                <p:spPr>
+                  <a:xfrm>
+                    <a:off x="7118924" y="1989694"/>
+                    <a:ext cx="1797967" cy="1804529"/>
+                  </a:xfrm>
+                  <a:prstGeom prst="rect">
+                    <a:avLst/>
+                  </a:prstGeom>
+                  <a:noFill/>
+                  <a:ln w="28575" cap="flat" cmpd="sng" algn="ctr">
+                    <a:solidFill>
+                      <a:srgbClr val="FF0000"/>
+                    </a:solidFill>
+                    <a:prstDash val="sysDot"/>
+                    <a:round/>
+                    <a:headEnd type="none" w="med" len="med"/>
+                    <a:tailEnd type="none" w="med" len="med"/>
+                  </a:ln>
+                </p:spPr>
+                <p:style>
+                  <a:lnRef idx="0">
+                    <a:scrgbClr r="0" g="0" b="0"/>
+                  </a:lnRef>
+                  <a:fillRef idx="0">
+                    <a:scrgbClr r="0" g="0" b="0"/>
+                  </a:fillRef>
+                  <a:effectRef idx="0">
+                    <a:scrgbClr r="0" g="0" b="0"/>
+                  </a:effectRef>
+                  <a:fontRef idx="minor">
+                    <a:schemeClr val="accent6"/>
+                  </a:fontRef>
+                </p:style>
+                <p:txBody>
+                  <a:bodyPr rtlCol="0" anchor="ctr"/>
+                  <a:lstStyle/>
+                  <a:p>
+                    <a:pPr algn="ctr"/>
+                    <a:endParaRPr lang="ko-KR" altLang="en-US"/>
+                  </a:p>
+                </p:txBody>
+              </p:sp>
+              <p:grpSp>
+                <p:nvGrpSpPr>
+                  <p:cNvPr id="23" name="그룹 22">
+                    <a:extLst>
+                      <a:ext uri="{FF2B5EF4-FFF2-40B4-BE49-F238E27FC236}">
+                        <a16:creationId xmlns:a16="http://schemas.microsoft.com/office/drawing/2014/main" id="{6E91B924-D724-4D2B-86C4-1971EDF3E1D4}"/>
+                      </a:ext>
+                    </a:extLst>
+                  </p:cNvPr>
+                  <p:cNvGrpSpPr/>
+                  <p:nvPr/>
+                </p:nvGrpSpPr>
+                <p:grpSpPr>
+                  <a:xfrm>
+                    <a:off x="7326231" y="2150005"/>
+                    <a:ext cx="1377740" cy="1427351"/>
+                    <a:chOff x="4205323" y="1579582"/>
+                    <a:chExt cx="1069085" cy="1107584"/>
+                  </a:xfrm>
+                </p:grpSpPr>
+                <p:sp>
+                  <p:nvSpPr>
+                    <p:cNvPr id="24" name="타원 23">
+                      <a:extLst>
+                        <a:ext uri="{FF2B5EF4-FFF2-40B4-BE49-F238E27FC236}">
+                          <a16:creationId xmlns:a16="http://schemas.microsoft.com/office/drawing/2014/main" id="{870D0344-0F0D-40DB-9536-AAFAD3E89675}"/>
+                        </a:ext>
+                      </a:extLst>
+                    </p:cNvPr>
+                    <p:cNvSpPr/>
+                    <p:nvPr/>
+                  </p:nvSpPr>
+                  <p:spPr>
+                    <a:xfrm>
+                      <a:off x="4210936" y="1579582"/>
+                      <a:ext cx="256214" cy="256214"/>
+                    </a:xfrm>
+                    <a:prstGeom prst="ellipse">
+                      <a:avLst/>
+                    </a:prstGeom>
+                  </p:spPr>
+                  <p:style>
+                    <a:lnRef idx="2">
+                      <a:schemeClr val="dk1">
+                        <a:shade val="50000"/>
+                      </a:schemeClr>
+                    </a:lnRef>
+                    <a:fillRef idx="1">
+                      <a:schemeClr val="dk1"/>
+                    </a:fillRef>
+                    <a:effectRef idx="0">
+                      <a:schemeClr val="dk1"/>
+                    </a:effectRef>
+                    <a:fontRef idx="minor">
+                      <a:schemeClr val="lt1"/>
+                    </a:fontRef>
+                  </p:style>
+                  <p:txBody>
+                    <a:bodyPr rtlCol="0" anchor="ctr"/>
+                    <a:lstStyle/>
+                    <a:p>
+                      <a:pPr algn="ctr"/>
+                      <a:endParaRPr lang="ko-KR" altLang="en-US"/>
+                    </a:p>
+                  </p:txBody>
+                </p:sp>
+                <p:sp>
+                  <p:nvSpPr>
+                    <p:cNvPr id="25" name="타원 24">
+                      <a:extLst>
+                        <a:ext uri="{FF2B5EF4-FFF2-40B4-BE49-F238E27FC236}">
+                          <a16:creationId xmlns:a16="http://schemas.microsoft.com/office/drawing/2014/main" id="{45576932-300E-45B0-8848-A86EE98C9B8E}"/>
+                        </a:ext>
+                      </a:extLst>
+                    </p:cNvPr>
+                    <p:cNvSpPr/>
+                    <p:nvPr/>
+                  </p:nvSpPr>
+                  <p:spPr>
+                    <a:xfrm>
+                      <a:off x="5018194" y="1579582"/>
+                      <a:ext cx="256214" cy="256214"/>
+                    </a:xfrm>
+                    <a:prstGeom prst="ellipse">
+                      <a:avLst/>
+                    </a:prstGeom>
+                  </p:spPr>
+                  <p:style>
+                    <a:lnRef idx="2">
+                      <a:schemeClr val="dk1">
+                        <a:shade val="50000"/>
+                      </a:schemeClr>
+                    </a:lnRef>
+                    <a:fillRef idx="1">
+                      <a:schemeClr val="dk1"/>
+                    </a:fillRef>
+                    <a:effectRef idx="0">
+                      <a:schemeClr val="dk1"/>
+                    </a:effectRef>
+                    <a:fontRef idx="minor">
+                      <a:schemeClr val="lt1"/>
+                    </a:fontRef>
+                  </p:style>
+                  <p:txBody>
+                    <a:bodyPr rtlCol="0" anchor="ctr"/>
+                    <a:lstStyle/>
+                    <a:p>
+                      <a:pPr algn="ctr"/>
+                      <a:endParaRPr lang="ko-KR" altLang="en-US"/>
+                    </a:p>
+                  </p:txBody>
+                </p:sp>
+                <p:sp>
+                  <p:nvSpPr>
+                    <p:cNvPr id="26" name="타원 25">
+                      <a:extLst>
+                        <a:ext uri="{FF2B5EF4-FFF2-40B4-BE49-F238E27FC236}">
+                          <a16:creationId xmlns:a16="http://schemas.microsoft.com/office/drawing/2014/main" id="{46ACE4BE-2F44-4B5E-913A-26B510E269F1}"/>
+                        </a:ext>
+                      </a:extLst>
+                    </p:cNvPr>
+                    <p:cNvSpPr/>
+                    <p:nvPr/>
+                  </p:nvSpPr>
+                  <p:spPr>
+                    <a:xfrm>
+                      <a:off x="4205323" y="2012489"/>
+                      <a:ext cx="256214" cy="256214"/>
+                    </a:xfrm>
+                    <a:prstGeom prst="ellipse">
+                      <a:avLst/>
+                    </a:prstGeom>
+                  </p:spPr>
+                  <p:style>
+                    <a:lnRef idx="2">
+                      <a:schemeClr val="dk1">
+                        <a:shade val="50000"/>
+                      </a:schemeClr>
+                    </a:lnRef>
+                    <a:fillRef idx="1">
+                      <a:schemeClr val="dk1"/>
+                    </a:fillRef>
+                    <a:effectRef idx="0">
+                      <a:schemeClr val="dk1"/>
+                    </a:effectRef>
+                    <a:fontRef idx="minor">
+                      <a:schemeClr val="lt1"/>
+                    </a:fontRef>
+                  </p:style>
+                  <p:txBody>
+                    <a:bodyPr rtlCol="0" anchor="ctr"/>
+                    <a:lstStyle/>
+                    <a:p>
+                      <a:pPr algn="ctr"/>
+                      <a:endParaRPr lang="ko-KR" altLang="en-US"/>
+                    </a:p>
+                  </p:txBody>
+                </p:sp>
+                <p:sp>
+                  <p:nvSpPr>
+                    <p:cNvPr id="27" name="타원 26">
+                      <a:extLst>
+                        <a:ext uri="{FF2B5EF4-FFF2-40B4-BE49-F238E27FC236}">
+                          <a16:creationId xmlns:a16="http://schemas.microsoft.com/office/drawing/2014/main" id="{8D2D2CBC-ED00-4545-B853-CC460D2817CE}"/>
+                        </a:ext>
+                      </a:extLst>
+                    </p:cNvPr>
+                    <p:cNvSpPr/>
+                    <p:nvPr/>
+                  </p:nvSpPr>
+                  <p:spPr>
+                    <a:xfrm>
+                      <a:off x="5012581" y="2012489"/>
+                      <a:ext cx="256214" cy="256214"/>
+                    </a:xfrm>
+                    <a:prstGeom prst="ellipse">
+                      <a:avLst/>
+                    </a:prstGeom>
+                  </p:spPr>
+                  <p:style>
+                    <a:lnRef idx="2">
+                      <a:schemeClr val="dk1">
+                        <a:shade val="50000"/>
+                      </a:schemeClr>
+                    </a:lnRef>
+                    <a:fillRef idx="1">
+                      <a:schemeClr val="dk1"/>
+                    </a:fillRef>
+                    <a:effectRef idx="0">
+                      <a:schemeClr val="dk1"/>
+                    </a:effectRef>
+                    <a:fontRef idx="minor">
+                      <a:schemeClr val="lt1"/>
+                    </a:fontRef>
+                  </p:style>
+                  <p:txBody>
+                    <a:bodyPr rtlCol="0" anchor="ctr"/>
+                    <a:lstStyle/>
+                    <a:p>
+                      <a:pPr algn="ctr"/>
+                      <a:endParaRPr lang="ko-KR" altLang="en-US"/>
+                    </a:p>
+                  </p:txBody>
+                </p:sp>
+                <p:sp>
+                  <p:nvSpPr>
+                    <p:cNvPr id="28" name="타원 27">
+                      <a:extLst>
+                        <a:ext uri="{FF2B5EF4-FFF2-40B4-BE49-F238E27FC236}">
+                          <a16:creationId xmlns:a16="http://schemas.microsoft.com/office/drawing/2014/main" id="{918115AE-0641-4F06-9914-8A62F54FB4A4}"/>
+                        </a:ext>
+                      </a:extLst>
+                    </p:cNvPr>
+                    <p:cNvSpPr/>
+                    <p:nvPr/>
+                  </p:nvSpPr>
+                  <p:spPr>
+                    <a:xfrm>
+                      <a:off x="4205323" y="2430952"/>
+                      <a:ext cx="256214" cy="256214"/>
+                    </a:xfrm>
+                    <a:prstGeom prst="ellipse">
+                      <a:avLst/>
+                    </a:prstGeom>
+                  </p:spPr>
+                  <p:style>
+                    <a:lnRef idx="2">
+                      <a:schemeClr val="dk1">
+                        <a:shade val="50000"/>
+                      </a:schemeClr>
+                    </a:lnRef>
+                    <a:fillRef idx="1">
+                      <a:schemeClr val="dk1"/>
+                    </a:fillRef>
+                    <a:effectRef idx="0">
+                      <a:schemeClr val="dk1"/>
+                    </a:effectRef>
+                    <a:fontRef idx="minor">
+                      <a:schemeClr val="lt1"/>
+                    </a:fontRef>
+                  </p:style>
+                  <p:txBody>
+                    <a:bodyPr rtlCol="0" anchor="ctr"/>
+                    <a:lstStyle/>
+                    <a:p>
+                      <a:pPr algn="ctr"/>
+                      <a:endParaRPr lang="ko-KR" altLang="en-US"/>
+                    </a:p>
+                  </p:txBody>
+                </p:sp>
+                <p:sp>
+                  <p:nvSpPr>
+                    <p:cNvPr id="29" name="타원 28">
+                      <a:extLst>
+                        <a:ext uri="{FF2B5EF4-FFF2-40B4-BE49-F238E27FC236}">
+                          <a16:creationId xmlns:a16="http://schemas.microsoft.com/office/drawing/2014/main" id="{3C8979ED-28A9-4B9A-B0FC-A48178463512}"/>
+                        </a:ext>
+                      </a:extLst>
+                    </p:cNvPr>
+                    <p:cNvSpPr/>
+                    <p:nvPr/>
+                  </p:nvSpPr>
+                  <p:spPr>
+                    <a:xfrm>
+                      <a:off x="5012581" y="2430952"/>
+                      <a:ext cx="256214" cy="256214"/>
+                    </a:xfrm>
+                    <a:prstGeom prst="ellipse">
+                      <a:avLst/>
+                    </a:prstGeom>
+                  </p:spPr>
+                  <p:style>
+                    <a:lnRef idx="2">
+                      <a:schemeClr val="dk1">
+                        <a:shade val="50000"/>
+                      </a:schemeClr>
+                    </a:lnRef>
+                    <a:fillRef idx="1">
+                      <a:schemeClr val="dk1"/>
+                    </a:fillRef>
+                    <a:effectRef idx="0">
+                      <a:schemeClr val="dk1"/>
+                    </a:effectRef>
+                    <a:fontRef idx="minor">
+                      <a:schemeClr val="lt1"/>
+                    </a:fontRef>
+                  </p:style>
+                  <p:txBody>
+                    <a:bodyPr rtlCol="0" anchor="ctr"/>
+                    <a:lstStyle/>
+                    <a:p>
+                      <a:pPr algn="ctr"/>
+                      <a:endParaRPr lang="ko-KR" altLang="en-US"/>
+                    </a:p>
+                  </p:txBody>
+                </p:sp>
+              </p:grpSp>
+            </p:grpSp>
+            <p:sp>
+              <p:nvSpPr>
+                <p:cNvPr id="20" name="타원 19">
+                  <a:extLst>
+                    <a:ext uri="{FF2B5EF4-FFF2-40B4-BE49-F238E27FC236}">
+                      <a16:creationId xmlns:a16="http://schemas.microsoft.com/office/drawing/2014/main" id="{EA654FB3-4DF0-4EB2-AED1-0957846B0790}"/>
+                    </a:ext>
+                  </a:extLst>
+                </p:cNvPr>
+                <p:cNvSpPr/>
+                <p:nvPr/>
+              </p:nvSpPr>
+              <p:spPr>
+                <a:xfrm>
+                  <a:off x="8461852" y="3243953"/>
+                  <a:ext cx="173189" cy="173189"/>
+                </a:xfrm>
+                <a:prstGeom prst="ellipse">
+                  <a:avLst/>
+                </a:prstGeom>
+                <a:solidFill>
+                  <a:srgbClr val="0070C0"/>
+                </a:solidFill>
+                <a:ln>
+                  <a:noFill/>
+                </a:ln>
+              </p:spPr>
+              <p:style>
+                <a:lnRef idx="2">
+                  <a:schemeClr val="accent1">
+                    <a:shade val="50000"/>
+                  </a:schemeClr>
+                </a:lnRef>
+                <a:fillRef idx="1">
+                  <a:schemeClr val="accent1"/>
+                </a:fillRef>
+                <a:effectRef idx="0">
+                  <a:schemeClr val="accent1"/>
+                </a:effectRef>
+                <a:fontRef idx="minor">
+                  <a:schemeClr val="lt1"/>
+                </a:fontRef>
+              </p:style>
+              <p:txBody>
+                <a:bodyPr rtlCol="0" anchor="ctr"/>
+                <a:lstStyle/>
+                <a:p>
+                  <a:pPr algn="ctr"/>
+                  <a:endParaRPr lang="ko-KR" altLang="en-US"/>
+                </a:p>
+              </p:txBody>
+            </p:sp>
+            <p:sp>
+              <p:nvSpPr>
+                <p:cNvPr id="21" name="타원 20">
+                  <a:extLst>
+                    <a:ext uri="{FF2B5EF4-FFF2-40B4-BE49-F238E27FC236}">
+                      <a16:creationId xmlns:a16="http://schemas.microsoft.com/office/drawing/2014/main" id="{D2BB0B2F-C00F-421D-B24F-806B4D0C8652}"/>
+                    </a:ext>
+                  </a:extLst>
+                </p:cNvPr>
+                <p:cNvSpPr/>
+                <p:nvPr/>
+              </p:nvSpPr>
+              <p:spPr>
+                <a:xfrm>
+                  <a:off x="8711786" y="3236906"/>
+                  <a:ext cx="173189" cy="173189"/>
+                </a:xfrm>
+                <a:prstGeom prst="ellipse">
+                  <a:avLst/>
+                </a:prstGeom>
+                <a:solidFill>
+                  <a:srgbClr val="FF0000"/>
+                </a:solidFill>
+                <a:ln>
+                  <a:noFill/>
+                </a:ln>
+              </p:spPr>
+              <p:style>
+                <a:lnRef idx="2">
+                  <a:schemeClr val="accent1">
+                    <a:shade val="50000"/>
+                  </a:schemeClr>
+                </a:lnRef>
+                <a:fillRef idx="1">
+                  <a:schemeClr val="accent1"/>
+                </a:fillRef>
+                <a:effectRef idx="0">
+                  <a:schemeClr val="accent1"/>
+                </a:effectRef>
+                <a:fontRef idx="minor">
+                  <a:schemeClr val="lt1"/>
+                </a:fontRef>
+              </p:style>
+              <p:txBody>
+                <a:bodyPr rtlCol="0" anchor="ctr"/>
+                <a:lstStyle/>
+                <a:p>
+                  <a:pPr algn="ctr"/>
+                  <a:endParaRPr lang="ko-KR" altLang="en-US"/>
+                </a:p>
+              </p:txBody>
+            </p:sp>
           </p:grpSp>
           <p:sp>
             <p:nvSpPr>
-              <p:cNvPr id="12" name="TextBox 11">
+              <p:cNvPr id="17" name="타원 16">
                 <a:extLst>
                   <a:ext uri="{FF2B5EF4-FFF2-40B4-BE49-F238E27FC236}">
-                    <a16:creationId xmlns:a16="http://schemas.microsoft.com/office/drawing/2014/main" id="{9605D4FA-62A9-4464-86C5-AF35ACA32D35}"/>
+                    <a16:creationId xmlns:a16="http://schemas.microsoft.com/office/drawing/2014/main" id="{4570E319-03D2-46C5-967B-2B1E9F267A03}"/>
                   </a:ext>
                 </a:extLst>
               </p:cNvPr>
-              <p:cNvSpPr txBox="1"/>
+              <p:cNvSpPr/>
               <p:nvPr/>
             </p:nvSpPr>
             <p:spPr>
               <a:xfrm>
-                <a:off x="7096327" y="3528674"/>
-                <a:ext cx="858561" cy="237592"/>
+                <a:off x="7599573" y="5109129"/>
+                <a:ext cx="173189" cy="173189"/>
               </a:xfrm>
-              <a:prstGeom prst="rect">
+              <a:prstGeom prst="ellipse">
                 <a:avLst/>
               </a:prstGeom>
-              <a:noFill/>
+              <a:solidFill>
+                <a:schemeClr val="bg1">
+                  <a:lumMod val="50000"/>
+                </a:schemeClr>
+              </a:solidFill>
+              <a:ln>
+                <a:noFill/>
+              </a:ln>
             </p:spPr>
+            <p:style>
+              <a:lnRef idx="2">
+                <a:schemeClr val="accent1">
+                  <a:shade val="50000"/>
+                </a:schemeClr>
+              </a:lnRef>
+              <a:fillRef idx="1">
+                <a:schemeClr val="accent1"/>
+              </a:fillRef>
+              <a:effectRef idx="0">
+                <a:schemeClr val="accent1"/>
+              </a:effectRef>
+              <a:fontRef idx="minor">
+                <a:schemeClr val="lt1"/>
+              </a:fontRef>
+            </p:style>
             <p:txBody>
-              <a:bodyPr wrap="square" rtlCol="0">
-                <a:spAutoFit/>
-              </a:bodyPr>
+              <a:bodyPr rtlCol="0" anchor="ctr"/>
               <a:lstStyle/>
               <a:p>
-                <a:r>
-                  <a:rPr lang="ko-KR" altLang="en-US" sz="1200" dirty="0" err="1">
-                    <a:latin typeface="a옛날목욕탕L" panose="02020600000000000000" pitchFamily="18" charset="-127"/>
-                    <a:ea typeface="a옛날목욕탕L" panose="02020600000000000000" pitchFamily="18" charset="-127"/>
-                  </a:rPr>
-                  <a:t>출력부</a:t>
-                </a:r>
-                <a:endParaRPr lang="ko-KR" altLang="en-US" sz="1200" dirty="0">
-                  <a:latin typeface="a옛날목욕탕L" panose="02020600000000000000" pitchFamily="18" charset="-127"/>
-                  <a:ea typeface="a옛날목욕탕L" panose="02020600000000000000" pitchFamily="18" charset="-127"/>
-                </a:endParaRPr>
-              </a:p>
-            </p:txBody>
-          </p:sp>
-          <p:sp>
-            <p:nvSpPr>
-              <p:cNvPr id="13" name="TextBox 12">
-                <a:extLst>
-                  <a:ext uri="{FF2B5EF4-FFF2-40B4-BE49-F238E27FC236}">
-                    <a16:creationId xmlns:a16="http://schemas.microsoft.com/office/drawing/2014/main" id="{19A9471A-B2DB-41BA-A5D7-3E464B02128A}"/>
-                  </a:ext>
-                </a:extLst>
-              </p:cNvPr>
-              <p:cNvSpPr txBox="1"/>
-              <p:nvPr/>
-            </p:nvSpPr>
-            <p:spPr>
-              <a:xfrm>
-                <a:off x="8068265" y="2346591"/>
-                <a:ext cx="1010961" cy="237592"/>
-              </a:xfrm>
-              <a:prstGeom prst="rect">
-                <a:avLst/>
-              </a:prstGeom>
-              <a:noFill/>
-            </p:spPr>
-            <p:txBody>
-              <a:bodyPr wrap="square" rtlCol="0">
-                <a:spAutoFit/>
-              </a:bodyPr>
-              <a:lstStyle/>
-              <a:p>
-                <a:r>
-                  <a:rPr lang="ko-KR" altLang="en-US" sz="1200" dirty="0" err="1">
-                    <a:latin typeface="a옛날목욕탕L" panose="02020600000000000000" pitchFamily="18" charset="-127"/>
-                    <a:ea typeface="a옛날목욕탕L" panose="02020600000000000000" pitchFamily="18" charset="-127"/>
-                  </a:rPr>
-                  <a:t>입력부</a:t>
-                </a:r>
-                <a:endParaRPr lang="ko-KR" altLang="en-US" sz="1200" dirty="0">
-                  <a:latin typeface="a옛날목욕탕L" panose="02020600000000000000" pitchFamily="18" charset="-127"/>
-                  <a:ea typeface="a옛날목욕탕L" panose="02020600000000000000" pitchFamily="18" charset="-127"/>
-                </a:endParaRPr>
+                <a:pPr algn="ctr"/>
+                <a:endParaRPr lang="ko-KR" altLang="en-US" dirty="0"/>
               </a:p>
             </p:txBody>
           </p:sp>
         </p:grpSp>
+        <p:sp>
+          <p:nvSpPr>
+            <p:cNvPr id="12" name="TextBox 11">
+              <a:extLst>
+                <a:ext uri="{FF2B5EF4-FFF2-40B4-BE49-F238E27FC236}">
+                  <a16:creationId xmlns:a16="http://schemas.microsoft.com/office/drawing/2014/main" id="{9605D4FA-62A9-4464-86C5-AF35ACA32D35}"/>
+                </a:ext>
+              </a:extLst>
+            </p:cNvPr>
+            <p:cNvSpPr txBox="1"/>
+            <p:nvPr/>
+          </p:nvSpPr>
+          <p:spPr>
+            <a:xfrm>
+              <a:off x="7096327" y="3528674"/>
+              <a:ext cx="858561" cy="237592"/>
+            </a:xfrm>
+            <a:prstGeom prst="rect">
+              <a:avLst/>
+            </a:prstGeom>
+            <a:noFill/>
+          </p:spPr>
+          <p:txBody>
+            <a:bodyPr wrap="square" rtlCol="0">
+              <a:spAutoFit/>
+            </a:bodyPr>
+            <a:lstStyle/>
+            <a:p>
+              <a:r>
+                <a:rPr lang="ko-KR" altLang="en-US" sz="1200" dirty="0" err="1">
+                  <a:latin typeface="a옛날목욕탕L" panose="02020600000000000000" pitchFamily="18" charset="-127"/>
+                  <a:ea typeface="a옛날목욕탕L" panose="02020600000000000000" pitchFamily="18" charset="-127"/>
+                </a:rPr>
+                <a:t>출력부</a:t>
+              </a:r>
+              <a:endParaRPr lang="ko-KR" altLang="en-US" sz="1200" dirty="0">
+                <a:latin typeface="a옛날목욕탕L" panose="02020600000000000000" pitchFamily="18" charset="-127"/>
+                <a:ea typeface="a옛날목욕탕L" panose="02020600000000000000" pitchFamily="18" charset="-127"/>
+              </a:endParaRPr>
+            </a:p>
+          </p:txBody>
+        </p:sp>
+        <p:sp>
+          <p:nvSpPr>
+            <p:cNvPr id="13" name="TextBox 12">
+              <a:extLst>
+                <a:ext uri="{FF2B5EF4-FFF2-40B4-BE49-F238E27FC236}">
+                  <a16:creationId xmlns:a16="http://schemas.microsoft.com/office/drawing/2014/main" id="{19A9471A-B2DB-41BA-A5D7-3E464B02128A}"/>
+                </a:ext>
+              </a:extLst>
+            </p:cNvPr>
+            <p:cNvSpPr txBox="1"/>
+            <p:nvPr/>
+          </p:nvSpPr>
+          <p:spPr>
+            <a:xfrm>
+              <a:off x="8068265" y="2346591"/>
+              <a:ext cx="1010961" cy="237592"/>
+            </a:xfrm>
+            <a:prstGeom prst="rect">
+              <a:avLst/>
+            </a:prstGeom>
+            <a:noFill/>
+          </p:spPr>
+          <p:txBody>
+            <a:bodyPr wrap="square" rtlCol="0">
+              <a:spAutoFit/>
+            </a:bodyPr>
+            <a:lstStyle/>
+            <a:p>
+              <a:r>
+                <a:rPr lang="ko-KR" altLang="en-US" sz="1200" dirty="0" err="1">
+                  <a:latin typeface="a옛날목욕탕L" panose="02020600000000000000" pitchFamily="18" charset="-127"/>
+                  <a:ea typeface="a옛날목욕탕L" panose="02020600000000000000" pitchFamily="18" charset="-127"/>
+                </a:rPr>
+                <a:t>입력부</a:t>
+              </a:r>
+              <a:endParaRPr lang="ko-KR" altLang="en-US" sz="1200" dirty="0">
+                <a:latin typeface="a옛날목욕탕L" panose="02020600000000000000" pitchFamily="18" charset="-127"/>
+                <a:ea typeface="a옛날목욕탕L" panose="02020600000000000000" pitchFamily="18" charset="-127"/>
+              </a:endParaRPr>
+            </a:p>
+          </p:txBody>
+        </p:sp>
+      </p:grpSp>
+      <p:grpSp>
+        <p:nvGrpSpPr>
+          <p:cNvPr id="4" name="그룹 3">
+            <a:extLst>
+              <a:ext uri="{FF2B5EF4-FFF2-40B4-BE49-F238E27FC236}">
+                <a16:creationId xmlns:a16="http://schemas.microsoft.com/office/drawing/2014/main" id="{81869772-9E91-4F31-8113-B84D3748333C}"/>
+              </a:ext>
+            </a:extLst>
+          </p:cNvPr>
+          <p:cNvGrpSpPr/>
+          <p:nvPr/>
+        </p:nvGrpSpPr>
+        <p:grpSpPr>
+          <a:xfrm>
+            <a:off x="834977" y="4779072"/>
+            <a:ext cx="1764699" cy="738664"/>
+            <a:chOff x="2102150" y="2684921"/>
+            <a:chExt cx="1764699" cy="738664"/>
+          </a:xfrm>
+        </p:grpSpPr>
         <p:sp>
           <p:nvSpPr>
             <p:cNvPr id="7" name="TextBox 6">
@@ -9612,8 +9581,8 @@
           </p:nvSpPr>
           <p:spPr>
             <a:xfrm>
-              <a:off x="9086719" y="2393914"/>
-              <a:ext cx="2527703" cy="1434146"/>
+              <a:off x="2159015" y="2684921"/>
+              <a:ext cx="1707834" cy="738664"/>
             </a:xfrm>
             <a:prstGeom prst="rect">
               <a:avLst/>
@@ -9627,22 +9596,22 @@
             <a:lstStyle/>
             <a:p>
               <a:r>
-                <a:rPr lang="en-US" altLang="ko-KR" dirty="0"/>
+                <a:rPr lang="en-US" altLang="ko-KR" sz="1400" dirty="0"/>
                 <a:t>Enter</a:t>
               </a:r>
             </a:p>
             <a:p>
               <a:r>
-                <a:rPr lang="en-US" altLang="ko-KR" dirty="0"/>
+                <a:rPr lang="en-US" altLang="ko-KR" sz="1400" dirty="0"/>
                 <a:t>Send</a:t>
               </a:r>
             </a:p>
             <a:p>
               <a:r>
-                <a:rPr lang="en-US" altLang="ko-KR" dirty="0"/>
+                <a:rPr lang="en-US" altLang="ko-KR" sz="1400" dirty="0"/>
                 <a:t>Backspace</a:t>
               </a:r>
-              <a:endParaRPr lang="ko-KR" altLang="en-US" dirty="0"/>
+              <a:endParaRPr lang="ko-KR" altLang="en-US" sz="1400" dirty="0"/>
             </a:p>
           </p:txBody>
         </p:sp>
@@ -9660,8 +9629,8 @@
           </p:nvSpPr>
           <p:spPr>
             <a:xfrm>
-              <a:off x="9002554" y="2536329"/>
-              <a:ext cx="111448" cy="106242"/>
+              <a:off x="2102150" y="2800168"/>
+              <a:ext cx="75299" cy="85976"/>
             </a:xfrm>
             <a:prstGeom prst="ellipse">
               <a:avLst/>
@@ -9712,8 +9681,8 @@
           </p:nvSpPr>
           <p:spPr>
             <a:xfrm>
-              <a:off x="9002554" y="2814943"/>
-              <a:ext cx="111448" cy="106242"/>
+              <a:off x="2102150" y="3025635"/>
+              <a:ext cx="75299" cy="85976"/>
             </a:xfrm>
             <a:prstGeom prst="ellipse">
               <a:avLst/>
@@ -9764,8 +9733,8 @@
           </p:nvSpPr>
           <p:spPr>
             <a:xfrm>
-              <a:off x="9015126" y="3101422"/>
-              <a:ext cx="111448" cy="106242"/>
+              <a:off x="2110645" y="3257467"/>
+              <a:ext cx="75299" cy="85976"/>
             </a:xfrm>
             <a:prstGeom prst="ellipse">
               <a:avLst/>
@@ -9819,13 +9788,13 @@
         </p:nvPicPr>
         <p:blipFill rotWithShape="1">
           <a:blip r:embed="rId3"/>
-          <a:srcRect l="8733" t="10208" r="56289" b="42391"/>
+          <a:srcRect l="8733" t="14488" r="56289" b="42391"/>
           <a:stretch/>
         </p:blipFill>
         <p:spPr>
           <a:xfrm>
-            <a:off x="7743332" y="1362600"/>
-            <a:ext cx="4264575" cy="3250785"/>
+            <a:off x="7743332" y="2042694"/>
+            <a:ext cx="3133881" cy="2173178"/>
           </a:xfrm>
           <a:prstGeom prst="rect">
             <a:avLst/>
@@ -9846,8 +9815,8 @@
         </p:nvSpPr>
         <p:spPr>
           <a:xfrm>
-            <a:off x="7822815" y="4490433"/>
-            <a:ext cx="1819633" cy="369332"/>
+            <a:off x="7743330" y="4319034"/>
+            <a:ext cx="1819633" cy="338554"/>
           </a:xfrm>
           <a:prstGeom prst="rect">
             <a:avLst/>
@@ -9868,27 +9837,27 @@
           <a:lstStyle/>
           <a:p>
             <a:r>
-              <a:rPr lang="en-US" altLang="ko-KR" dirty="0">
+              <a:rPr lang="en-US" altLang="ko-KR" sz="1600" dirty="0">
                 <a:latin typeface="a옛날목욕탕L" panose="02020600000000000000" pitchFamily="18" charset="-127"/>
                 <a:ea typeface="a옛날목욕탕L" panose="02020600000000000000" pitchFamily="18" charset="-127"/>
               </a:rPr>
               <a:t>ex) ‘</a:t>
             </a:r>
             <a:r>
-              <a:rPr lang="ko-KR" altLang="en-US" dirty="0">
+              <a:rPr lang="ko-KR" altLang="en-US" sz="1600" dirty="0">
                 <a:latin typeface="a옛날목욕탕L" panose="02020600000000000000" pitchFamily="18" charset="-127"/>
                 <a:ea typeface="a옛날목욕탕L" panose="02020600000000000000" pitchFamily="18" charset="-127"/>
               </a:rPr>
               <a:t>그러나</a:t>
             </a:r>
             <a:r>
-              <a:rPr lang="en-US" altLang="ko-KR" dirty="0">
+              <a:rPr lang="en-US" altLang="ko-KR" sz="1600" dirty="0">
                 <a:latin typeface="a옛날목욕탕L" panose="02020600000000000000" pitchFamily="18" charset="-127"/>
                 <a:ea typeface="a옛날목욕탕L" panose="02020600000000000000" pitchFamily="18" charset="-127"/>
               </a:rPr>
               <a:t>’</a:t>
             </a:r>
-            <a:endParaRPr lang="ko-KR" altLang="en-US" dirty="0">
+            <a:endParaRPr lang="ko-KR" altLang="en-US" sz="1600" dirty="0">
               <a:latin typeface="a옛날목욕탕L" panose="02020600000000000000" pitchFamily="18" charset="-127"/>
               <a:ea typeface="a옛날목욕탕L" panose="02020600000000000000" pitchFamily="18" charset="-127"/>
             </a:endParaRPr>
@@ -9909,8 +9878,8 @@
         </p:nvSpPr>
         <p:spPr>
           <a:xfrm>
-            <a:off x="7822815" y="5448307"/>
-            <a:ext cx="1819633" cy="369332"/>
+            <a:off x="7743329" y="5244537"/>
+            <a:ext cx="1819633" cy="338554"/>
           </a:xfrm>
           <a:prstGeom prst="rect">
             <a:avLst/>
@@ -9931,12 +9900,30 @@
           <a:lstStyle/>
           <a:p>
             <a:r>
-              <a:rPr lang="ko-KR" altLang="en-US" dirty="0">
+              <a:rPr lang="en-US" altLang="ko-KR" sz="1600" dirty="0">
+                <a:latin typeface="a옛날목욕탕L" panose="02020600000000000000" pitchFamily="18" charset="-127"/>
+                <a:ea typeface="a옛날목욕탕L" panose="02020600000000000000" pitchFamily="18" charset="-127"/>
+              </a:rPr>
+              <a:t>ex) ‘</a:t>
+            </a:r>
+            <a:r>
+              <a:rPr lang="ko-KR" altLang="en-US" sz="1600" dirty="0">
                 <a:latin typeface="a옛날목욕탕L" panose="02020600000000000000" pitchFamily="18" charset="-127"/>
                 <a:ea typeface="a옛날목욕탕L" panose="02020600000000000000" pitchFamily="18" charset="-127"/>
               </a:rPr>
               <a:t>그러나</a:t>
             </a:r>
+            <a:r>
+              <a:rPr lang="en-US" altLang="ko-KR" sz="1600" dirty="0">
+                <a:latin typeface="a옛날목욕탕L" panose="02020600000000000000" pitchFamily="18" charset="-127"/>
+                <a:ea typeface="a옛날목욕탕L" panose="02020600000000000000" pitchFamily="18" charset="-127"/>
+              </a:rPr>
+              <a:t>’</a:t>
+            </a:r>
+            <a:endParaRPr lang="ko-KR" altLang="en-US" sz="1600" dirty="0">
+              <a:latin typeface="a옛날목욕탕L" panose="02020600000000000000" pitchFamily="18" charset="-127"/>
+              <a:ea typeface="a옛날목욕탕L" panose="02020600000000000000" pitchFamily="18" charset="-127"/>
+            </a:endParaRPr>
           </a:p>
         </p:txBody>
       </p:sp>
@@ -9954,8 +9941,8 @@
         </p:nvSpPr>
         <p:spPr>
           <a:xfrm>
-            <a:off x="7822815" y="1424314"/>
-            <a:ext cx="1819633" cy="369332"/>
+            <a:off x="7645262" y="1761856"/>
+            <a:ext cx="1819633" cy="338554"/>
           </a:xfrm>
           <a:prstGeom prst="rect">
             <a:avLst/>
@@ -9976,27 +9963,27 @@
           <a:lstStyle/>
           <a:p>
             <a:r>
-              <a:rPr lang="en-US" altLang="ko-KR" dirty="0">
+              <a:rPr lang="en-US" altLang="ko-KR" sz="1600" dirty="0">
                 <a:latin typeface="a옛날목욕탕L" panose="02020600000000000000" pitchFamily="18" charset="-127"/>
                 <a:ea typeface="a옛날목욕탕L" panose="02020600000000000000" pitchFamily="18" charset="-127"/>
               </a:rPr>
               <a:t>ex) ‘</a:t>
             </a:r>
             <a:r>
-              <a:rPr lang="ko-KR" altLang="en-US" dirty="0">
+              <a:rPr lang="ko-KR" altLang="en-US" sz="1600" dirty="0">
                 <a:latin typeface="a옛날목욕탕L" panose="02020600000000000000" pitchFamily="18" charset="-127"/>
                 <a:ea typeface="a옛날목욕탕L" panose="02020600000000000000" pitchFamily="18" charset="-127"/>
               </a:rPr>
               <a:t>컴퓨터</a:t>
             </a:r>
             <a:r>
-              <a:rPr lang="en-US" altLang="ko-KR" dirty="0">
+              <a:rPr lang="en-US" altLang="ko-KR" sz="1600" dirty="0">
                 <a:latin typeface="a옛날목욕탕L" panose="02020600000000000000" pitchFamily="18" charset="-127"/>
                 <a:ea typeface="a옛날목욕탕L" panose="02020600000000000000" pitchFamily="18" charset="-127"/>
               </a:rPr>
               <a:t>’</a:t>
             </a:r>
-            <a:endParaRPr lang="ko-KR" altLang="en-US" dirty="0">
+            <a:endParaRPr lang="ko-KR" altLang="en-US" sz="1600" dirty="0">
               <a:latin typeface="a옛날목욕탕L" panose="02020600000000000000" pitchFamily="18" charset="-127"/>
               <a:ea typeface="a옛날목욕탕L" panose="02020600000000000000" pitchFamily="18" charset="-127"/>
             </a:endParaRPr>
@@ -10017,7 +10004,7 @@
         </p:nvSpPr>
         <p:spPr>
           <a:xfrm>
-            <a:off x="3616807" y="2266630"/>
+            <a:off x="2629037" y="2330571"/>
             <a:ext cx="4183675" cy="3293209"/>
           </a:xfrm>
           <a:prstGeom prst="rect">
@@ -10147,7 +10134,27 @@
                 <a:latin typeface="a옛날목욕탕L" panose="02020600000000000000" pitchFamily="18" charset="-127"/>
                 <a:ea typeface="a옛날목욕탕L" panose="02020600000000000000" pitchFamily="18" charset="-127"/>
               </a:rPr>
-              <a:t>모든 점자 정보의 입력이 완료되면 다시 </a:t>
+              <a:t>모든 점자 정보의 입력이 완료되면 </a:t>
+            </a:r>
+            <a:endParaRPr lang="en-US" altLang="ko-KR" sz="1600" dirty="0">
+              <a:latin typeface="a옛날목욕탕L" panose="02020600000000000000" pitchFamily="18" charset="-127"/>
+              <a:ea typeface="a옛날목욕탕L" panose="02020600000000000000" pitchFamily="18" charset="-127"/>
+            </a:endParaRPr>
+          </a:p>
+          <a:p>
+            <a:r>
+              <a:rPr lang="en-US" altLang="ko-KR" sz="1600" dirty="0">
+                <a:latin typeface="a옛날목욕탕L" panose="02020600000000000000" pitchFamily="18" charset="-127"/>
+                <a:ea typeface="a옛날목욕탕L" panose="02020600000000000000" pitchFamily="18" charset="-127"/>
+              </a:rPr>
+              <a:t>     </a:t>
+            </a:r>
+            <a:r>
+              <a:rPr lang="ko-KR" altLang="en-US" sz="1600" dirty="0">
+                <a:latin typeface="a옛날목욕탕L" panose="02020600000000000000" pitchFamily="18" charset="-127"/>
+                <a:ea typeface="a옛날목욕탕L" panose="02020600000000000000" pitchFamily="18" charset="-127"/>
+              </a:rPr>
+              <a:t>다시 </a:t>
             </a:r>
             <a:r>
               <a:rPr lang="en-US" altLang="ko-KR" sz="1600" dirty="0">
@@ -10250,6 +10257,48 @@
           </a:p>
         </p:txBody>
       </p:sp>
+      <p:cxnSp>
+        <p:nvCxnSpPr>
+          <p:cNvPr id="47" name="직선 연결선 46">
+            <a:extLst>
+              <a:ext uri="{FF2B5EF4-FFF2-40B4-BE49-F238E27FC236}">
+                <a16:creationId xmlns:a16="http://schemas.microsoft.com/office/drawing/2014/main" id="{537CB472-9DF3-42E2-B3DD-E976215BE342}"/>
+              </a:ext>
+            </a:extLst>
+          </p:cNvPr>
+          <p:cNvCxnSpPr/>
+          <p:nvPr/>
+        </p:nvCxnSpPr>
+        <p:spPr>
+          <a:xfrm>
+            <a:off x="7199076" y="1987073"/>
+            <a:ext cx="0" cy="4203125"/>
+          </a:xfrm>
+          <a:prstGeom prst="line">
+            <a:avLst/>
+          </a:prstGeom>
+          <a:ln w="38100">
+            <a:solidFill>
+              <a:schemeClr val="tx1"/>
+            </a:solidFill>
+            <a:prstDash val="dash"/>
+          </a:ln>
+        </p:spPr>
+        <p:style>
+          <a:lnRef idx="1">
+            <a:schemeClr val="accent1"/>
+          </a:lnRef>
+          <a:fillRef idx="0">
+            <a:schemeClr val="accent1"/>
+          </a:fillRef>
+          <a:effectRef idx="0">
+            <a:schemeClr val="accent1"/>
+          </a:effectRef>
+          <a:fontRef idx="minor">
+            <a:schemeClr val="tx1"/>
+          </a:fontRef>
+        </p:style>
+      </p:cxnSp>
     </p:spTree>
     <p:extLst>
       <p:ext uri="{BB962C8B-B14F-4D97-AF65-F5344CB8AC3E}">
@@ -10314,7 +10363,7 @@
                 <a:ea typeface="a옛날목욕탕L" panose="02020600000000000000" pitchFamily="18" charset="-127"/>
                 <a:cs typeface="Arial" panose="020B0604020202020204" pitchFamily="34" charset="0"/>
               </a:rPr>
-              <a:t>제품 기능 </a:t>
+              <a:t>제품 기능</a:t>
             </a:r>
             <a:r>
               <a:rPr lang="en-US" altLang="ko-KR" dirty="0">
@@ -10325,7 +10374,7 @@
                 <a:ea typeface="a옛날목욕탕L" panose="02020600000000000000" pitchFamily="18" charset="-127"/>
                 <a:cs typeface="Arial" panose="020B0604020202020204" pitchFamily="34" charset="0"/>
               </a:rPr>
-              <a:t>– Normal Mode</a:t>
+              <a:t>: NORMAL MODE</a:t>
             </a:r>
             <a:endParaRPr dirty="0">
               <a:solidFill>
@@ -10384,785 +10433,12 @@
           </a:p>
         </p:txBody>
       </p:sp>
-      <p:pic>
-        <p:nvPicPr>
-          <p:cNvPr id="4" name="그림 3">
+      <p:grpSp>
+        <p:nvGrpSpPr>
+          <p:cNvPr id="3" name="그룹 2">
             <a:extLst>
               <a:ext uri="{FF2B5EF4-FFF2-40B4-BE49-F238E27FC236}">
-                <a16:creationId xmlns:a16="http://schemas.microsoft.com/office/drawing/2014/main" id="{A51D942D-6A05-47A7-8BBE-C944969D7E54}"/>
-              </a:ext>
-            </a:extLst>
-          </p:cNvPr>
-          <p:cNvPicPr>
-            <a:picLocks noChangeAspect="1"/>
-          </p:cNvPicPr>
-          <p:nvPr/>
-        </p:nvPicPr>
-        <p:blipFill rotWithShape="1">
-          <a:blip r:embed="rId3"/>
-          <a:srcRect b="4359"/>
-          <a:stretch/>
-        </p:blipFill>
-        <p:spPr>
-          <a:xfrm>
-            <a:off x="472514" y="2650191"/>
-            <a:ext cx="1875268" cy="3115087"/>
-          </a:xfrm>
-          <a:prstGeom prst="rect">
-            <a:avLst/>
-          </a:prstGeom>
-        </p:spPr>
-      </p:pic>
-      <p:sp>
-        <p:nvSpPr>
-          <p:cNvPr id="11" name="Google Shape;272;p32">
-            <a:extLst>
-              <a:ext uri="{FF2B5EF4-FFF2-40B4-BE49-F238E27FC236}">
-                <a16:creationId xmlns:a16="http://schemas.microsoft.com/office/drawing/2014/main" id="{EDE2E747-555A-4C3E-9DC9-8F2C7AE23553}"/>
-              </a:ext>
-            </a:extLst>
-          </p:cNvPr>
-          <p:cNvSpPr/>
-          <p:nvPr/>
-        </p:nvSpPr>
-        <p:spPr>
-          <a:xfrm>
-            <a:off x="429218" y="2355168"/>
-            <a:ext cx="1992420" cy="3567113"/>
-          </a:xfrm>
-          <a:custGeom>
-            <a:avLst/>
-            <a:gdLst/>
-            <a:ahLst/>
-            <a:cxnLst/>
-            <a:rect l="l" t="t" r="r" b="b"/>
-            <a:pathLst>
-              <a:path w="30819" h="61841" extrusionOk="0">
-                <a:moveTo>
-                  <a:pt x="5160" y="2580"/>
-                </a:moveTo>
-                <a:lnTo>
-                  <a:pt x="5295" y="2648"/>
-                </a:lnTo>
-                <a:lnTo>
-                  <a:pt x="5363" y="2784"/>
-                </a:lnTo>
-                <a:lnTo>
-                  <a:pt x="5363" y="2920"/>
-                </a:lnTo>
-                <a:lnTo>
-                  <a:pt x="5363" y="3055"/>
-                </a:lnTo>
-                <a:lnTo>
-                  <a:pt x="5295" y="3191"/>
-                </a:lnTo>
-                <a:lnTo>
-                  <a:pt x="5160" y="3259"/>
-                </a:lnTo>
-                <a:lnTo>
-                  <a:pt x="4888" y="3259"/>
-                </a:lnTo>
-                <a:lnTo>
-                  <a:pt x="4752" y="3191"/>
-                </a:lnTo>
-                <a:lnTo>
-                  <a:pt x="4684" y="3055"/>
-                </a:lnTo>
-                <a:lnTo>
-                  <a:pt x="4684" y="2920"/>
-                </a:lnTo>
-                <a:lnTo>
-                  <a:pt x="4684" y="2784"/>
-                </a:lnTo>
-                <a:lnTo>
-                  <a:pt x="4752" y="2648"/>
-                </a:lnTo>
-                <a:lnTo>
-                  <a:pt x="4888" y="2580"/>
-                </a:lnTo>
-                <a:close/>
-                <a:moveTo>
-                  <a:pt x="15410" y="2241"/>
-                </a:moveTo>
-                <a:lnTo>
-                  <a:pt x="15681" y="2309"/>
-                </a:lnTo>
-                <a:lnTo>
-                  <a:pt x="15885" y="2444"/>
-                </a:lnTo>
-                <a:lnTo>
-                  <a:pt x="16021" y="2648"/>
-                </a:lnTo>
-                <a:lnTo>
-                  <a:pt x="16088" y="2920"/>
-                </a:lnTo>
-                <a:lnTo>
-                  <a:pt x="16021" y="3191"/>
-                </a:lnTo>
-                <a:lnTo>
-                  <a:pt x="15885" y="3395"/>
-                </a:lnTo>
-                <a:lnTo>
-                  <a:pt x="15681" y="3531"/>
-                </a:lnTo>
-                <a:lnTo>
-                  <a:pt x="15410" y="3598"/>
-                </a:lnTo>
-                <a:lnTo>
-                  <a:pt x="15138" y="3531"/>
-                </a:lnTo>
-                <a:lnTo>
-                  <a:pt x="14934" y="3395"/>
-                </a:lnTo>
-                <a:lnTo>
-                  <a:pt x="14799" y="3191"/>
-                </a:lnTo>
-                <a:lnTo>
-                  <a:pt x="14731" y="2920"/>
-                </a:lnTo>
-                <a:lnTo>
-                  <a:pt x="14799" y="2648"/>
-                </a:lnTo>
-                <a:lnTo>
-                  <a:pt x="14934" y="2444"/>
-                </a:lnTo>
-                <a:lnTo>
-                  <a:pt x="15138" y="2309"/>
-                </a:lnTo>
-                <a:lnTo>
-                  <a:pt x="15410" y="2241"/>
-                </a:lnTo>
-                <a:close/>
-                <a:moveTo>
-                  <a:pt x="29393" y="5228"/>
-                </a:moveTo>
-                <a:lnTo>
-                  <a:pt x="29461" y="5296"/>
-                </a:lnTo>
-                <a:lnTo>
-                  <a:pt x="29461" y="54849"/>
-                </a:lnTo>
-                <a:lnTo>
-                  <a:pt x="1426" y="54849"/>
-                </a:lnTo>
-                <a:lnTo>
-                  <a:pt x="1426" y="5296"/>
-                </a:lnTo>
-                <a:lnTo>
-                  <a:pt x="1494" y="5228"/>
-                </a:lnTo>
-                <a:close/>
-                <a:moveTo>
-                  <a:pt x="15410" y="544"/>
-                </a:moveTo>
-                <a:lnTo>
-                  <a:pt x="19143" y="612"/>
-                </a:lnTo>
-                <a:lnTo>
-                  <a:pt x="23012" y="747"/>
-                </a:lnTo>
-                <a:lnTo>
-                  <a:pt x="26339" y="951"/>
-                </a:lnTo>
-                <a:lnTo>
-                  <a:pt x="27560" y="1087"/>
-                </a:lnTo>
-                <a:lnTo>
-                  <a:pt x="27560" y="1087"/>
-                </a:lnTo>
-                <a:lnTo>
-                  <a:pt x="26339" y="1019"/>
-                </a:lnTo>
-                <a:lnTo>
-                  <a:pt x="23012" y="815"/>
-                </a:lnTo>
-                <a:lnTo>
-                  <a:pt x="19143" y="680"/>
-                </a:lnTo>
-                <a:lnTo>
-                  <a:pt x="15410" y="612"/>
-                </a:lnTo>
-                <a:lnTo>
-                  <a:pt x="11676" y="680"/>
-                </a:lnTo>
-                <a:lnTo>
-                  <a:pt x="7807" y="815"/>
-                </a:lnTo>
-                <a:lnTo>
-                  <a:pt x="4481" y="1019"/>
-                </a:lnTo>
-                <a:lnTo>
-                  <a:pt x="3259" y="1087"/>
-                </a:lnTo>
-                <a:lnTo>
-                  <a:pt x="2444" y="1223"/>
-                </a:lnTo>
-                <a:lnTo>
-                  <a:pt x="1969" y="1358"/>
-                </a:lnTo>
-                <a:lnTo>
-                  <a:pt x="1630" y="1494"/>
-                </a:lnTo>
-                <a:lnTo>
-                  <a:pt x="1290" y="1698"/>
-                </a:lnTo>
-                <a:lnTo>
-                  <a:pt x="1019" y="1901"/>
-                </a:lnTo>
-                <a:lnTo>
-                  <a:pt x="815" y="2173"/>
-                </a:lnTo>
-                <a:lnTo>
-                  <a:pt x="679" y="2444"/>
-                </a:lnTo>
-                <a:lnTo>
-                  <a:pt x="544" y="2852"/>
-                </a:lnTo>
-                <a:lnTo>
-                  <a:pt x="544" y="3259"/>
-                </a:lnTo>
-                <a:lnTo>
-                  <a:pt x="544" y="58311"/>
-                </a:lnTo>
-                <a:lnTo>
-                  <a:pt x="544" y="58718"/>
-                </a:lnTo>
-                <a:lnTo>
-                  <a:pt x="476" y="58311"/>
-                </a:lnTo>
-                <a:lnTo>
-                  <a:pt x="476" y="3259"/>
-                </a:lnTo>
-                <a:lnTo>
-                  <a:pt x="544" y="2784"/>
-                </a:lnTo>
-                <a:lnTo>
-                  <a:pt x="612" y="2444"/>
-                </a:lnTo>
-                <a:lnTo>
-                  <a:pt x="747" y="2105"/>
-                </a:lnTo>
-                <a:lnTo>
-                  <a:pt x="951" y="1834"/>
-                </a:lnTo>
-                <a:lnTo>
-                  <a:pt x="1222" y="1630"/>
-                </a:lnTo>
-                <a:lnTo>
-                  <a:pt x="1562" y="1426"/>
-                </a:lnTo>
-                <a:lnTo>
-                  <a:pt x="1969" y="1290"/>
-                </a:lnTo>
-                <a:lnTo>
-                  <a:pt x="2444" y="1155"/>
-                </a:lnTo>
-                <a:lnTo>
-                  <a:pt x="3259" y="1087"/>
-                </a:lnTo>
-                <a:lnTo>
-                  <a:pt x="4481" y="951"/>
-                </a:lnTo>
-                <a:lnTo>
-                  <a:pt x="7807" y="747"/>
-                </a:lnTo>
-                <a:lnTo>
-                  <a:pt x="11676" y="612"/>
-                </a:lnTo>
-                <a:lnTo>
-                  <a:pt x="15410" y="544"/>
-                </a:lnTo>
-                <a:close/>
-                <a:moveTo>
-                  <a:pt x="27560" y="1087"/>
-                </a:moveTo>
-                <a:lnTo>
-                  <a:pt x="28375" y="1155"/>
-                </a:lnTo>
-                <a:lnTo>
-                  <a:pt x="28850" y="1290"/>
-                </a:lnTo>
-                <a:lnTo>
-                  <a:pt x="29257" y="1426"/>
-                </a:lnTo>
-                <a:lnTo>
-                  <a:pt x="29597" y="1630"/>
-                </a:lnTo>
-                <a:lnTo>
-                  <a:pt x="29868" y="1834"/>
-                </a:lnTo>
-                <a:lnTo>
-                  <a:pt x="30072" y="2105"/>
-                </a:lnTo>
-                <a:lnTo>
-                  <a:pt x="30208" y="2444"/>
-                </a:lnTo>
-                <a:lnTo>
-                  <a:pt x="30276" y="2784"/>
-                </a:lnTo>
-                <a:lnTo>
-                  <a:pt x="30344" y="3259"/>
-                </a:lnTo>
-                <a:lnTo>
-                  <a:pt x="30344" y="58311"/>
-                </a:lnTo>
-                <a:lnTo>
-                  <a:pt x="30276" y="58718"/>
-                </a:lnTo>
-                <a:lnTo>
-                  <a:pt x="30208" y="59125"/>
-                </a:lnTo>
-                <a:lnTo>
-                  <a:pt x="30072" y="59465"/>
-                </a:lnTo>
-                <a:lnTo>
-                  <a:pt x="29868" y="59736"/>
-                </a:lnTo>
-                <a:lnTo>
-                  <a:pt x="29597" y="60008"/>
-                </a:lnTo>
-                <a:lnTo>
-                  <a:pt x="29257" y="60144"/>
-                </a:lnTo>
-                <a:lnTo>
-                  <a:pt x="28850" y="60347"/>
-                </a:lnTo>
-                <a:lnTo>
-                  <a:pt x="28375" y="60415"/>
-                </a:lnTo>
-                <a:lnTo>
-                  <a:pt x="26746" y="60687"/>
-                </a:lnTo>
-                <a:lnTo>
-                  <a:pt x="23895" y="60958"/>
-                </a:lnTo>
-                <a:lnTo>
-                  <a:pt x="22130" y="61094"/>
-                </a:lnTo>
-                <a:lnTo>
-                  <a:pt x="20093" y="61230"/>
-                </a:lnTo>
-                <a:lnTo>
-                  <a:pt x="17853" y="61298"/>
-                </a:lnTo>
-                <a:lnTo>
-                  <a:pt x="12966" y="61298"/>
-                </a:lnTo>
-                <a:lnTo>
-                  <a:pt x="10726" y="61230"/>
-                </a:lnTo>
-                <a:lnTo>
-                  <a:pt x="8689" y="61094"/>
-                </a:lnTo>
-                <a:lnTo>
-                  <a:pt x="6924" y="60958"/>
-                </a:lnTo>
-                <a:lnTo>
-                  <a:pt x="4073" y="60687"/>
-                </a:lnTo>
-                <a:lnTo>
-                  <a:pt x="2444" y="60415"/>
-                </a:lnTo>
-                <a:lnTo>
-                  <a:pt x="1969" y="60347"/>
-                </a:lnTo>
-                <a:lnTo>
-                  <a:pt x="1562" y="60144"/>
-                </a:lnTo>
-                <a:lnTo>
-                  <a:pt x="1290" y="60008"/>
-                </a:lnTo>
-                <a:lnTo>
-                  <a:pt x="951" y="59736"/>
-                </a:lnTo>
-                <a:lnTo>
-                  <a:pt x="747" y="59465"/>
-                </a:lnTo>
-                <a:lnTo>
-                  <a:pt x="612" y="59125"/>
-                </a:lnTo>
-                <a:lnTo>
-                  <a:pt x="544" y="58718"/>
-                </a:lnTo>
-                <a:lnTo>
-                  <a:pt x="544" y="58718"/>
-                </a:lnTo>
-                <a:lnTo>
-                  <a:pt x="679" y="59125"/>
-                </a:lnTo>
-                <a:lnTo>
-                  <a:pt x="815" y="59397"/>
-                </a:lnTo>
-                <a:lnTo>
-                  <a:pt x="1019" y="59669"/>
-                </a:lnTo>
-                <a:lnTo>
-                  <a:pt x="1290" y="59940"/>
-                </a:lnTo>
-                <a:lnTo>
-                  <a:pt x="1630" y="60144"/>
-                </a:lnTo>
-                <a:lnTo>
-                  <a:pt x="2037" y="60279"/>
-                </a:lnTo>
-                <a:lnTo>
-                  <a:pt x="2444" y="60415"/>
-                </a:lnTo>
-                <a:lnTo>
-                  <a:pt x="4073" y="60619"/>
-                </a:lnTo>
-                <a:lnTo>
-                  <a:pt x="6924" y="60890"/>
-                </a:lnTo>
-                <a:lnTo>
-                  <a:pt x="8689" y="61026"/>
-                </a:lnTo>
-                <a:lnTo>
-                  <a:pt x="10726" y="61162"/>
-                </a:lnTo>
-                <a:lnTo>
-                  <a:pt x="12966" y="61230"/>
-                </a:lnTo>
-                <a:lnTo>
-                  <a:pt x="17853" y="61230"/>
-                </a:lnTo>
-                <a:lnTo>
-                  <a:pt x="20093" y="61162"/>
-                </a:lnTo>
-                <a:lnTo>
-                  <a:pt x="22130" y="61026"/>
-                </a:lnTo>
-                <a:lnTo>
-                  <a:pt x="23895" y="60890"/>
-                </a:lnTo>
-                <a:lnTo>
-                  <a:pt x="26746" y="60619"/>
-                </a:lnTo>
-                <a:lnTo>
-                  <a:pt x="28375" y="60415"/>
-                </a:lnTo>
-                <a:lnTo>
-                  <a:pt x="28850" y="60279"/>
-                </a:lnTo>
-                <a:lnTo>
-                  <a:pt x="29190" y="60144"/>
-                </a:lnTo>
-                <a:lnTo>
-                  <a:pt x="29529" y="59940"/>
-                </a:lnTo>
-                <a:lnTo>
-                  <a:pt x="29800" y="59669"/>
-                </a:lnTo>
-                <a:lnTo>
-                  <a:pt x="30004" y="59397"/>
-                </a:lnTo>
-                <a:lnTo>
-                  <a:pt x="30140" y="59125"/>
-                </a:lnTo>
-                <a:lnTo>
-                  <a:pt x="30276" y="58718"/>
-                </a:lnTo>
-                <a:lnTo>
-                  <a:pt x="30276" y="58311"/>
-                </a:lnTo>
-                <a:lnTo>
-                  <a:pt x="30276" y="3259"/>
-                </a:lnTo>
-                <a:lnTo>
-                  <a:pt x="30276" y="2852"/>
-                </a:lnTo>
-                <a:lnTo>
-                  <a:pt x="30140" y="2444"/>
-                </a:lnTo>
-                <a:lnTo>
-                  <a:pt x="30004" y="2173"/>
-                </a:lnTo>
-                <a:lnTo>
-                  <a:pt x="29800" y="1901"/>
-                </a:lnTo>
-                <a:lnTo>
-                  <a:pt x="29529" y="1698"/>
-                </a:lnTo>
-                <a:lnTo>
-                  <a:pt x="29190" y="1494"/>
-                </a:lnTo>
-                <a:lnTo>
-                  <a:pt x="28850" y="1358"/>
-                </a:lnTo>
-                <a:lnTo>
-                  <a:pt x="28375" y="1223"/>
-                </a:lnTo>
-                <a:lnTo>
-                  <a:pt x="27560" y="1087"/>
-                </a:lnTo>
-                <a:close/>
-                <a:moveTo>
-                  <a:pt x="15410" y="1"/>
-                </a:moveTo>
-                <a:lnTo>
-                  <a:pt x="11608" y="69"/>
-                </a:lnTo>
-                <a:lnTo>
-                  <a:pt x="7739" y="204"/>
-                </a:lnTo>
-                <a:lnTo>
-                  <a:pt x="4413" y="408"/>
-                </a:lnTo>
-                <a:lnTo>
-                  <a:pt x="3191" y="544"/>
-                </a:lnTo>
-                <a:lnTo>
-                  <a:pt x="2309" y="680"/>
-                </a:lnTo>
-                <a:lnTo>
-                  <a:pt x="1765" y="815"/>
-                </a:lnTo>
-                <a:lnTo>
-                  <a:pt x="1290" y="1019"/>
-                </a:lnTo>
-                <a:lnTo>
-                  <a:pt x="883" y="1223"/>
-                </a:lnTo>
-                <a:lnTo>
-                  <a:pt x="544" y="1494"/>
-                </a:lnTo>
-                <a:lnTo>
-                  <a:pt x="340" y="1901"/>
-                </a:lnTo>
-                <a:lnTo>
-                  <a:pt x="136" y="2241"/>
-                </a:lnTo>
-                <a:lnTo>
-                  <a:pt x="1" y="2716"/>
-                </a:lnTo>
-                <a:lnTo>
-                  <a:pt x="1" y="3259"/>
-                </a:lnTo>
-                <a:lnTo>
-                  <a:pt x="1" y="58311"/>
-                </a:lnTo>
-                <a:lnTo>
-                  <a:pt x="1" y="58854"/>
-                </a:lnTo>
-                <a:lnTo>
-                  <a:pt x="136" y="59261"/>
-                </a:lnTo>
-                <a:lnTo>
-                  <a:pt x="340" y="59736"/>
-                </a:lnTo>
-                <a:lnTo>
-                  <a:pt x="612" y="60076"/>
-                </a:lnTo>
-                <a:lnTo>
-                  <a:pt x="951" y="60347"/>
-                </a:lnTo>
-                <a:lnTo>
-                  <a:pt x="1358" y="60619"/>
-                </a:lnTo>
-                <a:lnTo>
-                  <a:pt x="1833" y="60823"/>
-                </a:lnTo>
-                <a:lnTo>
-                  <a:pt x="2309" y="60958"/>
-                </a:lnTo>
-                <a:lnTo>
-                  <a:pt x="4006" y="61162"/>
-                </a:lnTo>
-                <a:lnTo>
-                  <a:pt x="6857" y="61501"/>
-                </a:lnTo>
-                <a:lnTo>
-                  <a:pt x="8689" y="61637"/>
-                </a:lnTo>
-                <a:lnTo>
-                  <a:pt x="10726" y="61705"/>
-                </a:lnTo>
-                <a:lnTo>
-                  <a:pt x="12966" y="61773"/>
-                </a:lnTo>
-                <a:lnTo>
-                  <a:pt x="15410" y="61841"/>
-                </a:lnTo>
-                <a:lnTo>
-                  <a:pt x="17853" y="61773"/>
-                </a:lnTo>
-                <a:lnTo>
-                  <a:pt x="20093" y="61705"/>
-                </a:lnTo>
-                <a:lnTo>
-                  <a:pt x="22130" y="61637"/>
-                </a:lnTo>
-                <a:lnTo>
-                  <a:pt x="23963" y="61501"/>
-                </a:lnTo>
-                <a:lnTo>
-                  <a:pt x="26814" y="61162"/>
-                </a:lnTo>
-                <a:lnTo>
-                  <a:pt x="28511" y="60958"/>
-                </a:lnTo>
-                <a:lnTo>
-                  <a:pt x="28986" y="60823"/>
-                </a:lnTo>
-                <a:lnTo>
-                  <a:pt x="29461" y="60619"/>
-                </a:lnTo>
-                <a:lnTo>
-                  <a:pt x="29868" y="60347"/>
-                </a:lnTo>
-                <a:lnTo>
-                  <a:pt x="30208" y="60076"/>
-                </a:lnTo>
-                <a:lnTo>
-                  <a:pt x="30479" y="59736"/>
-                </a:lnTo>
-                <a:lnTo>
-                  <a:pt x="30683" y="59261"/>
-                </a:lnTo>
-                <a:lnTo>
-                  <a:pt x="30819" y="58854"/>
-                </a:lnTo>
-                <a:lnTo>
-                  <a:pt x="30819" y="58311"/>
-                </a:lnTo>
-                <a:lnTo>
-                  <a:pt x="30819" y="3259"/>
-                </a:lnTo>
-                <a:lnTo>
-                  <a:pt x="30819" y="2716"/>
-                </a:lnTo>
-                <a:lnTo>
-                  <a:pt x="30683" y="2241"/>
-                </a:lnTo>
-                <a:lnTo>
-                  <a:pt x="30547" y="1901"/>
-                </a:lnTo>
-                <a:lnTo>
-                  <a:pt x="30276" y="1494"/>
-                </a:lnTo>
-                <a:lnTo>
-                  <a:pt x="29936" y="1223"/>
-                </a:lnTo>
-                <a:lnTo>
-                  <a:pt x="29529" y="1019"/>
-                </a:lnTo>
-                <a:lnTo>
-                  <a:pt x="29054" y="815"/>
-                </a:lnTo>
-                <a:lnTo>
-                  <a:pt x="28511" y="680"/>
-                </a:lnTo>
-                <a:lnTo>
-                  <a:pt x="27628" y="544"/>
-                </a:lnTo>
-                <a:lnTo>
-                  <a:pt x="26406" y="408"/>
-                </a:lnTo>
-                <a:lnTo>
-                  <a:pt x="23080" y="204"/>
-                </a:lnTo>
-                <a:lnTo>
-                  <a:pt x="19211" y="69"/>
-                </a:lnTo>
-                <a:lnTo>
-                  <a:pt x="15410" y="1"/>
-                </a:lnTo>
-                <a:close/>
-              </a:path>
-            </a:pathLst>
-          </a:custGeom>
-          <a:solidFill>
-            <a:srgbClr val="222222"/>
-          </a:solidFill>
-          <a:ln w="9525" cap="flat" cmpd="sng">
-            <a:solidFill>
-              <a:srgbClr val="FFFFFF"/>
-            </a:solidFill>
-            <a:prstDash val="solid"/>
-            <a:round/>
-            <a:headEnd type="none" w="sm" len="sm"/>
-            <a:tailEnd type="none" w="sm" len="sm"/>
-          </a:ln>
-        </p:spPr>
-        <p:txBody>
-          <a:bodyPr spcFirstLastPara="1" wrap="square" lIns="91425" tIns="91425" rIns="91425" bIns="91425" anchor="ctr" anchorCtr="0">
-            <a:noAutofit/>
-          </a:bodyPr>
-          <a:lstStyle/>
-          <a:p>
-            <a:pPr marL="0" lvl="0" indent="0" algn="l" rtl="0">
-              <a:spcBef>
-                <a:spcPts val="0"/>
-              </a:spcBef>
-              <a:spcAft>
-                <a:spcPts val="0"/>
-              </a:spcAft>
-              <a:buNone/>
-            </a:pPr>
-            <a:endParaRPr/>
-          </a:p>
-        </p:txBody>
-      </p:sp>
-      <p:sp>
-        <p:nvSpPr>
-          <p:cNvPr id="2" name="화살표: 오른쪽 1">
-            <a:extLst>
-              <a:ext uri="{FF2B5EF4-FFF2-40B4-BE49-F238E27FC236}">
-                <a16:creationId xmlns:a16="http://schemas.microsoft.com/office/drawing/2014/main" id="{11B6A482-CD53-479A-85CA-A469EC754DA5}"/>
-              </a:ext>
-            </a:extLst>
-          </p:cNvPr>
-          <p:cNvSpPr/>
-          <p:nvPr/>
-        </p:nvSpPr>
-        <p:spPr>
-          <a:xfrm>
-            <a:off x="2554460" y="3954668"/>
-            <a:ext cx="502920" cy="384048"/>
-          </a:xfrm>
-          <a:prstGeom prst="rightArrow">
-            <a:avLst/>
-          </a:prstGeom>
-          <a:solidFill>
-            <a:srgbClr val="FF8700"/>
-          </a:solidFill>
-          <a:ln>
-            <a:solidFill>
-              <a:srgbClr val="FF8700"/>
-            </a:solidFill>
-          </a:ln>
-        </p:spPr>
-        <p:style>
-          <a:lnRef idx="2">
-            <a:schemeClr val="accent1">
-              <a:shade val="50000"/>
-            </a:schemeClr>
-          </a:lnRef>
-          <a:fillRef idx="1">
-            <a:schemeClr val="accent1"/>
-          </a:fillRef>
-          <a:effectRef idx="0">
-            <a:schemeClr val="accent1"/>
-          </a:effectRef>
-          <a:fontRef idx="minor">
-            <a:schemeClr val="lt1"/>
-          </a:fontRef>
-        </p:style>
-        <p:txBody>
-          <a:bodyPr rtlCol="0" anchor="ctr"/>
-          <a:lstStyle/>
-          <a:p>
-            <a:pPr algn="ctr"/>
-            <a:endParaRPr lang="ko-KR" altLang="en-US" dirty="0"/>
-          </a:p>
-        </p:txBody>
-      </p:sp>
-      <p:grpSp>
-        <p:nvGrpSpPr>
-          <p:cNvPr id="9" name="그룹 8">
-            <a:extLst>
-              <a:ext uri="{FF2B5EF4-FFF2-40B4-BE49-F238E27FC236}">
-                <a16:creationId xmlns:a16="http://schemas.microsoft.com/office/drawing/2014/main" id="{809A2EDD-9B87-4190-9EF9-9FA2EF5DABC1}"/>
+                <a16:creationId xmlns:a16="http://schemas.microsoft.com/office/drawing/2014/main" id="{0AC5DD10-FBFD-48E4-974A-68E9DD263906}"/>
               </a:ext>
             </a:extLst>
           </p:cNvPr>
@@ -11171,18 +10447,47 @@
         </p:nvGrpSpPr>
         <p:grpSpPr>
           <a:xfrm>
-            <a:off x="3130015" y="2355168"/>
-            <a:ext cx="1886384" cy="3557083"/>
-            <a:chOff x="4327985" y="1680742"/>
-            <a:chExt cx="2382975" cy="4540512"/>
+            <a:off x="793200" y="2321756"/>
+            <a:ext cx="6003424" cy="3181063"/>
+            <a:chOff x="429218" y="2355168"/>
+            <a:chExt cx="6746385" cy="3574739"/>
           </a:xfrm>
         </p:grpSpPr>
+        <p:pic>
+          <p:nvPicPr>
+            <p:cNvPr id="4" name="그림 3">
+              <a:extLst>
+                <a:ext uri="{FF2B5EF4-FFF2-40B4-BE49-F238E27FC236}">
+                  <a16:creationId xmlns:a16="http://schemas.microsoft.com/office/drawing/2014/main" id="{A51D942D-6A05-47A7-8BBE-C944969D7E54}"/>
+                </a:ext>
+              </a:extLst>
+            </p:cNvPr>
+            <p:cNvPicPr>
+              <a:picLocks noChangeAspect="1"/>
+            </p:cNvPicPr>
+            <p:nvPr/>
+          </p:nvPicPr>
+          <p:blipFill rotWithShape="1">
+            <a:blip r:embed="rId3"/>
+            <a:srcRect b="4359"/>
+            <a:stretch/>
+          </p:blipFill>
+          <p:spPr>
+            <a:xfrm>
+              <a:off x="472514" y="2650191"/>
+              <a:ext cx="1875268" cy="3115087"/>
+            </a:xfrm>
+            <a:prstGeom prst="rect">
+              <a:avLst/>
+            </a:prstGeom>
+          </p:spPr>
+        </p:pic>
         <p:sp>
           <p:nvSpPr>
-            <p:cNvPr id="12" name="Google Shape;272;p32">
+            <p:cNvPr id="11" name="Google Shape;272;p32">
               <a:extLst>
                 <a:ext uri="{FF2B5EF4-FFF2-40B4-BE49-F238E27FC236}">
-                  <a16:creationId xmlns:a16="http://schemas.microsoft.com/office/drawing/2014/main" id="{9B6FEC9E-E771-45E7-BCBD-0ED489F4C952}"/>
+                  <a16:creationId xmlns:a16="http://schemas.microsoft.com/office/drawing/2014/main" id="{EDE2E747-555A-4C3E-9DC9-8F2C7AE23553}"/>
                 </a:ext>
               </a:extLst>
             </p:cNvPr>
@@ -11191,8 +10496,8 @@
           </p:nvSpPr>
           <p:spPr>
             <a:xfrm>
-              <a:off x="4327985" y="1680742"/>
-              <a:ext cx="2382975" cy="4540512"/>
+              <a:off x="429218" y="2355168"/>
+              <a:ext cx="1992420" cy="3567113"/>
             </a:xfrm>
             <a:custGeom>
               <a:avLst/>
@@ -11867,75 +11172,12 @@
             </a:p>
           </p:txBody>
         </p:sp>
-        <p:pic>
-          <p:nvPicPr>
-            <p:cNvPr id="19" name="그림 18" descr="bee3.png">
+        <p:sp>
+          <p:nvSpPr>
+            <p:cNvPr id="2" name="화살표: 오른쪽 1">
               <a:extLst>
                 <a:ext uri="{FF2B5EF4-FFF2-40B4-BE49-F238E27FC236}">
-                  <a16:creationId xmlns:a16="http://schemas.microsoft.com/office/drawing/2014/main" id="{B3969E95-CE8E-4641-A541-F9C4A5CD8016}"/>
-                </a:ext>
-              </a:extLst>
-            </p:cNvPr>
-            <p:cNvPicPr/>
-            <p:nvPr/>
-          </p:nvPicPr>
-          <p:blipFill>
-            <a:blip r:embed="rId4" cstate="print">
-              <a:extLst>
-                <a:ext uri="{28A0092B-C50C-407E-A947-70E740481C1C}">
-                  <a14:useLocalDpi xmlns:a14="http://schemas.microsoft.com/office/drawing/2010/main" val="0"/>
-                </a:ext>
-              </a:extLst>
-            </a:blip>
-            <a:srcRect/>
-            <a:stretch>
-              <a:fillRect/>
-            </a:stretch>
-          </p:blipFill>
-          <p:spPr bwMode="auto">
-            <a:xfrm>
-              <a:off x="4433410" y="2044391"/>
-              <a:ext cx="2189332" cy="3690584"/>
-            </a:xfrm>
-            <a:prstGeom prst="rect">
-              <a:avLst/>
-            </a:prstGeom>
-            <a:noFill/>
-            <a:ln w="9525">
-              <a:noFill/>
-              <a:miter lim="800000"/>
-              <a:headEnd/>
-              <a:tailEnd/>
-            </a:ln>
-          </p:spPr>
-        </p:pic>
-      </p:grpSp>
-      <p:grpSp>
-        <p:nvGrpSpPr>
-          <p:cNvPr id="15" name="그룹 14">
-            <a:extLst>
-              <a:ext uri="{FF2B5EF4-FFF2-40B4-BE49-F238E27FC236}">
-                <a16:creationId xmlns:a16="http://schemas.microsoft.com/office/drawing/2014/main" id="{1031D433-4CBC-40DB-BB8F-CBD80817F8B6}"/>
-              </a:ext>
-            </a:extLst>
-          </p:cNvPr>
-          <p:cNvGrpSpPr/>
-          <p:nvPr/>
-        </p:nvGrpSpPr>
-        <p:grpSpPr>
-          <a:xfrm>
-            <a:off x="5289219" y="2355168"/>
-            <a:ext cx="1886384" cy="3574739"/>
-            <a:chOff x="6626520" y="1945594"/>
-            <a:chExt cx="2382975" cy="4540512"/>
-          </a:xfrm>
-        </p:grpSpPr>
-        <p:sp>
-          <p:nvSpPr>
-            <p:cNvPr id="21" name="Google Shape;272;p32">
-              <a:extLst>
-                <a:ext uri="{FF2B5EF4-FFF2-40B4-BE49-F238E27FC236}">
-                  <a16:creationId xmlns:a16="http://schemas.microsoft.com/office/drawing/2014/main" id="{4B38FC8A-C563-46B2-8669-2C78B9697078}"/>
+                  <a16:creationId xmlns:a16="http://schemas.microsoft.com/office/drawing/2014/main" id="{11B6A482-CD53-479A-85CA-A469EC754DA5}"/>
                 </a:ext>
               </a:extLst>
             </p:cNvPr>
@@ -11944,761 +11186,1589 @@
           </p:nvSpPr>
           <p:spPr>
             <a:xfrm>
-              <a:off x="6626520" y="1945594"/>
-              <a:ext cx="2382975" cy="4540512"/>
+              <a:off x="2554460" y="3954668"/>
+              <a:ext cx="502920" cy="384048"/>
             </a:xfrm>
-            <a:custGeom>
+            <a:prstGeom prst="rightArrow">
               <a:avLst/>
-              <a:gdLst/>
-              <a:ahLst/>
-              <a:cxnLst/>
-              <a:rect l="l" t="t" r="r" b="b"/>
-              <a:pathLst>
-                <a:path w="30819" h="61841" extrusionOk="0">
-                  <a:moveTo>
-                    <a:pt x="5160" y="2580"/>
-                  </a:moveTo>
-                  <a:lnTo>
-                    <a:pt x="5295" y="2648"/>
-                  </a:lnTo>
-                  <a:lnTo>
-                    <a:pt x="5363" y="2784"/>
-                  </a:lnTo>
-                  <a:lnTo>
-                    <a:pt x="5363" y="2920"/>
-                  </a:lnTo>
-                  <a:lnTo>
-                    <a:pt x="5363" y="3055"/>
-                  </a:lnTo>
-                  <a:lnTo>
-                    <a:pt x="5295" y="3191"/>
-                  </a:lnTo>
-                  <a:lnTo>
-                    <a:pt x="5160" y="3259"/>
-                  </a:lnTo>
-                  <a:lnTo>
-                    <a:pt x="4888" y="3259"/>
-                  </a:lnTo>
-                  <a:lnTo>
-                    <a:pt x="4752" y="3191"/>
-                  </a:lnTo>
-                  <a:lnTo>
-                    <a:pt x="4684" y="3055"/>
-                  </a:lnTo>
-                  <a:lnTo>
-                    <a:pt x="4684" y="2920"/>
-                  </a:lnTo>
-                  <a:lnTo>
-                    <a:pt x="4684" y="2784"/>
-                  </a:lnTo>
-                  <a:lnTo>
-                    <a:pt x="4752" y="2648"/>
-                  </a:lnTo>
-                  <a:lnTo>
-                    <a:pt x="4888" y="2580"/>
-                  </a:lnTo>
-                  <a:close/>
-                  <a:moveTo>
-                    <a:pt x="15410" y="2241"/>
-                  </a:moveTo>
-                  <a:lnTo>
-                    <a:pt x="15681" y="2309"/>
-                  </a:lnTo>
-                  <a:lnTo>
-                    <a:pt x="15885" y="2444"/>
-                  </a:lnTo>
-                  <a:lnTo>
-                    <a:pt x="16021" y="2648"/>
-                  </a:lnTo>
-                  <a:lnTo>
-                    <a:pt x="16088" y="2920"/>
-                  </a:lnTo>
-                  <a:lnTo>
-                    <a:pt x="16021" y="3191"/>
-                  </a:lnTo>
-                  <a:lnTo>
-                    <a:pt x="15885" y="3395"/>
-                  </a:lnTo>
-                  <a:lnTo>
-                    <a:pt x="15681" y="3531"/>
-                  </a:lnTo>
-                  <a:lnTo>
-                    <a:pt x="15410" y="3598"/>
-                  </a:lnTo>
-                  <a:lnTo>
-                    <a:pt x="15138" y="3531"/>
-                  </a:lnTo>
-                  <a:lnTo>
-                    <a:pt x="14934" y="3395"/>
-                  </a:lnTo>
-                  <a:lnTo>
-                    <a:pt x="14799" y="3191"/>
-                  </a:lnTo>
-                  <a:lnTo>
-                    <a:pt x="14731" y="2920"/>
-                  </a:lnTo>
-                  <a:lnTo>
-                    <a:pt x="14799" y="2648"/>
-                  </a:lnTo>
-                  <a:lnTo>
-                    <a:pt x="14934" y="2444"/>
-                  </a:lnTo>
-                  <a:lnTo>
-                    <a:pt x="15138" y="2309"/>
-                  </a:lnTo>
-                  <a:lnTo>
-                    <a:pt x="15410" y="2241"/>
-                  </a:lnTo>
-                  <a:close/>
-                  <a:moveTo>
-                    <a:pt x="29393" y="5228"/>
-                  </a:moveTo>
-                  <a:lnTo>
-                    <a:pt x="29461" y="5296"/>
-                  </a:lnTo>
-                  <a:lnTo>
-                    <a:pt x="29461" y="54849"/>
-                  </a:lnTo>
-                  <a:lnTo>
-                    <a:pt x="1426" y="54849"/>
-                  </a:lnTo>
-                  <a:lnTo>
-                    <a:pt x="1426" y="5296"/>
-                  </a:lnTo>
-                  <a:lnTo>
-                    <a:pt x="1494" y="5228"/>
-                  </a:lnTo>
-                  <a:close/>
-                  <a:moveTo>
-                    <a:pt x="15410" y="544"/>
-                  </a:moveTo>
-                  <a:lnTo>
-                    <a:pt x="19143" y="612"/>
-                  </a:lnTo>
-                  <a:lnTo>
-                    <a:pt x="23012" y="747"/>
-                  </a:lnTo>
-                  <a:lnTo>
-                    <a:pt x="26339" y="951"/>
-                  </a:lnTo>
-                  <a:lnTo>
-                    <a:pt x="27560" y="1087"/>
-                  </a:lnTo>
-                  <a:lnTo>
-                    <a:pt x="27560" y="1087"/>
-                  </a:lnTo>
-                  <a:lnTo>
-                    <a:pt x="26339" y="1019"/>
-                  </a:lnTo>
-                  <a:lnTo>
-                    <a:pt x="23012" y="815"/>
-                  </a:lnTo>
-                  <a:lnTo>
-                    <a:pt x="19143" y="680"/>
-                  </a:lnTo>
-                  <a:lnTo>
-                    <a:pt x="15410" y="612"/>
-                  </a:lnTo>
-                  <a:lnTo>
-                    <a:pt x="11676" y="680"/>
-                  </a:lnTo>
-                  <a:lnTo>
-                    <a:pt x="7807" y="815"/>
-                  </a:lnTo>
-                  <a:lnTo>
-                    <a:pt x="4481" y="1019"/>
-                  </a:lnTo>
-                  <a:lnTo>
-                    <a:pt x="3259" y="1087"/>
-                  </a:lnTo>
-                  <a:lnTo>
-                    <a:pt x="2444" y="1223"/>
-                  </a:lnTo>
-                  <a:lnTo>
-                    <a:pt x="1969" y="1358"/>
-                  </a:lnTo>
-                  <a:lnTo>
-                    <a:pt x="1630" y="1494"/>
-                  </a:lnTo>
-                  <a:lnTo>
-                    <a:pt x="1290" y="1698"/>
-                  </a:lnTo>
-                  <a:lnTo>
-                    <a:pt x="1019" y="1901"/>
-                  </a:lnTo>
-                  <a:lnTo>
-                    <a:pt x="815" y="2173"/>
-                  </a:lnTo>
-                  <a:lnTo>
-                    <a:pt x="679" y="2444"/>
-                  </a:lnTo>
-                  <a:lnTo>
-                    <a:pt x="544" y="2852"/>
-                  </a:lnTo>
-                  <a:lnTo>
-                    <a:pt x="544" y="3259"/>
-                  </a:lnTo>
-                  <a:lnTo>
-                    <a:pt x="544" y="58311"/>
-                  </a:lnTo>
-                  <a:lnTo>
-                    <a:pt x="544" y="58718"/>
-                  </a:lnTo>
-                  <a:lnTo>
-                    <a:pt x="476" y="58311"/>
-                  </a:lnTo>
-                  <a:lnTo>
-                    <a:pt x="476" y="3259"/>
-                  </a:lnTo>
-                  <a:lnTo>
-                    <a:pt x="544" y="2784"/>
-                  </a:lnTo>
-                  <a:lnTo>
-                    <a:pt x="612" y="2444"/>
-                  </a:lnTo>
-                  <a:lnTo>
-                    <a:pt x="747" y="2105"/>
-                  </a:lnTo>
-                  <a:lnTo>
-                    <a:pt x="951" y="1834"/>
-                  </a:lnTo>
-                  <a:lnTo>
-                    <a:pt x="1222" y="1630"/>
-                  </a:lnTo>
-                  <a:lnTo>
-                    <a:pt x="1562" y="1426"/>
-                  </a:lnTo>
-                  <a:lnTo>
-                    <a:pt x="1969" y="1290"/>
-                  </a:lnTo>
-                  <a:lnTo>
-                    <a:pt x="2444" y="1155"/>
-                  </a:lnTo>
-                  <a:lnTo>
-                    <a:pt x="3259" y="1087"/>
-                  </a:lnTo>
-                  <a:lnTo>
-                    <a:pt x="4481" y="951"/>
-                  </a:lnTo>
-                  <a:lnTo>
-                    <a:pt x="7807" y="747"/>
-                  </a:lnTo>
-                  <a:lnTo>
-                    <a:pt x="11676" y="612"/>
-                  </a:lnTo>
-                  <a:lnTo>
-                    <a:pt x="15410" y="544"/>
-                  </a:lnTo>
-                  <a:close/>
-                  <a:moveTo>
-                    <a:pt x="27560" y="1087"/>
-                  </a:moveTo>
-                  <a:lnTo>
-                    <a:pt x="28375" y="1155"/>
-                  </a:lnTo>
-                  <a:lnTo>
-                    <a:pt x="28850" y="1290"/>
-                  </a:lnTo>
-                  <a:lnTo>
-                    <a:pt x="29257" y="1426"/>
-                  </a:lnTo>
-                  <a:lnTo>
-                    <a:pt x="29597" y="1630"/>
-                  </a:lnTo>
-                  <a:lnTo>
-                    <a:pt x="29868" y="1834"/>
-                  </a:lnTo>
-                  <a:lnTo>
-                    <a:pt x="30072" y="2105"/>
-                  </a:lnTo>
-                  <a:lnTo>
-                    <a:pt x="30208" y="2444"/>
-                  </a:lnTo>
-                  <a:lnTo>
-                    <a:pt x="30276" y="2784"/>
-                  </a:lnTo>
-                  <a:lnTo>
-                    <a:pt x="30344" y="3259"/>
-                  </a:lnTo>
-                  <a:lnTo>
-                    <a:pt x="30344" y="58311"/>
-                  </a:lnTo>
-                  <a:lnTo>
-                    <a:pt x="30276" y="58718"/>
-                  </a:lnTo>
-                  <a:lnTo>
-                    <a:pt x="30208" y="59125"/>
-                  </a:lnTo>
-                  <a:lnTo>
-                    <a:pt x="30072" y="59465"/>
-                  </a:lnTo>
-                  <a:lnTo>
-                    <a:pt x="29868" y="59736"/>
-                  </a:lnTo>
-                  <a:lnTo>
-                    <a:pt x="29597" y="60008"/>
-                  </a:lnTo>
-                  <a:lnTo>
-                    <a:pt x="29257" y="60144"/>
-                  </a:lnTo>
-                  <a:lnTo>
-                    <a:pt x="28850" y="60347"/>
-                  </a:lnTo>
-                  <a:lnTo>
-                    <a:pt x="28375" y="60415"/>
-                  </a:lnTo>
-                  <a:lnTo>
-                    <a:pt x="26746" y="60687"/>
-                  </a:lnTo>
-                  <a:lnTo>
-                    <a:pt x="23895" y="60958"/>
-                  </a:lnTo>
-                  <a:lnTo>
-                    <a:pt x="22130" y="61094"/>
-                  </a:lnTo>
-                  <a:lnTo>
-                    <a:pt x="20093" y="61230"/>
-                  </a:lnTo>
-                  <a:lnTo>
-                    <a:pt x="17853" y="61298"/>
-                  </a:lnTo>
-                  <a:lnTo>
-                    <a:pt x="12966" y="61298"/>
-                  </a:lnTo>
-                  <a:lnTo>
-                    <a:pt x="10726" y="61230"/>
-                  </a:lnTo>
-                  <a:lnTo>
-                    <a:pt x="8689" y="61094"/>
-                  </a:lnTo>
-                  <a:lnTo>
-                    <a:pt x="6924" y="60958"/>
-                  </a:lnTo>
-                  <a:lnTo>
-                    <a:pt x="4073" y="60687"/>
-                  </a:lnTo>
-                  <a:lnTo>
-                    <a:pt x="2444" y="60415"/>
-                  </a:lnTo>
-                  <a:lnTo>
-                    <a:pt x="1969" y="60347"/>
-                  </a:lnTo>
-                  <a:lnTo>
-                    <a:pt x="1562" y="60144"/>
-                  </a:lnTo>
-                  <a:lnTo>
-                    <a:pt x="1290" y="60008"/>
-                  </a:lnTo>
-                  <a:lnTo>
-                    <a:pt x="951" y="59736"/>
-                  </a:lnTo>
-                  <a:lnTo>
-                    <a:pt x="747" y="59465"/>
-                  </a:lnTo>
-                  <a:lnTo>
-                    <a:pt x="612" y="59125"/>
-                  </a:lnTo>
-                  <a:lnTo>
-                    <a:pt x="544" y="58718"/>
-                  </a:lnTo>
-                  <a:lnTo>
-                    <a:pt x="544" y="58718"/>
-                  </a:lnTo>
-                  <a:lnTo>
-                    <a:pt x="679" y="59125"/>
-                  </a:lnTo>
-                  <a:lnTo>
-                    <a:pt x="815" y="59397"/>
-                  </a:lnTo>
-                  <a:lnTo>
-                    <a:pt x="1019" y="59669"/>
-                  </a:lnTo>
-                  <a:lnTo>
-                    <a:pt x="1290" y="59940"/>
-                  </a:lnTo>
-                  <a:lnTo>
-                    <a:pt x="1630" y="60144"/>
-                  </a:lnTo>
-                  <a:lnTo>
-                    <a:pt x="2037" y="60279"/>
-                  </a:lnTo>
-                  <a:lnTo>
-                    <a:pt x="2444" y="60415"/>
-                  </a:lnTo>
-                  <a:lnTo>
-                    <a:pt x="4073" y="60619"/>
-                  </a:lnTo>
-                  <a:lnTo>
-                    <a:pt x="6924" y="60890"/>
-                  </a:lnTo>
-                  <a:lnTo>
-                    <a:pt x="8689" y="61026"/>
-                  </a:lnTo>
-                  <a:lnTo>
-                    <a:pt x="10726" y="61162"/>
-                  </a:lnTo>
-                  <a:lnTo>
-                    <a:pt x="12966" y="61230"/>
-                  </a:lnTo>
-                  <a:lnTo>
-                    <a:pt x="17853" y="61230"/>
-                  </a:lnTo>
-                  <a:lnTo>
-                    <a:pt x="20093" y="61162"/>
-                  </a:lnTo>
-                  <a:lnTo>
-                    <a:pt x="22130" y="61026"/>
-                  </a:lnTo>
-                  <a:lnTo>
-                    <a:pt x="23895" y="60890"/>
-                  </a:lnTo>
-                  <a:lnTo>
-                    <a:pt x="26746" y="60619"/>
-                  </a:lnTo>
-                  <a:lnTo>
-                    <a:pt x="28375" y="60415"/>
-                  </a:lnTo>
-                  <a:lnTo>
-                    <a:pt x="28850" y="60279"/>
-                  </a:lnTo>
-                  <a:lnTo>
-                    <a:pt x="29190" y="60144"/>
-                  </a:lnTo>
-                  <a:lnTo>
-                    <a:pt x="29529" y="59940"/>
-                  </a:lnTo>
-                  <a:lnTo>
-                    <a:pt x="29800" y="59669"/>
-                  </a:lnTo>
-                  <a:lnTo>
-                    <a:pt x="30004" y="59397"/>
-                  </a:lnTo>
-                  <a:lnTo>
-                    <a:pt x="30140" y="59125"/>
-                  </a:lnTo>
-                  <a:lnTo>
-                    <a:pt x="30276" y="58718"/>
-                  </a:lnTo>
-                  <a:lnTo>
-                    <a:pt x="30276" y="58311"/>
-                  </a:lnTo>
-                  <a:lnTo>
-                    <a:pt x="30276" y="3259"/>
-                  </a:lnTo>
-                  <a:lnTo>
-                    <a:pt x="30276" y="2852"/>
-                  </a:lnTo>
-                  <a:lnTo>
-                    <a:pt x="30140" y="2444"/>
-                  </a:lnTo>
-                  <a:lnTo>
-                    <a:pt x="30004" y="2173"/>
-                  </a:lnTo>
-                  <a:lnTo>
-                    <a:pt x="29800" y="1901"/>
-                  </a:lnTo>
-                  <a:lnTo>
-                    <a:pt x="29529" y="1698"/>
-                  </a:lnTo>
-                  <a:lnTo>
-                    <a:pt x="29190" y="1494"/>
-                  </a:lnTo>
-                  <a:lnTo>
-                    <a:pt x="28850" y="1358"/>
-                  </a:lnTo>
-                  <a:lnTo>
-                    <a:pt x="28375" y="1223"/>
-                  </a:lnTo>
-                  <a:lnTo>
-                    <a:pt x="27560" y="1087"/>
-                  </a:lnTo>
-                  <a:close/>
-                  <a:moveTo>
-                    <a:pt x="15410" y="1"/>
-                  </a:moveTo>
-                  <a:lnTo>
-                    <a:pt x="11608" y="69"/>
-                  </a:lnTo>
-                  <a:lnTo>
-                    <a:pt x="7739" y="204"/>
-                  </a:lnTo>
-                  <a:lnTo>
-                    <a:pt x="4413" y="408"/>
-                  </a:lnTo>
-                  <a:lnTo>
-                    <a:pt x="3191" y="544"/>
-                  </a:lnTo>
-                  <a:lnTo>
-                    <a:pt x="2309" y="680"/>
-                  </a:lnTo>
-                  <a:lnTo>
-                    <a:pt x="1765" y="815"/>
-                  </a:lnTo>
-                  <a:lnTo>
-                    <a:pt x="1290" y="1019"/>
-                  </a:lnTo>
-                  <a:lnTo>
-                    <a:pt x="883" y="1223"/>
-                  </a:lnTo>
-                  <a:lnTo>
-                    <a:pt x="544" y="1494"/>
-                  </a:lnTo>
-                  <a:lnTo>
-                    <a:pt x="340" y="1901"/>
-                  </a:lnTo>
-                  <a:lnTo>
-                    <a:pt x="136" y="2241"/>
-                  </a:lnTo>
-                  <a:lnTo>
-                    <a:pt x="1" y="2716"/>
-                  </a:lnTo>
-                  <a:lnTo>
-                    <a:pt x="1" y="3259"/>
-                  </a:lnTo>
-                  <a:lnTo>
-                    <a:pt x="1" y="58311"/>
-                  </a:lnTo>
-                  <a:lnTo>
-                    <a:pt x="1" y="58854"/>
-                  </a:lnTo>
-                  <a:lnTo>
-                    <a:pt x="136" y="59261"/>
-                  </a:lnTo>
-                  <a:lnTo>
-                    <a:pt x="340" y="59736"/>
-                  </a:lnTo>
-                  <a:lnTo>
-                    <a:pt x="612" y="60076"/>
-                  </a:lnTo>
-                  <a:lnTo>
-                    <a:pt x="951" y="60347"/>
-                  </a:lnTo>
-                  <a:lnTo>
-                    <a:pt x="1358" y="60619"/>
-                  </a:lnTo>
-                  <a:lnTo>
-                    <a:pt x="1833" y="60823"/>
-                  </a:lnTo>
-                  <a:lnTo>
-                    <a:pt x="2309" y="60958"/>
-                  </a:lnTo>
-                  <a:lnTo>
-                    <a:pt x="4006" y="61162"/>
-                  </a:lnTo>
-                  <a:lnTo>
-                    <a:pt x="6857" y="61501"/>
-                  </a:lnTo>
-                  <a:lnTo>
-                    <a:pt x="8689" y="61637"/>
-                  </a:lnTo>
-                  <a:lnTo>
-                    <a:pt x="10726" y="61705"/>
-                  </a:lnTo>
-                  <a:lnTo>
-                    <a:pt x="12966" y="61773"/>
-                  </a:lnTo>
-                  <a:lnTo>
-                    <a:pt x="15410" y="61841"/>
-                  </a:lnTo>
-                  <a:lnTo>
-                    <a:pt x="17853" y="61773"/>
-                  </a:lnTo>
-                  <a:lnTo>
-                    <a:pt x="20093" y="61705"/>
-                  </a:lnTo>
-                  <a:lnTo>
-                    <a:pt x="22130" y="61637"/>
-                  </a:lnTo>
-                  <a:lnTo>
-                    <a:pt x="23963" y="61501"/>
-                  </a:lnTo>
-                  <a:lnTo>
-                    <a:pt x="26814" y="61162"/>
-                  </a:lnTo>
-                  <a:lnTo>
-                    <a:pt x="28511" y="60958"/>
-                  </a:lnTo>
-                  <a:lnTo>
-                    <a:pt x="28986" y="60823"/>
-                  </a:lnTo>
-                  <a:lnTo>
-                    <a:pt x="29461" y="60619"/>
-                  </a:lnTo>
-                  <a:lnTo>
-                    <a:pt x="29868" y="60347"/>
-                  </a:lnTo>
-                  <a:lnTo>
-                    <a:pt x="30208" y="60076"/>
-                  </a:lnTo>
-                  <a:lnTo>
-                    <a:pt x="30479" y="59736"/>
-                  </a:lnTo>
-                  <a:lnTo>
-                    <a:pt x="30683" y="59261"/>
-                  </a:lnTo>
-                  <a:lnTo>
-                    <a:pt x="30819" y="58854"/>
-                  </a:lnTo>
-                  <a:lnTo>
-                    <a:pt x="30819" y="58311"/>
-                  </a:lnTo>
-                  <a:lnTo>
-                    <a:pt x="30819" y="3259"/>
-                  </a:lnTo>
-                  <a:lnTo>
-                    <a:pt x="30819" y="2716"/>
-                  </a:lnTo>
-                  <a:lnTo>
-                    <a:pt x="30683" y="2241"/>
-                  </a:lnTo>
-                  <a:lnTo>
-                    <a:pt x="30547" y="1901"/>
-                  </a:lnTo>
-                  <a:lnTo>
-                    <a:pt x="30276" y="1494"/>
-                  </a:lnTo>
-                  <a:lnTo>
-                    <a:pt x="29936" y="1223"/>
-                  </a:lnTo>
-                  <a:lnTo>
-                    <a:pt x="29529" y="1019"/>
-                  </a:lnTo>
-                  <a:lnTo>
-                    <a:pt x="29054" y="815"/>
-                  </a:lnTo>
-                  <a:lnTo>
-                    <a:pt x="28511" y="680"/>
-                  </a:lnTo>
-                  <a:lnTo>
-                    <a:pt x="27628" y="544"/>
-                  </a:lnTo>
-                  <a:lnTo>
-                    <a:pt x="26406" y="408"/>
-                  </a:lnTo>
-                  <a:lnTo>
-                    <a:pt x="23080" y="204"/>
-                  </a:lnTo>
-                  <a:lnTo>
-                    <a:pt x="19211" y="69"/>
-                  </a:lnTo>
-                  <a:lnTo>
-                    <a:pt x="15410" y="1"/>
-                  </a:lnTo>
-                  <a:close/>
-                </a:path>
-              </a:pathLst>
-            </a:custGeom>
+            </a:prstGeom>
             <a:solidFill>
-              <a:srgbClr val="222222"/>
+              <a:srgbClr val="FF8700"/>
             </a:solidFill>
-            <a:ln w="9525" cap="flat" cmpd="sng">
+            <a:ln>
               <a:solidFill>
-                <a:srgbClr val="FFFFFF"/>
+                <a:srgbClr val="FF8700"/>
               </a:solidFill>
-              <a:prstDash val="solid"/>
-              <a:round/>
-              <a:headEnd type="none" w="sm" len="sm"/>
-              <a:tailEnd type="none" w="sm" len="sm"/>
             </a:ln>
           </p:spPr>
+          <p:style>
+            <a:lnRef idx="2">
+              <a:schemeClr val="accent1">
+                <a:shade val="50000"/>
+              </a:schemeClr>
+            </a:lnRef>
+            <a:fillRef idx="1">
+              <a:schemeClr val="accent1"/>
+            </a:fillRef>
+            <a:effectRef idx="0">
+              <a:schemeClr val="accent1"/>
+            </a:effectRef>
+            <a:fontRef idx="minor">
+              <a:schemeClr val="lt1"/>
+            </a:fontRef>
+          </p:style>
           <p:txBody>
-            <a:bodyPr spcFirstLastPara="1" wrap="square" lIns="91425" tIns="91425" rIns="91425" bIns="91425" anchor="ctr" anchorCtr="0">
-              <a:noAutofit/>
-            </a:bodyPr>
+            <a:bodyPr rtlCol="0" anchor="ctr"/>
             <a:lstStyle/>
             <a:p>
-              <a:pPr marL="0" lvl="0" indent="0" algn="l" rtl="0">
-                <a:spcBef>
-                  <a:spcPts val="0"/>
-                </a:spcBef>
-                <a:spcAft>
-                  <a:spcPts val="0"/>
-                </a:spcAft>
-                <a:buNone/>
-              </a:pPr>
-              <a:endParaRPr/>
+              <a:pPr algn="ctr"/>
+              <a:endParaRPr lang="ko-KR" altLang="en-US" dirty="0"/>
             </a:p>
           </p:txBody>
         </p:sp>
-        <p:pic>
-          <p:nvPicPr>
-            <p:cNvPr id="22" name="그림 21" descr="bee4.png">
+        <p:grpSp>
+          <p:nvGrpSpPr>
+            <p:cNvPr id="9" name="그룹 8">
               <a:extLst>
                 <a:ext uri="{FF2B5EF4-FFF2-40B4-BE49-F238E27FC236}">
-                  <a16:creationId xmlns:a16="http://schemas.microsoft.com/office/drawing/2014/main" id="{EFFFDCF6-CA62-42C3-AE52-14C0CBD44CA8}"/>
+                  <a16:creationId xmlns:a16="http://schemas.microsoft.com/office/drawing/2014/main" id="{809A2EDD-9B87-4190-9EF9-9FA2EF5DABC1}"/>
                 </a:ext>
               </a:extLst>
             </p:cNvPr>
-            <p:cNvPicPr/>
+            <p:cNvGrpSpPr/>
+            <p:nvPr/>
+          </p:nvGrpSpPr>
+          <p:grpSpPr>
+            <a:xfrm>
+              <a:off x="3130015" y="2355168"/>
+              <a:ext cx="1886384" cy="3557083"/>
+              <a:chOff x="4327985" y="1680742"/>
+              <a:chExt cx="2382975" cy="4540512"/>
+            </a:xfrm>
+          </p:grpSpPr>
+          <p:sp>
+            <p:nvSpPr>
+              <p:cNvPr id="12" name="Google Shape;272;p32">
+                <a:extLst>
+                  <a:ext uri="{FF2B5EF4-FFF2-40B4-BE49-F238E27FC236}">
+                    <a16:creationId xmlns:a16="http://schemas.microsoft.com/office/drawing/2014/main" id="{9B6FEC9E-E771-45E7-BCBD-0ED489F4C952}"/>
+                  </a:ext>
+                </a:extLst>
+              </p:cNvPr>
+              <p:cNvSpPr/>
+              <p:nvPr/>
+            </p:nvSpPr>
+            <p:spPr>
+              <a:xfrm>
+                <a:off x="4327985" y="1680742"/>
+                <a:ext cx="2382975" cy="4540512"/>
+              </a:xfrm>
+              <a:custGeom>
+                <a:avLst/>
+                <a:gdLst/>
+                <a:ahLst/>
+                <a:cxnLst/>
+                <a:rect l="l" t="t" r="r" b="b"/>
+                <a:pathLst>
+                  <a:path w="30819" h="61841" extrusionOk="0">
+                    <a:moveTo>
+                      <a:pt x="5160" y="2580"/>
+                    </a:moveTo>
+                    <a:lnTo>
+                      <a:pt x="5295" y="2648"/>
+                    </a:lnTo>
+                    <a:lnTo>
+                      <a:pt x="5363" y="2784"/>
+                    </a:lnTo>
+                    <a:lnTo>
+                      <a:pt x="5363" y="2920"/>
+                    </a:lnTo>
+                    <a:lnTo>
+                      <a:pt x="5363" y="3055"/>
+                    </a:lnTo>
+                    <a:lnTo>
+                      <a:pt x="5295" y="3191"/>
+                    </a:lnTo>
+                    <a:lnTo>
+                      <a:pt x="5160" y="3259"/>
+                    </a:lnTo>
+                    <a:lnTo>
+                      <a:pt x="4888" y="3259"/>
+                    </a:lnTo>
+                    <a:lnTo>
+                      <a:pt x="4752" y="3191"/>
+                    </a:lnTo>
+                    <a:lnTo>
+                      <a:pt x="4684" y="3055"/>
+                    </a:lnTo>
+                    <a:lnTo>
+                      <a:pt x="4684" y="2920"/>
+                    </a:lnTo>
+                    <a:lnTo>
+                      <a:pt x="4684" y="2784"/>
+                    </a:lnTo>
+                    <a:lnTo>
+                      <a:pt x="4752" y="2648"/>
+                    </a:lnTo>
+                    <a:lnTo>
+                      <a:pt x="4888" y="2580"/>
+                    </a:lnTo>
+                    <a:close/>
+                    <a:moveTo>
+                      <a:pt x="15410" y="2241"/>
+                    </a:moveTo>
+                    <a:lnTo>
+                      <a:pt x="15681" y="2309"/>
+                    </a:lnTo>
+                    <a:lnTo>
+                      <a:pt x="15885" y="2444"/>
+                    </a:lnTo>
+                    <a:lnTo>
+                      <a:pt x="16021" y="2648"/>
+                    </a:lnTo>
+                    <a:lnTo>
+                      <a:pt x="16088" y="2920"/>
+                    </a:lnTo>
+                    <a:lnTo>
+                      <a:pt x="16021" y="3191"/>
+                    </a:lnTo>
+                    <a:lnTo>
+                      <a:pt x="15885" y="3395"/>
+                    </a:lnTo>
+                    <a:lnTo>
+                      <a:pt x="15681" y="3531"/>
+                    </a:lnTo>
+                    <a:lnTo>
+                      <a:pt x="15410" y="3598"/>
+                    </a:lnTo>
+                    <a:lnTo>
+                      <a:pt x="15138" y="3531"/>
+                    </a:lnTo>
+                    <a:lnTo>
+                      <a:pt x="14934" y="3395"/>
+                    </a:lnTo>
+                    <a:lnTo>
+                      <a:pt x="14799" y="3191"/>
+                    </a:lnTo>
+                    <a:lnTo>
+                      <a:pt x="14731" y="2920"/>
+                    </a:lnTo>
+                    <a:lnTo>
+                      <a:pt x="14799" y="2648"/>
+                    </a:lnTo>
+                    <a:lnTo>
+                      <a:pt x="14934" y="2444"/>
+                    </a:lnTo>
+                    <a:lnTo>
+                      <a:pt x="15138" y="2309"/>
+                    </a:lnTo>
+                    <a:lnTo>
+                      <a:pt x="15410" y="2241"/>
+                    </a:lnTo>
+                    <a:close/>
+                    <a:moveTo>
+                      <a:pt x="29393" y="5228"/>
+                    </a:moveTo>
+                    <a:lnTo>
+                      <a:pt x="29461" y="5296"/>
+                    </a:lnTo>
+                    <a:lnTo>
+                      <a:pt x="29461" y="54849"/>
+                    </a:lnTo>
+                    <a:lnTo>
+                      <a:pt x="1426" y="54849"/>
+                    </a:lnTo>
+                    <a:lnTo>
+                      <a:pt x="1426" y="5296"/>
+                    </a:lnTo>
+                    <a:lnTo>
+                      <a:pt x="1494" y="5228"/>
+                    </a:lnTo>
+                    <a:close/>
+                    <a:moveTo>
+                      <a:pt x="15410" y="544"/>
+                    </a:moveTo>
+                    <a:lnTo>
+                      <a:pt x="19143" y="612"/>
+                    </a:lnTo>
+                    <a:lnTo>
+                      <a:pt x="23012" y="747"/>
+                    </a:lnTo>
+                    <a:lnTo>
+                      <a:pt x="26339" y="951"/>
+                    </a:lnTo>
+                    <a:lnTo>
+                      <a:pt x="27560" y="1087"/>
+                    </a:lnTo>
+                    <a:lnTo>
+                      <a:pt x="27560" y="1087"/>
+                    </a:lnTo>
+                    <a:lnTo>
+                      <a:pt x="26339" y="1019"/>
+                    </a:lnTo>
+                    <a:lnTo>
+                      <a:pt x="23012" y="815"/>
+                    </a:lnTo>
+                    <a:lnTo>
+                      <a:pt x="19143" y="680"/>
+                    </a:lnTo>
+                    <a:lnTo>
+                      <a:pt x="15410" y="612"/>
+                    </a:lnTo>
+                    <a:lnTo>
+                      <a:pt x="11676" y="680"/>
+                    </a:lnTo>
+                    <a:lnTo>
+                      <a:pt x="7807" y="815"/>
+                    </a:lnTo>
+                    <a:lnTo>
+                      <a:pt x="4481" y="1019"/>
+                    </a:lnTo>
+                    <a:lnTo>
+                      <a:pt x="3259" y="1087"/>
+                    </a:lnTo>
+                    <a:lnTo>
+                      <a:pt x="2444" y="1223"/>
+                    </a:lnTo>
+                    <a:lnTo>
+                      <a:pt x="1969" y="1358"/>
+                    </a:lnTo>
+                    <a:lnTo>
+                      <a:pt x="1630" y="1494"/>
+                    </a:lnTo>
+                    <a:lnTo>
+                      <a:pt x="1290" y="1698"/>
+                    </a:lnTo>
+                    <a:lnTo>
+                      <a:pt x="1019" y="1901"/>
+                    </a:lnTo>
+                    <a:lnTo>
+                      <a:pt x="815" y="2173"/>
+                    </a:lnTo>
+                    <a:lnTo>
+                      <a:pt x="679" y="2444"/>
+                    </a:lnTo>
+                    <a:lnTo>
+                      <a:pt x="544" y="2852"/>
+                    </a:lnTo>
+                    <a:lnTo>
+                      <a:pt x="544" y="3259"/>
+                    </a:lnTo>
+                    <a:lnTo>
+                      <a:pt x="544" y="58311"/>
+                    </a:lnTo>
+                    <a:lnTo>
+                      <a:pt x="544" y="58718"/>
+                    </a:lnTo>
+                    <a:lnTo>
+                      <a:pt x="476" y="58311"/>
+                    </a:lnTo>
+                    <a:lnTo>
+                      <a:pt x="476" y="3259"/>
+                    </a:lnTo>
+                    <a:lnTo>
+                      <a:pt x="544" y="2784"/>
+                    </a:lnTo>
+                    <a:lnTo>
+                      <a:pt x="612" y="2444"/>
+                    </a:lnTo>
+                    <a:lnTo>
+                      <a:pt x="747" y="2105"/>
+                    </a:lnTo>
+                    <a:lnTo>
+                      <a:pt x="951" y="1834"/>
+                    </a:lnTo>
+                    <a:lnTo>
+                      <a:pt x="1222" y="1630"/>
+                    </a:lnTo>
+                    <a:lnTo>
+                      <a:pt x="1562" y="1426"/>
+                    </a:lnTo>
+                    <a:lnTo>
+                      <a:pt x="1969" y="1290"/>
+                    </a:lnTo>
+                    <a:lnTo>
+                      <a:pt x="2444" y="1155"/>
+                    </a:lnTo>
+                    <a:lnTo>
+                      <a:pt x="3259" y="1087"/>
+                    </a:lnTo>
+                    <a:lnTo>
+                      <a:pt x="4481" y="951"/>
+                    </a:lnTo>
+                    <a:lnTo>
+                      <a:pt x="7807" y="747"/>
+                    </a:lnTo>
+                    <a:lnTo>
+                      <a:pt x="11676" y="612"/>
+                    </a:lnTo>
+                    <a:lnTo>
+                      <a:pt x="15410" y="544"/>
+                    </a:lnTo>
+                    <a:close/>
+                    <a:moveTo>
+                      <a:pt x="27560" y="1087"/>
+                    </a:moveTo>
+                    <a:lnTo>
+                      <a:pt x="28375" y="1155"/>
+                    </a:lnTo>
+                    <a:lnTo>
+                      <a:pt x="28850" y="1290"/>
+                    </a:lnTo>
+                    <a:lnTo>
+                      <a:pt x="29257" y="1426"/>
+                    </a:lnTo>
+                    <a:lnTo>
+                      <a:pt x="29597" y="1630"/>
+                    </a:lnTo>
+                    <a:lnTo>
+                      <a:pt x="29868" y="1834"/>
+                    </a:lnTo>
+                    <a:lnTo>
+                      <a:pt x="30072" y="2105"/>
+                    </a:lnTo>
+                    <a:lnTo>
+                      <a:pt x="30208" y="2444"/>
+                    </a:lnTo>
+                    <a:lnTo>
+                      <a:pt x="30276" y="2784"/>
+                    </a:lnTo>
+                    <a:lnTo>
+                      <a:pt x="30344" y="3259"/>
+                    </a:lnTo>
+                    <a:lnTo>
+                      <a:pt x="30344" y="58311"/>
+                    </a:lnTo>
+                    <a:lnTo>
+                      <a:pt x="30276" y="58718"/>
+                    </a:lnTo>
+                    <a:lnTo>
+                      <a:pt x="30208" y="59125"/>
+                    </a:lnTo>
+                    <a:lnTo>
+                      <a:pt x="30072" y="59465"/>
+                    </a:lnTo>
+                    <a:lnTo>
+                      <a:pt x="29868" y="59736"/>
+                    </a:lnTo>
+                    <a:lnTo>
+                      <a:pt x="29597" y="60008"/>
+                    </a:lnTo>
+                    <a:lnTo>
+                      <a:pt x="29257" y="60144"/>
+                    </a:lnTo>
+                    <a:lnTo>
+                      <a:pt x="28850" y="60347"/>
+                    </a:lnTo>
+                    <a:lnTo>
+                      <a:pt x="28375" y="60415"/>
+                    </a:lnTo>
+                    <a:lnTo>
+                      <a:pt x="26746" y="60687"/>
+                    </a:lnTo>
+                    <a:lnTo>
+                      <a:pt x="23895" y="60958"/>
+                    </a:lnTo>
+                    <a:lnTo>
+                      <a:pt x="22130" y="61094"/>
+                    </a:lnTo>
+                    <a:lnTo>
+                      <a:pt x="20093" y="61230"/>
+                    </a:lnTo>
+                    <a:lnTo>
+                      <a:pt x="17853" y="61298"/>
+                    </a:lnTo>
+                    <a:lnTo>
+                      <a:pt x="12966" y="61298"/>
+                    </a:lnTo>
+                    <a:lnTo>
+                      <a:pt x="10726" y="61230"/>
+                    </a:lnTo>
+                    <a:lnTo>
+                      <a:pt x="8689" y="61094"/>
+                    </a:lnTo>
+                    <a:lnTo>
+                      <a:pt x="6924" y="60958"/>
+                    </a:lnTo>
+                    <a:lnTo>
+                      <a:pt x="4073" y="60687"/>
+                    </a:lnTo>
+                    <a:lnTo>
+                      <a:pt x="2444" y="60415"/>
+                    </a:lnTo>
+                    <a:lnTo>
+                      <a:pt x="1969" y="60347"/>
+                    </a:lnTo>
+                    <a:lnTo>
+                      <a:pt x="1562" y="60144"/>
+                    </a:lnTo>
+                    <a:lnTo>
+                      <a:pt x="1290" y="60008"/>
+                    </a:lnTo>
+                    <a:lnTo>
+                      <a:pt x="951" y="59736"/>
+                    </a:lnTo>
+                    <a:lnTo>
+                      <a:pt x="747" y="59465"/>
+                    </a:lnTo>
+                    <a:lnTo>
+                      <a:pt x="612" y="59125"/>
+                    </a:lnTo>
+                    <a:lnTo>
+                      <a:pt x="544" y="58718"/>
+                    </a:lnTo>
+                    <a:lnTo>
+                      <a:pt x="544" y="58718"/>
+                    </a:lnTo>
+                    <a:lnTo>
+                      <a:pt x="679" y="59125"/>
+                    </a:lnTo>
+                    <a:lnTo>
+                      <a:pt x="815" y="59397"/>
+                    </a:lnTo>
+                    <a:lnTo>
+                      <a:pt x="1019" y="59669"/>
+                    </a:lnTo>
+                    <a:lnTo>
+                      <a:pt x="1290" y="59940"/>
+                    </a:lnTo>
+                    <a:lnTo>
+                      <a:pt x="1630" y="60144"/>
+                    </a:lnTo>
+                    <a:lnTo>
+                      <a:pt x="2037" y="60279"/>
+                    </a:lnTo>
+                    <a:lnTo>
+                      <a:pt x="2444" y="60415"/>
+                    </a:lnTo>
+                    <a:lnTo>
+                      <a:pt x="4073" y="60619"/>
+                    </a:lnTo>
+                    <a:lnTo>
+                      <a:pt x="6924" y="60890"/>
+                    </a:lnTo>
+                    <a:lnTo>
+                      <a:pt x="8689" y="61026"/>
+                    </a:lnTo>
+                    <a:lnTo>
+                      <a:pt x="10726" y="61162"/>
+                    </a:lnTo>
+                    <a:lnTo>
+                      <a:pt x="12966" y="61230"/>
+                    </a:lnTo>
+                    <a:lnTo>
+                      <a:pt x="17853" y="61230"/>
+                    </a:lnTo>
+                    <a:lnTo>
+                      <a:pt x="20093" y="61162"/>
+                    </a:lnTo>
+                    <a:lnTo>
+                      <a:pt x="22130" y="61026"/>
+                    </a:lnTo>
+                    <a:lnTo>
+                      <a:pt x="23895" y="60890"/>
+                    </a:lnTo>
+                    <a:lnTo>
+                      <a:pt x="26746" y="60619"/>
+                    </a:lnTo>
+                    <a:lnTo>
+                      <a:pt x="28375" y="60415"/>
+                    </a:lnTo>
+                    <a:lnTo>
+                      <a:pt x="28850" y="60279"/>
+                    </a:lnTo>
+                    <a:lnTo>
+                      <a:pt x="29190" y="60144"/>
+                    </a:lnTo>
+                    <a:lnTo>
+                      <a:pt x="29529" y="59940"/>
+                    </a:lnTo>
+                    <a:lnTo>
+                      <a:pt x="29800" y="59669"/>
+                    </a:lnTo>
+                    <a:lnTo>
+                      <a:pt x="30004" y="59397"/>
+                    </a:lnTo>
+                    <a:lnTo>
+                      <a:pt x="30140" y="59125"/>
+                    </a:lnTo>
+                    <a:lnTo>
+                      <a:pt x="30276" y="58718"/>
+                    </a:lnTo>
+                    <a:lnTo>
+                      <a:pt x="30276" y="58311"/>
+                    </a:lnTo>
+                    <a:lnTo>
+                      <a:pt x="30276" y="3259"/>
+                    </a:lnTo>
+                    <a:lnTo>
+                      <a:pt x="30276" y="2852"/>
+                    </a:lnTo>
+                    <a:lnTo>
+                      <a:pt x="30140" y="2444"/>
+                    </a:lnTo>
+                    <a:lnTo>
+                      <a:pt x="30004" y="2173"/>
+                    </a:lnTo>
+                    <a:lnTo>
+                      <a:pt x="29800" y="1901"/>
+                    </a:lnTo>
+                    <a:lnTo>
+                      <a:pt x="29529" y="1698"/>
+                    </a:lnTo>
+                    <a:lnTo>
+                      <a:pt x="29190" y="1494"/>
+                    </a:lnTo>
+                    <a:lnTo>
+                      <a:pt x="28850" y="1358"/>
+                    </a:lnTo>
+                    <a:lnTo>
+                      <a:pt x="28375" y="1223"/>
+                    </a:lnTo>
+                    <a:lnTo>
+                      <a:pt x="27560" y="1087"/>
+                    </a:lnTo>
+                    <a:close/>
+                    <a:moveTo>
+                      <a:pt x="15410" y="1"/>
+                    </a:moveTo>
+                    <a:lnTo>
+                      <a:pt x="11608" y="69"/>
+                    </a:lnTo>
+                    <a:lnTo>
+                      <a:pt x="7739" y="204"/>
+                    </a:lnTo>
+                    <a:lnTo>
+                      <a:pt x="4413" y="408"/>
+                    </a:lnTo>
+                    <a:lnTo>
+                      <a:pt x="3191" y="544"/>
+                    </a:lnTo>
+                    <a:lnTo>
+                      <a:pt x="2309" y="680"/>
+                    </a:lnTo>
+                    <a:lnTo>
+                      <a:pt x="1765" y="815"/>
+                    </a:lnTo>
+                    <a:lnTo>
+                      <a:pt x="1290" y="1019"/>
+                    </a:lnTo>
+                    <a:lnTo>
+                      <a:pt x="883" y="1223"/>
+                    </a:lnTo>
+                    <a:lnTo>
+                      <a:pt x="544" y="1494"/>
+                    </a:lnTo>
+                    <a:lnTo>
+                      <a:pt x="340" y="1901"/>
+                    </a:lnTo>
+                    <a:lnTo>
+                      <a:pt x="136" y="2241"/>
+                    </a:lnTo>
+                    <a:lnTo>
+                      <a:pt x="1" y="2716"/>
+                    </a:lnTo>
+                    <a:lnTo>
+                      <a:pt x="1" y="3259"/>
+                    </a:lnTo>
+                    <a:lnTo>
+                      <a:pt x="1" y="58311"/>
+                    </a:lnTo>
+                    <a:lnTo>
+                      <a:pt x="1" y="58854"/>
+                    </a:lnTo>
+                    <a:lnTo>
+                      <a:pt x="136" y="59261"/>
+                    </a:lnTo>
+                    <a:lnTo>
+                      <a:pt x="340" y="59736"/>
+                    </a:lnTo>
+                    <a:lnTo>
+                      <a:pt x="612" y="60076"/>
+                    </a:lnTo>
+                    <a:lnTo>
+                      <a:pt x="951" y="60347"/>
+                    </a:lnTo>
+                    <a:lnTo>
+                      <a:pt x="1358" y="60619"/>
+                    </a:lnTo>
+                    <a:lnTo>
+                      <a:pt x="1833" y="60823"/>
+                    </a:lnTo>
+                    <a:lnTo>
+                      <a:pt x="2309" y="60958"/>
+                    </a:lnTo>
+                    <a:lnTo>
+                      <a:pt x="4006" y="61162"/>
+                    </a:lnTo>
+                    <a:lnTo>
+                      <a:pt x="6857" y="61501"/>
+                    </a:lnTo>
+                    <a:lnTo>
+                      <a:pt x="8689" y="61637"/>
+                    </a:lnTo>
+                    <a:lnTo>
+                      <a:pt x="10726" y="61705"/>
+                    </a:lnTo>
+                    <a:lnTo>
+                      <a:pt x="12966" y="61773"/>
+                    </a:lnTo>
+                    <a:lnTo>
+                      <a:pt x="15410" y="61841"/>
+                    </a:lnTo>
+                    <a:lnTo>
+                      <a:pt x="17853" y="61773"/>
+                    </a:lnTo>
+                    <a:lnTo>
+                      <a:pt x="20093" y="61705"/>
+                    </a:lnTo>
+                    <a:lnTo>
+                      <a:pt x="22130" y="61637"/>
+                    </a:lnTo>
+                    <a:lnTo>
+                      <a:pt x="23963" y="61501"/>
+                    </a:lnTo>
+                    <a:lnTo>
+                      <a:pt x="26814" y="61162"/>
+                    </a:lnTo>
+                    <a:lnTo>
+                      <a:pt x="28511" y="60958"/>
+                    </a:lnTo>
+                    <a:lnTo>
+                      <a:pt x="28986" y="60823"/>
+                    </a:lnTo>
+                    <a:lnTo>
+                      <a:pt x="29461" y="60619"/>
+                    </a:lnTo>
+                    <a:lnTo>
+                      <a:pt x="29868" y="60347"/>
+                    </a:lnTo>
+                    <a:lnTo>
+                      <a:pt x="30208" y="60076"/>
+                    </a:lnTo>
+                    <a:lnTo>
+                      <a:pt x="30479" y="59736"/>
+                    </a:lnTo>
+                    <a:lnTo>
+                      <a:pt x="30683" y="59261"/>
+                    </a:lnTo>
+                    <a:lnTo>
+                      <a:pt x="30819" y="58854"/>
+                    </a:lnTo>
+                    <a:lnTo>
+                      <a:pt x="30819" y="58311"/>
+                    </a:lnTo>
+                    <a:lnTo>
+                      <a:pt x="30819" y="3259"/>
+                    </a:lnTo>
+                    <a:lnTo>
+                      <a:pt x="30819" y="2716"/>
+                    </a:lnTo>
+                    <a:lnTo>
+                      <a:pt x="30683" y="2241"/>
+                    </a:lnTo>
+                    <a:lnTo>
+                      <a:pt x="30547" y="1901"/>
+                    </a:lnTo>
+                    <a:lnTo>
+                      <a:pt x="30276" y="1494"/>
+                    </a:lnTo>
+                    <a:lnTo>
+                      <a:pt x="29936" y="1223"/>
+                    </a:lnTo>
+                    <a:lnTo>
+                      <a:pt x="29529" y="1019"/>
+                    </a:lnTo>
+                    <a:lnTo>
+                      <a:pt x="29054" y="815"/>
+                    </a:lnTo>
+                    <a:lnTo>
+                      <a:pt x="28511" y="680"/>
+                    </a:lnTo>
+                    <a:lnTo>
+                      <a:pt x="27628" y="544"/>
+                    </a:lnTo>
+                    <a:lnTo>
+                      <a:pt x="26406" y="408"/>
+                    </a:lnTo>
+                    <a:lnTo>
+                      <a:pt x="23080" y="204"/>
+                    </a:lnTo>
+                    <a:lnTo>
+                      <a:pt x="19211" y="69"/>
+                    </a:lnTo>
+                    <a:lnTo>
+                      <a:pt x="15410" y="1"/>
+                    </a:lnTo>
+                    <a:close/>
+                  </a:path>
+                </a:pathLst>
+              </a:custGeom>
+              <a:solidFill>
+                <a:srgbClr val="222222"/>
+              </a:solidFill>
+              <a:ln w="9525" cap="flat" cmpd="sng">
+                <a:solidFill>
+                  <a:srgbClr val="FFFFFF"/>
+                </a:solidFill>
+                <a:prstDash val="solid"/>
+                <a:round/>
+                <a:headEnd type="none" w="sm" len="sm"/>
+                <a:tailEnd type="none" w="sm" len="sm"/>
+              </a:ln>
+            </p:spPr>
+            <p:txBody>
+              <a:bodyPr spcFirstLastPara="1" wrap="square" lIns="91425" tIns="91425" rIns="91425" bIns="91425" anchor="ctr" anchorCtr="0">
+                <a:noAutofit/>
+              </a:bodyPr>
+              <a:lstStyle/>
+              <a:p>
+                <a:pPr marL="0" lvl="0" indent="0" algn="l" rtl="0">
+                  <a:spcBef>
+                    <a:spcPts val="0"/>
+                  </a:spcBef>
+                  <a:spcAft>
+                    <a:spcPts val="0"/>
+                  </a:spcAft>
+                  <a:buNone/>
+                </a:pPr>
+                <a:endParaRPr/>
+              </a:p>
+            </p:txBody>
+          </p:sp>
+          <p:pic>
+            <p:nvPicPr>
+              <p:cNvPr id="19" name="그림 18" descr="bee3.png">
+                <a:extLst>
+                  <a:ext uri="{FF2B5EF4-FFF2-40B4-BE49-F238E27FC236}">
+                    <a16:creationId xmlns:a16="http://schemas.microsoft.com/office/drawing/2014/main" id="{B3969E95-CE8E-4641-A541-F9C4A5CD8016}"/>
+                  </a:ext>
+                </a:extLst>
+              </p:cNvPr>
+              <p:cNvPicPr/>
+              <p:nvPr/>
+            </p:nvPicPr>
+            <p:blipFill>
+              <a:blip r:embed="rId4" cstate="print">
+                <a:extLst>
+                  <a:ext uri="{28A0092B-C50C-407E-A947-70E740481C1C}">
+                    <a14:useLocalDpi xmlns:a14="http://schemas.microsoft.com/office/drawing/2010/main" val="0"/>
+                  </a:ext>
+                </a:extLst>
+              </a:blip>
+              <a:srcRect/>
+              <a:stretch>
+                <a:fillRect/>
+              </a:stretch>
+            </p:blipFill>
+            <p:spPr bwMode="auto">
+              <a:xfrm>
+                <a:off x="4433410" y="2044391"/>
+                <a:ext cx="2189332" cy="3690584"/>
+              </a:xfrm>
+              <a:prstGeom prst="rect">
+                <a:avLst/>
+              </a:prstGeom>
+              <a:noFill/>
+              <a:ln w="9525">
+                <a:noFill/>
+                <a:miter lim="800000"/>
+                <a:headEnd/>
+                <a:tailEnd/>
+              </a:ln>
+            </p:spPr>
+          </p:pic>
+        </p:grpSp>
+        <p:grpSp>
+          <p:nvGrpSpPr>
+            <p:cNvPr id="15" name="그룹 14">
+              <a:extLst>
+                <a:ext uri="{FF2B5EF4-FFF2-40B4-BE49-F238E27FC236}">
+                  <a16:creationId xmlns:a16="http://schemas.microsoft.com/office/drawing/2014/main" id="{1031D433-4CBC-40DB-BB8F-CBD80817F8B6}"/>
+                </a:ext>
+              </a:extLst>
+            </p:cNvPr>
+            <p:cNvGrpSpPr/>
+            <p:nvPr/>
+          </p:nvGrpSpPr>
+          <p:grpSpPr>
+            <a:xfrm>
+              <a:off x="5289219" y="2355168"/>
+              <a:ext cx="1886384" cy="3574739"/>
+              <a:chOff x="6626520" y="1945594"/>
+              <a:chExt cx="2382975" cy="4540512"/>
+            </a:xfrm>
+          </p:grpSpPr>
+          <p:sp>
+            <p:nvSpPr>
+              <p:cNvPr id="21" name="Google Shape;272;p32">
+                <a:extLst>
+                  <a:ext uri="{FF2B5EF4-FFF2-40B4-BE49-F238E27FC236}">
+                    <a16:creationId xmlns:a16="http://schemas.microsoft.com/office/drawing/2014/main" id="{4B38FC8A-C563-46B2-8669-2C78B9697078}"/>
+                  </a:ext>
+                </a:extLst>
+              </p:cNvPr>
+              <p:cNvSpPr/>
+              <p:nvPr/>
+            </p:nvSpPr>
+            <p:spPr>
+              <a:xfrm>
+                <a:off x="6626520" y="1945594"/>
+                <a:ext cx="2382975" cy="4540512"/>
+              </a:xfrm>
+              <a:custGeom>
+                <a:avLst/>
+                <a:gdLst/>
+                <a:ahLst/>
+                <a:cxnLst/>
+                <a:rect l="l" t="t" r="r" b="b"/>
+                <a:pathLst>
+                  <a:path w="30819" h="61841" extrusionOk="0">
+                    <a:moveTo>
+                      <a:pt x="5160" y="2580"/>
+                    </a:moveTo>
+                    <a:lnTo>
+                      <a:pt x="5295" y="2648"/>
+                    </a:lnTo>
+                    <a:lnTo>
+                      <a:pt x="5363" y="2784"/>
+                    </a:lnTo>
+                    <a:lnTo>
+                      <a:pt x="5363" y="2920"/>
+                    </a:lnTo>
+                    <a:lnTo>
+                      <a:pt x="5363" y="3055"/>
+                    </a:lnTo>
+                    <a:lnTo>
+                      <a:pt x="5295" y="3191"/>
+                    </a:lnTo>
+                    <a:lnTo>
+                      <a:pt x="5160" y="3259"/>
+                    </a:lnTo>
+                    <a:lnTo>
+                      <a:pt x="4888" y="3259"/>
+                    </a:lnTo>
+                    <a:lnTo>
+                      <a:pt x="4752" y="3191"/>
+                    </a:lnTo>
+                    <a:lnTo>
+                      <a:pt x="4684" y="3055"/>
+                    </a:lnTo>
+                    <a:lnTo>
+                      <a:pt x="4684" y="2920"/>
+                    </a:lnTo>
+                    <a:lnTo>
+                      <a:pt x="4684" y="2784"/>
+                    </a:lnTo>
+                    <a:lnTo>
+                      <a:pt x="4752" y="2648"/>
+                    </a:lnTo>
+                    <a:lnTo>
+                      <a:pt x="4888" y="2580"/>
+                    </a:lnTo>
+                    <a:close/>
+                    <a:moveTo>
+                      <a:pt x="15410" y="2241"/>
+                    </a:moveTo>
+                    <a:lnTo>
+                      <a:pt x="15681" y="2309"/>
+                    </a:lnTo>
+                    <a:lnTo>
+                      <a:pt x="15885" y="2444"/>
+                    </a:lnTo>
+                    <a:lnTo>
+                      <a:pt x="16021" y="2648"/>
+                    </a:lnTo>
+                    <a:lnTo>
+                      <a:pt x="16088" y="2920"/>
+                    </a:lnTo>
+                    <a:lnTo>
+                      <a:pt x="16021" y="3191"/>
+                    </a:lnTo>
+                    <a:lnTo>
+                      <a:pt x="15885" y="3395"/>
+                    </a:lnTo>
+                    <a:lnTo>
+                      <a:pt x="15681" y="3531"/>
+                    </a:lnTo>
+                    <a:lnTo>
+                      <a:pt x="15410" y="3598"/>
+                    </a:lnTo>
+                    <a:lnTo>
+                      <a:pt x="15138" y="3531"/>
+                    </a:lnTo>
+                    <a:lnTo>
+                      <a:pt x="14934" y="3395"/>
+                    </a:lnTo>
+                    <a:lnTo>
+                      <a:pt x="14799" y="3191"/>
+                    </a:lnTo>
+                    <a:lnTo>
+                      <a:pt x="14731" y="2920"/>
+                    </a:lnTo>
+                    <a:lnTo>
+                      <a:pt x="14799" y="2648"/>
+                    </a:lnTo>
+                    <a:lnTo>
+                      <a:pt x="14934" y="2444"/>
+                    </a:lnTo>
+                    <a:lnTo>
+                      <a:pt x="15138" y="2309"/>
+                    </a:lnTo>
+                    <a:lnTo>
+                      <a:pt x="15410" y="2241"/>
+                    </a:lnTo>
+                    <a:close/>
+                    <a:moveTo>
+                      <a:pt x="29393" y="5228"/>
+                    </a:moveTo>
+                    <a:lnTo>
+                      <a:pt x="29461" y="5296"/>
+                    </a:lnTo>
+                    <a:lnTo>
+                      <a:pt x="29461" y="54849"/>
+                    </a:lnTo>
+                    <a:lnTo>
+                      <a:pt x="1426" y="54849"/>
+                    </a:lnTo>
+                    <a:lnTo>
+                      <a:pt x="1426" y="5296"/>
+                    </a:lnTo>
+                    <a:lnTo>
+                      <a:pt x="1494" y="5228"/>
+                    </a:lnTo>
+                    <a:close/>
+                    <a:moveTo>
+                      <a:pt x="15410" y="544"/>
+                    </a:moveTo>
+                    <a:lnTo>
+                      <a:pt x="19143" y="612"/>
+                    </a:lnTo>
+                    <a:lnTo>
+                      <a:pt x="23012" y="747"/>
+                    </a:lnTo>
+                    <a:lnTo>
+                      <a:pt x="26339" y="951"/>
+                    </a:lnTo>
+                    <a:lnTo>
+                      <a:pt x="27560" y="1087"/>
+                    </a:lnTo>
+                    <a:lnTo>
+                      <a:pt x="27560" y="1087"/>
+                    </a:lnTo>
+                    <a:lnTo>
+                      <a:pt x="26339" y="1019"/>
+                    </a:lnTo>
+                    <a:lnTo>
+                      <a:pt x="23012" y="815"/>
+                    </a:lnTo>
+                    <a:lnTo>
+                      <a:pt x="19143" y="680"/>
+                    </a:lnTo>
+                    <a:lnTo>
+                      <a:pt x="15410" y="612"/>
+                    </a:lnTo>
+                    <a:lnTo>
+                      <a:pt x="11676" y="680"/>
+                    </a:lnTo>
+                    <a:lnTo>
+                      <a:pt x="7807" y="815"/>
+                    </a:lnTo>
+                    <a:lnTo>
+                      <a:pt x="4481" y="1019"/>
+                    </a:lnTo>
+                    <a:lnTo>
+                      <a:pt x="3259" y="1087"/>
+                    </a:lnTo>
+                    <a:lnTo>
+                      <a:pt x="2444" y="1223"/>
+                    </a:lnTo>
+                    <a:lnTo>
+                      <a:pt x="1969" y="1358"/>
+                    </a:lnTo>
+                    <a:lnTo>
+                      <a:pt x="1630" y="1494"/>
+                    </a:lnTo>
+                    <a:lnTo>
+                      <a:pt x="1290" y="1698"/>
+                    </a:lnTo>
+                    <a:lnTo>
+                      <a:pt x="1019" y="1901"/>
+                    </a:lnTo>
+                    <a:lnTo>
+                      <a:pt x="815" y="2173"/>
+                    </a:lnTo>
+                    <a:lnTo>
+                      <a:pt x="679" y="2444"/>
+                    </a:lnTo>
+                    <a:lnTo>
+                      <a:pt x="544" y="2852"/>
+                    </a:lnTo>
+                    <a:lnTo>
+                      <a:pt x="544" y="3259"/>
+                    </a:lnTo>
+                    <a:lnTo>
+                      <a:pt x="544" y="58311"/>
+                    </a:lnTo>
+                    <a:lnTo>
+                      <a:pt x="544" y="58718"/>
+                    </a:lnTo>
+                    <a:lnTo>
+                      <a:pt x="476" y="58311"/>
+                    </a:lnTo>
+                    <a:lnTo>
+                      <a:pt x="476" y="3259"/>
+                    </a:lnTo>
+                    <a:lnTo>
+                      <a:pt x="544" y="2784"/>
+                    </a:lnTo>
+                    <a:lnTo>
+                      <a:pt x="612" y="2444"/>
+                    </a:lnTo>
+                    <a:lnTo>
+                      <a:pt x="747" y="2105"/>
+                    </a:lnTo>
+                    <a:lnTo>
+                      <a:pt x="951" y="1834"/>
+                    </a:lnTo>
+                    <a:lnTo>
+                      <a:pt x="1222" y="1630"/>
+                    </a:lnTo>
+                    <a:lnTo>
+                      <a:pt x="1562" y="1426"/>
+                    </a:lnTo>
+                    <a:lnTo>
+                      <a:pt x="1969" y="1290"/>
+                    </a:lnTo>
+                    <a:lnTo>
+                      <a:pt x="2444" y="1155"/>
+                    </a:lnTo>
+                    <a:lnTo>
+                      <a:pt x="3259" y="1087"/>
+                    </a:lnTo>
+                    <a:lnTo>
+                      <a:pt x="4481" y="951"/>
+                    </a:lnTo>
+                    <a:lnTo>
+                      <a:pt x="7807" y="747"/>
+                    </a:lnTo>
+                    <a:lnTo>
+                      <a:pt x="11676" y="612"/>
+                    </a:lnTo>
+                    <a:lnTo>
+                      <a:pt x="15410" y="544"/>
+                    </a:lnTo>
+                    <a:close/>
+                    <a:moveTo>
+                      <a:pt x="27560" y="1087"/>
+                    </a:moveTo>
+                    <a:lnTo>
+                      <a:pt x="28375" y="1155"/>
+                    </a:lnTo>
+                    <a:lnTo>
+                      <a:pt x="28850" y="1290"/>
+                    </a:lnTo>
+                    <a:lnTo>
+                      <a:pt x="29257" y="1426"/>
+                    </a:lnTo>
+                    <a:lnTo>
+                      <a:pt x="29597" y="1630"/>
+                    </a:lnTo>
+                    <a:lnTo>
+                      <a:pt x="29868" y="1834"/>
+                    </a:lnTo>
+                    <a:lnTo>
+                      <a:pt x="30072" y="2105"/>
+                    </a:lnTo>
+                    <a:lnTo>
+                      <a:pt x="30208" y="2444"/>
+                    </a:lnTo>
+                    <a:lnTo>
+                      <a:pt x="30276" y="2784"/>
+                    </a:lnTo>
+                    <a:lnTo>
+                      <a:pt x="30344" y="3259"/>
+                    </a:lnTo>
+                    <a:lnTo>
+                      <a:pt x="30344" y="58311"/>
+                    </a:lnTo>
+                    <a:lnTo>
+                      <a:pt x="30276" y="58718"/>
+                    </a:lnTo>
+                    <a:lnTo>
+                      <a:pt x="30208" y="59125"/>
+                    </a:lnTo>
+                    <a:lnTo>
+                      <a:pt x="30072" y="59465"/>
+                    </a:lnTo>
+                    <a:lnTo>
+                      <a:pt x="29868" y="59736"/>
+                    </a:lnTo>
+                    <a:lnTo>
+                      <a:pt x="29597" y="60008"/>
+                    </a:lnTo>
+                    <a:lnTo>
+                      <a:pt x="29257" y="60144"/>
+                    </a:lnTo>
+                    <a:lnTo>
+                      <a:pt x="28850" y="60347"/>
+                    </a:lnTo>
+                    <a:lnTo>
+                      <a:pt x="28375" y="60415"/>
+                    </a:lnTo>
+                    <a:lnTo>
+                      <a:pt x="26746" y="60687"/>
+                    </a:lnTo>
+                    <a:lnTo>
+                      <a:pt x="23895" y="60958"/>
+                    </a:lnTo>
+                    <a:lnTo>
+                      <a:pt x="22130" y="61094"/>
+                    </a:lnTo>
+                    <a:lnTo>
+                      <a:pt x="20093" y="61230"/>
+                    </a:lnTo>
+                    <a:lnTo>
+                      <a:pt x="17853" y="61298"/>
+                    </a:lnTo>
+                    <a:lnTo>
+                      <a:pt x="12966" y="61298"/>
+                    </a:lnTo>
+                    <a:lnTo>
+                      <a:pt x="10726" y="61230"/>
+                    </a:lnTo>
+                    <a:lnTo>
+                      <a:pt x="8689" y="61094"/>
+                    </a:lnTo>
+                    <a:lnTo>
+                      <a:pt x="6924" y="60958"/>
+                    </a:lnTo>
+                    <a:lnTo>
+                      <a:pt x="4073" y="60687"/>
+                    </a:lnTo>
+                    <a:lnTo>
+                      <a:pt x="2444" y="60415"/>
+                    </a:lnTo>
+                    <a:lnTo>
+                      <a:pt x="1969" y="60347"/>
+                    </a:lnTo>
+                    <a:lnTo>
+                      <a:pt x="1562" y="60144"/>
+                    </a:lnTo>
+                    <a:lnTo>
+                      <a:pt x="1290" y="60008"/>
+                    </a:lnTo>
+                    <a:lnTo>
+                      <a:pt x="951" y="59736"/>
+                    </a:lnTo>
+                    <a:lnTo>
+                      <a:pt x="747" y="59465"/>
+                    </a:lnTo>
+                    <a:lnTo>
+                      <a:pt x="612" y="59125"/>
+                    </a:lnTo>
+                    <a:lnTo>
+                      <a:pt x="544" y="58718"/>
+                    </a:lnTo>
+                    <a:lnTo>
+                      <a:pt x="544" y="58718"/>
+                    </a:lnTo>
+                    <a:lnTo>
+                      <a:pt x="679" y="59125"/>
+                    </a:lnTo>
+                    <a:lnTo>
+                      <a:pt x="815" y="59397"/>
+                    </a:lnTo>
+                    <a:lnTo>
+                      <a:pt x="1019" y="59669"/>
+                    </a:lnTo>
+                    <a:lnTo>
+                      <a:pt x="1290" y="59940"/>
+                    </a:lnTo>
+                    <a:lnTo>
+                      <a:pt x="1630" y="60144"/>
+                    </a:lnTo>
+                    <a:lnTo>
+                      <a:pt x="2037" y="60279"/>
+                    </a:lnTo>
+                    <a:lnTo>
+                      <a:pt x="2444" y="60415"/>
+                    </a:lnTo>
+                    <a:lnTo>
+                      <a:pt x="4073" y="60619"/>
+                    </a:lnTo>
+                    <a:lnTo>
+                      <a:pt x="6924" y="60890"/>
+                    </a:lnTo>
+                    <a:lnTo>
+                      <a:pt x="8689" y="61026"/>
+                    </a:lnTo>
+                    <a:lnTo>
+                      <a:pt x="10726" y="61162"/>
+                    </a:lnTo>
+                    <a:lnTo>
+                      <a:pt x="12966" y="61230"/>
+                    </a:lnTo>
+                    <a:lnTo>
+                      <a:pt x="17853" y="61230"/>
+                    </a:lnTo>
+                    <a:lnTo>
+                      <a:pt x="20093" y="61162"/>
+                    </a:lnTo>
+                    <a:lnTo>
+                      <a:pt x="22130" y="61026"/>
+                    </a:lnTo>
+                    <a:lnTo>
+                      <a:pt x="23895" y="60890"/>
+                    </a:lnTo>
+                    <a:lnTo>
+                      <a:pt x="26746" y="60619"/>
+                    </a:lnTo>
+                    <a:lnTo>
+                      <a:pt x="28375" y="60415"/>
+                    </a:lnTo>
+                    <a:lnTo>
+                      <a:pt x="28850" y="60279"/>
+                    </a:lnTo>
+                    <a:lnTo>
+                      <a:pt x="29190" y="60144"/>
+                    </a:lnTo>
+                    <a:lnTo>
+                      <a:pt x="29529" y="59940"/>
+                    </a:lnTo>
+                    <a:lnTo>
+                      <a:pt x="29800" y="59669"/>
+                    </a:lnTo>
+                    <a:lnTo>
+                      <a:pt x="30004" y="59397"/>
+                    </a:lnTo>
+                    <a:lnTo>
+                      <a:pt x="30140" y="59125"/>
+                    </a:lnTo>
+                    <a:lnTo>
+                      <a:pt x="30276" y="58718"/>
+                    </a:lnTo>
+                    <a:lnTo>
+                      <a:pt x="30276" y="58311"/>
+                    </a:lnTo>
+                    <a:lnTo>
+                      <a:pt x="30276" y="3259"/>
+                    </a:lnTo>
+                    <a:lnTo>
+                      <a:pt x="30276" y="2852"/>
+                    </a:lnTo>
+                    <a:lnTo>
+                      <a:pt x="30140" y="2444"/>
+                    </a:lnTo>
+                    <a:lnTo>
+                      <a:pt x="30004" y="2173"/>
+                    </a:lnTo>
+                    <a:lnTo>
+                      <a:pt x="29800" y="1901"/>
+                    </a:lnTo>
+                    <a:lnTo>
+                      <a:pt x="29529" y="1698"/>
+                    </a:lnTo>
+                    <a:lnTo>
+                      <a:pt x="29190" y="1494"/>
+                    </a:lnTo>
+                    <a:lnTo>
+                      <a:pt x="28850" y="1358"/>
+                    </a:lnTo>
+                    <a:lnTo>
+                      <a:pt x="28375" y="1223"/>
+                    </a:lnTo>
+                    <a:lnTo>
+                      <a:pt x="27560" y="1087"/>
+                    </a:lnTo>
+                    <a:close/>
+                    <a:moveTo>
+                      <a:pt x="15410" y="1"/>
+                    </a:moveTo>
+                    <a:lnTo>
+                      <a:pt x="11608" y="69"/>
+                    </a:lnTo>
+                    <a:lnTo>
+                      <a:pt x="7739" y="204"/>
+                    </a:lnTo>
+                    <a:lnTo>
+                      <a:pt x="4413" y="408"/>
+                    </a:lnTo>
+                    <a:lnTo>
+                      <a:pt x="3191" y="544"/>
+                    </a:lnTo>
+                    <a:lnTo>
+                      <a:pt x="2309" y="680"/>
+                    </a:lnTo>
+                    <a:lnTo>
+                      <a:pt x="1765" y="815"/>
+                    </a:lnTo>
+                    <a:lnTo>
+                      <a:pt x="1290" y="1019"/>
+                    </a:lnTo>
+                    <a:lnTo>
+                      <a:pt x="883" y="1223"/>
+                    </a:lnTo>
+                    <a:lnTo>
+                      <a:pt x="544" y="1494"/>
+                    </a:lnTo>
+                    <a:lnTo>
+                      <a:pt x="340" y="1901"/>
+                    </a:lnTo>
+                    <a:lnTo>
+                      <a:pt x="136" y="2241"/>
+                    </a:lnTo>
+                    <a:lnTo>
+                      <a:pt x="1" y="2716"/>
+                    </a:lnTo>
+                    <a:lnTo>
+                      <a:pt x="1" y="3259"/>
+                    </a:lnTo>
+                    <a:lnTo>
+                      <a:pt x="1" y="58311"/>
+                    </a:lnTo>
+                    <a:lnTo>
+                      <a:pt x="1" y="58854"/>
+                    </a:lnTo>
+                    <a:lnTo>
+                      <a:pt x="136" y="59261"/>
+                    </a:lnTo>
+                    <a:lnTo>
+                      <a:pt x="340" y="59736"/>
+                    </a:lnTo>
+                    <a:lnTo>
+                      <a:pt x="612" y="60076"/>
+                    </a:lnTo>
+                    <a:lnTo>
+                      <a:pt x="951" y="60347"/>
+                    </a:lnTo>
+                    <a:lnTo>
+                      <a:pt x="1358" y="60619"/>
+                    </a:lnTo>
+                    <a:lnTo>
+                      <a:pt x="1833" y="60823"/>
+                    </a:lnTo>
+                    <a:lnTo>
+                      <a:pt x="2309" y="60958"/>
+                    </a:lnTo>
+                    <a:lnTo>
+                      <a:pt x="4006" y="61162"/>
+                    </a:lnTo>
+                    <a:lnTo>
+                      <a:pt x="6857" y="61501"/>
+                    </a:lnTo>
+                    <a:lnTo>
+                      <a:pt x="8689" y="61637"/>
+                    </a:lnTo>
+                    <a:lnTo>
+                      <a:pt x="10726" y="61705"/>
+                    </a:lnTo>
+                    <a:lnTo>
+                      <a:pt x="12966" y="61773"/>
+                    </a:lnTo>
+                    <a:lnTo>
+                      <a:pt x="15410" y="61841"/>
+                    </a:lnTo>
+                    <a:lnTo>
+                      <a:pt x="17853" y="61773"/>
+                    </a:lnTo>
+                    <a:lnTo>
+                      <a:pt x="20093" y="61705"/>
+                    </a:lnTo>
+                    <a:lnTo>
+                      <a:pt x="22130" y="61637"/>
+                    </a:lnTo>
+                    <a:lnTo>
+                      <a:pt x="23963" y="61501"/>
+                    </a:lnTo>
+                    <a:lnTo>
+                      <a:pt x="26814" y="61162"/>
+                    </a:lnTo>
+                    <a:lnTo>
+                      <a:pt x="28511" y="60958"/>
+                    </a:lnTo>
+                    <a:lnTo>
+                      <a:pt x="28986" y="60823"/>
+                    </a:lnTo>
+                    <a:lnTo>
+                      <a:pt x="29461" y="60619"/>
+                    </a:lnTo>
+                    <a:lnTo>
+                      <a:pt x="29868" y="60347"/>
+                    </a:lnTo>
+                    <a:lnTo>
+                      <a:pt x="30208" y="60076"/>
+                    </a:lnTo>
+                    <a:lnTo>
+                      <a:pt x="30479" y="59736"/>
+                    </a:lnTo>
+                    <a:lnTo>
+                      <a:pt x="30683" y="59261"/>
+                    </a:lnTo>
+                    <a:lnTo>
+                      <a:pt x="30819" y="58854"/>
+                    </a:lnTo>
+                    <a:lnTo>
+                      <a:pt x="30819" y="58311"/>
+                    </a:lnTo>
+                    <a:lnTo>
+                      <a:pt x="30819" y="3259"/>
+                    </a:lnTo>
+                    <a:lnTo>
+                      <a:pt x="30819" y="2716"/>
+                    </a:lnTo>
+                    <a:lnTo>
+                      <a:pt x="30683" y="2241"/>
+                    </a:lnTo>
+                    <a:lnTo>
+                      <a:pt x="30547" y="1901"/>
+                    </a:lnTo>
+                    <a:lnTo>
+                      <a:pt x="30276" y="1494"/>
+                    </a:lnTo>
+                    <a:lnTo>
+                      <a:pt x="29936" y="1223"/>
+                    </a:lnTo>
+                    <a:lnTo>
+                      <a:pt x="29529" y="1019"/>
+                    </a:lnTo>
+                    <a:lnTo>
+                      <a:pt x="29054" y="815"/>
+                    </a:lnTo>
+                    <a:lnTo>
+                      <a:pt x="28511" y="680"/>
+                    </a:lnTo>
+                    <a:lnTo>
+                      <a:pt x="27628" y="544"/>
+                    </a:lnTo>
+                    <a:lnTo>
+                      <a:pt x="26406" y="408"/>
+                    </a:lnTo>
+                    <a:lnTo>
+                      <a:pt x="23080" y="204"/>
+                    </a:lnTo>
+                    <a:lnTo>
+                      <a:pt x="19211" y="69"/>
+                    </a:lnTo>
+                    <a:lnTo>
+                      <a:pt x="15410" y="1"/>
+                    </a:lnTo>
+                    <a:close/>
+                  </a:path>
+                </a:pathLst>
+              </a:custGeom>
+              <a:solidFill>
+                <a:srgbClr val="222222"/>
+              </a:solidFill>
+              <a:ln w="9525" cap="flat" cmpd="sng">
+                <a:solidFill>
+                  <a:srgbClr val="FFFFFF"/>
+                </a:solidFill>
+                <a:prstDash val="solid"/>
+                <a:round/>
+                <a:headEnd type="none" w="sm" len="sm"/>
+                <a:tailEnd type="none" w="sm" len="sm"/>
+              </a:ln>
+            </p:spPr>
+            <p:txBody>
+              <a:bodyPr spcFirstLastPara="1" wrap="square" lIns="91425" tIns="91425" rIns="91425" bIns="91425" anchor="ctr" anchorCtr="0">
+                <a:noAutofit/>
+              </a:bodyPr>
+              <a:lstStyle/>
+              <a:p>
+                <a:pPr marL="0" lvl="0" indent="0" algn="l" rtl="0">
+                  <a:spcBef>
+                    <a:spcPts val="0"/>
+                  </a:spcBef>
+                  <a:spcAft>
+                    <a:spcPts val="0"/>
+                  </a:spcAft>
+                  <a:buNone/>
+                </a:pPr>
+                <a:endParaRPr/>
+              </a:p>
+            </p:txBody>
+          </p:sp>
+          <p:pic>
+            <p:nvPicPr>
+              <p:cNvPr id="22" name="그림 21" descr="bee4.png">
+                <a:extLst>
+                  <a:ext uri="{FF2B5EF4-FFF2-40B4-BE49-F238E27FC236}">
+                    <a16:creationId xmlns:a16="http://schemas.microsoft.com/office/drawing/2014/main" id="{EFFFDCF6-CA62-42C3-AE52-14C0CBD44CA8}"/>
+                  </a:ext>
+                </a:extLst>
+              </p:cNvPr>
+              <p:cNvPicPr/>
+              <p:nvPr/>
+            </p:nvPicPr>
+            <p:blipFill>
+              <a:blip r:embed="rId5" cstate="print">
+                <a:extLst>
+                  <a:ext uri="{28A0092B-C50C-407E-A947-70E740481C1C}">
+                    <a14:useLocalDpi xmlns:a14="http://schemas.microsoft.com/office/drawing/2010/main" val="0"/>
+                  </a:ext>
+                </a:extLst>
+              </a:blip>
+              <a:srcRect/>
+              <a:stretch>
+                <a:fillRect/>
+              </a:stretch>
+            </p:blipFill>
+            <p:spPr bwMode="auto">
+              <a:xfrm>
+                <a:off x="6728236" y="2297833"/>
+                <a:ext cx="2193821" cy="3747860"/>
+              </a:xfrm>
+              <a:prstGeom prst="rect">
+                <a:avLst/>
+              </a:prstGeom>
+              <a:noFill/>
+              <a:ln w="9525">
+                <a:noFill/>
+                <a:miter lim="800000"/>
+                <a:headEnd/>
+                <a:tailEnd/>
+              </a:ln>
+            </p:spPr>
+          </p:pic>
+        </p:grpSp>
+        <p:pic>
+          <p:nvPicPr>
+            <p:cNvPr id="18" name="그림 17">
+              <a:extLst>
+                <a:ext uri="{FF2B5EF4-FFF2-40B4-BE49-F238E27FC236}">
+                  <a16:creationId xmlns:a16="http://schemas.microsoft.com/office/drawing/2014/main" id="{05B67ACA-8FBA-477A-9998-B152DF09E598}"/>
+                </a:ext>
+              </a:extLst>
+            </p:cNvPr>
+            <p:cNvPicPr>
+              <a:picLocks noChangeAspect="1"/>
+            </p:cNvPicPr>
             <p:nvPr/>
           </p:nvPicPr>
           <p:blipFill>
-            <a:blip r:embed="rId5" cstate="print">
+            <a:blip r:embed="rId6">
               <a:extLst>
                 <a:ext uri="{28A0092B-C50C-407E-A947-70E740481C1C}">
                   <a14:useLocalDpi xmlns:a14="http://schemas.microsoft.com/office/drawing/2010/main" val="0"/>
                 </a:ext>
               </a:extLst>
             </a:blip>
-            <a:srcRect/>
             <a:stretch>
               <a:fillRect/>
             </a:stretch>
           </p:blipFill>
-          <p:spPr bwMode="auto">
+          <p:spPr>
             <a:xfrm>
-              <a:off x="6728236" y="2297833"/>
-              <a:ext cx="2193821" cy="3747860"/>
+              <a:off x="1254747" y="4334086"/>
+              <a:ext cx="493243" cy="493243"/>
             </a:xfrm>
             <a:prstGeom prst="rect">
               <a:avLst/>
             </a:prstGeom>
-            <a:noFill/>
-            <a:ln w="9525">
-              <a:noFill/>
-              <a:miter lim="800000"/>
-              <a:headEnd/>
-              <a:tailEnd/>
-            </a:ln>
           </p:spPr>
         </p:pic>
       </p:grpSp>
-      <p:pic>
-        <p:nvPicPr>
-          <p:cNvPr id="18" name="그림 17">
-            <a:extLst>
-              <a:ext uri="{FF2B5EF4-FFF2-40B4-BE49-F238E27FC236}">
-                <a16:creationId xmlns:a16="http://schemas.microsoft.com/office/drawing/2014/main" id="{05B67ACA-8FBA-477A-9998-B152DF09E598}"/>
-              </a:ext>
-            </a:extLst>
-          </p:cNvPr>
-          <p:cNvPicPr>
-            <a:picLocks noChangeAspect="1"/>
-          </p:cNvPicPr>
-          <p:nvPr/>
-        </p:nvPicPr>
-        <p:blipFill>
-          <a:blip r:embed="rId6">
-            <a:extLst>
-              <a:ext uri="{28A0092B-C50C-407E-A947-70E740481C1C}">
-                <a14:useLocalDpi xmlns:a14="http://schemas.microsoft.com/office/drawing/2010/main" val="0"/>
-              </a:ext>
-            </a:extLst>
-          </a:blip>
-          <a:stretch>
-            <a:fillRect/>
-          </a:stretch>
-        </p:blipFill>
-        <p:spPr>
-          <a:xfrm>
-            <a:off x="1254747" y="4334086"/>
-            <a:ext cx="493243" cy="493243"/>
-          </a:xfrm>
-          <a:prstGeom prst="rect">
-            <a:avLst/>
-          </a:prstGeom>
-        </p:spPr>
-      </p:pic>
       <p:sp>
         <p:nvSpPr>
           <p:cNvPr id="7" name="TextBox 6">
@@ -12713,7 +12783,7 @@
         </p:nvSpPr>
         <p:spPr>
           <a:xfrm>
-            <a:off x="514691" y="1598836"/>
+            <a:off x="514691" y="1657512"/>
             <a:ext cx="6003424" cy="369332"/>
           </a:xfrm>
           <a:prstGeom prst="rect">
@@ -12758,8 +12828,8 @@
         </p:nvSpPr>
         <p:spPr>
           <a:xfrm>
-            <a:off x="7814145" y="2330419"/>
-            <a:ext cx="4067047" cy="3200876"/>
+            <a:off x="7540006" y="2123643"/>
+            <a:ext cx="4067047" cy="3908762"/>
           </a:xfrm>
           <a:prstGeom prst="rect">
             <a:avLst/>
@@ -12773,11 +12843,24 @@
           <a:p>
             <a:r>
               <a:rPr lang="en-US" altLang="ko-KR" sz="1600" dirty="0">
+                <a:effectLst>
+                  <a:outerShdw blurRad="38100" dist="38100" dir="2700000" algn="tl">
+                    <a:srgbClr val="000000">
+                      <a:alpha val="43137"/>
+                    </a:srgbClr>
+                  </a:outerShdw>
+                </a:effectLst>
                 <a:latin typeface="a옛날목욕탕L" panose="02020600000000000000" pitchFamily="18" charset="-127"/>
                 <a:ea typeface="a옛날목욕탕L" panose="02020600000000000000" pitchFamily="18" charset="-127"/>
               </a:rPr>
               <a:t>Speech to Braille</a:t>
             </a:r>
+          </a:p>
+          <a:p>
+            <a:endParaRPr lang="en-US" altLang="ko-KR" sz="1600" dirty="0">
+              <a:latin typeface="a옛날목욕탕L" panose="02020600000000000000" pitchFamily="18" charset="-127"/>
+              <a:ea typeface="a옛날목욕탕L" panose="02020600000000000000" pitchFamily="18" charset="-127"/>
+            </a:endParaRPr>
           </a:p>
           <a:p>
             <a:pPr marL="342900" indent="-342900">
@@ -12833,7 +12916,41 @@
                 <a:latin typeface="a옛날목욕탕L" panose="02020600000000000000" pitchFamily="18" charset="-127"/>
                 <a:ea typeface="a옛날목욕탕L" panose="02020600000000000000" pitchFamily="18" charset="-127"/>
               </a:rPr>
-              <a:t>마이크 아이콘을 누르고 음성을 입력하면 문자로 변환되어 화면에 보여진다</a:t>
+              <a:t>마이크 아이콘을 누르고 음성을 입력하면 </a:t>
+            </a:r>
+            <a:endParaRPr lang="en-US" altLang="ko-KR" sz="1400" dirty="0">
+              <a:latin typeface="a옛날목욕탕L" panose="02020600000000000000" pitchFamily="18" charset="-127"/>
+              <a:ea typeface="a옛날목욕탕L" panose="02020600000000000000" pitchFamily="18" charset="-127"/>
+            </a:endParaRPr>
+          </a:p>
+          <a:p>
+            <a:r>
+              <a:rPr lang="en-US" altLang="ko-KR" sz="1400" dirty="0">
+                <a:latin typeface="a옛날목욕탕L" panose="02020600000000000000" pitchFamily="18" charset="-127"/>
+                <a:ea typeface="a옛날목욕탕L" panose="02020600000000000000" pitchFamily="18" charset="-127"/>
+              </a:rPr>
+              <a:t>      </a:t>
+            </a:r>
+            <a:r>
+              <a:rPr lang="ko-KR" altLang="en-US" sz="1400" dirty="0">
+                <a:latin typeface="a옛날목욕탕L" panose="02020600000000000000" pitchFamily="18" charset="-127"/>
+                <a:ea typeface="a옛날목욕탕L" panose="02020600000000000000" pitchFamily="18" charset="-127"/>
+              </a:rPr>
+              <a:t>문자로</a:t>
+            </a:r>
+            <a:r>
+              <a:rPr lang="en-US" altLang="ko-KR" sz="1400" dirty="0">
+                <a:latin typeface="a옛날목욕탕L" panose="02020600000000000000" pitchFamily="18" charset="-127"/>
+                <a:ea typeface="a옛날목욕탕L" panose="02020600000000000000" pitchFamily="18" charset="-127"/>
+              </a:rPr>
+              <a:t> </a:t>
+            </a:r>
+            <a:r>
+              <a:rPr lang="ko-KR" altLang="en-US" sz="1400" dirty="0">
+                <a:latin typeface="a옛날목욕탕L" panose="02020600000000000000" pitchFamily="18" charset="-127"/>
+                <a:ea typeface="a옛날목욕탕L" panose="02020600000000000000" pitchFamily="18" charset="-127"/>
+              </a:rPr>
+              <a:t>변환되어 화면에 보여진다</a:t>
             </a:r>
             <a:r>
               <a:rPr lang="en-US" altLang="ko-KR" sz="1400" dirty="0">
@@ -12856,35 +12973,42 @@
           <a:p>
             <a:pPr marL="342900" indent="-342900">
               <a:buFont typeface="+mj-ea"/>
-              <a:buAutoNum type="circleNumDbPlain"/>
+              <a:buAutoNum type="circleNumDbPlain" startAt="3"/>
             </a:pPr>
             <a:r>
+              <a:rPr lang="ko-KR" altLang="en-US" sz="1400" dirty="0">
+                <a:latin typeface="a옛날목욕탕L" panose="02020600000000000000" pitchFamily="18" charset="-127"/>
+                <a:ea typeface="a옛날목욕탕L" panose="02020600000000000000" pitchFamily="18" charset="-127"/>
+              </a:rPr>
+              <a:t>점자 변환</a:t>
+            </a:r>
+            <a:r>
               <a:rPr lang="en-US" altLang="ko-KR" sz="1400" dirty="0">
                 <a:latin typeface="a옛날목욕탕L" panose="02020600000000000000" pitchFamily="18" charset="-127"/>
                 <a:ea typeface="a옛날목욕탕L" panose="02020600000000000000" pitchFamily="18" charset="-127"/>
               </a:rPr>
-              <a:t>‘</a:t>
+              <a:t> </a:t>
             </a:r>
             <a:r>
               <a:rPr lang="ko-KR" altLang="en-US" sz="1400" dirty="0">
                 <a:latin typeface="a옛날목욕탕L" panose="02020600000000000000" pitchFamily="18" charset="-127"/>
                 <a:ea typeface="a옛날목욕탕L" panose="02020600000000000000" pitchFamily="18" charset="-127"/>
               </a:rPr>
-              <a:t>점자 변환</a:t>
+              <a:t>아이콘을 선택하면 </a:t>
             </a:r>
             <a:r>
               <a:rPr lang="en-US" altLang="ko-KR" sz="1400" dirty="0">
                 <a:latin typeface="a옛날목욕탕L" panose="02020600000000000000" pitchFamily="18" charset="-127"/>
                 <a:ea typeface="a옛날목욕탕L" panose="02020600000000000000" pitchFamily="18" charset="-127"/>
               </a:rPr>
-              <a:t>’</a:t>
+              <a:t>BEE</a:t>
             </a:r>
             <a:r>
               <a:rPr lang="ko-KR" altLang="en-US" sz="1400" dirty="0">
                 <a:latin typeface="a옛날목욕탕L" panose="02020600000000000000" pitchFamily="18" charset="-127"/>
                 <a:ea typeface="a옛날목욕탕L" panose="02020600000000000000" pitchFamily="18" charset="-127"/>
               </a:rPr>
-              <a:t>아이콘을 선택하면 </a:t>
+              <a:t> </a:t>
             </a:r>
             <a:r>
               <a:rPr lang="en-US" altLang="ko-KR" sz="1400" dirty="0">
@@ -12898,7 +13022,27 @@
                 <a:latin typeface="a옛날목욕탕L" panose="02020600000000000000" pitchFamily="18" charset="-127"/>
                 <a:ea typeface="a옛날목욕탕L" panose="02020600000000000000" pitchFamily="18" charset="-127"/>
               </a:rPr>
-              <a:t>에 점자로 변환된다</a:t>
+              <a:t>에 </a:t>
+            </a:r>
+            <a:endParaRPr lang="en-US" altLang="ko-KR" sz="1400" dirty="0">
+              <a:latin typeface="a옛날목욕탕L" panose="02020600000000000000" pitchFamily="18" charset="-127"/>
+              <a:ea typeface="a옛날목욕탕L" panose="02020600000000000000" pitchFamily="18" charset="-127"/>
+            </a:endParaRPr>
+          </a:p>
+          <a:p>
+            <a:r>
+              <a:rPr lang="en-US" altLang="ko-KR" sz="1400" dirty="0">
+                <a:latin typeface="a옛날목욕탕L" panose="02020600000000000000" pitchFamily="18" charset="-127"/>
+                <a:ea typeface="a옛날목욕탕L" panose="02020600000000000000" pitchFamily="18" charset="-127"/>
+              </a:rPr>
+              <a:t>      </a:t>
+            </a:r>
+            <a:r>
+              <a:rPr lang="ko-KR" altLang="en-US" sz="1400" dirty="0">
+                <a:latin typeface="a옛날목욕탕L" panose="02020600000000000000" pitchFamily="18" charset="-127"/>
+                <a:ea typeface="a옛날목욕탕L" panose="02020600000000000000" pitchFamily="18" charset="-127"/>
+              </a:rPr>
+              <a:t>점자로 변환된다</a:t>
             </a:r>
             <a:r>
               <a:rPr lang="en-US" altLang="ko-KR" sz="1400" dirty="0">
@@ -12921,11 +13065,24 @@
           <a:p>
             <a:r>
               <a:rPr lang="en-US" altLang="ko-KR" sz="1600" dirty="0">
+                <a:effectLst>
+                  <a:outerShdw blurRad="38100" dist="38100" dir="2700000" algn="tl">
+                    <a:srgbClr val="000000">
+                      <a:alpha val="43137"/>
+                    </a:srgbClr>
+                  </a:outerShdw>
+                </a:effectLst>
                 <a:latin typeface="a옛날목욕탕L" panose="02020600000000000000" pitchFamily="18" charset="-127"/>
                 <a:ea typeface="a옛날목욕탕L" panose="02020600000000000000" pitchFamily="18" charset="-127"/>
               </a:rPr>
               <a:t>Braille to Speech</a:t>
             </a:r>
+          </a:p>
+          <a:p>
+            <a:endParaRPr lang="en-US" altLang="ko-KR" sz="1600" dirty="0">
+              <a:latin typeface="a옛날목욕탕L" panose="02020600000000000000" pitchFamily="18" charset="-127"/>
+              <a:ea typeface="a옛날목욕탕L" panose="02020600000000000000" pitchFamily="18" charset="-127"/>
+            </a:endParaRPr>
           </a:p>
           <a:p>
             <a:pPr marL="342900" indent="-342900">
@@ -12969,12 +13126,18 @@
               </a:rPr>
               <a:t>점자 입력부를 통해 점자를 입력하고 </a:t>
             </a:r>
+            <a:endParaRPr lang="en-US" altLang="ko-KR" sz="1400" dirty="0">
+              <a:latin typeface="a옛날목욕탕L" panose="02020600000000000000" pitchFamily="18" charset="-127"/>
+              <a:ea typeface="a옛날목욕탕L" panose="02020600000000000000" pitchFamily="18" charset="-127"/>
+            </a:endParaRPr>
+          </a:p>
+          <a:p>
             <a:r>
               <a:rPr lang="en-US" altLang="ko-KR" sz="1400" dirty="0">
                 <a:latin typeface="a옛날목욕탕L" panose="02020600000000000000" pitchFamily="18" charset="-127"/>
                 <a:ea typeface="a옛날목욕탕L" panose="02020600000000000000" pitchFamily="18" charset="-127"/>
               </a:rPr>
-              <a:t>‘Send’</a:t>
+              <a:t>      Send </a:t>
             </a:r>
             <a:r>
               <a:rPr lang="ko-KR" altLang="en-US" sz="1400" dirty="0">
@@ -12988,14 +13151,34 @@
                 <a:latin typeface="a옛날목욕탕L" panose="02020600000000000000" pitchFamily="18" charset="-127"/>
                 <a:ea typeface="a옛날목욕탕L" panose="02020600000000000000" pitchFamily="18" charset="-127"/>
               </a:rPr>
-              <a:t>Bee App</a:t>
+              <a:t>Bee Mobile App</a:t>
             </a:r>
             <a:r>
               <a:rPr lang="ko-KR" altLang="en-US" sz="1400" dirty="0">
                 <a:latin typeface="a옛날목욕탕L" panose="02020600000000000000" pitchFamily="18" charset="-127"/>
                 <a:ea typeface="a옛날목욕탕L" panose="02020600000000000000" pitchFamily="18" charset="-127"/>
               </a:rPr>
-              <a:t>으로 전송된다</a:t>
+              <a:t>으로 </a:t>
+            </a:r>
+            <a:endParaRPr lang="en-US" altLang="ko-KR" sz="1400" dirty="0">
+              <a:latin typeface="a옛날목욕탕L" panose="02020600000000000000" pitchFamily="18" charset="-127"/>
+              <a:ea typeface="a옛날목욕탕L" panose="02020600000000000000" pitchFamily="18" charset="-127"/>
+            </a:endParaRPr>
+          </a:p>
+          <a:p>
+            <a:r>
+              <a:rPr lang="en-US" altLang="ko-KR" sz="1400" dirty="0">
+                <a:latin typeface="a옛날목욕탕L" panose="02020600000000000000" pitchFamily="18" charset="-127"/>
+                <a:ea typeface="a옛날목욕탕L" panose="02020600000000000000" pitchFamily="18" charset="-127"/>
+              </a:rPr>
+              <a:t>      </a:t>
+            </a:r>
+            <a:r>
+              <a:rPr lang="ko-KR" altLang="en-US" sz="1400" dirty="0">
+                <a:latin typeface="a옛날목욕탕L" panose="02020600000000000000" pitchFamily="18" charset="-127"/>
+                <a:ea typeface="a옛날목욕탕L" panose="02020600000000000000" pitchFamily="18" charset="-127"/>
+              </a:rPr>
+              <a:t>전송된다</a:t>
             </a:r>
             <a:r>
               <a:rPr lang="en-US" altLang="ko-KR" sz="1400" dirty="0">
@@ -13021,7 +13204,7 @@
         </p:nvCxnSpPr>
         <p:spPr>
           <a:xfrm>
-            <a:off x="7598571" y="1961026"/>
+            <a:off x="7376629" y="1868741"/>
             <a:ext cx="0" cy="4203125"/>
           </a:xfrm>
           <a:prstGeom prst="line">
@@ -15552,7 +15735,7 @@
         </p:nvCxnSpPr>
         <p:spPr>
           <a:xfrm>
-            <a:off x="5956202" y="1854393"/>
+            <a:off x="5858548" y="1867721"/>
             <a:ext cx="0" cy="4203125"/>
           </a:xfrm>
           <a:prstGeom prst="line">
@@ -17811,7 +17994,7 @@
         </p:nvCxnSpPr>
         <p:spPr>
           <a:xfrm>
-            <a:off x="5956202" y="1854393"/>
+            <a:off x="5867425" y="1938166"/>
             <a:ext cx="0" cy="4203125"/>
           </a:xfrm>
           <a:prstGeom prst="line">

--- a/docs/8_Final Presentation Panel.pptx
+++ b/docs/8_Final Presentation Panel.pptx
@@ -204,7 +204,7 @@
           <a:p>
             <a:fld id="{CE2997ED-12CC-472B-AA05-6D1C9A88BA7B}" type="datetimeFigureOut">
               <a:rPr lang="ko-KR" altLang="en-US" smtClean="0"/>
-              <a:t>2019-06-10</a:t>
+              <a:t>19-06-10</a:t>
             </a:fld>
             <a:endParaRPr lang="ko-KR" altLang="en-US"/>
           </a:p>
@@ -1485,7 +1485,7 @@
           <a:p>
             <a:fld id="{A360C872-B3A7-413C-B014-1411817D9014}" type="datetimeFigureOut">
               <a:rPr lang="ko-KR" altLang="en-US" smtClean="0"/>
-              <a:t>2019-06-10</a:t>
+              <a:t>19-06-10</a:t>
             </a:fld>
             <a:endParaRPr lang="ko-KR" altLang="en-US"/>
           </a:p>
@@ -1683,7 +1683,7 @@
           <a:p>
             <a:fld id="{A360C872-B3A7-413C-B014-1411817D9014}" type="datetimeFigureOut">
               <a:rPr lang="ko-KR" altLang="en-US" smtClean="0"/>
-              <a:t>2019-06-10</a:t>
+              <a:t>19-06-10</a:t>
             </a:fld>
             <a:endParaRPr lang="ko-KR" altLang="en-US"/>
           </a:p>
@@ -1891,7 +1891,7 @@
           <a:p>
             <a:fld id="{A360C872-B3A7-413C-B014-1411817D9014}" type="datetimeFigureOut">
               <a:rPr lang="ko-KR" altLang="en-US" smtClean="0"/>
-              <a:t>2019-06-10</a:t>
+              <a:t>19-06-10</a:t>
             </a:fld>
             <a:endParaRPr lang="ko-KR" altLang="en-US"/>
           </a:p>
@@ -3776,7 +3776,7 @@
           <a:p>
             <a:fld id="{A360C872-B3A7-413C-B014-1411817D9014}" type="datetimeFigureOut">
               <a:rPr lang="ko-KR" altLang="en-US" smtClean="0"/>
-              <a:t>2019-06-10</a:t>
+              <a:t>19-06-10</a:t>
             </a:fld>
             <a:endParaRPr lang="ko-KR" altLang="en-US"/>
           </a:p>
@@ -4051,7 +4051,7 @@
           <a:p>
             <a:fld id="{A360C872-B3A7-413C-B014-1411817D9014}" type="datetimeFigureOut">
               <a:rPr lang="ko-KR" altLang="en-US" smtClean="0"/>
-              <a:t>2019-06-10</a:t>
+              <a:t>19-06-10</a:t>
             </a:fld>
             <a:endParaRPr lang="ko-KR" altLang="en-US"/>
           </a:p>
@@ -4316,7 +4316,7 @@
           <a:p>
             <a:fld id="{A360C872-B3A7-413C-B014-1411817D9014}" type="datetimeFigureOut">
               <a:rPr lang="ko-KR" altLang="en-US" smtClean="0"/>
-              <a:t>2019-06-10</a:t>
+              <a:t>19-06-10</a:t>
             </a:fld>
             <a:endParaRPr lang="ko-KR" altLang="en-US"/>
           </a:p>
@@ -4728,7 +4728,7 @@
           <a:p>
             <a:fld id="{A360C872-B3A7-413C-B014-1411817D9014}" type="datetimeFigureOut">
               <a:rPr lang="ko-KR" altLang="en-US" smtClean="0"/>
-              <a:t>2019-06-10</a:t>
+              <a:t>19-06-10</a:t>
             </a:fld>
             <a:endParaRPr lang="ko-KR" altLang="en-US"/>
           </a:p>
@@ -4869,7 +4869,7 @@
           <a:p>
             <a:fld id="{A360C872-B3A7-413C-B014-1411817D9014}" type="datetimeFigureOut">
               <a:rPr lang="ko-KR" altLang="en-US" smtClean="0"/>
-              <a:t>2019-06-10</a:t>
+              <a:t>19-06-10</a:t>
             </a:fld>
             <a:endParaRPr lang="ko-KR" altLang="en-US"/>
           </a:p>
@@ -4982,7 +4982,7 @@
           <a:p>
             <a:fld id="{A360C872-B3A7-413C-B014-1411817D9014}" type="datetimeFigureOut">
               <a:rPr lang="ko-KR" altLang="en-US" smtClean="0"/>
-              <a:t>2019-06-10</a:t>
+              <a:t>19-06-10</a:t>
             </a:fld>
             <a:endParaRPr lang="ko-KR" altLang="en-US"/>
           </a:p>
@@ -5293,7 +5293,7 @@
           <a:p>
             <a:fld id="{A360C872-B3A7-413C-B014-1411817D9014}" type="datetimeFigureOut">
               <a:rPr lang="ko-KR" altLang="en-US" smtClean="0"/>
-              <a:t>2019-06-10</a:t>
+              <a:t>19-06-10</a:t>
             </a:fld>
             <a:endParaRPr lang="ko-KR" altLang="en-US"/>
           </a:p>
@@ -5581,7 +5581,7 @@
           <a:p>
             <a:fld id="{A360C872-B3A7-413C-B014-1411817D9014}" type="datetimeFigureOut">
               <a:rPr lang="ko-KR" altLang="en-US" smtClean="0"/>
-              <a:t>2019-06-10</a:t>
+              <a:t>19-06-10</a:t>
             </a:fld>
             <a:endParaRPr lang="ko-KR" altLang="en-US"/>
           </a:p>
@@ -5822,7 +5822,7 @@
           <a:p>
             <a:fld id="{A360C872-B3A7-413C-B014-1411817D9014}" type="datetimeFigureOut">
               <a:rPr lang="ko-KR" altLang="en-US" smtClean="0"/>
-              <a:t>2019-06-10</a:t>
+              <a:t>19-06-10</a:t>
             </a:fld>
             <a:endParaRPr lang="ko-KR" altLang="en-US"/>
           </a:p>
@@ -15878,14 +15878,14 @@
           <a:p>
             <a:pPr algn="ctr"/>
             <a:r>
-              <a:rPr lang="en-US" altLang="ko-KR" sz="2800" dirty="0">
+              <a:rPr lang="en-US" altLang="ko-KR" sz="2800" b="0" dirty="0">
                 <a:solidFill>
                   <a:schemeClr val="bg1"/>
                 </a:solidFill>
                 <a:latin typeface="a옛날목욕탕L" panose="02020600000000000000" pitchFamily="18" charset="-127"/>
                 <a:ea typeface="a옛날목욕탕L" panose="02020600000000000000" pitchFamily="18" charset="-127"/>
               </a:rPr>
-              <a:t>6</a:t>
+              <a:t>7</a:t>
             </a:r>
             <a:endParaRPr sz="2800" b="0" dirty="0">
               <a:solidFill>

--- a/docs/8_Final Presentation Panel.pptx
+++ b/docs/8_Final Presentation Panel.pptx
@@ -7855,7 +7855,23 @@
                 <a:ea typeface="a옛날목욕탕L" panose="02020600000000000000" pitchFamily="18" charset="-127"/>
                 <a:cs typeface="Arial" panose="020B0604020202020204" pitchFamily="34" charset="0"/>
               </a:rPr>
-              <a:t>다양한 점자기기가 존재함에도 불구하고 시청각장애인과 비장애인의 의사소통에는 상당한 어려움이 존재</a:t>
+              <a:t>다양한 점자기기가 존재함에도 불구하고 시청각장애인과 비장애인</a:t>
+            </a:r>
+            <a:r>
+              <a:rPr lang="ko-KR" altLang="en-US" sz="1467" dirty="0">
+                <a:latin typeface="a옛날목욕탕L" panose="02020600000000000000" pitchFamily="18" charset="-127"/>
+                <a:ea typeface="a옛날목욕탕L" panose="02020600000000000000" pitchFamily="18" charset="-127"/>
+                <a:cs typeface="Arial" panose="020B0604020202020204" pitchFamily="34" charset="0"/>
+              </a:rPr>
+              <a:t>간</a:t>
+            </a:r>
+            <a:r>
+              <a:rPr lang="ko-KR" altLang="ko-KR" sz="1467" dirty="0">
+                <a:latin typeface="a옛날목욕탕L" panose="02020600000000000000" pitchFamily="18" charset="-127"/>
+                <a:ea typeface="a옛날목욕탕L" panose="02020600000000000000" pitchFamily="18" charset="-127"/>
+                <a:cs typeface="Arial" panose="020B0604020202020204" pitchFamily="34" charset="0"/>
+              </a:rPr>
+              <a:t>의 의사소통에는 상당한 어려움이 존재</a:t>
             </a:r>
             <a:r>
               <a:rPr lang="en-US" altLang="ko-KR" sz="1467" dirty="0">
@@ -7886,23 +7902,7 @@
                 <a:ea typeface="a옛날목욕탕L" panose="02020600000000000000" pitchFamily="18" charset="-127"/>
                 <a:cs typeface="Arial" panose="020B0604020202020204" pitchFamily="34" charset="0"/>
               </a:rPr>
-              <a:t>청각</a:t>
-            </a:r>
-            <a:r>
-              <a:rPr lang="en-US" altLang="ko-KR" sz="1467" dirty="0">
-                <a:latin typeface="a옛날목욕탕L" panose="02020600000000000000" pitchFamily="18" charset="-127"/>
-                <a:ea typeface="a옛날목욕탕L" panose="02020600000000000000" pitchFamily="18" charset="-127"/>
-                <a:cs typeface="Arial" panose="020B0604020202020204" pitchFamily="34" charset="0"/>
-              </a:rPr>
-              <a:t> </a:t>
-            </a:r>
-            <a:r>
-              <a:rPr lang="ko-KR" altLang="ko-KR" sz="1467" dirty="0">
-                <a:latin typeface="a옛날목욕탕L" panose="02020600000000000000" pitchFamily="18" charset="-127"/>
-                <a:ea typeface="a옛날목욕탕L" panose="02020600000000000000" pitchFamily="18" charset="-127"/>
-                <a:cs typeface="Arial" panose="020B0604020202020204" pitchFamily="34" charset="0"/>
-              </a:rPr>
-              <a:t>장애인의 연령대가 대다수 고령으로 분포되어 있</a:t>
+              <a:t>청각장애인의 연령대가 대다수 고령으로 분포되어 있</a:t>
             </a:r>
             <a:r>
               <a:rPr lang="ko-KR" altLang="en-US" sz="1467" dirty="0">
@@ -7991,7 +7991,7 @@
                 <a:ea typeface="a옛날목욕탕L" panose="02020600000000000000" pitchFamily="18" charset="-127"/>
                 <a:cs typeface="Arial" panose="020B0604020202020204" pitchFamily="34" charset="0"/>
               </a:rPr>
-              <a:t>현존 하는 기기들보다 상대적으로 저렴</a:t>
+              <a:t>현존하는 기기들보다 상대적으로 저렴</a:t>
             </a:r>
             <a:r>
               <a:rPr lang="ko-KR" altLang="en-US" sz="1467" dirty="0">
@@ -8049,23 +8049,7 @@
                 <a:ea typeface="a옛날목욕탕L" panose="02020600000000000000" pitchFamily="18" charset="-127"/>
                 <a:cs typeface="Arial" panose="020B0604020202020204" pitchFamily="34" charset="0"/>
               </a:rPr>
-              <a:t>시청각장애인들의 근본적인 의사소통 문제 </a:t>
-            </a:r>
-            <a:r>
-              <a:rPr lang="ko-KR" altLang="en-US" sz="1467" dirty="0" err="1">
-                <a:latin typeface="a옛날목욕탕L" panose="02020600000000000000" pitchFamily="18" charset="-127"/>
-                <a:ea typeface="a옛날목욕탕L" panose="02020600000000000000" pitchFamily="18" charset="-127"/>
-                <a:cs typeface="Arial" panose="020B0604020202020204" pitchFamily="34" charset="0"/>
-              </a:rPr>
-              <a:t>해결를</a:t>
-            </a:r>
-            <a:r>
-              <a:rPr lang="ko-KR" altLang="en-US" sz="1467" dirty="0">
-                <a:latin typeface="a옛날목욕탕L" panose="02020600000000000000" pitchFamily="18" charset="-127"/>
-                <a:ea typeface="a옛날목욕탕L" panose="02020600000000000000" pitchFamily="18" charset="-127"/>
-                <a:cs typeface="Arial" panose="020B0604020202020204" pitchFamily="34" charset="0"/>
-              </a:rPr>
-              <a:t> 위한 서비스를 제공</a:t>
+              <a:t>시청각장애인들의 근본적인 의사소통 문제 해결을 위한 서비스를 제공</a:t>
             </a:r>
             <a:endParaRPr lang="ko-KR" altLang="ko-KR" sz="1467" dirty="0">
               <a:latin typeface="a옛날목욕탕L" panose="02020600000000000000" pitchFamily="18" charset="-127"/>
@@ -9878,7 +9862,7 @@
         </p:nvSpPr>
         <p:spPr>
           <a:xfrm>
-            <a:off x="7743329" y="5244537"/>
+            <a:off x="7743329" y="5285226"/>
             <a:ext cx="1819633" cy="338554"/>
           </a:xfrm>
           <a:prstGeom prst="rect">
@@ -9899,27 +9883,6 @@
           </a:bodyPr>
           <a:lstStyle/>
           <a:p>
-            <a:r>
-              <a:rPr lang="en-US" altLang="ko-KR" sz="1600" dirty="0">
-                <a:latin typeface="a옛날목욕탕L" panose="02020600000000000000" pitchFamily="18" charset="-127"/>
-                <a:ea typeface="a옛날목욕탕L" panose="02020600000000000000" pitchFamily="18" charset="-127"/>
-              </a:rPr>
-              <a:t>ex) ‘</a:t>
-            </a:r>
-            <a:r>
-              <a:rPr lang="ko-KR" altLang="en-US" sz="1600" dirty="0">
-                <a:latin typeface="a옛날목욕탕L" panose="02020600000000000000" pitchFamily="18" charset="-127"/>
-                <a:ea typeface="a옛날목욕탕L" panose="02020600000000000000" pitchFamily="18" charset="-127"/>
-              </a:rPr>
-              <a:t>그러나</a:t>
-            </a:r>
-            <a:r>
-              <a:rPr lang="en-US" altLang="ko-KR" sz="1600" dirty="0">
-                <a:latin typeface="a옛날목욕탕L" panose="02020600000000000000" pitchFamily="18" charset="-127"/>
-                <a:ea typeface="a옛날목욕탕L" panose="02020600000000000000" pitchFamily="18" charset="-127"/>
-              </a:rPr>
-              <a:t>’</a:t>
-            </a:r>
             <a:endParaRPr lang="ko-KR" altLang="en-US" sz="1600" dirty="0">
               <a:latin typeface="a옛날목욕탕L" panose="02020600000000000000" pitchFamily="18" charset="-127"/>
               <a:ea typeface="a옛날목욕탕L" panose="02020600000000000000" pitchFamily="18" charset="-127"/>
@@ -10299,6 +10262,83 @@
           </a:fontRef>
         </p:style>
       </p:cxnSp>
+      <p:sp>
+        <p:nvSpPr>
+          <p:cNvPr id="48" name="TextBox 47">
+            <a:extLst>
+              <a:ext uri="{FF2B5EF4-FFF2-40B4-BE49-F238E27FC236}">
+                <a16:creationId xmlns:a16="http://schemas.microsoft.com/office/drawing/2014/main" id="{3B8D7F4A-39F0-449A-8625-B59328C5B038}"/>
+              </a:ext>
+            </a:extLst>
+          </p:cNvPr>
+          <p:cNvSpPr txBox="1"/>
+          <p:nvPr/>
+        </p:nvSpPr>
+        <p:spPr>
+          <a:xfrm>
+            <a:off x="7743328" y="5074619"/>
+            <a:ext cx="1819633" cy="276999"/>
+          </a:xfrm>
+          <a:prstGeom prst="rect">
+            <a:avLst/>
+          </a:prstGeom>
+          <a:solidFill>
+            <a:schemeClr val="bg1"/>
+          </a:solidFill>
+          <a:ln>
+            <a:solidFill>
+              <a:schemeClr val="bg1"/>
+            </a:solidFill>
+          </a:ln>
+        </p:spPr>
+        <p:txBody>
+          <a:bodyPr wrap="square" rtlCol="0">
+            <a:spAutoFit/>
+          </a:bodyPr>
+          <a:lstStyle/>
+          <a:p>
+            <a:r>
+              <a:rPr lang="en-US" altLang="ko-KR" sz="1200" dirty="0">
+                <a:latin typeface="a옛날목욕탕L" panose="02020600000000000000" pitchFamily="18" charset="-127"/>
+                <a:ea typeface="a옛날목욕탕L" panose="02020600000000000000" pitchFamily="18" charset="-127"/>
+              </a:rPr>
+              <a:t>2</a:t>
+            </a:r>
+            <a:r>
+              <a:rPr lang="ko-KR" altLang="en-US" sz="1200" dirty="0">
+                <a:latin typeface="a옛날목욕탕L" panose="02020600000000000000" pitchFamily="18" charset="-127"/>
+                <a:ea typeface="a옛날목욕탕L" panose="02020600000000000000" pitchFamily="18" charset="-127"/>
+              </a:rPr>
+              <a:t>종 약자 </a:t>
+            </a:r>
+            <a:r>
+              <a:rPr lang="en-US" altLang="ko-KR" sz="1200" dirty="0">
+                <a:latin typeface="a옛날목욕탕L" panose="02020600000000000000" pitchFamily="18" charset="-127"/>
+                <a:ea typeface="a옛날목욕탕L" panose="02020600000000000000" pitchFamily="18" charset="-127"/>
+              </a:rPr>
+              <a:t>‘</a:t>
+            </a:r>
+            <a:r>
+              <a:rPr lang="ko-KR" altLang="en-US" sz="1200" dirty="0">
+                <a:latin typeface="a옛날목욕탕L" panose="02020600000000000000" pitchFamily="18" charset="-127"/>
+                <a:ea typeface="a옛날목욕탕L" panose="02020600000000000000" pitchFamily="18" charset="-127"/>
+              </a:rPr>
+              <a:t>그러나</a:t>
+            </a:r>
+            <a:r>
+              <a:rPr lang="en-US" altLang="ko-KR" sz="1200" dirty="0">
+                <a:latin typeface="a옛날목욕탕L" panose="02020600000000000000" pitchFamily="18" charset="-127"/>
+                <a:ea typeface="a옛날목욕탕L" panose="02020600000000000000" pitchFamily="18" charset="-127"/>
+              </a:rPr>
+              <a:t>’</a:t>
+            </a:r>
+            <a:endParaRPr lang="ko-KR" altLang="en-US" sz="1200" dirty="0">
+              <a:latin typeface="a옛날목욕탕L" panose="02020600000000000000" pitchFamily="18" charset="-127"/>
+              <a:ea typeface="a옛날목욕탕L" panose="02020600000000000000" pitchFamily="18" charset="-127"/>
+            </a:endParaRPr>
+          </a:p>
+        </p:txBody>
+      </p:sp>
     </p:spTree>
     <p:extLst>
       <p:ext uri="{BB962C8B-B14F-4D97-AF65-F5344CB8AC3E}">
@@ -11979,759 +12019,696 @@
             </p:spPr>
           </p:pic>
         </p:grpSp>
-        <p:grpSp>
-          <p:nvGrpSpPr>
-            <p:cNvPr id="15" name="그룹 14">
+        <p:sp>
+          <p:nvSpPr>
+            <p:cNvPr id="21" name="Google Shape;272;p32">
               <a:extLst>
                 <a:ext uri="{FF2B5EF4-FFF2-40B4-BE49-F238E27FC236}">
-                  <a16:creationId xmlns:a16="http://schemas.microsoft.com/office/drawing/2014/main" id="{1031D433-4CBC-40DB-BB8F-CBD80817F8B6}"/>
+                  <a16:creationId xmlns:a16="http://schemas.microsoft.com/office/drawing/2014/main" id="{4B38FC8A-C563-46B2-8669-2C78B9697078}"/>
                 </a:ext>
               </a:extLst>
             </p:cNvPr>
-            <p:cNvGrpSpPr/>
+            <p:cNvSpPr/>
             <p:nvPr/>
-          </p:nvGrpSpPr>
-          <p:grpSpPr>
+          </p:nvSpPr>
+          <p:spPr>
             <a:xfrm>
               <a:off x="5289219" y="2355168"/>
               <a:ext cx="1886384" cy="3574739"/>
-              <a:chOff x="6626520" y="1945594"/>
-              <a:chExt cx="2382975" cy="4540512"/>
             </a:xfrm>
-          </p:grpSpPr>
-          <p:sp>
-            <p:nvSpPr>
-              <p:cNvPr id="21" name="Google Shape;272;p32">
-                <a:extLst>
-                  <a:ext uri="{FF2B5EF4-FFF2-40B4-BE49-F238E27FC236}">
-                    <a16:creationId xmlns:a16="http://schemas.microsoft.com/office/drawing/2014/main" id="{4B38FC8A-C563-46B2-8669-2C78B9697078}"/>
-                  </a:ext>
-                </a:extLst>
-              </p:cNvPr>
-              <p:cNvSpPr/>
-              <p:nvPr/>
-            </p:nvSpPr>
-            <p:spPr>
-              <a:xfrm>
-                <a:off x="6626520" y="1945594"/>
-                <a:ext cx="2382975" cy="4540512"/>
-              </a:xfrm>
-              <a:custGeom>
-                <a:avLst/>
-                <a:gdLst/>
-                <a:ahLst/>
-                <a:cxnLst/>
-                <a:rect l="l" t="t" r="r" b="b"/>
-                <a:pathLst>
-                  <a:path w="30819" h="61841" extrusionOk="0">
-                    <a:moveTo>
-                      <a:pt x="5160" y="2580"/>
-                    </a:moveTo>
-                    <a:lnTo>
-                      <a:pt x="5295" y="2648"/>
-                    </a:lnTo>
-                    <a:lnTo>
-                      <a:pt x="5363" y="2784"/>
-                    </a:lnTo>
-                    <a:lnTo>
-                      <a:pt x="5363" y="2920"/>
-                    </a:lnTo>
-                    <a:lnTo>
-                      <a:pt x="5363" y="3055"/>
-                    </a:lnTo>
-                    <a:lnTo>
-                      <a:pt x="5295" y="3191"/>
-                    </a:lnTo>
-                    <a:lnTo>
-                      <a:pt x="5160" y="3259"/>
-                    </a:lnTo>
-                    <a:lnTo>
-                      <a:pt x="4888" y="3259"/>
-                    </a:lnTo>
-                    <a:lnTo>
-                      <a:pt x="4752" y="3191"/>
-                    </a:lnTo>
-                    <a:lnTo>
-                      <a:pt x="4684" y="3055"/>
-                    </a:lnTo>
-                    <a:lnTo>
-                      <a:pt x="4684" y="2920"/>
-                    </a:lnTo>
-                    <a:lnTo>
-                      <a:pt x="4684" y="2784"/>
-                    </a:lnTo>
-                    <a:lnTo>
-                      <a:pt x="4752" y="2648"/>
-                    </a:lnTo>
-                    <a:lnTo>
-                      <a:pt x="4888" y="2580"/>
-                    </a:lnTo>
-                    <a:close/>
-                    <a:moveTo>
-                      <a:pt x="15410" y="2241"/>
-                    </a:moveTo>
-                    <a:lnTo>
-                      <a:pt x="15681" y="2309"/>
-                    </a:lnTo>
-                    <a:lnTo>
-                      <a:pt x="15885" y="2444"/>
-                    </a:lnTo>
-                    <a:lnTo>
-                      <a:pt x="16021" y="2648"/>
-                    </a:lnTo>
-                    <a:lnTo>
-                      <a:pt x="16088" y="2920"/>
-                    </a:lnTo>
-                    <a:lnTo>
-                      <a:pt x="16021" y="3191"/>
-                    </a:lnTo>
-                    <a:lnTo>
-                      <a:pt x="15885" y="3395"/>
-                    </a:lnTo>
-                    <a:lnTo>
-                      <a:pt x="15681" y="3531"/>
-                    </a:lnTo>
-                    <a:lnTo>
-                      <a:pt x="15410" y="3598"/>
-                    </a:lnTo>
-                    <a:lnTo>
-                      <a:pt x="15138" y="3531"/>
-                    </a:lnTo>
-                    <a:lnTo>
-                      <a:pt x="14934" y="3395"/>
-                    </a:lnTo>
-                    <a:lnTo>
-                      <a:pt x="14799" y="3191"/>
-                    </a:lnTo>
-                    <a:lnTo>
-                      <a:pt x="14731" y="2920"/>
-                    </a:lnTo>
-                    <a:lnTo>
-                      <a:pt x="14799" y="2648"/>
-                    </a:lnTo>
-                    <a:lnTo>
-                      <a:pt x="14934" y="2444"/>
-                    </a:lnTo>
-                    <a:lnTo>
-                      <a:pt x="15138" y="2309"/>
-                    </a:lnTo>
-                    <a:lnTo>
-                      <a:pt x="15410" y="2241"/>
-                    </a:lnTo>
-                    <a:close/>
-                    <a:moveTo>
-                      <a:pt x="29393" y="5228"/>
-                    </a:moveTo>
-                    <a:lnTo>
-                      <a:pt x="29461" y="5296"/>
-                    </a:lnTo>
-                    <a:lnTo>
-                      <a:pt x="29461" y="54849"/>
-                    </a:lnTo>
-                    <a:lnTo>
-                      <a:pt x="1426" y="54849"/>
-                    </a:lnTo>
-                    <a:lnTo>
-                      <a:pt x="1426" y="5296"/>
-                    </a:lnTo>
-                    <a:lnTo>
-                      <a:pt x="1494" y="5228"/>
-                    </a:lnTo>
-                    <a:close/>
-                    <a:moveTo>
-                      <a:pt x="15410" y="544"/>
-                    </a:moveTo>
-                    <a:lnTo>
-                      <a:pt x="19143" y="612"/>
-                    </a:lnTo>
-                    <a:lnTo>
-                      <a:pt x="23012" y="747"/>
-                    </a:lnTo>
-                    <a:lnTo>
-                      <a:pt x="26339" y="951"/>
-                    </a:lnTo>
-                    <a:lnTo>
-                      <a:pt x="27560" y="1087"/>
-                    </a:lnTo>
-                    <a:lnTo>
-                      <a:pt x="27560" y="1087"/>
-                    </a:lnTo>
-                    <a:lnTo>
-                      <a:pt x="26339" y="1019"/>
-                    </a:lnTo>
-                    <a:lnTo>
-                      <a:pt x="23012" y="815"/>
-                    </a:lnTo>
-                    <a:lnTo>
-                      <a:pt x="19143" y="680"/>
-                    </a:lnTo>
-                    <a:lnTo>
-                      <a:pt x="15410" y="612"/>
-                    </a:lnTo>
-                    <a:lnTo>
-                      <a:pt x="11676" y="680"/>
-                    </a:lnTo>
-                    <a:lnTo>
-                      <a:pt x="7807" y="815"/>
-                    </a:lnTo>
-                    <a:lnTo>
-                      <a:pt x="4481" y="1019"/>
-                    </a:lnTo>
-                    <a:lnTo>
-                      <a:pt x="3259" y="1087"/>
-                    </a:lnTo>
-                    <a:lnTo>
-                      <a:pt x="2444" y="1223"/>
-                    </a:lnTo>
-                    <a:lnTo>
-                      <a:pt x="1969" y="1358"/>
-                    </a:lnTo>
-                    <a:lnTo>
-                      <a:pt x="1630" y="1494"/>
-                    </a:lnTo>
-                    <a:lnTo>
-                      <a:pt x="1290" y="1698"/>
-                    </a:lnTo>
-                    <a:lnTo>
-                      <a:pt x="1019" y="1901"/>
-                    </a:lnTo>
-                    <a:lnTo>
-                      <a:pt x="815" y="2173"/>
-                    </a:lnTo>
-                    <a:lnTo>
-                      <a:pt x="679" y="2444"/>
-                    </a:lnTo>
-                    <a:lnTo>
-                      <a:pt x="544" y="2852"/>
-                    </a:lnTo>
-                    <a:lnTo>
-                      <a:pt x="544" y="3259"/>
-                    </a:lnTo>
-                    <a:lnTo>
-                      <a:pt x="544" y="58311"/>
-                    </a:lnTo>
-                    <a:lnTo>
-                      <a:pt x="544" y="58718"/>
-                    </a:lnTo>
-                    <a:lnTo>
-                      <a:pt x="476" y="58311"/>
-                    </a:lnTo>
-                    <a:lnTo>
-                      <a:pt x="476" y="3259"/>
-                    </a:lnTo>
-                    <a:lnTo>
-                      <a:pt x="544" y="2784"/>
-                    </a:lnTo>
-                    <a:lnTo>
-                      <a:pt x="612" y="2444"/>
-                    </a:lnTo>
-                    <a:lnTo>
-                      <a:pt x="747" y="2105"/>
-                    </a:lnTo>
-                    <a:lnTo>
-                      <a:pt x="951" y="1834"/>
-                    </a:lnTo>
-                    <a:lnTo>
-                      <a:pt x="1222" y="1630"/>
-                    </a:lnTo>
-                    <a:lnTo>
-                      <a:pt x="1562" y="1426"/>
-                    </a:lnTo>
-                    <a:lnTo>
-                      <a:pt x="1969" y="1290"/>
-                    </a:lnTo>
-                    <a:lnTo>
-                      <a:pt x="2444" y="1155"/>
-                    </a:lnTo>
-                    <a:lnTo>
-                      <a:pt x="3259" y="1087"/>
-                    </a:lnTo>
-                    <a:lnTo>
-                      <a:pt x="4481" y="951"/>
-                    </a:lnTo>
-                    <a:lnTo>
-                      <a:pt x="7807" y="747"/>
-                    </a:lnTo>
-                    <a:lnTo>
-                      <a:pt x="11676" y="612"/>
-                    </a:lnTo>
-                    <a:lnTo>
-                      <a:pt x="15410" y="544"/>
-                    </a:lnTo>
-                    <a:close/>
-                    <a:moveTo>
-                      <a:pt x="27560" y="1087"/>
-                    </a:moveTo>
-                    <a:lnTo>
-                      <a:pt x="28375" y="1155"/>
-                    </a:lnTo>
-                    <a:lnTo>
-                      <a:pt x="28850" y="1290"/>
-                    </a:lnTo>
-                    <a:lnTo>
-                      <a:pt x="29257" y="1426"/>
-                    </a:lnTo>
-                    <a:lnTo>
-                      <a:pt x="29597" y="1630"/>
-                    </a:lnTo>
-                    <a:lnTo>
-                      <a:pt x="29868" y="1834"/>
-                    </a:lnTo>
-                    <a:lnTo>
-                      <a:pt x="30072" y="2105"/>
-                    </a:lnTo>
-                    <a:lnTo>
-                      <a:pt x="30208" y="2444"/>
-                    </a:lnTo>
-                    <a:lnTo>
-                      <a:pt x="30276" y="2784"/>
-                    </a:lnTo>
-                    <a:lnTo>
-                      <a:pt x="30344" y="3259"/>
-                    </a:lnTo>
-                    <a:lnTo>
-                      <a:pt x="30344" y="58311"/>
-                    </a:lnTo>
-                    <a:lnTo>
-                      <a:pt x="30276" y="58718"/>
-                    </a:lnTo>
-                    <a:lnTo>
-                      <a:pt x="30208" y="59125"/>
-                    </a:lnTo>
-                    <a:lnTo>
-                      <a:pt x="30072" y="59465"/>
-                    </a:lnTo>
-                    <a:lnTo>
-                      <a:pt x="29868" y="59736"/>
-                    </a:lnTo>
-                    <a:lnTo>
-                      <a:pt x="29597" y="60008"/>
-                    </a:lnTo>
-                    <a:lnTo>
-                      <a:pt x="29257" y="60144"/>
-                    </a:lnTo>
-                    <a:lnTo>
-                      <a:pt x="28850" y="60347"/>
-                    </a:lnTo>
-                    <a:lnTo>
-                      <a:pt x="28375" y="60415"/>
-                    </a:lnTo>
-                    <a:lnTo>
-                      <a:pt x="26746" y="60687"/>
-                    </a:lnTo>
-                    <a:lnTo>
-                      <a:pt x="23895" y="60958"/>
-                    </a:lnTo>
-                    <a:lnTo>
-                      <a:pt x="22130" y="61094"/>
-                    </a:lnTo>
-                    <a:lnTo>
-                      <a:pt x="20093" y="61230"/>
-                    </a:lnTo>
-                    <a:lnTo>
-                      <a:pt x="17853" y="61298"/>
-                    </a:lnTo>
-                    <a:lnTo>
-                      <a:pt x="12966" y="61298"/>
-                    </a:lnTo>
-                    <a:lnTo>
-                      <a:pt x="10726" y="61230"/>
-                    </a:lnTo>
-                    <a:lnTo>
-                      <a:pt x="8689" y="61094"/>
-                    </a:lnTo>
-                    <a:lnTo>
-                      <a:pt x="6924" y="60958"/>
-                    </a:lnTo>
-                    <a:lnTo>
-                      <a:pt x="4073" y="60687"/>
-                    </a:lnTo>
-                    <a:lnTo>
-                      <a:pt x="2444" y="60415"/>
-                    </a:lnTo>
-                    <a:lnTo>
-                      <a:pt x="1969" y="60347"/>
-                    </a:lnTo>
-                    <a:lnTo>
-                      <a:pt x="1562" y="60144"/>
-                    </a:lnTo>
-                    <a:lnTo>
-                      <a:pt x="1290" y="60008"/>
-                    </a:lnTo>
-                    <a:lnTo>
-                      <a:pt x="951" y="59736"/>
-                    </a:lnTo>
-                    <a:lnTo>
-                      <a:pt x="747" y="59465"/>
-                    </a:lnTo>
-                    <a:lnTo>
-                      <a:pt x="612" y="59125"/>
-                    </a:lnTo>
-                    <a:lnTo>
-                      <a:pt x="544" y="58718"/>
-                    </a:lnTo>
-                    <a:lnTo>
-                      <a:pt x="544" y="58718"/>
-                    </a:lnTo>
-                    <a:lnTo>
-                      <a:pt x="679" y="59125"/>
-                    </a:lnTo>
-                    <a:lnTo>
-                      <a:pt x="815" y="59397"/>
-                    </a:lnTo>
-                    <a:lnTo>
-                      <a:pt x="1019" y="59669"/>
-                    </a:lnTo>
-                    <a:lnTo>
-                      <a:pt x="1290" y="59940"/>
-                    </a:lnTo>
-                    <a:lnTo>
-                      <a:pt x="1630" y="60144"/>
-                    </a:lnTo>
-                    <a:lnTo>
-                      <a:pt x="2037" y="60279"/>
-                    </a:lnTo>
-                    <a:lnTo>
-                      <a:pt x="2444" y="60415"/>
-                    </a:lnTo>
-                    <a:lnTo>
-                      <a:pt x="4073" y="60619"/>
-                    </a:lnTo>
-                    <a:lnTo>
-                      <a:pt x="6924" y="60890"/>
-                    </a:lnTo>
-                    <a:lnTo>
-                      <a:pt x="8689" y="61026"/>
-                    </a:lnTo>
-                    <a:lnTo>
-                      <a:pt x="10726" y="61162"/>
-                    </a:lnTo>
-                    <a:lnTo>
-                      <a:pt x="12966" y="61230"/>
-                    </a:lnTo>
-                    <a:lnTo>
-                      <a:pt x="17853" y="61230"/>
-                    </a:lnTo>
-                    <a:lnTo>
-                      <a:pt x="20093" y="61162"/>
-                    </a:lnTo>
-                    <a:lnTo>
-                      <a:pt x="22130" y="61026"/>
-                    </a:lnTo>
-                    <a:lnTo>
-                      <a:pt x="23895" y="60890"/>
-                    </a:lnTo>
-                    <a:lnTo>
-                      <a:pt x="26746" y="60619"/>
-                    </a:lnTo>
-                    <a:lnTo>
-                      <a:pt x="28375" y="60415"/>
-                    </a:lnTo>
-                    <a:lnTo>
-                      <a:pt x="28850" y="60279"/>
-                    </a:lnTo>
-                    <a:lnTo>
-                      <a:pt x="29190" y="60144"/>
-                    </a:lnTo>
-                    <a:lnTo>
-                      <a:pt x="29529" y="59940"/>
-                    </a:lnTo>
-                    <a:lnTo>
-                      <a:pt x="29800" y="59669"/>
-                    </a:lnTo>
-                    <a:lnTo>
-                      <a:pt x="30004" y="59397"/>
-                    </a:lnTo>
-                    <a:lnTo>
-                      <a:pt x="30140" y="59125"/>
-                    </a:lnTo>
-                    <a:lnTo>
-                      <a:pt x="30276" y="58718"/>
-                    </a:lnTo>
-                    <a:lnTo>
-                      <a:pt x="30276" y="58311"/>
-                    </a:lnTo>
-                    <a:lnTo>
-                      <a:pt x="30276" y="3259"/>
-                    </a:lnTo>
-                    <a:lnTo>
-                      <a:pt x="30276" y="2852"/>
-                    </a:lnTo>
-                    <a:lnTo>
-                      <a:pt x="30140" y="2444"/>
-                    </a:lnTo>
-                    <a:lnTo>
-                      <a:pt x="30004" y="2173"/>
-                    </a:lnTo>
-                    <a:lnTo>
-                      <a:pt x="29800" y="1901"/>
-                    </a:lnTo>
-                    <a:lnTo>
-                      <a:pt x="29529" y="1698"/>
-                    </a:lnTo>
-                    <a:lnTo>
-                      <a:pt x="29190" y="1494"/>
-                    </a:lnTo>
-                    <a:lnTo>
-                      <a:pt x="28850" y="1358"/>
-                    </a:lnTo>
-                    <a:lnTo>
-                      <a:pt x="28375" y="1223"/>
-                    </a:lnTo>
-                    <a:lnTo>
-                      <a:pt x="27560" y="1087"/>
-                    </a:lnTo>
-                    <a:close/>
-                    <a:moveTo>
-                      <a:pt x="15410" y="1"/>
-                    </a:moveTo>
-                    <a:lnTo>
-                      <a:pt x="11608" y="69"/>
-                    </a:lnTo>
-                    <a:lnTo>
-                      <a:pt x="7739" y="204"/>
-                    </a:lnTo>
-                    <a:lnTo>
-                      <a:pt x="4413" y="408"/>
-                    </a:lnTo>
-                    <a:lnTo>
-                      <a:pt x="3191" y="544"/>
-                    </a:lnTo>
-                    <a:lnTo>
-                      <a:pt x="2309" y="680"/>
-                    </a:lnTo>
-                    <a:lnTo>
-                      <a:pt x="1765" y="815"/>
-                    </a:lnTo>
-                    <a:lnTo>
-                      <a:pt x="1290" y="1019"/>
-                    </a:lnTo>
-                    <a:lnTo>
-                      <a:pt x="883" y="1223"/>
-                    </a:lnTo>
-                    <a:lnTo>
-                      <a:pt x="544" y="1494"/>
-                    </a:lnTo>
-                    <a:lnTo>
-                      <a:pt x="340" y="1901"/>
-                    </a:lnTo>
-                    <a:lnTo>
-                      <a:pt x="136" y="2241"/>
-                    </a:lnTo>
-                    <a:lnTo>
-                      <a:pt x="1" y="2716"/>
-                    </a:lnTo>
-                    <a:lnTo>
-                      <a:pt x="1" y="3259"/>
-                    </a:lnTo>
-                    <a:lnTo>
-                      <a:pt x="1" y="58311"/>
-                    </a:lnTo>
-                    <a:lnTo>
-                      <a:pt x="1" y="58854"/>
-                    </a:lnTo>
-                    <a:lnTo>
-                      <a:pt x="136" y="59261"/>
-                    </a:lnTo>
-                    <a:lnTo>
-                      <a:pt x="340" y="59736"/>
-                    </a:lnTo>
-                    <a:lnTo>
-                      <a:pt x="612" y="60076"/>
-                    </a:lnTo>
-                    <a:lnTo>
-                      <a:pt x="951" y="60347"/>
-                    </a:lnTo>
-                    <a:lnTo>
-                      <a:pt x="1358" y="60619"/>
-                    </a:lnTo>
-                    <a:lnTo>
-                      <a:pt x="1833" y="60823"/>
-                    </a:lnTo>
-                    <a:lnTo>
-                      <a:pt x="2309" y="60958"/>
-                    </a:lnTo>
-                    <a:lnTo>
-                      <a:pt x="4006" y="61162"/>
-                    </a:lnTo>
-                    <a:lnTo>
-                      <a:pt x="6857" y="61501"/>
-                    </a:lnTo>
-                    <a:lnTo>
-                      <a:pt x="8689" y="61637"/>
-                    </a:lnTo>
-                    <a:lnTo>
-                      <a:pt x="10726" y="61705"/>
-                    </a:lnTo>
-                    <a:lnTo>
-                      <a:pt x="12966" y="61773"/>
-                    </a:lnTo>
-                    <a:lnTo>
-                      <a:pt x="15410" y="61841"/>
-                    </a:lnTo>
-                    <a:lnTo>
-                      <a:pt x="17853" y="61773"/>
-                    </a:lnTo>
-                    <a:lnTo>
-                      <a:pt x="20093" y="61705"/>
-                    </a:lnTo>
-                    <a:lnTo>
-                      <a:pt x="22130" y="61637"/>
-                    </a:lnTo>
-                    <a:lnTo>
-                      <a:pt x="23963" y="61501"/>
-                    </a:lnTo>
-                    <a:lnTo>
-                      <a:pt x="26814" y="61162"/>
-                    </a:lnTo>
-                    <a:lnTo>
-                      <a:pt x="28511" y="60958"/>
-                    </a:lnTo>
-                    <a:lnTo>
-                      <a:pt x="28986" y="60823"/>
-                    </a:lnTo>
-                    <a:lnTo>
-                      <a:pt x="29461" y="60619"/>
-                    </a:lnTo>
-                    <a:lnTo>
-                      <a:pt x="29868" y="60347"/>
-                    </a:lnTo>
-                    <a:lnTo>
-                      <a:pt x="30208" y="60076"/>
-                    </a:lnTo>
-                    <a:lnTo>
-                      <a:pt x="30479" y="59736"/>
-                    </a:lnTo>
-                    <a:lnTo>
-                      <a:pt x="30683" y="59261"/>
-                    </a:lnTo>
-                    <a:lnTo>
-                      <a:pt x="30819" y="58854"/>
-                    </a:lnTo>
-                    <a:lnTo>
-                      <a:pt x="30819" y="58311"/>
-                    </a:lnTo>
-                    <a:lnTo>
-                      <a:pt x="30819" y="3259"/>
-                    </a:lnTo>
-                    <a:lnTo>
-                      <a:pt x="30819" y="2716"/>
-                    </a:lnTo>
-                    <a:lnTo>
-                      <a:pt x="30683" y="2241"/>
-                    </a:lnTo>
-                    <a:lnTo>
-                      <a:pt x="30547" y="1901"/>
-                    </a:lnTo>
-                    <a:lnTo>
-                      <a:pt x="30276" y="1494"/>
-                    </a:lnTo>
-                    <a:lnTo>
-                      <a:pt x="29936" y="1223"/>
-                    </a:lnTo>
-                    <a:lnTo>
-                      <a:pt x="29529" y="1019"/>
-                    </a:lnTo>
-                    <a:lnTo>
-                      <a:pt x="29054" y="815"/>
-                    </a:lnTo>
-                    <a:lnTo>
-                      <a:pt x="28511" y="680"/>
-                    </a:lnTo>
-                    <a:lnTo>
-                      <a:pt x="27628" y="544"/>
-                    </a:lnTo>
-                    <a:lnTo>
-                      <a:pt x="26406" y="408"/>
-                    </a:lnTo>
-                    <a:lnTo>
-                      <a:pt x="23080" y="204"/>
-                    </a:lnTo>
-                    <a:lnTo>
-                      <a:pt x="19211" y="69"/>
-                    </a:lnTo>
-                    <a:lnTo>
-                      <a:pt x="15410" y="1"/>
-                    </a:lnTo>
-                    <a:close/>
-                  </a:path>
-                </a:pathLst>
-              </a:custGeom>
+            <a:custGeom>
+              <a:avLst/>
+              <a:gdLst/>
+              <a:ahLst/>
+              <a:cxnLst/>
+              <a:rect l="l" t="t" r="r" b="b"/>
+              <a:pathLst>
+                <a:path w="30819" h="61841" extrusionOk="0">
+                  <a:moveTo>
+                    <a:pt x="5160" y="2580"/>
+                  </a:moveTo>
+                  <a:lnTo>
+                    <a:pt x="5295" y="2648"/>
+                  </a:lnTo>
+                  <a:lnTo>
+                    <a:pt x="5363" y="2784"/>
+                  </a:lnTo>
+                  <a:lnTo>
+                    <a:pt x="5363" y="2920"/>
+                  </a:lnTo>
+                  <a:lnTo>
+                    <a:pt x="5363" y="3055"/>
+                  </a:lnTo>
+                  <a:lnTo>
+                    <a:pt x="5295" y="3191"/>
+                  </a:lnTo>
+                  <a:lnTo>
+                    <a:pt x="5160" y="3259"/>
+                  </a:lnTo>
+                  <a:lnTo>
+                    <a:pt x="4888" y="3259"/>
+                  </a:lnTo>
+                  <a:lnTo>
+                    <a:pt x="4752" y="3191"/>
+                  </a:lnTo>
+                  <a:lnTo>
+                    <a:pt x="4684" y="3055"/>
+                  </a:lnTo>
+                  <a:lnTo>
+                    <a:pt x="4684" y="2920"/>
+                  </a:lnTo>
+                  <a:lnTo>
+                    <a:pt x="4684" y="2784"/>
+                  </a:lnTo>
+                  <a:lnTo>
+                    <a:pt x="4752" y="2648"/>
+                  </a:lnTo>
+                  <a:lnTo>
+                    <a:pt x="4888" y="2580"/>
+                  </a:lnTo>
+                  <a:close/>
+                  <a:moveTo>
+                    <a:pt x="15410" y="2241"/>
+                  </a:moveTo>
+                  <a:lnTo>
+                    <a:pt x="15681" y="2309"/>
+                  </a:lnTo>
+                  <a:lnTo>
+                    <a:pt x="15885" y="2444"/>
+                  </a:lnTo>
+                  <a:lnTo>
+                    <a:pt x="16021" y="2648"/>
+                  </a:lnTo>
+                  <a:lnTo>
+                    <a:pt x="16088" y="2920"/>
+                  </a:lnTo>
+                  <a:lnTo>
+                    <a:pt x="16021" y="3191"/>
+                  </a:lnTo>
+                  <a:lnTo>
+                    <a:pt x="15885" y="3395"/>
+                  </a:lnTo>
+                  <a:lnTo>
+                    <a:pt x="15681" y="3531"/>
+                  </a:lnTo>
+                  <a:lnTo>
+                    <a:pt x="15410" y="3598"/>
+                  </a:lnTo>
+                  <a:lnTo>
+                    <a:pt x="15138" y="3531"/>
+                  </a:lnTo>
+                  <a:lnTo>
+                    <a:pt x="14934" y="3395"/>
+                  </a:lnTo>
+                  <a:lnTo>
+                    <a:pt x="14799" y="3191"/>
+                  </a:lnTo>
+                  <a:lnTo>
+                    <a:pt x="14731" y="2920"/>
+                  </a:lnTo>
+                  <a:lnTo>
+                    <a:pt x="14799" y="2648"/>
+                  </a:lnTo>
+                  <a:lnTo>
+                    <a:pt x="14934" y="2444"/>
+                  </a:lnTo>
+                  <a:lnTo>
+                    <a:pt x="15138" y="2309"/>
+                  </a:lnTo>
+                  <a:lnTo>
+                    <a:pt x="15410" y="2241"/>
+                  </a:lnTo>
+                  <a:close/>
+                  <a:moveTo>
+                    <a:pt x="29393" y="5228"/>
+                  </a:moveTo>
+                  <a:lnTo>
+                    <a:pt x="29461" y="5296"/>
+                  </a:lnTo>
+                  <a:lnTo>
+                    <a:pt x="29461" y="54849"/>
+                  </a:lnTo>
+                  <a:lnTo>
+                    <a:pt x="1426" y="54849"/>
+                  </a:lnTo>
+                  <a:lnTo>
+                    <a:pt x="1426" y="5296"/>
+                  </a:lnTo>
+                  <a:lnTo>
+                    <a:pt x="1494" y="5228"/>
+                  </a:lnTo>
+                  <a:close/>
+                  <a:moveTo>
+                    <a:pt x="15410" y="544"/>
+                  </a:moveTo>
+                  <a:lnTo>
+                    <a:pt x="19143" y="612"/>
+                  </a:lnTo>
+                  <a:lnTo>
+                    <a:pt x="23012" y="747"/>
+                  </a:lnTo>
+                  <a:lnTo>
+                    <a:pt x="26339" y="951"/>
+                  </a:lnTo>
+                  <a:lnTo>
+                    <a:pt x="27560" y="1087"/>
+                  </a:lnTo>
+                  <a:lnTo>
+                    <a:pt x="27560" y="1087"/>
+                  </a:lnTo>
+                  <a:lnTo>
+                    <a:pt x="26339" y="1019"/>
+                  </a:lnTo>
+                  <a:lnTo>
+                    <a:pt x="23012" y="815"/>
+                  </a:lnTo>
+                  <a:lnTo>
+                    <a:pt x="19143" y="680"/>
+                  </a:lnTo>
+                  <a:lnTo>
+                    <a:pt x="15410" y="612"/>
+                  </a:lnTo>
+                  <a:lnTo>
+                    <a:pt x="11676" y="680"/>
+                  </a:lnTo>
+                  <a:lnTo>
+                    <a:pt x="7807" y="815"/>
+                  </a:lnTo>
+                  <a:lnTo>
+                    <a:pt x="4481" y="1019"/>
+                  </a:lnTo>
+                  <a:lnTo>
+                    <a:pt x="3259" y="1087"/>
+                  </a:lnTo>
+                  <a:lnTo>
+                    <a:pt x="2444" y="1223"/>
+                  </a:lnTo>
+                  <a:lnTo>
+                    <a:pt x="1969" y="1358"/>
+                  </a:lnTo>
+                  <a:lnTo>
+                    <a:pt x="1630" y="1494"/>
+                  </a:lnTo>
+                  <a:lnTo>
+                    <a:pt x="1290" y="1698"/>
+                  </a:lnTo>
+                  <a:lnTo>
+                    <a:pt x="1019" y="1901"/>
+                  </a:lnTo>
+                  <a:lnTo>
+                    <a:pt x="815" y="2173"/>
+                  </a:lnTo>
+                  <a:lnTo>
+                    <a:pt x="679" y="2444"/>
+                  </a:lnTo>
+                  <a:lnTo>
+                    <a:pt x="544" y="2852"/>
+                  </a:lnTo>
+                  <a:lnTo>
+                    <a:pt x="544" y="3259"/>
+                  </a:lnTo>
+                  <a:lnTo>
+                    <a:pt x="544" y="58311"/>
+                  </a:lnTo>
+                  <a:lnTo>
+                    <a:pt x="544" y="58718"/>
+                  </a:lnTo>
+                  <a:lnTo>
+                    <a:pt x="476" y="58311"/>
+                  </a:lnTo>
+                  <a:lnTo>
+                    <a:pt x="476" y="3259"/>
+                  </a:lnTo>
+                  <a:lnTo>
+                    <a:pt x="544" y="2784"/>
+                  </a:lnTo>
+                  <a:lnTo>
+                    <a:pt x="612" y="2444"/>
+                  </a:lnTo>
+                  <a:lnTo>
+                    <a:pt x="747" y="2105"/>
+                  </a:lnTo>
+                  <a:lnTo>
+                    <a:pt x="951" y="1834"/>
+                  </a:lnTo>
+                  <a:lnTo>
+                    <a:pt x="1222" y="1630"/>
+                  </a:lnTo>
+                  <a:lnTo>
+                    <a:pt x="1562" y="1426"/>
+                  </a:lnTo>
+                  <a:lnTo>
+                    <a:pt x="1969" y="1290"/>
+                  </a:lnTo>
+                  <a:lnTo>
+                    <a:pt x="2444" y="1155"/>
+                  </a:lnTo>
+                  <a:lnTo>
+                    <a:pt x="3259" y="1087"/>
+                  </a:lnTo>
+                  <a:lnTo>
+                    <a:pt x="4481" y="951"/>
+                  </a:lnTo>
+                  <a:lnTo>
+                    <a:pt x="7807" y="747"/>
+                  </a:lnTo>
+                  <a:lnTo>
+                    <a:pt x="11676" y="612"/>
+                  </a:lnTo>
+                  <a:lnTo>
+                    <a:pt x="15410" y="544"/>
+                  </a:lnTo>
+                  <a:close/>
+                  <a:moveTo>
+                    <a:pt x="27560" y="1087"/>
+                  </a:moveTo>
+                  <a:lnTo>
+                    <a:pt x="28375" y="1155"/>
+                  </a:lnTo>
+                  <a:lnTo>
+                    <a:pt x="28850" y="1290"/>
+                  </a:lnTo>
+                  <a:lnTo>
+                    <a:pt x="29257" y="1426"/>
+                  </a:lnTo>
+                  <a:lnTo>
+                    <a:pt x="29597" y="1630"/>
+                  </a:lnTo>
+                  <a:lnTo>
+                    <a:pt x="29868" y="1834"/>
+                  </a:lnTo>
+                  <a:lnTo>
+                    <a:pt x="30072" y="2105"/>
+                  </a:lnTo>
+                  <a:lnTo>
+                    <a:pt x="30208" y="2444"/>
+                  </a:lnTo>
+                  <a:lnTo>
+                    <a:pt x="30276" y="2784"/>
+                  </a:lnTo>
+                  <a:lnTo>
+                    <a:pt x="30344" y="3259"/>
+                  </a:lnTo>
+                  <a:lnTo>
+                    <a:pt x="30344" y="58311"/>
+                  </a:lnTo>
+                  <a:lnTo>
+                    <a:pt x="30276" y="58718"/>
+                  </a:lnTo>
+                  <a:lnTo>
+                    <a:pt x="30208" y="59125"/>
+                  </a:lnTo>
+                  <a:lnTo>
+                    <a:pt x="30072" y="59465"/>
+                  </a:lnTo>
+                  <a:lnTo>
+                    <a:pt x="29868" y="59736"/>
+                  </a:lnTo>
+                  <a:lnTo>
+                    <a:pt x="29597" y="60008"/>
+                  </a:lnTo>
+                  <a:lnTo>
+                    <a:pt x="29257" y="60144"/>
+                  </a:lnTo>
+                  <a:lnTo>
+                    <a:pt x="28850" y="60347"/>
+                  </a:lnTo>
+                  <a:lnTo>
+                    <a:pt x="28375" y="60415"/>
+                  </a:lnTo>
+                  <a:lnTo>
+                    <a:pt x="26746" y="60687"/>
+                  </a:lnTo>
+                  <a:lnTo>
+                    <a:pt x="23895" y="60958"/>
+                  </a:lnTo>
+                  <a:lnTo>
+                    <a:pt x="22130" y="61094"/>
+                  </a:lnTo>
+                  <a:lnTo>
+                    <a:pt x="20093" y="61230"/>
+                  </a:lnTo>
+                  <a:lnTo>
+                    <a:pt x="17853" y="61298"/>
+                  </a:lnTo>
+                  <a:lnTo>
+                    <a:pt x="12966" y="61298"/>
+                  </a:lnTo>
+                  <a:lnTo>
+                    <a:pt x="10726" y="61230"/>
+                  </a:lnTo>
+                  <a:lnTo>
+                    <a:pt x="8689" y="61094"/>
+                  </a:lnTo>
+                  <a:lnTo>
+                    <a:pt x="6924" y="60958"/>
+                  </a:lnTo>
+                  <a:lnTo>
+                    <a:pt x="4073" y="60687"/>
+                  </a:lnTo>
+                  <a:lnTo>
+                    <a:pt x="2444" y="60415"/>
+                  </a:lnTo>
+                  <a:lnTo>
+                    <a:pt x="1969" y="60347"/>
+                  </a:lnTo>
+                  <a:lnTo>
+                    <a:pt x="1562" y="60144"/>
+                  </a:lnTo>
+                  <a:lnTo>
+                    <a:pt x="1290" y="60008"/>
+                  </a:lnTo>
+                  <a:lnTo>
+                    <a:pt x="951" y="59736"/>
+                  </a:lnTo>
+                  <a:lnTo>
+                    <a:pt x="747" y="59465"/>
+                  </a:lnTo>
+                  <a:lnTo>
+                    <a:pt x="612" y="59125"/>
+                  </a:lnTo>
+                  <a:lnTo>
+                    <a:pt x="544" y="58718"/>
+                  </a:lnTo>
+                  <a:lnTo>
+                    <a:pt x="544" y="58718"/>
+                  </a:lnTo>
+                  <a:lnTo>
+                    <a:pt x="679" y="59125"/>
+                  </a:lnTo>
+                  <a:lnTo>
+                    <a:pt x="815" y="59397"/>
+                  </a:lnTo>
+                  <a:lnTo>
+                    <a:pt x="1019" y="59669"/>
+                  </a:lnTo>
+                  <a:lnTo>
+                    <a:pt x="1290" y="59940"/>
+                  </a:lnTo>
+                  <a:lnTo>
+                    <a:pt x="1630" y="60144"/>
+                  </a:lnTo>
+                  <a:lnTo>
+                    <a:pt x="2037" y="60279"/>
+                  </a:lnTo>
+                  <a:lnTo>
+                    <a:pt x="2444" y="60415"/>
+                  </a:lnTo>
+                  <a:lnTo>
+                    <a:pt x="4073" y="60619"/>
+                  </a:lnTo>
+                  <a:lnTo>
+                    <a:pt x="6924" y="60890"/>
+                  </a:lnTo>
+                  <a:lnTo>
+                    <a:pt x="8689" y="61026"/>
+                  </a:lnTo>
+                  <a:lnTo>
+                    <a:pt x="10726" y="61162"/>
+                  </a:lnTo>
+                  <a:lnTo>
+                    <a:pt x="12966" y="61230"/>
+                  </a:lnTo>
+                  <a:lnTo>
+                    <a:pt x="17853" y="61230"/>
+                  </a:lnTo>
+                  <a:lnTo>
+                    <a:pt x="20093" y="61162"/>
+                  </a:lnTo>
+                  <a:lnTo>
+                    <a:pt x="22130" y="61026"/>
+                  </a:lnTo>
+                  <a:lnTo>
+                    <a:pt x="23895" y="60890"/>
+                  </a:lnTo>
+                  <a:lnTo>
+                    <a:pt x="26746" y="60619"/>
+                  </a:lnTo>
+                  <a:lnTo>
+                    <a:pt x="28375" y="60415"/>
+                  </a:lnTo>
+                  <a:lnTo>
+                    <a:pt x="28850" y="60279"/>
+                  </a:lnTo>
+                  <a:lnTo>
+                    <a:pt x="29190" y="60144"/>
+                  </a:lnTo>
+                  <a:lnTo>
+                    <a:pt x="29529" y="59940"/>
+                  </a:lnTo>
+                  <a:lnTo>
+                    <a:pt x="29800" y="59669"/>
+                  </a:lnTo>
+                  <a:lnTo>
+                    <a:pt x="30004" y="59397"/>
+                  </a:lnTo>
+                  <a:lnTo>
+                    <a:pt x="30140" y="59125"/>
+                  </a:lnTo>
+                  <a:lnTo>
+                    <a:pt x="30276" y="58718"/>
+                  </a:lnTo>
+                  <a:lnTo>
+                    <a:pt x="30276" y="58311"/>
+                  </a:lnTo>
+                  <a:lnTo>
+                    <a:pt x="30276" y="3259"/>
+                  </a:lnTo>
+                  <a:lnTo>
+                    <a:pt x="30276" y="2852"/>
+                  </a:lnTo>
+                  <a:lnTo>
+                    <a:pt x="30140" y="2444"/>
+                  </a:lnTo>
+                  <a:lnTo>
+                    <a:pt x="30004" y="2173"/>
+                  </a:lnTo>
+                  <a:lnTo>
+                    <a:pt x="29800" y="1901"/>
+                  </a:lnTo>
+                  <a:lnTo>
+                    <a:pt x="29529" y="1698"/>
+                  </a:lnTo>
+                  <a:lnTo>
+                    <a:pt x="29190" y="1494"/>
+                  </a:lnTo>
+                  <a:lnTo>
+                    <a:pt x="28850" y="1358"/>
+                  </a:lnTo>
+                  <a:lnTo>
+                    <a:pt x="28375" y="1223"/>
+                  </a:lnTo>
+                  <a:lnTo>
+                    <a:pt x="27560" y="1087"/>
+                  </a:lnTo>
+                  <a:close/>
+                  <a:moveTo>
+                    <a:pt x="15410" y="1"/>
+                  </a:moveTo>
+                  <a:lnTo>
+                    <a:pt x="11608" y="69"/>
+                  </a:lnTo>
+                  <a:lnTo>
+                    <a:pt x="7739" y="204"/>
+                  </a:lnTo>
+                  <a:lnTo>
+                    <a:pt x="4413" y="408"/>
+                  </a:lnTo>
+                  <a:lnTo>
+                    <a:pt x="3191" y="544"/>
+                  </a:lnTo>
+                  <a:lnTo>
+                    <a:pt x="2309" y="680"/>
+                  </a:lnTo>
+                  <a:lnTo>
+                    <a:pt x="1765" y="815"/>
+                  </a:lnTo>
+                  <a:lnTo>
+                    <a:pt x="1290" y="1019"/>
+                  </a:lnTo>
+                  <a:lnTo>
+                    <a:pt x="883" y="1223"/>
+                  </a:lnTo>
+                  <a:lnTo>
+                    <a:pt x="544" y="1494"/>
+                  </a:lnTo>
+                  <a:lnTo>
+                    <a:pt x="340" y="1901"/>
+                  </a:lnTo>
+                  <a:lnTo>
+                    <a:pt x="136" y="2241"/>
+                  </a:lnTo>
+                  <a:lnTo>
+                    <a:pt x="1" y="2716"/>
+                  </a:lnTo>
+                  <a:lnTo>
+                    <a:pt x="1" y="3259"/>
+                  </a:lnTo>
+                  <a:lnTo>
+                    <a:pt x="1" y="58311"/>
+                  </a:lnTo>
+                  <a:lnTo>
+                    <a:pt x="1" y="58854"/>
+                  </a:lnTo>
+                  <a:lnTo>
+                    <a:pt x="136" y="59261"/>
+                  </a:lnTo>
+                  <a:lnTo>
+                    <a:pt x="340" y="59736"/>
+                  </a:lnTo>
+                  <a:lnTo>
+                    <a:pt x="612" y="60076"/>
+                  </a:lnTo>
+                  <a:lnTo>
+                    <a:pt x="951" y="60347"/>
+                  </a:lnTo>
+                  <a:lnTo>
+                    <a:pt x="1358" y="60619"/>
+                  </a:lnTo>
+                  <a:lnTo>
+                    <a:pt x="1833" y="60823"/>
+                  </a:lnTo>
+                  <a:lnTo>
+                    <a:pt x="2309" y="60958"/>
+                  </a:lnTo>
+                  <a:lnTo>
+                    <a:pt x="4006" y="61162"/>
+                  </a:lnTo>
+                  <a:lnTo>
+                    <a:pt x="6857" y="61501"/>
+                  </a:lnTo>
+                  <a:lnTo>
+                    <a:pt x="8689" y="61637"/>
+                  </a:lnTo>
+                  <a:lnTo>
+                    <a:pt x="10726" y="61705"/>
+                  </a:lnTo>
+                  <a:lnTo>
+                    <a:pt x="12966" y="61773"/>
+                  </a:lnTo>
+                  <a:lnTo>
+                    <a:pt x="15410" y="61841"/>
+                  </a:lnTo>
+                  <a:lnTo>
+                    <a:pt x="17853" y="61773"/>
+                  </a:lnTo>
+                  <a:lnTo>
+                    <a:pt x="20093" y="61705"/>
+                  </a:lnTo>
+                  <a:lnTo>
+                    <a:pt x="22130" y="61637"/>
+                  </a:lnTo>
+                  <a:lnTo>
+                    <a:pt x="23963" y="61501"/>
+                  </a:lnTo>
+                  <a:lnTo>
+                    <a:pt x="26814" y="61162"/>
+                  </a:lnTo>
+                  <a:lnTo>
+                    <a:pt x="28511" y="60958"/>
+                  </a:lnTo>
+                  <a:lnTo>
+                    <a:pt x="28986" y="60823"/>
+                  </a:lnTo>
+                  <a:lnTo>
+                    <a:pt x="29461" y="60619"/>
+                  </a:lnTo>
+                  <a:lnTo>
+                    <a:pt x="29868" y="60347"/>
+                  </a:lnTo>
+                  <a:lnTo>
+                    <a:pt x="30208" y="60076"/>
+                  </a:lnTo>
+                  <a:lnTo>
+                    <a:pt x="30479" y="59736"/>
+                  </a:lnTo>
+                  <a:lnTo>
+                    <a:pt x="30683" y="59261"/>
+                  </a:lnTo>
+                  <a:lnTo>
+                    <a:pt x="30819" y="58854"/>
+                  </a:lnTo>
+                  <a:lnTo>
+                    <a:pt x="30819" y="58311"/>
+                  </a:lnTo>
+                  <a:lnTo>
+                    <a:pt x="30819" y="3259"/>
+                  </a:lnTo>
+                  <a:lnTo>
+                    <a:pt x="30819" y="2716"/>
+                  </a:lnTo>
+                  <a:lnTo>
+                    <a:pt x="30683" y="2241"/>
+                  </a:lnTo>
+                  <a:lnTo>
+                    <a:pt x="30547" y="1901"/>
+                  </a:lnTo>
+                  <a:lnTo>
+                    <a:pt x="30276" y="1494"/>
+                  </a:lnTo>
+                  <a:lnTo>
+                    <a:pt x="29936" y="1223"/>
+                  </a:lnTo>
+                  <a:lnTo>
+                    <a:pt x="29529" y="1019"/>
+                  </a:lnTo>
+                  <a:lnTo>
+                    <a:pt x="29054" y="815"/>
+                  </a:lnTo>
+                  <a:lnTo>
+                    <a:pt x="28511" y="680"/>
+                  </a:lnTo>
+                  <a:lnTo>
+                    <a:pt x="27628" y="544"/>
+                  </a:lnTo>
+                  <a:lnTo>
+                    <a:pt x="26406" y="408"/>
+                  </a:lnTo>
+                  <a:lnTo>
+                    <a:pt x="23080" y="204"/>
+                  </a:lnTo>
+                  <a:lnTo>
+                    <a:pt x="19211" y="69"/>
+                  </a:lnTo>
+                  <a:lnTo>
+                    <a:pt x="15410" y="1"/>
+                  </a:lnTo>
+                  <a:close/>
+                </a:path>
+              </a:pathLst>
+            </a:custGeom>
+            <a:solidFill>
+              <a:srgbClr val="222222"/>
+            </a:solidFill>
+            <a:ln w="9525" cap="flat" cmpd="sng">
               <a:solidFill>
-                <a:srgbClr val="222222"/>
+                <a:srgbClr val="FFFFFF"/>
               </a:solidFill>
-              <a:ln w="9525" cap="flat" cmpd="sng">
-                <a:solidFill>
-                  <a:srgbClr val="FFFFFF"/>
-                </a:solidFill>
-                <a:prstDash val="solid"/>
-                <a:round/>
-                <a:headEnd type="none" w="sm" len="sm"/>
-                <a:tailEnd type="none" w="sm" len="sm"/>
-              </a:ln>
-            </p:spPr>
-            <p:txBody>
-              <a:bodyPr spcFirstLastPara="1" wrap="square" lIns="91425" tIns="91425" rIns="91425" bIns="91425" anchor="ctr" anchorCtr="0">
-                <a:noAutofit/>
-              </a:bodyPr>
-              <a:lstStyle/>
-              <a:p>
-                <a:pPr marL="0" lvl="0" indent="0" algn="l" rtl="0">
-                  <a:spcBef>
-                    <a:spcPts val="0"/>
-                  </a:spcBef>
-                  <a:spcAft>
-                    <a:spcPts val="0"/>
-                  </a:spcAft>
-                  <a:buNone/>
-                </a:pPr>
-                <a:endParaRPr/>
-              </a:p>
-            </p:txBody>
-          </p:sp>
-          <p:pic>
-            <p:nvPicPr>
-              <p:cNvPr id="22" name="그림 21" descr="bee4.png">
-                <a:extLst>
-                  <a:ext uri="{FF2B5EF4-FFF2-40B4-BE49-F238E27FC236}">
-                    <a16:creationId xmlns:a16="http://schemas.microsoft.com/office/drawing/2014/main" id="{EFFFDCF6-CA62-42C3-AE52-14C0CBD44CA8}"/>
-                  </a:ext>
-                </a:extLst>
-              </p:cNvPr>
-              <p:cNvPicPr/>
-              <p:nvPr/>
-            </p:nvPicPr>
-            <p:blipFill>
-              <a:blip r:embed="rId5" cstate="print">
-                <a:extLst>
-                  <a:ext uri="{28A0092B-C50C-407E-A947-70E740481C1C}">
-                    <a14:useLocalDpi xmlns:a14="http://schemas.microsoft.com/office/drawing/2010/main" val="0"/>
-                  </a:ext>
-                </a:extLst>
-              </a:blip>
-              <a:srcRect/>
-              <a:stretch>
-                <a:fillRect/>
-              </a:stretch>
-            </p:blipFill>
-            <p:spPr bwMode="auto">
-              <a:xfrm>
-                <a:off x="6728236" y="2297833"/>
-                <a:ext cx="2193821" cy="3747860"/>
-              </a:xfrm>
-              <a:prstGeom prst="rect">
-                <a:avLst/>
-              </a:prstGeom>
-              <a:noFill/>
-              <a:ln w="9525">
-                <a:noFill/>
-                <a:miter lim="800000"/>
-                <a:headEnd/>
-                <a:tailEnd/>
-              </a:ln>
-            </p:spPr>
-          </p:pic>
-        </p:grpSp>
+              <a:prstDash val="solid"/>
+              <a:round/>
+              <a:headEnd type="none" w="sm" len="sm"/>
+              <a:tailEnd type="none" w="sm" len="sm"/>
+            </a:ln>
+          </p:spPr>
+          <p:txBody>
+            <a:bodyPr spcFirstLastPara="1" wrap="square" lIns="91425" tIns="91425" rIns="91425" bIns="91425" anchor="ctr" anchorCtr="0">
+              <a:noAutofit/>
+            </a:bodyPr>
+            <a:lstStyle/>
+            <a:p>
+              <a:pPr marL="0" lvl="0" indent="0" algn="l" rtl="0">
+                <a:spcBef>
+                  <a:spcPts val="0"/>
+                </a:spcBef>
+                <a:spcAft>
+                  <a:spcPts val="0"/>
+                </a:spcAft>
+                <a:buNone/>
+              </a:pPr>
+              <a:endParaRPr/>
+            </a:p>
+          </p:txBody>
+        </p:sp>
         <p:pic>
           <p:nvPicPr>
             <p:cNvPr id="18" name="그림 17">
@@ -12747,7 +12724,7 @@
             <p:nvPr/>
           </p:nvPicPr>
           <p:blipFill>
-            <a:blip r:embed="rId6">
+            <a:blip r:embed="rId5">
               <a:extLst>
                 <a:ext uri="{28A0092B-C50C-407E-A947-70E740481C1C}">
                   <a14:useLocalDpi xmlns:a14="http://schemas.microsoft.com/office/drawing/2010/main" val="0"/>
@@ -12828,8 +12805,8 @@
         </p:nvSpPr>
         <p:spPr>
           <a:xfrm>
-            <a:off x="7540006" y="2123643"/>
-            <a:ext cx="4067047" cy="3908762"/>
+            <a:off x="7517750" y="1850184"/>
+            <a:ext cx="4089298" cy="4124206"/>
           </a:xfrm>
           <a:prstGeom prst="rect">
             <a:avLst/>
@@ -13001,28 +12978,14 @@
                 <a:latin typeface="a옛날목욕탕L" panose="02020600000000000000" pitchFamily="18" charset="-127"/>
                 <a:ea typeface="a옛날목욕탕L" panose="02020600000000000000" pitchFamily="18" charset="-127"/>
               </a:rPr>
-              <a:t>BEE</a:t>
+              <a:t>BEE API</a:t>
             </a:r>
             <a:r>
               <a:rPr lang="ko-KR" altLang="en-US" sz="1400" dirty="0">
                 <a:latin typeface="a옛날목욕탕L" panose="02020600000000000000" pitchFamily="18" charset="-127"/>
                 <a:ea typeface="a옛날목욕탕L" panose="02020600000000000000" pitchFamily="18" charset="-127"/>
               </a:rPr>
-              <a:t> </a:t>
-            </a:r>
-            <a:r>
-              <a:rPr lang="en-US" altLang="ko-KR" sz="1400" dirty="0">
-                <a:latin typeface="a옛날목욕탕L" panose="02020600000000000000" pitchFamily="18" charset="-127"/>
-                <a:ea typeface="a옛날목욕탕L" panose="02020600000000000000" pitchFamily="18" charset="-127"/>
-              </a:rPr>
-              <a:t>Device</a:t>
-            </a:r>
-            <a:r>
-              <a:rPr lang="ko-KR" altLang="en-US" sz="1400" dirty="0">
-                <a:latin typeface="a옛날목욕탕L" panose="02020600000000000000" pitchFamily="18" charset="-127"/>
-                <a:ea typeface="a옛날목욕탕L" panose="02020600000000000000" pitchFamily="18" charset="-127"/>
-              </a:rPr>
-              <a:t>에 </a:t>
+              <a:t>를 통해 </a:t>
             </a:r>
             <a:endParaRPr lang="en-US" altLang="ko-KR" sz="1400" dirty="0">
               <a:latin typeface="a옛날목욕탕L" panose="02020600000000000000" pitchFamily="18" charset="-127"/>
@@ -13042,7 +13005,30 @@
                 <a:latin typeface="a옛날목욕탕L" panose="02020600000000000000" pitchFamily="18" charset="-127"/>
                 <a:ea typeface="a옛날목욕탕L" panose="02020600000000000000" pitchFamily="18" charset="-127"/>
               </a:rPr>
-              <a:t>점자로 변환된다</a:t>
+              <a:t>점자 정보로 변환되고 해당 정보는</a:t>
+            </a:r>
+            <a:r>
+              <a:rPr lang="en-US" altLang="ko-KR" sz="1400" dirty="0">
+                <a:latin typeface="a옛날목욕탕L" panose="02020600000000000000" pitchFamily="18" charset="-127"/>
+                <a:ea typeface="a옛날목욕탕L" panose="02020600000000000000" pitchFamily="18" charset="-127"/>
+              </a:rPr>
+              <a:t> BEE </a:t>
+            </a:r>
+          </a:p>
+          <a:p>
+            <a:r>
+              <a:rPr lang="en-US" altLang="ko-KR" sz="1400" dirty="0">
+                <a:latin typeface="a옛날목욕탕L" panose="02020600000000000000" pitchFamily="18" charset="-127"/>
+                <a:ea typeface="a옛날목욕탕L" panose="02020600000000000000" pitchFamily="18" charset="-127"/>
+              </a:rPr>
+              <a:t>      DEVICE  </a:t>
+            </a:r>
+            <a:r>
+              <a:rPr lang="ko-KR" altLang="en-US" sz="1400" dirty="0">
+                <a:latin typeface="a옛날목욕탕L" panose="02020600000000000000" pitchFamily="18" charset="-127"/>
+                <a:ea typeface="a옛날목욕탕L" panose="02020600000000000000" pitchFamily="18" charset="-127"/>
+              </a:rPr>
+              <a:t>에 전송된다</a:t>
             </a:r>
             <a:r>
               <a:rPr lang="en-US" altLang="ko-KR" sz="1400" dirty="0">
@@ -13055,7 +13041,7 @@
           <a:p>
             <a:pPr marL="342900" indent="-342900">
               <a:buFont typeface="+mj-ea"/>
-              <a:buAutoNum type="circleNumDbPlain"/>
+              <a:buAutoNum type="circleNumDbPlain" startAt="3"/>
             </a:pPr>
             <a:endParaRPr lang="en-US" altLang="ko-KR" sz="1600" dirty="0">
               <a:latin typeface="a옛날목욕탕L" panose="02020600000000000000" pitchFamily="18" charset="-127"/>
@@ -13094,7 +13080,7 @@
                 <a:latin typeface="a옛날목욕탕L" panose="02020600000000000000" pitchFamily="18" charset="-127"/>
                 <a:ea typeface="a옛날목욕탕L" panose="02020600000000000000" pitchFamily="18" charset="-127"/>
               </a:rPr>
-              <a:t>출력부에 점자 변환된 메시지가 출력된다</a:t>
+              <a:t>출력부에 점자로 변환된 메시지가 출력된다</a:t>
             </a:r>
             <a:r>
               <a:rPr lang="en-US" altLang="ko-KR" sz="1400" dirty="0">
@@ -13232,6 +13218,42 @@
           </a:fontRef>
         </p:style>
       </p:cxnSp>
+      <p:pic>
+        <p:nvPicPr>
+          <p:cNvPr id="6" name="그림 5">
+            <a:extLst>
+              <a:ext uri="{FF2B5EF4-FFF2-40B4-BE49-F238E27FC236}">
+                <a16:creationId xmlns:a16="http://schemas.microsoft.com/office/drawing/2014/main" id="{249A1F93-0EB1-414D-BB5D-504565F2EA60}"/>
+              </a:ext>
+            </a:extLst>
+          </p:cNvPr>
+          <p:cNvPicPr>
+            <a:picLocks noChangeAspect="1"/>
+          </p:cNvPicPr>
+          <p:nvPr/>
+        </p:nvPicPr>
+        <p:blipFill>
+          <a:blip r:embed="rId6">
+            <a:extLst>
+              <a:ext uri="{28A0092B-C50C-407E-A947-70E740481C1C}">
+                <a14:useLocalDpi xmlns:a14="http://schemas.microsoft.com/office/drawing/2010/main" val="0"/>
+              </a:ext>
+            </a:extLst>
+          </a:blip>
+          <a:stretch>
+            <a:fillRect/>
+          </a:stretch>
+        </p:blipFill>
+        <p:spPr>
+          <a:xfrm>
+            <a:off x="5193438" y="2575268"/>
+            <a:ext cx="1547952" cy="2625220"/>
+          </a:xfrm>
+          <a:prstGeom prst="rect">
+            <a:avLst/>
+          </a:prstGeom>
+        </p:spPr>
+      </p:pic>
     </p:spTree>
     <p:extLst>
       <p:ext uri="{BB962C8B-B14F-4D97-AF65-F5344CB8AC3E}">
@@ -13307,7 +13329,7 @@
                 <a:ea typeface="a옛날목욕탕L" panose="02020600000000000000" pitchFamily="18" charset="-127"/>
                 <a:cs typeface="Arial" panose="020B0604020202020204" pitchFamily="34" charset="0"/>
               </a:rPr>
-              <a:t>: BARRER-FREE MODE</a:t>
+              <a:t>: BARRIER-FREE MODE</a:t>
             </a:r>
             <a:endParaRPr dirty="0">
               <a:solidFill>
@@ -15075,7 +15097,7 @@
                 <a:ea typeface="a옛날목욕탕L" panose="02020600000000000000" pitchFamily="18" charset="-127"/>
                 <a:cs typeface="Arial" panose="020B0604020202020204" pitchFamily="34" charset="0"/>
               </a:rPr>
-              <a:t>- BARRER FREE MODE </a:t>
+              <a:t>- BARRIER-FREE MODE </a:t>
             </a:r>
             <a:r>
               <a:rPr lang="ko-KR" altLang="ko-KR" sz="1200" dirty="0">
@@ -15194,7 +15216,7 @@
                 <a:ea typeface="a옛날목욕탕L" panose="02020600000000000000" pitchFamily="18" charset="-127"/>
                 <a:cs typeface="Arial" panose="020B0604020202020204" pitchFamily="34" charset="0"/>
               </a:rPr>
-              <a:t>입력 받은 정보가 점자 정보일 경우에는 </a:t>
+              <a:t>입력 받은 정보가 </a:t>
             </a:r>
             <a:r>
               <a:rPr lang="en-US" altLang="ko-KR" sz="1200" dirty="0">
@@ -15257,7 +15279,23 @@
                 <a:ea typeface="a옛날목욕탕L" panose="02020600000000000000" pitchFamily="18" charset="-127"/>
                 <a:cs typeface="Arial" panose="020B0604020202020204" pitchFamily="34" charset="0"/>
               </a:rPr>
-              <a:t>으로 전송한다</a:t>
+              <a:t>으로 전송</a:t>
+            </a:r>
+            <a:r>
+              <a:rPr lang="ko-KR" altLang="en-US" sz="1200" dirty="0">
+                <a:latin typeface="a옛날목욕탕L" panose="02020600000000000000" pitchFamily="18" charset="-127"/>
+                <a:ea typeface="a옛날목욕탕L" panose="02020600000000000000" pitchFamily="18" charset="-127"/>
+                <a:cs typeface="Arial" panose="020B0604020202020204" pitchFamily="34" charset="0"/>
+              </a:rPr>
+              <a:t>된</a:t>
+            </a:r>
+            <a:r>
+              <a:rPr lang="ko-KR" altLang="ko-KR" sz="1200" dirty="0">
+                <a:latin typeface="a옛날목욕탕L" panose="02020600000000000000" pitchFamily="18" charset="-127"/>
+                <a:ea typeface="a옛날목욕탕L" panose="02020600000000000000" pitchFamily="18" charset="-127"/>
+                <a:cs typeface="Arial" panose="020B0604020202020204" pitchFamily="34" charset="0"/>
+              </a:rPr>
+              <a:t>다</a:t>
             </a:r>
             <a:r>
               <a:rPr lang="en-US" altLang="ko-KR" sz="1200" dirty="0">
@@ -15838,7 +15876,7 @@
                 <a:ea typeface="a옛날목욕탕L" panose="02020600000000000000" pitchFamily="18" charset="-127"/>
                 <a:cs typeface="Arial" panose="020B0604020202020204" pitchFamily="34" charset="0"/>
               </a:rPr>
-              <a:t>: BARRER-FREE MODE</a:t>
+              <a:t>: BARRIER-FREE MODE</a:t>
             </a:r>
             <a:endParaRPr dirty="0">
               <a:solidFill>
@@ -17699,7 +17737,7 @@
                 <a:ea typeface="a옛날목욕탕L" panose="02020600000000000000" pitchFamily="18" charset="-127"/>
                 <a:cs typeface="Arial" panose="020B0604020202020204" pitchFamily="34" charset="0"/>
               </a:rPr>
-              <a:t>입력 받은 정보가 점자 정보일 경우에는 </a:t>
+              <a:t>입력 받은 정보가 </a:t>
             </a:r>
             <a:r>
               <a:rPr lang="en-US" altLang="ko-KR" sz="1200" dirty="0">

--- a/docs/8_Final Presentation Panel.pptx
+++ b/docs/8_Final Presentation Panel.pptx
@@ -7855,7 +7855,31 @@
                 <a:ea typeface="a옛날목욕탕L" panose="02020600000000000000" pitchFamily="18" charset="-127"/>
                 <a:cs typeface="Arial" panose="020B0604020202020204" pitchFamily="34" charset="0"/>
               </a:rPr>
-              <a:t>다양한 점자기기가 존재함에도 불구하고 시청각장애인과 비장애인의 의사소통에는 상당한 어려움이 존재</a:t>
+              <a:t>다양한 점자기기가 존재함에도 불구하고 시청각장애인과 비장애인</a:t>
+            </a:r>
+            <a:r>
+              <a:rPr lang="en-US" altLang="ko-KR" sz="1467" dirty="0">
+                <a:latin typeface="a옛날목욕탕L" panose="02020600000000000000" pitchFamily="18" charset="-127"/>
+                <a:ea typeface="a옛날목욕탕L" panose="02020600000000000000" pitchFamily="18" charset="-127"/>
+                <a:cs typeface="Arial" panose="020B0604020202020204" pitchFamily="34" charset="0"/>
+              </a:rPr>
+              <a:t> </a:t>
+            </a:r>
+            <a:r>
+              <a:rPr lang="ko-KR" altLang="en-US" sz="1467" dirty="0">
+                <a:latin typeface="a옛날목욕탕L" panose="02020600000000000000" pitchFamily="18" charset="-127"/>
+                <a:ea typeface="a옛날목욕탕L" panose="02020600000000000000" pitchFamily="18" charset="-127"/>
+                <a:cs typeface="Arial" panose="020B0604020202020204" pitchFamily="34" charset="0"/>
+              </a:rPr>
+              <a:t>간의</a:t>
+            </a:r>
+            <a:r>
+              <a:rPr lang="ko-KR" altLang="ko-KR" sz="1467" dirty="0">
+                <a:latin typeface="a옛날목욕탕L" panose="02020600000000000000" pitchFamily="18" charset="-127"/>
+                <a:ea typeface="a옛날목욕탕L" panose="02020600000000000000" pitchFamily="18" charset="-127"/>
+                <a:cs typeface="Arial" panose="020B0604020202020204" pitchFamily="34" charset="0"/>
+              </a:rPr>
+              <a:t> 의사소통에는 상당한 어려움이 존재</a:t>
             </a:r>
             <a:r>
               <a:rPr lang="en-US" altLang="ko-KR" sz="1467" dirty="0">
@@ -7886,23 +7910,7 @@
                 <a:ea typeface="a옛날목욕탕L" panose="02020600000000000000" pitchFamily="18" charset="-127"/>
                 <a:cs typeface="Arial" panose="020B0604020202020204" pitchFamily="34" charset="0"/>
               </a:rPr>
-              <a:t>청각</a:t>
-            </a:r>
-            <a:r>
-              <a:rPr lang="en-US" altLang="ko-KR" sz="1467" dirty="0">
-                <a:latin typeface="a옛날목욕탕L" panose="02020600000000000000" pitchFamily="18" charset="-127"/>
-                <a:ea typeface="a옛날목욕탕L" panose="02020600000000000000" pitchFamily="18" charset="-127"/>
-                <a:cs typeface="Arial" panose="020B0604020202020204" pitchFamily="34" charset="0"/>
-              </a:rPr>
-              <a:t> </a:t>
-            </a:r>
-            <a:r>
-              <a:rPr lang="ko-KR" altLang="ko-KR" sz="1467" dirty="0">
-                <a:latin typeface="a옛날목욕탕L" panose="02020600000000000000" pitchFamily="18" charset="-127"/>
-                <a:ea typeface="a옛날목욕탕L" panose="02020600000000000000" pitchFamily="18" charset="-127"/>
-                <a:cs typeface="Arial" panose="020B0604020202020204" pitchFamily="34" charset="0"/>
-              </a:rPr>
-              <a:t>장애인의 연령대가 대다수 고령으로 분포되어 있</a:t>
+              <a:t>청각장애인의 연령대가 대다수 고령으로 분포되어 있</a:t>
             </a:r>
             <a:r>
               <a:rPr lang="ko-KR" altLang="en-US" sz="1467" dirty="0">
@@ -7960,7 +7968,7 @@
                 <a:ea typeface="a옛날목욕탕L" panose="02020600000000000000" pitchFamily="18" charset="-127"/>
                 <a:cs typeface="Arial" panose="020B0604020202020204" pitchFamily="34" charset="0"/>
               </a:rPr>
-              <a:t>시청각장애인이 비장애인과 혹은 장애인 간 실제적인 의사소통이 가능하도록 보조할 수 있고</a:t>
+              <a:t>시청각장애인이 비장애인 혹은 장애인 간 실제적인 의사소통이 가능하도록 보조할 수 있고</a:t>
             </a:r>
             <a:r>
               <a:rPr lang="en-US" altLang="ko-KR" sz="1467" dirty="0">
@@ -7991,7 +7999,7 @@
                 <a:ea typeface="a옛날목욕탕L" panose="02020600000000000000" pitchFamily="18" charset="-127"/>
                 <a:cs typeface="Arial" panose="020B0604020202020204" pitchFamily="34" charset="0"/>
               </a:rPr>
-              <a:t>현존 하는 기기들보다 상대적으로 저렴</a:t>
+              <a:t>현존하는 기기들보다 상대적으로 저렴</a:t>
             </a:r>
             <a:r>
               <a:rPr lang="ko-KR" altLang="en-US" sz="1467" dirty="0">
@@ -8049,23 +8057,7 @@
                 <a:ea typeface="a옛날목욕탕L" panose="02020600000000000000" pitchFamily="18" charset="-127"/>
                 <a:cs typeface="Arial" panose="020B0604020202020204" pitchFamily="34" charset="0"/>
               </a:rPr>
-              <a:t>시청각장애인들의 근본적인 의사소통 문제 </a:t>
-            </a:r>
-            <a:r>
-              <a:rPr lang="ko-KR" altLang="en-US" sz="1467" dirty="0" err="1">
-                <a:latin typeface="a옛날목욕탕L" panose="02020600000000000000" pitchFamily="18" charset="-127"/>
-                <a:ea typeface="a옛날목욕탕L" panose="02020600000000000000" pitchFamily="18" charset="-127"/>
-                <a:cs typeface="Arial" panose="020B0604020202020204" pitchFamily="34" charset="0"/>
-              </a:rPr>
-              <a:t>해결를</a:t>
-            </a:r>
-            <a:r>
-              <a:rPr lang="ko-KR" altLang="en-US" sz="1467" dirty="0">
-                <a:latin typeface="a옛날목욕탕L" panose="02020600000000000000" pitchFamily="18" charset="-127"/>
-                <a:ea typeface="a옛날목욕탕L" panose="02020600000000000000" pitchFamily="18" charset="-127"/>
-                <a:cs typeface="Arial" panose="020B0604020202020204" pitchFamily="34" charset="0"/>
-              </a:rPr>
-              <a:t> 위한 서비스를 제공</a:t>
+              <a:t>시청각장애인들의 근본적인 의사소통 문제 해결을 위한 서비스를 제공</a:t>
             </a:r>
             <a:endParaRPr lang="ko-KR" altLang="ko-KR" sz="1467" dirty="0">
               <a:latin typeface="a옛날목욕탕L" panose="02020600000000000000" pitchFamily="18" charset="-127"/>
@@ -8179,13 +8171,13 @@
         </p:nvPicPr>
         <p:blipFill rotWithShape="1">
           <a:blip r:embed="rId3"/>
-          <a:srcRect l="8732" t="59775" r="56758" b="8333"/>
+          <a:srcRect l="8732" t="59775" r="56758" b="26414"/>
           <a:stretch/>
         </p:blipFill>
         <p:spPr>
           <a:xfrm>
             <a:off x="7743333" y="4302111"/>
-            <a:ext cx="3655468" cy="1888087"/>
+            <a:ext cx="3655468" cy="817675"/>
           </a:xfrm>
           <a:prstGeom prst="rect">
             <a:avLst/>
@@ -9878,8 +9870,8 @@
         </p:nvSpPr>
         <p:spPr>
           <a:xfrm>
-            <a:off x="7743329" y="5244537"/>
-            <a:ext cx="1819633" cy="338554"/>
+            <a:off x="7832977" y="5119786"/>
+            <a:ext cx="2001306" cy="261610"/>
           </a:xfrm>
           <a:prstGeom prst="rect">
             <a:avLst/>
@@ -9900,29 +9892,43 @@
           <a:lstStyle/>
           <a:p>
             <a:r>
-              <a:rPr lang="en-US" altLang="ko-KR" sz="1600" dirty="0">
-                <a:latin typeface="a옛날목욕탕L" panose="02020600000000000000" pitchFamily="18" charset="-127"/>
-                <a:ea typeface="a옛날목욕탕L" panose="02020600000000000000" pitchFamily="18" charset="-127"/>
-              </a:rPr>
-              <a:t>ex) ‘</a:t>
-            </a:r>
-            <a:r>
-              <a:rPr lang="ko-KR" altLang="en-US" sz="1600" dirty="0">
-                <a:latin typeface="a옛날목욕탕L" panose="02020600000000000000" pitchFamily="18" charset="-127"/>
-                <a:ea typeface="a옛날목욕탕L" panose="02020600000000000000" pitchFamily="18" charset="-127"/>
+              <a:rPr lang="en-US" altLang="ko-KR" sz="1050" dirty="0">
+                <a:latin typeface="돋움" panose="020B0600000101010101" pitchFamily="50" charset="-127"/>
+                <a:ea typeface="돋움" panose="020B0600000101010101" pitchFamily="50" charset="-127"/>
+              </a:rPr>
+              <a:t>2</a:t>
+            </a:r>
+            <a:r>
+              <a:rPr lang="ko-KR" altLang="en-US" sz="1050" dirty="0">
+                <a:latin typeface="돋움" panose="020B0600000101010101" pitchFamily="50" charset="-127"/>
+                <a:ea typeface="돋움" panose="020B0600000101010101" pitchFamily="50" charset="-127"/>
+              </a:rPr>
+              <a:t>종 약자 </a:t>
+            </a:r>
+            <a:r>
+              <a:rPr lang="en-US" altLang="ko-KR" sz="1050" dirty="0">
+                <a:latin typeface="돋움" panose="020B0600000101010101" pitchFamily="50" charset="-127"/>
+                <a:ea typeface="돋움" panose="020B0600000101010101" pitchFamily="50" charset="-127"/>
+              </a:rPr>
+              <a:t>‘</a:t>
+            </a:r>
+            <a:r>
+              <a:rPr lang="ko-KR" altLang="en-US" sz="1050" dirty="0">
+                <a:latin typeface="돋움" panose="020B0600000101010101" pitchFamily="50" charset="-127"/>
+                <a:ea typeface="돋움" panose="020B0600000101010101" pitchFamily="50" charset="-127"/>
               </a:rPr>
               <a:t>그러나</a:t>
             </a:r>
             <a:r>
-              <a:rPr lang="en-US" altLang="ko-KR" sz="1600" dirty="0">
-                <a:latin typeface="a옛날목욕탕L" panose="02020600000000000000" pitchFamily="18" charset="-127"/>
-                <a:ea typeface="a옛날목욕탕L" panose="02020600000000000000" pitchFamily="18" charset="-127"/>
+              <a:rPr lang="en-US" altLang="ko-KR" sz="1050" dirty="0">
+                <a:latin typeface="돋움" panose="020B0600000101010101" pitchFamily="50" charset="-127"/>
+                <a:ea typeface="돋움" panose="020B0600000101010101" pitchFamily="50" charset="-127"/>
               </a:rPr>
               <a:t>’</a:t>
             </a:r>
-            <a:endParaRPr lang="ko-KR" altLang="en-US" sz="1600" dirty="0">
-              <a:latin typeface="a옛날목욕탕L" panose="02020600000000000000" pitchFamily="18" charset="-127"/>
-              <a:ea typeface="a옛날목욕탕L" panose="02020600000000000000" pitchFamily="18" charset="-127"/>
+            <a:endParaRPr lang="ko-KR" altLang="en-US" sz="1050" dirty="0">
+              <a:latin typeface="돋움" panose="020B0600000101010101" pitchFamily="50" charset="-127"/>
+              <a:ea typeface="돋움" panose="020B0600000101010101" pitchFamily="50" charset="-127"/>
             </a:endParaRPr>
           </a:p>
         </p:txBody>
@@ -10299,6 +10305,35 @@
           </a:fontRef>
         </p:style>
       </p:cxnSp>
+      <p:pic>
+        <p:nvPicPr>
+          <p:cNvPr id="48" name="그림 47">
+            <a:extLst>
+              <a:ext uri="{FF2B5EF4-FFF2-40B4-BE49-F238E27FC236}">
+                <a16:creationId xmlns:a16="http://schemas.microsoft.com/office/drawing/2014/main" id="{BFF5467F-98ED-44DA-B72C-3431549C48FF}"/>
+              </a:ext>
+            </a:extLst>
+          </p:cNvPr>
+          <p:cNvPicPr>
+            <a:picLocks noChangeAspect="1"/>
+          </p:cNvPicPr>
+          <p:nvPr/>
+        </p:nvPicPr>
+        <p:blipFill rotWithShape="1">
+          <a:blip r:embed="rId3"/>
+          <a:srcRect l="8732" t="81241" r="56758" b="8333"/>
+          <a:stretch/>
+        </p:blipFill>
+        <p:spPr>
+          <a:xfrm>
+            <a:off x="7743333" y="5351618"/>
+            <a:ext cx="3655468" cy="617251"/>
+          </a:xfrm>
+          <a:prstGeom prst="rect">
+            <a:avLst/>
+          </a:prstGeom>
+        </p:spPr>
+      </p:pic>
     </p:spTree>
     <p:extLst>
       <p:ext uri="{BB962C8B-B14F-4D97-AF65-F5344CB8AC3E}">
@@ -10453,35 +10488,6 @@
             <a:chExt cx="6746385" cy="3574739"/>
           </a:xfrm>
         </p:grpSpPr>
-        <p:pic>
-          <p:nvPicPr>
-            <p:cNvPr id="4" name="그림 3">
-              <a:extLst>
-                <a:ext uri="{FF2B5EF4-FFF2-40B4-BE49-F238E27FC236}">
-                  <a16:creationId xmlns:a16="http://schemas.microsoft.com/office/drawing/2014/main" id="{A51D942D-6A05-47A7-8BBE-C944969D7E54}"/>
-                </a:ext>
-              </a:extLst>
-            </p:cNvPr>
-            <p:cNvPicPr>
-              <a:picLocks noChangeAspect="1"/>
-            </p:cNvPicPr>
-            <p:nvPr/>
-          </p:nvPicPr>
-          <p:blipFill rotWithShape="1">
-            <a:blip r:embed="rId3"/>
-            <a:srcRect b="4359"/>
-            <a:stretch/>
-          </p:blipFill>
-          <p:spPr>
-            <a:xfrm>
-              <a:off x="472514" y="2650191"/>
-              <a:ext cx="1875268" cy="3115087"/>
-            </a:xfrm>
-            <a:prstGeom prst="rect">
-              <a:avLst/>
-            </a:prstGeom>
-          </p:spPr>
-        </p:pic>
         <p:sp>
           <p:nvSpPr>
             <p:cNvPr id="11" name="Google Shape;272;p32">
@@ -11949,7 +11955,7 @@
               <p:nvPr/>
             </p:nvPicPr>
             <p:blipFill>
-              <a:blip r:embed="rId4" cstate="print">
+              <a:blip r:embed="rId3" cstate="print">
                 <a:extLst>
                   <a:ext uri="{28A0092B-C50C-407E-A947-70E740481C1C}">
                     <a14:useLocalDpi xmlns:a14="http://schemas.microsoft.com/office/drawing/2010/main" val="0"/>
@@ -11979,765 +11985,702 @@
             </p:spPr>
           </p:pic>
         </p:grpSp>
-        <p:grpSp>
-          <p:nvGrpSpPr>
-            <p:cNvPr id="15" name="그룹 14">
+        <p:sp>
+          <p:nvSpPr>
+            <p:cNvPr id="21" name="Google Shape;272;p32">
               <a:extLst>
                 <a:ext uri="{FF2B5EF4-FFF2-40B4-BE49-F238E27FC236}">
-                  <a16:creationId xmlns:a16="http://schemas.microsoft.com/office/drawing/2014/main" id="{1031D433-4CBC-40DB-BB8F-CBD80817F8B6}"/>
+                  <a16:creationId xmlns:a16="http://schemas.microsoft.com/office/drawing/2014/main" id="{4B38FC8A-C563-46B2-8669-2C78B9697078}"/>
                 </a:ext>
               </a:extLst>
             </p:cNvPr>
-            <p:cNvGrpSpPr/>
+            <p:cNvSpPr/>
             <p:nvPr/>
-          </p:nvGrpSpPr>
-          <p:grpSpPr>
+          </p:nvSpPr>
+          <p:spPr>
             <a:xfrm>
               <a:off x="5289219" y="2355168"/>
               <a:ext cx="1886384" cy="3574739"/>
-              <a:chOff x="6626520" y="1945594"/>
-              <a:chExt cx="2382975" cy="4540512"/>
             </a:xfrm>
-          </p:grpSpPr>
-          <p:sp>
-            <p:nvSpPr>
-              <p:cNvPr id="21" name="Google Shape;272;p32">
-                <a:extLst>
-                  <a:ext uri="{FF2B5EF4-FFF2-40B4-BE49-F238E27FC236}">
-                    <a16:creationId xmlns:a16="http://schemas.microsoft.com/office/drawing/2014/main" id="{4B38FC8A-C563-46B2-8669-2C78B9697078}"/>
-                  </a:ext>
-                </a:extLst>
-              </p:cNvPr>
-              <p:cNvSpPr/>
-              <p:nvPr/>
-            </p:nvSpPr>
-            <p:spPr>
-              <a:xfrm>
-                <a:off x="6626520" y="1945594"/>
-                <a:ext cx="2382975" cy="4540512"/>
-              </a:xfrm>
-              <a:custGeom>
-                <a:avLst/>
-                <a:gdLst/>
-                <a:ahLst/>
-                <a:cxnLst/>
-                <a:rect l="l" t="t" r="r" b="b"/>
-                <a:pathLst>
-                  <a:path w="30819" h="61841" extrusionOk="0">
-                    <a:moveTo>
-                      <a:pt x="5160" y="2580"/>
-                    </a:moveTo>
-                    <a:lnTo>
-                      <a:pt x="5295" y="2648"/>
-                    </a:lnTo>
-                    <a:lnTo>
-                      <a:pt x="5363" y="2784"/>
-                    </a:lnTo>
-                    <a:lnTo>
-                      <a:pt x="5363" y="2920"/>
-                    </a:lnTo>
-                    <a:lnTo>
-                      <a:pt x="5363" y="3055"/>
-                    </a:lnTo>
-                    <a:lnTo>
-                      <a:pt x="5295" y="3191"/>
-                    </a:lnTo>
-                    <a:lnTo>
-                      <a:pt x="5160" y="3259"/>
-                    </a:lnTo>
-                    <a:lnTo>
-                      <a:pt x="4888" y="3259"/>
-                    </a:lnTo>
-                    <a:lnTo>
-                      <a:pt x="4752" y="3191"/>
-                    </a:lnTo>
-                    <a:lnTo>
-                      <a:pt x="4684" y="3055"/>
-                    </a:lnTo>
-                    <a:lnTo>
-                      <a:pt x="4684" y="2920"/>
-                    </a:lnTo>
-                    <a:lnTo>
-                      <a:pt x="4684" y="2784"/>
-                    </a:lnTo>
-                    <a:lnTo>
-                      <a:pt x="4752" y="2648"/>
-                    </a:lnTo>
-                    <a:lnTo>
-                      <a:pt x="4888" y="2580"/>
-                    </a:lnTo>
-                    <a:close/>
-                    <a:moveTo>
-                      <a:pt x="15410" y="2241"/>
-                    </a:moveTo>
-                    <a:lnTo>
-                      <a:pt x="15681" y="2309"/>
-                    </a:lnTo>
-                    <a:lnTo>
-                      <a:pt x="15885" y="2444"/>
-                    </a:lnTo>
-                    <a:lnTo>
-                      <a:pt x="16021" y="2648"/>
-                    </a:lnTo>
-                    <a:lnTo>
-                      <a:pt x="16088" y="2920"/>
-                    </a:lnTo>
-                    <a:lnTo>
-                      <a:pt x="16021" y="3191"/>
-                    </a:lnTo>
-                    <a:lnTo>
-                      <a:pt x="15885" y="3395"/>
-                    </a:lnTo>
-                    <a:lnTo>
-                      <a:pt x="15681" y="3531"/>
-                    </a:lnTo>
-                    <a:lnTo>
-                      <a:pt x="15410" y="3598"/>
-                    </a:lnTo>
-                    <a:lnTo>
-                      <a:pt x="15138" y="3531"/>
-                    </a:lnTo>
-                    <a:lnTo>
-                      <a:pt x="14934" y="3395"/>
-                    </a:lnTo>
-                    <a:lnTo>
-                      <a:pt x="14799" y="3191"/>
-                    </a:lnTo>
-                    <a:lnTo>
-                      <a:pt x="14731" y="2920"/>
-                    </a:lnTo>
-                    <a:lnTo>
-                      <a:pt x="14799" y="2648"/>
-                    </a:lnTo>
-                    <a:lnTo>
-                      <a:pt x="14934" y="2444"/>
-                    </a:lnTo>
-                    <a:lnTo>
-                      <a:pt x="15138" y="2309"/>
-                    </a:lnTo>
-                    <a:lnTo>
-                      <a:pt x="15410" y="2241"/>
-                    </a:lnTo>
-                    <a:close/>
-                    <a:moveTo>
-                      <a:pt x="29393" y="5228"/>
-                    </a:moveTo>
-                    <a:lnTo>
-                      <a:pt x="29461" y="5296"/>
-                    </a:lnTo>
-                    <a:lnTo>
-                      <a:pt x="29461" y="54849"/>
-                    </a:lnTo>
-                    <a:lnTo>
-                      <a:pt x="1426" y="54849"/>
-                    </a:lnTo>
-                    <a:lnTo>
-                      <a:pt x="1426" y="5296"/>
-                    </a:lnTo>
-                    <a:lnTo>
-                      <a:pt x="1494" y="5228"/>
-                    </a:lnTo>
-                    <a:close/>
-                    <a:moveTo>
-                      <a:pt x="15410" y="544"/>
-                    </a:moveTo>
-                    <a:lnTo>
-                      <a:pt x="19143" y="612"/>
-                    </a:lnTo>
-                    <a:lnTo>
-                      <a:pt x="23012" y="747"/>
-                    </a:lnTo>
-                    <a:lnTo>
-                      <a:pt x="26339" y="951"/>
-                    </a:lnTo>
-                    <a:lnTo>
-                      <a:pt x="27560" y="1087"/>
-                    </a:lnTo>
-                    <a:lnTo>
-                      <a:pt x="27560" y="1087"/>
-                    </a:lnTo>
-                    <a:lnTo>
-                      <a:pt x="26339" y="1019"/>
-                    </a:lnTo>
-                    <a:lnTo>
-                      <a:pt x="23012" y="815"/>
-                    </a:lnTo>
-                    <a:lnTo>
-                      <a:pt x="19143" y="680"/>
-                    </a:lnTo>
-                    <a:lnTo>
-                      <a:pt x="15410" y="612"/>
-                    </a:lnTo>
-                    <a:lnTo>
-                      <a:pt x="11676" y="680"/>
-                    </a:lnTo>
-                    <a:lnTo>
-                      <a:pt x="7807" y="815"/>
-                    </a:lnTo>
-                    <a:lnTo>
-                      <a:pt x="4481" y="1019"/>
-                    </a:lnTo>
-                    <a:lnTo>
-                      <a:pt x="3259" y="1087"/>
-                    </a:lnTo>
-                    <a:lnTo>
-                      <a:pt x="2444" y="1223"/>
-                    </a:lnTo>
-                    <a:lnTo>
-                      <a:pt x="1969" y="1358"/>
-                    </a:lnTo>
-                    <a:lnTo>
-                      <a:pt x="1630" y="1494"/>
-                    </a:lnTo>
-                    <a:lnTo>
-                      <a:pt x="1290" y="1698"/>
-                    </a:lnTo>
-                    <a:lnTo>
-                      <a:pt x="1019" y="1901"/>
-                    </a:lnTo>
-                    <a:lnTo>
-                      <a:pt x="815" y="2173"/>
-                    </a:lnTo>
-                    <a:lnTo>
-                      <a:pt x="679" y="2444"/>
-                    </a:lnTo>
-                    <a:lnTo>
-                      <a:pt x="544" y="2852"/>
-                    </a:lnTo>
-                    <a:lnTo>
-                      <a:pt x="544" y="3259"/>
-                    </a:lnTo>
-                    <a:lnTo>
-                      <a:pt x="544" y="58311"/>
-                    </a:lnTo>
-                    <a:lnTo>
-                      <a:pt x="544" y="58718"/>
-                    </a:lnTo>
-                    <a:lnTo>
-                      <a:pt x="476" y="58311"/>
-                    </a:lnTo>
-                    <a:lnTo>
-                      <a:pt x="476" y="3259"/>
-                    </a:lnTo>
-                    <a:lnTo>
-                      <a:pt x="544" y="2784"/>
-                    </a:lnTo>
-                    <a:lnTo>
-                      <a:pt x="612" y="2444"/>
-                    </a:lnTo>
-                    <a:lnTo>
-                      <a:pt x="747" y="2105"/>
-                    </a:lnTo>
-                    <a:lnTo>
-                      <a:pt x="951" y="1834"/>
-                    </a:lnTo>
-                    <a:lnTo>
-                      <a:pt x="1222" y="1630"/>
-                    </a:lnTo>
-                    <a:lnTo>
-                      <a:pt x="1562" y="1426"/>
-                    </a:lnTo>
-                    <a:lnTo>
-                      <a:pt x="1969" y="1290"/>
-                    </a:lnTo>
-                    <a:lnTo>
-                      <a:pt x="2444" y="1155"/>
-                    </a:lnTo>
-                    <a:lnTo>
-                      <a:pt x="3259" y="1087"/>
-                    </a:lnTo>
-                    <a:lnTo>
-                      <a:pt x="4481" y="951"/>
-                    </a:lnTo>
-                    <a:lnTo>
-                      <a:pt x="7807" y="747"/>
-                    </a:lnTo>
-                    <a:lnTo>
-                      <a:pt x="11676" y="612"/>
-                    </a:lnTo>
-                    <a:lnTo>
-                      <a:pt x="15410" y="544"/>
-                    </a:lnTo>
-                    <a:close/>
-                    <a:moveTo>
-                      <a:pt x="27560" y="1087"/>
-                    </a:moveTo>
-                    <a:lnTo>
-                      <a:pt x="28375" y="1155"/>
-                    </a:lnTo>
-                    <a:lnTo>
-                      <a:pt x="28850" y="1290"/>
-                    </a:lnTo>
-                    <a:lnTo>
-                      <a:pt x="29257" y="1426"/>
-                    </a:lnTo>
-                    <a:lnTo>
-                      <a:pt x="29597" y="1630"/>
-                    </a:lnTo>
-                    <a:lnTo>
-                      <a:pt x="29868" y="1834"/>
-                    </a:lnTo>
-                    <a:lnTo>
-                      <a:pt x="30072" y="2105"/>
-                    </a:lnTo>
-                    <a:lnTo>
-                      <a:pt x="30208" y="2444"/>
-                    </a:lnTo>
-                    <a:lnTo>
-                      <a:pt x="30276" y="2784"/>
-                    </a:lnTo>
-                    <a:lnTo>
-                      <a:pt x="30344" y="3259"/>
-                    </a:lnTo>
-                    <a:lnTo>
-                      <a:pt x="30344" y="58311"/>
-                    </a:lnTo>
-                    <a:lnTo>
-                      <a:pt x="30276" y="58718"/>
-                    </a:lnTo>
-                    <a:lnTo>
-                      <a:pt x="30208" y="59125"/>
-                    </a:lnTo>
-                    <a:lnTo>
-                      <a:pt x="30072" y="59465"/>
-                    </a:lnTo>
-                    <a:lnTo>
-                      <a:pt x="29868" y="59736"/>
-                    </a:lnTo>
-                    <a:lnTo>
-                      <a:pt x="29597" y="60008"/>
-                    </a:lnTo>
-                    <a:lnTo>
-                      <a:pt x="29257" y="60144"/>
-                    </a:lnTo>
-                    <a:lnTo>
-                      <a:pt x="28850" y="60347"/>
-                    </a:lnTo>
-                    <a:lnTo>
-                      <a:pt x="28375" y="60415"/>
-                    </a:lnTo>
-                    <a:lnTo>
-                      <a:pt x="26746" y="60687"/>
-                    </a:lnTo>
-                    <a:lnTo>
-                      <a:pt x="23895" y="60958"/>
-                    </a:lnTo>
-                    <a:lnTo>
-                      <a:pt x="22130" y="61094"/>
-                    </a:lnTo>
-                    <a:lnTo>
-                      <a:pt x="20093" y="61230"/>
-                    </a:lnTo>
-                    <a:lnTo>
-                      <a:pt x="17853" y="61298"/>
-                    </a:lnTo>
-                    <a:lnTo>
-                      <a:pt x="12966" y="61298"/>
-                    </a:lnTo>
-                    <a:lnTo>
-                      <a:pt x="10726" y="61230"/>
-                    </a:lnTo>
-                    <a:lnTo>
-                      <a:pt x="8689" y="61094"/>
-                    </a:lnTo>
-                    <a:lnTo>
-                      <a:pt x="6924" y="60958"/>
-                    </a:lnTo>
-                    <a:lnTo>
-                      <a:pt x="4073" y="60687"/>
-                    </a:lnTo>
-                    <a:lnTo>
-                      <a:pt x="2444" y="60415"/>
-                    </a:lnTo>
-                    <a:lnTo>
-                      <a:pt x="1969" y="60347"/>
-                    </a:lnTo>
-                    <a:lnTo>
-                      <a:pt x="1562" y="60144"/>
-                    </a:lnTo>
-                    <a:lnTo>
-                      <a:pt x="1290" y="60008"/>
-                    </a:lnTo>
-                    <a:lnTo>
-                      <a:pt x="951" y="59736"/>
-                    </a:lnTo>
-                    <a:lnTo>
-                      <a:pt x="747" y="59465"/>
-                    </a:lnTo>
-                    <a:lnTo>
-                      <a:pt x="612" y="59125"/>
-                    </a:lnTo>
-                    <a:lnTo>
-                      <a:pt x="544" y="58718"/>
-                    </a:lnTo>
-                    <a:lnTo>
-                      <a:pt x="544" y="58718"/>
-                    </a:lnTo>
-                    <a:lnTo>
-                      <a:pt x="679" y="59125"/>
-                    </a:lnTo>
-                    <a:lnTo>
-                      <a:pt x="815" y="59397"/>
-                    </a:lnTo>
-                    <a:lnTo>
-                      <a:pt x="1019" y="59669"/>
-                    </a:lnTo>
-                    <a:lnTo>
-                      <a:pt x="1290" y="59940"/>
-                    </a:lnTo>
-                    <a:lnTo>
-                      <a:pt x="1630" y="60144"/>
-                    </a:lnTo>
-                    <a:lnTo>
-                      <a:pt x="2037" y="60279"/>
-                    </a:lnTo>
-                    <a:lnTo>
-                      <a:pt x="2444" y="60415"/>
-                    </a:lnTo>
-                    <a:lnTo>
-                      <a:pt x="4073" y="60619"/>
-                    </a:lnTo>
-                    <a:lnTo>
-                      <a:pt x="6924" y="60890"/>
-                    </a:lnTo>
-                    <a:lnTo>
-                      <a:pt x="8689" y="61026"/>
-                    </a:lnTo>
-                    <a:lnTo>
-                      <a:pt x="10726" y="61162"/>
-                    </a:lnTo>
-                    <a:lnTo>
-                      <a:pt x="12966" y="61230"/>
-                    </a:lnTo>
-                    <a:lnTo>
-                      <a:pt x="17853" y="61230"/>
-                    </a:lnTo>
-                    <a:lnTo>
-                      <a:pt x="20093" y="61162"/>
-                    </a:lnTo>
-                    <a:lnTo>
-                      <a:pt x="22130" y="61026"/>
-                    </a:lnTo>
-                    <a:lnTo>
-                      <a:pt x="23895" y="60890"/>
-                    </a:lnTo>
-                    <a:lnTo>
-                      <a:pt x="26746" y="60619"/>
-                    </a:lnTo>
-                    <a:lnTo>
-                      <a:pt x="28375" y="60415"/>
-                    </a:lnTo>
-                    <a:lnTo>
-                      <a:pt x="28850" y="60279"/>
-                    </a:lnTo>
-                    <a:lnTo>
-                      <a:pt x="29190" y="60144"/>
-                    </a:lnTo>
-                    <a:lnTo>
-                      <a:pt x="29529" y="59940"/>
-                    </a:lnTo>
-                    <a:lnTo>
-                      <a:pt x="29800" y="59669"/>
-                    </a:lnTo>
-                    <a:lnTo>
-                      <a:pt x="30004" y="59397"/>
-                    </a:lnTo>
-                    <a:lnTo>
-                      <a:pt x="30140" y="59125"/>
-                    </a:lnTo>
-                    <a:lnTo>
-                      <a:pt x="30276" y="58718"/>
-                    </a:lnTo>
-                    <a:lnTo>
-                      <a:pt x="30276" y="58311"/>
-                    </a:lnTo>
-                    <a:lnTo>
-                      <a:pt x="30276" y="3259"/>
-                    </a:lnTo>
-                    <a:lnTo>
-                      <a:pt x="30276" y="2852"/>
-                    </a:lnTo>
-                    <a:lnTo>
-                      <a:pt x="30140" y="2444"/>
-                    </a:lnTo>
-                    <a:lnTo>
-                      <a:pt x="30004" y="2173"/>
-                    </a:lnTo>
-                    <a:lnTo>
-                      <a:pt x="29800" y="1901"/>
-                    </a:lnTo>
-                    <a:lnTo>
-                      <a:pt x="29529" y="1698"/>
-                    </a:lnTo>
-                    <a:lnTo>
-                      <a:pt x="29190" y="1494"/>
-                    </a:lnTo>
-                    <a:lnTo>
-                      <a:pt x="28850" y="1358"/>
-                    </a:lnTo>
-                    <a:lnTo>
-                      <a:pt x="28375" y="1223"/>
-                    </a:lnTo>
-                    <a:lnTo>
-                      <a:pt x="27560" y="1087"/>
-                    </a:lnTo>
-                    <a:close/>
-                    <a:moveTo>
-                      <a:pt x="15410" y="1"/>
-                    </a:moveTo>
-                    <a:lnTo>
-                      <a:pt x="11608" y="69"/>
-                    </a:lnTo>
-                    <a:lnTo>
-                      <a:pt x="7739" y="204"/>
-                    </a:lnTo>
-                    <a:lnTo>
-                      <a:pt x="4413" y="408"/>
-                    </a:lnTo>
-                    <a:lnTo>
-                      <a:pt x="3191" y="544"/>
-                    </a:lnTo>
-                    <a:lnTo>
-                      <a:pt x="2309" y="680"/>
-                    </a:lnTo>
-                    <a:lnTo>
-                      <a:pt x="1765" y="815"/>
-                    </a:lnTo>
-                    <a:lnTo>
-                      <a:pt x="1290" y="1019"/>
-                    </a:lnTo>
-                    <a:lnTo>
-                      <a:pt x="883" y="1223"/>
-                    </a:lnTo>
-                    <a:lnTo>
-                      <a:pt x="544" y="1494"/>
-                    </a:lnTo>
-                    <a:lnTo>
-                      <a:pt x="340" y="1901"/>
-                    </a:lnTo>
-                    <a:lnTo>
-                      <a:pt x="136" y="2241"/>
-                    </a:lnTo>
-                    <a:lnTo>
-                      <a:pt x="1" y="2716"/>
-                    </a:lnTo>
-                    <a:lnTo>
-                      <a:pt x="1" y="3259"/>
-                    </a:lnTo>
-                    <a:lnTo>
-                      <a:pt x="1" y="58311"/>
-                    </a:lnTo>
-                    <a:lnTo>
-                      <a:pt x="1" y="58854"/>
-                    </a:lnTo>
-                    <a:lnTo>
-                      <a:pt x="136" y="59261"/>
-                    </a:lnTo>
-                    <a:lnTo>
-                      <a:pt x="340" y="59736"/>
-                    </a:lnTo>
-                    <a:lnTo>
-                      <a:pt x="612" y="60076"/>
-                    </a:lnTo>
-                    <a:lnTo>
-                      <a:pt x="951" y="60347"/>
-                    </a:lnTo>
-                    <a:lnTo>
-                      <a:pt x="1358" y="60619"/>
-                    </a:lnTo>
-                    <a:lnTo>
-                      <a:pt x="1833" y="60823"/>
-                    </a:lnTo>
-                    <a:lnTo>
-                      <a:pt x="2309" y="60958"/>
-                    </a:lnTo>
-                    <a:lnTo>
-                      <a:pt x="4006" y="61162"/>
-                    </a:lnTo>
-                    <a:lnTo>
-                      <a:pt x="6857" y="61501"/>
-                    </a:lnTo>
-                    <a:lnTo>
-                      <a:pt x="8689" y="61637"/>
-                    </a:lnTo>
-                    <a:lnTo>
-                      <a:pt x="10726" y="61705"/>
-                    </a:lnTo>
-                    <a:lnTo>
-                      <a:pt x="12966" y="61773"/>
-                    </a:lnTo>
-                    <a:lnTo>
-                      <a:pt x="15410" y="61841"/>
-                    </a:lnTo>
-                    <a:lnTo>
-                      <a:pt x="17853" y="61773"/>
-                    </a:lnTo>
-                    <a:lnTo>
-                      <a:pt x="20093" y="61705"/>
-                    </a:lnTo>
-                    <a:lnTo>
-                      <a:pt x="22130" y="61637"/>
-                    </a:lnTo>
-                    <a:lnTo>
-                      <a:pt x="23963" y="61501"/>
-                    </a:lnTo>
-                    <a:lnTo>
-                      <a:pt x="26814" y="61162"/>
-                    </a:lnTo>
-                    <a:lnTo>
-                      <a:pt x="28511" y="60958"/>
-                    </a:lnTo>
-                    <a:lnTo>
-                      <a:pt x="28986" y="60823"/>
-                    </a:lnTo>
-                    <a:lnTo>
-                      <a:pt x="29461" y="60619"/>
-                    </a:lnTo>
-                    <a:lnTo>
-                      <a:pt x="29868" y="60347"/>
-                    </a:lnTo>
-                    <a:lnTo>
-                      <a:pt x="30208" y="60076"/>
-                    </a:lnTo>
-                    <a:lnTo>
-                      <a:pt x="30479" y="59736"/>
-                    </a:lnTo>
-                    <a:lnTo>
-                      <a:pt x="30683" y="59261"/>
-                    </a:lnTo>
-                    <a:lnTo>
-                      <a:pt x="30819" y="58854"/>
-                    </a:lnTo>
-                    <a:lnTo>
-                      <a:pt x="30819" y="58311"/>
-                    </a:lnTo>
-                    <a:lnTo>
-                      <a:pt x="30819" y="3259"/>
-                    </a:lnTo>
-                    <a:lnTo>
-                      <a:pt x="30819" y="2716"/>
-                    </a:lnTo>
-                    <a:lnTo>
-                      <a:pt x="30683" y="2241"/>
-                    </a:lnTo>
-                    <a:lnTo>
-                      <a:pt x="30547" y="1901"/>
-                    </a:lnTo>
-                    <a:lnTo>
-                      <a:pt x="30276" y="1494"/>
-                    </a:lnTo>
-                    <a:lnTo>
-                      <a:pt x="29936" y="1223"/>
-                    </a:lnTo>
-                    <a:lnTo>
-                      <a:pt x="29529" y="1019"/>
-                    </a:lnTo>
-                    <a:lnTo>
-                      <a:pt x="29054" y="815"/>
-                    </a:lnTo>
-                    <a:lnTo>
-                      <a:pt x="28511" y="680"/>
-                    </a:lnTo>
-                    <a:lnTo>
-                      <a:pt x="27628" y="544"/>
-                    </a:lnTo>
-                    <a:lnTo>
-                      <a:pt x="26406" y="408"/>
-                    </a:lnTo>
-                    <a:lnTo>
-                      <a:pt x="23080" y="204"/>
-                    </a:lnTo>
-                    <a:lnTo>
-                      <a:pt x="19211" y="69"/>
-                    </a:lnTo>
-                    <a:lnTo>
-                      <a:pt x="15410" y="1"/>
-                    </a:lnTo>
-                    <a:close/>
-                  </a:path>
-                </a:pathLst>
-              </a:custGeom>
+            <a:custGeom>
+              <a:avLst/>
+              <a:gdLst/>
+              <a:ahLst/>
+              <a:cxnLst/>
+              <a:rect l="l" t="t" r="r" b="b"/>
+              <a:pathLst>
+                <a:path w="30819" h="61841" extrusionOk="0">
+                  <a:moveTo>
+                    <a:pt x="5160" y="2580"/>
+                  </a:moveTo>
+                  <a:lnTo>
+                    <a:pt x="5295" y="2648"/>
+                  </a:lnTo>
+                  <a:lnTo>
+                    <a:pt x="5363" y="2784"/>
+                  </a:lnTo>
+                  <a:lnTo>
+                    <a:pt x="5363" y="2920"/>
+                  </a:lnTo>
+                  <a:lnTo>
+                    <a:pt x="5363" y="3055"/>
+                  </a:lnTo>
+                  <a:lnTo>
+                    <a:pt x="5295" y="3191"/>
+                  </a:lnTo>
+                  <a:lnTo>
+                    <a:pt x="5160" y="3259"/>
+                  </a:lnTo>
+                  <a:lnTo>
+                    <a:pt x="4888" y="3259"/>
+                  </a:lnTo>
+                  <a:lnTo>
+                    <a:pt x="4752" y="3191"/>
+                  </a:lnTo>
+                  <a:lnTo>
+                    <a:pt x="4684" y="3055"/>
+                  </a:lnTo>
+                  <a:lnTo>
+                    <a:pt x="4684" y="2920"/>
+                  </a:lnTo>
+                  <a:lnTo>
+                    <a:pt x="4684" y="2784"/>
+                  </a:lnTo>
+                  <a:lnTo>
+                    <a:pt x="4752" y="2648"/>
+                  </a:lnTo>
+                  <a:lnTo>
+                    <a:pt x="4888" y="2580"/>
+                  </a:lnTo>
+                  <a:close/>
+                  <a:moveTo>
+                    <a:pt x="15410" y="2241"/>
+                  </a:moveTo>
+                  <a:lnTo>
+                    <a:pt x="15681" y="2309"/>
+                  </a:lnTo>
+                  <a:lnTo>
+                    <a:pt x="15885" y="2444"/>
+                  </a:lnTo>
+                  <a:lnTo>
+                    <a:pt x="16021" y="2648"/>
+                  </a:lnTo>
+                  <a:lnTo>
+                    <a:pt x="16088" y="2920"/>
+                  </a:lnTo>
+                  <a:lnTo>
+                    <a:pt x="16021" y="3191"/>
+                  </a:lnTo>
+                  <a:lnTo>
+                    <a:pt x="15885" y="3395"/>
+                  </a:lnTo>
+                  <a:lnTo>
+                    <a:pt x="15681" y="3531"/>
+                  </a:lnTo>
+                  <a:lnTo>
+                    <a:pt x="15410" y="3598"/>
+                  </a:lnTo>
+                  <a:lnTo>
+                    <a:pt x="15138" y="3531"/>
+                  </a:lnTo>
+                  <a:lnTo>
+                    <a:pt x="14934" y="3395"/>
+                  </a:lnTo>
+                  <a:lnTo>
+                    <a:pt x="14799" y="3191"/>
+                  </a:lnTo>
+                  <a:lnTo>
+                    <a:pt x="14731" y="2920"/>
+                  </a:lnTo>
+                  <a:lnTo>
+                    <a:pt x="14799" y="2648"/>
+                  </a:lnTo>
+                  <a:lnTo>
+                    <a:pt x="14934" y="2444"/>
+                  </a:lnTo>
+                  <a:lnTo>
+                    <a:pt x="15138" y="2309"/>
+                  </a:lnTo>
+                  <a:lnTo>
+                    <a:pt x="15410" y="2241"/>
+                  </a:lnTo>
+                  <a:close/>
+                  <a:moveTo>
+                    <a:pt x="29393" y="5228"/>
+                  </a:moveTo>
+                  <a:lnTo>
+                    <a:pt x="29461" y="5296"/>
+                  </a:lnTo>
+                  <a:lnTo>
+                    <a:pt x="29461" y="54849"/>
+                  </a:lnTo>
+                  <a:lnTo>
+                    <a:pt x="1426" y="54849"/>
+                  </a:lnTo>
+                  <a:lnTo>
+                    <a:pt x="1426" y="5296"/>
+                  </a:lnTo>
+                  <a:lnTo>
+                    <a:pt x="1494" y="5228"/>
+                  </a:lnTo>
+                  <a:close/>
+                  <a:moveTo>
+                    <a:pt x="15410" y="544"/>
+                  </a:moveTo>
+                  <a:lnTo>
+                    <a:pt x="19143" y="612"/>
+                  </a:lnTo>
+                  <a:lnTo>
+                    <a:pt x="23012" y="747"/>
+                  </a:lnTo>
+                  <a:lnTo>
+                    <a:pt x="26339" y="951"/>
+                  </a:lnTo>
+                  <a:lnTo>
+                    <a:pt x="27560" y="1087"/>
+                  </a:lnTo>
+                  <a:lnTo>
+                    <a:pt x="27560" y="1087"/>
+                  </a:lnTo>
+                  <a:lnTo>
+                    <a:pt x="26339" y="1019"/>
+                  </a:lnTo>
+                  <a:lnTo>
+                    <a:pt x="23012" y="815"/>
+                  </a:lnTo>
+                  <a:lnTo>
+                    <a:pt x="19143" y="680"/>
+                  </a:lnTo>
+                  <a:lnTo>
+                    <a:pt x="15410" y="612"/>
+                  </a:lnTo>
+                  <a:lnTo>
+                    <a:pt x="11676" y="680"/>
+                  </a:lnTo>
+                  <a:lnTo>
+                    <a:pt x="7807" y="815"/>
+                  </a:lnTo>
+                  <a:lnTo>
+                    <a:pt x="4481" y="1019"/>
+                  </a:lnTo>
+                  <a:lnTo>
+                    <a:pt x="3259" y="1087"/>
+                  </a:lnTo>
+                  <a:lnTo>
+                    <a:pt x="2444" y="1223"/>
+                  </a:lnTo>
+                  <a:lnTo>
+                    <a:pt x="1969" y="1358"/>
+                  </a:lnTo>
+                  <a:lnTo>
+                    <a:pt x="1630" y="1494"/>
+                  </a:lnTo>
+                  <a:lnTo>
+                    <a:pt x="1290" y="1698"/>
+                  </a:lnTo>
+                  <a:lnTo>
+                    <a:pt x="1019" y="1901"/>
+                  </a:lnTo>
+                  <a:lnTo>
+                    <a:pt x="815" y="2173"/>
+                  </a:lnTo>
+                  <a:lnTo>
+                    <a:pt x="679" y="2444"/>
+                  </a:lnTo>
+                  <a:lnTo>
+                    <a:pt x="544" y="2852"/>
+                  </a:lnTo>
+                  <a:lnTo>
+                    <a:pt x="544" y="3259"/>
+                  </a:lnTo>
+                  <a:lnTo>
+                    <a:pt x="544" y="58311"/>
+                  </a:lnTo>
+                  <a:lnTo>
+                    <a:pt x="544" y="58718"/>
+                  </a:lnTo>
+                  <a:lnTo>
+                    <a:pt x="476" y="58311"/>
+                  </a:lnTo>
+                  <a:lnTo>
+                    <a:pt x="476" y="3259"/>
+                  </a:lnTo>
+                  <a:lnTo>
+                    <a:pt x="544" y="2784"/>
+                  </a:lnTo>
+                  <a:lnTo>
+                    <a:pt x="612" y="2444"/>
+                  </a:lnTo>
+                  <a:lnTo>
+                    <a:pt x="747" y="2105"/>
+                  </a:lnTo>
+                  <a:lnTo>
+                    <a:pt x="951" y="1834"/>
+                  </a:lnTo>
+                  <a:lnTo>
+                    <a:pt x="1222" y="1630"/>
+                  </a:lnTo>
+                  <a:lnTo>
+                    <a:pt x="1562" y="1426"/>
+                  </a:lnTo>
+                  <a:lnTo>
+                    <a:pt x="1969" y="1290"/>
+                  </a:lnTo>
+                  <a:lnTo>
+                    <a:pt x="2444" y="1155"/>
+                  </a:lnTo>
+                  <a:lnTo>
+                    <a:pt x="3259" y="1087"/>
+                  </a:lnTo>
+                  <a:lnTo>
+                    <a:pt x="4481" y="951"/>
+                  </a:lnTo>
+                  <a:lnTo>
+                    <a:pt x="7807" y="747"/>
+                  </a:lnTo>
+                  <a:lnTo>
+                    <a:pt x="11676" y="612"/>
+                  </a:lnTo>
+                  <a:lnTo>
+                    <a:pt x="15410" y="544"/>
+                  </a:lnTo>
+                  <a:close/>
+                  <a:moveTo>
+                    <a:pt x="27560" y="1087"/>
+                  </a:moveTo>
+                  <a:lnTo>
+                    <a:pt x="28375" y="1155"/>
+                  </a:lnTo>
+                  <a:lnTo>
+                    <a:pt x="28850" y="1290"/>
+                  </a:lnTo>
+                  <a:lnTo>
+                    <a:pt x="29257" y="1426"/>
+                  </a:lnTo>
+                  <a:lnTo>
+                    <a:pt x="29597" y="1630"/>
+                  </a:lnTo>
+                  <a:lnTo>
+                    <a:pt x="29868" y="1834"/>
+                  </a:lnTo>
+                  <a:lnTo>
+                    <a:pt x="30072" y="2105"/>
+                  </a:lnTo>
+                  <a:lnTo>
+                    <a:pt x="30208" y="2444"/>
+                  </a:lnTo>
+                  <a:lnTo>
+                    <a:pt x="30276" y="2784"/>
+                  </a:lnTo>
+                  <a:lnTo>
+                    <a:pt x="30344" y="3259"/>
+                  </a:lnTo>
+                  <a:lnTo>
+                    <a:pt x="30344" y="58311"/>
+                  </a:lnTo>
+                  <a:lnTo>
+                    <a:pt x="30276" y="58718"/>
+                  </a:lnTo>
+                  <a:lnTo>
+                    <a:pt x="30208" y="59125"/>
+                  </a:lnTo>
+                  <a:lnTo>
+                    <a:pt x="30072" y="59465"/>
+                  </a:lnTo>
+                  <a:lnTo>
+                    <a:pt x="29868" y="59736"/>
+                  </a:lnTo>
+                  <a:lnTo>
+                    <a:pt x="29597" y="60008"/>
+                  </a:lnTo>
+                  <a:lnTo>
+                    <a:pt x="29257" y="60144"/>
+                  </a:lnTo>
+                  <a:lnTo>
+                    <a:pt x="28850" y="60347"/>
+                  </a:lnTo>
+                  <a:lnTo>
+                    <a:pt x="28375" y="60415"/>
+                  </a:lnTo>
+                  <a:lnTo>
+                    <a:pt x="26746" y="60687"/>
+                  </a:lnTo>
+                  <a:lnTo>
+                    <a:pt x="23895" y="60958"/>
+                  </a:lnTo>
+                  <a:lnTo>
+                    <a:pt x="22130" y="61094"/>
+                  </a:lnTo>
+                  <a:lnTo>
+                    <a:pt x="20093" y="61230"/>
+                  </a:lnTo>
+                  <a:lnTo>
+                    <a:pt x="17853" y="61298"/>
+                  </a:lnTo>
+                  <a:lnTo>
+                    <a:pt x="12966" y="61298"/>
+                  </a:lnTo>
+                  <a:lnTo>
+                    <a:pt x="10726" y="61230"/>
+                  </a:lnTo>
+                  <a:lnTo>
+                    <a:pt x="8689" y="61094"/>
+                  </a:lnTo>
+                  <a:lnTo>
+                    <a:pt x="6924" y="60958"/>
+                  </a:lnTo>
+                  <a:lnTo>
+                    <a:pt x="4073" y="60687"/>
+                  </a:lnTo>
+                  <a:lnTo>
+                    <a:pt x="2444" y="60415"/>
+                  </a:lnTo>
+                  <a:lnTo>
+                    <a:pt x="1969" y="60347"/>
+                  </a:lnTo>
+                  <a:lnTo>
+                    <a:pt x="1562" y="60144"/>
+                  </a:lnTo>
+                  <a:lnTo>
+                    <a:pt x="1290" y="60008"/>
+                  </a:lnTo>
+                  <a:lnTo>
+                    <a:pt x="951" y="59736"/>
+                  </a:lnTo>
+                  <a:lnTo>
+                    <a:pt x="747" y="59465"/>
+                  </a:lnTo>
+                  <a:lnTo>
+                    <a:pt x="612" y="59125"/>
+                  </a:lnTo>
+                  <a:lnTo>
+                    <a:pt x="544" y="58718"/>
+                  </a:lnTo>
+                  <a:lnTo>
+                    <a:pt x="544" y="58718"/>
+                  </a:lnTo>
+                  <a:lnTo>
+                    <a:pt x="679" y="59125"/>
+                  </a:lnTo>
+                  <a:lnTo>
+                    <a:pt x="815" y="59397"/>
+                  </a:lnTo>
+                  <a:lnTo>
+                    <a:pt x="1019" y="59669"/>
+                  </a:lnTo>
+                  <a:lnTo>
+                    <a:pt x="1290" y="59940"/>
+                  </a:lnTo>
+                  <a:lnTo>
+                    <a:pt x="1630" y="60144"/>
+                  </a:lnTo>
+                  <a:lnTo>
+                    <a:pt x="2037" y="60279"/>
+                  </a:lnTo>
+                  <a:lnTo>
+                    <a:pt x="2444" y="60415"/>
+                  </a:lnTo>
+                  <a:lnTo>
+                    <a:pt x="4073" y="60619"/>
+                  </a:lnTo>
+                  <a:lnTo>
+                    <a:pt x="6924" y="60890"/>
+                  </a:lnTo>
+                  <a:lnTo>
+                    <a:pt x="8689" y="61026"/>
+                  </a:lnTo>
+                  <a:lnTo>
+                    <a:pt x="10726" y="61162"/>
+                  </a:lnTo>
+                  <a:lnTo>
+                    <a:pt x="12966" y="61230"/>
+                  </a:lnTo>
+                  <a:lnTo>
+                    <a:pt x="17853" y="61230"/>
+                  </a:lnTo>
+                  <a:lnTo>
+                    <a:pt x="20093" y="61162"/>
+                  </a:lnTo>
+                  <a:lnTo>
+                    <a:pt x="22130" y="61026"/>
+                  </a:lnTo>
+                  <a:lnTo>
+                    <a:pt x="23895" y="60890"/>
+                  </a:lnTo>
+                  <a:lnTo>
+                    <a:pt x="26746" y="60619"/>
+                  </a:lnTo>
+                  <a:lnTo>
+                    <a:pt x="28375" y="60415"/>
+                  </a:lnTo>
+                  <a:lnTo>
+                    <a:pt x="28850" y="60279"/>
+                  </a:lnTo>
+                  <a:lnTo>
+                    <a:pt x="29190" y="60144"/>
+                  </a:lnTo>
+                  <a:lnTo>
+                    <a:pt x="29529" y="59940"/>
+                  </a:lnTo>
+                  <a:lnTo>
+                    <a:pt x="29800" y="59669"/>
+                  </a:lnTo>
+                  <a:lnTo>
+                    <a:pt x="30004" y="59397"/>
+                  </a:lnTo>
+                  <a:lnTo>
+                    <a:pt x="30140" y="59125"/>
+                  </a:lnTo>
+                  <a:lnTo>
+                    <a:pt x="30276" y="58718"/>
+                  </a:lnTo>
+                  <a:lnTo>
+                    <a:pt x="30276" y="58311"/>
+                  </a:lnTo>
+                  <a:lnTo>
+                    <a:pt x="30276" y="3259"/>
+                  </a:lnTo>
+                  <a:lnTo>
+                    <a:pt x="30276" y="2852"/>
+                  </a:lnTo>
+                  <a:lnTo>
+                    <a:pt x="30140" y="2444"/>
+                  </a:lnTo>
+                  <a:lnTo>
+                    <a:pt x="30004" y="2173"/>
+                  </a:lnTo>
+                  <a:lnTo>
+                    <a:pt x="29800" y="1901"/>
+                  </a:lnTo>
+                  <a:lnTo>
+                    <a:pt x="29529" y="1698"/>
+                  </a:lnTo>
+                  <a:lnTo>
+                    <a:pt x="29190" y="1494"/>
+                  </a:lnTo>
+                  <a:lnTo>
+                    <a:pt x="28850" y="1358"/>
+                  </a:lnTo>
+                  <a:lnTo>
+                    <a:pt x="28375" y="1223"/>
+                  </a:lnTo>
+                  <a:lnTo>
+                    <a:pt x="27560" y="1087"/>
+                  </a:lnTo>
+                  <a:close/>
+                  <a:moveTo>
+                    <a:pt x="15410" y="1"/>
+                  </a:moveTo>
+                  <a:lnTo>
+                    <a:pt x="11608" y="69"/>
+                  </a:lnTo>
+                  <a:lnTo>
+                    <a:pt x="7739" y="204"/>
+                  </a:lnTo>
+                  <a:lnTo>
+                    <a:pt x="4413" y="408"/>
+                  </a:lnTo>
+                  <a:lnTo>
+                    <a:pt x="3191" y="544"/>
+                  </a:lnTo>
+                  <a:lnTo>
+                    <a:pt x="2309" y="680"/>
+                  </a:lnTo>
+                  <a:lnTo>
+                    <a:pt x="1765" y="815"/>
+                  </a:lnTo>
+                  <a:lnTo>
+                    <a:pt x="1290" y="1019"/>
+                  </a:lnTo>
+                  <a:lnTo>
+                    <a:pt x="883" y="1223"/>
+                  </a:lnTo>
+                  <a:lnTo>
+                    <a:pt x="544" y="1494"/>
+                  </a:lnTo>
+                  <a:lnTo>
+                    <a:pt x="340" y="1901"/>
+                  </a:lnTo>
+                  <a:lnTo>
+                    <a:pt x="136" y="2241"/>
+                  </a:lnTo>
+                  <a:lnTo>
+                    <a:pt x="1" y="2716"/>
+                  </a:lnTo>
+                  <a:lnTo>
+                    <a:pt x="1" y="3259"/>
+                  </a:lnTo>
+                  <a:lnTo>
+                    <a:pt x="1" y="58311"/>
+                  </a:lnTo>
+                  <a:lnTo>
+                    <a:pt x="1" y="58854"/>
+                  </a:lnTo>
+                  <a:lnTo>
+                    <a:pt x="136" y="59261"/>
+                  </a:lnTo>
+                  <a:lnTo>
+                    <a:pt x="340" y="59736"/>
+                  </a:lnTo>
+                  <a:lnTo>
+                    <a:pt x="612" y="60076"/>
+                  </a:lnTo>
+                  <a:lnTo>
+                    <a:pt x="951" y="60347"/>
+                  </a:lnTo>
+                  <a:lnTo>
+                    <a:pt x="1358" y="60619"/>
+                  </a:lnTo>
+                  <a:lnTo>
+                    <a:pt x="1833" y="60823"/>
+                  </a:lnTo>
+                  <a:lnTo>
+                    <a:pt x="2309" y="60958"/>
+                  </a:lnTo>
+                  <a:lnTo>
+                    <a:pt x="4006" y="61162"/>
+                  </a:lnTo>
+                  <a:lnTo>
+                    <a:pt x="6857" y="61501"/>
+                  </a:lnTo>
+                  <a:lnTo>
+                    <a:pt x="8689" y="61637"/>
+                  </a:lnTo>
+                  <a:lnTo>
+                    <a:pt x="10726" y="61705"/>
+                  </a:lnTo>
+                  <a:lnTo>
+                    <a:pt x="12966" y="61773"/>
+                  </a:lnTo>
+                  <a:lnTo>
+                    <a:pt x="15410" y="61841"/>
+                  </a:lnTo>
+                  <a:lnTo>
+                    <a:pt x="17853" y="61773"/>
+                  </a:lnTo>
+                  <a:lnTo>
+                    <a:pt x="20093" y="61705"/>
+                  </a:lnTo>
+                  <a:lnTo>
+                    <a:pt x="22130" y="61637"/>
+                  </a:lnTo>
+                  <a:lnTo>
+                    <a:pt x="23963" y="61501"/>
+                  </a:lnTo>
+                  <a:lnTo>
+                    <a:pt x="26814" y="61162"/>
+                  </a:lnTo>
+                  <a:lnTo>
+                    <a:pt x="28511" y="60958"/>
+                  </a:lnTo>
+                  <a:lnTo>
+                    <a:pt x="28986" y="60823"/>
+                  </a:lnTo>
+                  <a:lnTo>
+                    <a:pt x="29461" y="60619"/>
+                  </a:lnTo>
+                  <a:lnTo>
+                    <a:pt x="29868" y="60347"/>
+                  </a:lnTo>
+                  <a:lnTo>
+                    <a:pt x="30208" y="60076"/>
+                  </a:lnTo>
+                  <a:lnTo>
+                    <a:pt x="30479" y="59736"/>
+                  </a:lnTo>
+                  <a:lnTo>
+                    <a:pt x="30683" y="59261"/>
+                  </a:lnTo>
+                  <a:lnTo>
+                    <a:pt x="30819" y="58854"/>
+                  </a:lnTo>
+                  <a:lnTo>
+                    <a:pt x="30819" y="58311"/>
+                  </a:lnTo>
+                  <a:lnTo>
+                    <a:pt x="30819" y="3259"/>
+                  </a:lnTo>
+                  <a:lnTo>
+                    <a:pt x="30819" y="2716"/>
+                  </a:lnTo>
+                  <a:lnTo>
+                    <a:pt x="30683" y="2241"/>
+                  </a:lnTo>
+                  <a:lnTo>
+                    <a:pt x="30547" y="1901"/>
+                  </a:lnTo>
+                  <a:lnTo>
+                    <a:pt x="30276" y="1494"/>
+                  </a:lnTo>
+                  <a:lnTo>
+                    <a:pt x="29936" y="1223"/>
+                  </a:lnTo>
+                  <a:lnTo>
+                    <a:pt x="29529" y="1019"/>
+                  </a:lnTo>
+                  <a:lnTo>
+                    <a:pt x="29054" y="815"/>
+                  </a:lnTo>
+                  <a:lnTo>
+                    <a:pt x="28511" y="680"/>
+                  </a:lnTo>
+                  <a:lnTo>
+                    <a:pt x="27628" y="544"/>
+                  </a:lnTo>
+                  <a:lnTo>
+                    <a:pt x="26406" y="408"/>
+                  </a:lnTo>
+                  <a:lnTo>
+                    <a:pt x="23080" y="204"/>
+                  </a:lnTo>
+                  <a:lnTo>
+                    <a:pt x="19211" y="69"/>
+                  </a:lnTo>
+                  <a:lnTo>
+                    <a:pt x="15410" y="1"/>
+                  </a:lnTo>
+                  <a:close/>
+                </a:path>
+              </a:pathLst>
+            </a:custGeom>
+            <a:solidFill>
+              <a:srgbClr val="222222"/>
+            </a:solidFill>
+            <a:ln w="9525" cap="flat" cmpd="sng">
               <a:solidFill>
-                <a:srgbClr val="222222"/>
+                <a:srgbClr val="FFFFFF"/>
               </a:solidFill>
-              <a:ln w="9525" cap="flat" cmpd="sng">
-                <a:solidFill>
-                  <a:srgbClr val="FFFFFF"/>
-                </a:solidFill>
-                <a:prstDash val="solid"/>
-                <a:round/>
-                <a:headEnd type="none" w="sm" len="sm"/>
-                <a:tailEnd type="none" w="sm" len="sm"/>
-              </a:ln>
-            </p:spPr>
-            <p:txBody>
-              <a:bodyPr spcFirstLastPara="1" wrap="square" lIns="91425" tIns="91425" rIns="91425" bIns="91425" anchor="ctr" anchorCtr="0">
-                <a:noAutofit/>
-              </a:bodyPr>
-              <a:lstStyle/>
-              <a:p>
-                <a:pPr marL="0" lvl="0" indent="0" algn="l" rtl="0">
-                  <a:spcBef>
-                    <a:spcPts val="0"/>
-                  </a:spcBef>
-                  <a:spcAft>
-                    <a:spcPts val="0"/>
-                  </a:spcAft>
-                  <a:buNone/>
-                </a:pPr>
-                <a:endParaRPr/>
-              </a:p>
-            </p:txBody>
-          </p:sp>
-          <p:pic>
-            <p:nvPicPr>
-              <p:cNvPr id="22" name="그림 21" descr="bee4.png">
-                <a:extLst>
-                  <a:ext uri="{FF2B5EF4-FFF2-40B4-BE49-F238E27FC236}">
-                    <a16:creationId xmlns:a16="http://schemas.microsoft.com/office/drawing/2014/main" id="{EFFFDCF6-CA62-42C3-AE52-14C0CBD44CA8}"/>
-                  </a:ext>
-                </a:extLst>
-              </p:cNvPr>
-              <p:cNvPicPr/>
-              <p:nvPr/>
-            </p:nvPicPr>
-            <p:blipFill>
-              <a:blip r:embed="rId5" cstate="print">
-                <a:extLst>
-                  <a:ext uri="{28A0092B-C50C-407E-A947-70E740481C1C}">
-                    <a14:useLocalDpi xmlns:a14="http://schemas.microsoft.com/office/drawing/2010/main" val="0"/>
-                  </a:ext>
-                </a:extLst>
-              </a:blip>
-              <a:srcRect/>
-              <a:stretch>
-                <a:fillRect/>
-              </a:stretch>
-            </p:blipFill>
-            <p:spPr bwMode="auto">
-              <a:xfrm>
-                <a:off x="6728236" y="2297833"/>
-                <a:ext cx="2193821" cy="3747860"/>
-              </a:xfrm>
-              <a:prstGeom prst="rect">
-                <a:avLst/>
-              </a:prstGeom>
-              <a:noFill/>
-              <a:ln w="9525">
-                <a:noFill/>
-                <a:miter lim="800000"/>
-                <a:headEnd/>
-                <a:tailEnd/>
-              </a:ln>
-            </p:spPr>
-          </p:pic>
-        </p:grpSp>
+              <a:prstDash val="solid"/>
+              <a:round/>
+              <a:headEnd type="none" w="sm" len="sm"/>
+              <a:tailEnd type="none" w="sm" len="sm"/>
+            </a:ln>
+          </p:spPr>
+          <p:txBody>
+            <a:bodyPr spcFirstLastPara="1" wrap="square" lIns="91425" tIns="91425" rIns="91425" bIns="91425" anchor="ctr" anchorCtr="0">
+              <a:noAutofit/>
+            </a:bodyPr>
+            <a:lstStyle/>
+            <a:p>
+              <a:pPr marL="0" lvl="0" indent="0" algn="l" rtl="0">
+                <a:spcBef>
+                  <a:spcPts val="0"/>
+                </a:spcBef>
+                <a:spcAft>
+                  <a:spcPts val="0"/>
+                </a:spcAft>
+                <a:buNone/>
+              </a:pPr>
+              <a:endParaRPr/>
+            </a:p>
+          </p:txBody>
+        </p:sp>
         <p:pic>
           <p:nvPicPr>
-            <p:cNvPr id="18" name="그림 17">
+            <p:cNvPr id="4" name="그림 3">
               <a:extLst>
                 <a:ext uri="{FF2B5EF4-FFF2-40B4-BE49-F238E27FC236}">
-                  <a16:creationId xmlns:a16="http://schemas.microsoft.com/office/drawing/2014/main" id="{05B67ACA-8FBA-477A-9998-B152DF09E598}"/>
+                  <a16:creationId xmlns:a16="http://schemas.microsoft.com/office/drawing/2014/main" id="{A51D942D-6A05-47A7-8BBE-C944969D7E54}"/>
                 </a:ext>
               </a:extLst>
             </p:cNvPr>
@@ -12746,22 +12689,15 @@
             </p:cNvPicPr>
             <p:nvPr/>
           </p:nvPicPr>
-          <p:blipFill>
-            <a:blip r:embed="rId6">
-              <a:extLst>
-                <a:ext uri="{28A0092B-C50C-407E-A947-70E740481C1C}">
-                  <a14:useLocalDpi xmlns:a14="http://schemas.microsoft.com/office/drawing/2010/main" val="0"/>
-                </a:ext>
-              </a:extLst>
-            </a:blip>
-            <a:stretch>
-              <a:fillRect/>
-            </a:stretch>
+          <p:blipFill rotWithShape="1">
+            <a:blip r:embed="rId4"/>
+            <a:srcRect b="4359"/>
+            <a:stretch/>
           </p:blipFill>
           <p:spPr>
             <a:xfrm>
-              <a:off x="1254747" y="4334086"/>
-              <a:ext cx="493243" cy="493243"/>
+              <a:off x="506251" y="2624880"/>
+              <a:ext cx="1875268" cy="2916488"/>
             </a:xfrm>
             <a:prstGeom prst="rect">
               <a:avLst/>
@@ -12828,8 +12764,8 @@
         </p:nvSpPr>
         <p:spPr>
           <a:xfrm>
-            <a:off x="7540006" y="2123643"/>
-            <a:ext cx="4067047" cy="3908762"/>
+            <a:off x="7513112" y="1947660"/>
+            <a:ext cx="4562347" cy="4555093"/>
           </a:xfrm>
           <a:prstGeom prst="rect">
             <a:avLst/>
@@ -13015,14 +12951,14 @@
                 <a:latin typeface="a옛날목욕탕L" panose="02020600000000000000" pitchFamily="18" charset="-127"/>
                 <a:ea typeface="a옛날목욕탕L" panose="02020600000000000000" pitchFamily="18" charset="-127"/>
               </a:rPr>
-              <a:t>Device</a:t>
+              <a:t>API</a:t>
             </a:r>
             <a:r>
               <a:rPr lang="ko-KR" altLang="en-US" sz="1400" dirty="0">
                 <a:latin typeface="a옛날목욕탕L" panose="02020600000000000000" pitchFamily="18" charset="-127"/>
                 <a:ea typeface="a옛날목욕탕L" panose="02020600000000000000" pitchFamily="18" charset="-127"/>
               </a:rPr>
-              <a:t>에 </a:t>
+              <a:t>를 통해 </a:t>
             </a:r>
             <a:endParaRPr lang="en-US" altLang="ko-KR" sz="1400" dirty="0">
               <a:latin typeface="a옛날목욕탕L" panose="02020600000000000000" pitchFamily="18" charset="-127"/>
@@ -13042,21 +12978,65 @@
                 <a:latin typeface="a옛날목욕탕L" panose="02020600000000000000" pitchFamily="18" charset="-127"/>
                 <a:ea typeface="a옛날목욕탕L" panose="02020600000000000000" pitchFamily="18" charset="-127"/>
               </a:rPr>
-              <a:t>점자로 변환된다</a:t>
+              <a:t>점자 정보로 변환되고</a:t>
             </a:r>
             <a:r>
               <a:rPr lang="en-US" altLang="ko-KR" sz="1400" dirty="0">
                 <a:latin typeface="a옛날목욕탕L" panose="02020600000000000000" pitchFamily="18" charset="-127"/>
                 <a:ea typeface="a옛날목욕탕L" panose="02020600000000000000" pitchFamily="18" charset="-127"/>
               </a:rPr>
-              <a:t>.</a:t>
-            </a:r>
-          </a:p>
-          <a:p>
-            <a:pPr marL="342900" indent="-342900">
-              <a:buFont typeface="+mj-ea"/>
-              <a:buAutoNum type="circleNumDbPlain"/>
-            </a:pPr>
+              <a:t>, </a:t>
+            </a:r>
+            <a:r>
+              <a:rPr lang="ko-KR" altLang="en-US" sz="1400" dirty="0">
+                <a:latin typeface="a옛날목욕탕L" panose="02020600000000000000" pitchFamily="18" charset="-127"/>
+                <a:ea typeface="a옛날목욕탕L" panose="02020600000000000000" pitchFamily="18" charset="-127"/>
+              </a:rPr>
+              <a:t>해당 정보는 </a:t>
+            </a:r>
+            <a:r>
+              <a:rPr lang="en-US" altLang="ko-KR" sz="1400" dirty="0">
+                <a:latin typeface="a옛날목욕탕L" panose="02020600000000000000" pitchFamily="18" charset="-127"/>
+                <a:ea typeface="a옛날목욕탕L" panose="02020600000000000000" pitchFamily="18" charset="-127"/>
+              </a:rPr>
+              <a:t>BEE Device</a:t>
+            </a:r>
+            <a:r>
+              <a:rPr lang="ko-KR" altLang="en-US" sz="1400" dirty="0">
+                <a:latin typeface="a옛날목욕탕L" panose="02020600000000000000" pitchFamily="18" charset="-127"/>
+                <a:ea typeface="a옛날목욕탕L" panose="02020600000000000000" pitchFamily="18" charset="-127"/>
+              </a:rPr>
+              <a:t>에 </a:t>
+            </a:r>
+            <a:endParaRPr lang="en-US" altLang="ko-KR" sz="1400" dirty="0">
+              <a:latin typeface="a옛날목욕탕L" panose="02020600000000000000" pitchFamily="18" charset="-127"/>
+              <a:ea typeface="a옛날목욕탕L" panose="02020600000000000000" pitchFamily="18" charset="-127"/>
+            </a:endParaRPr>
+          </a:p>
+          <a:p>
+            <a:r>
+              <a:rPr lang="en-US" altLang="ko-KR" sz="1400" dirty="0">
+                <a:latin typeface="a옛날목욕탕L" panose="02020600000000000000" pitchFamily="18" charset="-127"/>
+                <a:ea typeface="a옛날목욕탕L" panose="02020600000000000000" pitchFamily="18" charset="-127"/>
+              </a:rPr>
+              <a:t>      </a:t>
+            </a:r>
+            <a:r>
+              <a:rPr lang="ko-KR" altLang="en-US" sz="1400" dirty="0">
+                <a:latin typeface="a옛날목욕탕L" panose="02020600000000000000" pitchFamily="18" charset="-127"/>
+                <a:ea typeface="a옛날목욕탕L" panose="02020600000000000000" pitchFamily="18" charset="-127"/>
+              </a:rPr>
+              <a:t>전송된다</a:t>
+            </a:r>
+            <a:r>
+              <a:rPr lang="en-US" altLang="ko-KR" sz="1400" dirty="0">
+                <a:latin typeface="a옛날목욕탕L" panose="02020600000000000000" pitchFamily="18" charset="-127"/>
+                <a:ea typeface="a옛날목욕탕L" panose="02020600000000000000" pitchFamily="18" charset="-127"/>
+              </a:rPr>
+              <a:t>.     </a:t>
+            </a:r>
+          </a:p>
+          <a:p>
             <a:endParaRPr lang="en-US" altLang="ko-KR" sz="1600" dirty="0">
               <a:latin typeface="a옛날목욕탕L" panose="02020600000000000000" pitchFamily="18" charset="-127"/>
               <a:ea typeface="a옛날목욕탕L" panose="02020600000000000000" pitchFamily="18" charset="-127"/>
@@ -13094,37 +13074,41 @@
                 <a:latin typeface="a옛날목욕탕L" panose="02020600000000000000" pitchFamily="18" charset="-127"/>
                 <a:ea typeface="a옛날목욕탕L" panose="02020600000000000000" pitchFamily="18" charset="-127"/>
               </a:rPr>
-              <a:t>출력부에 점자 변환된 메시지가 출력된다</a:t>
-            </a:r>
-            <a:r>
-              <a:rPr lang="en-US" altLang="ko-KR" sz="1400" dirty="0">
-                <a:latin typeface="a옛날목욕탕L" panose="02020600000000000000" pitchFamily="18" charset="-127"/>
-                <a:ea typeface="a옛날목욕탕L" panose="02020600000000000000" pitchFamily="18" charset="-127"/>
-              </a:rPr>
-              <a:t>.</a:t>
-            </a:r>
-          </a:p>
-          <a:p>
-            <a:pPr marL="342900" indent="-342900">
-              <a:buFont typeface="+mj-ea"/>
-              <a:buAutoNum type="circleNumDbPlain"/>
-            </a:pPr>
+              <a:t>점자 입력부를 통해 점자를 입력하고 </a:t>
+            </a:r>
             <a:endParaRPr lang="en-US" altLang="ko-KR" sz="1400" dirty="0">
               <a:latin typeface="a옛날목욕탕L" panose="02020600000000000000" pitchFamily="18" charset="-127"/>
               <a:ea typeface="a옛날목욕탕L" panose="02020600000000000000" pitchFamily="18" charset="-127"/>
             </a:endParaRPr>
           </a:p>
           <a:p>
-            <a:pPr marL="342900" indent="-342900">
-              <a:buFont typeface="+mj-ea"/>
-              <a:buAutoNum type="circleNumDbPlain"/>
-            </a:pPr>
+            <a:r>
+              <a:rPr lang="en-US" altLang="ko-KR" sz="1400" dirty="0">
+                <a:latin typeface="a옛날목욕탕L" panose="02020600000000000000" pitchFamily="18" charset="-127"/>
+                <a:ea typeface="a옛날목욕탕L" panose="02020600000000000000" pitchFamily="18" charset="-127"/>
+              </a:rPr>
+              <a:t>      Send </a:t>
+            </a:r>
             <a:r>
               <a:rPr lang="ko-KR" altLang="en-US" sz="1400" dirty="0">
                 <a:latin typeface="a옛날목욕탕L" panose="02020600000000000000" pitchFamily="18" charset="-127"/>
                 <a:ea typeface="a옛날목욕탕L" panose="02020600000000000000" pitchFamily="18" charset="-127"/>
               </a:rPr>
-              <a:t>점자 입력부를 통해 점자를 입력하고 </a:t>
+              <a:t>버튼을 누르면 </a:t>
+            </a:r>
+            <a:r>
+              <a:rPr lang="en-US" altLang="ko-KR" sz="1400" dirty="0">
+                <a:latin typeface="a옛날목욕탕L" panose="02020600000000000000" pitchFamily="18" charset="-127"/>
+                <a:ea typeface="a옛날목욕탕L" panose="02020600000000000000" pitchFamily="18" charset="-127"/>
+              </a:rPr>
+              <a:t>Bee Mobile Application</a:t>
+            </a:r>
+            <a:r>
+              <a:rPr lang="ko-KR" altLang="en-US" sz="1400" dirty="0">
+                <a:latin typeface="a옛날목욕탕L" panose="02020600000000000000" pitchFamily="18" charset="-127"/>
+                <a:ea typeface="a옛날목욕탕L" panose="02020600000000000000" pitchFamily="18" charset="-127"/>
+              </a:rPr>
+              <a:t>으로 </a:t>
             </a:r>
             <a:endParaRPr lang="en-US" altLang="ko-KR" sz="1400" dirty="0">
               <a:latin typeface="a옛날목욕탕L" panose="02020600000000000000" pitchFamily="18" charset="-127"/>
@@ -13137,40 +13121,87 @@
                 <a:latin typeface="a옛날목욕탕L" panose="02020600000000000000" pitchFamily="18" charset="-127"/>
                 <a:ea typeface="a옛날목욕탕L" panose="02020600000000000000" pitchFamily="18" charset="-127"/>
               </a:rPr>
-              <a:t>      Send </a:t>
+              <a:t>      </a:t>
             </a:r>
             <a:r>
               <a:rPr lang="ko-KR" altLang="en-US" sz="1400" dirty="0">
                 <a:latin typeface="a옛날목욕탕L" panose="02020600000000000000" pitchFamily="18" charset="-127"/>
                 <a:ea typeface="a옛날목욕탕L" panose="02020600000000000000" pitchFamily="18" charset="-127"/>
               </a:rPr>
-              <a:t>버튼을 누르면 </a:t>
+              <a:t>전송된다</a:t>
             </a:r>
             <a:r>
               <a:rPr lang="en-US" altLang="ko-KR" sz="1400" dirty="0">
                 <a:latin typeface="a옛날목욕탕L" panose="02020600000000000000" pitchFamily="18" charset="-127"/>
                 <a:ea typeface="a옛날목욕탕L" panose="02020600000000000000" pitchFamily="18" charset="-127"/>
               </a:rPr>
-              <a:t>Bee Mobile App</a:t>
-            </a:r>
-            <a:r>
-              <a:rPr lang="ko-KR" altLang="en-US" sz="1400" dirty="0">
-                <a:latin typeface="a옛날목욕탕L" panose="02020600000000000000" pitchFamily="18" charset="-127"/>
-                <a:ea typeface="a옛날목욕탕L" panose="02020600000000000000" pitchFamily="18" charset="-127"/>
-              </a:rPr>
-              <a:t>으로 </a:t>
-            </a:r>
+              <a:t>.</a:t>
+            </a:r>
+          </a:p>
+          <a:p>
             <a:endParaRPr lang="en-US" altLang="ko-KR" sz="1400" dirty="0">
               <a:latin typeface="a옛날목욕탕L" panose="02020600000000000000" pitchFamily="18" charset="-127"/>
               <a:ea typeface="a옛날목욕탕L" panose="02020600000000000000" pitchFamily="18" charset="-127"/>
             </a:endParaRPr>
           </a:p>
           <a:p>
+            <a:pPr marL="342900" indent="-342900">
+              <a:buFont typeface="+mj-ea"/>
+              <a:buAutoNum type="circleNumDbPlain" startAt="2"/>
+            </a:pPr>
             <a:r>
               <a:rPr lang="en-US" altLang="ko-KR" sz="1400" dirty="0">
                 <a:latin typeface="a옛날목욕탕L" panose="02020600000000000000" pitchFamily="18" charset="-127"/>
                 <a:ea typeface="a옛날목욕탕L" panose="02020600000000000000" pitchFamily="18" charset="-127"/>
               </a:rPr>
+              <a:t>BEE Mobile Application</a:t>
+            </a:r>
+            <a:r>
+              <a:rPr lang="ko-KR" altLang="en-US" sz="1400" dirty="0">
+                <a:latin typeface="a옛날목욕탕L" panose="02020600000000000000" pitchFamily="18" charset="-127"/>
+                <a:ea typeface="a옛날목욕탕L" panose="02020600000000000000" pitchFamily="18" charset="-127"/>
+              </a:rPr>
+              <a:t>에서 </a:t>
+            </a:r>
+            <a:r>
+              <a:rPr lang="en-US" altLang="ko-KR" sz="1400" dirty="0">
+                <a:latin typeface="a옛날목욕탕L" panose="02020600000000000000" pitchFamily="18" charset="-127"/>
+                <a:ea typeface="a옛날목욕탕L" panose="02020600000000000000" pitchFamily="18" charset="-127"/>
+              </a:rPr>
+              <a:t>[</a:t>
+            </a:r>
+            <a:r>
+              <a:rPr lang="ko-KR" altLang="en-US" sz="1400" dirty="0">
+                <a:latin typeface="a옛날목욕탕L" panose="02020600000000000000" pitchFamily="18" charset="-127"/>
+                <a:ea typeface="a옛날목욕탕L" panose="02020600000000000000" pitchFamily="18" charset="-127"/>
+              </a:rPr>
+              <a:t>음성으로 듣기</a:t>
+            </a:r>
+            <a:r>
+              <a:rPr lang="en-US" altLang="ko-KR" sz="1400" dirty="0">
+                <a:latin typeface="a옛날목욕탕L" panose="02020600000000000000" pitchFamily="18" charset="-127"/>
+                <a:ea typeface="a옛날목욕탕L" panose="02020600000000000000" pitchFamily="18" charset="-127"/>
+              </a:rPr>
+              <a:t>]</a:t>
+            </a:r>
+            <a:r>
+              <a:rPr lang="ko-KR" altLang="en-US" sz="1400" dirty="0">
+                <a:latin typeface="a옛날목욕탕L" panose="02020600000000000000" pitchFamily="18" charset="-127"/>
+                <a:ea typeface="a옛날목욕탕L" panose="02020600000000000000" pitchFamily="18" charset="-127"/>
+              </a:rPr>
+              <a:t> </a:t>
+            </a:r>
+            <a:endParaRPr lang="en-US" altLang="ko-KR" sz="1400" dirty="0">
+              <a:latin typeface="a옛날목욕탕L" panose="02020600000000000000" pitchFamily="18" charset="-127"/>
+              <a:ea typeface="a옛날목욕탕L" panose="02020600000000000000" pitchFamily="18" charset="-127"/>
+            </a:endParaRPr>
+          </a:p>
+          <a:p>
+            <a:r>
+              <a:rPr lang="en-US" altLang="ko-KR" sz="1400" dirty="0">
+                <a:latin typeface="a옛날목욕탕L" panose="02020600000000000000" pitchFamily="18" charset="-127"/>
+                <a:ea typeface="a옛날목욕탕L" panose="02020600000000000000" pitchFamily="18" charset="-127"/>
+              </a:rPr>
               <a:t>      </a:t>
             </a:r>
             <a:r>
@@ -13178,7 +13209,27 @@
                 <a:latin typeface="a옛날목욕탕L" panose="02020600000000000000" pitchFamily="18" charset="-127"/>
                 <a:ea typeface="a옛날목욕탕L" panose="02020600000000000000" pitchFamily="18" charset="-127"/>
               </a:rPr>
-              <a:t>전송된다</a:t>
+              <a:t>아이콘을 선택할 시 해당 메시지를 음성으로 </a:t>
+            </a:r>
+            <a:endParaRPr lang="en-US" altLang="ko-KR" sz="1400" dirty="0">
+              <a:latin typeface="a옛날목욕탕L" panose="02020600000000000000" pitchFamily="18" charset="-127"/>
+              <a:ea typeface="a옛날목욕탕L" panose="02020600000000000000" pitchFamily="18" charset="-127"/>
+            </a:endParaRPr>
+          </a:p>
+          <a:p>
+            <a:r>
+              <a:rPr lang="en-US" altLang="ko-KR" sz="1400" dirty="0">
+                <a:latin typeface="a옛날목욕탕L" panose="02020600000000000000" pitchFamily="18" charset="-127"/>
+                <a:ea typeface="a옛날목욕탕L" panose="02020600000000000000" pitchFamily="18" charset="-127"/>
+              </a:rPr>
+              <a:t>      </a:t>
+            </a:r>
+            <a:r>
+              <a:rPr lang="ko-KR" altLang="en-US" sz="1400" dirty="0">
+                <a:latin typeface="a옛날목욕탕L" panose="02020600000000000000" pitchFamily="18" charset="-127"/>
+                <a:ea typeface="a옛날목욕탕L" panose="02020600000000000000" pitchFamily="18" charset="-127"/>
+              </a:rPr>
+              <a:t>확인할 수 있다</a:t>
             </a:r>
             <a:r>
               <a:rPr lang="en-US" altLang="ko-KR" sz="1400" dirty="0">
@@ -13232,6 +13283,78 @@
           </a:fontRef>
         </p:style>
       </p:cxnSp>
+      <p:pic>
+        <p:nvPicPr>
+          <p:cNvPr id="10" name="그림 9">
+            <a:extLst>
+              <a:ext uri="{FF2B5EF4-FFF2-40B4-BE49-F238E27FC236}">
+                <a16:creationId xmlns:a16="http://schemas.microsoft.com/office/drawing/2014/main" id="{C7469084-878E-47B3-B4AA-75FAD5AAE883}"/>
+              </a:ext>
+            </a:extLst>
+          </p:cNvPr>
+          <p:cNvPicPr>
+            <a:picLocks noChangeAspect="1"/>
+          </p:cNvPicPr>
+          <p:nvPr/>
+        </p:nvPicPr>
+        <p:blipFill>
+          <a:blip r:embed="rId5">
+            <a:extLst>
+              <a:ext uri="{28A0092B-C50C-407E-A947-70E740481C1C}">
+                <a14:useLocalDpi xmlns:a14="http://schemas.microsoft.com/office/drawing/2010/main" val="0"/>
+              </a:ext>
+            </a:extLst>
+          </a:blip>
+          <a:stretch>
+            <a:fillRect/>
+          </a:stretch>
+        </p:blipFill>
+        <p:spPr>
+          <a:xfrm>
+            <a:off x="5200789" y="2561766"/>
+            <a:ext cx="1522742" cy="2595303"/>
+          </a:xfrm>
+          <a:prstGeom prst="rect">
+            <a:avLst/>
+          </a:prstGeom>
+        </p:spPr>
+      </p:pic>
+      <p:pic>
+        <p:nvPicPr>
+          <p:cNvPr id="14" name="그림 13">
+            <a:extLst>
+              <a:ext uri="{FF2B5EF4-FFF2-40B4-BE49-F238E27FC236}">
+                <a16:creationId xmlns:a16="http://schemas.microsoft.com/office/drawing/2014/main" id="{B3AA47C9-9F44-45C7-91A7-7F69BACAC585}"/>
+              </a:ext>
+            </a:extLst>
+          </p:cNvPr>
+          <p:cNvPicPr>
+            <a:picLocks noChangeAspect="1"/>
+          </p:cNvPicPr>
+          <p:nvPr/>
+        </p:nvPicPr>
+        <p:blipFill>
+          <a:blip r:embed="rId6">
+            <a:extLst>
+              <a:ext uri="{28A0092B-C50C-407E-A947-70E740481C1C}">
+                <a14:useLocalDpi xmlns:a14="http://schemas.microsoft.com/office/drawing/2010/main" val="0"/>
+              </a:ext>
+            </a:extLst>
+          </a:blip>
+          <a:stretch>
+            <a:fillRect/>
+          </a:stretch>
+        </p:blipFill>
+        <p:spPr>
+          <a:xfrm>
+            <a:off x="1965337" y="3859416"/>
+            <a:ext cx="429055" cy="429055"/>
+          </a:xfrm>
+          <a:prstGeom prst="rect">
+            <a:avLst/>
+          </a:prstGeom>
+        </p:spPr>
+      </p:pic>
     </p:spTree>
     <p:extLst>
       <p:ext uri="{BB962C8B-B14F-4D97-AF65-F5344CB8AC3E}">
@@ -13307,7 +13430,7 @@
                 <a:ea typeface="a옛날목욕탕L" panose="02020600000000000000" pitchFamily="18" charset="-127"/>
                 <a:cs typeface="Arial" panose="020B0604020202020204" pitchFamily="34" charset="0"/>
               </a:rPr>
-              <a:t>: BARRER-FREE MODE</a:t>
+              <a:t>: BARRIER-FREE MODE</a:t>
             </a:r>
             <a:endParaRPr dirty="0">
               <a:solidFill>
@@ -13455,36 +13578,6 @@
               <a:chExt cx="2382975" cy="4540512"/>
             </a:xfrm>
           </p:grpSpPr>
-          <p:pic>
-            <p:nvPicPr>
-              <p:cNvPr id="49" name="그림 48">
-                <a:extLst>
-                  <a:ext uri="{FF2B5EF4-FFF2-40B4-BE49-F238E27FC236}">
-                    <a16:creationId xmlns:a16="http://schemas.microsoft.com/office/drawing/2014/main" id="{A25812F5-D38B-4B8F-B6D4-F14E2A5E2013}"/>
-                  </a:ext>
-                </a:extLst>
-              </p:cNvPr>
-              <p:cNvPicPr>
-                <a:picLocks noChangeAspect="1"/>
-              </p:cNvPicPr>
-              <p:nvPr/>
-            </p:nvPicPr>
-            <p:blipFill>
-              <a:blip r:embed="rId3"/>
-              <a:stretch>
-                <a:fillRect/>
-              </a:stretch>
-            </p:blipFill>
-            <p:spPr>
-              <a:xfrm>
-                <a:off x="5058081" y="2125848"/>
-                <a:ext cx="2242859" cy="3987304"/>
-              </a:xfrm>
-              <a:prstGeom prst="rect">
-                <a:avLst/>
-              </a:prstGeom>
-            </p:spPr>
-          </p:pic>
           <p:sp>
             <p:nvSpPr>
               <p:cNvPr id="50" name="Google Shape;272;p32">
@@ -14175,6 +14268,36 @@
               </a:p>
             </p:txBody>
           </p:sp>
+          <p:pic>
+            <p:nvPicPr>
+              <p:cNvPr id="49" name="그림 48">
+                <a:extLst>
+                  <a:ext uri="{FF2B5EF4-FFF2-40B4-BE49-F238E27FC236}">
+                    <a16:creationId xmlns:a16="http://schemas.microsoft.com/office/drawing/2014/main" id="{A25812F5-D38B-4B8F-B6D4-F14E2A5E2013}"/>
+                  </a:ext>
+                </a:extLst>
+              </p:cNvPr>
+              <p:cNvPicPr>
+                <a:picLocks noChangeAspect="1"/>
+              </p:cNvPicPr>
+              <p:nvPr/>
+            </p:nvPicPr>
+            <p:blipFill>
+              <a:blip r:embed="rId3"/>
+              <a:stretch>
+                <a:fillRect/>
+              </a:stretch>
+            </p:blipFill>
+            <p:spPr>
+              <a:xfrm>
+                <a:off x="5058081" y="2125848"/>
+                <a:ext cx="2242859" cy="3987304"/>
+              </a:xfrm>
+              <a:prstGeom prst="rect">
+                <a:avLst/>
+              </a:prstGeom>
+            </p:spPr>
+          </p:pic>
         </p:grpSp>
         <p:sp>
           <p:nvSpPr>
@@ -14922,42 +15045,6 @@
         </p:sp>
         <p:pic>
           <p:nvPicPr>
-            <p:cNvPr id="53" name="그림 52">
-              <a:extLst>
-                <a:ext uri="{FF2B5EF4-FFF2-40B4-BE49-F238E27FC236}">
-                  <a16:creationId xmlns:a16="http://schemas.microsoft.com/office/drawing/2014/main" id="{423CFF94-AE43-4594-9C8A-DB5A769F0DE4}"/>
-                </a:ext>
-              </a:extLst>
-            </p:cNvPr>
-            <p:cNvPicPr>
-              <a:picLocks noChangeAspect="1"/>
-            </p:cNvPicPr>
-            <p:nvPr/>
-          </p:nvPicPr>
-          <p:blipFill>
-            <a:blip r:embed="rId4">
-              <a:extLst>
-                <a:ext uri="{28A0092B-C50C-407E-A947-70E740481C1C}">
-                  <a14:useLocalDpi xmlns:a14="http://schemas.microsoft.com/office/drawing/2010/main" val="0"/>
-                </a:ext>
-              </a:extLst>
-            </a:blip>
-            <a:stretch>
-              <a:fillRect/>
-            </a:stretch>
-          </p:blipFill>
-          <p:spPr>
-            <a:xfrm>
-              <a:off x="1410760" y="4793968"/>
-              <a:ext cx="589929" cy="589929"/>
-            </a:xfrm>
-            <a:prstGeom prst="rect">
-              <a:avLst/>
-            </a:prstGeom>
-          </p:spPr>
-        </p:pic>
-        <p:pic>
-          <p:nvPicPr>
             <p:cNvPr id="54" name="그림 53">
               <a:extLst>
                 <a:ext uri="{FF2B5EF4-FFF2-40B4-BE49-F238E27FC236}">
@@ -14971,7 +15058,7 @@
             <p:nvPr/>
           </p:nvPicPr>
           <p:blipFill>
-            <a:blip r:embed="rId5">
+            <a:blip r:embed="rId4">
               <a:extLst>
                 <a:ext uri="{28A0092B-C50C-407E-A947-70E740481C1C}">
                   <a14:useLocalDpi xmlns:a14="http://schemas.microsoft.com/office/drawing/2010/main" val="0"/>
@@ -15075,7 +15162,7 @@
                 <a:ea typeface="a옛날목욕탕L" panose="02020600000000000000" pitchFamily="18" charset="-127"/>
                 <a:cs typeface="Arial" panose="020B0604020202020204" pitchFamily="34" charset="0"/>
               </a:rPr>
-              <a:t>- BARRER FREE MODE </a:t>
+              <a:t>- BARRIER FREE MODE </a:t>
             </a:r>
             <a:r>
               <a:rPr lang="ko-KR" altLang="ko-KR" sz="1200" dirty="0">
@@ -15194,7 +15281,15 @@
                 <a:ea typeface="a옛날목욕탕L" panose="02020600000000000000" pitchFamily="18" charset="-127"/>
                 <a:cs typeface="Arial" panose="020B0604020202020204" pitchFamily="34" charset="0"/>
               </a:rPr>
-              <a:t>입력 받은 정보가 점자 정보일 경우에는 </a:t>
+              <a:t>점자 정보</a:t>
+            </a:r>
+            <a:r>
+              <a:rPr lang="ko-KR" altLang="en-US" sz="1200" dirty="0">
+                <a:latin typeface="a옛날목욕탕L" panose="02020600000000000000" pitchFamily="18" charset="-127"/>
+                <a:ea typeface="a옛날목욕탕L" panose="02020600000000000000" pitchFamily="18" charset="-127"/>
+                <a:cs typeface="Arial" panose="020B0604020202020204" pitchFamily="34" charset="0"/>
+              </a:rPr>
+              <a:t>를 입력 받으면 </a:t>
             </a:r>
             <a:r>
               <a:rPr lang="en-US" altLang="ko-KR" sz="1200" dirty="0">
@@ -15210,7 +15305,7 @@
                 <a:ea typeface="a옛날목욕탕L" panose="02020600000000000000" pitchFamily="18" charset="-127"/>
                 <a:cs typeface="Arial" panose="020B0604020202020204" pitchFamily="34" charset="0"/>
               </a:rPr>
-              <a:t>을 </a:t>
+              <a:t>을 통해</a:t>
             </a:r>
             <a:endParaRPr lang="en-US" altLang="ko-KR" sz="1200" dirty="0">
               <a:latin typeface="a옛날목욕탕L" panose="02020600000000000000" pitchFamily="18" charset="-127"/>
@@ -15233,7 +15328,7 @@
                 <a:ea typeface="a옛날목욕탕L" panose="02020600000000000000" pitchFamily="18" charset="-127"/>
                 <a:cs typeface="Arial" panose="020B0604020202020204" pitchFamily="34" charset="0"/>
               </a:rPr>
-              <a:t>          </a:t>
+              <a:t>          BEE Mobile Application</a:t>
             </a:r>
             <a:r>
               <a:rPr lang="ko-KR" altLang="ko-KR" sz="1200" dirty="0">
@@ -15241,15 +15336,15 @@
                 <a:ea typeface="a옛날목욕탕L" panose="02020600000000000000" pitchFamily="18" charset="-127"/>
                 <a:cs typeface="Arial" panose="020B0604020202020204" pitchFamily="34" charset="0"/>
               </a:rPr>
-              <a:t>통해</a:t>
-            </a:r>
-            <a:r>
-              <a:rPr lang="en-US" altLang="ko-KR" sz="1200" dirty="0">
+              <a:t>으로 전송</a:t>
+            </a:r>
+            <a:r>
+              <a:rPr lang="ko-KR" altLang="en-US" sz="1200" dirty="0">
                 <a:latin typeface="a옛날목욕탕L" panose="02020600000000000000" pitchFamily="18" charset="-127"/>
                 <a:ea typeface="a옛날목욕탕L" panose="02020600000000000000" pitchFamily="18" charset="-127"/>
                 <a:cs typeface="Arial" panose="020B0604020202020204" pitchFamily="34" charset="0"/>
               </a:rPr>
-              <a:t> BEE Mobile application</a:t>
+              <a:t>된</a:t>
             </a:r>
             <a:r>
               <a:rPr lang="ko-KR" altLang="ko-KR" sz="1200" dirty="0">
@@ -15257,7 +15352,7 @@
                 <a:ea typeface="a옛날목욕탕L" panose="02020600000000000000" pitchFamily="18" charset="-127"/>
                 <a:cs typeface="Arial" panose="020B0604020202020204" pitchFamily="34" charset="0"/>
               </a:rPr>
-              <a:t>으로 전송한다</a:t>
+              <a:t>다</a:t>
             </a:r>
             <a:r>
               <a:rPr lang="en-US" altLang="ko-KR" sz="1200" dirty="0">
@@ -15323,7 +15418,7 @@
                 <a:ea typeface="a옛날목욕탕L" panose="02020600000000000000" pitchFamily="18" charset="-127"/>
                 <a:cs typeface="Arial" panose="020B0604020202020204" pitchFamily="34" charset="0"/>
               </a:rPr>
-              <a:t> Braille-To-Text</a:t>
+              <a:t> Braille To Text</a:t>
             </a:r>
           </a:p>
           <a:p>
@@ -15582,7 +15677,23 @@
                 <a:ea typeface="a옛날목욕탕L" panose="02020600000000000000" pitchFamily="18" charset="-127"/>
                 <a:cs typeface="Arial" panose="020B0604020202020204" pitchFamily="34" charset="0"/>
               </a:rPr>
-              <a:t>에 텍스트 출력</a:t>
+              <a:t>에 </a:t>
+            </a:r>
+            <a:r>
+              <a:rPr lang="ko-KR" altLang="en-US" sz="1400" dirty="0">
+                <a:latin typeface="a옛날목욕탕L" panose="02020600000000000000" pitchFamily="18" charset="-127"/>
+                <a:ea typeface="a옛날목욕탕L" panose="02020600000000000000" pitchFamily="18" charset="-127"/>
+                <a:cs typeface="Arial" panose="020B0604020202020204" pitchFamily="34" charset="0"/>
+              </a:rPr>
+              <a:t>음성</a:t>
+            </a:r>
+            <a:r>
+              <a:rPr lang="ko-KR" altLang="ko-KR" sz="1400" dirty="0">
+                <a:latin typeface="a옛날목욕탕L" panose="02020600000000000000" pitchFamily="18" charset="-127"/>
+                <a:ea typeface="a옛날목욕탕L" panose="02020600000000000000" pitchFamily="18" charset="-127"/>
+                <a:cs typeface="Arial" panose="020B0604020202020204" pitchFamily="34" charset="0"/>
+              </a:rPr>
+              <a:t> 출력</a:t>
             </a:r>
             <a:r>
               <a:rPr lang="en-US" altLang="ko-KR" sz="1400" dirty="0">
@@ -15648,6 +15759,33 @@
               <a:t>- </a:t>
             </a:r>
             <a:r>
+              <a:rPr lang="en-US" altLang="ko-KR" sz="1200" dirty="0">
+                <a:solidFill>
+                  <a:srgbClr val="FF00FF"/>
+                </a:solidFill>
+                <a:latin typeface="a옛날목욕탕L" panose="02020600000000000000" pitchFamily="18" charset="-127"/>
+                <a:ea typeface="a옛날목욕탕L" panose="02020600000000000000" pitchFamily="18" charset="-127"/>
+                <a:cs typeface="Arial" panose="020B0604020202020204" pitchFamily="34" charset="0"/>
+              </a:rPr>
+              <a:t>ON</a:t>
+            </a:r>
+            <a:r>
+              <a:rPr lang="en-US" altLang="ko-KR" sz="1200" dirty="0">
+                <a:latin typeface="a옛날목욕탕L" panose="02020600000000000000" pitchFamily="18" charset="-127"/>
+                <a:ea typeface="a옛날목욕탕L" panose="02020600000000000000" pitchFamily="18" charset="-127"/>
+                <a:cs typeface="Arial" panose="020B0604020202020204" pitchFamily="34" charset="0"/>
+              </a:rPr>
+              <a:t>: BEE Mobile Application</a:t>
+            </a:r>
+            <a:r>
+              <a:rPr lang="ko-KR" altLang="en-US" sz="1200" dirty="0">
+                <a:latin typeface="a옛날목욕탕L" panose="02020600000000000000" pitchFamily="18" charset="-127"/>
+                <a:ea typeface="a옛날목욕탕L" panose="02020600000000000000" pitchFamily="18" charset="-127"/>
+                <a:cs typeface="Arial" panose="020B0604020202020204" pitchFamily="34" charset="0"/>
+              </a:rPr>
+              <a:t>에 </a:t>
+            </a:r>
+            <a:r>
               <a:rPr lang="ko-KR" altLang="ko-KR" sz="1200" dirty="0">
                 <a:latin typeface="a옛날목욕탕L" panose="02020600000000000000" pitchFamily="18" charset="-127"/>
                 <a:ea typeface="a옛날목욕탕L" panose="02020600000000000000" pitchFamily="18" charset="-127"/>
@@ -15656,28 +15794,20 @@
               <a:t>상대방이 입력한 텍스트를 </a:t>
             </a:r>
             <a:r>
+              <a:rPr lang="ko-KR" altLang="en-US" sz="1200" dirty="0">
+                <a:latin typeface="a옛날목욕탕L" panose="02020600000000000000" pitchFamily="18" charset="-127"/>
+                <a:ea typeface="a옛날목욕탕L" panose="02020600000000000000" pitchFamily="18" charset="-127"/>
+                <a:cs typeface="Arial" panose="020B0604020202020204" pitchFamily="34" charset="0"/>
+              </a:rPr>
+              <a:t>음성으로 출력한다</a:t>
+            </a:r>
+            <a:r>
               <a:rPr lang="en-US" altLang="ko-KR" sz="1200" dirty="0">
                 <a:latin typeface="a옛날목욕탕L" panose="02020600000000000000" pitchFamily="18" charset="-127"/>
                 <a:ea typeface="a옛날목욕탕L" panose="02020600000000000000" pitchFamily="18" charset="-127"/>
                 <a:cs typeface="Arial" panose="020B0604020202020204" pitchFamily="34" charset="0"/>
               </a:rPr>
-              <a:t>BEE Mobile Application </a:t>
-            </a:r>
-            <a:r>
-              <a:rPr lang="ko-KR" altLang="ko-KR" sz="1200" dirty="0">
-                <a:latin typeface="a옛날목욕탕L" panose="02020600000000000000" pitchFamily="18" charset="-127"/>
-                <a:ea typeface="a옛날목욕탕L" panose="02020600000000000000" pitchFamily="18" charset="-127"/>
-                <a:cs typeface="Arial" panose="020B0604020202020204" pitchFamily="34" charset="0"/>
-              </a:rPr>
-              <a:t>화면에 출력하고</a:t>
-            </a:r>
-            <a:r>
-              <a:rPr lang="en-US" altLang="ko-KR" sz="1200" dirty="0">
-                <a:latin typeface="a옛날목욕탕L" panose="02020600000000000000" pitchFamily="18" charset="-127"/>
-                <a:ea typeface="a옛날목욕탕L" panose="02020600000000000000" pitchFamily="18" charset="-127"/>
-                <a:cs typeface="Arial" panose="020B0604020202020204" pitchFamily="34" charset="0"/>
-              </a:rPr>
-              <a:t>, </a:t>
+              <a:t>.</a:t>
             </a:r>
           </a:p>
           <a:p>
@@ -15695,7 +15825,42 @@
                 <a:ea typeface="a옛날목욕탕L" panose="02020600000000000000" pitchFamily="18" charset="-127"/>
                 <a:cs typeface="Arial" panose="020B0604020202020204" pitchFamily="34" charset="0"/>
               </a:rPr>
-              <a:t>          BEE Device</a:t>
+              <a:t>       - </a:t>
+            </a:r>
+            <a:r>
+              <a:rPr lang="en-US" altLang="ko-KR" sz="1200" dirty="0">
+                <a:solidFill>
+                  <a:srgbClr val="FF00FF"/>
+                </a:solidFill>
+                <a:latin typeface="a옛날목욕탕L" panose="02020600000000000000" pitchFamily="18" charset="-127"/>
+                <a:ea typeface="a옛날목욕탕L" panose="02020600000000000000" pitchFamily="18" charset="-127"/>
+                <a:cs typeface="Arial" panose="020B0604020202020204" pitchFamily="34" charset="0"/>
+              </a:rPr>
+              <a:t>OFF</a:t>
+            </a:r>
+            <a:r>
+              <a:rPr lang="en-US" altLang="ko-KR" sz="1200" dirty="0">
+                <a:latin typeface="a옛날목욕탕L" panose="02020600000000000000" pitchFamily="18" charset="-127"/>
+                <a:ea typeface="a옛날목욕탕L" panose="02020600000000000000" pitchFamily="18" charset="-127"/>
+                <a:cs typeface="Arial" panose="020B0604020202020204" pitchFamily="34" charset="0"/>
+              </a:rPr>
+              <a:t>:</a:t>
+            </a:r>
+            <a:r>
+              <a:rPr lang="ko-KR" altLang="en-US" sz="1200" dirty="0">
+                <a:latin typeface="a옛날목욕탕L" panose="02020600000000000000" pitchFamily="18" charset="-127"/>
+                <a:ea typeface="a옛날목욕탕L" panose="02020600000000000000" pitchFamily="18" charset="-127"/>
+                <a:cs typeface="Arial" panose="020B0604020202020204" pitchFamily="34" charset="0"/>
+              </a:rPr>
+              <a:t> </a:t>
+            </a:r>
+            <a:r>
+              <a:rPr lang="en-US" altLang="ko-KR" sz="1200" dirty="0">
+                <a:latin typeface="a옛날목욕탕L" panose="02020600000000000000" pitchFamily="18" charset="-127"/>
+                <a:ea typeface="a옛날목욕탕L" panose="02020600000000000000" pitchFamily="18" charset="-127"/>
+                <a:cs typeface="Arial" panose="020B0604020202020204" pitchFamily="34" charset="0"/>
+              </a:rPr>
+              <a:t>BEE Device</a:t>
             </a:r>
             <a:r>
               <a:rPr lang="ko-KR" altLang="ko-KR" sz="1200" dirty="0">
@@ -15703,7 +15868,31 @@
                 <a:ea typeface="a옛날목욕탕L" panose="02020600000000000000" pitchFamily="18" charset="-127"/>
                 <a:cs typeface="Arial" panose="020B0604020202020204" pitchFamily="34" charset="0"/>
               </a:rPr>
-              <a:t>의 점자 출력부를 통해 출력하는 기능을 제공한다</a:t>
+              <a:t>의 점자 출력부를 통해 </a:t>
+            </a:r>
+            <a:r>
+              <a:rPr lang="ko-KR" altLang="en-US" sz="1200" dirty="0">
+                <a:latin typeface="a옛날목욕탕L" panose="02020600000000000000" pitchFamily="18" charset="-127"/>
+                <a:ea typeface="a옛날목욕탕L" panose="02020600000000000000" pitchFamily="18" charset="-127"/>
+                <a:cs typeface="Arial" panose="020B0604020202020204" pitchFamily="34" charset="0"/>
+              </a:rPr>
+              <a:t>상대방이 입력한 텍스트를 점자로 </a:t>
+            </a:r>
+            <a:r>
+              <a:rPr lang="ko-KR" altLang="ko-KR" sz="1200" dirty="0">
+                <a:latin typeface="a옛날목욕탕L" panose="02020600000000000000" pitchFamily="18" charset="-127"/>
+                <a:ea typeface="a옛날목욕탕L" panose="02020600000000000000" pitchFamily="18" charset="-127"/>
+                <a:cs typeface="Arial" panose="020B0604020202020204" pitchFamily="34" charset="0"/>
+              </a:rPr>
+              <a:t>출력</a:t>
+            </a:r>
+            <a:r>
+              <a:rPr lang="ko-KR" altLang="en-US" sz="1200" dirty="0">
+                <a:latin typeface="a옛날목욕탕L" panose="02020600000000000000" pitchFamily="18" charset="-127"/>
+                <a:ea typeface="a옛날목욕탕L" panose="02020600000000000000" pitchFamily="18" charset="-127"/>
+                <a:cs typeface="Arial" panose="020B0604020202020204" pitchFamily="34" charset="0"/>
+              </a:rPr>
+              <a:t>한다</a:t>
             </a:r>
             <a:r>
               <a:rPr lang="en-US" altLang="ko-KR" sz="1200" dirty="0">
@@ -15763,6 +15952,42 @@
           </a:fontRef>
         </p:style>
       </p:cxnSp>
+      <p:pic>
+        <p:nvPicPr>
+          <p:cNvPr id="16" name="그림 15">
+            <a:extLst>
+              <a:ext uri="{FF2B5EF4-FFF2-40B4-BE49-F238E27FC236}">
+                <a16:creationId xmlns:a16="http://schemas.microsoft.com/office/drawing/2014/main" id="{B96797BC-4200-47EC-85DD-1E9D9A40B0F0}"/>
+              </a:ext>
+            </a:extLst>
+          </p:cNvPr>
+          <p:cNvPicPr>
+            <a:picLocks noChangeAspect="1"/>
+          </p:cNvPicPr>
+          <p:nvPr/>
+        </p:nvPicPr>
+        <p:blipFill>
+          <a:blip r:embed="rId5">
+            <a:extLst>
+              <a:ext uri="{28A0092B-C50C-407E-A947-70E740481C1C}">
+                <a14:useLocalDpi xmlns:a14="http://schemas.microsoft.com/office/drawing/2010/main" val="0"/>
+              </a:ext>
+            </a:extLst>
+          </a:blip>
+          <a:stretch>
+            <a:fillRect/>
+          </a:stretch>
+        </p:blipFill>
+        <p:spPr>
+          <a:xfrm>
+            <a:off x="1999409" y="4547649"/>
+            <a:ext cx="429055" cy="429055"/>
+          </a:xfrm>
+          <a:prstGeom prst="rect">
+            <a:avLst/>
+          </a:prstGeom>
+        </p:spPr>
+      </p:pic>
     </p:spTree>
     <p:extLst>
       <p:ext uri="{BB962C8B-B14F-4D97-AF65-F5344CB8AC3E}">
@@ -15838,7 +16063,7 @@
                 <a:ea typeface="a옛날목욕탕L" panose="02020600000000000000" pitchFamily="18" charset="-127"/>
                 <a:cs typeface="Arial" panose="020B0604020202020204" pitchFamily="34" charset="0"/>
               </a:rPr>
-              <a:t>: BARRER-FREE MODE</a:t>
+              <a:t>: BARRIER-FREE MODE</a:t>
             </a:r>
             <a:endParaRPr dirty="0">
               <a:solidFill>
@@ -17451,42 +17676,6 @@
             </a:p>
           </p:txBody>
         </p:sp>
-        <p:pic>
-          <p:nvPicPr>
-            <p:cNvPr id="53" name="그림 52">
-              <a:extLst>
-                <a:ext uri="{FF2B5EF4-FFF2-40B4-BE49-F238E27FC236}">
-                  <a16:creationId xmlns:a16="http://schemas.microsoft.com/office/drawing/2014/main" id="{423CFF94-AE43-4594-9C8A-DB5A769F0DE4}"/>
-                </a:ext>
-              </a:extLst>
-            </p:cNvPr>
-            <p:cNvPicPr>
-              <a:picLocks noChangeAspect="1"/>
-            </p:cNvPicPr>
-            <p:nvPr/>
-          </p:nvPicPr>
-          <p:blipFill>
-            <a:blip r:embed="rId4">
-              <a:extLst>
-                <a:ext uri="{28A0092B-C50C-407E-A947-70E740481C1C}">
-                  <a14:useLocalDpi xmlns:a14="http://schemas.microsoft.com/office/drawing/2010/main" val="0"/>
-                </a:ext>
-              </a:extLst>
-            </a:blip>
-            <a:stretch>
-              <a:fillRect/>
-            </a:stretch>
-          </p:blipFill>
-          <p:spPr>
-            <a:xfrm>
-              <a:off x="1410760" y="4793968"/>
-              <a:ext cx="589929" cy="589929"/>
-            </a:xfrm>
-            <a:prstGeom prst="rect">
-              <a:avLst/>
-            </a:prstGeom>
-          </p:spPr>
-        </p:pic>
       </p:grpSp>
       <p:sp>
         <p:nvSpPr>
@@ -17502,7 +17691,7 @@
         </p:nvSpPr>
         <p:spPr>
           <a:xfrm>
-            <a:off x="6096000" y="2580805"/>
+            <a:off x="6096000" y="2671630"/>
             <a:ext cx="6015317" cy="2369880"/>
           </a:xfrm>
           <a:prstGeom prst="rect">
@@ -17570,7 +17759,7 @@
                 <a:ea typeface="a옛날목욕탕L" panose="02020600000000000000" pitchFamily="18" charset="-127"/>
                 <a:cs typeface="Arial" panose="020B0604020202020204" pitchFamily="34" charset="0"/>
               </a:rPr>
-              <a:t>- BARRER FREE MODE </a:t>
+              <a:t>- BARRIER FREE MODE </a:t>
             </a:r>
             <a:r>
               <a:rPr lang="ko-KR" altLang="ko-KR" sz="1200" dirty="0">
@@ -17694,12 +17883,28 @@
               <a:t> </a:t>
             </a:r>
             <a:r>
+              <a:rPr lang="ko-KR" altLang="en-US" sz="1200" dirty="0">
+                <a:latin typeface="a옛날목욕탕L" panose="02020600000000000000" pitchFamily="18" charset="-127"/>
+                <a:ea typeface="a옛날목욕탕L" panose="02020600000000000000" pitchFamily="18" charset="-127"/>
+                <a:cs typeface="Arial" panose="020B0604020202020204" pitchFamily="34" charset="0"/>
+              </a:rPr>
+              <a:t>점</a:t>
+            </a:r>
+            <a:r>
               <a:rPr lang="ko-KR" altLang="ko-KR" sz="1200" dirty="0">
                 <a:latin typeface="a옛날목욕탕L" panose="02020600000000000000" pitchFamily="18" charset="-127"/>
                 <a:ea typeface="a옛날목욕탕L" panose="02020600000000000000" pitchFamily="18" charset="-127"/>
                 <a:cs typeface="Arial" panose="020B0604020202020204" pitchFamily="34" charset="0"/>
               </a:rPr>
-              <a:t>입력 받은 정보가 점자 정보일 경우에는 </a:t>
+              <a:t>자 정보</a:t>
+            </a:r>
+            <a:r>
+              <a:rPr lang="ko-KR" altLang="en-US" sz="1200" dirty="0">
+                <a:latin typeface="a옛날목욕탕L" panose="02020600000000000000" pitchFamily="18" charset="-127"/>
+                <a:ea typeface="a옛날목욕탕L" panose="02020600000000000000" pitchFamily="18" charset="-127"/>
+                <a:cs typeface="Arial" panose="020B0604020202020204" pitchFamily="34" charset="0"/>
+              </a:rPr>
+              <a:t>를 입력 받으면 </a:t>
             </a:r>
             <a:r>
               <a:rPr lang="en-US" altLang="ko-KR" sz="1200" dirty="0">
@@ -17715,7 +17920,7 @@
                 <a:ea typeface="a옛날목욕탕L" panose="02020600000000000000" pitchFamily="18" charset="-127"/>
                 <a:cs typeface="Arial" panose="020B0604020202020204" pitchFamily="34" charset="0"/>
               </a:rPr>
-              <a:t>을 </a:t>
+              <a:t>을 통해</a:t>
             </a:r>
             <a:endParaRPr lang="en-US" altLang="ko-KR" sz="1200" dirty="0">
               <a:latin typeface="a옛날목욕탕L" panose="02020600000000000000" pitchFamily="18" charset="-127"/>
@@ -17738,7 +17943,7 @@
                 <a:ea typeface="a옛날목욕탕L" panose="02020600000000000000" pitchFamily="18" charset="-127"/>
                 <a:cs typeface="Arial" panose="020B0604020202020204" pitchFamily="34" charset="0"/>
               </a:rPr>
-              <a:t>          </a:t>
+              <a:t>          BEE Mobile Application</a:t>
             </a:r>
             <a:r>
               <a:rPr lang="ko-KR" altLang="ko-KR" sz="1200" dirty="0">
@@ -17746,15 +17951,15 @@
                 <a:ea typeface="a옛날목욕탕L" panose="02020600000000000000" pitchFamily="18" charset="-127"/>
                 <a:cs typeface="Arial" panose="020B0604020202020204" pitchFamily="34" charset="0"/>
               </a:rPr>
-              <a:t>통해</a:t>
-            </a:r>
-            <a:r>
-              <a:rPr lang="en-US" altLang="ko-KR" sz="1200" dirty="0">
+              <a:t>으로 전송</a:t>
+            </a:r>
+            <a:r>
+              <a:rPr lang="ko-KR" altLang="en-US" sz="1200" dirty="0">
                 <a:latin typeface="a옛날목욕탕L" panose="02020600000000000000" pitchFamily="18" charset="-127"/>
                 <a:ea typeface="a옛날목욕탕L" panose="02020600000000000000" pitchFamily="18" charset="-127"/>
                 <a:cs typeface="Arial" panose="020B0604020202020204" pitchFamily="34" charset="0"/>
               </a:rPr>
-              <a:t> BEE Mobile application</a:t>
+              <a:t>된</a:t>
             </a:r>
             <a:r>
               <a:rPr lang="ko-KR" altLang="ko-KR" sz="1200" dirty="0">
@@ -17762,7 +17967,7 @@
                 <a:ea typeface="a옛날목욕탕L" panose="02020600000000000000" pitchFamily="18" charset="-127"/>
                 <a:cs typeface="Arial" panose="020B0604020202020204" pitchFamily="34" charset="0"/>
               </a:rPr>
-              <a:t>으로 전송한다</a:t>
+              <a:t>다</a:t>
             </a:r>
             <a:r>
               <a:rPr lang="en-US" altLang="ko-KR" sz="1200" dirty="0">
@@ -18037,7 +18242,7 @@
           <p:nvPr/>
         </p:nvPicPr>
         <p:blipFill>
-          <a:blip r:embed="rId5">
+          <a:blip r:embed="rId4">
             <a:extLst>
               <a:ext uri="{28A0092B-C50C-407E-A947-70E740481C1C}">
                 <a14:useLocalDpi xmlns:a14="http://schemas.microsoft.com/office/drawing/2010/main" val="0"/>
@@ -18052,6 +18257,42 @@
           <a:xfrm>
             <a:off x="3548102" y="2468369"/>
             <a:ext cx="1644529" cy="2883560"/>
+          </a:xfrm>
+          <a:prstGeom prst="rect">
+            <a:avLst/>
+          </a:prstGeom>
+        </p:spPr>
+      </p:pic>
+      <p:pic>
+        <p:nvPicPr>
+          <p:cNvPr id="17" name="그림 16">
+            <a:extLst>
+              <a:ext uri="{FF2B5EF4-FFF2-40B4-BE49-F238E27FC236}">
+                <a16:creationId xmlns:a16="http://schemas.microsoft.com/office/drawing/2014/main" id="{41877999-E00D-4F92-95DE-E090D2E4C20A}"/>
+              </a:ext>
+            </a:extLst>
+          </p:cNvPr>
+          <p:cNvPicPr>
+            <a:picLocks noChangeAspect="1"/>
+          </p:cNvPicPr>
+          <p:nvPr/>
+        </p:nvPicPr>
+        <p:blipFill>
+          <a:blip r:embed="rId5">
+            <a:extLst>
+              <a:ext uri="{28A0092B-C50C-407E-A947-70E740481C1C}">
+                <a14:useLocalDpi xmlns:a14="http://schemas.microsoft.com/office/drawing/2010/main" val="0"/>
+              </a:ext>
+            </a:extLst>
+          </a:blip>
+          <a:stretch>
+            <a:fillRect/>
+          </a:stretch>
+        </p:blipFill>
+        <p:spPr>
+          <a:xfrm>
+            <a:off x="1999409" y="4547649"/>
+            <a:ext cx="429055" cy="429055"/>
           </a:xfrm>
           <a:prstGeom prst="rect">
             <a:avLst/>

--- a/docs/8_Final Presentation Panel.pptx
+++ b/docs/8_Final Presentation Panel.pptx
@@ -204,7 +204,7 @@
           <a:p>
             <a:fld id="{CE2997ED-12CC-472B-AA05-6D1C9A88BA7B}" type="datetimeFigureOut">
               <a:rPr lang="ko-KR" altLang="en-US" smtClean="0"/>
-              <a:t>19-06-10</a:t>
+              <a:t>2019-06-10</a:t>
             </a:fld>
             <a:endParaRPr lang="ko-KR" altLang="en-US"/>
           </a:p>
@@ -1485,7 +1485,7 @@
           <a:p>
             <a:fld id="{A360C872-B3A7-413C-B014-1411817D9014}" type="datetimeFigureOut">
               <a:rPr lang="ko-KR" altLang="en-US" smtClean="0"/>
-              <a:t>19-06-10</a:t>
+              <a:t>2019-06-10</a:t>
             </a:fld>
             <a:endParaRPr lang="ko-KR" altLang="en-US"/>
           </a:p>
@@ -1683,7 +1683,7 @@
           <a:p>
             <a:fld id="{A360C872-B3A7-413C-B014-1411817D9014}" type="datetimeFigureOut">
               <a:rPr lang="ko-KR" altLang="en-US" smtClean="0"/>
-              <a:t>19-06-10</a:t>
+              <a:t>2019-06-10</a:t>
             </a:fld>
             <a:endParaRPr lang="ko-KR" altLang="en-US"/>
           </a:p>
@@ -1891,7 +1891,7 @@
           <a:p>
             <a:fld id="{A360C872-B3A7-413C-B014-1411817D9014}" type="datetimeFigureOut">
               <a:rPr lang="ko-KR" altLang="en-US" smtClean="0"/>
-              <a:t>19-06-10</a:t>
+              <a:t>2019-06-10</a:t>
             </a:fld>
             <a:endParaRPr lang="ko-KR" altLang="en-US"/>
           </a:p>
@@ -3776,7 +3776,7 @@
           <a:p>
             <a:fld id="{A360C872-B3A7-413C-B014-1411817D9014}" type="datetimeFigureOut">
               <a:rPr lang="ko-KR" altLang="en-US" smtClean="0"/>
-              <a:t>19-06-10</a:t>
+              <a:t>2019-06-10</a:t>
             </a:fld>
             <a:endParaRPr lang="ko-KR" altLang="en-US"/>
           </a:p>
@@ -4051,7 +4051,7 @@
           <a:p>
             <a:fld id="{A360C872-B3A7-413C-B014-1411817D9014}" type="datetimeFigureOut">
               <a:rPr lang="ko-KR" altLang="en-US" smtClean="0"/>
-              <a:t>19-06-10</a:t>
+              <a:t>2019-06-10</a:t>
             </a:fld>
             <a:endParaRPr lang="ko-KR" altLang="en-US"/>
           </a:p>
@@ -4316,7 +4316,7 @@
           <a:p>
             <a:fld id="{A360C872-B3A7-413C-B014-1411817D9014}" type="datetimeFigureOut">
               <a:rPr lang="ko-KR" altLang="en-US" smtClean="0"/>
-              <a:t>19-06-10</a:t>
+              <a:t>2019-06-10</a:t>
             </a:fld>
             <a:endParaRPr lang="ko-KR" altLang="en-US"/>
           </a:p>
@@ -4728,7 +4728,7 @@
           <a:p>
             <a:fld id="{A360C872-B3A7-413C-B014-1411817D9014}" type="datetimeFigureOut">
               <a:rPr lang="ko-KR" altLang="en-US" smtClean="0"/>
-              <a:t>19-06-10</a:t>
+              <a:t>2019-06-10</a:t>
             </a:fld>
             <a:endParaRPr lang="ko-KR" altLang="en-US"/>
           </a:p>
@@ -4869,7 +4869,7 @@
           <a:p>
             <a:fld id="{A360C872-B3A7-413C-B014-1411817D9014}" type="datetimeFigureOut">
               <a:rPr lang="ko-KR" altLang="en-US" smtClean="0"/>
-              <a:t>19-06-10</a:t>
+              <a:t>2019-06-10</a:t>
             </a:fld>
             <a:endParaRPr lang="ko-KR" altLang="en-US"/>
           </a:p>
@@ -4982,7 +4982,7 @@
           <a:p>
             <a:fld id="{A360C872-B3A7-413C-B014-1411817D9014}" type="datetimeFigureOut">
               <a:rPr lang="ko-KR" altLang="en-US" smtClean="0"/>
-              <a:t>19-06-10</a:t>
+              <a:t>2019-06-10</a:t>
             </a:fld>
             <a:endParaRPr lang="ko-KR" altLang="en-US"/>
           </a:p>
@@ -5293,7 +5293,7 @@
           <a:p>
             <a:fld id="{A360C872-B3A7-413C-B014-1411817D9014}" type="datetimeFigureOut">
               <a:rPr lang="ko-KR" altLang="en-US" smtClean="0"/>
-              <a:t>19-06-10</a:t>
+              <a:t>2019-06-10</a:t>
             </a:fld>
             <a:endParaRPr lang="ko-KR" altLang="en-US"/>
           </a:p>
@@ -5581,7 +5581,7 @@
           <a:p>
             <a:fld id="{A360C872-B3A7-413C-B014-1411817D9014}" type="datetimeFigureOut">
               <a:rPr lang="ko-KR" altLang="en-US" smtClean="0"/>
-              <a:t>19-06-10</a:t>
+              <a:t>2019-06-10</a:t>
             </a:fld>
             <a:endParaRPr lang="ko-KR" altLang="en-US"/>
           </a:p>
@@ -5822,7 +5822,7 @@
           <a:p>
             <a:fld id="{A360C872-B3A7-413C-B014-1411817D9014}" type="datetimeFigureOut">
               <a:rPr lang="ko-KR" altLang="en-US" smtClean="0"/>
-              <a:t>19-06-10</a:t>
+              <a:t>2019-06-10</a:t>
             </a:fld>
             <a:endParaRPr lang="ko-KR" altLang="en-US"/>
           </a:p>
@@ -7879,7 +7879,23 @@
                 <a:ea typeface="a옛날목욕탕L" panose="02020600000000000000" pitchFamily="18" charset="-127"/>
                 <a:cs typeface="Arial" panose="020B0604020202020204" pitchFamily="34" charset="0"/>
               </a:rPr>
-              <a:t> 의사소통에는 상당한 어려움이 존재</a:t>
+              <a:t> 의사소통에는 </a:t>
+            </a:r>
+            <a:r>
+              <a:rPr lang="ko-KR" altLang="ko-KR" sz="1467" b="1" dirty="0">
+                <a:latin typeface="a옛날목욕탕L" panose="02020600000000000000" pitchFamily="18" charset="-127"/>
+                <a:ea typeface="a옛날목욕탕L" panose="02020600000000000000" pitchFamily="18" charset="-127"/>
+                <a:cs typeface="Arial" panose="020B0604020202020204" pitchFamily="34" charset="0"/>
+              </a:rPr>
+              <a:t>상당한 어려움</a:t>
+            </a:r>
+            <a:r>
+              <a:rPr lang="ko-KR" altLang="ko-KR" sz="1467" dirty="0">
+                <a:latin typeface="a옛날목욕탕L" panose="02020600000000000000" pitchFamily="18" charset="-127"/>
+                <a:ea typeface="a옛날목욕탕L" panose="02020600000000000000" pitchFamily="18" charset="-127"/>
+                <a:cs typeface="Arial" panose="020B0604020202020204" pitchFamily="34" charset="0"/>
+              </a:rPr>
+              <a:t>이 존재</a:t>
             </a:r>
             <a:r>
               <a:rPr lang="en-US" altLang="ko-KR" sz="1467" dirty="0">
@@ -7968,7 +7984,39 @@
                 <a:ea typeface="a옛날목욕탕L" panose="02020600000000000000" pitchFamily="18" charset="-127"/>
                 <a:cs typeface="Arial" panose="020B0604020202020204" pitchFamily="34" charset="0"/>
               </a:rPr>
-              <a:t>시청각장애인이 비장애인 혹은 장애인 간 실제적인 의사소통이 가능하도록 보조할 수 있고</a:t>
+              <a:t>시청각장애인이 비장애인 혹은 장애인</a:t>
+            </a:r>
+            <a:r>
+              <a:rPr lang="ko-KR" altLang="en-US" sz="1467" dirty="0">
+                <a:latin typeface="a옛날목욕탕L" panose="02020600000000000000" pitchFamily="18" charset="-127"/>
+                <a:ea typeface="a옛날목욕탕L" panose="02020600000000000000" pitchFamily="18" charset="-127"/>
+                <a:cs typeface="Arial" panose="020B0604020202020204" pitchFamily="34" charset="0"/>
+              </a:rPr>
+              <a:t>과</a:t>
+            </a:r>
+            <a:r>
+              <a:rPr lang="ko-KR" altLang="ko-KR" sz="1467" dirty="0">
+                <a:latin typeface="a옛날목욕탕L" panose="02020600000000000000" pitchFamily="18" charset="-127"/>
+                <a:ea typeface="a옛날목욕탕L" panose="02020600000000000000" pitchFamily="18" charset="-127"/>
+                <a:cs typeface="Arial" panose="020B0604020202020204" pitchFamily="34" charset="0"/>
+              </a:rPr>
+              <a:t> </a:t>
+            </a:r>
+            <a:r>
+              <a:rPr lang="ko-KR" altLang="ko-KR" sz="1467" b="1" dirty="0">
+                <a:latin typeface="a옛날목욕탕L" panose="02020600000000000000" pitchFamily="18" charset="-127"/>
+                <a:ea typeface="a옛날목욕탕L" panose="02020600000000000000" pitchFamily="18" charset="-127"/>
+                <a:cs typeface="Arial" panose="020B0604020202020204" pitchFamily="34" charset="0"/>
+              </a:rPr>
+              <a:t>실제적인 의사소통이 가능하도록 보조</a:t>
+            </a:r>
+            <a:r>
+              <a:rPr lang="ko-KR" altLang="ko-KR" sz="1467" dirty="0">
+                <a:latin typeface="a옛날목욕탕L" panose="02020600000000000000" pitchFamily="18" charset="-127"/>
+                <a:ea typeface="a옛날목욕탕L" panose="02020600000000000000" pitchFamily="18" charset="-127"/>
+                <a:cs typeface="Arial" panose="020B0604020202020204" pitchFamily="34" charset="0"/>
+              </a:rPr>
+              <a:t>할 수 있고</a:t>
             </a:r>
             <a:r>
               <a:rPr lang="en-US" altLang="ko-KR" sz="1467" dirty="0">
@@ -7999,7 +8047,23 @@
                 <a:ea typeface="a옛날목욕탕L" panose="02020600000000000000" pitchFamily="18" charset="-127"/>
                 <a:cs typeface="Arial" panose="020B0604020202020204" pitchFamily="34" charset="0"/>
               </a:rPr>
-              <a:t>현존하는 기기들보다 상대적으로 저렴</a:t>
+              <a:t>현존하는 기기들보다 상대적으로 </a:t>
+            </a:r>
+            <a:r>
+              <a:rPr lang="ko-KR" altLang="ko-KR" sz="1467" b="1" dirty="0">
+                <a:latin typeface="a옛날목욕탕L" panose="02020600000000000000" pitchFamily="18" charset="-127"/>
+                <a:ea typeface="a옛날목욕탕L" panose="02020600000000000000" pitchFamily="18" charset="-127"/>
+                <a:cs typeface="Arial" panose="020B0604020202020204" pitchFamily="34" charset="0"/>
+              </a:rPr>
+              <a:t>저렴</a:t>
+            </a:r>
+            <a:r>
+              <a:rPr lang="ko-KR" altLang="en-US" sz="1467" b="1" dirty="0">
+                <a:latin typeface="a옛날목욕탕L" panose="02020600000000000000" pitchFamily="18" charset="-127"/>
+                <a:ea typeface="a옛날목욕탕L" panose="02020600000000000000" pitchFamily="18" charset="-127"/>
+                <a:cs typeface="Arial" panose="020B0604020202020204" pitchFamily="34" charset="0"/>
+              </a:rPr>
+              <a:t>한</a:t>
             </a:r>
             <a:r>
               <a:rPr lang="ko-KR" altLang="en-US" sz="1467" dirty="0">
@@ -8007,7 +8071,7 @@
                 <a:ea typeface="a옛날목욕탕L" panose="02020600000000000000" pitchFamily="18" charset="-127"/>
                 <a:cs typeface="Arial" panose="020B0604020202020204" pitchFamily="34" charset="0"/>
               </a:rPr>
-              <a:t>한 </a:t>
+              <a:t> </a:t>
             </a:r>
             <a:r>
               <a:rPr lang="ko-KR" altLang="ko-KR" sz="1467" dirty="0">
@@ -8057,7 +8121,23 @@
                 <a:ea typeface="a옛날목욕탕L" panose="02020600000000000000" pitchFamily="18" charset="-127"/>
                 <a:cs typeface="Arial" panose="020B0604020202020204" pitchFamily="34" charset="0"/>
               </a:rPr>
-              <a:t>시청각장애인들의 근본적인 의사소통 문제 해결을 위한 서비스를 제공</a:t>
+              <a:t>시청각장애인들의 </a:t>
+            </a:r>
+            <a:r>
+              <a:rPr lang="ko-KR" altLang="en-US" sz="1467" b="1" dirty="0">
+                <a:latin typeface="a옛날목욕탕L" panose="02020600000000000000" pitchFamily="18" charset="-127"/>
+                <a:ea typeface="a옛날목욕탕L" panose="02020600000000000000" pitchFamily="18" charset="-127"/>
+                <a:cs typeface="Arial" panose="020B0604020202020204" pitchFamily="34" charset="0"/>
+              </a:rPr>
+              <a:t>근본적인 의사소통 문제 해결</a:t>
+            </a:r>
+            <a:r>
+              <a:rPr lang="ko-KR" altLang="en-US" sz="1467" dirty="0">
+                <a:latin typeface="a옛날목욕탕L" panose="02020600000000000000" pitchFamily="18" charset="-127"/>
+                <a:ea typeface="a옛날목욕탕L" panose="02020600000000000000" pitchFamily="18" charset="-127"/>
+                <a:cs typeface="Arial" panose="020B0604020202020204" pitchFamily="34" charset="0"/>
+              </a:rPr>
+              <a:t>을 위한 서비스를 제공</a:t>
             </a:r>
             <a:endParaRPr lang="ko-KR" altLang="ko-KR" sz="1467" dirty="0">
               <a:latin typeface="a옛날목욕탕L" panose="02020600000000000000" pitchFamily="18" charset="-127"/>
@@ -9870,7 +9950,7 @@
         </p:nvSpPr>
         <p:spPr>
           <a:xfrm>
-            <a:off x="7832977" y="5119786"/>
+            <a:off x="7797117" y="5119786"/>
             <a:ext cx="2001306" cy="261610"/>
           </a:xfrm>
           <a:prstGeom prst="rect">
@@ -9893,42 +9973,42 @@
           <a:p>
             <a:r>
               <a:rPr lang="en-US" altLang="ko-KR" sz="1050" dirty="0">
-                <a:latin typeface="돋움" panose="020B0600000101010101" pitchFamily="50" charset="-127"/>
-                <a:ea typeface="돋움" panose="020B0600000101010101" pitchFamily="50" charset="-127"/>
+                <a:latin typeface="바탕" panose="02030600000101010101" pitchFamily="18" charset="-127"/>
+                <a:ea typeface="바탕" panose="02030600000101010101" pitchFamily="18" charset="-127"/>
               </a:rPr>
               <a:t>2</a:t>
             </a:r>
             <a:r>
               <a:rPr lang="ko-KR" altLang="en-US" sz="1050" dirty="0">
-                <a:latin typeface="돋움" panose="020B0600000101010101" pitchFamily="50" charset="-127"/>
-                <a:ea typeface="돋움" panose="020B0600000101010101" pitchFamily="50" charset="-127"/>
+                <a:latin typeface="바탕" panose="02030600000101010101" pitchFamily="18" charset="-127"/>
+                <a:ea typeface="바탕" panose="02030600000101010101" pitchFamily="18" charset="-127"/>
               </a:rPr>
               <a:t>종 약자 </a:t>
             </a:r>
             <a:r>
               <a:rPr lang="en-US" altLang="ko-KR" sz="1050" dirty="0">
-                <a:latin typeface="돋움" panose="020B0600000101010101" pitchFamily="50" charset="-127"/>
-                <a:ea typeface="돋움" panose="020B0600000101010101" pitchFamily="50" charset="-127"/>
+                <a:latin typeface="바탕" panose="02030600000101010101" pitchFamily="18" charset="-127"/>
+                <a:ea typeface="바탕" panose="02030600000101010101" pitchFamily="18" charset="-127"/>
               </a:rPr>
               <a:t>‘</a:t>
             </a:r>
             <a:r>
               <a:rPr lang="ko-KR" altLang="en-US" sz="1050" dirty="0">
-                <a:latin typeface="돋움" panose="020B0600000101010101" pitchFamily="50" charset="-127"/>
-                <a:ea typeface="돋움" panose="020B0600000101010101" pitchFamily="50" charset="-127"/>
+                <a:latin typeface="바탕" panose="02030600000101010101" pitchFamily="18" charset="-127"/>
+                <a:ea typeface="바탕" panose="02030600000101010101" pitchFamily="18" charset="-127"/>
               </a:rPr>
               <a:t>그러나</a:t>
             </a:r>
             <a:r>
               <a:rPr lang="en-US" altLang="ko-KR" sz="1050" dirty="0">
-                <a:latin typeface="돋움" panose="020B0600000101010101" pitchFamily="50" charset="-127"/>
-                <a:ea typeface="돋움" panose="020B0600000101010101" pitchFamily="50" charset="-127"/>
+                <a:latin typeface="바탕" panose="02030600000101010101" pitchFamily="18" charset="-127"/>
+                <a:ea typeface="바탕" panose="02030600000101010101" pitchFamily="18" charset="-127"/>
               </a:rPr>
               <a:t>’</a:t>
             </a:r>
             <a:endParaRPr lang="ko-KR" altLang="en-US" sz="1050" dirty="0">
-              <a:latin typeface="돋움" panose="020B0600000101010101" pitchFamily="50" charset="-127"/>
-              <a:ea typeface="돋움" panose="020B0600000101010101" pitchFamily="50" charset="-127"/>
+              <a:latin typeface="바탕" panose="02030600000101010101" pitchFamily="18" charset="-127"/>
+              <a:ea typeface="바탕" panose="02030600000101010101" pitchFamily="18" charset="-127"/>
             </a:endParaRPr>
           </a:p>
         </p:txBody>
@@ -10031,7 +10111,21 @@
                 <a:latin typeface="a옛날목욕탕L" panose="02020600000000000000" pitchFamily="18" charset="-127"/>
                 <a:ea typeface="a옛날목욕탕L" panose="02020600000000000000" pitchFamily="18" charset="-127"/>
               </a:rPr>
-              <a:t>점자 셀에 맞게 점자 버튼을 입력한 후 </a:t>
+              <a:t>점자 셀에 맞게 점자 버튼을 입력한 후</a:t>
+            </a:r>
+            <a:r>
+              <a:rPr lang="en-US" altLang="ko-KR" sz="1600" dirty="0">
+                <a:latin typeface="a옛날목욕탕L" panose="02020600000000000000" pitchFamily="18" charset="-127"/>
+                <a:ea typeface="a옛날목욕탕L" panose="02020600000000000000" pitchFamily="18" charset="-127"/>
+              </a:rPr>
+              <a:t>,</a:t>
+            </a:r>
+            <a:r>
+              <a:rPr lang="ko-KR" altLang="en-US" sz="1600" dirty="0">
+                <a:latin typeface="a옛날목욕탕L" panose="02020600000000000000" pitchFamily="18" charset="-127"/>
+                <a:ea typeface="a옛날목욕탕L" panose="02020600000000000000" pitchFamily="18" charset="-127"/>
+              </a:rPr>
+              <a:t> </a:t>
             </a:r>
             <a:endParaRPr lang="en-US" altLang="ko-KR" sz="1600" dirty="0">
               <a:latin typeface="a옛날목욕탕L" panose="02020600000000000000" pitchFamily="18" charset="-127"/>
@@ -10096,107 +10190,124 @@
               </a:rPr>
               <a:t>하나의 점자 정보 입력이 완료되면</a:t>
             </a:r>
+            <a:r>
+              <a:rPr lang="en-US" altLang="ko-KR" sz="1600" dirty="0">
+                <a:latin typeface="a옛날목욕탕L" panose="02020600000000000000" pitchFamily="18" charset="-127"/>
+                <a:ea typeface="a옛날목욕탕L" panose="02020600000000000000" pitchFamily="18" charset="-127"/>
+              </a:rPr>
+              <a:t>,</a:t>
+            </a:r>
+          </a:p>
+          <a:p>
+            <a:r>
+              <a:rPr lang="en-US" altLang="ko-KR" sz="1600" dirty="0">
+                <a:latin typeface="a옛날목욕탕L" panose="02020600000000000000" pitchFamily="18" charset="-127"/>
+                <a:ea typeface="a옛날목욕탕L" panose="02020600000000000000" pitchFamily="18" charset="-127"/>
+              </a:rPr>
+              <a:t>     send </a:t>
+            </a:r>
+            <a:r>
+              <a:rPr lang="ko-KR" altLang="en-US" sz="1600" dirty="0">
+                <a:latin typeface="a옛날목욕탕L" panose="02020600000000000000" pitchFamily="18" charset="-127"/>
+                <a:ea typeface="a옛날목욕탕L" panose="02020600000000000000" pitchFamily="18" charset="-127"/>
+              </a:rPr>
+              <a:t>버튼을 눌러 점자 정보를 완성한다</a:t>
+            </a:r>
+            <a:r>
+              <a:rPr lang="en-US" altLang="ko-KR" sz="1600" dirty="0">
+                <a:latin typeface="a옛날목욕탕L" panose="02020600000000000000" pitchFamily="18" charset="-127"/>
+                <a:ea typeface="a옛날목욕탕L" panose="02020600000000000000" pitchFamily="18" charset="-127"/>
+              </a:rPr>
+              <a:t>.</a:t>
+            </a:r>
+          </a:p>
+          <a:p>
             <a:endParaRPr lang="en-US" altLang="ko-KR" sz="1600" dirty="0">
               <a:latin typeface="a옛날목욕탕L" panose="02020600000000000000" pitchFamily="18" charset="-127"/>
               <a:ea typeface="a옛날목욕탕L" panose="02020600000000000000" pitchFamily="18" charset="-127"/>
             </a:endParaRPr>
           </a:p>
           <a:p>
+            <a:pPr marL="342900" indent="-342900">
+              <a:buFont typeface="+mj-lt"/>
+              <a:buAutoNum type="arabicPeriod" startAt="3"/>
+            </a:pPr>
+            <a:r>
+              <a:rPr lang="ko-KR" altLang="en-US" sz="1600" dirty="0">
+                <a:latin typeface="a옛날목욕탕L" panose="02020600000000000000" pitchFamily="18" charset="-127"/>
+                <a:ea typeface="a옛날목욕탕L" panose="02020600000000000000" pitchFamily="18" charset="-127"/>
+              </a:rPr>
+              <a:t>모든 점자 정보의 입력이 완료되면</a:t>
+            </a:r>
             <a:r>
               <a:rPr lang="en-US" altLang="ko-KR" sz="1600" dirty="0">
                 <a:latin typeface="a옛날목욕탕L" panose="02020600000000000000" pitchFamily="18" charset="-127"/>
                 <a:ea typeface="a옛날목욕탕L" panose="02020600000000000000" pitchFamily="18" charset="-127"/>
               </a:rPr>
-              <a:t>     send </a:t>
+              <a:t>,</a:t>
             </a:r>
             <a:r>
               <a:rPr lang="ko-KR" altLang="en-US" sz="1600" dirty="0">
                 <a:latin typeface="a옛날목욕탕L" panose="02020600000000000000" pitchFamily="18" charset="-127"/>
                 <a:ea typeface="a옛날목욕탕L" panose="02020600000000000000" pitchFamily="18" charset="-127"/>
               </a:rPr>
-              <a:t>버튼을 눌러 점자정보를 완성한다</a:t>
-            </a:r>
-            <a:r>
-              <a:rPr lang="en-US" altLang="ko-KR" sz="1600" dirty="0">
-                <a:latin typeface="a옛날목욕탕L" panose="02020600000000000000" pitchFamily="18" charset="-127"/>
-                <a:ea typeface="a옛날목욕탕L" panose="02020600000000000000" pitchFamily="18" charset="-127"/>
-              </a:rPr>
-              <a:t>.</a:t>
-            </a:r>
-          </a:p>
-          <a:p>
+              <a:t> </a:t>
+            </a:r>
             <a:endParaRPr lang="en-US" altLang="ko-KR" sz="1600" dirty="0">
               <a:latin typeface="a옛날목욕탕L" panose="02020600000000000000" pitchFamily="18" charset="-127"/>
               <a:ea typeface="a옛날목욕탕L" panose="02020600000000000000" pitchFamily="18" charset="-127"/>
             </a:endParaRPr>
           </a:p>
           <a:p>
-            <a:pPr marL="342900" indent="-342900">
-              <a:buFont typeface="+mj-lt"/>
-              <a:buAutoNum type="arabicPeriod" startAt="3"/>
-            </a:pPr>
+            <a:r>
+              <a:rPr lang="en-US" altLang="ko-KR" sz="1600" dirty="0">
+                <a:latin typeface="a옛날목욕탕L" panose="02020600000000000000" pitchFamily="18" charset="-127"/>
+                <a:ea typeface="a옛날목욕탕L" panose="02020600000000000000" pitchFamily="18" charset="-127"/>
+              </a:rPr>
+              <a:t>     </a:t>
+            </a:r>
             <a:r>
               <a:rPr lang="ko-KR" altLang="en-US" sz="1600" dirty="0">
                 <a:latin typeface="a옛날목욕탕L" panose="02020600000000000000" pitchFamily="18" charset="-127"/>
                 <a:ea typeface="a옛날목욕탕L" panose="02020600000000000000" pitchFamily="18" charset="-127"/>
               </a:rPr>
-              <a:t>모든 점자 정보의 입력이 완료되면 </a:t>
-            </a:r>
+              <a:t>다시 </a:t>
+            </a:r>
+            <a:r>
+              <a:rPr lang="en-US" altLang="ko-KR" sz="1600" dirty="0">
+                <a:latin typeface="a옛날목욕탕L" panose="02020600000000000000" pitchFamily="18" charset="-127"/>
+                <a:ea typeface="a옛날목욕탕L" panose="02020600000000000000" pitchFamily="18" charset="-127"/>
+              </a:rPr>
+              <a:t>send </a:t>
+            </a:r>
+            <a:r>
+              <a:rPr lang="ko-KR" altLang="en-US" sz="1600" dirty="0">
+                <a:latin typeface="a옛날목욕탕L" panose="02020600000000000000" pitchFamily="18" charset="-127"/>
+                <a:ea typeface="a옛날목욕탕L" panose="02020600000000000000" pitchFamily="18" charset="-127"/>
+              </a:rPr>
+              <a:t>버튼을 눌러 전송한다</a:t>
+            </a:r>
+            <a:r>
+              <a:rPr lang="en-US" altLang="ko-KR" sz="1600" dirty="0">
+                <a:latin typeface="a옛날목욕탕L" panose="02020600000000000000" pitchFamily="18" charset="-127"/>
+                <a:ea typeface="a옛날목욕탕L" panose="02020600000000000000" pitchFamily="18" charset="-127"/>
+              </a:rPr>
+              <a:t>.</a:t>
+            </a:r>
+          </a:p>
+          <a:p>
             <a:endParaRPr lang="en-US" altLang="ko-KR" sz="1600" dirty="0">
               <a:latin typeface="a옛날목욕탕L" panose="02020600000000000000" pitchFamily="18" charset="-127"/>
               <a:ea typeface="a옛날목욕탕L" panose="02020600000000000000" pitchFamily="18" charset="-127"/>
             </a:endParaRPr>
           </a:p>
           <a:p>
-            <a:r>
-              <a:rPr lang="en-US" altLang="ko-KR" sz="1600" dirty="0">
-                <a:latin typeface="a옛날목욕탕L" panose="02020600000000000000" pitchFamily="18" charset="-127"/>
-                <a:ea typeface="a옛날목욕탕L" panose="02020600000000000000" pitchFamily="18" charset="-127"/>
-              </a:rPr>
-              <a:t>     </a:t>
-            </a:r>
-            <a:r>
-              <a:rPr lang="ko-KR" altLang="en-US" sz="1600" dirty="0">
-                <a:latin typeface="a옛날목욕탕L" panose="02020600000000000000" pitchFamily="18" charset="-127"/>
-                <a:ea typeface="a옛날목욕탕L" panose="02020600000000000000" pitchFamily="18" charset="-127"/>
-              </a:rPr>
-              <a:t>다시 </a:t>
-            </a:r>
-            <a:r>
-              <a:rPr lang="en-US" altLang="ko-KR" sz="1600" dirty="0">
-                <a:latin typeface="a옛날목욕탕L" panose="02020600000000000000" pitchFamily="18" charset="-127"/>
-                <a:ea typeface="a옛날목욕탕L" panose="02020600000000000000" pitchFamily="18" charset="-127"/>
-              </a:rPr>
-              <a:t>send </a:t>
-            </a:r>
-            <a:r>
-              <a:rPr lang="ko-KR" altLang="en-US" sz="1600" dirty="0">
-                <a:latin typeface="a옛날목욕탕L" panose="02020600000000000000" pitchFamily="18" charset="-127"/>
-                <a:ea typeface="a옛날목욕탕L" panose="02020600000000000000" pitchFamily="18" charset="-127"/>
-              </a:rPr>
-              <a:t>버튼을 눌러 전송한다</a:t>
-            </a:r>
-            <a:r>
-              <a:rPr lang="en-US" altLang="ko-KR" sz="1600" dirty="0">
-                <a:latin typeface="a옛날목욕탕L" panose="02020600000000000000" pitchFamily="18" charset="-127"/>
-                <a:ea typeface="a옛날목욕탕L" panose="02020600000000000000" pitchFamily="18" charset="-127"/>
-              </a:rPr>
-              <a:t>.</a:t>
-            </a:r>
-          </a:p>
-          <a:p>
             <a:endParaRPr lang="en-US" altLang="ko-KR" sz="1600" dirty="0">
               <a:latin typeface="a옛날목욕탕L" panose="02020600000000000000" pitchFamily="18" charset="-127"/>
               <a:ea typeface="a옛날목욕탕L" panose="02020600000000000000" pitchFamily="18" charset="-127"/>
             </a:endParaRPr>
           </a:p>
           <a:p>
-            <a:endParaRPr lang="en-US" altLang="ko-KR" sz="1600" dirty="0">
-              <a:latin typeface="a옛날목욕탕L" panose="02020600000000000000" pitchFamily="18" charset="-127"/>
-              <a:ea typeface="a옛날목욕탕L" panose="02020600000000000000" pitchFamily="18" charset="-127"/>
-            </a:endParaRPr>
-          </a:p>
-          <a:p>
             <a:pPr marL="285750" indent="-285750">
               <a:buFont typeface="Arial" panose="020B0604020202020204" pitchFamily="34" charset="0"/>
               <a:buChar char="•"/>
@@ -10208,10 +10319,13 @@
               </a:rPr>
               <a:t>점자 버튼을 잘못 누른 경우 </a:t>
             </a:r>
-            <a:endParaRPr lang="en-US" altLang="ko-KR" sz="1600" dirty="0">
-              <a:latin typeface="a옛날목욕탕L" panose="02020600000000000000" pitchFamily="18" charset="-127"/>
-              <a:ea typeface="a옛날목욕탕L" panose="02020600000000000000" pitchFamily="18" charset="-127"/>
-            </a:endParaRPr>
+            <a:r>
+              <a:rPr lang="en-US" altLang="ko-KR" sz="1600" dirty="0">
+                <a:latin typeface="a옛날목욕탕L" panose="02020600000000000000" pitchFamily="18" charset="-127"/>
+                <a:ea typeface="a옛날목욕탕L" panose="02020600000000000000" pitchFamily="18" charset="-127"/>
+              </a:rPr>
+              <a:t>,</a:t>
+            </a:r>
           </a:p>
           <a:p>
             <a:r>
@@ -12764,8 +12878,8 @@
         </p:nvSpPr>
         <p:spPr>
           <a:xfrm>
-            <a:off x="7513112" y="1947660"/>
-            <a:ext cx="4562347" cy="4555093"/>
+            <a:off x="7426990" y="1800478"/>
+            <a:ext cx="4562347" cy="4339650"/>
           </a:xfrm>
           <a:prstGeom prst="rect">
             <a:avLst/>
@@ -12872,7 +12986,7 @@
                 <a:latin typeface="a옛날목욕탕L" panose="02020600000000000000" pitchFamily="18" charset="-127"/>
                 <a:ea typeface="a옛날목욕탕L" panose="02020600000000000000" pitchFamily="18" charset="-127"/>
               </a:rPr>
-              <a:t>문자로</a:t>
+              <a:t>해당 음성이 문자로</a:t>
             </a:r>
             <a:r>
               <a:rPr lang="en-US" altLang="ko-KR" sz="1400" dirty="0">
@@ -12930,7 +13044,7 @@
                 <a:latin typeface="a옛날목욕탕L" panose="02020600000000000000" pitchFamily="18" charset="-127"/>
                 <a:ea typeface="a옛날목욕탕L" panose="02020600000000000000" pitchFamily="18" charset="-127"/>
               </a:rPr>
-              <a:t>아이콘을 선택하면 </a:t>
+              <a:t>아이콘을 누르면 </a:t>
             </a:r>
             <a:r>
               <a:rPr lang="en-US" altLang="ko-KR" sz="1400" dirty="0">
@@ -12978,7 +13092,7 @@
                 <a:latin typeface="a옛날목욕탕L" panose="02020600000000000000" pitchFamily="18" charset="-127"/>
                 <a:ea typeface="a옛날목욕탕L" panose="02020600000000000000" pitchFamily="18" charset="-127"/>
               </a:rPr>
-              <a:t>점자 정보로 변환되고</a:t>
+              <a:t>문자 정보가 점자 정보로 변환되고</a:t>
             </a:r>
             <a:r>
               <a:rPr lang="en-US" altLang="ko-KR" sz="1400" dirty="0">
@@ -12987,12 +13101,21 @@
               </a:rPr>
               <a:t>, </a:t>
             </a:r>
+          </a:p>
+          <a:p>
+            <a:r>
+              <a:rPr lang="en-US" altLang="ko-KR" sz="1400" dirty="0">
+                <a:latin typeface="a옛날목욕탕L" panose="02020600000000000000" pitchFamily="18" charset="-127"/>
+                <a:ea typeface="a옛날목욕탕L" panose="02020600000000000000" pitchFamily="18" charset="-127"/>
+              </a:rPr>
+              <a:t>      </a:t>
+            </a:r>
             <a:r>
               <a:rPr lang="ko-KR" altLang="en-US" sz="1400" dirty="0">
                 <a:latin typeface="a옛날목욕탕L" panose="02020600000000000000" pitchFamily="18" charset="-127"/>
                 <a:ea typeface="a옛날목욕탕L" panose="02020600000000000000" pitchFamily="18" charset="-127"/>
               </a:rPr>
-              <a:t>해당 정보는 </a:t>
+              <a:t>해당 점자는 </a:t>
             </a:r>
             <a:r>
               <a:rPr lang="en-US" altLang="ko-KR" sz="1400" dirty="0">
@@ -13006,27 +13129,7 @@
                 <a:latin typeface="a옛날목욕탕L" panose="02020600000000000000" pitchFamily="18" charset="-127"/>
                 <a:ea typeface="a옛날목욕탕L" panose="02020600000000000000" pitchFamily="18" charset="-127"/>
               </a:rPr>
-              <a:t>에 </a:t>
-            </a:r>
-            <a:endParaRPr lang="en-US" altLang="ko-KR" sz="1400" dirty="0">
-              <a:latin typeface="a옛날목욕탕L" panose="02020600000000000000" pitchFamily="18" charset="-127"/>
-              <a:ea typeface="a옛날목욕탕L" panose="02020600000000000000" pitchFamily="18" charset="-127"/>
-            </a:endParaRPr>
-          </a:p>
-          <a:p>
-            <a:r>
-              <a:rPr lang="en-US" altLang="ko-KR" sz="1400" dirty="0">
-                <a:latin typeface="a옛날목욕탕L" panose="02020600000000000000" pitchFamily="18" charset="-127"/>
-                <a:ea typeface="a옛날목욕탕L" panose="02020600000000000000" pitchFamily="18" charset="-127"/>
-              </a:rPr>
-              <a:t>      </a:t>
-            </a:r>
-            <a:r>
-              <a:rPr lang="ko-KR" altLang="en-US" sz="1400" dirty="0">
-                <a:latin typeface="a옛날목욕탕L" panose="02020600000000000000" pitchFamily="18" charset="-127"/>
-                <a:ea typeface="a옛날목욕탕L" panose="02020600000000000000" pitchFamily="18" charset="-127"/>
-              </a:rPr>
-              <a:t>전송된다</a:t>
+              <a:t>에 전송된다</a:t>
             </a:r>
             <a:r>
               <a:rPr lang="en-US" altLang="ko-KR" sz="1400" dirty="0">
@@ -13076,39 +13179,107 @@
               </a:rPr>
               <a:t>점자 입력부를 통해 점자를 입력하고 </a:t>
             </a:r>
+            <a:r>
+              <a:rPr lang="en-US" altLang="ko-KR" sz="1400" dirty="0">
+                <a:latin typeface="a옛날목욕탕L" panose="02020600000000000000" pitchFamily="18" charset="-127"/>
+                <a:ea typeface="a옛날목욕탕L" panose="02020600000000000000" pitchFamily="18" charset="-127"/>
+              </a:rPr>
+              <a:t>Send </a:t>
+            </a:r>
+            <a:r>
+              <a:rPr lang="ko-KR" altLang="en-US" sz="1400" dirty="0">
+                <a:latin typeface="a옛날목욕탕L" panose="02020600000000000000" pitchFamily="18" charset="-127"/>
+                <a:ea typeface="a옛날목욕탕L" panose="02020600000000000000" pitchFamily="18" charset="-127"/>
+              </a:rPr>
+              <a:t>버튼을 </a:t>
+            </a:r>
+            <a:br>
+              <a:rPr lang="en-US" altLang="ko-KR" sz="1400" dirty="0">
+                <a:latin typeface="a옛날목욕탕L" panose="02020600000000000000" pitchFamily="18" charset="-127"/>
+                <a:ea typeface="a옛날목욕탕L" panose="02020600000000000000" pitchFamily="18" charset="-127"/>
+              </a:rPr>
+            </a:br>
+            <a:r>
+              <a:rPr lang="ko-KR" altLang="en-US" sz="1400" dirty="0">
+                <a:latin typeface="a옛날목욕탕L" panose="02020600000000000000" pitchFamily="18" charset="-127"/>
+                <a:ea typeface="a옛날목욕탕L" panose="02020600000000000000" pitchFamily="18" charset="-127"/>
+              </a:rPr>
+              <a:t>누르면 </a:t>
+            </a:r>
+            <a:r>
+              <a:rPr lang="en-US" altLang="ko-KR" sz="1400" dirty="0">
+                <a:latin typeface="a옛날목욕탕L" panose="02020600000000000000" pitchFamily="18" charset="-127"/>
+                <a:ea typeface="a옛날목욕탕L" panose="02020600000000000000" pitchFamily="18" charset="-127"/>
+              </a:rPr>
+              <a:t>Bee Mobile Application</a:t>
+            </a:r>
+            <a:r>
+              <a:rPr lang="ko-KR" altLang="en-US" sz="1400" dirty="0">
+                <a:latin typeface="a옛날목욕탕L" panose="02020600000000000000" pitchFamily="18" charset="-127"/>
+                <a:ea typeface="a옛날목욕탕L" panose="02020600000000000000" pitchFamily="18" charset="-127"/>
+              </a:rPr>
+              <a:t>으로 전송된다</a:t>
+            </a:r>
+            <a:r>
+              <a:rPr lang="en-US" altLang="ko-KR" sz="1400" dirty="0">
+                <a:latin typeface="a옛날목욕탕L" panose="02020600000000000000" pitchFamily="18" charset="-127"/>
+                <a:ea typeface="a옛날목욕탕L" panose="02020600000000000000" pitchFamily="18" charset="-127"/>
+              </a:rPr>
+              <a:t>.</a:t>
+            </a:r>
+          </a:p>
+          <a:p>
             <a:endParaRPr lang="en-US" altLang="ko-KR" sz="1400" dirty="0">
               <a:latin typeface="a옛날목욕탕L" panose="02020600000000000000" pitchFamily="18" charset="-127"/>
               <a:ea typeface="a옛날목욕탕L" panose="02020600000000000000" pitchFamily="18" charset="-127"/>
             </a:endParaRPr>
           </a:p>
           <a:p>
+            <a:pPr marL="342900" indent="-342900">
+              <a:buFont typeface="+mj-ea"/>
+              <a:buAutoNum type="circleNumDbPlain" startAt="2"/>
+            </a:pPr>
             <a:r>
               <a:rPr lang="en-US" altLang="ko-KR" sz="1400" dirty="0">
                 <a:latin typeface="a옛날목욕탕L" panose="02020600000000000000" pitchFamily="18" charset="-127"/>
                 <a:ea typeface="a옛날목욕탕L" panose="02020600000000000000" pitchFamily="18" charset="-127"/>
               </a:rPr>
-              <a:t>      Send </a:t>
+              <a:t>BEE Mobile Application</a:t>
             </a:r>
             <a:r>
               <a:rPr lang="ko-KR" altLang="en-US" sz="1400" dirty="0">
                 <a:latin typeface="a옛날목욕탕L" panose="02020600000000000000" pitchFamily="18" charset="-127"/>
                 <a:ea typeface="a옛날목욕탕L" panose="02020600000000000000" pitchFamily="18" charset="-127"/>
               </a:rPr>
-              <a:t>버튼을 누르면 </a:t>
+              <a:t>에서 </a:t>
             </a:r>
             <a:r>
               <a:rPr lang="en-US" altLang="ko-KR" sz="1400" dirty="0">
                 <a:latin typeface="a옛날목욕탕L" panose="02020600000000000000" pitchFamily="18" charset="-127"/>
                 <a:ea typeface="a옛날목욕탕L" panose="02020600000000000000" pitchFamily="18" charset="-127"/>
               </a:rPr>
-              <a:t>Bee Mobile Application</a:t>
+              <a:t>[</a:t>
             </a:r>
             <a:r>
               <a:rPr lang="ko-KR" altLang="en-US" sz="1400" dirty="0">
                 <a:latin typeface="a옛날목욕탕L" panose="02020600000000000000" pitchFamily="18" charset="-127"/>
                 <a:ea typeface="a옛날목욕탕L" panose="02020600000000000000" pitchFamily="18" charset="-127"/>
               </a:rPr>
-              <a:t>으로 </a:t>
+              <a:t>음성으로 듣기</a:t>
+            </a:r>
+            <a:r>
+              <a:rPr lang="en-US" altLang="ko-KR" sz="1400" dirty="0">
+                <a:latin typeface="a옛날목욕탕L" panose="02020600000000000000" pitchFamily="18" charset="-127"/>
+                <a:ea typeface="a옛날목욕탕L" panose="02020600000000000000" pitchFamily="18" charset="-127"/>
+              </a:rPr>
+              <a:t>]</a:t>
+            </a:r>
+            <a:r>
+              <a:rPr lang="ko-KR" altLang="en-US" sz="1400" dirty="0">
+                <a:latin typeface="a옛날목욕탕L" panose="02020600000000000000" pitchFamily="18" charset="-127"/>
+                <a:ea typeface="a옛날목욕탕L" panose="02020600000000000000" pitchFamily="18" charset="-127"/>
+              </a:rPr>
+              <a:t> </a:t>
             </a:r>
             <a:endParaRPr lang="en-US" altLang="ko-KR" sz="1400" dirty="0">
               <a:latin typeface="a옛날목욕탕L" panose="02020600000000000000" pitchFamily="18" charset="-127"/>
@@ -13128,108 +13299,41 @@
                 <a:latin typeface="a옛날목욕탕L" panose="02020600000000000000" pitchFamily="18" charset="-127"/>
                 <a:ea typeface="a옛날목욕탕L" panose="02020600000000000000" pitchFamily="18" charset="-127"/>
               </a:rPr>
-              <a:t>전송된다</a:t>
+              <a:t>아이콘을 선택하면</a:t>
             </a:r>
             <a:r>
               <a:rPr lang="en-US" altLang="ko-KR" sz="1400" dirty="0">
                 <a:latin typeface="a옛날목욕탕L" panose="02020600000000000000" pitchFamily="18" charset="-127"/>
                 <a:ea typeface="a옛날목욕탕L" panose="02020600000000000000" pitchFamily="18" charset="-127"/>
               </a:rPr>
-              <a:t>.</a:t>
-            </a:r>
-          </a:p>
-          <a:p>
-            <a:endParaRPr lang="en-US" altLang="ko-KR" sz="1400" dirty="0">
-              <a:latin typeface="a옛날목욕탕L" panose="02020600000000000000" pitchFamily="18" charset="-127"/>
-              <a:ea typeface="a옛날목욕탕L" panose="02020600000000000000" pitchFamily="18" charset="-127"/>
-            </a:endParaRPr>
-          </a:p>
-          <a:p>
-            <a:pPr marL="342900" indent="-342900">
-              <a:buFont typeface="+mj-ea"/>
-              <a:buAutoNum type="circleNumDbPlain" startAt="2"/>
-            </a:pPr>
-            <a:r>
+              <a:t>, </a:t>
+            </a:r>
+            <a:r>
+              <a:rPr lang="ko-KR" altLang="en-US" sz="1400" dirty="0">
+                <a:latin typeface="a옛날목욕탕L" panose="02020600000000000000" pitchFamily="18" charset="-127"/>
+                <a:ea typeface="a옛날목욕탕L" panose="02020600000000000000" pitchFamily="18" charset="-127"/>
+              </a:rPr>
+              <a:t>전송 받은 메시지를 </a:t>
+            </a:r>
+            <a:br>
               <a:rPr lang="en-US" altLang="ko-KR" sz="1400" dirty="0">
                 <a:latin typeface="a옛날목욕탕L" panose="02020600000000000000" pitchFamily="18" charset="-127"/>
                 <a:ea typeface="a옛날목욕탕L" panose="02020600000000000000" pitchFamily="18" charset="-127"/>
               </a:rPr>
-              <a:t>BEE Mobile Application</a:t>
+            </a:br>
+            <a:r>
+              <a:rPr lang="en-US" altLang="ko-KR" sz="1400" dirty="0">
+                <a:latin typeface="a옛날목욕탕L" panose="02020600000000000000" pitchFamily="18" charset="-127"/>
+                <a:ea typeface="a옛날목욕탕L" panose="02020600000000000000" pitchFamily="18" charset="-127"/>
+              </a:rPr>
+              <a:t>      </a:t>
             </a:r>
             <a:r>
               <a:rPr lang="ko-KR" altLang="en-US" sz="1400" dirty="0">
                 <a:latin typeface="a옛날목욕탕L" panose="02020600000000000000" pitchFamily="18" charset="-127"/>
                 <a:ea typeface="a옛날목욕탕L" panose="02020600000000000000" pitchFamily="18" charset="-127"/>
               </a:rPr>
-              <a:t>에서 </a:t>
-            </a:r>
-            <a:r>
-              <a:rPr lang="en-US" altLang="ko-KR" sz="1400" dirty="0">
-                <a:latin typeface="a옛날목욕탕L" panose="02020600000000000000" pitchFamily="18" charset="-127"/>
-                <a:ea typeface="a옛날목욕탕L" panose="02020600000000000000" pitchFamily="18" charset="-127"/>
-              </a:rPr>
-              <a:t>[</a:t>
-            </a:r>
-            <a:r>
-              <a:rPr lang="ko-KR" altLang="en-US" sz="1400" dirty="0">
-                <a:latin typeface="a옛날목욕탕L" panose="02020600000000000000" pitchFamily="18" charset="-127"/>
-                <a:ea typeface="a옛날목욕탕L" panose="02020600000000000000" pitchFamily="18" charset="-127"/>
-              </a:rPr>
-              <a:t>음성으로 듣기</a:t>
-            </a:r>
-            <a:r>
-              <a:rPr lang="en-US" altLang="ko-KR" sz="1400" dirty="0">
-                <a:latin typeface="a옛날목욕탕L" panose="02020600000000000000" pitchFamily="18" charset="-127"/>
-                <a:ea typeface="a옛날목욕탕L" panose="02020600000000000000" pitchFamily="18" charset="-127"/>
-              </a:rPr>
-              <a:t>]</a:t>
-            </a:r>
-            <a:r>
-              <a:rPr lang="ko-KR" altLang="en-US" sz="1400" dirty="0">
-                <a:latin typeface="a옛날목욕탕L" panose="02020600000000000000" pitchFamily="18" charset="-127"/>
-                <a:ea typeface="a옛날목욕탕L" panose="02020600000000000000" pitchFamily="18" charset="-127"/>
-              </a:rPr>
-              <a:t> </a:t>
-            </a:r>
-            <a:endParaRPr lang="en-US" altLang="ko-KR" sz="1400" dirty="0">
-              <a:latin typeface="a옛날목욕탕L" panose="02020600000000000000" pitchFamily="18" charset="-127"/>
-              <a:ea typeface="a옛날목욕탕L" panose="02020600000000000000" pitchFamily="18" charset="-127"/>
-            </a:endParaRPr>
-          </a:p>
-          <a:p>
-            <a:r>
-              <a:rPr lang="en-US" altLang="ko-KR" sz="1400" dirty="0">
-                <a:latin typeface="a옛날목욕탕L" panose="02020600000000000000" pitchFamily="18" charset="-127"/>
-                <a:ea typeface="a옛날목욕탕L" panose="02020600000000000000" pitchFamily="18" charset="-127"/>
-              </a:rPr>
-              <a:t>      </a:t>
-            </a:r>
-            <a:r>
-              <a:rPr lang="ko-KR" altLang="en-US" sz="1400" dirty="0">
-                <a:latin typeface="a옛날목욕탕L" panose="02020600000000000000" pitchFamily="18" charset="-127"/>
-                <a:ea typeface="a옛날목욕탕L" panose="02020600000000000000" pitchFamily="18" charset="-127"/>
-              </a:rPr>
-              <a:t>아이콘을 선택할 시 해당 메시지를 음성으로 </a:t>
-            </a:r>
-            <a:endParaRPr lang="en-US" altLang="ko-KR" sz="1400" dirty="0">
-              <a:latin typeface="a옛날목욕탕L" panose="02020600000000000000" pitchFamily="18" charset="-127"/>
-              <a:ea typeface="a옛날목욕탕L" panose="02020600000000000000" pitchFamily="18" charset="-127"/>
-            </a:endParaRPr>
-          </a:p>
-          <a:p>
-            <a:r>
-              <a:rPr lang="en-US" altLang="ko-KR" sz="1400" dirty="0">
-                <a:latin typeface="a옛날목욕탕L" panose="02020600000000000000" pitchFamily="18" charset="-127"/>
-                <a:ea typeface="a옛날목욕탕L" panose="02020600000000000000" pitchFamily="18" charset="-127"/>
-              </a:rPr>
-              <a:t>      </a:t>
-            </a:r>
-            <a:r>
-              <a:rPr lang="ko-KR" altLang="en-US" sz="1400" dirty="0">
-                <a:latin typeface="a옛날목욕탕L" panose="02020600000000000000" pitchFamily="18" charset="-127"/>
-                <a:ea typeface="a옛날목욕탕L" panose="02020600000000000000" pitchFamily="18" charset="-127"/>
-              </a:rPr>
-              <a:t>확인할 수 있다</a:t>
+              <a:t>음성으로 확인할 수 있다</a:t>
             </a:r>
             <a:r>
               <a:rPr lang="en-US" altLang="ko-KR" sz="1400" dirty="0">
@@ -13528,7 +13632,7 @@
                 <a:latin typeface="a옛날목욕탕L" panose="02020600000000000000" pitchFamily="18" charset="-127"/>
                 <a:ea typeface="a옛날목욕탕L" panose="02020600000000000000" pitchFamily="18" charset="-127"/>
               </a:rPr>
-              <a:t>채팅기능</a:t>
+              <a:t>채팅 기능</a:t>
             </a:r>
             <a:endParaRPr lang="ko-KR" altLang="ko-KR" sz="1600" dirty="0">
               <a:latin typeface="a옛날목욕탕L" panose="02020600000000000000" pitchFamily="18" charset="-127"/>
@@ -15276,12 +15380,20 @@
               <a:t> </a:t>
             </a:r>
             <a:r>
+              <a:rPr lang="ko-KR" altLang="en-US" sz="1200" dirty="0">
+                <a:latin typeface="a옛날목욕탕L" panose="02020600000000000000" pitchFamily="18" charset="-127"/>
+                <a:ea typeface="a옛날목욕탕L" panose="02020600000000000000" pitchFamily="18" charset="-127"/>
+                <a:cs typeface="Arial" panose="020B0604020202020204" pitchFamily="34" charset="0"/>
+              </a:rPr>
+              <a:t>입력 받은 점</a:t>
+            </a:r>
+            <a:r>
               <a:rPr lang="ko-KR" altLang="ko-KR" sz="1200" dirty="0">
                 <a:latin typeface="a옛날목욕탕L" panose="02020600000000000000" pitchFamily="18" charset="-127"/>
                 <a:ea typeface="a옛날목욕탕L" panose="02020600000000000000" pitchFamily="18" charset="-127"/>
                 <a:cs typeface="Arial" panose="020B0604020202020204" pitchFamily="34" charset="0"/>
               </a:rPr>
-              <a:t>점자 정보</a:t>
+              <a:t>자 정보</a:t>
             </a:r>
             <a:r>
               <a:rPr lang="ko-KR" altLang="en-US" sz="1200" dirty="0">
@@ -15289,7 +15401,7 @@
                 <a:ea typeface="a옛날목욕탕L" panose="02020600000000000000" pitchFamily="18" charset="-127"/>
                 <a:cs typeface="Arial" panose="020B0604020202020204" pitchFamily="34" charset="0"/>
               </a:rPr>
-              <a:t>를 입력 받으면 </a:t>
+              <a:t>는 </a:t>
             </a:r>
             <a:r>
               <a:rPr lang="en-US" altLang="ko-KR" sz="1200" dirty="0">
@@ -15701,23 +15813,7 @@
                 <a:ea typeface="a옛날목욕탕L" panose="02020600000000000000" pitchFamily="18" charset="-127"/>
                 <a:cs typeface="Arial" panose="020B0604020202020204" pitchFamily="34" charset="0"/>
               </a:rPr>
-              <a:t> </a:t>
-            </a:r>
-            <a:r>
-              <a:rPr lang="ko-KR" altLang="en-US" sz="1400" dirty="0">
-                <a:latin typeface="a옛날목욕탕L" panose="02020600000000000000" pitchFamily="18" charset="-127"/>
-                <a:ea typeface="a옛날목욕탕L" panose="02020600000000000000" pitchFamily="18" charset="-127"/>
-                <a:cs typeface="Arial" panose="020B0604020202020204" pitchFamily="34" charset="0"/>
-              </a:rPr>
-              <a:t>및</a:t>
-            </a:r>
-            <a:r>
-              <a:rPr lang="en-US" altLang="ko-KR" sz="1400" dirty="0">
-                <a:latin typeface="a옛날목욕탕L" panose="02020600000000000000" pitchFamily="18" charset="-127"/>
-                <a:ea typeface="a옛날목욕탕L" panose="02020600000000000000" pitchFamily="18" charset="-127"/>
-                <a:cs typeface="Arial" panose="020B0604020202020204" pitchFamily="34" charset="0"/>
-              </a:rPr>
-              <a:t> BEE Device</a:t>
+              <a:t> or BEE Device</a:t>
             </a:r>
             <a:r>
               <a:rPr lang="ko-KR" altLang="ko-KR" sz="1400" dirty="0">
@@ -16157,11 +16253,11 @@
               <a:t>2. </a:t>
             </a:r>
             <a:r>
-              <a:rPr lang="ko-KR" altLang="en-US" dirty="0">
-                <a:latin typeface="a옛날목욕탕L" panose="02020600000000000000" pitchFamily="18" charset="-127"/>
-                <a:ea typeface="a옛날목욕탕L" panose="02020600000000000000" pitchFamily="18" charset="-127"/>
-              </a:rPr>
-              <a:t>사전 검색기능</a:t>
+              <a:rPr lang="ko-KR" altLang="en-US">
+                <a:latin typeface="a옛날목욕탕L" panose="02020600000000000000" pitchFamily="18" charset="-127"/>
+                <a:ea typeface="a옛날목욕탕L" panose="02020600000000000000" pitchFamily="18" charset="-127"/>
+              </a:rPr>
+              <a:t>사전 검색 기능</a:t>
             </a:r>
             <a:endParaRPr lang="ko-KR" altLang="ko-KR" sz="1600" dirty="0">
               <a:latin typeface="a옛날목욕탕L" panose="02020600000000000000" pitchFamily="18" charset="-127"/>
@@ -17691,7 +17787,7 @@
         </p:nvSpPr>
         <p:spPr>
           <a:xfrm>
-            <a:off x="6096000" y="2671630"/>
+            <a:off x="6096000" y="2854788"/>
             <a:ext cx="6015317" cy="2369880"/>
           </a:xfrm>
           <a:prstGeom prst="rect">
@@ -17888,23 +17984,7 @@
                 <a:ea typeface="a옛날목욕탕L" panose="02020600000000000000" pitchFamily="18" charset="-127"/>
                 <a:cs typeface="Arial" panose="020B0604020202020204" pitchFamily="34" charset="0"/>
               </a:rPr>
-              <a:t>점</a:t>
-            </a:r>
-            <a:r>
-              <a:rPr lang="ko-KR" altLang="ko-KR" sz="1200" dirty="0">
-                <a:latin typeface="a옛날목욕탕L" panose="02020600000000000000" pitchFamily="18" charset="-127"/>
-                <a:ea typeface="a옛날목욕탕L" panose="02020600000000000000" pitchFamily="18" charset="-127"/>
-                <a:cs typeface="Arial" panose="020B0604020202020204" pitchFamily="34" charset="0"/>
-              </a:rPr>
-              <a:t>자 정보</a:t>
-            </a:r>
-            <a:r>
-              <a:rPr lang="ko-KR" altLang="en-US" sz="1200" dirty="0">
-                <a:latin typeface="a옛날목욕탕L" panose="02020600000000000000" pitchFamily="18" charset="-127"/>
-                <a:ea typeface="a옛날목욕탕L" panose="02020600000000000000" pitchFamily="18" charset="-127"/>
-                <a:cs typeface="Arial" panose="020B0604020202020204" pitchFamily="34" charset="0"/>
-              </a:rPr>
-              <a:t>를 입력 받으면 </a:t>
+              <a:t>입력 받은 점자 정보는 </a:t>
             </a:r>
             <a:r>
               <a:rPr lang="en-US" altLang="ko-KR" sz="1200" dirty="0">
@@ -18133,14 +18213,14 @@
                 <a:latin typeface="a옛날목욕탕L" panose="02020600000000000000" pitchFamily="18" charset="-127"/>
                 <a:ea typeface="a옛날목욕탕L" panose="02020600000000000000" pitchFamily="18" charset="-127"/>
               </a:rPr>
-              <a:t>, BEE Device</a:t>
-            </a:r>
-            <a:r>
-              <a:rPr lang="ko-KR" altLang="ko-KR" sz="1200" dirty="0">
-                <a:latin typeface="a옛날목욕탕L" panose="02020600000000000000" pitchFamily="18" charset="-127"/>
-                <a:ea typeface="a옛날목욕탕L" panose="02020600000000000000" pitchFamily="18" charset="-127"/>
-              </a:rPr>
-              <a:t>의 점자 출력부를 통해 </a:t>
+              <a:t>, </a:t>
+            </a:r>
+            <a:r>
+              <a:rPr lang="ko-KR" altLang="en-US" sz="1200" dirty="0">
+                <a:latin typeface="a옛날목욕탕L" panose="02020600000000000000" pitchFamily="18" charset="-127"/>
+                <a:ea typeface="a옛날목욕탕L" panose="02020600000000000000" pitchFamily="18" charset="-127"/>
+              </a:rPr>
+              <a:t>해당 검색 결과를 점자로 변환하여 </a:t>
             </a:r>
             <a:endParaRPr lang="en-US" altLang="ko-KR" sz="1200" dirty="0">
               <a:latin typeface="a옛날목욕탕L" panose="02020600000000000000" pitchFamily="18" charset="-127"/>
@@ -18161,14 +18241,14 @@
                 <a:latin typeface="a옛날목욕탕L" panose="02020600000000000000" pitchFamily="18" charset="-127"/>
                 <a:ea typeface="a옛날목욕탕L" panose="02020600000000000000" pitchFamily="18" charset="-127"/>
               </a:rPr>
-              <a:t>          </a:t>
+              <a:t>          BEE Device</a:t>
             </a:r>
             <a:r>
               <a:rPr lang="ko-KR" altLang="ko-KR" sz="1200" dirty="0">
                 <a:latin typeface="a옛날목욕탕L" panose="02020600000000000000" pitchFamily="18" charset="-127"/>
                 <a:ea typeface="a옛날목욕탕L" panose="02020600000000000000" pitchFamily="18" charset="-127"/>
               </a:rPr>
-              <a:t>출력하는 기능을 제공한다</a:t>
+              <a:t>의 점자 출력부를 통해 출력하는 기능을 제공한다</a:t>
             </a:r>
             <a:r>
               <a:rPr lang="en-US" altLang="ko-KR" sz="1200" dirty="0">
@@ -19006,7 +19086,7 @@
                 <a:latin typeface="a옛날목욕탕L" panose="02020600000000000000" pitchFamily="18" charset="-127"/>
                 <a:ea typeface="a옛날목욕탕L" panose="02020600000000000000" pitchFamily="18" charset="-127"/>
               </a:rPr>
-              <a:t>어플리케이션에 인터넷을 이용할 수 있는 기능 추가</a:t>
+              <a:t>모바일 어플리케이션에 인터넷을 이용할 수 있는 기능 추가</a:t>
             </a:r>
             <a:endParaRPr lang="en-US" altLang="ko-KR" sz="1400" dirty="0">
               <a:latin typeface="a옛날목욕탕L" panose="02020600000000000000" pitchFamily="18" charset="-127"/>
